--- a/Data Analytics and Information Virtualization Project.pptx
+++ b/Data Analytics and Information Virtualization Project.pptx
@@ -172,7 +172,7 @@
           <a:noFill/>
           <a:extLst>
             <a:ext uri="{909E8E84-426E-40dd-AFC4-6F175D3DCCD1}">
-              <a14:hiddenFill xmlns="" xmlns:a14="http://schemas.microsoft.com/office/drawing/2010/main">
+              <a14:hiddenFill xmlns:a14="http://schemas.microsoft.com/office/drawing/2010/main" xmlns="">
                 <a:solidFill>
                   <a:srgbClr val="FFFFFF"/>
                 </a:solidFill>
@@ -232,7 +232,7 @@
             </a:ln>
             <a:extLst>
               <a:ext uri="{91240B29-F687-4f45-9708-019B960494DF}">
-                <a14:hiddenLine xmlns="" xmlns:a14="http://schemas.microsoft.com/office/drawing/2010/main" w="9525">
+                <a14:hiddenLine xmlns:a14="http://schemas.microsoft.com/office/drawing/2010/main" xmlns="" w="9525">
                   <a:solidFill>
                     <a:srgbClr val="000000"/>
                   </a:solidFill>
@@ -322,7 +322,7 @@
             </a:ln>
             <a:extLst>
               <a:ext uri="{91240B29-F687-4f45-9708-019B960494DF}">
-                <a14:hiddenLine xmlns="" xmlns:a14="http://schemas.microsoft.com/office/drawing/2010/main" w="9525">
+                <a14:hiddenLine xmlns:a14="http://schemas.microsoft.com/office/drawing/2010/main" xmlns="" w="9525">
                   <a:solidFill>
                     <a:srgbClr val="000000"/>
                   </a:solidFill>
@@ -412,7 +412,7 @@
             </a:ln>
             <a:extLst>
               <a:ext uri="{91240B29-F687-4f45-9708-019B960494DF}">
-                <a14:hiddenLine xmlns="" xmlns:a14="http://schemas.microsoft.com/office/drawing/2010/main" w="9525">
+                <a14:hiddenLine xmlns:a14="http://schemas.microsoft.com/office/drawing/2010/main" xmlns="" w="9525">
                   <a:solidFill>
                     <a:srgbClr val="000000"/>
                   </a:solidFill>
@@ -446,7 +446,7 @@
             </a:ln>
             <a:extLst>
               <a:ext uri="{91240B29-F687-4f45-9708-019B960494DF}">
-                <a14:hiddenLine xmlns="" xmlns:a14="http://schemas.microsoft.com/office/drawing/2010/main" w="9525">
+                <a14:hiddenLine xmlns:a14="http://schemas.microsoft.com/office/drawing/2010/main" xmlns="" w="9525">
                   <a:solidFill>
                     <a:srgbClr val="000000"/>
                   </a:solidFill>
@@ -536,7 +536,7 @@
             </a:ln>
             <a:extLst>
               <a:ext uri="{91240B29-F687-4f45-9708-019B960494DF}">
-                <a14:hiddenLine xmlns="" xmlns:a14="http://schemas.microsoft.com/office/drawing/2010/main" w="9525">
+                <a14:hiddenLine xmlns:a14="http://schemas.microsoft.com/office/drawing/2010/main" xmlns="" w="9525">
                   <a:solidFill>
                     <a:srgbClr val="000000"/>
                   </a:solidFill>
@@ -598,7 +598,7 @@
             </a:ln>
             <a:extLst>
               <a:ext uri="{91240B29-F687-4f45-9708-019B960494DF}">
-                <a14:hiddenLine xmlns="" xmlns:a14="http://schemas.microsoft.com/office/drawing/2010/main" w="9525">
+                <a14:hiddenLine xmlns:a14="http://schemas.microsoft.com/office/drawing/2010/main" xmlns="" w="9525">
                   <a:solidFill>
                     <a:srgbClr val="000000"/>
                   </a:solidFill>
@@ -660,7 +660,7 @@
             </a:ln>
             <a:extLst>
               <a:ext uri="{91240B29-F687-4f45-9708-019B960494DF}">
-                <a14:hiddenLine xmlns="" xmlns:a14="http://schemas.microsoft.com/office/drawing/2010/main" w="9525">
+                <a14:hiddenLine xmlns:a14="http://schemas.microsoft.com/office/drawing/2010/main" xmlns="" w="9525">
                   <a:solidFill>
                     <a:srgbClr val="000000"/>
                   </a:solidFill>
@@ -750,7 +750,7 @@
             </a:ln>
             <a:extLst>
               <a:ext uri="{91240B29-F687-4f45-9708-019B960494DF}">
-                <a14:hiddenLine xmlns="" xmlns:a14="http://schemas.microsoft.com/office/drawing/2010/main" w="9525">
+                <a14:hiddenLine xmlns:a14="http://schemas.microsoft.com/office/drawing/2010/main" xmlns="" w="9525">
                   <a:solidFill>
                     <a:srgbClr val="000000"/>
                   </a:solidFill>
@@ -812,7 +812,7 @@
             </a:ln>
             <a:extLst>
               <a:ext uri="{91240B29-F687-4f45-9708-019B960494DF}">
-                <a14:hiddenLine xmlns="" xmlns:a14="http://schemas.microsoft.com/office/drawing/2010/main" w="9525">
+                <a14:hiddenLine xmlns:a14="http://schemas.microsoft.com/office/drawing/2010/main" xmlns="" w="9525">
                   <a:solidFill>
                     <a:srgbClr val="000000"/>
                   </a:solidFill>
@@ -874,7 +874,7 @@
             </a:ln>
             <a:extLst>
               <a:ext uri="{91240B29-F687-4f45-9708-019B960494DF}">
-                <a14:hiddenLine xmlns="" xmlns:a14="http://schemas.microsoft.com/office/drawing/2010/main" w="9525">
+                <a14:hiddenLine xmlns:a14="http://schemas.microsoft.com/office/drawing/2010/main" xmlns="" w="9525">
                   <a:solidFill>
                     <a:srgbClr val="000000"/>
                   </a:solidFill>
@@ -964,7 +964,7 @@
             </a:ln>
             <a:extLst>
               <a:ext uri="{91240B29-F687-4f45-9708-019B960494DF}">
-                <a14:hiddenLine xmlns="" xmlns:a14="http://schemas.microsoft.com/office/drawing/2010/main" w="9525">
+                <a14:hiddenLine xmlns:a14="http://schemas.microsoft.com/office/drawing/2010/main" xmlns="" w="9525">
                   <a:solidFill>
                     <a:srgbClr val="000000"/>
                   </a:solidFill>
@@ -1054,7 +1054,7 @@
             </a:ln>
             <a:extLst>
               <a:ext uri="{91240B29-F687-4f45-9708-019B960494DF}">
-                <a14:hiddenLine xmlns="" xmlns:a14="http://schemas.microsoft.com/office/drawing/2010/main" w="9525">
+                <a14:hiddenLine xmlns:a14="http://schemas.microsoft.com/office/drawing/2010/main" xmlns="" w="9525">
                   <a:solidFill>
                     <a:srgbClr val="000000"/>
                   </a:solidFill>
@@ -1116,7 +1116,7 @@
             </a:ln>
             <a:extLst>
               <a:ext uri="{91240B29-F687-4f45-9708-019B960494DF}">
-                <a14:hiddenLine xmlns="" xmlns:a14="http://schemas.microsoft.com/office/drawing/2010/main" w="9525">
+                <a14:hiddenLine xmlns:a14="http://schemas.microsoft.com/office/drawing/2010/main" xmlns="" w="9525">
                   <a:solidFill>
                     <a:srgbClr val="000000"/>
                   </a:solidFill>
@@ -1226,7 +1226,7 @@
             </a:ln>
             <a:extLst>
               <a:ext uri="{91240B29-F687-4f45-9708-019B960494DF}">
-                <a14:hiddenLine xmlns="" xmlns:a14="http://schemas.microsoft.com/office/drawing/2010/main" w="9525">
+                <a14:hiddenLine xmlns:a14="http://schemas.microsoft.com/office/drawing/2010/main" xmlns="" w="9525">
                   <a:solidFill>
                     <a:srgbClr val="000000"/>
                   </a:solidFill>
@@ -1288,7 +1288,7 @@
             </a:ln>
             <a:extLst>
               <a:ext uri="{91240B29-F687-4f45-9708-019B960494DF}">
-                <a14:hiddenLine xmlns="" xmlns:a14="http://schemas.microsoft.com/office/drawing/2010/main" w="9525">
+                <a14:hiddenLine xmlns:a14="http://schemas.microsoft.com/office/drawing/2010/main" xmlns="" w="9525">
                   <a:solidFill>
                     <a:srgbClr val="000000"/>
                   </a:solidFill>
@@ -1378,7 +1378,7 @@
             </a:ln>
             <a:extLst>
               <a:ext uri="{91240B29-F687-4f45-9708-019B960494DF}">
-                <a14:hiddenLine xmlns="" xmlns:a14="http://schemas.microsoft.com/office/drawing/2010/main" w="9525">
+                <a14:hiddenLine xmlns:a14="http://schemas.microsoft.com/office/drawing/2010/main" xmlns="" w="9525">
                   <a:solidFill>
                     <a:srgbClr val="000000"/>
                   </a:solidFill>
@@ -1468,7 +1468,7 @@
             </a:ln>
             <a:extLst>
               <a:ext uri="{91240B29-F687-4f45-9708-019B960494DF}">
-                <a14:hiddenLine xmlns="" xmlns:a14="http://schemas.microsoft.com/office/drawing/2010/main" w="9525">
+                <a14:hiddenLine xmlns:a14="http://schemas.microsoft.com/office/drawing/2010/main" xmlns="" w="9525">
                   <a:solidFill>
                     <a:srgbClr val="000000"/>
                   </a:solidFill>
@@ -1530,7 +1530,7 @@
             </a:ln>
             <a:extLst>
               <a:ext uri="{91240B29-F687-4f45-9708-019B960494DF}">
-                <a14:hiddenLine xmlns="" xmlns:a14="http://schemas.microsoft.com/office/drawing/2010/main" w="9525">
+                <a14:hiddenLine xmlns:a14="http://schemas.microsoft.com/office/drawing/2010/main" xmlns="" w="9525">
                   <a:solidFill>
                     <a:srgbClr val="000000"/>
                   </a:solidFill>
@@ -1620,7 +1620,7 @@
             </a:ln>
             <a:extLst>
               <a:ext uri="{91240B29-F687-4f45-9708-019B960494DF}">
-                <a14:hiddenLine xmlns="" xmlns:a14="http://schemas.microsoft.com/office/drawing/2010/main" w="9525">
+                <a14:hiddenLine xmlns:a14="http://schemas.microsoft.com/office/drawing/2010/main" xmlns="" w="9525">
                   <a:solidFill>
                     <a:srgbClr val="000000"/>
                   </a:solidFill>
@@ -1710,7 +1710,7 @@
             </a:ln>
             <a:extLst>
               <a:ext uri="{91240B29-F687-4f45-9708-019B960494DF}">
-                <a14:hiddenLine xmlns="" xmlns:a14="http://schemas.microsoft.com/office/drawing/2010/main" w="9525">
+                <a14:hiddenLine xmlns:a14="http://schemas.microsoft.com/office/drawing/2010/main" xmlns="" w="9525">
                   <a:solidFill>
                     <a:srgbClr val="000000"/>
                   </a:solidFill>
@@ -1766,7 +1766,7 @@
             </a:ln>
             <a:extLst>
               <a:ext uri="{91240B29-F687-4f45-9708-019B960494DF}">
-                <a14:hiddenLine xmlns="" xmlns:a14="http://schemas.microsoft.com/office/drawing/2010/main" w="9525">
+                <a14:hiddenLine xmlns:a14="http://schemas.microsoft.com/office/drawing/2010/main" xmlns="" w="9525">
                   <a:solidFill>
                     <a:srgbClr val="000000"/>
                   </a:solidFill>
@@ -1856,7 +1856,7 @@
             </a:ln>
             <a:extLst>
               <a:ext uri="{91240B29-F687-4f45-9708-019B960494DF}">
-                <a14:hiddenLine xmlns="" xmlns:a14="http://schemas.microsoft.com/office/drawing/2010/main" w="9525">
+                <a14:hiddenLine xmlns:a14="http://schemas.microsoft.com/office/drawing/2010/main" xmlns="" w="9525">
                   <a:solidFill>
                     <a:srgbClr val="000000"/>
                   </a:solidFill>
@@ -1912,7 +1912,7 @@
             </a:ln>
             <a:extLst>
               <a:ext uri="{91240B29-F687-4f45-9708-019B960494DF}">
-                <a14:hiddenLine xmlns="" xmlns:a14="http://schemas.microsoft.com/office/drawing/2010/main" w="9525">
+                <a14:hiddenLine xmlns:a14="http://schemas.microsoft.com/office/drawing/2010/main" xmlns="" w="9525">
                   <a:solidFill>
                     <a:srgbClr val="000000"/>
                   </a:solidFill>
@@ -2002,7 +2002,7 @@
             </a:ln>
             <a:extLst>
               <a:ext uri="{91240B29-F687-4f45-9708-019B960494DF}">
-                <a14:hiddenLine xmlns="" xmlns:a14="http://schemas.microsoft.com/office/drawing/2010/main" w="9525">
+                <a14:hiddenLine xmlns:a14="http://schemas.microsoft.com/office/drawing/2010/main" xmlns="" w="9525">
                   <a:solidFill>
                     <a:srgbClr val="000000"/>
                   </a:solidFill>
@@ -2070,7 +2070,7 @@
             </a:ln>
             <a:extLst>
               <a:ext uri="{91240B29-F687-4f45-9708-019B960494DF}">
-                <a14:hiddenLine xmlns="" xmlns:a14="http://schemas.microsoft.com/office/drawing/2010/main" w="9525">
+                <a14:hiddenLine xmlns:a14="http://schemas.microsoft.com/office/drawing/2010/main" xmlns="" w="9525">
                   <a:solidFill>
                     <a:srgbClr val="000000"/>
                   </a:solidFill>
@@ -2160,7 +2160,7 @@
             </a:ln>
             <a:extLst>
               <a:ext uri="{91240B29-F687-4f45-9708-019B960494DF}">
-                <a14:hiddenLine xmlns="" xmlns:a14="http://schemas.microsoft.com/office/drawing/2010/main" w="9525">
+                <a14:hiddenLine xmlns:a14="http://schemas.microsoft.com/office/drawing/2010/main" xmlns="" w="9525">
                   <a:solidFill>
                     <a:srgbClr val="000000"/>
                   </a:solidFill>
@@ -2228,7 +2228,7 @@
             </a:ln>
             <a:extLst>
               <a:ext uri="{91240B29-F687-4f45-9708-019B960494DF}">
-                <a14:hiddenLine xmlns="" xmlns:a14="http://schemas.microsoft.com/office/drawing/2010/main" w="9525">
+                <a14:hiddenLine xmlns:a14="http://schemas.microsoft.com/office/drawing/2010/main" xmlns="" w="9525">
                   <a:solidFill>
                     <a:srgbClr val="000000"/>
                   </a:solidFill>
@@ -2318,7 +2318,7 @@
             </a:ln>
             <a:extLst>
               <a:ext uri="{91240B29-F687-4f45-9708-019B960494DF}">
-                <a14:hiddenLine xmlns="" xmlns:a14="http://schemas.microsoft.com/office/drawing/2010/main" w="9525">
+                <a14:hiddenLine xmlns:a14="http://schemas.microsoft.com/office/drawing/2010/main" xmlns="" w="9525">
                   <a:solidFill>
                     <a:srgbClr val="000000"/>
                   </a:solidFill>
@@ -2352,7 +2352,7 @@
             </a:ln>
             <a:extLst>
               <a:ext uri="{91240B29-F687-4f45-9708-019B960494DF}">
-                <a14:hiddenLine xmlns="" xmlns:a14="http://schemas.microsoft.com/office/drawing/2010/main" w="9525">
+                <a14:hiddenLine xmlns:a14="http://schemas.microsoft.com/office/drawing/2010/main" xmlns="" w="9525">
                   <a:solidFill>
                     <a:srgbClr val="000000"/>
                   </a:solidFill>
@@ -2442,7 +2442,7 @@
             </a:ln>
             <a:extLst>
               <a:ext uri="{91240B29-F687-4f45-9708-019B960494DF}">
-                <a14:hiddenLine xmlns="" xmlns:a14="http://schemas.microsoft.com/office/drawing/2010/main" w="9525">
+                <a14:hiddenLine xmlns:a14="http://schemas.microsoft.com/office/drawing/2010/main" xmlns="" w="9525">
                   <a:solidFill>
                     <a:srgbClr val="000000"/>
                   </a:solidFill>
@@ -2504,7 +2504,7 @@
             </a:ln>
             <a:extLst>
               <a:ext uri="{91240B29-F687-4f45-9708-019B960494DF}">
-                <a14:hiddenLine xmlns="" xmlns:a14="http://schemas.microsoft.com/office/drawing/2010/main" w="9525">
+                <a14:hiddenLine xmlns:a14="http://schemas.microsoft.com/office/drawing/2010/main" xmlns="" w="9525">
                   <a:solidFill>
                     <a:srgbClr val="000000"/>
                   </a:solidFill>
@@ -2566,7 +2566,7 @@
             </a:ln>
             <a:extLst>
               <a:ext uri="{91240B29-F687-4f45-9708-019B960494DF}">
-                <a14:hiddenLine xmlns="" xmlns:a14="http://schemas.microsoft.com/office/drawing/2010/main" w="9525">
+                <a14:hiddenLine xmlns:a14="http://schemas.microsoft.com/office/drawing/2010/main" xmlns="" w="9525">
                   <a:solidFill>
                     <a:srgbClr val="000000"/>
                   </a:solidFill>
@@ -2656,7 +2656,7 @@
             </a:ln>
             <a:extLst>
               <a:ext uri="{91240B29-F687-4f45-9708-019B960494DF}">
-                <a14:hiddenLine xmlns="" xmlns:a14="http://schemas.microsoft.com/office/drawing/2010/main" w="9525">
+                <a14:hiddenLine xmlns:a14="http://schemas.microsoft.com/office/drawing/2010/main" xmlns="" w="9525">
                   <a:solidFill>
                     <a:srgbClr val="000000"/>
                   </a:solidFill>
@@ -2724,7 +2724,7 @@
             </a:ln>
             <a:extLst>
               <a:ext uri="{91240B29-F687-4f45-9708-019B960494DF}">
-                <a14:hiddenLine xmlns="" xmlns:a14="http://schemas.microsoft.com/office/drawing/2010/main" w="9525">
+                <a14:hiddenLine xmlns:a14="http://schemas.microsoft.com/office/drawing/2010/main" xmlns="" w="9525">
                   <a:solidFill>
                     <a:srgbClr val="000000"/>
                   </a:solidFill>
@@ -2786,7 +2786,7 @@
             </a:ln>
             <a:extLst>
               <a:ext uri="{91240B29-F687-4f45-9708-019B960494DF}">
-                <a14:hiddenLine xmlns="" xmlns:a14="http://schemas.microsoft.com/office/drawing/2010/main" w="9525">
+                <a14:hiddenLine xmlns:a14="http://schemas.microsoft.com/office/drawing/2010/main" xmlns="" w="9525">
                   <a:solidFill>
                     <a:srgbClr val="000000"/>
                   </a:solidFill>
@@ -2876,7 +2876,7 @@
             </a:ln>
             <a:extLst>
               <a:ext uri="{91240B29-F687-4f45-9708-019B960494DF}">
-                <a14:hiddenLine xmlns="" xmlns:a14="http://schemas.microsoft.com/office/drawing/2010/main" w="9525">
+                <a14:hiddenLine xmlns:a14="http://schemas.microsoft.com/office/drawing/2010/main" xmlns="" w="9525">
                   <a:solidFill>
                     <a:srgbClr val="000000"/>
                   </a:solidFill>
@@ -2938,7 +2938,7 @@
             </a:ln>
             <a:extLst>
               <a:ext uri="{91240B29-F687-4f45-9708-019B960494DF}">
-                <a14:hiddenLine xmlns="" xmlns:a14="http://schemas.microsoft.com/office/drawing/2010/main" w="9525">
+                <a14:hiddenLine xmlns:a14="http://schemas.microsoft.com/office/drawing/2010/main" xmlns="" w="9525">
                   <a:solidFill>
                     <a:srgbClr val="000000"/>
                   </a:solidFill>
@@ -3028,7 +3028,7 @@
             </a:ln>
             <a:extLst>
               <a:ext uri="{91240B29-F687-4f45-9708-019B960494DF}">
-                <a14:hiddenLine xmlns="" xmlns:a14="http://schemas.microsoft.com/office/drawing/2010/main" w="9525">
+                <a14:hiddenLine xmlns:a14="http://schemas.microsoft.com/office/drawing/2010/main" xmlns="" w="9525">
                   <a:solidFill>
                     <a:srgbClr val="000000"/>
                   </a:solidFill>
@@ -3090,7 +3090,7 @@
             </a:ln>
             <a:extLst>
               <a:ext uri="{91240B29-F687-4f45-9708-019B960494DF}">
-                <a14:hiddenLine xmlns="" xmlns:a14="http://schemas.microsoft.com/office/drawing/2010/main" w="9525">
+                <a14:hiddenLine xmlns:a14="http://schemas.microsoft.com/office/drawing/2010/main" xmlns="" w="9525">
                   <a:solidFill>
                     <a:srgbClr val="000000"/>
                   </a:solidFill>
@@ -3180,7 +3180,7 @@
             </a:ln>
             <a:extLst>
               <a:ext uri="{91240B29-F687-4f45-9708-019B960494DF}">
-                <a14:hiddenLine xmlns="" xmlns:a14="http://schemas.microsoft.com/office/drawing/2010/main" w="9525">
+                <a14:hiddenLine xmlns:a14="http://schemas.microsoft.com/office/drawing/2010/main" xmlns="" w="9525">
                   <a:solidFill>
                     <a:srgbClr val="000000"/>
                   </a:solidFill>
@@ -3214,7 +3214,7 @@
             </a:ln>
             <a:extLst>
               <a:ext uri="{91240B29-F687-4f45-9708-019B960494DF}">
-                <a14:hiddenLine xmlns="" xmlns:a14="http://schemas.microsoft.com/office/drawing/2010/main" w="9525">
+                <a14:hiddenLine xmlns:a14="http://schemas.microsoft.com/office/drawing/2010/main" xmlns="" w="9525">
                   <a:solidFill>
                     <a:srgbClr val="000000"/>
                   </a:solidFill>
@@ -3279,7 +3279,7 @@
             </a:ln>
             <a:extLst>
               <a:ext uri="{91240B29-F687-4f45-9708-019B960494DF}">
-                <a14:hiddenLine xmlns="" xmlns:a14="http://schemas.microsoft.com/office/drawing/2010/main" w="9525">
+                <a14:hiddenLine xmlns:a14="http://schemas.microsoft.com/office/drawing/2010/main" xmlns="" w="9525">
                   <a:solidFill>
                     <a:srgbClr val="000000"/>
                   </a:solidFill>
@@ -3369,7 +3369,7 @@
             </a:ln>
             <a:extLst>
               <a:ext uri="{91240B29-F687-4f45-9708-019B960494DF}">
-                <a14:hiddenLine xmlns="" xmlns:a14="http://schemas.microsoft.com/office/drawing/2010/main" w="9525">
+                <a14:hiddenLine xmlns:a14="http://schemas.microsoft.com/office/drawing/2010/main" xmlns="" w="9525">
                   <a:solidFill>
                     <a:srgbClr val="000000"/>
                   </a:solidFill>
@@ -3431,7 +3431,7 @@
             </a:ln>
             <a:extLst>
               <a:ext uri="{91240B29-F687-4f45-9708-019B960494DF}">
-                <a14:hiddenLine xmlns="" xmlns:a14="http://schemas.microsoft.com/office/drawing/2010/main" w="9525">
+                <a14:hiddenLine xmlns:a14="http://schemas.microsoft.com/office/drawing/2010/main" xmlns="" w="9525">
                   <a:solidFill>
                     <a:srgbClr val="000000"/>
                   </a:solidFill>
@@ -3521,7 +3521,7 @@
             </a:ln>
             <a:extLst>
               <a:ext uri="{91240B29-F687-4f45-9708-019B960494DF}">
-                <a14:hiddenLine xmlns="" xmlns:a14="http://schemas.microsoft.com/office/drawing/2010/main" w="9525">
+                <a14:hiddenLine xmlns:a14="http://schemas.microsoft.com/office/drawing/2010/main" xmlns="" w="9525">
                   <a:solidFill>
                     <a:srgbClr val="000000"/>
                   </a:solidFill>
@@ -3611,7 +3611,7 @@
             </a:ln>
             <a:extLst>
               <a:ext uri="{91240B29-F687-4f45-9708-019B960494DF}">
-                <a14:hiddenLine xmlns="" xmlns:a14="http://schemas.microsoft.com/office/drawing/2010/main" w="9525">
+                <a14:hiddenLine xmlns:a14="http://schemas.microsoft.com/office/drawing/2010/main" xmlns="" w="9525">
                   <a:solidFill>
                     <a:srgbClr val="000000"/>
                   </a:solidFill>
@@ -3676,7 +3676,7 @@
             </a:ln>
             <a:extLst>
               <a:ext uri="{91240B29-F687-4f45-9708-019B960494DF}">
-                <a14:hiddenLine xmlns="" xmlns:a14="http://schemas.microsoft.com/office/drawing/2010/main" w="9525">
+                <a14:hiddenLine xmlns:a14="http://schemas.microsoft.com/office/drawing/2010/main" xmlns="" w="9525">
                   <a:solidFill>
                     <a:srgbClr val="000000"/>
                   </a:solidFill>
@@ -3738,7 +3738,7 @@
             </a:ln>
             <a:extLst>
               <a:ext uri="{91240B29-F687-4f45-9708-019B960494DF}">
-                <a14:hiddenLine xmlns="" xmlns:a14="http://schemas.microsoft.com/office/drawing/2010/main" w="9525">
+                <a14:hiddenLine xmlns:a14="http://schemas.microsoft.com/office/drawing/2010/main" xmlns="" w="9525">
                   <a:solidFill>
                     <a:srgbClr val="000000"/>
                   </a:solidFill>
@@ -3828,7 +3828,7 @@
             </a:ln>
             <a:extLst>
               <a:ext uri="{91240B29-F687-4f45-9708-019B960494DF}">
-                <a14:hiddenLine xmlns="" xmlns:a14="http://schemas.microsoft.com/office/drawing/2010/main" w="9525">
+                <a14:hiddenLine xmlns:a14="http://schemas.microsoft.com/office/drawing/2010/main" xmlns="" w="9525">
                   <a:solidFill>
                     <a:srgbClr val="000000"/>
                   </a:solidFill>
@@ -3918,7 +3918,7 @@
             </a:ln>
             <a:extLst>
               <a:ext uri="{91240B29-F687-4f45-9708-019B960494DF}">
-                <a14:hiddenLine xmlns="" xmlns:a14="http://schemas.microsoft.com/office/drawing/2010/main" w="9525">
+                <a14:hiddenLine xmlns:a14="http://schemas.microsoft.com/office/drawing/2010/main" xmlns="" w="9525">
                   <a:solidFill>
                     <a:srgbClr val="000000"/>
                   </a:solidFill>
@@ -3980,7 +3980,7 @@
             </a:ln>
             <a:extLst>
               <a:ext uri="{91240B29-F687-4f45-9708-019B960494DF}">
-                <a14:hiddenLine xmlns="" xmlns:a14="http://schemas.microsoft.com/office/drawing/2010/main" w="9525">
+                <a14:hiddenLine xmlns:a14="http://schemas.microsoft.com/office/drawing/2010/main" xmlns="" w="9525">
                   <a:solidFill>
                     <a:srgbClr val="000000"/>
                   </a:solidFill>
@@ -4100,7 +4100,7 @@
             </a:ln>
             <a:extLst>
               <a:ext uri="{91240B29-F687-4f45-9708-019B960494DF}">
-                <a14:hiddenLine xmlns="" xmlns:a14="http://schemas.microsoft.com/office/drawing/2010/main" w="9525">
+                <a14:hiddenLine xmlns:a14="http://schemas.microsoft.com/office/drawing/2010/main" xmlns="" w="9525">
                   <a:solidFill>
                     <a:srgbClr val="000000"/>
                   </a:solidFill>
@@ -4168,7 +4168,7 @@
             </a:ln>
             <a:extLst>
               <a:ext uri="{91240B29-F687-4f45-9708-019B960494DF}">
-                <a14:hiddenLine xmlns="" xmlns:a14="http://schemas.microsoft.com/office/drawing/2010/main" w="9525">
+                <a14:hiddenLine xmlns:a14="http://schemas.microsoft.com/office/drawing/2010/main" xmlns="" w="9525">
                   <a:solidFill>
                     <a:srgbClr val="000000"/>
                   </a:solidFill>
@@ -4258,7 +4258,7 @@
             </a:ln>
             <a:extLst>
               <a:ext uri="{91240B29-F687-4f45-9708-019B960494DF}">
-                <a14:hiddenLine xmlns="" xmlns:a14="http://schemas.microsoft.com/office/drawing/2010/main" w="9525">
+                <a14:hiddenLine xmlns:a14="http://schemas.microsoft.com/office/drawing/2010/main" xmlns="" w="9525">
                   <a:solidFill>
                     <a:srgbClr val="000000"/>
                   </a:solidFill>
@@ -4398,7 +4398,7 @@
           <a:p>
             <a:fld id="{48A87A34-81AB-432B-8DAE-1953F412C126}" type="datetimeFigureOut">
               <a:rPr lang="en-US" dirty="0"/>
-              <a:t>2/18/2019</a:t>
+              <a:t>2/19/19</a:t>
             </a:fld>
             <a:endParaRPr lang="en-US" dirty="0"/>
           </a:p>
@@ -4660,7 +4660,7 @@
           <a:p>
             <a:fld id="{48A87A34-81AB-432B-8DAE-1953F412C126}" type="datetimeFigureOut">
               <a:rPr lang="en-US" dirty="0"/>
-              <a:t>2/18/2019</a:t>
+              <a:t>2/19/19</a:t>
             </a:fld>
             <a:endParaRPr lang="en-US" dirty="0"/>
           </a:p>
@@ -4851,7 +4851,7 @@
           <a:p>
             <a:fld id="{48A87A34-81AB-432B-8DAE-1953F412C126}" type="datetimeFigureOut">
               <a:rPr lang="en-US" dirty="0"/>
-              <a:t>2/18/2019</a:t>
+              <a:t>2/19/19</a:t>
             </a:fld>
             <a:endParaRPr lang="en-US" dirty="0"/>
           </a:p>
@@ -5109,7 +5109,7 @@
           <a:p>
             <a:fld id="{48A87A34-81AB-432B-8DAE-1953F412C126}" type="datetimeFigureOut">
               <a:rPr lang="en-US" dirty="0"/>
-              <a:t>2/18/2019</a:t>
+              <a:t>2/19/19</a:t>
             </a:fld>
             <a:endParaRPr lang="en-US" dirty="0"/>
           </a:p>
@@ -5538,7 +5538,7 @@
           <a:p>
             <a:fld id="{48A87A34-81AB-432B-8DAE-1953F412C126}" type="datetimeFigureOut">
               <a:rPr lang="en-US" dirty="0"/>
-              <a:t>2/18/2019</a:t>
+              <a:t>2/19/19</a:t>
             </a:fld>
             <a:endParaRPr lang="en-US" dirty="0"/>
           </a:p>
@@ -6079,7 +6079,7 @@
           <a:p>
             <a:fld id="{48A87A34-81AB-432B-8DAE-1953F412C126}" type="datetimeFigureOut">
               <a:rPr lang="en-US" dirty="0"/>
-              <a:t>2/18/2019</a:t>
+              <a:t>2/19/19</a:t>
             </a:fld>
             <a:endParaRPr lang="en-US" dirty="0"/>
           </a:p>
@@ -6794,7 +6794,7 @@
           <a:p>
             <a:fld id="{48A87A34-81AB-432B-8DAE-1953F412C126}" type="datetimeFigureOut">
               <a:rPr lang="en-US" dirty="0"/>
-              <a:t>2/18/2019</a:t>
+              <a:t>2/19/19</a:t>
             </a:fld>
             <a:endParaRPr lang="en-US" dirty="0"/>
           </a:p>
@@ -6959,7 +6959,7 @@
           <a:p>
             <a:fld id="{48A87A34-81AB-432B-8DAE-1953F412C126}" type="datetimeFigureOut">
               <a:rPr lang="en-US" dirty="0"/>
-              <a:t>2/18/2019</a:t>
+              <a:t>2/19/19</a:t>
             </a:fld>
             <a:endParaRPr lang="en-US" dirty="0"/>
           </a:p>
@@ -7134,7 +7134,7 @@
           <a:p>
             <a:fld id="{48A87A34-81AB-432B-8DAE-1953F412C126}" type="datetimeFigureOut">
               <a:rPr lang="en-US" dirty="0"/>
-              <a:t>2/18/2019</a:t>
+              <a:t>2/19/19</a:t>
             </a:fld>
             <a:endParaRPr lang="en-US" dirty="0"/>
           </a:p>
@@ -7299,7 +7299,7 @@
           <a:p>
             <a:fld id="{48A87A34-81AB-432B-8DAE-1953F412C126}" type="datetimeFigureOut">
               <a:rPr lang="en-US" dirty="0"/>
-              <a:t>2/18/2019</a:t>
+              <a:t>2/19/19</a:t>
             </a:fld>
             <a:endParaRPr lang="en-US" dirty="0"/>
           </a:p>
@@ -7544,7 +7544,7 @@
           <a:p>
             <a:fld id="{48A87A34-81AB-432B-8DAE-1953F412C126}" type="datetimeFigureOut">
               <a:rPr lang="en-US" dirty="0"/>
-              <a:t>2/18/2019</a:t>
+              <a:t>2/19/19</a:t>
             </a:fld>
             <a:endParaRPr lang="en-US" dirty="0"/>
           </a:p>
@@ -7771,7 +7771,7 @@
           <a:p>
             <a:fld id="{48A87A34-81AB-432B-8DAE-1953F412C126}" type="datetimeFigureOut">
               <a:rPr lang="en-US" dirty="0"/>
-              <a:t>2/18/2019</a:t>
+              <a:t>2/19/19</a:t>
             </a:fld>
             <a:endParaRPr lang="en-US" dirty="0"/>
           </a:p>
@@ -8147,7 +8147,7 @@
           <a:p>
             <a:fld id="{48A87A34-81AB-432B-8DAE-1953F412C126}" type="datetimeFigureOut">
               <a:rPr lang="en-US" dirty="0"/>
-              <a:t>2/18/2019</a:t>
+              <a:t>2/19/19</a:t>
             </a:fld>
             <a:endParaRPr lang="en-US" dirty="0"/>
           </a:p>
@@ -8260,7 +8260,7 @@
           <a:p>
             <a:fld id="{48A87A34-81AB-432B-8DAE-1953F412C126}" type="datetimeFigureOut">
               <a:rPr lang="en-US" dirty="0"/>
-              <a:t>2/18/2019</a:t>
+              <a:t>2/19/19</a:t>
             </a:fld>
             <a:endParaRPr lang="en-US" dirty="0"/>
           </a:p>
@@ -8350,7 +8350,7 @@
           <a:p>
             <a:fld id="{48A87A34-81AB-432B-8DAE-1953F412C126}" type="datetimeFigureOut">
               <a:rPr lang="en-US" dirty="0"/>
-              <a:t>2/18/2019</a:t>
+              <a:t>2/19/19</a:t>
             </a:fld>
             <a:endParaRPr lang="en-US" dirty="0"/>
           </a:p>
@@ -8594,7 +8594,7 @@
           <a:p>
             <a:fld id="{48A87A34-81AB-432B-8DAE-1953F412C126}" type="datetimeFigureOut">
               <a:rPr lang="en-US" dirty="0"/>
-              <a:t>2/18/2019</a:t>
+              <a:t>2/19/19</a:t>
             </a:fld>
             <a:endParaRPr lang="en-US" dirty="0"/>
           </a:p>
@@ -8869,7 +8869,7 @@
           <a:p>
             <a:fld id="{48A87A34-81AB-432B-8DAE-1953F412C126}" type="datetimeFigureOut">
               <a:rPr lang="en-US" dirty="0"/>
-              <a:t>2/18/2019</a:t>
+              <a:t>2/19/19</a:t>
             </a:fld>
             <a:endParaRPr lang="en-US" dirty="0"/>
           </a:p>
@@ -8980,7 +8980,7 @@
           <a:noFill/>
           <a:extLst>
             <a:ext uri="{909E8E84-426E-40dd-AFC4-6F175D3DCCD1}">
-              <a14:hiddenFill xmlns="" xmlns:a14="http://schemas.microsoft.com/office/drawing/2010/main">
+              <a14:hiddenFill xmlns:a14="http://schemas.microsoft.com/office/drawing/2010/main" xmlns="">
                 <a:solidFill>
                   <a:srgbClr val="FFFFFF"/>
                 </a:solidFill>
@@ -9054,7 +9054,7 @@
               </a:ln>
               <a:extLst>
                 <a:ext uri="{91240B29-F687-4f45-9708-019B960494DF}">
-                  <a14:hiddenLine xmlns="" xmlns:a14="http://schemas.microsoft.com/office/drawing/2010/main" w="9525">
+                  <a14:hiddenLine xmlns:a14="http://schemas.microsoft.com/office/drawing/2010/main" xmlns="" w="9525">
                     <a:solidFill>
                       <a:srgbClr val="000000"/>
                     </a:solidFill>
@@ -9144,7 +9144,7 @@
               </a:ln>
               <a:extLst>
                 <a:ext uri="{91240B29-F687-4f45-9708-019B960494DF}">
-                  <a14:hiddenLine xmlns="" xmlns:a14="http://schemas.microsoft.com/office/drawing/2010/main" w="9525">
+                  <a14:hiddenLine xmlns:a14="http://schemas.microsoft.com/office/drawing/2010/main" xmlns="" w="9525">
                     <a:solidFill>
                       <a:srgbClr val="000000"/>
                     </a:solidFill>
@@ -9234,7 +9234,7 @@
               </a:ln>
               <a:extLst>
                 <a:ext uri="{91240B29-F687-4f45-9708-019B960494DF}">
-                  <a14:hiddenLine xmlns="" xmlns:a14="http://schemas.microsoft.com/office/drawing/2010/main" w="9525">
+                  <a14:hiddenLine xmlns:a14="http://schemas.microsoft.com/office/drawing/2010/main" xmlns="" w="9525">
                     <a:solidFill>
                       <a:srgbClr val="000000"/>
                     </a:solidFill>
@@ -9296,7 +9296,7 @@
               </a:ln>
               <a:extLst>
                 <a:ext uri="{91240B29-F687-4f45-9708-019B960494DF}">
-                  <a14:hiddenLine xmlns="" xmlns:a14="http://schemas.microsoft.com/office/drawing/2010/main" w="9525">
+                  <a14:hiddenLine xmlns:a14="http://schemas.microsoft.com/office/drawing/2010/main" xmlns="" w="9525">
                     <a:solidFill>
                       <a:srgbClr val="000000"/>
                     </a:solidFill>
@@ -9386,7 +9386,7 @@
               </a:ln>
               <a:extLst>
                 <a:ext uri="{91240B29-F687-4f45-9708-019B960494DF}">
-                  <a14:hiddenLine xmlns="" xmlns:a14="http://schemas.microsoft.com/office/drawing/2010/main" w="9525">
+                  <a14:hiddenLine xmlns:a14="http://schemas.microsoft.com/office/drawing/2010/main" xmlns="" w="9525">
                     <a:solidFill>
                       <a:srgbClr val="000000"/>
                     </a:solidFill>
@@ -9448,7 +9448,7 @@
               </a:ln>
               <a:extLst>
                 <a:ext uri="{91240B29-F687-4f45-9708-019B960494DF}">
-                  <a14:hiddenLine xmlns="" xmlns:a14="http://schemas.microsoft.com/office/drawing/2010/main" w="9525">
+                  <a14:hiddenLine xmlns:a14="http://schemas.microsoft.com/office/drawing/2010/main" xmlns="" w="9525">
                     <a:solidFill>
                       <a:srgbClr val="000000"/>
                     </a:solidFill>
@@ -9510,7 +9510,7 @@
               </a:ln>
               <a:extLst>
                 <a:ext uri="{91240B29-F687-4f45-9708-019B960494DF}">
-                  <a14:hiddenLine xmlns="" xmlns:a14="http://schemas.microsoft.com/office/drawing/2010/main" w="9525">
+                  <a14:hiddenLine xmlns:a14="http://schemas.microsoft.com/office/drawing/2010/main" xmlns="" w="9525">
                     <a:solidFill>
                       <a:srgbClr val="000000"/>
                     </a:solidFill>
@@ -9600,7 +9600,7 @@
               </a:ln>
               <a:extLst>
                 <a:ext uri="{91240B29-F687-4f45-9708-019B960494DF}">
-                  <a14:hiddenLine xmlns="" xmlns:a14="http://schemas.microsoft.com/office/drawing/2010/main" w="9525">
+                  <a14:hiddenLine xmlns:a14="http://schemas.microsoft.com/office/drawing/2010/main" xmlns="" w="9525">
                     <a:solidFill>
                       <a:srgbClr val="000000"/>
                     </a:solidFill>
@@ -9690,7 +9690,7 @@
               </a:ln>
               <a:extLst>
                 <a:ext uri="{91240B29-F687-4f45-9708-019B960494DF}">
-                  <a14:hiddenLine xmlns="" xmlns:a14="http://schemas.microsoft.com/office/drawing/2010/main" w="9525">
+                  <a14:hiddenLine xmlns:a14="http://schemas.microsoft.com/office/drawing/2010/main" xmlns="" w="9525">
                     <a:solidFill>
                       <a:srgbClr val="000000"/>
                     </a:solidFill>
@@ -9752,7 +9752,7 @@
               </a:ln>
               <a:extLst>
                 <a:ext uri="{91240B29-F687-4f45-9708-019B960494DF}">
-                  <a14:hiddenLine xmlns="" xmlns:a14="http://schemas.microsoft.com/office/drawing/2010/main" w="9525">
+                  <a14:hiddenLine xmlns:a14="http://schemas.microsoft.com/office/drawing/2010/main" xmlns="" w="9525">
                     <a:solidFill>
                       <a:srgbClr val="000000"/>
                     </a:solidFill>
@@ -9862,7 +9862,7 @@
               </a:ln>
               <a:extLst>
                 <a:ext uri="{91240B29-F687-4f45-9708-019B960494DF}">
-                  <a14:hiddenLine xmlns="" xmlns:a14="http://schemas.microsoft.com/office/drawing/2010/main" w="9525">
+                  <a14:hiddenLine xmlns:a14="http://schemas.microsoft.com/office/drawing/2010/main" xmlns="" w="9525">
                     <a:solidFill>
                       <a:srgbClr val="000000"/>
                     </a:solidFill>
@@ -9946,7 +9946,7 @@
               </a:ln>
               <a:extLst>
                 <a:ext uri="{91240B29-F687-4f45-9708-019B960494DF}">
-                  <a14:hiddenLine xmlns="" xmlns:a14="http://schemas.microsoft.com/office/drawing/2010/main" w="9525">
+                  <a14:hiddenLine xmlns:a14="http://schemas.microsoft.com/office/drawing/2010/main" xmlns="" w="9525">
                     <a:solidFill>
                       <a:srgbClr val="000000"/>
                     </a:solidFill>
@@ -10008,7 +10008,7 @@
               </a:ln>
               <a:extLst>
                 <a:ext uri="{91240B29-F687-4f45-9708-019B960494DF}">
-                  <a14:hiddenLine xmlns="" xmlns:a14="http://schemas.microsoft.com/office/drawing/2010/main" w="9525">
+                  <a14:hiddenLine xmlns:a14="http://schemas.microsoft.com/office/drawing/2010/main" xmlns="" w="9525">
                     <a:solidFill>
                       <a:srgbClr val="000000"/>
                     </a:solidFill>
@@ -10070,7 +10070,7 @@
               </a:ln>
               <a:extLst>
                 <a:ext uri="{91240B29-F687-4f45-9708-019B960494DF}">
-                  <a14:hiddenLine xmlns="" xmlns:a14="http://schemas.microsoft.com/office/drawing/2010/main" w="9525">
+                  <a14:hiddenLine xmlns:a14="http://schemas.microsoft.com/office/drawing/2010/main" xmlns="" w="9525">
                     <a:solidFill>
                       <a:srgbClr val="000000"/>
                     </a:solidFill>
@@ -10160,7 +10160,7 @@
               </a:ln>
               <a:extLst>
                 <a:ext uri="{91240B29-F687-4f45-9708-019B960494DF}">
-                  <a14:hiddenLine xmlns="" xmlns:a14="http://schemas.microsoft.com/office/drawing/2010/main" w="9525">
+                  <a14:hiddenLine xmlns:a14="http://schemas.microsoft.com/office/drawing/2010/main" xmlns="" w="9525">
                     <a:solidFill>
                       <a:srgbClr val="000000"/>
                     </a:solidFill>
@@ -10194,7 +10194,7 @@
               </a:ln>
               <a:extLst>
                 <a:ext uri="{91240B29-F687-4f45-9708-019B960494DF}">
-                  <a14:hiddenLine xmlns="" xmlns:a14="http://schemas.microsoft.com/office/drawing/2010/main" w="9525">
+                  <a14:hiddenLine xmlns:a14="http://schemas.microsoft.com/office/drawing/2010/main" xmlns="" w="9525">
                     <a:solidFill>
                       <a:srgbClr val="000000"/>
                     </a:solidFill>
@@ -10259,7 +10259,7 @@
               </a:ln>
               <a:extLst>
                 <a:ext uri="{91240B29-F687-4f45-9708-019B960494DF}">
-                  <a14:hiddenLine xmlns="" xmlns:a14="http://schemas.microsoft.com/office/drawing/2010/main" w="9525">
+                  <a14:hiddenLine xmlns:a14="http://schemas.microsoft.com/office/drawing/2010/main" xmlns="" w="9525">
                     <a:solidFill>
                       <a:srgbClr val="000000"/>
                     </a:solidFill>
@@ -10349,7 +10349,7 @@
               </a:ln>
               <a:extLst>
                 <a:ext uri="{91240B29-F687-4f45-9708-019B960494DF}">
-                  <a14:hiddenLine xmlns="" xmlns:a14="http://schemas.microsoft.com/office/drawing/2010/main" w="9525">
+                  <a14:hiddenLine xmlns:a14="http://schemas.microsoft.com/office/drawing/2010/main" xmlns="" w="9525">
                     <a:solidFill>
                       <a:srgbClr val="000000"/>
                     </a:solidFill>
@@ -10411,7 +10411,7 @@
               </a:ln>
               <a:extLst>
                 <a:ext uri="{91240B29-F687-4f45-9708-019B960494DF}">
-                  <a14:hiddenLine xmlns="" xmlns:a14="http://schemas.microsoft.com/office/drawing/2010/main" w="9525">
+                  <a14:hiddenLine xmlns:a14="http://schemas.microsoft.com/office/drawing/2010/main" xmlns="" w="9525">
                     <a:solidFill>
                       <a:srgbClr val="000000"/>
                     </a:solidFill>
@@ -10501,7 +10501,7 @@
               </a:ln>
               <a:extLst>
                 <a:ext uri="{91240B29-F687-4f45-9708-019B960494DF}">
-                  <a14:hiddenLine xmlns="" xmlns:a14="http://schemas.microsoft.com/office/drawing/2010/main" w="9525">
+                  <a14:hiddenLine xmlns:a14="http://schemas.microsoft.com/office/drawing/2010/main" xmlns="" w="9525">
                     <a:solidFill>
                       <a:srgbClr val="000000"/>
                     </a:solidFill>
@@ -10566,7 +10566,7 @@
               </a:ln>
               <a:extLst>
                 <a:ext uri="{91240B29-F687-4f45-9708-019B960494DF}">
-                  <a14:hiddenLine xmlns="" xmlns:a14="http://schemas.microsoft.com/office/drawing/2010/main" w="9525">
+                  <a14:hiddenLine xmlns:a14="http://schemas.microsoft.com/office/drawing/2010/main" xmlns="" w="9525">
                     <a:solidFill>
                       <a:srgbClr val="000000"/>
                     </a:solidFill>
@@ -10628,7 +10628,7 @@
               </a:ln>
               <a:extLst>
                 <a:ext uri="{91240B29-F687-4f45-9708-019B960494DF}">
-                  <a14:hiddenLine xmlns="" xmlns:a14="http://schemas.microsoft.com/office/drawing/2010/main" w="9525">
+                  <a14:hiddenLine xmlns:a14="http://schemas.microsoft.com/office/drawing/2010/main" xmlns="" w="9525">
                     <a:solidFill>
                       <a:srgbClr val="000000"/>
                     </a:solidFill>
@@ -10718,7 +10718,7 @@
               </a:ln>
               <a:extLst>
                 <a:ext uri="{91240B29-F687-4f45-9708-019B960494DF}">
-                  <a14:hiddenLine xmlns="" xmlns:a14="http://schemas.microsoft.com/office/drawing/2010/main" w="9525">
+                  <a14:hiddenLine xmlns:a14="http://schemas.microsoft.com/office/drawing/2010/main" xmlns="" w="9525">
                     <a:solidFill>
                       <a:srgbClr val="000000"/>
                     </a:solidFill>
@@ -10808,7 +10808,7 @@
               </a:ln>
               <a:extLst>
                 <a:ext uri="{91240B29-F687-4f45-9708-019B960494DF}">
-                  <a14:hiddenLine xmlns="" xmlns:a14="http://schemas.microsoft.com/office/drawing/2010/main" w="9525">
+                  <a14:hiddenLine xmlns:a14="http://schemas.microsoft.com/office/drawing/2010/main" xmlns="" w="9525">
                     <a:solidFill>
                       <a:srgbClr val="000000"/>
                     </a:solidFill>
@@ -10873,7 +10873,7 @@
               </a:ln>
               <a:extLst>
                 <a:ext uri="{91240B29-F687-4f45-9708-019B960494DF}">
-                  <a14:hiddenLine xmlns="" xmlns:a14="http://schemas.microsoft.com/office/drawing/2010/main" w="9525">
+                  <a14:hiddenLine xmlns:a14="http://schemas.microsoft.com/office/drawing/2010/main" xmlns="" w="9525">
                     <a:solidFill>
                       <a:srgbClr val="000000"/>
                     </a:solidFill>
@@ -10993,7 +10993,7 @@
               </a:ln>
               <a:extLst>
                 <a:ext uri="{91240B29-F687-4f45-9708-019B960494DF}">
-                  <a14:hiddenLine xmlns="" xmlns:a14="http://schemas.microsoft.com/office/drawing/2010/main" w="9525">
+                  <a14:hiddenLine xmlns:a14="http://schemas.microsoft.com/office/drawing/2010/main" xmlns="" w="9525">
                     <a:solidFill>
                       <a:srgbClr val="000000"/>
                     </a:solidFill>
@@ -11091,7 +11091,7 @@
               </a:ln>
               <a:extLst>
                 <a:ext uri="{91240B29-F687-4f45-9708-019B960494DF}">
-                  <a14:hiddenLine xmlns="" xmlns:a14="http://schemas.microsoft.com/office/drawing/2010/main" w="9525">
+                  <a14:hiddenLine xmlns:a14="http://schemas.microsoft.com/office/drawing/2010/main" xmlns="" w="9525">
                     <a:solidFill>
                       <a:srgbClr val="000000"/>
                     </a:solidFill>
@@ -11206,7 +11206,7 @@
               </a:ln>
               <a:extLst>
                 <a:ext uri="{91240B29-F687-4f45-9708-019B960494DF}">
-                  <a14:hiddenLine xmlns="" xmlns:a14="http://schemas.microsoft.com/office/drawing/2010/main" w="9525">
+                  <a14:hiddenLine xmlns:a14="http://schemas.microsoft.com/office/drawing/2010/main" xmlns="" w="9525">
                     <a:solidFill>
                       <a:srgbClr val="000000"/>
                     </a:solidFill>
@@ -11296,7 +11296,7 @@
               </a:ln>
               <a:extLst>
                 <a:ext uri="{91240B29-F687-4f45-9708-019B960494DF}">
-                  <a14:hiddenLine xmlns="" xmlns:a14="http://schemas.microsoft.com/office/drawing/2010/main" w="9525">
+                  <a14:hiddenLine xmlns:a14="http://schemas.microsoft.com/office/drawing/2010/main" xmlns="" w="9525">
                     <a:solidFill>
                       <a:srgbClr val="000000"/>
                     </a:solidFill>
@@ -11361,7 +11361,7 @@
               </a:ln>
               <a:extLst>
                 <a:ext uri="{91240B29-F687-4f45-9708-019B960494DF}">
-                  <a14:hiddenLine xmlns="" xmlns:a14="http://schemas.microsoft.com/office/drawing/2010/main" w="9525">
+                  <a14:hiddenLine xmlns:a14="http://schemas.microsoft.com/office/drawing/2010/main" xmlns="" w="9525">
                     <a:solidFill>
                       <a:srgbClr val="000000"/>
                     </a:solidFill>
@@ -11451,7 +11451,7 @@
               </a:ln>
               <a:extLst>
                 <a:ext uri="{91240B29-F687-4f45-9708-019B960494DF}">
-                  <a14:hiddenLine xmlns="" xmlns:a14="http://schemas.microsoft.com/office/drawing/2010/main" w="9525">
+                  <a14:hiddenLine xmlns:a14="http://schemas.microsoft.com/office/drawing/2010/main" xmlns="" w="9525">
                     <a:solidFill>
                       <a:srgbClr val="000000"/>
                     </a:solidFill>
@@ -11519,7 +11519,7 @@
               </a:ln>
               <a:extLst>
                 <a:ext uri="{91240B29-F687-4f45-9708-019B960494DF}">
-                  <a14:hiddenLine xmlns="" xmlns:a14="http://schemas.microsoft.com/office/drawing/2010/main" w="9525">
+                  <a14:hiddenLine xmlns:a14="http://schemas.microsoft.com/office/drawing/2010/main" xmlns="" w="9525">
                     <a:solidFill>
                       <a:srgbClr val="000000"/>
                     </a:solidFill>
@@ -11609,7 +11609,7 @@
               </a:ln>
               <a:extLst>
                 <a:ext uri="{91240B29-F687-4f45-9708-019B960494DF}">
-                  <a14:hiddenLine xmlns="" xmlns:a14="http://schemas.microsoft.com/office/drawing/2010/main" w="9525">
+                  <a14:hiddenLine xmlns:a14="http://schemas.microsoft.com/office/drawing/2010/main" xmlns="" w="9525">
                     <a:solidFill>
                       <a:srgbClr val="000000"/>
                     </a:solidFill>
@@ -11677,7 +11677,7 @@
               </a:ln>
               <a:extLst>
                 <a:ext uri="{91240B29-F687-4f45-9708-019B960494DF}">
-                  <a14:hiddenLine xmlns="" xmlns:a14="http://schemas.microsoft.com/office/drawing/2010/main" w="9525">
+                  <a14:hiddenLine xmlns:a14="http://schemas.microsoft.com/office/drawing/2010/main" xmlns="" w="9525">
                     <a:solidFill>
                       <a:srgbClr val="000000"/>
                     </a:solidFill>
@@ -11767,7 +11767,7 @@
               </a:ln>
               <a:extLst>
                 <a:ext uri="{91240B29-F687-4f45-9708-019B960494DF}">
-                  <a14:hiddenLine xmlns="" xmlns:a14="http://schemas.microsoft.com/office/drawing/2010/main" w="9525">
+                  <a14:hiddenLine xmlns:a14="http://schemas.microsoft.com/office/drawing/2010/main" xmlns="" w="9525">
                     <a:solidFill>
                       <a:srgbClr val="000000"/>
                     </a:solidFill>
@@ -11801,7 +11801,7 @@
               </a:ln>
               <a:extLst>
                 <a:ext uri="{91240B29-F687-4f45-9708-019B960494DF}">
-                  <a14:hiddenLine xmlns="" xmlns:a14="http://schemas.microsoft.com/office/drawing/2010/main" w="9525">
+                  <a14:hiddenLine xmlns:a14="http://schemas.microsoft.com/office/drawing/2010/main" xmlns="" w="9525">
                     <a:solidFill>
                       <a:srgbClr val="000000"/>
                     </a:solidFill>
@@ -11942,7 +11942,7 @@
             <a:fld id="{48A87A34-81AB-432B-8DAE-1953F412C126}" type="datetimeFigureOut">
               <a:rPr lang="en-US" dirty="0"/>
               <a:pPr/>
-              <a:t>2/18/2019</a:t>
+              <a:t>2/19/19</a:t>
             </a:fld>
             <a:endParaRPr lang="en-US" dirty="0"/>
           </a:p>
@@ -12694,7 +12694,23 @@
             </a:pPr>
             <a:r>
               <a:rPr lang="en-US" altLang="en-US" sz="3200" dirty="0"/>
-              <a:t>Code</a:t>
+              <a:t>Code: https://</a:t>
+            </a:r>
+            <a:r>
+              <a:rPr lang="en-US" altLang="en-US" sz="3200" dirty="0" err="1"/>
+              <a:t>github.com</a:t>
+            </a:r>
+            <a:r>
+              <a:rPr lang="en-US" altLang="en-US" sz="3200" dirty="0"/>
+              <a:t>/</a:t>
+            </a:r>
+            <a:r>
+              <a:rPr lang="en-US" altLang="en-US" sz="3200" dirty="0" err="1"/>
+              <a:t>billyean</a:t>
+            </a:r>
+            <a:r>
+              <a:rPr lang="en-US" altLang="en-US" sz="3200" dirty="0"/>
+              <a:t>/anna</a:t>
             </a:r>
           </a:p>
           <a:p>
@@ -14189,7 +14205,7 @@
         <p:spPr>
           <a:xfrm>
             <a:off x="1173892" y="1189571"/>
-            <a:ext cx="10095471" cy="4893647"/>
+            <a:ext cx="10095471" cy="5386090"/>
           </a:xfrm>
           <a:prstGeom prst="rect">
             <a:avLst/>
@@ -14360,7 +14376,21 @@
             </a:pPr>
             <a:r>
               <a:rPr lang="en-US" altLang="en-US" sz="2000" dirty="0"/>
-              <a:t>Result - </a:t>
+              <a:t>Based on user’s reputation, and up votes, down votes and views for their answers or comments, group the user.</a:t>
+            </a:r>
+          </a:p>
+          <a:p>
+            <a:pPr lvl="1" defTabSz="914400" eaLnBrk="0" fontAlgn="base" hangingPunct="0">
+              <a:spcBef>
+                <a:spcPct val="0"/>
+              </a:spcBef>
+              <a:spcAft>
+                <a:spcPct val="0"/>
+              </a:spcAft>
+            </a:pPr>
+            <a:r>
+              <a:rPr lang="en-US" altLang="en-US" sz="2000" dirty="0"/>
+              <a:t>Expected user could be grouped to very popular user, high involvement user and regular user</a:t>
             </a:r>
           </a:p>
           <a:p>

--- a/Data Analytics and Information Virtualization Project.pptx
+++ b/Data Analytics and Information Virtualization Project.pptx
@@ -172,7 +172,7 @@
           <a:noFill/>
           <a:extLst>
             <a:ext uri="{909E8E84-426E-40dd-AFC4-6F175D3DCCD1}">
-              <a14:hiddenFill xmlns:a14="http://schemas.microsoft.com/office/drawing/2010/main" xmlns="">
+              <a14:hiddenFill xmlns="" xmlns:a14="http://schemas.microsoft.com/office/drawing/2010/main">
                 <a:solidFill>
                   <a:srgbClr val="FFFFFF"/>
                 </a:solidFill>
@@ -232,7 +232,7 @@
             </a:ln>
             <a:extLst>
               <a:ext uri="{91240B29-F687-4f45-9708-019B960494DF}">
-                <a14:hiddenLine xmlns:a14="http://schemas.microsoft.com/office/drawing/2010/main" xmlns="" w="9525">
+                <a14:hiddenLine xmlns="" xmlns:a14="http://schemas.microsoft.com/office/drawing/2010/main" w="9525">
                   <a:solidFill>
                     <a:srgbClr val="000000"/>
                   </a:solidFill>
@@ -322,7 +322,7 @@
             </a:ln>
             <a:extLst>
               <a:ext uri="{91240B29-F687-4f45-9708-019B960494DF}">
-                <a14:hiddenLine xmlns:a14="http://schemas.microsoft.com/office/drawing/2010/main" xmlns="" w="9525">
+                <a14:hiddenLine xmlns="" xmlns:a14="http://schemas.microsoft.com/office/drawing/2010/main" w="9525">
                   <a:solidFill>
                     <a:srgbClr val="000000"/>
                   </a:solidFill>
@@ -412,7 +412,7 @@
             </a:ln>
             <a:extLst>
               <a:ext uri="{91240B29-F687-4f45-9708-019B960494DF}">
-                <a14:hiddenLine xmlns:a14="http://schemas.microsoft.com/office/drawing/2010/main" xmlns="" w="9525">
+                <a14:hiddenLine xmlns="" xmlns:a14="http://schemas.microsoft.com/office/drawing/2010/main" w="9525">
                   <a:solidFill>
                     <a:srgbClr val="000000"/>
                   </a:solidFill>
@@ -446,7 +446,7 @@
             </a:ln>
             <a:extLst>
               <a:ext uri="{91240B29-F687-4f45-9708-019B960494DF}">
-                <a14:hiddenLine xmlns:a14="http://schemas.microsoft.com/office/drawing/2010/main" xmlns="" w="9525">
+                <a14:hiddenLine xmlns="" xmlns:a14="http://schemas.microsoft.com/office/drawing/2010/main" w="9525">
                   <a:solidFill>
                     <a:srgbClr val="000000"/>
                   </a:solidFill>
@@ -536,7 +536,7 @@
             </a:ln>
             <a:extLst>
               <a:ext uri="{91240B29-F687-4f45-9708-019B960494DF}">
-                <a14:hiddenLine xmlns:a14="http://schemas.microsoft.com/office/drawing/2010/main" xmlns="" w="9525">
+                <a14:hiddenLine xmlns="" xmlns:a14="http://schemas.microsoft.com/office/drawing/2010/main" w="9525">
                   <a:solidFill>
                     <a:srgbClr val="000000"/>
                   </a:solidFill>
@@ -598,7 +598,7 @@
             </a:ln>
             <a:extLst>
               <a:ext uri="{91240B29-F687-4f45-9708-019B960494DF}">
-                <a14:hiddenLine xmlns:a14="http://schemas.microsoft.com/office/drawing/2010/main" xmlns="" w="9525">
+                <a14:hiddenLine xmlns="" xmlns:a14="http://schemas.microsoft.com/office/drawing/2010/main" w="9525">
                   <a:solidFill>
                     <a:srgbClr val="000000"/>
                   </a:solidFill>
@@ -660,7 +660,7 @@
             </a:ln>
             <a:extLst>
               <a:ext uri="{91240B29-F687-4f45-9708-019B960494DF}">
-                <a14:hiddenLine xmlns:a14="http://schemas.microsoft.com/office/drawing/2010/main" xmlns="" w="9525">
+                <a14:hiddenLine xmlns="" xmlns:a14="http://schemas.microsoft.com/office/drawing/2010/main" w="9525">
                   <a:solidFill>
                     <a:srgbClr val="000000"/>
                   </a:solidFill>
@@ -750,7 +750,7 @@
             </a:ln>
             <a:extLst>
               <a:ext uri="{91240B29-F687-4f45-9708-019B960494DF}">
-                <a14:hiddenLine xmlns:a14="http://schemas.microsoft.com/office/drawing/2010/main" xmlns="" w="9525">
+                <a14:hiddenLine xmlns="" xmlns:a14="http://schemas.microsoft.com/office/drawing/2010/main" w="9525">
                   <a:solidFill>
                     <a:srgbClr val="000000"/>
                   </a:solidFill>
@@ -812,7 +812,7 @@
             </a:ln>
             <a:extLst>
               <a:ext uri="{91240B29-F687-4f45-9708-019B960494DF}">
-                <a14:hiddenLine xmlns:a14="http://schemas.microsoft.com/office/drawing/2010/main" xmlns="" w="9525">
+                <a14:hiddenLine xmlns="" xmlns:a14="http://schemas.microsoft.com/office/drawing/2010/main" w="9525">
                   <a:solidFill>
                     <a:srgbClr val="000000"/>
                   </a:solidFill>
@@ -874,7 +874,7 @@
             </a:ln>
             <a:extLst>
               <a:ext uri="{91240B29-F687-4f45-9708-019B960494DF}">
-                <a14:hiddenLine xmlns:a14="http://schemas.microsoft.com/office/drawing/2010/main" xmlns="" w="9525">
+                <a14:hiddenLine xmlns="" xmlns:a14="http://schemas.microsoft.com/office/drawing/2010/main" w="9525">
                   <a:solidFill>
                     <a:srgbClr val="000000"/>
                   </a:solidFill>
@@ -964,7 +964,7 @@
             </a:ln>
             <a:extLst>
               <a:ext uri="{91240B29-F687-4f45-9708-019B960494DF}">
-                <a14:hiddenLine xmlns:a14="http://schemas.microsoft.com/office/drawing/2010/main" xmlns="" w="9525">
+                <a14:hiddenLine xmlns="" xmlns:a14="http://schemas.microsoft.com/office/drawing/2010/main" w="9525">
                   <a:solidFill>
                     <a:srgbClr val="000000"/>
                   </a:solidFill>
@@ -1054,7 +1054,7 @@
             </a:ln>
             <a:extLst>
               <a:ext uri="{91240B29-F687-4f45-9708-019B960494DF}">
-                <a14:hiddenLine xmlns:a14="http://schemas.microsoft.com/office/drawing/2010/main" xmlns="" w="9525">
+                <a14:hiddenLine xmlns="" xmlns:a14="http://schemas.microsoft.com/office/drawing/2010/main" w="9525">
                   <a:solidFill>
                     <a:srgbClr val="000000"/>
                   </a:solidFill>
@@ -1116,7 +1116,7 @@
             </a:ln>
             <a:extLst>
               <a:ext uri="{91240B29-F687-4f45-9708-019B960494DF}">
-                <a14:hiddenLine xmlns:a14="http://schemas.microsoft.com/office/drawing/2010/main" xmlns="" w="9525">
+                <a14:hiddenLine xmlns="" xmlns:a14="http://schemas.microsoft.com/office/drawing/2010/main" w="9525">
                   <a:solidFill>
                     <a:srgbClr val="000000"/>
                   </a:solidFill>
@@ -1226,7 +1226,7 @@
             </a:ln>
             <a:extLst>
               <a:ext uri="{91240B29-F687-4f45-9708-019B960494DF}">
-                <a14:hiddenLine xmlns:a14="http://schemas.microsoft.com/office/drawing/2010/main" xmlns="" w="9525">
+                <a14:hiddenLine xmlns="" xmlns:a14="http://schemas.microsoft.com/office/drawing/2010/main" w="9525">
                   <a:solidFill>
                     <a:srgbClr val="000000"/>
                   </a:solidFill>
@@ -1288,7 +1288,7 @@
             </a:ln>
             <a:extLst>
               <a:ext uri="{91240B29-F687-4f45-9708-019B960494DF}">
-                <a14:hiddenLine xmlns:a14="http://schemas.microsoft.com/office/drawing/2010/main" xmlns="" w="9525">
+                <a14:hiddenLine xmlns="" xmlns:a14="http://schemas.microsoft.com/office/drawing/2010/main" w="9525">
                   <a:solidFill>
                     <a:srgbClr val="000000"/>
                   </a:solidFill>
@@ -1378,7 +1378,7 @@
             </a:ln>
             <a:extLst>
               <a:ext uri="{91240B29-F687-4f45-9708-019B960494DF}">
-                <a14:hiddenLine xmlns:a14="http://schemas.microsoft.com/office/drawing/2010/main" xmlns="" w="9525">
+                <a14:hiddenLine xmlns="" xmlns:a14="http://schemas.microsoft.com/office/drawing/2010/main" w="9525">
                   <a:solidFill>
                     <a:srgbClr val="000000"/>
                   </a:solidFill>
@@ -1468,7 +1468,7 @@
             </a:ln>
             <a:extLst>
               <a:ext uri="{91240B29-F687-4f45-9708-019B960494DF}">
-                <a14:hiddenLine xmlns:a14="http://schemas.microsoft.com/office/drawing/2010/main" xmlns="" w="9525">
+                <a14:hiddenLine xmlns="" xmlns:a14="http://schemas.microsoft.com/office/drawing/2010/main" w="9525">
                   <a:solidFill>
                     <a:srgbClr val="000000"/>
                   </a:solidFill>
@@ -1530,7 +1530,7 @@
             </a:ln>
             <a:extLst>
               <a:ext uri="{91240B29-F687-4f45-9708-019B960494DF}">
-                <a14:hiddenLine xmlns:a14="http://schemas.microsoft.com/office/drawing/2010/main" xmlns="" w="9525">
+                <a14:hiddenLine xmlns="" xmlns:a14="http://schemas.microsoft.com/office/drawing/2010/main" w="9525">
                   <a:solidFill>
                     <a:srgbClr val="000000"/>
                   </a:solidFill>
@@ -1620,7 +1620,7 @@
             </a:ln>
             <a:extLst>
               <a:ext uri="{91240B29-F687-4f45-9708-019B960494DF}">
-                <a14:hiddenLine xmlns:a14="http://schemas.microsoft.com/office/drawing/2010/main" xmlns="" w="9525">
+                <a14:hiddenLine xmlns="" xmlns:a14="http://schemas.microsoft.com/office/drawing/2010/main" w="9525">
                   <a:solidFill>
                     <a:srgbClr val="000000"/>
                   </a:solidFill>
@@ -1710,7 +1710,7 @@
             </a:ln>
             <a:extLst>
               <a:ext uri="{91240B29-F687-4f45-9708-019B960494DF}">
-                <a14:hiddenLine xmlns:a14="http://schemas.microsoft.com/office/drawing/2010/main" xmlns="" w="9525">
+                <a14:hiddenLine xmlns="" xmlns:a14="http://schemas.microsoft.com/office/drawing/2010/main" w="9525">
                   <a:solidFill>
                     <a:srgbClr val="000000"/>
                   </a:solidFill>
@@ -1766,7 +1766,7 @@
             </a:ln>
             <a:extLst>
               <a:ext uri="{91240B29-F687-4f45-9708-019B960494DF}">
-                <a14:hiddenLine xmlns:a14="http://schemas.microsoft.com/office/drawing/2010/main" xmlns="" w="9525">
+                <a14:hiddenLine xmlns="" xmlns:a14="http://schemas.microsoft.com/office/drawing/2010/main" w="9525">
                   <a:solidFill>
                     <a:srgbClr val="000000"/>
                   </a:solidFill>
@@ -1856,7 +1856,7 @@
             </a:ln>
             <a:extLst>
               <a:ext uri="{91240B29-F687-4f45-9708-019B960494DF}">
-                <a14:hiddenLine xmlns:a14="http://schemas.microsoft.com/office/drawing/2010/main" xmlns="" w="9525">
+                <a14:hiddenLine xmlns="" xmlns:a14="http://schemas.microsoft.com/office/drawing/2010/main" w="9525">
                   <a:solidFill>
                     <a:srgbClr val="000000"/>
                   </a:solidFill>
@@ -1912,7 +1912,7 @@
             </a:ln>
             <a:extLst>
               <a:ext uri="{91240B29-F687-4f45-9708-019B960494DF}">
-                <a14:hiddenLine xmlns:a14="http://schemas.microsoft.com/office/drawing/2010/main" xmlns="" w="9525">
+                <a14:hiddenLine xmlns="" xmlns:a14="http://schemas.microsoft.com/office/drawing/2010/main" w="9525">
                   <a:solidFill>
                     <a:srgbClr val="000000"/>
                   </a:solidFill>
@@ -2002,7 +2002,7 @@
             </a:ln>
             <a:extLst>
               <a:ext uri="{91240B29-F687-4f45-9708-019B960494DF}">
-                <a14:hiddenLine xmlns:a14="http://schemas.microsoft.com/office/drawing/2010/main" xmlns="" w="9525">
+                <a14:hiddenLine xmlns="" xmlns:a14="http://schemas.microsoft.com/office/drawing/2010/main" w="9525">
                   <a:solidFill>
                     <a:srgbClr val="000000"/>
                   </a:solidFill>
@@ -2070,7 +2070,7 @@
             </a:ln>
             <a:extLst>
               <a:ext uri="{91240B29-F687-4f45-9708-019B960494DF}">
-                <a14:hiddenLine xmlns:a14="http://schemas.microsoft.com/office/drawing/2010/main" xmlns="" w="9525">
+                <a14:hiddenLine xmlns="" xmlns:a14="http://schemas.microsoft.com/office/drawing/2010/main" w="9525">
                   <a:solidFill>
                     <a:srgbClr val="000000"/>
                   </a:solidFill>
@@ -2160,7 +2160,7 @@
             </a:ln>
             <a:extLst>
               <a:ext uri="{91240B29-F687-4f45-9708-019B960494DF}">
-                <a14:hiddenLine xmlns:a14="http://schemas.microsoft.com/office/drawing/2010/main" xmlns="" w="9525">
+                <a14:hiddenLine xmlns="" xmlns:a14="http://schemas.microsoft.com/office/drawing/2010/main" w="9525">
                   <a:solidFill>
                     <a:srgbClr val="000000"/>
                   </a:solidFill>
@@ -2228,7 +2228,7 @@
             </a:ln>
             <a:extLst>
               <a:ext uri="{91240B29-F687-4f45-9708-019B960494DF}">
-                <a14:hiddenLine xmlns:a14="http://schemas.microsoft.com/office/drawing/2010/main" xmlns="" w="9525">
+                <a14:hiddenLine xmlns="" xmlns:a14="http://schemas.microsoft.com/office/drawing/2010/main" w="9525">
                   <a:solidFill>
                     <a:srgbClr val="000000"/>
                   </a:solidFill>
@@ -2318,7 +2318,7 @@
             </a:ln>
             <a:extLst>
               <a:ext uri="{91240B29-F687-4f45-9708-019B960494DF}">
-                <a14:hiddenLine xmlns:a14="http://schemas.microsoft.com/office/drawing/2010/main" xmlns="" w="9525">
+                <a14:hiddenLine xmlns="" xmlns:a14="http://schemas.microsoft.com/office/drawing/2010/main" w="9525">
                   <a:solidFill>
                     <a:srgbClr val="000000"/>
                   </a:solidFill>
@@ -2352,7 +2352,7 @@
             </a:ln>
             <a:extLst>
               <a:ext uri="{91240B29-F687-4f45-9708-019B960494DF}">
-                <a14:hiddenLine xmlns:a14="http://schemas.microsoft.com/office/drawing/2010/main" xmlns="" w="9525">
+                <a14:hiddenLine xmlns="" xmlns:a14="http://schemas.microsoft.com/office/drawing/2010/main" w="9525">
                   <a:solidFill>
                     <a:srgbClr val="000000"/>
                   </a:solidFill>
@@ -2442,7 +2442,7 @@
             </a:ln>
             <a:extLst>
               <a:ext uri="{91240B29-F687-4f45-9708-019B960494DF}">
-                <a14:hiddenLine xmlns:a14="http://schemas.microsoft.com/office/drawing/2010/main" xmlns="" w="9525">
+                <a14:hiddenLine xmlns="" xmlns:a14="http://schemas.microsoft.com/office/drawing/2010/main" w="9525">
                   <a:solidFill>
                     <a:srgbClr val="000000"/>
                   </a:solidFill>
@@ -2504,7 +2504,7 @@
             </a:ln>
             <a:extLst>
               <a:ext uri="{91240B29-F687-4f45-9708-019B960494DF}">
-                <a14:hiddenLine xmlns:a14="http://schemas.microsoft.com/office/drawing/2010/main" xmlns="" w="9525">
+                <a14:hiddenLine xmlns="" xmlns:a14="http://schemas.microsoft.com/office/drawing/2010/main" w="9525">
                   <a:solidFill>
                     <a:srgbClr val="000000"/>
                   </a:solidFill>
@@ -2566,7 +2566,7 @@
             </a:ln>
             <a:extLst>
               <a:ext uri="{91240B29-F687-4f45-9708-019B960494DF}">
-                <a14:hiddenLine xmlns:a14="http://schemas.microsoft.com/office/drawing/2010/main" xmlns="" w="9525">
+                <a14:hiddenLine xmlns="" xmlns:a14="http://schemas.microsoft.com/office/drawing/2010/main" w="9525">
                   <a:solidFill>
                     <a:srgbClr val="000000"/>
                   </a:solidFill>
@@ -2656,7 +2656,7 @@
             </a:ln>
             <a:extLst>
               <a:ext uri="{91240B29-F687-4f45-9708-019B960494DF}">
-                <a14:hiddenLine xmlns:a14="http://schemas.microsoft.com/office/drawing/2010/main" xmlns="" w="9525">
+                <a14:hiddenLine xmlns="" xmlns:a14="http://schemas.microsoft.com/office/drawing/2010/main" w="9525">
                   <a:solidFill>
                     <a:srgbClr val="000000"/>
                   </a:solidFill>
@@ -2724,7 +2724,7 @@
             </a:ln>
             <a:extLst>
               <a:ext uri="{91240B29-F687-4f45-9708-019B960494DF}">
-                <a14:hiddenLine xmlns:a14="http://schemas.microsoft.com/office/drawing/2010/main" xmlns="" w="9525">
+                <a14:hiddenLine xmlns="" xmlns:a14="http://schemas.microsoft.com/office/drawing/2010/main" w="9525">
                   <a:solidFill>
                     <a:srgbClr val="000000"/>
                   </a:solidFill>
@@ -2786,7 +2786,7 @@
             </a:ln>
             <a:extLst>
               <a:ext uri="{91240B29-F687-4f45-9708-019B960494DF}">
-                <a14:hiddenLine xmlns:a14="http://schemas.microsoft.com/office/drawing/2010/main" xmlns="" w="9525">
+                <a14:hiddenLine xmlns="" xmlns:a14="http://schemas.microsoft.com/office/drawing/2010/main" w="9525">
                   <a:solidFill>
                     <a:srgbClr val="000000"/>
                   </a:solidFill>
@@ -2876,7 +2876,7 @@
             </a:ln>
             <a:extLst>
               <a:ext uri="{91240B29-F687-4f45-9708-019B960494DF}">
-                <a14:hiddenLine xmlns:a14="http://schemas.microsoft.com/office/drawing/2010/main" xmlns="" w="9525">
+                <a14:hiddenLine xmlns="" xmlns:a14="http://schemas.microsoft.com/office/drawing/2010/main" w="9525">
                   <a:solidFill>
                     <a:srgbClr val="000000"/>
                   </a:solidFill>
@@ -2938,7 +2938,7 @@
             </a:ln>
             <a:extLst>
               <a:ext uri="{91240B29-F687-4f45-9708-019B960494DF}">
-                <a14:hiddenLine xmlns:a14="http://schemas.microsoft.com/office/drawing/2010/main" xmlns="" w="9525">
+                <a14:hiddenLine xmlns="" xmlns:a14="http://schemas.microsoft.com/office/drawing/2010/main" w="9525">
                   <a:solidFill>
                     <a:srgbClr val="000000"/>
                   </a:solidFill>
@@ -3028,7 +3028,7 @@
             </a:ln>
             <a:extLst>
               <a:ext uri="{91240B29-F687-4f45-9708-019B960494DF}">
-                <a14:hiddenLine xmlns:a14="http://schemas.microsoft.com/office/drawing/2010/main" xmlns="" w="9525">
+                <a14:hiddenLine xmlns="" xmlns:a14="http://schemas.microsoft.com/office/drawing/2010/main" w="9525">
                   <a:solidFill>
                     <a:srgbClr val="000000"/>
                   </a:solidFill>
@@ -3090,7 +3090,7 @@
             </a:ln>
             <a:extLst>
               <a:ext uri="{91240B29-F687-4f45-9708-019B960494DF}">
-                <a14:hiddenLine xmlns:a14="http://schemas.microsoft.com/office/drawing/2010/main" xmlns="" w="9525">
+                <a14:hiddenLine xmlns="" xmlns:a14="http://schemas.microsoft.com/office/drawing/2010/main" w="9525">
                   <a:solidFill>
                     <a:srgbClr val="000000"/>
                   </a:solidFill>
@@ -3180,7 +3180,7 @@
             </a:ln>
             <a:extLst>
               <a:ext uri="{91240B29-F687-4f45-9708-019B960494DF}">
-                <a14:hiddenLine xmlns:a14="http://schemas.microsoft.com/office/drawing/2010/main" xmlns="" w="9525">
+                <a14:hiddenLine xmlns="" xmlns:a14="http://schemas.microsoft.com/office/drawing/2010/main" w="9525">
                   <a:solidFill>
                     <a:srgbClr val="000000"/>
                   </a:solidFill>
@@ -3214,7 +3214,7 @@
             </a:ln>
             <a:extLst>
               <a:ext uri="{91240B29-F687-4f45-9708-019B960494DF}">
-                <a14:hiddenLine xmlns:a14="http://schemas.microsoft.com/office/drawing/2010/main" xmlns="" w="9525">
+                <a14:hiddenLine xmlns="" xmlns:a14="http://schemas.microsoft.com/office/drawing/2010/main" w="9525">
                   <a:solidFill>
                     <a:srgbClr val="000000"/>
                   </a:solidFill>
@@ -3279,7 +3279,7 @@
             </a:ln>
             <a:extLst>
               <a:ext uri="{91240B29-F687-4f45-9708-019B960494DF}">
-                <a14:hiddenLine xmlns:a14="http://schemas.microsoft.com/office/drawing/2010/main" xmlns="" w="9525">
+                <a14:hiddenLine xmlns="" xmlns:a14="http://schemas.microsoft.com/office/drawing/2010/main" w="9525">
                   <a:solidFill>
                     <a:srgbClr val="000000"/>
                   </a:solidFill>
@@ -3369,7 +3369,7 @@
             </a:ln>
             <a:extLst>
               <a:ext uri="{91240B29-F687-4f45-9708-019B960494DF}">
-                <a14:hiddenLine xmlns:a14="http://schemas.microsoft.com/office/drawing/2010/main" xmlns="" w="9525">
+                <a14:hiddenLine xmlns="" xmlns:a14="http://schemas.microsoft.com/office/drawing/2010/main" w="9525">
                   <a:solidFill>
                     <a:srgbClr val="000000"/>
                   </a:solidFill>
@@ -3431,7 +3431,7 @@
             </a:ln>
             <a:extLst>
               <a:ext uri="{91240B29-F687-4f45-9708-019B960494DF}">
-                <a14:hiddenLine xmlns:a14="http://schemas.microsoft.com/office/drawing/2010/main" xmlns="" w="9525">
+                <a14:hiddenLine xmlns="" xmlns:a14="http://schemas.microsoft.com/office/drawing/2010/main" w="9525">
                   <a:solidFill>
                     <a:srgbClr val="000000"/>
                   </a:solidFill>
@@ -3521,7 +3521,7 @@
             </a:ln>
             <a:extLst>
               <a:ext uri="{91240B29-F687-4f45-9708-019B960494DF}">
-                <a14:hiddenLine xmlns:a14="http://schemas.microsoft.com/office/drawing/2010/main" xmlns="" w="9525">
+                <a14:hiddenLine xmlns="" xmlns:a14="http://schemas.microsoft.com/office/drawing/2010/main" w="9525">
                   <a:solidFill>
                     <a:srgbClr val="000000"/>
                   </a:solidFill>
@@ -3611,7 +3611,7 @@
             </a:ln>
             <a:extLst>
               <a:ext uri="{91240B29-F687-4f45-9708-019B960494DF}">
-                <a14:hiddenLine xmlns:a14="http://schemas.microsoft.com/office/drawing/2010/main" xmlns="" w="9525">
+                <a14:hiddenLine xmlns="" xmlns:a14="http://schemas.microsoft.com/office/drawing/2010/main" w="9525">
                   <a:solidFill>
                     <a:srgbClr val="000000"/>
                   </a:solidFill>
@@ -3676,7 +3676,7 @@
             </a:ln>
             <a:extLst>
               <a:ext uri="{91240B29-F687-4f45-9708-019B960494DF}">
-                <a14:hiddenLine xmlns:a14="http://schemas.microsoft.com/office/drawing/2010/main" xmlns="" w="9525">
+                <a14:hiddenLine xmlns="" xmlns:a14="http://schemas.microsoft.com/office/drawing/2010/main" w="9525">
                   <a:solidFill>
                     <a:srgbClr val="000000"/>
                   </a:solidFill>
@@ -3738,7 +3738,7 @@
             </a:ln>
             <a:extLst>
               <a:ext uri="{91240B29-F687-4f45-9708-019B960494DF}">
-                <a14:hiddenLine xmlns:a14="http://schemas.microsoft.com/office/drawing/2010/main" xmlns="" w="9525">
+                <a14:hiddenLine xmlns="" xmlns:a14="http://schemas.microsoft.com/office/drawing/2010/main" w="9525">
                   <a:solidFill>
                     <a:srgbClr val="000000"/>
                   </a:solidFill>
@@ -3828,7 +3828,7 @@
             </a:ln>
             <a:extLst>
               <a:ext uri="{91240B29-F687-4f45-9708-019B960494DF}">
-                <a14:hiddenLine xmlns:a14="http://schemas.microsoft.com/office/drawing/2010/main" xmlns="" w="9525">
+                <a14:hiddenLine xmlns="" xmlns:a14="http://schemas.microsoft.com/office/drawing/2010/main" w="9525">
                   <a:solidFill>
                     <a:srgbClr val="000000"/>
                   </a:solidFill>
@@ -3918,7 +3918,7 @@
             </a:ln>
             <a:extLst>
               <a:ext uri="{91240B29-F687-4f45-9708-019B960494DF}">
-                <a14:hiddenLine xmlns:a14="http://schemas.microsoft.com/office/drawing/2010/main" xmlns="" w="9525">
+                <a14:hiddenLine xmlns="" xmlns:a14="http://schemas.microsoft.com/office/drawing/2010/main" w="9525">
                   <a:solidFill>
                     <a:srgbClr val="000000"/>
                   </a:solidFill>
@@ -3980,7 +3980,7 @@
             </a:ln>
             <a:extLst>
               <a:ext uri="{91240B29-F687-4f45-9708-019B960494DF}">
-                <a14:hiddenLine xmlns:a14="http://schemas.microsoft.com/office/drawing/2010/main" xmlns="" w="9525">
+                <a14:hiddenLine xmlns="" xmlns:a14="http://schemas.microsoft.com/office/drawing/2010/main" w="9525">
                   <a:solidFill>
                     <a:srgbClr val="000000"/>
                   </a:solidFill>
@@ -4100,7 +4100,7 @@
             </a:ln>
             <a:extLst>
               <a:ext uri="{91240B29-F687-4f45-9708-019B960494DF}">
-                <a14:hiddenLine xmlns:a14="http://schemas.microsoft.com/office/drawing/2010/main" xmlns="" w="9525">
+                <a14:hiddenLine xmlns="" xmlns:a14="http://schemas.microsoft.com/office/drawing/2010/main" w="9525">
                   <a:solidFill>
                     <a:srgbClr val="000000"/>
                   </a:solidFill>
@@ -4168,7 +4168,7 @@
             </a:ln>
             <a:extLst>
               <a:ext uri="{91240B29-F687-4f45-9708-019B960494DF}">
-                <a14:hiddenLine xmlns:a14="http://schemas.microsoft.com/office/drawing/2010/main" xmlns="" w="9525">
+                <a14:hiddenLine xmlns="" xmlns:a14="http://schemas.microsoft.com/office/drawing/2010/main" w="9525">
                   <a:solidFill>
                     <a:srgbClr val="000000"/>
                   </a:solidFill>
@@ -4258,7 +4258,7 @@
             </a:ln>
             <a:extLst>
               <a:ext uri="{91240B29-F687-4f45-9708-019B960494DF}">
-                <a14:hiddenLine xmlns:a14="http://schemas.microsoft.com/office/drawing/2010/main" xmlns="" w="9525">
+                <a14:hiddenLine xmlns="" xmlns:a14="http://schemas.microsoft.com/office/drawing/2010/main" w="9525">
                   <a:solidFill>
                     <a:srgbClr val="000000"/>
                   </a:solidFill>
@@ -4398,7 +4398,7 @@
           <a:p>
             <a:fld id="{48A87A34-81AB-432B-8DAE-1953F412C126}" type="datetimeFigureOut">
               <a:rPr lang="en-US" dirty="0"/>
-              <a:t>2/19/19</a:t>
+              <a:t>2/19/2019</a:t>
             </a:fld>
             <a:endParaRPr lang="en-US" dirty="0"/>
           </a:p>
@@ -4660,7 +4660,7 @@
           <a:p>
             <a:fld id="{48A87A34-81AB-432B-8DAE-1953F412C126}" type="datetimeFigureOut">
               <a:rPr lang="en-US" dirty="0"/>
-              <a:t>2/19/19</a:t>
+              <a:t>2/19/2019</a:t>
             </a:fld>
             <a:endParaRPr lang="en-US" dirty="0"/>
           </a:p>
@@ -4851,7 +4851,7 @@
           <a:p>
             <a:fld id="{48A87A34-81AB-432B-8DAE-1953F412C126}" type="datetimeFigureOut">
               <a:rPr lang="en-US" dirty="0"/>
-              <a:t>2/19/19</a:t>
+              <a:t>2/19/2019</a:t>
             </a:fld>
             <a:endParaRPr lang="en-US" dirty="0"/>
           </a:p>
@@ -5109,7 +5109,7 @@
           <a:p>
             <a:fld id="{48A87A34-81AB-432B-8DAE-1953F412C126}" type="datetimeFigureOut">
               <a:rPr lang="en-US" dirty="0"/>
-              <a:t>2/19/19</a:t>
+              <a:t>2/19/2019</a:t>
             </a:fld>
             <a:endParaRPr lang="en-US" dirty="0"/>
           </a:p>
@@ -5538,7 +5538,7 @@
           <a:p>
             <a:fld id="{48A87A34-81AB-432B-8DAE-1953F412C126}" type="datetimeFigureOut">
               <a:rPr lang="en-US" dirty="0"/>
-              <a:t>2/19/19</a:t>
+              <a:t>2/19/2019</a:t>
             </a:fld>
             <a:endParaRPr lang="en-US" dirty="0"/>
           </a:p>
@@ -6079,7 +6079,7 @@
           <a:p>
             <a:fld id="{48A87A34-81AB-432B-8DAE-1953F412C126}" type="datetimeFigureOut">
               <a:rPr lang="en-US" dirty="0"/>
-              <a:t>2/19/19</a:t>
+              <a:t>2/19/2019</a:t>
             </a:fld>
             <a:endParaRPr lang="en-US" dirty="0"/>
           </a:p>
@@ -6794,7 +6794,7 @@
           <a:p>
             <a:fld id="{48A87A34-81AB-432B-8DAE-1953F412C126}" type="datetimeFigureOut">
               <a:rPr lang="en-US" dirty="0"/>
-              <a:t>2/19/19</a:t>
+              <a:t>2/19/2019</a:t>
             </a:fld>
             <a:endParaRPr lang="en-US" dirty="0"/>
           </a:p>
@@ -6959,7 +6959,7 @@
           <a:p>
             <a:fld id="{48A87A34-81AB-432B-8DAE-1953F412C126}" type="datetimeFigureOut">
               <a:rPr lang="en-US" dirty="0"/>
-              <a:t>2/19/19</a:t>
+              <a:t>2/19/2019</a:t>
             </a:fld>
             <a:endParaRPr lang="en-US" dirty="0"/>
           </a:p>
@@ -7134,7 +7134,7 @@
           <a:p>
             <a:fld id="{48A87A34-81AB-432B-8DAE-1953F412C126}" type="datetimeFigureOut">
               <a:rPr lang="en-US" dirty="0"/>
-              <a:t>2/19/19</a:t>
+              <a:t>2/19/2019</a:t>
             </a:fld>
             <a:endParaRPr lang="en-US" dirty="0"/>
           </a:p>
@@ -7299,7 +7299,7 @@
           <a:p>
             <a:fld id="{48A87A34-81AB-432B-8DAE-1953F412C126}" type="datetimeFigureOut">
               <a:rPr lang="en-US" dirty="0"/>
-              <a:t>2/19/19</a:t>
+              <a:t>2/19/2019</a:t>
             </a:fld>
             <a:endParaRPr lang="en-US" dirty="0"/>
           </a:p>
@@ -7544,7 +7544,7 @@
           <a:p>
             <a:fld id="{48A87A34-81AB-432B-8DAE-1953F412C126}" type="datetimeFigureOut">
               <a:rPr lang="en-US" dirty="0"/>
-              <a:t>2/19/19</a:t>
+              <a:t>2/19/2019</a:t>
             </a:fld>
             <a:endParaRPr lang="en-US" dirty="0"/>
           </a:p>
@@ -7771,7 +7771,7 @@
           <a:p>
             <a:fld id="{48A87A34-81AB-432B-8DAE-1953F412C126}" type="datetimeFigureOut">
               <a:rPr lang="en-US" dirty="0"/>
-              <a:t>2/19/19</a:t>
+              <a:t>2/19/2019</a:t>
             </a:fld>
             <a:endParaRPr lang="en-US" dirty="0"/>
           </a:p>
@@ -8147,7 +8147,7 @@
           <a:p>
             <a:fld id="{48A87A34-81AB-432B-8DAE-1953F412C126}" type="datetimeFigureOut">
               <a:rPr lang="en-US" dirty="0"/>
-              <a:t>2/19/19</a:t>
+              <a:t>2/19/2019</a:t>
             </a:fld>
             <a:endParaRPr lang="en-US" dirty="0"/>
           </a:p>
@@ -8260,7 +8260,7 @@
           <a:p>
             <a:fld id="{48A87A34-81AB-432B-8DAE-1953F412C126}" type="datetimeFigureOut">
               <a:rPr lang="en-US" dirty="0"/>
-              <a:t>2/19/19</a:t>
+              <a:t>2/19/2019</a:t>
             </a:fld>
             <a:endParaRPr lang="en-US" dirty="0"/>
           </a:p>
@@ -8350,7 +8350,7 @@
           <a:p>
             <a:fld id="{48A87A34-81AB-432B-8DAE-1953F412C126}" type="datetimeFigureOut">
               <a:rPr lang="en-US" dirty="0"/>
-              <a:t>2/19/19</a:t>
+              <a:t>2/19/2019</a:t>
             </a:fld>
             <a:endParaRPr lang="en-US" dirty="0"/>
           </a:p>
@@ -8594,7 +8594,7 @@
           <a:p>
             <a:fld id="{48A87A34-81AB-432B-8DAE-1953F412C126}" type="datetimeFigureOut">
               <a:rPr lang="en-US" dirty="0"/>
-              <a:t>2/19/19</a:t>
+              <a:t>2/19/2019</a:t>
             </a:fld>
             <a:endParaRPr lang="en-US" dirty="0"/>
           </a:p>
@@ -8869,7 +8869,7 @@
           <a:p>
             <a:fld id="{48A87A34-81AB-432B-8DAE-1953F412C126}" type="datetimeFigureOut">
               <a:rPr lang="en-US" dirty="0"/>
-              <a:t>2/19/19</a:t>
+              <a:t>2/19/2019</a:t>
             </a:fld>
             <a:endParaRPr lang="en-US" dirty="0"/>
           </a:p>
@@ -8980,7 +8980,7 @@
           <a:noFill/>
           <a:extLst>
             <a:ext uri="{909E8E84-426E-40dd-AFC4-6F175D3DCCD1}">
-              <a14:hiddenFill xmlns:a14="http://schemas.microsoft.com/office/drawing/2010/main" xmlns="">
+              <a14:hiddenFill xmlns="" xmlns:a14="http://schemas.microsoft.com/office/drawing/2010/main">
                 <a:solidFill>
                   <a:srgbClr val="FFFFFF"/>
                 </a:solidFill>
@@ -9054,7 +9054,7 @@
               </a:ln>
               <a:extLst>
                 <a:ext uri="{91240B29-F687-4f45-9708-019B960494DF}">
-                  <a14:hiddenLine xmlns:a14="http://schemas.microsoft.com/office/drawing/2010/main" xmlns="" w="9525">
+                  <a14:hiddenLine xmlns="" xmlns:a14="http://schemas.microsoft.com/office/drawing/2010/main" w="9525">
                     <a:solidFill>
                       <a:srgbClr val="000000"/>
                     </a:solidFill>
@@ -9144,7 +9144,7 @@
               </a:ln>
               <a:extLst>
                 <a:ext uri="{91240B29-F687-4f45-9708-019B960494DF}">
-                  <a14:hiddenLine xmlns:a14="http://schemas.microsoft.com/office/drawing/2010/main" xmlns="" w="9525">
+                  <a14:hiddenLine xmlns="" xmlns:a14="http://schemas.microsoft.com/office/drawing/2010/main" w="9525">
                     <a:solidFill>
                       <a:srgbClr val="000000"/>
                     </a:solidFill>
@@ -9234,7 +9234,7 @@
               </a:ln>
               <a:extLst>
                 <a:ext uri="{91240B29-F687-4f45-9708-019B960494DF}">
-                  <a14:hiddenLine xmlns:a14="http://schemas.microsoft.com/office/drawing/2010/main" xmlns="" w="9525">
+                  <a14:hiddenLine xmlns="" xmlns:a14="http://schemas.microsoft.com/office/drawing/2010/main" w="9525">
                     <a:solidFill>
                       <a:srgbClr val="000000"/>
                     </a:solidFill>
@@ -9296,7 +9296,7 @@
               </a:ln>
               <a:extLst>
                 <a:ext uri="{91240B29-F687-4f45-9708-019B960494DF}">
-                  <a14:hiddenLine xmlns:a14="http://schemas.microsoft.com/office/drawing/2010/main" xmlns="" w="9525">
+                  <a14:hiddenLine xmlns="" xmlns:a14="http://schemas.microsoft.com/office/drawing/2010/main" w="9525">
                     <a:solidFill>
                       <a:srgbClr val="000000"/>
                     </a:solidFill>
@@ -9386,7 +9386,7 @@
               </a:ln>
               <a:extLst>
                 <a:ext uri="{91240B29-F687-4f45-9708-019B960494DF}">
-                  <a14:hiddenLine xmlns:a14="http://schemas.microsoft.com/office/drawing/2010/main" xmlns="" w="9525">
+                  <a14:hiddenLine xmlns="" xmlns:a14="http://schemas.microsoft.com/office/drawing/2010/main" w="9525">
                     <a:solidFill>
                       <a:srgbClr val="000000"/>
                     </a:solidFill>
@@ -9448,7 +9448,7 @@
               </a:ln>
               <a:extLst>
                 <a:ext uri="{91240B29-F687-4f45-9708-019B960494DF}">
-                  <a14:hiddenLine xmlns:a14="http://schemas.microsoft.com/office/drawing/2010/main" xmlns="" w="9525">
+                  <a14:hiddenLine xmlns="" xmlns:a14="http://schemas.microsoft.com/office/drawing/2010/main" w="9525">
                     <a:solidFill>
                       <a:srgbClr val="000000"/>
                     </a:solidFill>
@@ -9510,7 +9510,7 @@
               </a:ln>
               <a:extLst>
                 <a:ext uri="{91240B29-F687-4f45-9708-019B960494DF}">
-                  <a14:hiddenLine xmlns:a14="http://schemas.microsoft.com/office/drawing/2010/main" xmlns="" w="9525">
+                  <a14:hiddenLine xmlns="" xmlns:a14="http://schemas.microsoft.com/office/drawing/2010/main" w="9525">
                     <a:solidFill>
                       <a:srgbClr val="000000"/>
                     </a:solidFill>
@@ -9600,7 +9600,7 @@
               </a:ln>
               <a:extLst>
                 <a:ext uri="{91240B29-F687-4f45-9708-019B960494DF}">
-                  <a14:hiddenLine xmlns:a14="http://schemas.microsoft.com/office/drawing/2010/main" xmlns="" w="9525">
+                  <a14:hiddenLine xmlns="" xmlns:a14="http://schemas.microsoft.com/office/drawing/2010/main" w="9525">
                     <a:solidFill>
                       <a:srgbClr val="000000"/>
                     </a:solidFill>
@@ -9690,7 +9690,7 @@
               </a:ln>
               <a:extLst>
                 <a:ext uri="{91240B29-F687-4f45-9708-019B960494DF}">
-                  <a14:hiddenLine xmlns:a14="http://schemas.microsoft.com/office/drawing/2010/main" xmlns="" w="9525">
+                  <a14:hiddenLine xmlns="" xmlns:a14="http://schemas.microsoft.com/office/drawing/2010/main" w="9525">
                     <a:solidFill>
                       <a:srgbClr val="000000"/>
                     </a:solidFill>
@@ -9752,7 +9752,7 @@
               </a:ln>
               <a:extLst>
                 <a:ext uri="{91240B29-F687-4f45-9708-019B960494DF}">
-                  <a14:hiddenLine xmlns:a14="http://schemas.microsoft.com/office/drawing/2010/main" xmlns="" w="9525">
+                  <a14:hiddenLine xmlns="" xmlns:a14="http://schemas.microsoft.com/office/drawing/2010/main" w="9525">
                     <a:solidFill>
                       <a:srgbClr val="000000"/>
                     </a:solidFill>
@@ -9862,7 +9862,7 @@
               </a:ln>
               <a:extLst>
                 <a:ext uri="{91240B29-F687-4f45-9708-019B960494DF}">
-                  <a14:hiddenLine xmlns:a14="http://schemas.microsoft.com/office/drawing/2010/main" xmlns="" w="9525">
+                  <a14:hiddenLine xmlns="" xmlns:a14="http://schemas.microsoft.com/office/drawing/2010/main" w="9525">
                     <a:solidFill>
                       <a:srgbClr val="000000"/>
                     </a:solidFill>
@@ -9946,7 +9946,7 @@
               </a:ln>
               <a:extLst>
                 <a:ext uri="{91240B29-F687-4f45-9708-019B960494DF}">
-                  <a14:hiddenLine xmlns:a14="http://schemas.microsoft.com/office/drawing/2010/main" xmlns="" w="9525">
+                  <a14:hiddenLine xmlns="" xmlns:a14="http://schemas.microsoft.com/office/drawing/2010/main" w="9525">
                     <a:solidFill>
                       <a:srgbClr val="000000"/>
                     </a:solidFill>
@@ -10008,7 +10008,7 @@
               </a:ln>
               <a:extLst>
                 <a:ext uri="{91240B29-F687-4f45-9708-019B960494DF}">
-                  <a14:hiddenLine xmlns:a14="http://schemas.microsoft.com/office/drawing/2010/main" xmlns="" w="9525">
+                  <a14:hiddenLine xmlns="" xmlns:a14="http://schemas.microsoft.com/office/drawing/2010/main" w="9525">
                     <a:solidFill>
                       <a:srgbClr val="000000"/>
                     </a:solidFill>
@@ -10070,7 +10070,7 @@
               </a:ln>
               <a:extLst>
                 <a:ext uri="{91240B29-F687-4f45-9708-019B960494DF}">
-                  <a14:hiddenLine xmlns:a14="http://schemas.microsoft.com/office/drawing/2010/main" xmlns="" w="9525">
+                  <a14:hiddenLine xmlns="" xmlns:a14="http://schemas.microsoft.com/office/drawing/2010/main" w="9525">
                     <a:solidFill>
                       <a:srgbClr val="000000"/>
                     </a:solidFill>
@@ -10160,7 +10160,7 @@
               </a:ln>
               <a:extLst>
                 <a:ext uri="{91240B29-F687-4f45-9708-019B960494DF}">
-                  <a14:hiddenLine xmlns:a14="http://schemas.microsoft.com/office/drawing/2010/main" xmlns="" w="9525">
+                  <a14:hiddenLine xmlns="" xmlns:a14="http://schemas.microsoft.com/office/drawing/2010/main" w="9525">
                     <a:solidFill>
                       <a:srgbClr val="000000"/>
                     </a:solidFill>
@@ -10194,7 +10194,7 @@
               </a:ln>
               <a:extLst>
                 <a:ext uri="{91240B29-F687-4f45-9708-019B960494DF}">
-                  <a14:hiddenLine xmlns:a14="http://schemas.microsoft.com/office/drawing/2010/main" xmlns="" w="9525">
+                  <a14:hiddenLine xmlns="" xmlns:a14="http://schemas.microsoft.com/office/drawing/2010/main" w="9525">
                     <a:solidFill>
                       <a:srgbClr val="000000"/>
                     </a:solidFill>
@@ -10259,7 +10259,7 @@
               </a:ln>
               <a:extLst>
                 <a:ext uri="{91240B29-F687-4f45-9708-019B960494DF}">
-                  <a14:hiddenLine xmlns:a14="http://schemas.microsoft.com/office/drawing/2010/main" xmlns="" w="9525">
+                  <a14:hiddenLine xmlns="" xmlns:a14="http://schemas.microsoft.com/office/drawing/2010/main" w="9525">
                     <a:solidFill>
                       <a:srgbClr val="000000"/>
                     </a:solidFill>
@@ -10349,7 +10349,7 @@
               </a:ln>
               <a:extLst>
                 <a:ext uri="{91240B29-F687-4f45-9708-019B960494DF}">
-                  <a14:hiddenLine xmlns:a14="http://schemas.microsoft.com/office/drawing/2010/main" xmlns="" w="9525">
+                  <a14:hiddenLine xmlns="" xmlns:a14="http://schemas.microsoft.com/office/drawing/2010/main" w="9525">
                     <a:solidFill>
                       <a:srgbClr val="000000"/>
                     </a:solidFill>
@@ -10411,7 +10411,7 @@
               </a:ln>
               <a:extLst>
                 <a:ext uri="{91240B29-F687-4f45-9708-019B960494DF}">
-                  <a14:hiddenLine xmlns:a14="http://schemas.microsoft.com/office/drawing/2010/main" xmlns="" w="9525">
+                  <a14:hiddenLine xmlns="" xmlns:a14="http://schemas.microsoft.com/office/drawing/2010/main" w="9525">
                     <a:solidFill>
                       <a:srgbClr val="000000"/>
                     </a:solidFill>
@@ -10501,7 +10501,7 @@
               </a:ln>
               <a:extLst>
                 <a:ext uri="{91240B29-F687-4f45-9708-019B960494DF}">
-                  <a14:hiddenLine xmlns:a14="http://schemas.microsoft.com/office/drawing/2010/main" xmlns="" w="9525">
+                  <a14:hiddenLine xmlns="" xmlns:a14="http://schemas.microsoft.com/office/drawing/2010/main" w="9525">
                     <a:solidFill>
                       <a:srgbClr val="000000"/>
                     </a:solidFill>
@@ -10566,7 +10566,7 @@
               </a:ln>
               <a:extLst>
                 <a:ext uri="{91240B29-F687-4f45-9708-019B960494DF}">
-                  <a14:hiddenLine xmlns:a14="http://schemas.microsoft.com/office/drawing/2010/main" xmlns="" w="9525">
+                  <a14:hiddenLine xmlns="" xmlns:a14="http://schemas.microsoft.com/office/drawing/2010/main" w="9525">
                     <a:solidFill>
                       <a:srgbClr val="000000"/>
                     </a:solidFill>
@@ -10628,7 +10628,7 @@
               </a:ln>
               <a:extLst>
                 <a:ext uri="{91240B29-F687-4f45-9708-019B960494DF}">
-                  <a14:hiddenLine xmlns:a14="http://schemas.microsoft.com/office/drawing/2010/main" xmlns="" w="9525">
+                  <a14:hiddenLine xmlns="" xmlns:a14="http://schemas.microsoft.com/office/drawing/2010/main" w="9525">
                     <a:solidFill>
                       <a:srgbClr val="000000"/>
                     </a:solidFill>
@@ -10718,7 +10718,7 @@
               </a:ln>
               <a:extLst>
                 <a:ext uri="{91240B29-F687-4f45-9708-019B960494DF}">
-                  <a14:hiddenLine xmlns:a14="http://schemas.microsoft.com/office/drawing/2010/main" xmlns="" w="9525">
+                  <a14:hiddenLine xmlns="" xmlns:a14="http://schemas.microsoft.com/office/drawing/2010/main" w="9525">
                     <a:solidFill>
                       <a:srgbClr val="000000"/>
                     </a:solidFill>
@@ -10808,7 +10808,7 @@
               </a:ln>
               <a:extLst>
                 <a:ext uri="{91240B29-F687-4f45-9708-019B960494DF}">
-                  <a14:hiddenLine xmlns:a14="http://schemas.microsoft.com/office/drawing/2010/main" xmlns="" w="9525">
+                  <a14:hiddenLine xmlns="" xmlns:a14="http://schemas.microsoft.com/office/drawing/2010/main" w="9525">
                     <a:solidFill>
                       <a:srgbClr val="000000"/>
                     </a:solidFill>
@@ -10873,7 +10873,7 @@
               </a:ln>
               <a:extLst>
                 <a:ext uri="{91240B29-F687-4f45-9708-019B960494DF}">
-                  <a14:hiddenLine xmlns:a14="http://schemas.microsoft.com/office/drawing/2010/main" xmlns="" w="9525">
+                  <a14:hiddenLine xmlns="" xmlns:a14="http://schemas.microsoft.com/office/drawing/2010/main" w="9525">
                     <a:solidFill>
                       <a:srgbClr val="000000"/>
                     </a:solidFill>
@@ -10993,7 +10993,7 @@
               </a:ln>
               <a:extLst>
                 <a:ext uri="{91240B29-F687-4f45-9708-019B960494DF}">
-                  <a14:hiddenLine xmlns:a14="http://schemas.microsoft.com/office/drawing/2010/main" xmlns="" w="9525">
+                  <a14:hiddenLine xmlns="" xmlns:a14="http://schemas.microsoft.com/office/drawing/2010/main" w="9525">
                     <a:solidFill>
                       <a:srgbClr val="000000"/>
                     </a:solidFill>
@@ -11091,7 +11091,7 @@
               </a:ln>
               <a:extLst>
                 <a:ext uri="{91240B29-F687-4f45-9708-019B960494DF}">
-                  <a14:hiddenLine xmlns:a14="http://schemas.microsoft.com/office/drawing/2010/main" xmlns="" w="9525">
+                  <a14:hiddenLine xmlns="" xmlns:a14="http://schemas.microsoft.com/office/drawing/2010/main" w="9525">
                     <a:solidFill>
                       <a:srgbClr val="000000"/>
                     </a:solidFill>
@@ -11206,7 +11206,7 @@
               </a:ln>
               <a:extLst>
                 <a:ext uri="{91240B29-F687-4f45-9708-019B960494DF}">
-                  <a14:hiddenLine xmlns:a14="http://schemas.microsoft.com/office/drawing/2010/main" xmlns="" w="9525">
+                  <a14:hiddenLine xmlns="" xmlns:a14="http://schemas.microsoft.com/office/drawing/2010/main" w="9525">
                     <a:solidFill>
                       <a:srgbClr val="000000"/>
                     </a:solidFill>
@@ -11296,7 +11296,7 @@
               </a:ln>
               <a:extLst>
                 <a:ext uri="{91240B29-F687-4f45-9708-019B960494DF}">
-                  <a14:hiddenLine xmlns:a14="http://schemas.microsoft.com/office/drawing/2010/main" xmlns="" w="9525">
+                  <a14:hiddenLine xmlns="" xmlns:a14="http://schemas.microsoft.com/office/drawing/2010/main" w="9525">
                     <a:solidFill>
                       <a:srgbClr val="000000"/>
                     </a:solidFill>
@@ -11361,7 +11361,7 @@
               </a:ln>
               <a:extLst>
                 <a:ext uri="{91240B29-F687-4f45-9708-019B960494DF}">
-                  <a14:hiddenLine xmlns:a14="http://schemas.microsoft.com/office/drawing/2010/main" xmlns="" w="9525">
+                  <a14:hiddenLine xmlns="" xmlns:a14="http://schemas.microsoft.com/office/drawing/2010/main" w="9525">
                     <a:solidFill>
                       <a:srgbClr val="000000"/>
                     </a:solidFill>
@@ -11451,7 +11451,7 @@
               </a:ln>
               <a:extLst>
                 <a:ext uri="{91240B29-F687-4f45-9708-019B960494DF}">
-                  <a14:hiddenLine xmlns:a14="http://schemas.microsoft.com/office/drawing/2010/main" xmlns="" w="9525">
+                  <a14:hiddenLine xmlns="" xmlns:a14="http://schemas.microsoft.com/office/drawing/2010/main" w="9525">
                     <a:solidFill>
                       <a:srgbClr val="000000"/>
                     </a:solidFill>
@@ -11519,7 +11519,7 @@
               </a:ln>
               <a:extLst>
                 <a:ext uri="{91240B29-F687-4f45-9708-019B960494DF}">
-                  <a14:hiddenLine xmlns:a14="http://schemas.microsoft.com/office/drawing/2010/main" xmlns="" w="9525">
+                  <a14:hiddenLine xmlns="" xmlns:a14="http://schemas.microsoft.com/office/drawing/2010/main" w="9525">
                     <a:solidFill>
                       <a:srgbClr val="000000"/>
                     </a:solidFill>
@@ -11609,7 +11609,7 @@
               </a:ln>
               <a:extLst>
                 <a:ext uri="{91240B29-F687-4f45-9708-019B960494DF}">
-                  <a14:hiddenLine xmlns:a14="http://schemas.microsoft.com/office/drawing/2010/main" xmlns="" w="9525">
+                  <a14:hiddenLine xmlns="" xmlns:a14="http://schemas.microsoft.com/office/drawing/2010/main" w="9525">
                     <a:solidFill>
                       <a:srgbClr val="000000"/>
                     </a:solidFill>
@@ -11677,7 +11677,7 @@
               </a:ln>
               <a:extLst>
                 <a:ext uri="{91240B29-F687-4f45-9708-019B960494DF}">
-                  <a14:hiddenLine xmlns:a14="http://schemas.microsoft.com/office/drawing/2010/main" xmlns="" w="9525">
+                  <a14:hiddenLine xmlns="" xmlns:a14="http://schemas.microsoft.com/office/drawing/2010/main" w="9525">
                     <a:solidFill>
                       <a:srgbClr val="000000"/>
                     </a:solidFill>
@@ -11767,7 +11767,7 @@
               </a:ln>
               <a:extLst>
                 <a:ext uri="{91240B29-F687-4f45-9708-019B960494DF}">
-                  <a14:hiddenLine xmlns:a14="http://schemas.microsoft.com/office/drawing/2010/main" xmlns="" w="9525">
+                  <a14:hiddenLine xmlns="" xmlns:a14="http://schemas.microsoft.com/office/drawing/2010/main" w="9525">
                     <a:solidFill>
                       <a:srgbClr val="000000"/>
                     </a:solidFill>
@@ -11801,7 +11801,7 @@
               </a:ln>
               <a:extLst>
                 <a:ext uri="{91240B29-F687-4f45-9708-019B960494DF}">
-                  <a14:hiddenLine xmlns:a14="http://schemas.microsoft.com/office/drawing/2010/main" xmlns="" w="9525">
+                  <a14:hiddenLine xmlns="" xmlns:a14="http://schemas.microsoft.com/office/drawing/2010/main" w="9525">
                     <a:solidFill>
                       <a:srgbClr val="000000"/>
                     </a:solidFill>
@@ -11942,7 +11942,7 @@
             <a:fld id="{48A87A34-81AB-432B-8DAE-1953F412C126}" type="datetimeFigureOut">
               <a:rPr lang="en-US" dirty="0"/>
               <a:pPr/>
-              <a:t>2/19/19</a:t>
+              <a:t>2/19/2019</a:t>
             </a:fld>
             <a:endParaRPr lang="en-US" dirty="0"/>
           </a:p>
@@ -12513,7 +12513,7 @@
         <p:spPr>
           <a:xfrm>
             <a:off x="1173892" y="1189571"/>
-            <a:ext cx="10095471" cy="1877437"/>
+            <a:ext cx="10095471" cy="4216539"/>
           </a:xfrm>
           <a:prstGeom prst="rect">
             <a:avLst/>
@@ -12560,7 +12560,104 @@
               <a:buFont typeface="Arial" panose="020B0604020202020204" pitchFamily="34" charset="0"/>
               <a:buChar char="•"/>
             </a:pPr>
-            <a:endParaRPr lang="en-US" altLang="en-US" sz="3200" dirty="0"/>
+            <a:r>
+              <a:rPr lang="en-US" altLang="en-US" sz="3200" dirty="0"/>
+              <a:t>Result</a:t>
+            </a:r>
+          </a:p>
+          <a:p>
+            <a:pPr lvl="1" defTabSz="914400" eaLnBrk="0" fontAlgn="base" hangingPunct="0">
+              <a:spcBef>
+                <a:spcPct val="0"/>
+              </a:spcBef>
+              <a:spcAft>
+                <a:spcPct val="0"/>
+              </a:spcAft>
+            </a:pPr>
+            <a:r>
+              <a:rPr lang="en-US" altLang="en-US" sz="2400" dirty="0">
+                <a:hlinkClick r:id="rId2"/>
+              </a:rPr>
+              <a:t>users.xlsx</a:t>
+            </a:r>
+            <a:endParaRPr lang="en-US" altLang="en-US" sz="2400" dirty="0"/>
+          </a:p>
+          <a:p>
+            <a:pPr marL="571500" indent="-571500" defTabSz="914400" eaLnBrk="0" fontAlgn="base" hangingPunct="0">
+              <a:spcBef>
+                <a:spcPct val="0"/>
+              </a:spcBef>
+              <a:spcAft>
+                <a:spcPct val="0"/>
+              </a:spcAft>
+              <a:buFont typeface="Arial" panose="020B0604020202020204" pitchFamily="34" charset="0"/>
+              <a:buChar char="•"/>
+            </a:pPr>
+            <a:r>
+              <a:rPr lang="en-US" altLang="en-US" sz="3200" dirty="0"/>
+              <a:t>Analysis</a:t>
+            </a:r>
+          </a:p>
+          <a:p>
+            <a:pPr marL="1028700" lvl="1" indent="-571500" defTabSz="914400" eaLnBrk="0" fontAlgn="base" hangingPunct="0">
+              <a:spcBef>
+                <a:spcPct val="0"/>
+              </a:spcBef>
+              <a:spcAft>
+                <a:spcPct val="0"/>
+              </a:spcAft>
+              <a:buFont typeface="Arial" panose="020B0604020202020204" pitchFamily="34" charset="0"/>
+              <a:buChar char="•"/>
+            </a:pPr>
+            <a:r>
+              <a:rPr lang="en-US" altLang="en-US" sz="2400" dirty="0"/>
+              <a:t>Cluster 1 – High Reputation, very involved user</a:t>
+            </a:r>
+          </a:p>
+          <a:p>
+            <a:pPr marL="1028700" lvl="1" indent="-571500" defTabSz="914400" eaLnBrk="0" fontAlgn="base" hangingPunct="0">
+              <a:spcBef>
+                <a:spcPct val="0"/>
+              </a:spcBef>
+              <a:spcAft>
+                <a:spcPct val="0"/>
+              </a:spcAft>
+              <a:buFont typeface="Arial" panose="020B0604020202020204" pitchFamily="34" charset="0"/>
+              <a:buChar char="•"/>
+            </a:pPr>
+            <a:r>
+              <a:rPr lang="en-US" altLang="en-US" sz="2400" dirty="0"/>
+              <a:t>Cluster 2 – Very involved user, much more positive feedback on up votes</a:t>
+            </a:r>
+          </a:p>
+          <a:p>
+            <a:pPr marL="1028700" lvl="1" indent="-571500" defTabSz="914400" eaLnBrk="0" fontAlgn="base" hangingPunct="0">
+              <a:spcBef>
+                <a:spcPct val="0"/>
+              </a:spcBef>
+              <a:spcAft>
+                <a:spcPct val="0"/>
+              </a:spcAft>
+              <a:buFont typeface="Arial" panose="020B0604020202020204" pitchFamily="34" charset="0"/>
+              <a:buChar char="•"/>
+            </a:pPr>
+            <a:r>
+              <a:rPr lang="en-US" altLang="en-US" sz="2400" dirty="0"/>
+              <a:t>Cluster 3 – Regular User</a:t>
+            </a:r>
+          </a:p>
+          <a:p>
+            <a:pPr marL="1028700" lvl="1" indent="-571500" defTabSz="914400" eaLnBrk="0" fontAlgn="base" hangingPunct="0">
+              <a:spcBef>
+                <a:spcPct val="0"/>
+              </a:spcBef>
+              <a:spcAft>
+                <a:spcPct val="0"/>
+              </a:spcAft>
+              <a:buFont typeface="Arial" panose="020B0604020202020204" pitchFamily="34" charset="0"/>
+              <a:buChar char="•"/>
+            </a:pPr>
+            <a:endParaRPr lang="en-US" altLang="en-US" sz="2400" dirty="0"/>
           </a:p>
           <a:p>
             <a:pPr marL="571500" indent="-571500" defTabSz="914400" eaLnBrk="0" fontAlgn="base" hangingPunct="0">
@@ -14205,7 +14302,7 @@
         <p:spPr>
           <a:xfrm>
             <a:off x="1173892" y="1189571"/>
-            <a:ext cx="10095471" cy="5386090"/>
+            <a:ext cx="10095471" cy="6678751"/>
           </a:xfrm>
           <a:prstGeom prst="rect">
             <a:avLst/>
@@ -14218,7 +14315,49 @@
           </a:bodyPr>
           <a:lstStyle/>
           <a:p>
-            <a:pPr marL="571500" indent="-571500" defTabSz="914400" eaLnBrk="0" fontAlgn="base" hangingPunct="0">
+            <a:pPr defTabSz="914400" eaLnBrk="0" fontAlgn="base" hangingPunct="0">
+              <a:spcBef>
+                <a:spcPct val="0"/>
+              </a:spcBef>
+              <a:spcAft>
+                <a:spcPct val="0"/>
+              </a:spcAft>
+            </a:pPr>
+            <a:r>
+              <a:rPr lang="en-US" altLang="en-US" sz="3200" dirty="0"/>
+              <a:t>Question defined</a:t>
+            </a:r>
+          </a:p>
+          <a:p>
+            <a:pPr lvl="1" defTabSz="914400" eaLnBrk="0" fontAlgn="base" hangingPunct="0">
+              <a:spcBef>
+                <a:spcPct val="0"/>
+              </a:spcBef>
+              <a:spcAft>
+                <a:spcPct val="0"/>
+              </a:spcAft>
+            </a:pPr>
+            <a:r>
+              <a:rPr lang="en-US" altLang="en-US" sz="2000" dirty="0"/>
+              <a:t>Cluster user based their community behavior</a:t>
+            </a:r>
+          </a:p>
+          <a:p>
+            <a:pPr defTabSz="914400" eaLnBrk="0" fontAlgn="base" hangingPunct="0">
+              <a:spcBef>
+                <a:spcPct val="0"/>
+              </a:spcBef>
+              <a:spcAft>
+                <a:spcPct val="0"/>
+              </a:spcAft>
+            </a:pPr>
+            <a:r>
+              <a:rPr lang="en-US" altLang="en-US" sz="3200" dirty="0"/>
+              <a:t>User table</a:t>
+            </a:r>
+          </a:p>
+          <a:p>
+            <a:pPr marL="800100" lvl="1" indent="-342900" defTabSz="914400" eaLnBrk="0" fontAlgn="base" hangingPunct="0">
               <a:spcBef>
                 <a:spcPct val="0"/>
               </a:spcBef>
@@ -14229,28 +14368,12 @@
               <a:buChar char="•"/>
             </a:pPr>
             <a:r>
-              <a:rPr lang="en-US" altLang="en-US" sz="2800" dirty="0"/>
-              <a:t>Question</a:t>
-            </a:r>
-          </a:p>
-          <a:p>
-            <a:pPr marL="1028700" lvl="1" indent="-571500" defTabSz="914400" eaLnBrk="0" fontAlgn="base" hangingPunct="0">
-              <a:spcBef>
-                <a:spcPct val="0"/>
-              </a:spcBef>
-              <a:spcAft>
-                <a:spcPct val="0"/>
-              </a:spcAft>
-              <a:buFont typeface="Wingdings" panose="05000000000000000000" pitchFamily="2" charset="2"/>
-              <a:buChar char="v"/>
-            </a:pPr>
-            <a:r>
-              <a:rPr lang="en-US" altLang="en-US" sz="2000" dirty="0"/>
-              <a:t>Cluster user based their community behavior</a:t>
-            </a:r>
-          </a:p>
-          <a:p>
-            <a:pPr marL="571500" indent="-571500" defTabSz="914400" eaLnBrk="0" fontAlgn="base" hangingPunct="0">
+              <a:rPr lang="en-US" sz="2000" dirty="0"/>
+              <a:t>reputation – quantitative</a:t>
+            </a:r>
+          </a:p>
+          <a:p>
+            <a:pPr marL="800100" lvl="1" indent="-342900" defTabSz="914400" eaLnBrk="0" fontAlgn="base" hangingPunct="0">
               <a:spcBef>
                 <a:spcPct val="0"/>
               </a:spcBef>
@@ -14261,95 +14384,130 @@
               <a:buChar char="•"/>
             </a:pPr>
             <a:r>
-              <a:rPr lang="en-US" altLang="en-US" sz="2800" dirty="0"/>
-              <a:t>User table</a:t>
-            </a:r>
-          </a:p>
-          <a:p>
-            <a:pPr marL="628650" lvl="1" indent="-171450" defTabSz="914400" eaLnBrk="0" fontAlgn="base" hangingPunct="0">
+              <a:rPr lang="en-US" altLang="en-US" sz="2000" dirty="0" err="1"/>
+              <a:t>up_votes</a:t>
+            </a:r>
+            <a:r>
+              <a:rPr lang="en-US" altLang="en-US" sz="2000" dirty="0"/>
+              <a:t> - </a:t>
+            </a:r>
+            <a:r>
+              <a:rPr lang="en-US" sz="2000" dirty="0"/>
+              <a:t>quantitative</a:t>
+            </a:r>
+            <a:endParaRPr lang="en-US" altLang="en-US" sz="2000" dirty="0"/>
+          </a:p>
+          <a:p>
+            <a:pPr marL="800100" lvl="1" indent="-342900" defTabSz="914400" eaLnBrk="0" fontAlgn="base" hangingPunct="0">
               <a:spcBef>
                 <a:spcPct val="0"/>
               </a:spcBef>
               <a:spcAft>
                 <a:spcPct val="0"/>
               </a:spcAft>
-              <a:buFont typeface="Wingdings" panose="05000000000000000000" pitchFamily="2" charset="2"/>
-              <a:buChar char="v"/>
+              <a:buFont typeface="Arial" panose="020B0604020202020204" pitchFamily="34" charset="0"/>
+              <a:buChar char="•"/>
             </a:pPr>
             <a:r>
-              <a:rPr lang="en-US" sz="1600" dirty="0"/>
-              <a:t>reputation – quantitative</a:t>
-            </a:r>
-          </a:p>
-          <a:p>
-            <a:pPr marL="628650" lvl="1" indent="-171450" defTabSz="914400" eaLnBrk="0" fontAlgn="base" hangingPunct="0">
+              <a:rPr lang="en-US" altLang="en-US" sz="2000" dirty="0" err="1"/>
+              <a:t>down_votes</a:t>
+            </a:r>
+            <a:r>
+              <a:rPr lang="en-US" altLang="en-US" sz="2000" dirty="0"/>
+              <a:t> - </a:t>
+            </a:r>
+            <a:r>
+              <a:rPr lang="en-US" sz="2000" dirty="0"/>
+              <a:t>quantitative</a:t>
+            </a:r>
+            <a:endParaRPr lang="en-US" altLang="en-US" sz="2000" dirty="0"/>
+          </a:p>
+          <a:p>
+            <a:pPr marL="800100" lvl="1" indent="-342900" defTabSz="914400" eaLnBrk="0" fontAlgn="base" hangingPunct="0">
               <a:spcBef>
                 <a:spcPct val="0"/>
               </a:spcBef>
               <a:spcAft>
                 <a:spcPct val="0"/>
               </a:spcAft>
-              <a:buFont typeface="Wingdings" panose="05000000000000000000" pitchFamily="2" charset="2"/>
-              <a:buChar char="v"/>
+              <a:buFont typeface="Arial" panose="020B0604020202020204" pitchFamily="34" charset="0"/>
+              <a:buChar char="•"/>
             </a:pPr>
             <a:r>
-              <a:rPr lang="en-US" altLang="en-US" sz="1600" dirty="0" err="1"/>
-              <a:t>up_votes</a:t>
-            </a:r>
-            <a:r>
-              <a:rPr lang="en-US" altLang="en-US" sz="1600" dirty="0"/>
-              <a:t> - </a:t>
-            </a:r>
-            <a:r>
-              <a:rPr lang="en-US" sz="1600" dirty="0"/>
+              <a:rPr lang="en-US" altLang="en-US" sz="2000" dirty="0"/>
+              <a:t>views  - </a:t>
+            </a:r>
+            <a:r>
+              <a:rPr lang="en-US" sz="2000" dirty="0"/>
               <a:t>quantitative</a:t>
             </a:r>
-            <a:endParaRPr lang="en-US" altLang="en-US" sz="1600" dirty="0"/>
-          </a:p>
-          <a:p>
-            <a:pPr marL="628650" lvl="1" indent="-171450" defTabSz="914400" eaLnBrk="0" fontAlgn="base" hangingPunct="0">
+          </a:p>
+          <a:p>
+            <a:pPr defTabSz="914400" eaLnBrk="0" fontAlgn="base" hangingPunct="0">
               <a:spcBef>
                 <a:spcPct val="0"/>
               </a:spcBef>
               <a:spcAft>
                 <a:spcPct val="0"/>
               </a:spcAft>
-              <a:buFont typeface="Wingdings" panose="05000000000000000000" pitchFamily="2" charset="2"/>
-              <a:buChar char="v"/>
             </a:pPr>
             <a:r>
-              <a:rPr lang="en-US" altLang="en-US" sz="1600" dirty="0" err="1"/>
-              <a:t>down_votes</a:t>
-            </a:r>
-            <a:r>
-              <a:rPr lang="en-US" altLang="en-US" sz="1600" dirty="0"/>
-              <a:t> - </a:t>
-            </a:r>
-            <a:r>
-              <a:rPr lang="en-US" sz="1600" dirty="0"/>
-              <a:t>quantitative</a:t>
-            </a:r>
-            <a:endParaRPr lang="en-US" altLang="en-US" sz="1600" dirty="0"/>
-          </a:p>
-          <a:p>
-            <a:pPr marL="628650" lvl="1" indent="-171450" defTabSz="914400" eaLnBrk="0" fontAlgn="base" hangingPunct="0">
+              <a:rPr lang="en-US" altLang="en-US" sz="2800" dirty="0"/>
+              <a:t>Analysis</a:t>
+            </a:r>
+          </a:p>
+          <a:p>
+            <a:pPr marL="800100" lvl="1" indent="-342900" defTabSz="914400" eaLnBrk="0" fontAlgn="base" hangingPunct="0">
               <a:spcBef>
                 <a:spcPct val="0"/>
               </a:spcBef>
               <a:spcAft>
                 <a:spcPct val="0"/>
               </a:spcAft>
-              <a:buFont typeface="Wingdings" panose="05000000000000000000" pitchFamily="2" charset="2"/>
-              <a:buChar char="v"/>
+              <a:buFont typeface="Arial" panose="020B0604020202020204" pitchFamily="34" charset="0"/>
+              <a:buChar char="•"/>
             </a:pPr>
             <a:r>
-              <a:rPr lang="en-US" altLang="en-US" sz="1600" dirty="0"/>
-              <a:t>views  - </a:t>
-            </a:r>
-            <a:r>
-              <a:rPr lang="en-US" sz="1600" dirty="0"/>
-              <a:t>quantitative</a:t>
-            </a:r>
+              <a:rPr lang="en-US" altLang="en-US" sz="2000" dirty="0"/>
+              <a:t>Based on user’s reputation, and up votes, down votes and views for their answers or comments, group the user.</a:t>
+            </a:r>
+          </a:p>
+          <a:p>
+            <a:pPr marL="800100" lvl="1" indent="-342900" defTabSz="914400" eaLnBrk="0" fontAlgn="base" hangingPunct="0">
+              <a:spcBef>
+                <a:spcPct val="0"/>
+              </a:spcBef>
+              <a:spcAft>
+                <a:spcPct val="0"/>
+              </a:spcAft>
+              <a:buFont typeface="Arial" panose="020B0604020202020204" pitchFamily="34" charset="0"/>
+              <a:buChar char="•"/>
+            </a:pPr>
+            <a:r>
+              <a:rPr lang="en-US" altLang="en-US" sz="2000" dirty="0"/>
+              <a:t>Expected user could be grouped to very popular user, high involvement user and regular user</a:t>
+            </a:r>
+          </a:p>
+          <a:p>
+            <a:pPr marL="800100" lvl="1" indent="-342900" defTabSz="914400" eaLnBrk="0" fontAlgn="base" hangingPunct="0">
+              <a:spcBef>
+                <a:spcPct val="0"/>
+              </a:spcBef>
+              <a:spcAft>
+                <a:spcPct val="0"/>
+              </a:spcAft>
+              <a:buFont typeface="Arial" panose="020B0604020202020204" pitchFamily="34" charset="0"/>
+              <a:buChar char="•"/>
+            </a:pPr>
+            <a:r>
+              <a:rPr lang="en-US" altLang="en-US" sz="2000" dirty="0"/>
+              <a:t>K-Means is adopted to the dataset, normalized column since range of 4 columns </a:t>
+            </a:r>
+            <a:r>
+              <a:rPr lang="en-US" altLang="en-US" sz="2000"/>
+              <a:t>are huge</a:t>
+            </a:r>
+            <a:endParaRPr lang="en-US" altLang="en-US" sz="2000" dirty="0"/>
           </a:p>
           <a:p>
             <a:pPr lvl="1" defTabSz="914400" eaLnBrk="0" fontAlgn="base" hangingPunct="0">
@@ -14360,38 +14518,7 @@
                 <a:spcPct val="0"/>
               </a:spcAft>
             </a:pPr>
-            <a:r>
-              <a:rPr lang="en-US" altLang="en-US" sz="2800" dirty="0"/>
-              <a:t>Analysis</a:t>
-            </a:r>
-          </a:p>
-          <a:p>
-            <a:pPr lvl="1" defTabSz="914400" eaLnBrk="0" fontAlgn="base" hangingPunct="0">
-              <a:spcBef>
-                <a:spcPct val="0"/>
-              </a:spcBef>
-              <a:spcAft>
-                <a:spcPct val="0"/>
-              </a:spcAft>
-            </a:pPr>
-            <a:r>
-              <a:rPr lang="en-US" altLang="en-US" sz="2000" dirty="0"/>
-              <a:t>Based on user’s reputation, and up votes, down votes and views for their answers or comments, group the user.</a:t>
-            </a:r>
-          </a:p>
-          <a:p>
-            <a:pPr lvl="1" defTabSz="914400" eaLnBrk="0" fontAlgn="base" hangingPunct="0">
-              <a:spcBef>
-                <a:spcPct val="0"/>
-              </a:spcBef>
-              <a:spcAft>
-                <a:spcPct val="0"/>
-              </a:spcAft>
-            </a:pPr>
-            <a:r>
-              <a:rPr lang="en-US" altLang="en-US" sz="2000" dirty="0"/>
-              <a:t>Expected user could be grouped to very popular user, high involvement user and regular user</a:t>
-            </a:r>
+            <a:endParaRPr lang="en-US" altLang="en-US" sz="2000" dirty="0"/>
           </a:p>
           <a:p>
             <a:pPr lvl="1" defTabSz="914400" eaLnBrk="0" fontAlgn="base" hangingPunct="0">

--- a/Data Analytics and Information Virtualization Project.pptx
+++ b/Data Analytics and Information Virtualization Project.pptx
@@ -15,7 +15,12 @@
     <p:sldId id="263" r:id="rId9"/>
     <p:sldId id="264" r:id="rId10"/>
     <p:sldId id="267" r:id="rId11"/>
-    <p:sldId id="266" r:id="rId12"/>
+    <p:sldId id="268" r:id="rId12"/>
+    <p:sldId id="269" r:id="rId13"/>
+    <p:sldId id="270" r:id="rId14"/>
+    <p:sldId id="271" r:id="rId15"/>
+    <p:sldId id="272" r:id="rId16"/>
+    <p:sldId id="266" r:id="rId17"/>
   </p:sldIdLst>
   <p:sldSz cx="12192000" cy="6858000"/>
   <p:notesSz cx="6858000" cy="9144000"/>
@@ -172,7 +177,7 @@
           <a:noFill/>
           <a:extLst>
             <a:ext uri="{909E8E84-426E-40dd-AFC4-6F175D3DCCD1}">
-              <a14:hiddenFill xmlns="" xmlns:a14="http://schemas.microsoft.com/office/drawing/2010/main">
+              <a14:hiddenFill xmlns:a14="http://schemas.microsoft.com/office/drawing/2010/main" xmlns="">
                 <a:solidFill>
                   <a:srgbClr val="FFFFFF"/>
                 </a:solidFill>
@@ -232,7 +237,7 @@
             </a:ln>
             <a:extLst>
               <a:ext uri="{91240B29-F687-4f45-9708-019B960494DF}">
-                <a14:hiddenLine xmlns="" xmlns:a14="http://schemas.microsoft.com/office/drawing/2010/main" w="9525">
+                <a14:hiddenLine xmlns:a14="http://schemas.microsoft.com/office/drawing/2010/main" xmlns="" w="9525">
                   <a:solidFill>
                     <a:srgbClr val="000000"/>
                   </a:solidFill>
@@ -322,7 +327,7 @@
             </a:ln>
             <a:extLst>
               <a:ext uri="{91240B29-F687-4f45-9708-019B960494DF}">
-                <a14:hiddenLine xmlns="" xmlns:a14="http://schemas.microsoft.com/office/drawing/2010/main" w="9525">
+                <a14:hiddenLine xmlns:a14="http://schemas.microsoft.com/office/drawing/2010/main" xmlns="" w="9525">
                   <a:solidFill>
                     <a:srgbClr val="000000"/>
                   </a:solidFill>
@@ -412,7 +417,7 @@
             </a:ln>
             <a:extLst>
               <a:ext uri="{91240B29-F687-4f45-9708-019B960494DF}">
-                <a14:hiddenLine xmlns="" xmlns:a14="http://schemas.microsoft.com/office/drawing/2010/main" w="9525">
+                <a14:hiddenLine xmlns:a14="http://schemas.microsoft.com/office/drawing/2010/main" xmlns="" w="9525">
                   <a:solidFill>
                     <a:srgbClr val="000000"/>
                   </a:solidFill>
@@ -446,7 +451,7 @@
             </a:ln>
             <a:extLst>
               <a:ext uri="{91240B29-F687-4f45-9708-019B960494DF}">
-                <a14:hiddenLine xmlns="" xmlns:a14="http://schemas.microsoft.com/office/drawing/2010/main" w="9525">
+                <a14:hiddenLine xmlns:a14="http://schemas.microsoft.com/office/drawing/2010/main" xmlns="" w="9525">
                   <a:solidFill>
                     <a:srgbClr val="000000"/>
                   </a:solidFill>
@@ -536,7 +541,7 @@
             </a:ln>
             <a:extLst>
               <a:ext uri="{91240B29-F687-4f45-9708-019B960494DF}">
-                <a14:hiddenLine xmlns="" xmlns:a14="http://schemas.microsoft.com/office/drawing/2010/main" w="9525">
+                <a14:hiddenLine xmlns:a14="http://schemas.microsoft.com/office/drawing/2010/main" xmlns="" w="9525">
                   <a:solidFill>
                     <a:srgbClr val="000000"/>
                   </a:solidFill>
@@ -598,7 +603,7 @@
             </a:ln>
             <a:extLst>
               <a:ext uri="{91240B29-F687-4f45-9708-019B960494DF}">
-                <a14:hiddenLine xmlns="" xmlns:a14="http://schemas.microsoft.com/office/drawing/2010/main" w="9525">
+                <a14:hiddenLine xmlns:a14="http://schemas.microsoft.com/office/drawing/2010/main" xmlns="" w="9525">
                   <a:solidFill>
                     <a:srgbClr val="000000"/>
                   </a:solidFill>
@@ -660,7 +665,7 @@
             </a:ln>
             <a:extLst>
               <a:ext uri="{91240B29-F687-4f45-9708-019B960494DF}">
-                <a14:hiddenLine xmlns="" xmlns:a14="http://schemas.microsoft.com/office/drawing/2010/main" w="9525">
+                <a14:hiddenLine xmlns:a14="http://schemas.microsoft.com/office/drawing/2010/main" xmlns="" w="9525">
                   <a:solidFill>
                     <a:srgbClr val="000000"/>
                   </a:solidFill>
@@ -750,7 +755,7 @@
             </a:ln>
             <a:extLst>
               <a:ext uri="{91240B29-F687-4f45-9708-019B960494DF}">
-                <a14:hiddenLine xmlns="" xmlns:a14="http://schemas.microsoft.com/office/drawing/2010/main" w="9525">
+                <a14:hiddenLine xmlns:a14="http://schemas.microsoft.com/office/drawing/2010/main" xmlns="" w="9525">
                   <a:solidFill>
                     <a:srgbClr val="000000"/>
                   </a:solidFill>
@@ -812,7 +817,7 @@
             </a:ln>
             <a:extLst>
               <a:ext uri="{91240B29-F687-4f45-9708-019B960494DF}">
-                <a14:hiddenLine xmlns="" xmlns:a14="http://schemas.microsoft.com/office/drawing/2010/main" w="9525">
+                <a14:hiddenLine xmlns:a14="http://schemas.microsoft.com/office/drawing/2010/main" xmlns="" w="9525">
                   <a:solidFill>
                     <a:srgbClr val="000000"/>
                   </a:solidFill>
@@ -874,7 +879,7 @@
             </a:ln>
             <a:extLst>
               <a:ext uri="{91240B29-F687-4f45-9708-019B960494DF}">
-                <a14:hiddenLine xmlns="" xmlns:a14="http://schemas.microsoft.com/office/drawing/2010/main" w="9525">
+                <a14:hiddenLine xmlns:a14="http://schemas.microsoft.com/office/drawing/2010/main" xmlns="" w="9525">
                   <a:solidFill>
                     <a:srgbClr val="000000"/>
                   </a:solidFill>
@@ -964,7 +969,7 @@
             </a:ln>
             <a:extLst>
               <a:ext uri="{91240B29-F687-4f45-9708-019B960494DF}">
-                <a14:hiddenLine xmlns="" xmlns:a14="http://schemas.microsoft.com/office/drawing/2010/main" w="9525">
+                <a14:hiddenLine xmlns:a14="http://schemas.microsoft.com/office/drawing/2010/main" xmlns="" w="9525">
                   <a:solidFill>
                     <a:srgbClr val="000000"/>
                   </a:solidFill>
@@ -1054,7 +1059,7 @@
             </a:ln>
             <a:extLst>
               <a:ext uri="{91240B29-F687-4f45-9708-019B960494DF}">
-                <a14:hiddenLine xmlns="" xmlns:a14="http://schemas.microsoft.com/office/drawing/2010/main" w="9525">
+                <a14:hiddenLine xmlns:a14="http://schemas.microsoft.com/office/drawing/2010/main" xmlns="" w="9525">
                   <a:solidFill>
                     <a:srgbClr val="000000"/>
                   </a:solidFill>
@@ -1116,7 +1121,7 @@
             </a:ln>
             <a:extLst>
               <a:ext uri="{91240B29-F687-4f45-9708-019B960494DF}">
-                <a14:hiddenLine xmlns="" xmlns:a14="http://schemas.microsoft.com/office/drawing/2010/main" w="9525">
+                <a14:hiddenLine xmlns:a14="http://schemas.microsoft.com/office/drawing/2010/main" xmlns="" w="9525">
                   <a:solidFill>
                     <a:srgbClr val="000000"/>
                   </a:solidFill>
@@ -1226,7 +1231,7 @@
             </a:ln>
             <a:extLst>
               <a:ext uri="{91240B29-F687-4f45-9708-019B960494DF}">
-                <a14:hiddenLine xmlns="" xmlns:a14="http://schemas.microsoft.com/office/drawing/2010/main" w="9525">
+                <a14:hiddenLine xmlns:a14="http://schemas.microsoft.com/office/drawing/2010/main" xmlns="" w="9525">
                   <a:solidFill>
                     <a:srgbClr val="000000"/>
                   </a:solidFill>
@@ -1288,7 +1293,7 @@
             </a:ln>
             <a:extLst>
               <a:ext uri="{91240B29-F687-4f45-9708-019B960494DF}">
-                <a14:hiddenLine xmlns="" xmlns:a14="http://schemas.microsoft.com/office/drawing/2010/main" w="9525">
+                <a14:hiddenLine xmlns:a14="http://schemas.microsoft.com/office/drawing/2010/main" xmlns="" w="9525">
                   <a:solidFill>
                     <a:srgbClr val="000000"/>
                   </a:solidFill>
@@ -1378,7 +1383,7 @@
             </a:ln>
             <a:extLst>
               <a:ext uri="{91240B29-F687-4f45-9708-019B960494DF}">
-                <a14:hiddenLine xmlns="" xmlns:a14="http://schemas.microsoft.com/office/drawing/2010/main" w="9525">
+                <a14:hiddenLine xmlns:a14="http://schemas.microsoft.com/office/drawing/2010/main" xmlns="" w="9525">
                   <a:solidFill>
                     <a:srgbClr val="000000"/>
                   </a:solidFill>
@@ -1468,7 +1473,7 @@
             </a:ln>
             <a:extLst>
               <a:ext uri="{91240B29-F687-4f45-9708-019B960494DF}">
-                <a14:hiddenLine xmlns="" xmlns:a14="http://schemas.microsoft.com/office/drawing/2010/main" w="9525">
+                <a14:hiddenLine xmlns:a14="http://schemas.microsoft.com/office/drawing/2010/main" xmlns="" w="9525">
                   <a:solidFill>
                     <a:srgbClr val="000000"/>
                   </a:solidFill>
@@ -1530,7 +1535,7 @@
             </a:ln>
             <a:extLst>
               <a:ext uri="{91240B29-F687-4f45-9708-019B960494DF}">
-                <a14:hiddenLine xmlns="" xmlns:a14="http://schemas.microsoft.com/office/drawing/2010/main" w="9525">
+                <a14:hiddenLine xmlns:a14="http://schemas.microsoft.com/office/drawing/2010/main" xmlns="" w="9525">
                   <a:solidFill>
                     <a:srgbClr val="000000"/>
                   </a:solidFill>
@@ -1620,7 +1625,7 @@
             </a:ln>
             <a:extLst>
               <a:ext uri="{91240B29-F687-4f45-9708-019B960494DF}">
-                <a14:hiddenLine xmlns="" xmlns:a14="http://schemas.microsoft.com/office/drawing/2010/main" w="9525">
+                <a14:hiddenLine xmlns:a14="http://schemas.microsoft.com/office/drawing/2010/main" xmlns="" w="9525">
                   <a:solidFill>
                     <a:srgbClr val="000000"/>
                   </a:solidFill>
@@ -1710,7 +1715,7 @@
             </a:ln>
             <a:extLst>
               <a:ext uri="{91240B29-F687-4f45-9708-019B960494DF}">
-                <a14:hiddenLine xmlns="" xmlns:a14="http://schemas.microsoft.com/office/drawing/2010/main" w="9525">
+                <a14:hiddenLine xmlns:a14="http://schemas.microsoft.com/office/drawing/2010/main" xmlns="" w="9525">
                   <a:solidFill>
                     <a:srgbClr val="000000"/>
                   </a:solidFill>
@@ -1766,7 +1771,7 @@
             </a:ln>
             <a:extLst>
               <a:ext uri="{91240B29-F687-4f45-9708-019B960494DF}">
-                <a14:hiddenLine xmlns="" xmlns:a14="http://schemas.microsoft.com/office/drawing/2010/main" w="9525">
+                <a14:hiddenLine xmlns:a14="http://schemas.microsoft.com/office/drawing/2010/main" xmlns="" w="9525">
                   <a:solidFill>
                     <a:srgbClr val="000000"/>
                   </a:solidFill>
@@ -1856,7 +1861,7 @@
             </a:ln>
             <a:extLst>
               <a:ext uri="{91240B29-F687-4f45-9708-019B960494DF}">
-                <a14:hiddenLine xmlns="" xmlns:a14="http://schemas.microsoft.com/office/drawing/2010/main" w="9525">
+                <a14:hiddenLine xmlns:a14="http://schemas.microsoft.com/office/drawing/2010/main" xmlns="" w="9525">
                   <a:solidFill>
                     <a:srgbClr val="000000"/>
                   </a:solidFill>
@@ -1912,7 +1917,7 @@
             </a:ln>
             <a:extLst>
               <a:ext uri="{91240B29-F687-4f45-9708-019B960494DF}">
-                <a14:hiddenLine xmlns="" xmlns:a14="http://schemas.microsoft.com/office/drawing/2010/main" w="9525">
+                <a14:hiddenLine xmlns:a14="http://schemas.microsoft.com/office/drawing/2010/main" xmlns="" w="9525">
                   <a:solidFill>
                     <a:srgbClr val="000000"/>
                   </a:solidFill>
@@ -2002,7 +2007,7 @@
             </a:ln>
             <a:extLst>
               <a:ext uri="{91240B29-F687-4f45-9708-019B960494DF}">
-                <a14:hiddenLine xmlns="" xmlns:a14="http://schemas.microsoft.com/office/drawing/2010/main" w="9525">
+                <a14:hiddenLine xmlns:a14="http://schemas.microsoft.com/office/drawing/2010/main" xmlns="" w="9525">
                   <a:solidFill>
                     <a:srgbClr val="000000"/>
                   </a:solidFill>
@@ -2070,7 +2075,7 @@
             </a:ln>
             <a:extLst>
               <a:ext uri="{91240B29-F687-4f45-9708-019B960494DF}">
-                <a14:hiddenLine xmlns="" xmlns:a14="http://schemas.microsoft.com/office/drawing/2010/main" w="9525">
+                <a14:hiddenLine xmlns:a14="http://schemas.microsoft.com/office/drawing/2010/main" xmlns="" w="9525">
                   <a:solidFill>
                     <a:srgbClr val="000000"/>
                   </a:solidFill>
@@ -2160,7 +2165,7 @@
             </a:ln>
             <a:extLst>
               <a:ext uri="{91240B29-F687-4f45-9708-019B960494DF}">
-                <a14:hiddenLine xmlns="" xmlns:a14="http://schemas.microsoft.com/office/drawing/2010/main" w="9525">
+                <a14:hiddenLine xmlns:a14="http://schemas.microsoft.com/office/drawing/2010/main" xmlns="" w="9525">
                   <a:solidFill>
                     <a:srgbClr val="000000"/>
                   </a:solidFill>
@@ -2228,7 +2233,7 @@
             </a:ln>
             <a:extLst>
               <a:ext uri="{91240B29-F687-4f45-9708-019B960494DF}">
-                <a14:hiddenLine xmlns="" xmlns:a14="http://schemas.microsoft.com/office/drawing/2010/main" w="9525">
+                <a14:hiddenLine xmlns:a14="http://schemas.microsoft.com/office/drawing/2010/main" xmlns="" w="9525">
                   <a:solidFill>
                     <a:srgbClr val="000000"/>
                   </a:solidFill>
@@ -2318,7 +2323,7 @@
             </a:ln>
             <a:extLst>
               <a:ext uri="{91240B29-F687-4f45-9708-019B960494DF}">
-                <a14:hiddenLine xmlns="" xmlns:a14="http://schemas.microsoft.com/office/drawing/2010/main" w="9525">
+                <a14:hiddenLine xmlns:a14="http://schemas.microsoft.com/office/drawing/2010/main" xmlns="" w="9525">
                   <a:solidFill>
                     <a:srgbClr val="000000"/>
                   </a:solidFill>
@@ -2352,7 +2357,7 @@
             </a:ln>
             <a:extLst>
               <a:ext uri="{91240B29-F687-4f45-9708-019B960494DF}">
-                <a14:hiddenLine xmlns="" xmlns:a14="http://schemas.microsoft.com/office/drawing/2010/main" w="9525">
+                <a14:hiddenLine xmlns:a14="http://schemas.microsoft.com/office/drawing/2010/main" xmlns="" w="9525">
                   <a:solidFill>
                     <a:srgbClr val="000000"/>
                   </a:solidFill>
@@ -2442,7 +2447,7 @@
             </a:ln>
             <a:extLst>
               <a:ext uri="{91240B29-F687-4f45-9708-019B960494DF}">
-                <a14:hiddenLine xmlns="" xmlns:a14="http://schemas.microsoft.com/office/drawing/2010/main" w="9525">
+                <a14:hiddenLine xmlns:a14="http://schemas.microsoft.com/office/drawing/2010/main" xmlns="" w="9525">
                   <a:solidFill>
                     <a:srgbClr val="000000"/>
                   </a:solidFill>
@@ -2504,7 +2509,7 @@
             </a:ln>
             <a:extLst>
               <a:ext uri="{91240B29-F687-4f45-9708-019B960494DF}">
-                <a14:hiddenLine xmlns="" xmlns:a14="http://schemas.microsoft.com/office/drawing/2010/main" w="9525">
+                <a14:hiddenLine xmlns:a14="http://schemas.microsoft.com/office/drawing/2010/main" xmlns="" w="9525">
                   <a:solidFill>
                     <a:srgbClr val="000000"/>
                   </a:solidFill>
@@ -2566,7 +2571,7 @@
             </a:ln>
             <a:extLst>
               <a:ext uri="{91240B29-F687-4f45-9708-019B960494DF}">
-                <a14:hiddenLine xmlns="" xmlns:a14="http://schemas.microsoft.com/office/drawing/2010/main" w="9525">
+                <a14:hiddenLine xmlns:a14="http://schemas.microsoft.com/office/drawing/2010/main" xmlns="" w="9525">
                   <a:solidFill>
                     <a:srgbClr val="000000"/>
                   </a:solidFill>
@@ -2656,7 +2661,7 @@
             </a:ln>
             <a:extLst>
               <a:ext uri="{91240B29-F687-4f45-9708-019B960494DF}">
-                <a14:hiddenLine xmlns="" xmlns:a14="http://schemas.microsoft.com/office/drawing/2010/main" w="9525">
+                <a14:hiddenLine xmlns:a14="http://schemas.microsoft.com/office/drawing/2010/main" xmlns="" w="9525">
                   <a:solidFill>
                     <a:srgbClr val="000000"/>
                   </a:solidFill>
@@ -2724,7 +2729,7 @@
             </a:ln>
             <a:extLst>
               <a:ext uri="{91240B29-F687-4f45-9708-019B960494DF}">
-                <a14:hiddenLine xmlns="" xmlns:a14="http://schemas.microsoft.com/office/drawing/2010/main" w="9525">
+                <a14:hiddenLine xmlns:a14="http://schemas.microsoft.com/office/drawing/2010/main" xmlns="" w="9525">
                   <a:solidFill>
                     <a:srgbClr val="000000"/>
                   </a:solidFill>
@@ -2786,7 +2791,7 @@
             </a:ln>
             <a:extLst>
               <a:ext uri="{91240B29-F687-4f45-9708-019B960494DF}">
-                <a14:hiddenLine xmlns="" xmlns:a14="http://schemas.microsoft.com/office/drawing/2010/main" w="9525">
+                <a14:hiddenLine xmlns:a14="http://schemas.microsoft.com/office/drawing/2010/main" xmlns="" w="9525">
                   <a:solidFill>
                     <a:srgbClr val="000000"/>
                   </a:solidFill>
@@ -2876,7 +2881,7 @@
             </a:ln>
             <a:extLst>
               <a:ext uri="{91240B29-F687-4f45-9708-019B960494DF}">
-                <a14:hiddenLine xmlns="" xmlns:a14="http://schemas.microsoft.com/office/drawing/2010/main" w="9525">
+                <a14:hiddenLine xmlns:a14="http://schemas.microsoft.com/office/drawing/2010/main" xmlns="" w="9525">
                   <a:solidFill>
                     <a:srgbClr val="000000"/>
                   </a:solidFill>
@@ -2938,7 +2943,7 @@
             </a:ln>
             <a:extLst>
               <a:ext uri="{91240B29-F687-4f45-9708-019B960494DF}">
-                <a14:hiddenLine xmlns="" xmlns:a14="http://schemas.microsoft.com/office/drawing/2010/main" w="9525">
+                <a14:hiddenLine xmlns:a14="http://schemas.microsoft.com/office/drawing/2010/main" xmlns="" w="9525">
                   <a:solidFill>
                     <a:srgbClr val="000000"/>
                   </a:solidFill>
@@ -3028,7 +3033,7 @@
             </a:ln>
             <a:extLst>
               <a:ext uri="{91240B29-F687-4f45-9708-019B960494DF}">
-                <a14:hiddenLine xmlns="" xmlns:a14="http://schemas.microsoft.com/office/drawing/2010/main" w="9525">
+                <a14:hiddenLine xmlns:a14="http://schemas.microsoft.com/office/drawing/2010/main" xmlns="" w="9525">
                   <a:solidFill>
                     <a:srgbClr val="000000"/>
                   </a:solidFill>
@@ -3090,7 +3095,7 @@
             </a:ln>
             <a:extLst>
               <a:ext uri="{91240B29-F687-4f45-9708-019B960494DF}">
-                <a14:hiddenLine xmlns="" xmlns:a14="http://schemas.microsoft.com/office/drawing/2010/main" w="9525">
+                <a14:hiddenLine xmlns:a14="http://schemas.microsoft.com/office/drawing/2010/main" xmlns="" w="9525">
                   <a:solidFill>
                     <a:srgbClr val="000000"/>
                   </a:solidFill>
@@ -3180,7 +3185,7 @@
             </a:ln>
             <a:extLst>
               <a:ext uri="{91240B29-F687-4f45-9708-019B960494DF}">
-                <a14:hiddenLine xmlns="" xmlns:a14="http://schemas.microsoft.com/office/drawing/2010/main" w="9525">
+                <a14:hiddenLine xmlns:a14="http://schemas.microsoft.com/office/drawing/2010/main" xmlns="" w="9525">
                   <a:solidFill>
                     <a:srgbClr val="000000"/>
                   </a:solidFill>
@@ -3214,7 +3219,7 @@
             </a:ln>
             <a:extLst>
               <a:ext uri="{91240B29-F687-4f45-9708-019B960494DF}">
-                <a14:hiddenLine xmlns="" xmlns:a14="http://schemas.microsoft.com/office/drawing/2010/main" w="9525">
+                <a14:hiddenLine xmlns:a14="http://schemas.microsoft.com/office/drawing/2010/main" xmlns="" w="9525">
                   <a:solidFill>
                     <a:srgbClr val="000000"/>
                   </a:solidFill>
@@ -3279,7 +3284,7 @@
             </a:ln>
             <a:extLst>
               <a:ext uri="{91240B29-F687-4f45-9708-019B960494DF}">
-                <a14:hiddenLine xmlns="" xmlns:a14="http://schemas.microsoft.com/office/drawing/2010/main" w="9525">
+                <a14:hiddenLine xmlns:a14="http://schemas.microsoft.com/office/drawing/2010/main" xmlns="" w="9525">
                   <a:solidFill>
                     <a:srgbClr val="000000"/>
                   </a:solidFill>
@@ -3369,7 +3374,7 @@
             </a:ln>
             <a:extLst>
               <a:ext uri="{91240B29-F687-4f45-9708-019B960494DF}">
-                <a14:hiddenLine xmlns="" xmlns:a14="http://schemas.microsoft.com/office/drawing/2010/main" w="9525">
+                <a14:hiddenLine xmlns:a14="http://schemas.microsoft.com/office/drawing/2010/main" xmlns="" w="9525">
                   <a:solidFill>
                     <a:srgbClr val="000000"/>
                   </a:solidFill>
@@ -3431,7 +3436,7 @@
             </a:ln>
             <a:extLst>
               <a:ext uri="{91240B29-F687-4f45-9708-019B960494DF}">
-                <a14:hiddenLine xmlns="" xmlns:a14="http://schemas.microsoft.com/office/drawing/2010/main" w="9525">
+                <a14:hiddenLine xmlns:a14="http://schemas.microsoft.com/office/drawing/2010/main" xmlns="" w="9525">
                   <a:solidFill>
                     <a:srgbClr val="000000"/>
                   </a:solidFill>
@@ -3521,7 +3526,7 @@
             </a:ln>
             <a:extLst>
               <a:ext uri="{91240B29-F687-4f45-9708-019B960494DF}">
-                <a14:hiddenLine xmlns="" xmlns:a14="http://schemas.microsoft.com/office/drawing/2010/main" w="9525">
+                <a14:hiddenLine xmlns:a14="http://schemas.microsoft.com/office/drawing/2010/main" xmlns="" w="9525">
                   <a:solidFill>
                     <a:srgbClr val="000000"/>
                   </a:solidFill>
@@ -3611,7 +3616,7 @@
             </a:ln>
             <a:extLst>
               <a:ext uri="{91240B29-F687-4f45-9708-019B960494DF}">
-                <a14:hiddenLine xmlns="" xmlns:a14="http://schemas.microsoft.com/office/drawing/2010/main" w="9525">
+                <a14:hiddenLine xmlns:a14="http://schemas.microsoft.com/office/drawing/2010/main" xmlns="" w="9525">
                   <a:solidFill>
                     <a:srgbClr val="000000"/>
                   </a:solidFill>
@@ -3676,7 +3681,7 @@
             </a:ln>
             <a:extLst>
               <a:ext uri="{91240B29-F687-4f45-9708-019B960494DF}">
-                <a14:hiddenLine xmlns="" xmlns:a14="http://schemas.microsoft.com/office/drawing/2010/main" w="9525">
+                <a14:hiddenLine xmlns:a14="http://schemas.microsoft.com/office/drawing/2010/main" xmlns="" w="9525">
                   <a:solidFill>
                     <a:srgbClr val="000000"/>
                   </a:solidFill>
@@ -3738,7 +3743,7 @@
             </a:ln>
             <a:extLst>
               <a:ext uri="{91240B29-F687-4f45-9708-019B960494DF}">
-                <a14:hiddenLine xmlns="" xmlns:a14="http://schemas.microsoft.com/office/drawing/2010/main" w="9525">
+                <a14:hiddenLine xmlns:a14="http://schemas.microsoft.com/office/drawing/2010/main" xmlns="" w="9525">
                   <a:solidFill>
                     <a:srgbClr val="000000"/>
                   </a:solidFill>
@@ -3828,7 +3833,7 @@
             </a:ln>
             <a:extLst>
               <a:ext uri="{91240B29-F687-4f45-9708-019B960494DF}">
-                <a14:hiddenLine xmlns="" xmlns:a14="http://schemas.microsoft.com/office/drawing/2010/main" w="9525">
+                <a14:hiddenLine xmlns:a14="http://schemas.microsoft.com/office/drawing/2010/main" xmlns="" w="9525">
                   <a:solidFill>
                     <a:srgbClr val="000000"/>
                   </a:solidFill>
@@ -3918,7 +3923,7 @@
             </a:ln>
             <a:extLst>
               <a:ext uri="{91240B29-F687-4f45-9708-019B960494DF}">
-                <a14:hiddenLine xmlns="" xmlns:a14="http://schemas.microsoft.com/office/drawing/2010/main" w="9525">
+                <a14:hiddenLine xmlns:a14="http://schemas.microsoft.com/office/drawing/2010/main" xmlns="" w="9525">
                   <a:solidFill>
                     <a:srgbClr val="000000"/>
                   </a:solidFill>
@@ -3980,7 +3985,7 @@
             </a:ln>
             <a:extLst>
               <a:ext uri="{91240B29-F687-4f45-9708-019B960494DF}">
-                <a14:hiddenLine xmlns="" xmlns:a14="http://schemas.microsoft.com/office/drawing/2010/main" w="9525">
+                <a14:hiddenLine xmlns:a14="http://schemas.microsoft.com/office/drawing/2010/main" xmlns="" w="9525">
                   <a:solidFill>
                     <a:srgbClr val="000000"/>
                   </a:solidFill>
@@ -4100,7 +4105,7 @@
             </a:ln>
             <a:extLst>
               <a:ext uri="{91240B29-F687-4f45-9708-019B960494DF}">
-                <a14:hiddenLine xmlns="" xmlns:a14="http://schemas.microsoft.com/office/drawing/2010/main" w="9525">
+                <a14:hiddenLine xmlns:a14="http://schemas.microsoft.com/office/drawing/2010/main" xmlns="" w="9525">
                   <a:solidFill>
                     <a:srgbClr val="000000"/>
                   </a:solidFill>
@@ -4168,7 +4173,7 @@
             </a:ln>
             <a:extLst>
               <a:ext uri="{91240B29-F687-4f45-9708-019B960494DF}">
-                <a14:hiddenLine xmlns="" xmlns:a14="http://schemas.microsoft.com/office/drawing/2010/main" w="9525">
+                <a14:hiddenLine xmlns:a14="http://schemas.microsoft.com/office/drawing/2010/main" xmlns="" w="9525">
                   <a:solidFill>
                     <a:srgbClr val="000000"/>
                   </a:solidFill>
@@ -4258,7 +4263,7 @@
             </a:ln>
             <a:extLst>
               <a:ext uri="{91240B29-F687-4f45-9708-019B960494DF}">
-                <a14:hiddenLine xmlns="" xmlns:a14="http://schemas.microsoft.com/office/drawing/2010/main" w="9525">
+                <a14:hiddenLine xmlns:a14="http://schemas.microsoft.com/office/drawing/2010/main" xmlns="" w="9525">
                   <a:solidFill>
                     <a:srgbClr val="000000"/>
                   </a:solidFill>
@@ -4398,7 +4403,7 @@
           <a:p>
             <a:fld id="{48A87A34-81AB-432B-8DAE-1953F412C126}" type="datetimeFigureOut">
               <a:rPr lang="en-US" dirty="0"/>
-              <a:t>2/19/2019</a:t>
+              <a:t>2/25/2019</a:t>
             </a:fld>
             <a:endParaRPr lang="en-US" dirty="0"/>
           </a:p>
@@ -4660,7 +4665,7 @@
           <a:p>
             <a:fld id="{48A87A34-81AB-432B-8DAE-1953F412C126}" type="datetimeFigureOut">
               <a:rPr lang="en-US" dirty="0"/>
-              <a:t>2/19/2019</a:t>
+              <a:t>2/25/2019</a:t>
             </a:fld>
             <a:endParaRPr lang="en-US" dirty="0"/>
           </a:p>
@@ -4851,7 +4856,7 @@
           <a:p>
             <a:fld id="{48A87A34-81AB-432B-8DAE-1953F412C126}" type="datetimeFigureOut">
               <a:rPr lang="en-US" dirty="0"/>
-              <a:t>2/19/2019</a:t>
+              <a:t>2/25/2019</a:t>
             </a:fld>
             <a:endParaRPr lang="en-US" dirty="0"/>
           </a:p>
@@ -5109,7 +5114,7 @@
           <a:p>
             <a:fld id="{48A87A34-81AB-432B-8DAE-1953F412C126}" type="datetimeFigureOut">
               <a:rPr lang="en-US" dirty="0"/>
-              <a:t>2/19/2019</a:t>
+              <a:t>2/25/2019</a:t>
             </a:fld>
             <a:endParaRPr lang="en-US" dirty="0"/>
           </a:p>
@@ -5538,7 +5543,7 @@
           <a:p>
             <a:fld id="{48A87A34-81AB-432B-8DAE-1953F412C126}" type="datetimeFigureOut">
               <a:rPr lang="en-US" dirty="0"/>
-              <a:t>2/19/2019</a:t>
+              <a:t>2/25/2019</a:t>
             </a:fld>
             <a:endParaRPr lang="en-US" dirty="0"/>
           </a:p>
@@ -6079,7 +6084,7 @@
           <a:p>
             <a:fld id="{48A87A34-81AB-432B-8DAE-1953F412C126}" type="datetimeFigureOut">
               <a:rPr lang="en-US" dirty="0"/>
-              <a:t>2/19/2019</a:t>
+              <a:t>2/25/2019</a:t>
             </a:fld>
             <a:endParaRPr lang="en-US" dirty="0"/>
           </a:p>
@@ -6794,7 +6799,7 @@
           <a:p>
             <a:fld id="{48A87A34-81AB-432B-8DAE-1953F412C126}" type="datetimeFigureOut">
               <a:rPr lang="en-US" dirty="0"/>
-              <a:t>2/19/2019</a:t>
+              <a:t>2/25/2019</a:t>
             </a:fld>
             <a:endParaRPr lang="en-US" dirty="0"/>
           </a:p>
@@ -6959,7 +6964,7 @@
           <a:p>
             <a:fld id="{48A87A34-81AB-432B-8DAE-1953F412C126}" type="datetimeFigureOut">
               <a:rPr lang="en-US" dirty="0"/>
-              <a:t>2/19/2019</a:t>
+              <a:t>2/25/2019</a:t>
             </a:fld>
             <a:endParaRPr lang="en-US" dirty="0"/>
           </a:p>
@@ -7134,7 +7139,7 @@
           <a:p>
             <a:fld id="{48A87A34-81AB-432B-8DAE-1953F412C126}" type="datetimeFigureOut">
               <a:rPr lang="en-US" dirty="0"/>
-              <a:t>2/19/2019</a:t>
+              <a:t>2/25/2019</a:t>
             </a:fld>
             <a:endParaRPr lang="en-US" dirty="0"/>
           </a:p>
@@ -7299,7 +7304,7 @@
           <a:p>
             <a:fld id="{48A87A34-81AB-432B-8DAE-1953F412C126}" type="datetimeFigureOut">
               <a:rPr lang="en-US" dirty="0"/>
-              <a:t>2/19/2019</a:t>
+              <a:t>2/25/2019</a:t>
             </a:fld>
             <a:endParaRPr lang="en-US" dirty="0"/>
           </a:p>
@@ -7544,7 +7549,7 @@
           <a:p>
             <a:fld id="{48A87A34-81AB-432B-8DAE-1953F412C126}" type="datetimeFigureOut">
               <a:rPr lang="en-US" dirty="0"/>
-              <a:t>2/19/2019</a:t>
+              <a:t>2/25/2019</a:t>
             </a:fld>
             <a:endParaRPr lang="en-US" dirty="0"/>
           </a:p>
@@ -7771,7 +7776,7 @@
           <a:p>
             <a:fld id="{48A87A34-81AB-432B-8DAE-1953F412C126}" type="datetimeFigureOut">
               <a:rPr lang="en-US" dirty="0"/>
-              <a:t>2/19/2019</a:t>
+              <a:t>2/25/2019</a:t>
             </a:fld>
             <a:endParaRPr lang="en-US" dirty="0"/>
           </a:p>
@@ -8147,7 +8152,7 @@
           <a:p>
             <a:fld id="{48A87A34-81AB-432B-8DAE-1953F412C126}" type="datetimeFigureOut">
               <a:rPr lang="en-US" dirty="0"/>
-              <a:t>2/19/2019</a:t>
+              <a:t>2/25/2019</a:t>
             </a:fld>
             <a:endParaRPr lang="en-US" dirty="0"/>
           </a:p>
@@ -8260,7 +8265,7 @@
           <a:p>
             <a:fld id="{48A87A34-81AB-432B-8DAE-1953F412C126}" type="datetimeFigureOut">
               <a:rPr lang="en-US" dirty="0"/>
-              <a:t>2/19/2019</a:t>
+              <a:t>2/25/2019</a:t>
             </a:fld>
             <a:endParaRPr lang="en-US" dirty="0"/>
           </a:p>
@@ -8350,7 +8355,7 @@
           <a:p>
             <a:fld id="{48A87A34-81AB-432B-8DAE-1953F412C126}" type="datetimeFigureOut">
               <a:rPr lang="en-US" dirty="0"/>
-              <a:t>2/19/2019</a:t>
+              <a:t>2/25/2019</a:t>
             </a:fld>
             <a:endParaRPr lang="en-US" dirty="0"/>
           </a:p>
@@ -8594,7 +8599,7 @@
           <a:p>
             <a:fld id="{48A87A34-81AB-432B-8DAE-1953F412C126}" type="datetimeFigureOut">
               <a:rPr lang="en-US" dirty="0"/>
-              <a:t>2/19/2019</a:t>
+              <a:t>2/25/2019</a:t>
             </a:fld>
             <a:endParaRPr lang="en-US" dirty="0"/>
           </a:p>
@@ -8869,7 +8874,7 @@
           <a:p>
             <a:fld id="{48A87A34-81AB-432B-8DAE-1953F412C126}" type="datetimeFigureOut">
               <a:rPr lang="en-US" dirty="0"/>
-              <a:t>2/19/2019</a:t>
+              <a:t>2/25/2019</a:t>
             </a:fld>
             <a:endParaRPr lang="en-US" dirty="0"/>
           </a:p>
@@ -8980,7 +8985,7 @@
           <a:noFill/>
           <a:extLst>
             <a:ext uri="{909E8E84-426E-40dd-AFC4-6F175D3DCCD1}">
-              <a14:hiddenFill xmlns="" xmlns:a14="http://schemas.microsoft.com/office/drawing/2010/main">
+              <a14:hiddenFill xmlns:a14="http://schemas.microsoft.com/office/drawing/2010/main" xmlns="">
                 <a:solidFill>
                   <a:srgbClr val="FFFFFF"/>
                 </a:solidFill>
@@ -9054,7 +9059,7 @@
               </a:ln>
               <a:extLst>
                 <a:ext uri="{91240B29-F687-4f45-9708-019B960494DF}">
-                  <a14:hiddenLine xmlns="" xmlns:a14="http://schemas.microsoft.com/office/drawing/2010/main" w="9525">
+                  <a14:hiddenLine xmlns:a14="http://schemas.microsoft.com/office/drawing/2010/main" xmlns="" w="9525">
                     <a:solidFill>
                       <a:srgbClr val="000000"/>
                     </a:solidFill>
@@ -9144,7 +9149,7 @@
               </a:ln>
               <a:extLst>
                 <a:ext uri="{91240B29-F687-4f45-9708-019B960494DF}">
-                  <a14:hiddenLine xmlns="" xmlns:a14="http://schemas.microsoft.com/office/drawing/2010/main" w="9525">
+                  <a14:hiddenLine xmlns:a14="http://schemas.microsoft.com/office/drawing/2010/main" xmlns="" w="9525">
                     <a:solidFill>
                       <a:srgbClr val="000000"/>
                     </a:solidFill>
@@ -9234,7 +9239,7 @@
               </a:ln>
               <a:extLst>
                 <a:ext uri="{91240B29-F687-4f45-9708-019B960494DF}">
-                  <a14:hiddenLine xmlns="" xmlns:a14="http://schemas.microsoft.com/office/drawing/2010/main" w="9525">
+                  <a14:hiddenLine xmlns:a14="http://schemas.microsoft.com/office/drawing/2010/main" xmlns="" w="9525">
                     <a:solidFill>
                       <a:srgbClr val="000000"/>
                     </a:solidFill>
@@ -9296,7 +9301,7 @@
               </a:ln>
               <a:extLst>
                 <a:ext uri="{91240B29-F687-4f45-9708-019B960494DF}">
-                  <a14:hiddenLine xmlns="" xmlns:a14="http://schemas.microsoft.com/office/drawing/2010/main" w="9525">
+                  <a14:hiddenLine xmlns:a14="http://schemas.microsoft.com/office/drawing/2010/main" xmlns="" w="9525">
                     <a:solidFill>
                       <a:srgbClr val="000000"/>
                     </a:solidFill>
@@ -9386,7 +9391,7 @@
               </a:ln>
               <a:extLst>
                 <a:ext uri="{91240B29-F687-4f45-9708-019B960494DF}">
-                  <a14:hiddenLine xmlns="" xmlns:a14="http://schemas.microsoft.com/office/drawing/2010/main" w="9525">
+                  <a14:hiddenLine xmlns:a14="http://schemas.microsoft.com/office/drawing/2010/main" xmlns="" w="9525">
                     <a:solidFill>
                       <a:srgbClr val="000000"/>
                     </a:solidFill>
@@ -9448,7 +9453,7 @@
               </a:ln>
               <a:extLst>
                 <a:ext uri="{91240B29-F687-4f45-9708-019B960494DF}">
-                  <a14:hiddenLine xmlns="" xmlns:a14="http://schemas.microsoft.com/office/drawing/2010/main" w="9525">
+                  <a14:hiddenLine xmlns:a14="http://schemas.microsoft.com/office/drawing/2010/main" xmlns="" w="9525">
                     <a:solidFill>
                       <a:srgbClr val="000000"/>
                     </a:solidFill>
@@ -9510,7 +9515,7 @@
               </a:ln>
               <a:extLst>
                 <a:ext uri="{91240B29-F687-4f45-9708-019B960494DF}">
-                  <a14:hiddenLine xmlns="" xmlns:a14="http://schemas.microsoft.com/office/drawing/2010/main" w="9525">
+                  <a14:hiddenLine xmlns:a14="http://schemas.microsoft.com/office/drawing/2010/main" xmlns="" w="9525">
                     <a:solidFill>
                       <a:srgbClr val="000000"/>
                     </a:solidFill>
@@ -9600,7 +9605,7 @@
               </a:ln>
               <a:extLst>
                 <a:ext uri="{91240B29-F687-4f45-9708-019B960494DF}">
-                  <a14:hiddenLine xmlns="" xmlns:a14="http://schemas.microsoft.com/office/drawing/2010/main" w="9525">
+                  <a14:hiddenLine xmlns:a14="http://schemas.microsoft.com/office/drawing/2010/main" xmlns="" w="9525">
                     <a:solidFill>
                       <a:srgbClr val="000000"/>
                     </a:solidFill>
@@ -9690,7 +9695,7 @@
               </a:ln>
               <a:extLst>
                 <a:ext uri="{91240B29-F687-4f45-9708-019B960494DF}">
-                  <a14:hiddenLine xmlns="" xmlns:a14="http://schemas.microsoft.com/office/drawing/2010/main" w="9525">
+                  <a14:hiddenLine xmlns:a14="http://schemas.microsoft.com/office/drawing/2010/main" xmlns="" w="9525">
                     <a:solidFill>
                       <a:srgbClr val="000000"/>
                     </a:solidFill>
@@ -9752,7 +9757,7 @@
               </a:ln>
               <a:extLst>
                 <a:ext uri="{91240B29-F687-4f45-9708-019B960494DF}">
-                  <a14:hiddenLine xmlns="" xmlns:a14="http://schemas.microsoft.com/office/drawing/2010/main" w="9525">
+                  <a14:hiddenLine xmlns:a14="http://schemas.microsoft.com/office/drawing/2010/main" xmlns="" w="9525">
                     <a:solidFill>
                       <a:srgbClr val="000000"/>
                     </a:solidFill>
@@ -9862,7 +9867,7 @@
               </a:ln>
               <a:extLst>
                 <a:ext uri="{91240B29-F687-4f45-9708-019B960494DF}">
-                  <a14:hiddenLine xmlns="" xmlns:a14="http://schemas.microsoft.com/office/drawing/2010/main" w="9525">
+                  <a14:hiddenLine xmlns:a14="http://schemas.microsoft.com/office/drawing/2010/main" xmlns="" w="9525">
                     <a:solidFill>
                       <a:srgbClr val="000000"/>
                     </a:solidFill>
@@ -9946,7 +9951,7 @@
               </a:ln>
               <a:extLst>
                 <a:ext uri="{91240B29-F687-4f45-9708-019B960494DF}">
-                  <a14:hiddenLine xmlns="" xmlns:a14="http://schemas.microsoft.com/office/drawing/2010/main" w="9525">
+                  <a14:hiddenLine xmlns:a14="http://schemas.microsoft.com/office/drawing/2010/main" xmlns="" w="9525">
                     <a:solidFill>
                       <a:srgbClr val="000000"/>
                     </a:solidFill>
@@ -10008,7 +10013,7 @@
               </a:ln>
               <a:extLst>
                 <a:ext uri="{91240B29-F687-4f45-9708-019B960494DF}">
-                  <a14:hiddenLine xmlns="" xmlns:a14="http://schemas.microsoft.com/office/drawing/2010/main" w="9525">
+                  <a14:hiddenLine xmlns:a14="http://schemas.microsoft.com/office/drawing/2010/main" xmlns="" w="9525">
                     <a:solidFill>
                       <a:srgbClr val="000000"/>
                     </a:solidFill>
@@ -10070,7 +10075,7 @@
               </a:ln>
               <a:extLst>
                 <a:ext uri="{91240B29-F687-4f45-9708-019B960494DF}">
-                  <a14:hiddenLine xmlns="" xmlns:a14="http://schemas.microsoft.com/office/drawing/2010/main" w="9525">
+                  <a14:hiddenLine xmlns:a14="http://schemas.microsoft.com/office/drawing/2010/main" xmlns="" w="9525">
                     <a:solidFill>
                       <a:srgbClr val="000000"/>
                     </a:solidFill>
@@ -10160,7 +10165,7 @@
               </a:ln>
               <a:extLst>
                 <a:ext uri="{91240B29-F687-4f45-9708-019B960494DF}">
-                  <a14:hiddenLine xmlns="" xmlns:a14="http://schemas.microsoft.com/office/drawing/2010/main" w="9525">
+                  <a14:hiddenLine xmlns:a14="http://schemas.microsoft.com/office/drawing/2010/main" xmlns="" w="9525">
                     <a:solidFill>
                       <a:srgbClr val="000000"/>
                     </a:solidFill>
@@ -10194,7 +10199,7 @@
               </a:ln>
               <a:extLst>
                 <a:ext uri="{91240B29-F687-4f45-9708-019B960494DF}">
-                  <a14:hiddenLine xmlns="" xmlns:a14="http://schemas.microsoft.com/office/drawing/2010/main" w="9525">
+                  <a14:hiddenLine xmlns:a14="http://schemas.microsoft.com/office/drawing/2010/main" xmlns="" w="9525">
                     <a:solidFill>
                       <a:srgbClr val="000000"/>
                     </a:solidFill>
@@ -10259,7 +10264,7 @@
               </a:ln>
               <a:extLst>
                 <a:ext uri="{91240B29-F687-4f45-9708-019B960494DF}">
-                  <a14:hiddenLine xmlns="" xmlns:a14="http://schemas.microsoft.com/office/drawing/2010/main" w="9525">
+                  <a14:hiddenLine xmlns:a14="http://schemas.microsoft.com/office/drawing/2010/main" xmlns="" w="9525">
                     <a:solidFill>
                       <a:srgbClr val="000000"/>
                     </a:solidFill>
@@ -10349,7 +10354,7 @@
               </a:ln>
               <a:extLst>
                 <a:ext uri="{91240B29-F687-4f45-9708-019B960494DF}">
-                  <a14:hiddenLine xmlns="" xmlns:a14="http://schemas.microsoft.com/office/drawing/2010/main" w="9525">
+                  <a14:hiddenLine xmlns:a14="http://schemas.microsoft.com/office/drawing/2010/main" xmlns="" w="9525">
                     <a:solidFill>
                       <a:srgbClr val="000000"/>
                     </a:solidFill>
@@ -10411,7 +10416,7 @@
               </a:ln>
               <a:extLst>
                 <a:ext uri="{91240B29-F687-4f45-9708-019B960494DF}">
-                  <a14:hiddenLine xmlns="" xmlns:a14="http://schemas.microsoft.com/office/drawing/2010/main" w="9525">
+                  <a14:hiddenLine xmlns:a14="http://schemas.microsoft.com/office/drawing/2010/main" xmlns="" w="9525">
                     <a:solidFill>
                       <a:srgbClr val="000000"/>
                     </a:solidFill>
@@ -10501,7 +10506,7 @@
               </a:ln>
               <a:extLst>
                 <a:ext uri="{91240B29-F687-4f45-9708-019B960494DF}">
-                  <a14:hiddenLine xmlns="" xmlns:a14="http://schemas.microsoft.com/office/drawing/2010/main" w="9525">
+                  <a14:hiddenLine xmlns:a14="http://schemas.microsoft.com/office/drawing/2010/main" xmlns="" w="9525">
                     <a:solidFill>
                       <a:srgbClr val="000000"/>
                     </a:solidFill>
@@ -10566,7 +10571,7 @@
               </a:ln>
               <a:extLst>
                 <a:ext uri="{91240B29-F687-4f45-9708-019B960494DF}">
-                  <a14:hiddenLine xmlns="" xmlns:a14="http://schemas.microsoft.com/office/drawing/2010/main" w="9525">
+                  <a14:hiddenLine xmlns:a14="http://schemas.microsoft.com/office/drawing/2010/main" xmlns="" w="9525">
                     <a:solidFill>
                       <a:srgbClr val="000000"/>
                     </a:solidFill>
@@ -10628,7 +10633,7 @@
               </a:ln>
               <a:extLst>
                 <a:ext uri="{91240B29-F687-4f45-9708-019B960494DF}">
-                  <a14:hiddenLine xmlns="" xmlns:a14="http://schemas.microsoft.com/office/drawing/2010/main" w="9525">
+                  <a14:hiddenLine xmlns:a14="http://schemas.microsoft.com/office/drawing/2010/main" xmlns="" w="9525">
                     <a:solidFill>
                       <a:srgbClr val="000000"/>
                     </a:solidFill>
@@ -10718,7 +10723,7 @@
               </a:ln>
               <a:extLst>
                 <a:ext uri="{91240B29-F687-4f45-9708-019B960494DF}">
-                  <a14:hiddenLine xmlns="" xmlns:a14="http://schemas.microsoft.com/office/drawing/2010/main" w="9525">
+                  <a14:hiddenLine xmlns:a14="http://schemas.microsoft.com/office/drawing/2010/main" xmlns="" w="9525">
                     <a:solidFill>
                       <a:srgbClr val="000000"/>
                     </a:solidFill>
@@ -10808,7 +10813,7 @@
               </a:ln>
               <a:extLst>
                 <a:ext uri="{91240B29-F687-4f45-9708-019B960494DF}">
-                  <a14:hiddenLine xmlns="" xmlns:a14="http://schemas.microsoft.com/office/drawing/2010/main" w="9525">
+                  <a14:hiddenLine xmlns:a14="http://schemas.microsoft.com/office/drawing/2010/main" xmlns="" w="9525">
                     <a:solidFill>
                       <a:srgbClr val="000000"/>
                     </a:solidFill>
@@ -10873,7 +10878,7 @@
               </a:ln>
               <a:extLst>
                 <a:ext uri="{91240B29-F687-4f45-9708-019B960494DF}">
-                  <a14:hiddenLine xmlns="" xmlns:a14="http://schemas.microsoft.com/office/drawing/2010/main" w="9525">
+                  <a14:hiddenLine xmlns:a14="http://schemas.microsoft.com/office/drawing/2010/main" xmlns="" w="9525">
                     <a:solidFill>
                       <a:srgbClr val="000000"/>
                     </a:solidFill>
@@ -10993,7 +10998,7 @@
               </a:ln>
               <a:extLst>
                 <a:ext uri="{91240B29-F687-4f45-9708-019B960494DF}">
-                  <a14:hiddenLine xmlns="" xmlns:a14="http://schemas.microsoft.com/office/drawing/2010/main" w="9525">
+                  <a14:hiddenLine xmlns:a14="http://schemas.microsoft.com/office/drawing/2010/main" xmlns="" w="9525">
                     <a:solidFill>
                       <a:srgbClr val="000000"/>
                     </a:solidFill>
@@ -11091,7 +11096,7 @@
               </a:ln>
               <a:extLst>
                 <a:ext uri="{91240B29-F687-4f45-9708-019B960494DF}">
-                  <a14:hiddenLine xmlns="" xmlns:a14="http://schemas.microsoft.com/office/drawing/2010/main" w="9525">
+                  <a14:hiddenLine xmlns:a14="http://schemas.microsoft.com/office/drawing/2010/main" xmlns="" w="9525">
                     <a:solidFill>
                       <a:srgbClr val="000000"/>
                     </a:solidFill>
@@ -11206,7 +11211,7 @@
               </a:ln>
               <a:extLst>
                 <a:ext uri="{91240B29-F687-4f45-9708-019B960494DF}">
-                  <a14:hiddenLine xmlns="" xmlns:a14="http://schemas.microsoft.com/office/drawing/2010/main" w="9525">
+                  <a14:hiddenLine xmlns:a14="http://schemas.microsoft.com/office/drawing/2010/main" xmlns="" w="9525">
                     <a:solidFill>
                       <a:srgbClr val="000000"/>
                     </a:solidFill>
@@ -11296,7 +11301,7 @@
               </a:ln>
               <a:extLst>
                 <a:ext uri="{91240B29-F687-4f45-9708-019B960494DF}">
-                  <a14:hiddenLine xmlns="" xmlns:a14="http://schemas.microsoft.com/office/drawing/2010/main" w="9525">
+                  <a14:hiddenLine xmlns:a14="http://schemas.microsoft.com/office/drawing/2010/main" xmlns="" w="9525">
                     <a:solidFill>
                       <a:srgbClr val="000000"/>
                     </a:solidFill>
@@ -11361,7 +11366,7 @@
               </a:ln>
               <a:extLst>
                 <a:ext uri="{91240B29-F687-4f45-9708-019B960494DF}">
-                  <a14:hiddenLine xmlns="" xmlns:a14="http://schemas.microsoft.com/office/drawing/2010/main" w="9525">
+                  <a14:hiddenLine xmlns:a14="http://schemas.microsoft.com/office/drawing/2010/main" xmlns="" w="9525">
                     <a:solidFill>
                       <a:srgbClr val="000000"/>
                     </a:solidFill>
@@ -11451,7 +11456,7 @@
               </a:ln>
               <a:extLst>
                 <a:ext uri="{91240B29-F687-4f45-9708-019B960494DF}">
-                  <a14:hiddenLine xmlns="" xmlns:a14="http://schemas.microsoft.com/office/drawing/2010/main" w="9525">
+                  <a14:hiddenLine xmlns:a14="http://schemas.microsoft.com/office/drawing/2010/main" xmlns="" w="9525">
                     <a:solidFill>
                       <a:srgbClr val="000000"/>
                     </a:solidFill>
@@ -11519,7 +11524,7 @@
               </a:ln>
               <a:extLst>
                 <a:ext uri="{91240B29-F687-4f45-9708-019B960494DF}">
-                  <a14:hiddenLine xmlns="" xmlns:a14="http://schemas.microsoft.com/office/drawing/2010/main" w="9525">
+                  <a14:hiddenLine xmlns:a14="http://schemas.microsoft.com/office/drawing/2010/main" xmlns="" w="9525">
                     <a:solidFill>
                       <a:srgbClr val="000000"/>
                     </a:solidFill>
@@ -11609,7 +11614,7 @@
               </a:ln>
               <a:extLst>
                 <a:ext uri="{91240B29-F687-4f45-9708-019B960494DF}">
-                  <a14:hiddenLine xmlns="" xmlns:a14="http://schemas.microsoft.com/office/drawing/2010/main" w="9525">
+                  <a14:hiddenLine xmlns:a14="http://schemas.microsoft.com/office/drawing/2010/main" xmlns="" w="9525">
                     <a:solidFill>
                       <a:srgbClr val="000000"/>
                     </a:solidFill>
@@ -11677,7 +11682,7 @@
               </a:ln>
               <a:extLst>
                 <a:ext uri="{91240B29-F687-4f45-9708-019B960494DF}">
-                  <a14:hiddenLine xmlns="" xmlns:a14="http://schemas.microsoft.com/office/drawing/2010/main" w="9525">
+                  <a14:hiddenLine xmlns:a14="http://schemas.microsoft.com/office/drawing/2010/main" xmlns="" w="9525">
                     <a:solidFill>
                       <a:srgbClr val="000000"/>
                     </a:solidFill>
@@ -11767,7 +11772,7 @@
               </a:ln>
               <a:extLst>
                 <a:ext uri="{91240B29-F687-4f45-9708-019B960494DF}">
-                  <a14:hiddenLine xmlns="" xmlns:a14="http://schemas.microsoft.com/office/drawing/2010/main" w="9525">
+                  <a14:hiddenLine xmlns:a14="http://schemas.microsoft.com/office/drawing/2010/main" xmlns="" w="9525">
                     <a:solidFill>
                       <a:srgbClr val="000000"/>
                     </a:solidFill>
@@ -11801,7 +11806,7 @@
               </a:ln>
               <a:extLst>
                 <a:ext uri="{91240B29-F687-4f45-9708-019B960494DF}">
-                  <a14:hiddenLine xmlns="" xmlns:a14="http://schemas.microsoft.com/office/drawing/2010/main" w="9525">
+                  <a14:hiddenLine xmlns:a14="http://schemas.microsoft.com/office/drawing/2010/main" xmlns="" w="9525">
                     <a:solidFill>
                       <a:srgbClr val="000000"/>
                     </a:solidFill>
@@ -11942,7 +11947,7 @@
             <a:fld id="{48A87A34-81AB-432B-8DAE-1953F412C126}" type="datetimeFigureOut">
               <a:rPr lang="en-US" dirty="0"/>
               <a:pPr/>
-              <a:t>2/19/2019</a:t>
+              <a:t>2/25/2019</a:t>
             </a:fld>
             <a:endParaRPr lang="en-US" dirty="0"/>
           </a:p>
@@ -12746,6 +12751,8029 @@
             <a:pPr fontAlgn="ctr"/>
             <a:r>
               <a:rPr lang="en-US" sz="4400" dirty="0"/>
+              <a:t>Linear Regression(IP#5)</a:t>
+            </a:r>
+          </a:p>
+        </p:txBody>
+      </p:sp>
+      <p:sp>
+        <p:nvSpPr>
+          <p:cNvPr id="6" name="TextBox 5">
+            <a:extLst>
+              <a:ext uri="{FF2B5EF4-FFF2-40B4-BE49-F238E27FC236}">
+                <a16:creationId xmlns:a16="http://schemas.microsoft.com/office/drawing/2014/main" id="{CE7BF1D4-5981-DE45-A564-E16ED6CC1451}"/>
+              </a:ext>
+            </a:extLst>
+          </p:cNvPr>
+          <p:cNvSpPr txBox="1"/>
+          <p:nvPr/>
+        </p:nvSpPr>
+        <p:spPr>
+          <a:xfrm>
+            <a:off x="1173892" y="1189571"/>
+            <a:ext cx="10095471" cy="5386090"/>
+          </a:xfrm>
+          <a:prstGeom prst="rect">
+            <a:avLst/>
+          </a:prstGeom>
+          <a:noFill/>
+        </p:spPr>
+        <p:txBody>
+          <a:bodyPr wrap="square" rtlCol="0">
+            <a:spAutoFit/>
+          </a:bodyPr>
+          <a:lstStyle/>
+          <a:p>
+            <a:pPr lvl="1" defTabSz="914400" eaLnBrk="0" fontAlgn="base" hangingPunct="0">
+              <a:spcBef>
+                <a:spcPct val="0"/>
+              </a:spcBef>
+              <a:spcAft>
+                <a:spcPct val="0"/>
+              </a:spcAft>
+            </a:pPr>
+            <a:endParaRPr lang="en-US" altLang="en-US" sz="1200" dirty="0"/>
+          </a:p>
+          <a:p>
+            <a:pPr defTabSz="914400" eaLnBrk="0" fontAlgn="base" hangingPunct="0">
+              <a:spcBef>
+                <a:spcPct val="0"/>
+              </a:spcBef>
+              <a:spcAft>
+                <a:spcPct val="0"/>
+              </a:spcAft>
+            </a:pPr>
+            <a:r>
+              <a:rPr lang="en-US" altLang="en-US" sz="3200" dirty="0"/>
+              <a:t>Question Defined</a:t>
+            </a:r>
+          </a:p>
+          <a:p>
+            <a:pPr lvl="1" defTabSz="914400" eaLnBrk="0" fontAlgn="base" hangingPunct="0">
+              <a:spcBef>
+                <a:spcPct val="0"/>
+              </a:spcBef>
+              <a:spcAft>
+                <a:spcPct val="0"/>
+              </a:spcAft>
+            </a:pPr>
+            <a:r>
+              <a:rPr lang="en-US" altLang="en-US" sz="2000" dirty="0"/>
+              <a:t>Analyze </a:t>
+            </a:r>
+            <a:r>
+              <a:rPr lang="en-US" altLang="en-US" sz="2000" dirty="0" err="1"/>
+              <a:t>StackOverflow</a:t>
+            </a:r>
+            <a:r>
+              <a:rPr lang="en-US" altLang="en-US" sz="2000" dirty="0"/>
+              <a:t> Score System</a:t>
+            </a:r>
+          </a:p>
+          <a:p>
+            <a:pPr defTabSz="914400" eaLnBrk="0" fontAlgn="base" hangingPunct="0">
+              <a:spcBef>
+                <a:spcPct val="0"/>
+              </a:spcBef>
+              <a:spcAft>
+                <a:spcPct val="0"/>
+              </a:spcAft>
+            </a:pPr>
+            <a:r>
+              <a:rPr lang="en-US" altLang="en-US" sz="3200" dirty="0"/>
+              <a:t>Independent Variables</a:t>
+            </a:r>
+          </a:p>
+          <a:p>
+            <a:pPr marL="800100" lvl="1" indent="-342900" defTabSz="914400" eaLnBrk="0" fontAlgn="base" hangingPunct="0">
+              <a:spcBef>
+                <a:spcPct val="0"/>
+              </a:spcBef>
+              <a:spcAft>
+                <a:spcPct val="0"/>
+              </a:spcAft>
+              <a:buFont typeface="Arial" panose="020B0604020202020204" pitchFamily="34" charset="0"/>
+              <a:buChar char="•"/>
+            </a:pPr>
+            <a:r>
+              <a:rPr lang="en-US" sz="2000" dirty="0"/>
+              <a:t>days(post keep alive days) – quantitative</a:t>
+            </a:r>
+          </a:p>
+          <a:p>
+            <a:pPr marL="800100" lvl="1" indent="-342900" defTabSz="914400" eaLnBrk="0" fontAlgn="base" hangingPunct="0">
+              <a:spcBef>
+                <a:spcPct val="0"/>
+              </a:spcBef>
+              <a:spcAft>
+                <a:spcPct val="0"/>
+              </a:spcAft>
+              <a:buFont typeface="Arial" panose="020B0604020202020204" pitchFamily="34" charset="0"/>
+              <a:buChar char="•"/>
+            </a:pPr>
+            <a:r>
+              <a:rPr lang="en-US" altLang="en-US" sz="2000" dirty="0" err="1"/>
+              <a:t>comment_count</a:t>
+            </a:r>
+            <a:r>
+              <a:rPr lang="en-US" altLang="en-US" sz="2000" dirty="0"/>
+              <a:t>- </a:t>
+            </a:r>
+            <a:r>
+              <a:rPr lang="en-US" sz="2000" dirty="0"/>
+              <a:t>quantitative</a:t>
+            </a:r>
+            <a:endParaRPr lang="en-US" altLang="en-US" sz="2000" dirty="0"/>
+          </a:p>
+          <a:p>
+            <a:pPr marL="800100" lvl="1" indent="-342900" defTabSz="914400" eaLnBrk="0" fontAlgn="base" hangingPunct="0">
+              <a:spcBef>
+                <a:spcPct val="0"/>
+              </a:spcBef>
+              <a:spcAft>
+                <a:spcPct val="0"/>
+              </a:spcAft>
+              <a:buFont typeface="Arial" panose="020B0604020202020204" pitchFamily="34" charset="0"/>
+              <a:buChar char="•"/>
+            </a:pPr>
+            <a:r>
+              <a:rPr lang="en-US" altLang="en-US" sz="2000" dirty="0" err="1"/>
+              <a:t>answer_count</a:t>
+            </a:r>
+            <a:r>
+              <a:rPr lang="en-US" altLang="en-US" sz="2000" dirty="0"/>
+              <a:t>- </a:t>
+            </a:r>
+            <a:r>
+              <a:rPr lang="en-US" sz="2000" dirty="0"/>
+              <a:t>quantitative</a:t>
+            </a:r>
+            <a:endParaRPr lang="en-US" altLang="en-US" sz="2000" dirty="0"/>
+          </a:p>
+          <a:p>
+            <a:pPr marL="800100" lvl="1" indent="-342900" defTabSz="914400" eaLnBrk="0" fontAlgn="base" hangingPunct="0">
+              <a:spcBef>
+                <a:spcPct val="0"/>
+              </a:spcBef>
+              <a:spcAft>
+                <a:spcPct val="0"/>
+              </a:spcAft>
+              <a:buFont typeface="Arial" panose="020B0604020202020204" pitchFamily="34" charset="0"/>
+              <a:buChar char="•"/>
+            </a:pPr>
+            <a:r>
+              <a:rPr lang="en-US" altLang="en-US" sz="2000" dirty="0" err="1"/>
+              <a:t>view_count</a:t>
+            </a:r>
+            <a:r>
+              <a:rPr lang="en-US" altLang="en-US" sz="2000" dirty="0"/>
+              <a:t>  - </a:t>
+            </a:r>
+            <a:r>
+              <a:rPr lang="en-US" sz="2000" dirty="0"/>
+              <a:t>quantitative</a:t>
+            </a:r>
+          </a:p>
+          <a:p>
+            <a:pPr marL="800100" lvl="1" indent="-342900" defTabSz="914400" eaLnBrk="0" fontAlgn="base" hangingPunct="0">
+              <a:spcBef>
+                <a:spcPct val="0"/>
+              </a:spcBef>
+              <a:spcAft>
+                <a:spcPct val="0"/>
+              </a:spcAft>
+              <a:buFont typeface="Arial" panose="020B0604020202020204" pitchFamily="34" charset="0"/>
+              <a:buChar char="•"/>
+            </a:pPr>
+            <a:r>
+              <a:rPr lang="en-US" sz="2000" dirty="0" err="1"/>
+              <a:t>favorite_count</a:t>
+            </a:r>
+            <a:r>
+              <a:rPr lang="en-US" sz="2000" dirty="0"/>
+              <a:t> - quantitative</a:t>
+            </a:r>
+          </a:p>
+          <a:p>
+            <a:pPr defTabSz="914400" eaLnBrk="0" fontAlgn="base" hangingPunct="0">
+              <a:spcBef>
+                <a:spcPct val="0"/>
+              </a:spcBef>
+              <a:spcAft>
+                <a:spcPct val="0"/>
+              </a:spcAft>
+            </a:pPr>
+            <a:r>
+              <a:rPr lang="en-US" altLang="en-US" sz="3200" dirty="0"/>
+              <a:t>Dependent Variables</a:t>
+            </a:r>
+          </a:p>
+          <a:p>
+            <a:pPr marL="914400" lvl="1" indent="-457200" defTabSz="914400" eaLnBrk="0" fontAlgn="base" hangingPunct="0">
+              <a:spcBef>
+                <a:spcPct val="0"/>
+              </a:spcBef>
+              <a:spcAft>
+                <a:spcPct val="0"/>
+              </a:spcAft>
+              <a:buFont typeface="Arial" panose="020B0604020202020204" pitchFamily="34" charset="0"/>
+              <a:buChar char="•"/>
+            </a:pPr>
+            <a:r>
+              <a:rPr lang="en-US" altLang="en-US" sz="2000" dirty="0"/>
+              <a:t>score </a:t>
+            </a:r>
+            <a:r>
+              <a:rPr lang="en-US" sz="2000" dirty="0"/>
+              <a:t>- quantitative</a:t>
+            </a:r>
+          </a:p>
+          <a:p>
+            <a:pPr marL="914400" lvl="1" indent="-457200" defTabSz="914400" eaLnBrk="0" fontAlgn="base" hangingPunct="0">
+              <a:spcBef>
+                <a:spcPct val="0"/>
+              </a:spcBef>
+              <a:spcAft>
+                <a:spcPct val="0"/>
+              </a:spcAft>
+              <a:buFont typeface="Arial" panose="020B0604020202020204" pitchFamily="34" charset="0"/>
+              <a:buChar char="•"/>
+            </a:pPr>
+            <a:endParaRPr lang="en-US" altLang="en-US" sz="2800" dirty="0"/>
+          </a:p>
+          <a:p>
+            <a:pPr marL="571500" indent="-571500" defTabSz="914400" eaLnBrk="0" fontAlgn="base" hangingPunct="0">
+              <a:spcBef>
+                <a:spcPct val="0"/>
+              </a:spcBef>
+              <a:spcAft>
+                <a:spcPct val="0"/>
+              </a:spcAft>
+              <a:buFont typeface="Arial" panose="020B0604020202020204" pitchFamily="34" charset="0"/>
+              <a:buChar char="•"/>
+            </a:pPr>
+            <a:endParaRPr lang="en-US" altLang="en-US" sz="2400" dirty="0"/>
+          </a:p>
+          <a:p>
+            <a:pPr lvl="0" defTabSz="914400" eaLnBrk="0" fontAlgn="base" hangingPunct="0">
+              <a:spcBef>
+                <a:spcPct val="0"/>
+              </a:spcBef>
+              <a:spcAft>
+                <a:spcPct val="0"/>
+              </a:spcAft>
+            </a:pPr>
+            <a:endParaRPr lang="en-US" altLang="en-US" sz="3600" dirty="0"/>
+          </a:p>
+        </p:txBody>
+      </p:sp>
+    </p:spTree>
+    <p:extLst>
+      <p:ext uri="{BB962C8B-B14F-4D97-AF65-F5344CB8AC3E}">
+        <p14:creationId xmlns:p14="http://schemas.microsoft.com/office/powerpoint/2010/main" val="1710420312"/>
+      </p:ext>
+    </p:extLst>
+  </p:cSld>
+  <p:clrMapOvr>
+    <a:masterClrMapping/>
+  </p:clrMapOvr>
+</p:sld>
+</file>
+
+<file path=ppt/slides/slide12.xml><?xml version="1.0" encoding="utf-8"?>
+<p:sld xmlns:a="http://schemas.openxmlformats.org/drawingml/2006/main" xmlns:r="http://schemas.openxmlformats.org/officeDocument/2006/relationships" xmlns:p="http://schemas.openxmlformats.org/presentationml/2006/main">
+  <p:cSld>
+    <p:spTree>
+      <p:nvGrpSpPr>
+        <p:cNvPr id="1" name=""/>
+        <p:cNvGrpSpPr/>
+        <p:nvPr/>
+      </p:nvGrpSpPr>
+      <p:grpSpPr>
+        <a:xfrm>
+          <a:off x="0" y="0"/>
+          <a:ext cx="0" cy="0"/>
+          <a:chOff x="0" y="0"/>
+          <a:chExt cx="0" cy="0"/>
+        </a:xfrm>
+      </p:grpSpPr>
+      <p:sp>
+        <p:nvSpPr>
+          <p:cNvPr id="9" name="TextBox 8">
+            <a:extLst>
+              <a:ext uri="{FF2B5EF4-FFF2-40B4-BE49-F238E27FC236}">
+                <a16:creationId xmlns:a16="http://schemas.microsoft.com/office/drawing/2014/main" id="{FAAC2C86-314D-C84A-A3BF-C8810037B47E}"/>
+              </a:ext>
+            </a:extLst>
+          </p:cNvPr>
+          <p:cNvSpPr txBox="1"/>
+          <p:nvPr/>
+        </p:nvSpPr>
+        <p:spPr>
+          <a:xfrm>
+            <a:off x="1173892" y="420130"/>
+            <a:ext cx="10157254" cy="769441"/>
+          </a:xfrm>
+          <a:prstGeom prst="rect">
+            <a:avLst/>
+          </a:prstGeom>
+          <a:noFill/>
+        </p:spPr>
+        <p:txBody>
+          <a:bodyPr wrap="square" rtlCol="0">
+            <a:spAutoFit/>
+          </a:bodyPr>
+          <a:lstStyle/>
+          <a:p>
+            <a:pPr fontAlgn="ctr"/>
+            <a:r>
+              <a:rPr lang="en-US" sz="4400" dirty="0"/>
+              <a:t>Simple Linear Regression(IP#5)</a:t>
+            </a:r>
+          </a:p>
+        </p:txBody>
+      </p:sp>
+      <p:sp>
+        <p:nvSpPr>
+          <p:cNvPr id="6" name="TextBox 5">
+            <a:extLst>
+              <a:ext uri="{FF2B5EF4-FFF2-40B4-BE49-F238E27FC236}">
+                <a16:creationId xmlns:a16="http://schemas.microsoft.com/office/drawing/2014/main" id="{CE7BF1D4-5981-DE45-A564-E16ED6CC1451}"/>
+              </a:ext>
+            </a:extLst>
+          </p:cNvPr>
+          <p:cNvSpPr txBox="1"/>
+          <p:nvPr/>
+        </p:nvSpPr>
+        <p:spPr>
+          <a:xfrm>
+            <a:off x="1173892" y="1189571"/>
+            <a:ext cx="10095471" cy="1938992"/>
+          </a:xfrm>
+          <a:prstGeom prst="rect">
+            <a:avLst/>
+          </a:prstGeom>
+          <a:noFill/>
+        </p:spPr>
+        <p:txBody>
+          <a:bodyPr wrap="square" rtlCol="0">
+            <a:spAutoFit/>
+          </a:bodyPr>
+          <a:lstStyle/>
+          <a:p>
+            <a:pPr defTabSz="914400" eaLnBrk="0" fontAlgn="base" hangingPunct="0">
+              <a:spcBef>
+                <a:spcPct val="0"/>
+              </a:spcBef>
+              <a:spcAft>
+                <a:spcPct val="0"/>
+              </a:spcAft>
+            </a:pPr>
+            <a:r>
+              <a:rPr lang="en-US" altLang="en-US" sz="2400" dirty="0"/>
+              <a:t>As relevance analysis, most effective independent variable is favorite count</a:t>
+            </a:r>
+          </a:p>
+          <a:p>
+            <a:pPr marL="342900" indent="-342900" defTabSz="914400" eaLnBrk="0" fontAlgn="base" hangingPunct="0">
+              <a:spcBef>
+                <a:spcPct val="0"/>
+              </a:spcBef>
+              <a:spcAft>
+                <a:spcPct val="0"/>
+              </a:spcAft>
+              <a:buFont typeface="Arial" panose="020B0604020202020204" pitchFamily="34" charset="0"/>
+              <a:buChar char="•"/>
+            </a:pPr>
+            <a:r>
+              <a:rPr lang="en-US" altLang="en-US" sz="2000" dirty="0"/>
+              <a:t>R Square is 86.51%, prove assumption that </a:t>
+            </a:r>
+            <a:r>
+              <a:rPr lang="en-US" altLang="en-US" sz="2000" dirty="0" err="1"/>
+              <a:t>favorite_count</a:t>
+            </a:r>
+            <a:r>
+              <a:rPr lang="en-US" altLang="en-US" sz="2000" dirty="0"/>
+              <a:t> can affect score a lot.</a:t>
+            </a:r>
+          </a:p>
+          <a:p>
+            <a:pPr marL="342900" indent="-342900" defTabSz="914400" eaLnBrk="0" fontAlgn="base" hangingPunct="0">
+              <a:spcBef>
+                <a:spcPct val="0"/>
+              </a:spcBef>
+              <a:spcAft>
+                <a:spcPct val="0"/>
+              </a:spcAft>
+              <a:buFont typeface="Arial" panose="020B0604020202020204" pitchFamily="34" charset="0"/>
+              <a:buChar char="•"/>
+            </a:pPr>
+            <a:r>
+              <a:rPr lang="en-US" altLang="en-US" sz="2000" dirty="0"/>
+              <a:t>P-value is 8.5E-219, which is much smaller than 0.5</a:t>
+            </a:r>
+          </a:p>
+          <a:p>
+            <a:pPr marL="342900" indent="-342900" defTabSz="914400" eaLnBrk="0" fontAlgn="base" hangingPunct="0">
+              <a:spcBef>
+                <a:spcPct val="0"/>
+              </a:spcBef>
+              <a:spcAft>
+                <a:spcPct val="0"/>
+              </a:spcAft>
+              <a:buFont typeface="Arial" panose="020B0604020202020204" pitchFamily="34" charset="0"/>
+              <a:buChar char="•"/>
+            </a:pPr>
+            <a:r>
+              <a:rPr lang="en-US" altLang="en-US" sz="2000" dirty="0"/>
+              <a:t>Estimated Regression Equation: score =  4.18 * </a:t>
+            </a:r>
+            <a:r>
+              <a:rPr lang="en-US" altLang="en-US" sz="2000" dirty="0" err="1"/>
+              <a:t>favorite_count</a:t>
+            </a:r>
+            <a:r>
+              <a:rPr lang="en-US" altLang="en-US" sz="2000" dirty="0"/>
+              <a:t> – 6.71</a:t>
+            </a:r>
+          </a:p>
+          <a:p>
+            <a:pPr lvl="0" defTabSz="914400" eaLnBrk="0" fontAlgn="base" hangingPunct="0">
+              <a:spcBef>
+                <a:spcPct val="0"/>
+              </a:spcBef>
+              <a:spcAft>
+                <a:spcPct val="0"/>
+              </a:spcAft>
+            </a:pPr>
+            <a:endParaRPr lang="en-US" altLang="en-US" sz="3600" dirty="0"/>
+          </a:p>
+        </p:txBody>
+      </p:sp>
+      <p:graphicFrame>
+        <p:nvGraphicFramePr>
+          <p:cNvPr id="2" name="Table 1">
+            <a:extLst>
+              <a:ext uri="{FF2B5EF4-FFF2-40B4-BE49-F238E27FC236}">
+                <a16:creationId xmlns:a16="http://schemas.microsoft.com/office/drawing/2014/main" id="{A506077A-F542-468D-A796-6CD6BEDF05F1}"/>
+              </a:ext>
+            </a:extLst>
+          </p:cNvPr>
+          <p:cNvGraphicFramePr>
+            <a:graphicFrameLocks noGrp="1"/>
+          </p:cNvGraphicFramePr>
+          <p:nvPr>
+            <p:extLst>
+              <p:ext uri="{D42A27DB-BD31-4B8C-83A1-F6EECF244321}">
+                <p14:modId xmlns:p14="http://schemas.microsoft.com/office/powerpoint/2010/main" val="2485277508"/>
+              </p:ext>
+            </p:extLst>
+          </p:nvPr>
+        </p:nvGraphicFramePr>
+        <p:xfrm>
+          <a:off x="1291586" y="2816858"/>
+          <a:ext cx="9011256" cy="3541716"/>
+        </p:xfrm>
+        <a:graphic>
+          <a:graphicData uri="http://schemas.openxmlformats.org/drawingml/2006/table">
+            <a:tbl>
+              <a:tblPr>
+                <a:tableStyleId>{5C22544A-7EE6-4342-B048-85BDC9FD1C3A}</a:tableStyleId>
+              </a:tblPr>
+              <a:tblGrid>
+                <a:gridCol w="1787200">
+                  <a:extLst>
+                    <a:ext uri="{9D8B030D-6E8A-4147-A177-3AD203B41FA5}">
+                      <a16:colId xmlns:a16="http://schemas.microsoft.com/office/drawing/2014/main" val="3281431394"/>
+                    </a:ext>
+                  </a:extLst>
+                </a:gridCol>
+                <a:gridCol w="903007">
+                  <a:extLst>
+                    <a:ext uri="{9D8B030D-6E8A-4147-A177-3AD203B41FA5}">
+                      <a16:colId xmlns:a16="http://schemas.microsoft.com/office/drawing/2014/main" val="2802014212"/>
+                    </a:ext>
+                  </a:extLst>
+                </a:gridCol>
+                <a:gridCol w="903007">
+                  <a:extLst>
+                    <a:ext uri="{9D8B030D-6E8A-4147-A177-3AD203B41FA5}">
+                      <a16:colId xmlns:a16="http://schemas.microsoft.com/office/drawing/2014/main" val="3565105695"/>
+                    </a:ext>
+                  </a:extLst>
+                </a:gridCol>
+                <a:gridCol w="903007">
+                  <a:extLst>
+                    <a:ext uri="{9D8B030D-6E8A-4147-A177-3AD203B41FA5}">
+                      <a16:colId xmlns:a16="http://schemas.microsoft.com/office/drawing/2014/main" val="2224453742"/>
+                    </a:ext>
+                  </a:extLst>
+                </a:gridCol>
+                <a:gridCol w="903007">
+                  <a:extLst>
+                    <a:ext uri="{9D8B030D-6E8A-4147-A177-3AD203B41FA5}">
+                      <a16:colId xmlns:a16="http://schemas.microsoft.com/office/drawing/2014/main" val="4068427883"/>
+                    </a:ext>
+                  </a:extLst>
+                </a:gridCol>
+                <a:gridCol w="903007">
+                  <a:extLst>
+                    <a:ext uri="{9D8B030D-6E8A-4147-A177-3AD203B41FA5}">
+                      <a16:colId xmlns:a16="http://schemas.microsoft.com/office/drawing/2014/main" val="3786315906"/>
+                    </a:ext>
+                  </a:extLst>
+                </a:gridCol>
+                <a:gridCol w="903007">
+                  <a:extLst>
+                    <a:ext uri="{9D8B030D-6E8A-4147-A177-3AD203B41FA5}">
+                      <a16:colId xmlns:a16="http://schemas.microsoft.com/office/drawing/2014/main" val="3511175052"/>
+                    </a:ext>
+                  </a:extLst>
+                </a:gridCol>
+                <a:gridCol w="903007">
+                  <a:extLst>
+                    <a:ext uri="{9D8B030D-6E8A-4147-A177-3AD203B41FA5}">
+                      <a16:colId xmlns:a16="http://schemas.microsoft.com/office/drawing/2014/main" val="2416470292"/>
+                    </a:ext>
+                  </a:extLst>
+                </a:gridCol>
+                <a:gridCol w="903007">
+                  <a:extLst>
+                    <a:ext uri="{9D8B030D-6E8A-4147-A177-3AD203B41FA5}">
+                      <a16:colId xmlns:a16="http://schemas.microsoft.com/office/drawing/2014/main" val="3118521230"/>
+                    </a:ext>
+                  </a:extLst>
+                </a:gridCol>
+              </a:tblGrid>
+              <a:tr h="177797">
+                <a:tc>
+                  <a:txBody>
+                    <a:bodyPr/>
+                    <a:lstStyle/>
+                    <a:p>
+                      <a:pPr algn="l" fontAlgn="b"/>
+                      <a:r>
+                        <a:rPr lang="en-US" sz="1000" u="none" strike="noStrike">
+                          <a:effectLst/>
+                        </a:rPr>
+                        <a:t>SUMMARY OUTPUT</a:t>
+                      </a:r>
+                      <a:endParaRPr lang="en-US" sz="1000" b="0" i="0" u="none" strike="noStrike">
+                        <a:solidFill>
+                          <a:srgbClr val="000000"/>
+                        </a:solidFill>
+                        <a:effectLst/>
+                        <a:latin typeface="Calibri" panose="020F0502020204030204" pitchFamily="34" charset="0"/>
+                      </a:endParaRPr>
+                    </a:p>
+                  </a:txBody>
+                  <a:tcPr marL="8890" marR="8890" marT="8890" marB="0" anchor="b"/>
+                </a:tc>
+                <a:tc>
+                  <a:txBody>
+                    <a:bodyPr/>
+                    <a:lstStyle/>
+                    <a:p>
+                      <a:pPr algn="l" fontAlgn="b"/>
+                      <a:endParaRPr lang="en-US" sz="1000" b="0" i="0" u="none" strike="noStrike">
+                        <a:solidFill>
+                          <a:srgbClr val="000000"/>
+                        </a:solidFill>
+                        <a:effectLst/>
+                        <a:latin typeface="Calibri" panose="020F0502020204030204" pitchFamily="34" charset="0"/>
+                      </a:endParaRPr>
+                    </a:p>
+                  </a:txBody>
+                  <a:tcPr marL="8890" marR="8890" marT="8890" marB="0" anchor="b"/>
+                </a:tc>
+                <a:tc>
+                  <a:txBody>
+                    <a:bodyPr/>
+                    <a:lstStyle/>
+                    <a:p>
+                      <a:pPr algn="l" fontAlgn="b"/>
+                      <a:endParaRPr lang="en-US" sz="1000" b="0" i="0" u="none" strike="noStrike">
+                        <a:solidFill>
+                          <a:srgbClr val="000000"/>
+                        </a:solidFill>
+                        <a:effectLst/>
+                        <a:latin typeface="Calibri" panose="020F0502020204030204" pitchFamily="34" charset="0"/>
+                      </a:endParaRPr>
+                    </a:p>
+                  </a:txBody>
+                  <a:tcPr marL="8890" marR="8890" marT="8890" marB="0" anchor="b"/>
+                </a:tc>
+                <a:tc>
+                  <a:txBody>
+                    <a:bodyPr/>
+                    <a:lstStyle/>
+                    <a:p>
+                      <a:pPr algn="l" fontAlgn="b"/>
+                      <a:endParaRPr lang="en-US" sz="1000" b="0" i="0" u="none" strike="noStrike">
+                        <a:solidFill>
+                          <a:srgbClr val="000000"/>
+                        </a:solidFill>
+                        <a:effectLst/>
+                        <a:latin typeface="Calibri" panose="020F0502020204030204" pitchFamily="34" charset="0"/>
+                      </a:endParaRPr>
+                    </a:p>
+                  </a:txBody>
+                  <a:tcPr marL="8890" marR="8890" marT="8890" marB="0" anchor="b"/>
+                </a:tc>
+                <a:tc>
+                  <a:txBody>
+                    <a:bodyPr/>
+                    <a:lstStyle/>
+                    <a:p>
+                      <a:pPr algn="l" fontAlgn="b"/>
+                      <a:endParaRPr lang="en-US" sz="1000" b="0" i="0" u="none" strike="noStrike">
+                        <a:solidFill>
+                          <a:srgbClr val="000000"/>
+                        </a:solidFill>
+                        <a:effectLst/>
+                        <a:latin typeface="Calibri" panose="020F0502020204030204" pitchFamily="34" charset="0"/>
+                      </a:endParaRPr>
+                    </a:p>
+                  </a:txBody>
+                  <a:tcPr marL="8890" marR="8890" marT="8890" marB="0" anchor="b"/>
+                </a:tc>
+                <a:tc>
+                  <a:txBody>
+                    <a:bodyPr/>
+                    <a:lstStyle/>
+                    <a:p>
+                      <a:pPr algn="l" fontAlgn="b"/>
+                      <a:endParaRPr lang="en-US" sz="1000" b="0" i="0" u="none" strike="noStrike">
+                        <a:solidFill>
+                          <a:srgbClr val="000000"/>
+                        </a:solidFill>
+                        <a:effectLst/>
+                        <a:latin typeface="Calibri" panose="020F0502020204030204" pitchFamily="34" charset="0"/>
+                      </a:endParaRPr>
+                    </a:p>
+                  </a:txBody>
+                  <a:tcPr marL="8890" marR="8890" marT="8890" marB="0" anchor="b"/>
+                </a:tc>
+                <a:tc>
+                  <a:txBody>
+                    <a:bodyPr/>
+                    <a:lstStyle/>
+                    <a:p>
+                      <a:pPr algn="l" fontAlgn="b"/>
+                      <a:endParaRPr lang="en-US" sz="1000" b="0" i="0" u="none" strike="noStrike">
+                        <a:solidFill>
+                          <a:srgbClr val="000000"/>
+                        </a:solidFill>
+                        <a:effectLst/>
+                        <a:latin typeface="Calibri" panose="020F0502020204030204" pitchFamily="34" charset="0"/>
+                      </a:endParaRPr>
+                    </a:p>
+                  </a:txBody>
+                  <a:tcPr marL="8890" marR="8890" marT="8890" marB="0" anchor="b"/>
+                </a:tc>
+                <a:tc>
+                  <a:txBody>
+                    <a:bodyPr/>
+                    <a:lstStyle/>
+                    <a:p>
+                      <a:pPr algn="l" fontAlgn="b"/>
+                      <a:endParaRPr lang="en-US" sz="1000" b="0" i="0" u="none" strike="noStrike">
+                        <a:solidFill>
+                          <a:srgbClr val="000000"/>
+                        </a:solidFill>
+                        <a:effectLst/>
+                        <a:latin typeface="Calibri" panose="020F0502020204030204" pitchFamily="34" charset="0"/>
+                      </a:endParaRPr>
+                    </a:p>
+                  </a:txBody>
+                  <a:tcPr marL="8890" marR="8890" marT="8890" marB="0" anchor="b"/>
+                </a:tc>
+                <a:tc>
+                  <a:txBody>
+                    <a:bodyPr/>
+                    <a:lstStyle/>
+                    <a:p>
+                      <a:pPr algn="l" fontAlgn="b"/>
+                      <a:endParaRPr lang="en-US" sz="1000" b="0" i="0" u="none" strike="noStrike">
+                        <a:solidFill>
+                          <a:srgbClr val="000000"/>
+                        </a:solidFill>
+                        <a:effectLst/>
+                        <a:latin typeface="Calibri" panose="020F0502020204030204" pitchFamily="34" charset="0"/>
+                      </a:endParaRPr>
+                    </a:p>
+                  </a:txBody>
+                  <a:tcPr marL="8890" marR="8890" marT="8890" marB="0" anchor="b"/>
+                </a:tc>
+                <a:extLst>
+                  <a:ext uri="{0D108BD9-81ED-4DB2-BD59-A6C34878D82A}">
+                    <a16:rowId xmlns:a16="http://schemas.microsoft.com/office/drawing/2014/main" val="3943509202"/>
+                  </a:ext>
+                </a:extLst>
+              </a:tr>
+              <a:tr h="186687">
+                <a:tc>
+                  <a:txBody>
+                    <a:bodyPr/>
+                    <a:lstStyle/>
+                    <a:p>
+                      <a:pPr algn="l" fontAlgn="b"/>
+                      <a:endParaRPr lang="en-US" sz="1000" b="0" i="0" u="none" strike="noStrike">
+                        <a:solidFill>
+                          <a:srgbClr val="000000"/>
+                        </a:solidFill>
+                        <a:effectLst/>
+                        <a:latin typeface="Calibri" panose="020F0502020204030204" pitchFamily="34" charset="0"/>
+                      </a:endParaRPr>
+                    </a:p>
+                  </a:txBody>
+                  <a:tcPr marL="8890" marR="8890" marT="8890" marB="0" anchor="b"/>
+                </a:tc>
+                <a:tc>
+                  <a:txBody>
+                    <a:bodyPr/>
+                    <a:lstStyle/>
+                    <a:p>
+                      <a:pPr algn="l" fontAlgn="b"/>
+                      <a:endParaRPr lang="en-US" sz="1000" b="0" i="0" u="none" strike="noStrike">
+                        <a:solidFill>
+                          <a:srgbClr val="000000"/>
+                        </a:solidFill>
+                        <a:effectLst/>
+                        <a:latin typeface="Calibri" panose="020F0502020204030204" pitchFamily="34" charset="0"/>
+                      </a:endParaRPr>
+                    </a:p>
+                  </a:txBody>
+                  <a:tcPr marL="8890" marR="8890" marT="8890" marB="0" anchor="b"/>
+                </a:tc>
+                <a:tc>
+                  <a:txBody>
+                    <a:bodyPr/>
+                    <a:lstStyle/>
+                    <a:p>
+                      <a:pPr algn="l" fontAlgn="b"/>
+                      <a:endParaRPr lang="en-US" sz="1000" b="0" i="0" u="none" strike="noStrike">
+                        <a:solidFill>
+                          <a:srgbClr val="000000"/>
+                        </a:solidFill>
+                        <a:effectLst/>
+                        <a:latin typeface="Calibri" panose="020F0502020204030204" pitchFamily="34" charset="0"/>
+                      </a:endParaRPr>
+                    </a:p>
+                  </a:txBody>
+                  <a:tcPr marL="8890" marR="8890" marT="8890" marB="0" anchor="b"/>
+                </a:tc>
+                <a:tc>
+                  <a:txBody>
+                    <a:bodyPr/>
+                    <a:lstStyle/>
+                    <a:p>
+                      <a:pPr algn="l" fontAlgn="b"/>
+                      <a:endParaRPr lang="en-US" sz="1000" b="0" i="0" u="none" strike="noStrike">
+                        <a:solidFill>
+                          <a:srgbClr val="000000"/>
+                        </a:solidFill>
+                        <a:effectLst/>
+                        <a:latin typeface="Calibri" panose="020F0502020204030204" pitchFamily="34" charset="0"/>
+                      </a:endParaRPr>
+                    </a:p>
+                  </a:txBody>
+                  <a:tcPr marL="8890" marR="8890" marT="8890" marB="0" anchor="b"/>
+                </a:tc>
+                <a:tc>
+                  <a:txBody>
+                    <a:bodyPr/>
+                    <a:lstStyle/>
+                    <a:p>
+                      <a:pPr algn="l" fontAlgn="b"/>
+                      <a:endParaRPr lang="en-US" sz="1000" b="0" i="0" u="none" strike="noStrike">
+                        <a:solidFill>
+                          <a:srgbClr val="000000"/>
+                        </a:solidFill>
+                        <a:effectLst/>
+                        <a:latin typeface="Calibri" panose="020F0502020204030204" pitchFamily="34" charset="0"/>
+                      </a:endParaRPr>
+                    </a:p>
+                  </a:txBody>
+                  <a:tcPr marL="8890" marR="8890" marT="8890" marB="0" anchor="b"/>
+                </a:tc>
+                <a:tc>
+                  <a:txBody>
+                    <a:bodyPr/>
+                    <a:lstStyle/>
+                    <a:p>
+                      <a:pPr algn="l" fontAlgn="b"/>
+                      <a:endParaRPr lang="en-US" sz="1000" b="0" i="0" u="none" strike="noStrike">
+                        <a:solidFill>
+                          <a:srgbClr val="000000"/>
+                        </a:solidFill>
+                        <a:effectLst/>
+                        <a:latin typeface="Calibri" panose="020F0502020204030204" pitchFamily="34" charset="0"/>
+                      </a:endParaRPr>
+                    </a:p>
+                  </a:txBody>
+                  <a:tcPr marL="8890" marR="8890" marT="8890" marB="0" anchor="b"/>
+                </a:tc>
+                <a:tc>
+                  <a:txBody>
+                    <a:bodyPr/>
+                    <a:lstStyle/>
+                    <a:p>
+                      <a:pPr algn="l" fontAlgn="b"/>
+                      <a:endParaRPr lang="en-US" sz="1000" b="0" i="0" u="none" strike="noStrike">
+                        <a:solidFill>
+                          <a:srgbClr val="000000"/>
+                        </a:solidFill>
+                        <a:effectLst/>
+                        <a:latin typeface="Calibri" panose="020F0502020204030204" pitchFamily="34" charset="0"/>
+                      </a:endParaRPr>
+                    </a:p>
+                  </a:txBody>
+                  <a:tcPr marL="8890" marR="8890" marT="8890" marB="0" anchor="b"/>
+                </a:tc>
+                <a:tc>
+                  <a:txBody>
+                    <a:bodyPr/>
+                    <a:lstStyle/>
+                    <a:p>
+                      <a:pPr algn="l" fontAlgn="b"/>
+                      <a:endParaRPr lang="en-US" sz="1000" b="0" i="0" u="none" strike="noStrike">
+                        <a:solidFill>
+                          <a:srgbClr val="000000"/>
+                        </a:solidFill>
+                        <a:effectLst/>
+                        <a:latin typeface="Calibri" panose="020F0502020204030204" pitchFamily="34" charset="0"/>
+                      </a:endParaRPr>
+                    </a:p>
+                  </a:txBody>
+                  <a:tcPr marL="8890" marR="8890" marT="8890" marB="0" anchor="b"/>
+                </a:tc>
+                <a:tc>
+                  <a:txBody>
+                    <a:bodyPr/>
+                    <a:lstStyle/>
+                    <a:p>
+                      <a:pPr algn="l" fontAlgn="b"/>
+                      <a:endParaRPr lang="en-US" sz="1000" b="0" i="0" u="none" strike="noStrike">
+                        <a:solidFill>
+                          <a:srgbClr val="000000"/>
+                        </a:solidFill>
+                        <a:effectLst/>
+                        <a:latin typeface="Calibri" panose="020F0502020204030204" pitchFamily="34" charset="0"/>
+                      </a:endParaRPr>
+                    </a:p>
+                  </a:txBody>
+                  <a:tcPr marL="8890" marR="8890" marT="8890" marB="0" anchor="b"/>
+                </a:tc>
+                <a:extLst>
+                  <a:ext uri="{0D108BD9-81ED-4DB2-BD59-A6C34878D82A}">
+                    <a16:rowId xmlns:a16="http://schemas.microsoft.com/office/drawing/2014/main" val="3372692493"/>
+                  </a:ext>
+                </a:extLst>
+              </a:tr>
+              <a:tr h="177797">
+                <a:tc gridSpan="2">
+                  <a:txBody>
+                    <a:bodyPr/>
+                    <a:lstStyle/>
+                    <a:p>
+                      <a:pPr algn="ctr" fontAlgn="b"/>
+                      <a:r>
+                        <a:rPr lang="en-US" sz="1000" u="none" strike="noStrike">
+                          <a:effectLst/>
+                        </a:rPr>
+                        <a:t>Regression Statistics</a:t>
+                      </a:r>
+                      <a:endParaRPr lang="en-US" sz="1000" b="0" i="1" u="none" strike="noStrike">
+                        <a:solidFill>
+                          <a:srgbClr val="000000"/>
+                        </a:solidFill>
+                        <a:effectLst/>
+                        <a:latin typeface="Calibri" panose="020F0502020204030204" pitchFamily="34" charset="0"/>
+                      </a:endParaRPr>
+                    </a:p>
+                  </a:txBody>
+                  <a:tcPr marL="8890" marR="8890" marT="8890" marB="0" anchor="b"/>
+                </a:tc>
+                <a:tc hMerge="1">
+                  <a:txBody>
+                    <a:bodyPr/>
+                    <a:lstStyle/>
+                    <a:p>
+                      <a:endParaRPr lang="en-US"/>
+                    </a:p>
+                  </a:txBody>
+                  <a:tcPr/>
+                </a:tc>
+                <a:tc>
+                  <a:txBody>
+                    <a:bodyPr/>
+                    <a:lstStyle/>
+                    <a:p>
+                      <a:pPr algn="l" fontAlgn="b"/>
+                      <a:endParaRPr lang="en-US" sz="1000" b="0" i="0" u="none" strike="noStrike">
+                        <a:solidFill>
+                          <a:srgbClr val="000000"/>
+                        </a:solidFill>
+                        <a:effectLst/>
+                        <a:latin typeface="Calibri" panose="020F0502020204030204" pitchFamily="34" charset="0"/>
+                      </a:endParaRPr>
+                    </a:p>
+                  </a:txBody>
+                  <a:tcPr marL="8890" marR="8890" marT="8890" marB="0" anchor="b"/>
+                </a:tc>
+                <a:tc>
+                  <a:txBody>
+                    <a:bodyPr/>
+                    <a:lstStyle/>
+                    <a:p>
+                      <a:pPr algn="l" fontAlgn="b"/>
+                      <a:endParaRPr lang="en-US" sz="1000" b="0" i="0" u="none" strike="noStrike">
+                        <a:solidFill>
+                          <a:srgbClr val="000000"/>
+                        </a:solidFill>
+                        <a:effectLst/>
+                        <a:latin typeface="Calibri" panose="020F0502020204030204" pitchFamily="34" charset="0"/>
+                      </a:endParaRPr>
+                    </a:p>
+                  </a:txBody>
+                  <a:tcPr marL="8890" marR="8890" marT="8890" marB="0" anchor="b"/>
+                </a:tc>
+                <a:tc>
+                  <a:txBody>
+                    <a:bodyPr/>
+                    <a:lstStyle/>
+                    <a:p>
+                      <a:pPr algn="l" fontAlgn="b"/>
+                      <a:endParaRPr lang="en-US" sz="1000" b="0" i="0" u="none" strike="noStrike">
+                        <a:solidFill>
+                          <a:srgbClr val="000000"/>
+                        </a:solidFill>
+                        <a:effectLst/>
+                        <a:latin typeface="Calibri" panose="020F0502020204030204" pitchFamily="34" charset="0"/>
+                      </a:endParaRPr>
+                    </a:p>
+                  </a:txBody>
+                  <a:tcPr marL="8890" marR="8890" marT="8890" marB="0" anchor="b"/>
+                </a:tc>
+                <a:tc>
+                  <a:txBody>
+                    <a:bodyPr/>
+                    <a:lstStyle/>
+                    <a:p>
+                      <a:pPr algn="l" fontAlgn="b"/>
+                      <a:endParaRPr lang="en-US" sz="1000" b="0" i="0" u="none" strike="noStrike">
+                        <a:solidFill>
+                          <a:srgbClr val="000000"/>
+                        </a:solidFill>
+                        <a:effectLst/>
+                        <a:latin typeface="Calibri" panose="020F0502020204030204" pitchFamily="34" charset="0"/>
+                      </a:endParaRPr>
+                    </a:p>
+                  </a:txBody>
+                  <a:tcPr marL="8890" marR="8890" marT="8890" marB="0" anchor="b"/>
+                </a:tc>
+                <a:tc>
+                  <a:txBody>
+                    <a:bodyPr/>
+                    <a:lstStyle/>
+                    <a:p>
+                      <a:pPr algn="l" fontAlgn="b"/>
+                      <a:endParaRPr lang="en-US" sz="1000" b="0" i="0" u="none" strike="noStrike">
+                        <a:solidFill>
+                          <a:srgbClr val="000000"/>
+                        </a:solidFill>
+                        <a:effectLst/>
+                        <a:latin typeface="Calibri" panose="020F0502020204030204" pitchFamily="34" charset="0"/>
+                      </a:endParaRPr>
+                    </a:p>
+                  </a:txBody>
+                  <a:tcPr marL="8890" marR="8890" marT="8890" marB="0" anchor="b"/>
+                </a:tc>
+                <a:tc>
+                  <a:txBody>
+                    <a:bodyPr/>
+                    <a:lstStyle/>
+                    <a:p>
+                      <a:pPr algn="l" fontAlgn="b"/>
+                      <a:endParaRPr lang="en-US" sz="1000" b="0" i="0" u="none" strike="noStrike">
+                        <a:solidFill>
+                          <a:srgbClr val="000000"/>
+                        </a:solidFill>
+                        <a:effectLst/>
+                        <a:latin typeface="Calibri" panose="020F0502020204030204" pitchFamily="34" charset="0"/>
+                      </a:endParaRPr>
+                    </a:p>
+                  </a:txBody>
+                  <a:tcPr marL="8890" marR="8890" marT="8890" marB="0" anchor="b"/>
+                </a:tc>
+                <a:tc>
+                  <a:txBody>
+                    <a:bodyPr/>
+                    <a:lstStyle/>
+                    <a:p>
+                      <a:pPr algn="l" fontAlgn="b"/>
+                      <a:endParaRPr lang="en-US" sz="1000" b="0" i="0" u="none" strike="noStrike">
+                        <a:solidFill>
+                          <a:srgbClr val="000000"/>
+                        </a:solidFill>
+                        <a:effectLst/>
+                        <a:latin typeface="Calibri" panose="020F0502020204030204" pitchFamily="34" charset="0"/>
+                      </a:endParaRPr>
+                    </a:p>
+                  </a:txBody>
+                  <a:tcPr marL="8890" marR="8890" marT="8890" marB="0" anchor="b"/>
+                </a:tc>
+                <a:extLst>
+                  <a:ext uri="{0D108BD9-81ED-4DB2-BD59-A6C34878D82A}">
+                    <a16:rowId xmlns:a16="http://schemas.microsoft.com/office/drawing/2014/main" val="1272018405"/>
+                  </a:ext>
+                </a:extLst>
+              </a:tr>
+              <a:tr h="177797">
+                <a:tc>
+                  <a:txBody>
+                    <a:bodyPr/>
+                    <a:lstStyle/>
+                    <a:p>
+                      <a:pPr algn="l" fontAlgn="b"/>
+                      <a:r>
+                        <a:rPr lang="en-US" sz="1000" u="none" strike="noStrike">
+                          <a:effectLst/>
+                        </a:rPr>
+                        <a:t>Multiple R</a:t>
+                      </a:r>
+                      <a:endParaRPr lang="en-US" sz="1000" b="0" i="0" u="none" strike="noStrike">
+                        <a:solidFill>
+                          <a:srgbClr val="000000"/>
+                        </a:solidFill>
+                        <a:effectLst/>
+                        <a:latin typeface="Calibri" panose="020F0502020204030204" pitchFamily="34" charset="0"/>
+                      </a:endParaRPr>
+                    </a:p>
+                  </a:txBody>
+                  <a:tcPr marL="8890" marR="8890" marT="8890" marB="0" anchor="b"/>
+                </a:tc>
+                <a:tc>
+                  <a:txBody>
+                    <a:bodyPr/>
+                    <a:lstStyle/>
+                    <a:p>
+                      <a:pPr algn="r" fontAlgn="b"/>
+                      <a:r>
+                        <a:rPr lang="en-US" sz="1000" u="none" strike="noStrike">
+                          <a:effectLst/>
+                        </a:rPr>
+                        <a:t>0.930127</a:t>
+                      </a:r>
+                      <a:endParaRPr lang="en-US" sz="1000" b="0" i="0" u="none" strike="noStrike">
+                        <a:solidFill>
+                          <a:srgbClr val="000000"/>
+                        </a:solidFill>
+                        <a:effectLst/>
+                        <a:latin typeface="Calibri" panose="020F0502020204030204" pitchFamily="34" charset="0"/>
+                      </a:endParaRPr>
+                    </a:p>
+                  </a:txBody>
+                  <a:tcPr marL="8890" marR="8890" marT="8890" marB="0" anchor="b"/>
+                </a:tc>
+                <a:tc>
+                  <a:txBody>
+                    <a:bodyPr/>
+                    <a:lstStyle/>
+                    <a:p>
+                      <a:pPr algn="l" fontAlgn="b"/>
+                      <a:endParaRPr lang="en-US" sz="1000" b="0" i="0" u="none" strike="noStrike">
+                        <a:solidFill>
+                          <a:srgbClr val="000000"/>
+                        </a:solidFill>
+                        <a:effectLst/>
+                        <a:latin typeface="Calibri" panose="020F0502020204030204" pitchFamily="34" charset="0"/>
+                      </a:endParaRPr>
+                    </a:p>
+                  </a:txBody>
+                  <a:tcPr marL="8890" marR="8890" marT="8890" marB="0" anchor="b"/>
+                </a:tc>
+                <a:tc>
+                  <a:txBody>
+                    <a:bodyPr/>
+                    <a:lstStyle/>
+                    <a:p>
+                      <a:pPr algn="l" fontAlgn="b"/>
+                      <a:endParaRPr lang="en-US" sz="1000" b="0" i="0" u="none" strike="noStrike" dirty="0">
+                        <a:solidFill>
+                          <a:srgbClr val="000000"/>
+                        </a:solidFill>
+                        <a:effectLst/>
+                        <a:latin typeface="Calibri" panose="020F0502020204030204" pitchFamily="34" charset="0"/>
+                      </a:endParaRPr>
+                    </a:p>
+                  </a:txBody>
+                  <a:tcPr marL="8890" marR="8890" marT="8890" marB="0" anchor="b"/>
+                </a:tc>
+                <a:tc>
+                  <a:txBody>
+                    <a:bodyPr/>
+                    <a:lstStyle/>
+                    <a:p>
+                      <a:pPr algn="l" fontAlgn="b"/>
+                      <a:endParaRPr lang="en-US" sz="1000" b="0" i="0" u="none" strike="noStrike">
+                        <a:solidFill>
+                          <a:srgbClr val="000000"/>
+                        </a:solidFill>
+                        <a:effectLst/>
+                        <a:latin typeface="Calibri" panose="020F0502020204030204" pitchFamily="34" charset="0"/>
+                      </a:endParaRPr>
+                    </a:p>
+                  </a:txBody>
+                  <a:tcPr marL="8890" marR="8890" marT="8890" marB="0" anchor="b"/>
+                </a:tc>
+                <a:tc>
+                  <a:txBody>
+                    <a:bodyPr/>
+                    <a:lstStyle/>
+                    <a:p>
+                      <a:pPr algn="l" fontAlgn="b"/>
+                      <a:endParaRPr lang="en-US" sz="1000" b="0" i="0" u="none" strike="noStrike">
+                        <a:solidFill>
+                          <a:srgbClr val="000000"/>
+                        </a:solidFill>
+                        <a:effectLst/>
+                        <a:latin typeface="Calibri" panose="020F0502020204030204" pitchFamily="34" charset="0"/>
+                      </a:endParaRPr>
+                    </a:p>
+                  </a:txBody>
+                  <a:tcPr marL="8890" marR="8890" marT="8890" marB="0" anchor="b"/>
+                </a:tc>
+                <a:tc>
+                  <a:txBody>
+                    <a:bodyPr/>
+                    <a:lstStyle/>
+                    <a:p>
+                      <a:pPr algn="l" fontAlgn="b"/>
+                      <a:endParaRPr lang="en-US" sz="1000" b="0" i="0" u="none" strike="noStrike">
+                        <a:solidFill>
+                          <a:srgbClr val="000000"/>
+                        </a:solidFill>
+                        <a:effectLst/>
+                        <a:latin typeface="Calibri" panose="020F0502020204030204" pitchFamily="34" charset="0"/>
+                      </a:endParaRPr>
+                    </a:p>
+                  </a:txBody>
+                  <a:tcPr marL="8890" marR="8890" marT="8890" marB="0" anchor="b"/>
+                </a:tc>
+                <a:tc>
+                  <a:txBody>
+                    <a:bodyPr/>
+                    <a:lstStyle/>
+                    <a:p>
+                      <a:pPr algn="l" fontAlgn="b"/>
+                      <a:endParaRPr lang="en-US" sz="1000" b="0" i="0" u="none" strike="noStrike">
+                        <a:solidFill>
+                          <a:srgbClr val="000000"/>
+                        </a:solidFill>
+                        <a:effectLst/>
+                        <a:latin typeface="Calibri" panose="020F0502020204030204" pitchFamily="34" charset="0"/>
+                      </a:endParaRPr>
+                    </a:p>
+                  </a:txBody>
+                  <a:tcPr marL="8890" marR="8890" marT="8890" marB="0" anchor="b"/>
+                </a:tc>
+                <a:tc>
+                  <a:txBody>
+                    <a:bodyPr/>
+                    <a:lstStyle/>
+                    <a:p>
+                      <a:pPr algn="l" fontAlgn="b"/>
+                      <a:endParaRPr lang="en-US" sz="1000" b="0" i="0" u="none" strike="noStrike">
+                        <a:solidFill>
+                          <a:srgbClr val="000000"/>
+                        </a:solidFill>
+                        <a:effectLst/>
+                        <a:latin typeface="Calibri" panose="020F0502020204030204" pitchFamily="34" charset="0"/>
+                      </a:endParaRPr>
+                    </a:p>
+                  </a:txBody>
+                  <a:tcPr marL="8890" marR="8890" marT="8890" marB="0" anchor="b"/>
+                </a:tc>
+                <a:extLst>
+                  <a:ext uri="{0D108BD9-81ED-4DB2-BD59-A6C34878D82A}">
+                    <a16:rowId xmlns:a16="http://schemas.microsoft.com/office/drawing/2014/main" val="3164022466"/>
+                  </a:ext>
+                </a:extLst>
+              </a:tr>
+              <a:tr h="177797">
+                <a:tc>
+                  <a:txBody>
+                    <a:bodyPr/>
+                    <a:lstStyle/>
+                    <a:p>
+                      <a:pPr algn="l" fontAlgn="b"/>
+                      <a:r>
+                        <a:rPr lang="en-US" sz="1000" u="none" strike="noStrike">
+                          <a:effectLst/>
+                        </a:rPr>
+                        <a:t>R Square</a:t>
+                      </a:r>
+                      <a:endParaRPr lang="en-US" sz="1000" b="0" i="0" u="none" strike="noStrike">
+                        <a:solidFill>
+                          <a:srgbClr val="000000"/>
+                        </a:solidFill>
+                        <a:effectLst/>
+                        <a:latin typeface="Calibri" panose="020F0502020204030204" pitchFamily="34" charset="0"/>
+                      </a:endParaRPr>
+                    </a:p>
+                  </a:txBody>
+                  <a:tcPr marL="8890" marR="8890" marT="8890" marB="0" anchor="b"/>
+                </a:tc>
+                <a:tc>
+                  <a:txBody>
+                    <a:bodyPr/>
+                    <a:lstStyle/>
+                    <a:p>
+                      <a:pPr algn="r" fontAlgn="b"/>
+                      <a:r>
+                        <a:rPr lang="en-US" sz="1000" u="none" strike="noStrike">
+                          <a:effectLst/>
+                        </a:rPr>
+                        <a:t>0.865136</a:t>
+                      </a:r>
+                      <a:endParaRPr lang="en-US" sz="1000" b="0" i="0" u="none" strike="noStrike">
+                        <a:solidFill>
+                          <a:srgbClr val="000000"/>
+                        </a:solidFill>
+                        <a:effectLst/>
+                        <a:latin typeface="Calibri" panose="020F0502020204030204" pitchFamily="34" charset="0"/>
+                      </a:endParaRPr>
+                    </a:p>
+                  </a:txBody>
+                  <a:tcPr marL="8890" marR="8890" marT="8890" marB="0" anchor="b"/>
+                </a:tc>
+                <a:tc>
+                  <a:txBody>
+                    <a:bodyPr/>
+                    <a:lstStyle/>
+                    <a:p>
+                      <a:pPr algn="l" fontAlgn="b"/>
+                      <a:endParaRPr lang="en-US" sz="1000" b="0" i="0" u="none" strike="noStrike">
+                        <a:solidFill>
+                          <a:srgbClr val="000000"/>
+                        </a:solidFill>
+                        <a:effectLst/>
+                        <a:latin typeface="Calibri" panose="020F0502020204030204" pitchFamily="34" charset="0"/>
+                      </a:endParaRPr>
+                    </a:p>
+                  </a:txBody>
+                  <a:tcPr marL="8890" marR="8890" marT="8890" marB="0" anchor="b"/>
+                </a:tc>
+                <a:tc>
+                  <a:txBody>
+                    <a:bodyPr/>
+                    <a:lstStyle/>
+                    <a:p>
+                      <a:pPr algn="l" fontAlgn="b"/>
+                      <a:endParaRPr lang="en-US" sz="1000" b="0" i="0" u="none" strike="noStrike">
+                        <a:solidFill>
+                          <a:srgbClr val="000000"/>
+                        </a:solidFill>
+                        <a:effectLst/>
+                        <a:latin typeface="Calibri" panose="020F0502020204030204" pitchFamily="34" charset="0"/>
+                      </a:endParaRPr>
+                    </a:p>
+                  </a:txBody>
+                  <a:tcPr marL="8890" marR="8890" marT="8890" marB="0" anchor="b"/>
+                </a:tc>
+                <a:tc>
+                  <a:txBody>
+                    <a:bodyPr/>
+                    <a:lstStyle/>
+                    <a:p>
+                      <a:pPr algn="l" fontAlgn="b"/>
+                      <a:endParaRPr lang="en-US" sz="1000" b="0" i="0" u="none" strike="noStrike">
+                        <a:solidFill>
+                          <a:srgbClr val="000000"/>
+                        </a:solidFill>
+                        <a:effectLst/>
+                        <a:latin typeface="Calibri" panose="020F0502020204030204" pitchFamily="34" charset="0"/>
+                      </a:endParaRPr>
+                    </a:p>
+                  </a:txBody>
+                  <a:tcPr marL="8890" marR="8890" marT="8890" marB="0" anchor="b"/>
+                </a:tc>
+                <a:tc>
+                  <a:txBody>
+                    <a:bodyPr/>
+                    <a:lstStyle/>
+                    <a:p>
+                      <a:pPr algn="l" fontAlgn="b"/>
+                      <a:endParaRPr lang="en-US" sz="1000" b="0" i="0" u="none" strike="noStrike">
+                        <a:solidFill>
+                          <a:srgbClr val="000000"/>
+                        </a:solidFill>
+                        <a:effectLst/>
+                        <a:latin typeface="Calibri" panose="020F0502020204030204" pitchFamily="34" charset="0"/>
+                      </a:endParaRPr>
+                    </a:p>
+                  </a:txBody>
+                  <a:tcPr marL="8890" marR="8890" marT="8890" marB="0" anchor="b"/>
+                </a:tc>
+                <a:tc>
+                  <a:txBody>
+                    <a:bodyPr/>
+                    <a:lstStyle/>
+                    <a:p>
+                      <a:pPr algn="l" fontAlgn="b"/>
+                      <a:endParaRPr lang="en-US" sz="1000" b="0" i="0" u="none" strike="noStrike">
+                        <a:solidFill>
+                          <a:srgbClr val="000000"/>
+                        </a:solidFill>
+                        <a:effectLst/>
+                        <a:latin typeface="Calibri" panose="020F0502020204030204" pitchFamily="34" charset="0"/>
+                      </a:endParaRPr>
+                    </a:p>
+                  </a:txBody>
+                  <a:tcPr marL="8890" marR="8890" marT="8890" marB="0" anchor="b"/>
+                </a:tc>
+                <a:tc>
+                  <a:txBody>
+                    <a:bodyPr/>
+                    <a:lstStyle/>
+                    <a:p>
+                      <a:pPr algn="l" fontAlgn="b"/>
+                      <a:endParaRPr lang="en-US" sz="1000" b="0" i="0" u="none" strike="noStrike">
+                        <a:solidFill>
+                          <a:srgbClr val="000000"/>
+                        </a:solidFill>
+                        <a:effectLst/>
+                        <a:latin typeface="Calibri" panose="020F0502020204030204" pitchFamily="34" charset="0"/>
+                      </a:endParaRPr>
+                    </a:p>
+                  </a:txBody>
+                  <a:tcPr marL="8890" marR="8890" marT="8890" marB="0" anchor="b"/>
+                </a:tc>
+                <a:tc>
+                  <a:txBody>
+                    <a:bodyPr/>
+                    <a:lstStyle/>
+                    <a:p>
+                      <a:pPr algn="l" fontAlgn="b"/>
+                      <a:endParaRPr lang="en-US" sz="1000" b="0" i="0" u="none" strike="noStrike">
+                        <a:solidFill>
+                          <a:srgbClr val="000000"/>
+                        </a:solidFill>
+                        <a:effectLst/>
+                        <a:latin typeface="Calibri" panose="020F0502020204030204" pitchFamily="34" charset="0"/>
+                      </a:endParaRPr>
+                    </a:p>
+                  </a:txBody>
+                  <a:tcPr marL="8890" marR="8890" marT="8890" marB="0" anchor="b"/>
+                </a:tc>
+                <a:extLst>
+                  <a:ext uri="{0D108BD9-81ED-4DB2-BD59-A6C34878D82A}">
+                    <a16:rowId xmlns:a16="http://schemas.microsoft.com/office/drawing/2014/main" val="3792880296"/>
+                  </a:ext>
+                </a:extLst>
+              </a:tr>
+              <a:tr h="177797">
+                <a:tc>
+                  <a:txBody>
+                    <a:bodyPr/>
+                    <a:lstStyle/>
+                    <a:p>
+                      <a:pPr algn="l" fontAlgn="b"/>
+                      <a:r>
+                        <a:rPr lang="en-US" sz="1000" u="none" strike="noStrike">
+                          <a:effectLst/>
+                        </a:rPr>
+                        <a:t>Adjusted R Square</a:t>
+                      </a:r>
+                      <a:endParaRPr lang="en-US" sz="1000" b="0" i="0" u="none" strike="noStrike">
+                        <a:solidFill>
+                          <a:srgbClr val="000000"/>
+                        </a:solidFill>
+                        <a:effectLst/>
+                        <a:latin typeface="Calibri" panose="020F0502020204030204" pitchFamily="34" charset="0"/>
+                      </a:endParaRPr>
+                    </a:p>
+                  </a:txBody>
+                  <a:tcPr marL="8890" marR="8890" marT="8890" marB="0" anchor="b"/>
+                </a:tc>
+                <a:tc>
+                  <a:txBody>
+                    <a:bodyPr/>
+                    <a:lstStyle/>
+                    <a:p>
+                      <a:pPr algn="r" fontAlgn="b"/>
+                      <a:r>
+                        <a:rPr lang="en-US" sz="1000" u="none" strike="noStrike">
+                          <a:effectLst/>
+                        </a:rPr>
+                        <a:t>0.864866</a:t>
+                      </a:r>
+                      <a:endParaRPr lang="en-US" sz="1000" b="0" i="0" u="none" strike="noStrike">
+                        <a:solidFill>
+                          <a:srgbClr val="000000"/>
+                        </a:solidFill>
+                        <a:effectLst/>
+                        <a:latin typeface="Calibri" panose="020F0502020204030204" pitchFamily="34" charset="0"/>
+                      </a:endParaRPr>
+                    </a:p>
+                  </a:txBody>
+                  <a:tcPr marL="8890" marR="8890" marT="8890" marB="0" anchor="b"/>
+                </a:tc>
+                <a:tc>
+                  <a:txBody>
+                    <a:bodyPr/>
+                    <a:lstStyle/>
+                    <a:p>
+                      <a:pPr algn="l" fontAlgn="b"/>
+                      <a:endParaRPr lang="en-US" sz="1000" b="0" i="0" u="none" strike="noStrike">
+                        <a:solidFill>
+                          <a:srgbClr val="000000"/>
+                        </a:solidFill>
+                        <a:effectLst/>
+                        <a:latin typeface="Calibri" panose="020F0502020204030204" pitchFamily="34" charset="0"/>
+                      </a:endParaRPr>
+                    </a:p>
+                  </a:txBody>
+                  <a:tcPr marL="8890" marR="8890" marT="8890" marB="0" anchor="b"/>
+                </a:tc>
+                <a:tc>
+                  <a:txBody>
+                    <a:bodyPr/>
+                    <a:lstStyle/>
+                    <a:p>
+                      <a:pPr algn="l" fontAlgn="b"/>
+                      <a:endParaRPr lang="en-US" sz="1000" b="0" i="0" u="none" strike="noStrike">
+                        <a:solidFill>
+                          <a:srgbClr val="000000"/>
+                        </a:solidFill>
+                        <a:effectLst/>
+                        <a:latin typeface="Calibri" panose="020F0502020204030204" pitchFamily="34" charset="0"/>
+                      </a:endParaRPr>
+                    </a:p>
+                  </a:txBody>
+                  <a:tcPr marL="8890" marR="8890" marT="8890" marB="0" anchor="b"/>
+                </a:tc>
+                <a:tc>
+                  <a:txBody>
+                    <a:bodyPr/>
+                    <a:lstStyle/>
+                    <a:p>
+                      <a:pPr algn="l" fontAlgn="b"/>
+                      <a:endParaRPr lang="en-US" sz="1000" b="0" i="0" u="none" strike="noStrike">
+                        <a:solidFill>
+                          <a:srgbClr val="000000"/>
+                        </a:solidFill>
+                        <a:effectLst/>
+                        <a:latin typeface="Calibri" panose="020F0502020204030204" pitchFamily="34" charset="0"/>
+                      </a:endParaRPr>
+                    </a:p>
+                  </a:txBody>
+                  <a:tcPr marL="8890" marR="8890" marT="8890" marB="0" anchor="b"/>
+                </a:tc>
+                <a:tc>
+                  <a:txBody>
+                    <a:bodyPr/>
+                    <a:lstStyle/>
+                    <a:p>
+                      <a:pPr algn="l" fontAlgn="b"/>
+                      <a:endParaRPr lang="en-US" sz="1000" b="0" i="0" u="none" strike="noStrike">
+                        <a:solidFill>
+                          <a:srgbClr val="000000"/>
+                        </a:solidFill>
+                        <a:effectLst/>
+                        <a:latin typeface="Calibri" panose="020F0502020204030204" pitchFamily="34" charset="0"/>
+                      </a:endParaRPr>
+                    </a:p>
+                  </a:txBody>
+                  <a:tcPr marL="8890" marR="8890" marT="8890" marB="0" anchor="b"/>
+                </a:tc>
+                <a:tc>
+                  <a:txBody>
+                    <a:bodyPr/>
+                    <a:lstStyle/>
+                    <a:p>
+                      <a:pPr algn="l" fontAlgn="b"/>
+                      <a:endParaRPr lang="en-US" sz="1000" b="0" i="0" u="none" strike="noStrike">
+                        <a:solidFill>
+                          <a:srgbClr val="000000"/>
+                        </a:solidFill>
+                        <a:effectLst/>
+                        <a:latin typeface="Calibri" panose="020F0502020204030204" pitchFamily="34" charset="0"/>
+                      </a:endParaRPr>
+                    </a:p>
+                  </a:txBody>
+                  <a:tcPr marL="8890" marR="8890" marT="8890" marB="0" anchor="b"/>
+                </a:tc>
+                <a:tc>
+                  <a:txBody>
+                    <a:bodyPr/>
+                    <a:lstStyle/>
+                    <a:p>
+                      <a:pPr algn="l" fontAlgn="b"/>
+                      <a:endParaRPr lang="en-US" sz="1000" b="0" i="0" u="none" strike="noStrike">
+                        <a:solidFill>
+                          <a:srgbClr val="000000"/>
+                        </a:solidFill>
+                        <a:effectLst/>
+                        <a:latin typeface="Calibri" panose="020F0502020204030204" pitchFamily="34" charset="0"/>
+                      </a:endParaRPr>
+                    </a:p>
+                  </a:txBody>
+                  <a:tcPr marL="8890" marR="8890" marT="8890" marB="0" anchor="b"/>
+                </a:tc>
+                <a:tc>
+                  <a:txBody>
+                    <a:bodyPr/>
+                    <a:lstStyle/>
+                    <a:p>
+                      <a:pPr algn="l" fontAlgn="b"/>
+                      <a:endParaRPr lang="en-US" sz="1000" b="0" i="0" u="none" strike="noStrike">
+                        <a:solidFill>
+                          <a:srgbClr val="000000"/>
+                        </a:solidFill>
+                        <a:effectLst/>
+                        <a:latin typeface="Calibri" panose="020F0502020204030204" pitchFamily="34" charset="0"/>
+                      </a:endParaRPr>
+                    </a:p>
+                  </a:txBody>
+                  <a:tcPr marL="8890" marR="8890" marT="8890" marB="0" anchor="b"/>
+                </a:tc>
+                <a:extLst>
+                  <a:ext uri="{0D108BD9-81ED-4DB2-BD59-A6C34878D82A}">
+                    <a16:rowId xmlns:a16="http://schemas.microsoft.com/office/drawing/2014/main" val="2358764422"/>
+                  </a:ext>
+                </a:extLst>
+              </a:tr>
+              <a:tr h="177797">
+                <a:tc>
+                  <a:txBody>
+                    <a:bodyPr/>
+                    <a:lstStyle/>
+                    <a:p>
+                      <a:pPr algn="l" fontAlgn="b"/>
+                      <a:r>
+                        <a:rPr lang="en-US" sz="1000" u="none" strike="noStrike">
+                          <a:effectLst/>
+                        </a:rPr>
+                        <a:t>Standard Error</a:t>
+                      </a:r>
+                      <a:endParaRPr lang="en-US" sz="1000" b="0" i="0" u="none" strike="noStrike">
+                        <a:solidFill>
+                          <a:srgbClr val="000000"/>
+                        </a:solidFill>
+                        <a:effectLst/>
+                        <a:latin typeface="Calibri" panose="020F0502020204030204" pitchFamily="34" charset="0"/>
+                      </a:endParaRPr>
+                    </a:p>
+                  </a:txBody>
+                  <a:tcPr marL="8890" marR="8890" marT="8890" marB="0" anchor="b"/>
+                </a:tc>
+                <a:tc>
+                  <a:txBody>
+                    <a:bodyPr/>
+                    <a:lstStyle/>
+                    <a:p>
+                      <a:pPr algn="r" fontAlgn="b"/>
+                      <a:r>
+                        <a:rPr lang="en-US" sz="1000" u="none" strike="noStrike">
+                          <a:effectLst/>
+                        </a:rPr>
+                        <a:t>53.14987</a:t>
+                      </a:r>
+                      <a:endParaRPr lang="en-US" sz="1000" b="0" i="0" u="none" strike="noStrike">
+                        <a:solidFill>
+                          <a:srgbClr val="000000"/>
+                        </a:solidFill>
+                        <a:effectLst/>
+                        <a:latin typeface="Calibri" panose="020F0502020204030204" pitchFamily="34" charset="0"/>
+                      </a:endParaRPr>
+                    </a:p>
+                  </a:txBody>
+                  <a:tcPr marL="8890" marR="8890" marT="8890" marB="0" anchor="b"/>
+                </a:tc>
+                <a:tc>
+                  <a:txBody>
+                    <a:bodyPr/>
+                    <a:lstStyle/>
+                    <a:p>
+                      <a:pPr algn="l" fontAlgn="b"/>
+                      <a:endParaRPr lang="en-US" sz="1000" b="0" i="0" u="none" strike="noStrike">
+                        <a:solidFill>
+                          <a:srgbClr val="000000"/>
+                        </a:solidFill>
+                        <a:effectLst/>
+                        <a:latin typeface="Calibri" panose="020F0502020204030204" pitchFamily="34" charset="0"/>
+                      </a:endParaRPr>
+                    </a:p>
+                  </a:txBody>
+                  <a:tcPr marL="8890" marR="8890" marT="8890" marB="0" anchor="b"/>
+                </a:tc>
+                <a:tc>
+                  <a:txBody>
+                    <a:bodyPr/>
+                    <a:lstStyle/>
+                    <a:p>
+                      <a:pPr algn="l" fontAlgn="b"/>
+                      <a:endParaRPr lang="en-US" sz="1000" b="0" i="0" u="none" strike="noStrike">
+                        <a:solidFill>
+                          <a:srgbClr val="000000"/>
+                        </a:solidFill>
+                        <a:effectLst/>
+                        <a:latin typeface="Calibri" panose="020F0502020204030204" pitchFamily="34" charset="0"/>
+                      </a:endParaRPr>
+                    </a:p>
+                  </a:txBody>
+                  <a:tcPr marL="8890" marR="8890" marT="8890" marB="0" anchor="b"/>
+                </a:tc>
+                <a:tc>
+                  <a:txBody>
+                    <a:bodyPr/>
+                    <a:lstStyle/>
+                    <a:p>
+                      <a:pPr algn="l" fontAlgn="b"/>
+                      <a:endParaRPr lang="en-US" sz="1000" b="0" i="0" u="none" strike="noStrike">
+                        <a:solidFill>
+                          <a:srgbClr val="000000"/>
+                        </a:solidFill>
+                        <a:effectLst/>
+                        <a:latin typeface="Calibri" panose="020F0502020204030204" pitchFamily="34" charset="0"/>
+                      </a:endParaRPr>
+                    </a:p>
+                  </a:txBody>
+                  <a:tcPr marL="8890" marR="8890" marT="8890" marB="0" anchor="b"/>
+                </a:tc>
+                <a:tc>
+                  <a:txBody>
+                    <a:bodyPr/>
+                    <a:lstStyle/>
+                    <a:p>
+                      <a:pPr algn="l" fontAlgn="b"/>
+                      <a:endParaRPr lang="en-US" sz="1000" b="0" i="0" u="none" strike="noStrike">
+                        <a:solidFill>
+                          <a:srgbClr val="000000"/>
+                        </a:solidFill>
+                        <a:effectLst/>
+                        <a:latin typeface="Calibri" panose="020F0502020204030204" pitchFamily="34" charset="0"/>
+                      </a:endParaRPr>
+                    </a:p>
+                  </a:txBody>
+                  <a:tcPr marL="8890" marR="8890" marT="8890" marB="0" anchor="b"/>
+                </a:tc>
+                <a:tc>
+                  <a:txBody>
+                    <a:bodyPr/>
+                    <a:lstStyle/>
+                    <a:p>
+                      <a:pPr algn="l" fontAlgn="b"/>
+                      <a:endParaRPr lang="en-US" sz="1000" b="0" i="0" u="none" strike="noStrike">
+                        <a:solidFill>
+                          <a:srgbClr val="000000"/>
+                        </a:solidFill>
+                        <a:effectLst/>
+                        <a:latin typeface="Calibri" panose="020F0502020204030204" pitchFamily="34" charset="0"/>
+                      </a:endParaRPr>
+                    </a:p>
+                  </a:txBody>
+                  <a:tcPr marL="8890" marR="8890" marT="8890" marB="0" anchor="b"/>
+                </a:tc>
+                <a:tc>
+                  <a:txBody>
+                    <a:bodyPr/>
+                    <a:lstStyle/>
+                    <a:p>
+                      <a:pPr algn="l" fontAlgn="b"/>
+                      <a:endParaRPr lang="en-US" sz="1000" b="0" i="0" u="none" strike="noStrike">
+                        <a:solidFill>
+                          <a:srgbClr val="000000"/>
+                        </a:solidFill>
+                        <a:effectLst/>
+                        <a:latin typeface="Calibri" panose="020F0502020204030204" pitchFamily="34" charset="0"/>
+                      </a:endParaRPr>
+                    </a:p>
+                  </a:txBody>
+                  <a:tcPr marL="8890" marR="8890" marT="8890" marB="0" anchor="b"/>
+                </a:tc>
+                <a:tc>
+                  <a:txBody>
+                    <a:bodyPr/>
+                    <a:lstStyle/>
+                    <a:p>
+                      <a:pPr algn="l" fontAlgn="b"/>
+                      <a:endParaRPr lang="en-US" sz="1000" b="0" i="0" u="none" strike="noStrike">
+                        <a:solidFill>
+                          <a:srgbClr val="000000"/>
+                        </a:solidFill>
+                        <a:effectLst/>
+                        <a:latin typeface="Calibri" panose="020F0502020204030204" pitchFamily="34" charset="0"/>
+                      </a:endParaRPr>
+                    </a:p>
+                  </a:txBody>
+                  <a:tcPr marL="8890" marR="8890" marT="8890" marB="0" anchor="b"/>
+                </a:tc>
+                <a:extLst>
+                  <a:ext uri="{0D108BD9-81ED-4DB2-BD59-A6C34878D82A}">
+                    <a16:rowId xmlns:a16="http://schemas.microsoft.com/office/drawing/2014/main" val="3321550542"/>
+                  </a:ext>
+                </a:extLst>
+              </a:tr>
+              <a:tr h="186687">
+                <a:tc>
+                  <a:txBody>
+                    <a:bodyPr/>
+                    <a:lstStyle/>
+                    <a:p>
+                      <a:pPr algn="l" fontAlgn="b"/>
+                      <a:r>
+                        <a:rPr lang="en-US" sz="1000" u="none" strike="noStrike">
+                          <a:effectLst/>
+                        </a:rPr>
+                        <a:t>Observations</a:t>
+                      </a:r>
+                      <a:endParaRPr lang="en-US" sz="1000" b="0" i="0" u="none" strike="noStrike">
+                        <a:solidFill>
+                          <a:srgbClr val="000000"/>
+                        </a:solidFill>
+                        <a:effectLst/>
+                        <a:latin typeface="Calibri" panose="020F0502020204030204" pitchFamily="34" charset="0"/>
+                      </a:endParaRPr>
+                    </a:p>
+                  </a:txBody>
+                  <a:tcPr marL="8890" marR="8890" marT="8890" marB="0" anchor="b"/>
+                </a:tc>
+                <a:tc>
+                  <a:txBody>
+                    <a:bodyPr/>
+                    <a:lstStyle/>
+                    <a:p>
+                      <a:pPr algn="r" fontAlgn="b"/>
+                      <a:r>
+                        <a:rPr lang="en-US" sz="1000" u="none" strike="noStrike">
+                          <a:effectLst/>
+                        </a:rPr>
+                        <a:t>500</a:t>
+                      </a:r>
+                      <a:endParaRPr lang="en-US" sz="1000" b="0" i="0" u="none" strike="noStrike">
+                        <a:solidFill>
+                          <a:srgbClr val="000000"/>
+                        </a:solidFill>
+                        <a:effectLst/>
+                        <a:latin typeface="Calibri" panose="020F0502020204030204" pitchFamily="34" charset="0"/>
+                      </a:endParaRPr>
+                    </a:p>
+                  </a:txBody>
+                  <a:tcPr marL="8890" marR="8890" marT="8890" marB="0" anchor="b"/>
+                </a:tc>
+                <a:tc>
+                  <a:txBody>
+                    <a:bodyPr/>
+                    <a:lstStyle/>
+                    <a:p>
+                      <a:pPr algn="l" fontAlgn="b"/>
+                      <a:endParaRPr lang="en-US" sz="1000" b="0" i="0" u="none" strike="noStrike">
+                        <a:solidFill>
+                          <a:srgbClr val="000000"/>
+                        </a:solidFill>
+                        <a:effectLst/>
+                        <a:latin typeface="Calibri" panose="020F0502020204030204" pitchFamily="34" charset="0"/>
+                      </a:endParaRPr>
+                    </a:p>
+                  </a:txBody>
+                  <a:tcPr marL="8890" marR="8890" marT="8890" marB="0" anchor="b"/>
+                </a:tc>
+                <a:tc>
+                  <a:txBody>
+                    <a:bodyPr/>
+                    <a:lstStyle/>
+                    <a:p>
+                      <a:pPr algn="l" fontAlgn="b"/>
+                      <a:endParaRPr lang="en-US" sz="1000" b="0" i="0" u="none" strike="noStrike">
+                        <a:solidFill>
+                          <a:srgbClr val="000000"/>
+                        </a:solidFill>
+                        <a:effectLst/>
+                        <a:latin typeface="Calibri" panose="020F0502020204030204" pitchFamily="34" charset="0"/>
+                      </a:endParaRPr>
+                    </a:p>
+                  </a:txBody>
+                  <a:tcPr marL="8890" marR="8890" marT="8890" marB="0" anchor="b"/>
+                </a:tc>
+                <a:tc>
+                  <a:txBody>
+                    <a:bodyPr/>
+                    <a:lstStyle/>
+                    <a:p>
+                      <a:pPr algn="l" fontAlgn="b"/>
+                      <a:endParaRPr lang="en-US" sz="1000" b="0" i="0" u="none" strike="noStrike">
+                        <a:solidFill>
+                          <a:srgbClr val="000000"/>
+                        </a:solidFill>
+                        <a:effectLst/>
+                        <a:latin typeface="Calibri" panose="020F0502020204030204" pitchFamily="34" charset="0"/>
+                      </a:endParaRPr>
+                    </a:p>
+                  </a:txBody>
+                  <a:tcPr marL="8890" marR="8890" marT="8890" marB="0" anchor="b"/>
+                </a:tc>
+                <a:tc>
+                  <a:txBody>
+                    <a:bodyPr/>
+                    <a:lstStyle/>
+                    <a:p>
+                      <a:pPr algn="l" fontAlgn="b"/>
+                      <a:endParaRPr lang="en-US" sz="1000" b="0" i="0" u="none" strike="noStrike">
+                        <a:solidFill>
+                          <a:srgbClr val="000000"/>
+                        </a:solidFill>
+                        <a:effectLst/>
+                        <a:latin typeface="Calibri" panose="020F0502020204030204" pitchFamily="34" charset="0"/>
+                      </a:endParaRPr>
+                    </a:p>
+                  </a:txBody>
+                  <a:tcPr marL="8890" marR="8890" marT="8890" marB="0" anchor="b"/>
+                </a:tc>
+                <a:tc>
+                  <a:txBody>
+                    <a:bodyPr/>
+                    <a:lstStyle/>
+                    <a:p>
+                      <a:pPr algn="l" fontAlgn="b"/>
+                      <a:endParaRPr lang="en-US" sz="1000" b="0" i="0" u="none" strike="noStrike">
+                        <a:solidFill>
+                          <a:srgbClr val="000000"/>
+                        </a:solidFill>
+                        <a:effectLst/>
+                        <a:latin typeface="Calibri" panose="020F0502020204030204" pitchFamily="34" charset="0"/>
+                      </a:endParaRPr>
+                    </a:p>
+                  </a:txBody>
+                  <a:tcPr marL="8890" marR="8890" marT="8890" marB="0" anchor="b"/>
+                </a:tc>
+                <a:tc>
+                  <a:txBody>
+                    <a:bodyPr/>
+                    <a:lstStyle/>
+                    <a:p>
+                      <a:pPr algn="l" fontAlgn="b"/>
+                      <a:endParaRPr lang="en-US" sz="1000" b="0" i="0" u="none" strike="noStrike">
+                        <a:solidFill>
+                          <a:srgbClr val="000000"/>
+                        </a:solidFill>
+                        <a:effectLst/>
+                        <a:latin typeface="Calibri" panose="020F0502020204030204" pitchFamily="34" charset="0"/>
+                      </a:endParaRPr>
+                    </a:p>
+                  </a:txBody>
+                  <a:tcPr marL="8890" marR="8890" marT="8890" marB="0" anchor="b"/>
+                </a:tc>
+                <a:tc>
+                  <a:txBody>
+                    <a:bodyPr/>
+                    <a:lstStyle/>
+                    <a:p>
+                      <a:pPr algn="l" fontAlgn="b"/>
+                      <a:endParaRPr lang="en-US" sz="1000" b="0" i="0" u="none" strike="noStrike">
+                        <a:solidFill>
+                          <a:srgbClr val="000000"/>
+                        </a:solidFill>
+                        <a:effectLst/>
+                        <a:latin typeface="Calibri" panose="020F0502020204030204" pitchFamily="34" charset="0"/>
+                      </a:endParaRPr>
+                    </a:p>
+                  </a:txBody>
+                  <a:tcPr marL="8890" marR="8890" marT="8890" marB="0" anchor="b"/>
+                </a:tc>
+                <a:extLst>
+                  <a:ext uri="{0D108BD9-81ED-4DB2-BD59-A6C34878D82A}">
+                    <a16:rowId xmlns:a16="http://schemas.microsoft.com/office/drawing/2014/main" val="506556995"/>
+                  </a:ext>
+                </a:extLst>
+              </a:tr>
+              <a:tr h="177797">
+                <a:tc>
+                  <a:txBody>
+                    <a:bodyPr/>
+                    <a:lstStyle/>
+                    <a:p>
+                      <a:pPr algn="l" fontAlgn="b"/>
+                      <a:endParaRPr lang="en-US" sz="1000" b="0" i="0" u="none" strike="noStrike">
+                        <a:solidFill>
+                          <a:srgbClr val="000000"/>
+                        </a:solidFill>
+                        <a:effectLst/>
+                        <a:latin typeface="Calibri" panose="020F0502020204030204" pitchFamily="34" charset="0"/>
+                      </a:endParaRPr>
+                    </a:p>
+                  </a:txBody>
+                  <a:tcPr marL="8890" marR="8890" marT="8890" marB="0" anchor="b"/>
+                </a:tc>
+                <a:tc>
+                  <a:txBody>
+                    <a:bodyPr/>
+                    <a:lstStyle/>
+                    <a:p>
+                      <a:pPr algn="l" fontAlgn="b"/>
+                      <a:endParaRPr lang="en-US" sz="1000" b="0" i="0" u="none" strike="noStrike">
+                        <a:solidFill>
+                          <a:srgbClr val="000000"/>
+                        </a:solidFill>
+                        <a:effectLst/>
+                        <a:latin typeface="Calibri" panose="020F0502020204030204" pitchFamily="34" charset="0"/>
+                      </a:endParaRPr>
+                    </a:p>
+                  </a:txBody>
+                  <a:tcPr marL="8890" marR="8890" marT="8890" marB="0" anchor="b"/>
+                </a:tc>
+                <a:tc>
+                  <a:txBody>
+                    <a:bodyPr/>
+                    <a:lstStyle/>
+                    <a:p>
+                      <a:pPr algn="l" fontAlgn="b"/>
+                      <a:endParaRPr lang="en-US" sz="1000" b="0" i="0" u="none" strike="noStrike">
+                        <a:solidFill>
+                          <a:srgbClr val="000000"/>
+                        </a:solidFill>
+                        <a:effectLst/>
+                        <a:latin typeface="Calibri" panose="020F0502020204030204" pitchFamily="34" charset="0"/>
+                      </a:endParaRPr>
+                    </a:p>
+                  </a:txBody>
+                  <a:tcPr marL="8890" marR="8890" marT="8890" marB="0" anchor="b"/>
+                </a:tc>
+                <a:tc>
+                  <a:txBody>
+                    <a:bodyPr/>
+                    <a:lstStyle/>
+                    <a:p>
+                      <a:pPr algn="l" fontAlgn="b"/>
+                      <a:endParaRPr lang="en-US" sz="1000" b="0" i="0" u="none" strike="noStrike">
+                        <a:solidFill>
+                          <a:srgbClr val="000000"/>
+                        </a:solidFill>
+                        <a:effectLst/>
+                        <a:latin typeface="Calibri" panose="020F0502020204030204" pitchFamily="34" charset="0"/>
+                      </a:endParaRPr>
+                    </a:p>
+                  </a:txBody>
+                  <a:tcPr marL="8890" marR="8890" marT="8890" marB="0" anchor="b"/>
+                </a:tc>
+                <a:tc>
+                  <a:txBody>
+                    <a:bodyPr/>
+                    <a:lstStyle/>
+                    <a:p>
+                      <a:pPr algn="l" fontAlgn="b"/>
+                      <a:endParaRPr lang="en-US" sz="1000" b="0" i="0" u="none" strike="noStrike">
+                        <a:solidFill>
+                          <a:srgbClr val="000000"/>
+                        </a:solidFill>
+                        <a:effectLst/>
+                        <a:latin typeface="Calibri" panose="020F0502020204030204" pitchFamily="34" charset="0"/>
+                      </a:endParaRPr>
+                    </a:p>
+                  </a:txBody>
+                  <a:tcPr marL="8890" marR="8890" marT="8890" marB="0" anchor="b"/>
+                </a:tc>
+                <a:tc>
+                  <a:txBody>
+                    <a:bodyPr/>
+                    <a:lstStyle/>
+                    <a:p>
+                      <a:pPr algn="l" fontAlgn="b"/>
+                      <a:endParaRPr lang="en-US" sz="1000" b="0" i="0" u="none" strike="noStrike">
+                        <a:solidFill>
+                          <a:srgbClr val="000000"/>
+                        </a:solidFill>
+                        <a:effectLst/>
+                        <a:latin typeface="Calibri" panose="020F0502020204030204" pitchFamily="34" charset="0"/>
+                      </a:endParaRPr>
+                    </a:p>
+                  </a:txBody>
+                  <a:tcPr marL="8890" marR="8890" marT="8890" marB="0" anchor="b"/>
+                </a:tc>
+                <a:tc>
+                  <a:txBody>
+                    <a:bodyPr/>
+                    <a:lstStyle/>
+                    <a:p>
+                      <a:pPr algn="l" fontAlgn="b"/>
+                      <a:endParaRPr lang="en-US" sz="1000" b="0" i="0" u="none" strike="noStrike">
+                        <a:solidFill>
+                          <a:srgbClr val="000000"/>
+                        </a:solidFill>
+                        <a:effectLst/>
+                        <a:latin typeface="Calibri" panose="020F0502020204030204" pitchFamily="34" charset="0"/>
+                      </a:endParaRPr>
+                    </a:p>
+                  </a:txBody>
+                  <a:tcPr marL="8890" marR="8890" marT="8890" marB="0" anchor="b"/>
+                </a:tc>
+                <a:tc>
+                  <a:txBody>
+                    <a:bodyPr/>
+                    <a:lstStyle/>
+                    <a:p>
+                      <a:pPr algn="l" fontAlgn="b"/>
+                      <a:endParaRPr lang="en-US" sz="1000" b="0" i="0" u="none" strike="noStrike">
+                        <a:solidFill>
+                          <a:srgbClr val="000000"/>
+                        </a:solidFill>
+                        <a:effectLst/>
+                        <a:latin typeface="Calibri" panose="020F0502020204030204" pitchFamily="34" charset="0"/>
+                      </a:endParaRPr>
+                    </a:p>
+                  </a:txBody>
+                  <a:tcPr marL="8890" marR="8890" marT="8890" marB="0" anchor="b"/>
+                </a:tc>
+                <a:tc>
+                  <a:txBody>
+                    <a:bodyPr/>
+                    <a:lstStyle/>
+                    <a:p>
+                      <a:pPr algn="l" fontAlgn="b"/>
+                      <a:endParaRPr lang="en-US" sz="1000" b="0" i="0" u="none" strike="noStrike">
+                        <a:solidFill>
+                          <a:srgbClr val="000000"/>
+                        </a:solidFill>
+                        <a:effectLst/>
+                        <a:latin typeface="Calibri" panose="020F0502020204030204" pitchFamily="34" charset="0"/>
+                      </a:endParaRPr>
+                    </a:p>
+                  </a:txBody>
+                  <a:tcPr marL="8890" marR="8890" marT="8890" marB="0" anchor="b"/>
+                </a:tc>
+                <a:extLst>
+                  <a:ext uri="{0D108BD9-81ED-4DB2-BD59-A6C34878D82A}">
+                    <a16:rowId xmlns:a16="http://schemas.microsoft.com/office/drawing/2014/main" val="3065953905"/>
+                  </a:ext>
+                </a:extLst>
+              </a:tr>
+              <a:tr h="186687">
+                <a:tc>
+                  <a:txBody>
+                    <a:bodyPr/>
+                    <a:lstStyle/>
+                    <a:p>
+                      <a:pPr algn="l" fontAlgn="b"/>
+                      <a:r>
+                        <a:rPr lang="en-US" sz="1000" u="none" strike="noStrike">
+                          <a:effectLst/>
+                        </a:rPr>
+                        <a:t>ANOVA</a:t>
+                      </a:r>
+                      <a:endParaRPr lang="en-US" sz="1000" b="0" i="0" u="none" strike="noStrike">
+                        <a:solidFill>
+                          <a:srgbClr val="000000"/>
+                        </a:solidFill>
+                        <a:effectLst/>
+                        <a:latin typeface="Calibri" panose="020F0502020204030204" pitchFamily="34" charset="0"/>
+                      </a:endParaRPr>
+                    </a:p>
+                  </a:txBody>
+                  <a:tcPr marL="8890" marR="8890" marT="8890" marB="0" anchor="b"/>
+                </a:tc>
+                <a:tc>
+                  <a:txBody>
+                    <a:bodyPr/>
+                    <a:lstStyle/>
+                    <a:p>
+                      <a:pPr algn="l" fontAlgn="b"/>
+                      <a:endParaRPr lang="en-US" sz="1000" b="0" i="0" u="none" strike="noStrike">
+                        <a:solidFill>
+                          <a:srgbClr val="000000"/>
+                        </a:solidFill>
+                        <a:effectLst/>
+                        <a:latin typeface="Calibri" panose="020F0502020204030204" pitchFamily="34" charset="0"/>
+                      </a:endParaRPr>
+                    </a:p>
+                  </a:txBody>
+                  <a:tcPr marL="8890" marR="8890" marT="8890" marB="0" anchor="b"/>
+                </a:tc>
+                <a:tc>
+                  <a:txBody>
+                    <a:bodyPr/>
+                    <a:lstStyle/>
+                    <a:p>
+                      <a:pPr algn="l" fontAlgn="b"/>
+                      <a:endParaRPr lang="en-US" sz="1000" b="0" i="0" u="none" strike="noStrike">
+                        <a:solidFill>
+                          <a:srgbClr val="000000"/>
+                        </a:solidFill>
+                        <a:effectLst/>
+                        <a:latin typeface="Calibri" panose="020F0502020204030204" pitchFamily="34" charset="0"/>
+                      </a:endParaRPr>
+                    </a:p>
+                  </a:txBody>
+                  <a:tcPr marL="8890" marR="8890" marT="8890" marB="0" anchor="b"/>
+                </a:tc>
+                <a:tc>
+                  <a:txBody>
+                    <a:bodyPr/>
+                    <a:lstStyle/>
+                    <a:p>
+                      <a:pPr algn="l" fontAlgn="b"/>
+                      <a:endParaRPr lang="en-US" sz="1000" b="0" i="0" u="none" strike="noStrike">
+                        <a:solidFill>
+                          <a:srgbClr val="000000"/>
+                        </a:solidFill>
+                        <a:effectLst/>
+                        <a:latin typeface="Calibri" panose="020F0502020204030204" pitchFamily="34" charset="0"/>
+                      </a:endParaRPr>
+                    </a:p>
+                  </a:txBody>
+                  <a:tcPr marL="8890" marR="8890" marT="8890" marB="0" anchor="b"/>
+                </a:tc>
+                <a:tc>
+                  <a:txBody>
+                    <a:bodyPr/>
+                    <a:lstStyle/>
+                    <a:p>
+                      <a:pPr algn="l" fontAlgn="b"/>
+                      <a:endParaRPr lang="en-US" sz="1000" b="0" i="0" u="none" strike="noStrike">
+                        <a:solidFill>
+                          <a:srgbClr val="000000"/>
+                        </a:solidFill>
+                        <a:effectLst/>
+                        <a:latin typeface="Calibri" panose="020F0502020204030204" pitchFamily="34" charset="0"/>
+                      </a:endParaRPr>
+                    </a:p>
+                  </a:txBody>
+                  <a:tcPr marL="8890" marR="8890" marT="8890" marB="0" anchor="b"/>
+                </a:tc>
+                <a:tc>
+                  <a:txBody>
+                    <a:bodyPr/>
+                    <a:lstStyle/>
+                    <a:p>
+                      <a:pPr algn="l" fontAlgn="b"/>
+                      <a:endParaRPr lang="en-US" sz="1000" b="0" i="0" u="none" strike="noStrike">
+                        <a:solidFill>
+                          <a:srgbClr val="000000"/>
+                        </a:solidFill>
+                        <a:effectLst/>
+                        <a:latin typeface="Calibri" panose="020F0502020204030204" pitchFamily="34" charset="0"/>
+                      </a:endParaRPr>
+                    </a:p>
+                  </a:txBody>
+                  <a:tcPr marL="8890" marR="8890" marT="8890" marB="0" anchor="b"/>
+                </a:tc>
+                <a:tc>
+                  <a:txBody>
+                    <a:bodyPr/>
+                    <a:lstStyle/>
+                    <a:p>
+                      <a:pPr algn="l" fontAlgn="b"/>
+                      <a:endParaRPr lang="en-US" sz="1000" b="0" i="0" u="none" strike="noStrike">
+                        <a:solidFill>
+                          <a:srgbClr val="000000"/>
+                        </a:solidFill>
+                        <a:effectLst/>
+                        <a:latin typeface="Calibri" panose="020F0502020204030204" pitchFamily="34" charset="0"/>
+                      </a:endParaRPr>
+                    </a:p>
+                  </a:txBody>
+                  <a:tcPr marL="8890" marR="8890" marT="8890" marB="0" anchor="b"/>
+                </a:tc>
+                <a:tc>
+                  <a:txBody>
+                    <a:bodyPr/>
+                    <a:lstStyle/>
+                    <a:p>
+                      <a:pPr algn="l" fontAlgn="b"/>
+                      <a:endParaRPr lang="en-US" sz="1000" b="0" i="0" u="none" strike="noStrike">
+                        <a:solidFill>
+                          <a:srgbClr val="000000"/>
+                        </a:solidFill>
+                        <a:effectLst/>
+                        <a:latin typeface="Calibri" panose="020F0502020204030204" pitchFamily="34" charset="0"/>
+                      </a:endParaRPr>
+                    </a:p>
+                  </a:txBody>
+                  <a:tcPr marL="8890" marR="8890" marT="8890" marB="0" anchor="b"/>
+                </a:tc>
+                <a:tc>
+                  <a:txBody>
+                    <a:bodyPr/>
+                    <a:lstStyle/>
+                    <a:p>
+                      <a:pPr algn="l" fontAlgn="b"/>
+                      <a:endParaRPr lang="en-US" sz="1000" b="0" i="0" u="none" strike="noStrike">
+                        <a:solidFill>
+                          <a:srgbClr val="000000"/>
+                        </a:solidFill>
+                        <a:effectLst/>
+                        <a:latin typeface="Calibri" panose="020F0502020204030204" pitchFamily="34" charset="0"/>
+                      </a:endParaRPr>
+                    </a:p>
+                  </a:txBody>
+                  <a:tcPr marL="8890" marR="8890" marT="8890" marB="0" anchor="b"/>
+                </a:tc>
+                <a:extLst>
+                  <a:ext uri="{0D108BD9-81ED-4DB2-BD59-A6C34878D82A}">
+                    <a16:rowId xmlns:a16="http://schemas.microsoft.com/office/drawing/2014/main" val="3860627578"/>
+                  </a:ext>
+                </a:extLst>
+              </a:tr>
+              <a:tr h="321812">
+                <a:tc>
+                  <a:txBody>
+                    <a:bodyPr/>
+                    <a:lstStyle/>
+                    <a:p>
+                      <a:pPr algn="ctr" fontAlgn="b"/>
+                      <a:r>
+                        <a:rPr lang="en-US" sz="1000" u="none" strike="noStrike">
+                          <a:effectLst/>
+                        </a:rPr>
+                        <a:t> </a:t>
+                      </a:r>
+                      <a:endParaRPr lang="en-US" sz="1000" b="0" i="1" u="none" strike="noStrike">
+                        <a:solidFill>
+                          <a:srgbClr val="000000"/>
+                        </a:solidFill>
+                        <a:effectLst/>
+                        <a:latin typeface="Calibri" panose="020F0502020204030204" pitchFamily="34" charset="0"/>
+                      </a:endParaRPr>
+                    </a:p>
+                  </a:txBody>
+                  <a:tcPr marL="8890" marR="8890" marT="8890" marB="0" anchor="b"/>
+                </a:tc>
+                <a:tc>
+                  <a:txBody>
+                    <a:bodyPr/>
+                    <a:lstStyle/>
+                    <a:p>
+                      <a:pPr algn="ctr" fontAlgn="b"/>
+                      <a:r>
+                        <a:rPr lang="en-US" sz="1000" u="none" strike="noStrike">
+                          <a:effectLst/>
+                        </a:rPr>
+                        <a:t>df</a:t>
+                      </a:r>
+                      <a:endParaRPr lang="en-US" sz="1000" b="0" i="1" u="none" strike="noStrike">
+                        <a:solidFill>
+                          <a:srgbClr val="000000"/>
+                        </a:solidFill>
+                        <a:effectLst/>
+                        <a:latin typeface="Calibri" panose="020F0502020204030204" pitchFamily="34" charset="0"/>
+                      </a:endParaRPr>
+                    </a:p>
+                  </a:txBody>
+                  <a:tcPr marL="8890" marR="8890" marT="8890" marB="0" anchor="b"/>
+                </a:tc>
+                <a:tc>
+                  <a:txBody>
+                    <a:bodyPr/>
+                    <a:lstStyle/>
+                    <a:p>
+                      <a:pPr algn="ctr" fontAlgn="b"/>
+                      <a:r>
+                        <a:rPr lang="en-US" sz="1000" u="none" strike="noStrike">
+                          <a:effectLst/>
+                        </a:rPr>
+                        <a:t>SS</a:t>
+                      </a:r>
+                      <a:endParaRPr lang="en-US" sz="1000" b="0" i="1" u="none" strike="noStrike">
+                        <a:solidFill>
+                          <a:srgbClr val="000000"/>
+                        </a:solidFill>
+                        <a:effectLst/>
+                        <a:latin typeface="Calibri" panose="020F0502020204030204" pitchFamily="34" charset="0"/>
+                      </a:endParaRPr>
+                    </a:p>
+                  </a:txBody>
+                  <a:tcPr marL="8890" marR="8890" marT="8890" marB="0" anchor="b"/>
+                </a:tc>
+                <a:tc>
+                  <a:txBody>
+                    <a:bodyPr/>
+                    <a:lstStyle/>
+                    <a:p>
+                      <a:pPr algn="ctr" fontAlgn="b"/>
+                      <a:r>
+                        <a:rPr lang="en-US" sz="1000" u="none" strike="noStrike">
+                          <a:effectLst/>
+                        </a:rPr>
+                        <a:t>MS</a:t>
+                      </a:r>
+                      <a:endParaRPr lang="en-US" sz="1000" b="0" i="1" u="none" strike="noStrike">
+                        <a:solidFill>
+                          <a:srgbClr val="000000"/>
+                        </a:solidFill>
+                        <a:effectLst/>
+                        <a:latin typeface="Calibri" panose="020F0502020204030204" pitchFamily="34" charset="0"/>
+                      </a:endParaRPr>
+                    </a:p>
+                  </a:txBody>
+                  <a:tcPr marL="8890" marR="8890" marT="8890" marB="0" anchor="b"/>
+                </a:tc>
+                <a:tc>
+                  <a:txBody>
+                    <a:bodyPr/>
+                    <a:lstStyle/>
+                    <a:p>
+                      <a:pPr algn="ctr" fontAlgn="b"/>
+                      <a:r>
+                        <a:rPr lang="en-US" sz="1000" u="none" strike="noStrike">
+                          <a:effectLst/>
+                        </a:rPr>
+                        <a:t>F</a:t>
+                      </a:r>
+                      <a:endParaRPr lang="en-US" sz="1000" b="0" i="1" u="none" strike="noStrike">
+                        <a:solidFill>
+                          <a:srgbClr val="000000"/>
+                        </a:solidFill>
+                        <a:effectLst/>
+                        <a:latin typeface="Calibri" panose="020F0502020204030204" pitchFamily="34" charset="0"/>
+                      </a:endParaRPr>
+                    </a:p>
+                  </a:txBody>
+                  <a:tcPr marL="8890" marR="8890" marT="8890" marB="0" anchor="b"/>
+                </a:tc>
+                <a:tc>
+                  <a:txBody>
+                    <a:bodyPr/>
+                    <a:lstStyle/>
+                    <a:p>
+                      <a:pPr algn="ctr" fontAlgn="b"/>
+                      <a:r>
+                        <a:rPr lang="en-US" sz="1000" u="none" strike="noStrike">
+                          <a:effectLst/>
+                        </a:rPr>
+                        <a:t>Significance F</a:t>
+                      </a:r>
+                      <a:endParaRPr lang="en-US" sz="1000" b="0" i="1" u="none" strike="noStrike">
+                        <a:solidFill>
+                          <a:srgbClr val="000000"/>
+                        </a:solidFill>
+                        <a:effectLst/>
+                        <a:latin typeface="Calibri" panose="020F0502020204030204" pitchFamily="34" charset="0"/>
+                      </a:endParaRPr>
+                    </a:p>
+                  </a:txBody>
+                  <a:tcPr marL="8890" marR="8890" marT="8890" marB="0" anchor="b"/>
+                </a:tc>
+                <a:tc>
+                  <a:txBody>
+                    <a:bodyPr/>
+                    <a:lstStyle/>
+                    <a:p>
+                      <a:pPr algn="l" fontAlgn="b"/>
+                      <a:endParaRPr lang="en-US" sz="1000" b="0" i="0" u="none" strike="noStrike">
+                        <a:solidFill>
+                          <a:srgbClr val="000000"/>
+                        </a:solidFill>
+                        <a:effectLst/>
+                        <a:latin typeface="Calibri" panose="020F0502020204030204" pitchFamily="34" charset="0"/>
+                      </a:endParaRPr>
+                    </a:p>
+                  </a:txBody>
+                  <a:tcPr marL="8890" marR="8890" marT="8890" marB="0" anchor="b"/>
+                </a:tc>
+                <a:tc>
+                  <a:txBody>
+                    <a:bodyPr/>
+                    <a:lstStyle/>
+                    <a:p>
+                      <a:pPr algn="l" fontAlgn="b"/>
+                      <a:endParaRPr lang="en-US" sz="1000" b="0" i="0" u="none" strike="noStrike">
+                        <a:solidFill>
+                          <a:srgbClr val="000000"/>
+                        </a:solidFill>
+                        <a:effectLst/>
+                        <a:latin typeface="Calibri" panose="020F0502020204030204" pitchFamily="34" charset="0"/>
+                      </a:endParaRPr>
+                    </a:p>
+                  </a:txBody>
+                  <a:tcPr marL="8890" marR="8890" marT="8890" marB="0" anchor="b"/>
+                </a:tc>
+                <a:tc>
+                  <a:txBody>
+                    <a:bodyPr/>
+                    <a:lstStyle/>
+                    <a:p>
+                      <a:pPr algn="l" fontAlgn="b"/>
+                      <a:endParaRPr lang="en-US" sz="1000" b="0" i="0" u="none" strike="noStrike">
+                        <a:solidFill>
+                          <a:srgbClr val="000000"/>
+                        </a:solidFill>
+                        <a:effectLst/>
+                        <a:latin typeface="Calibri" panose="020F0502020204030204" pitchFamily="34" charset="0"/>
+                      </a:endParaRPr>
+                    </a:p>
+                  </a:txBody>
+                  <a:tcPr marL="8890" marR="8890" marT="8890" marB="0" anchor="b"/>
+                </a:tc>
+                <a:extLst>
+                  <a:ext uri="{0D108BD9-81ED-4DB2-BD59-A6C34878D82A}">
+                    <a16:rowId xmlns:a16="http://schemas.microsoft.com/office/drawing/2014/main" val="907252294"/>
+                  </a:ext>
+                </a:extLst>
+              </a:tr>
+              <a:tr h="177797">
+                <a:tc>
+                  <a:txBody>
+                    <a:bodyPr/>
+                    <a:lstStyle/>
+                    <a:p>
+                      <a:pPr algn="l" fontAlgn="b"/>
+                      <a:r>
+                        <a:rPr lang="en-US" sz="1000" u="none" strike="noStrike">
+                          <a:effectLst/>
+                        </a:rPr>
+                        <a:t>Regression</a:t>
+                      </a:r>
+                      <a:endParaRPr lang="en-US" sz="1000" b="0" i="0" u="none" strike="noStrike">
+                        <a:solidFill>
+                          <a:srgbClr val="000000"/>
+                        </a:solidFill>
+                        <a:effectLst/>
+                        <a:latin typeface="Calibri" panose="020F0502020204030204" pitchFamily="34" charset="0"/>
+                      </a:endParaRPr>
+                    </a:p>
+                  </a:txBody>
+                  <a:tcPr marL="8890" marR="8890" marT="8890" marB="0" anchor="b"/>
+                </a:tc>
+                <a:tc>
+                  <a:txBody>
+                    <a:bodyPr/>
+                    <a:lstStyle/>
+                    <a:p>
+                      <a:pPr algn="r" fontAlgn="b"/>
+                      <a:r>
+                        <a:rPr lang="en-US" sz="1000" u="none" strike="noStrike">
+                          <a:effectLst/>
+                        </a:rPr>
+                        <a:t>1</a:t>
+                      </a:r>
+                      <a:endParaRPr lang="en-US" sz="1000" b="0" i="0" u="none" strike="noStrike">
+                        <a:solidFill>
+                          <a:srgbClr val="000000"/>
+                        </a:solidFill>
+                        <a:effectLst/>
+                        <a:latin typeface="Calibri" panose="020F0502020204030204" pitchFamily="34" charset="0"/>
+                      </a:endParaRPr>
+                    </a:p>
+                  </a:txBody>
+                  <a:tcPr marL="8890" marR="8890" marT="8890" marB="0" anchor="b"/>
+                </a:tc>
+                <a:tc>
+                  <a:txBody>
+                    <a:bodyPr/>
+                    <a:lstStyle/>
+                    <a:p>
+                      <a:pPr algn="r" fontAlgn="b"/>
+                      <a:r>
+                        <a:rPr lang="en-US" sz="1000" u="none" strike="noStrike">
+                          <a:effectLst/>
+                        </a:rPr>
+                        <a:t>9024502</a:t>
+                      </a:r>
+                      <a:endParaRPr lang="en-US" sz="1000" b="0" i="0" u="none" strike="noStrike">
+                        <a:solidFill>
+                          <a:srgbClr val="000000"/>
+                        </a:solidFill>
+                        <a:effectLst/>
+                        <a:latin typeface="Calibri" panose="020F0502020204030204" pitchFamily="34" charset="0"/>
+                      </a:endParaRPr>
+                    </a:p>
+                  </a:txBody>
+                  <a:tcPr marL="8890" marR="8890" marT="8890" marB="0" anchor="b"/>
+                </a:tc>
+                <a:tc>
+                  <a:txBody>
+                    <a:bodyPr/>
+                    <a:lstStyle/>
+                    <a:p>
+                      <a:pPr algn="r" fontAlgn="b"/>
+                      <a:r>
+                        <a:rPr lang="en-US" sz="1000" u="none" strike="noStrike">
+                          <a:effectLst/>
+                        </a:rPr>
+                        <a:t>9024502</a:t>
+                      </a:r>
+                      <a:endParaRPr lang="en-US" sz="1000" b="0" i="0" u="none" strike="noStrike">
+                        <a:solidFill>
+                          <a:srgbClr val="000000"/>
+                        </a:solidFill>
+                        <a:effectLst/>
+                        <a:latin typeface="Calibri" panose="020F0502020204030204" pitchFamily="34" charset="0"/>
+                      </a:endParaRPr>
+                    </a:p>
+                  </a:txBody>
+                  <a:tcPr marL="8890" marR="8890" marT="8890" marB="0" anchor="b"/>
+                </a:tc>
+                <a:tc>
+                  <a:txBody>
+                    <a:bodyPr/>
+                    <a:lstStyle/>
+                    <a:p>
+                      <a:pPr algn="r" fontAlgn="b"/>
+                      <a:r>
+                        <a:rPr lang="en-US" sz="1000" u="none" strike="noStrike">
+                          <a:effectLst/>
+                        </a:rPr>
+                        <a:t>3194.618</a:t>
+                      </a:r>
+                      <a:endParaRPr lang="en-US" sz="1000" b="0" i="0" u="none" strike="noStrike">
+                        <a:solidFill>
+                          <a:srgbClr val="000000"/>
+                        </a:solidFill>
+                        <a:effectLst/>
+                        <a:latin typeface="Calibri" panose="020F0502020204030204" pitchFamily="34" charset="0"/>
+                      </a:endParaRPr>
+                    </a:p>
+                  </a:txBody>
+                  <a:tcPr marL="8890" marR="8890" marT="8890" marB="0" anchor="b"/>
+                </a:tc>
+                <a:tc>
+                  <a:txBody>
+                    <a:bodyPr/>
+                    <a:lstStyle/>
+                    <a:p>
+                      <a:pPr algn="r" fontAlgn="b"/>
+                      <a:r>
+                        <a:rPr lang="en-US" sz="1000" u="none" strike="noStrike">
+                          <a:effectLst/>
+                        </a:rPr>
+                        <a:t>8.5E-219</a:t>
+                      </a:r>
+                      <a:endParaRPr lang="en-US" sz="1000" b="0" i="0" u="none" strike="noStrike">
+                        <a:solidFill>
+                          <a:srgbClr val="000000"/>
+                        </a:solidFill>
+                        <a:effectLst/>
+                        <a:latin typeface="Calibri" panose="020F0502020204030204" pitchFamily="34" charset="0"/>
+                      </a:endParaRPr>
+                    </a:p>
+                  </a:txBody>
+                  <a:tcPr marL="8890" marR="8890" marT="8890" marB="0" anchor="b"/>
+                </a:tc>
+                <a:tc>
+                  <a:txBody>
+                    <a:bodyPr/>
+                    <a:lstStyle/>
+                    <a:p>
+                      <a:pPr algn="l" fontAlgn="b"/>
+                      <a:endParaRPr lang="en-US" sz="1000" b="0" i="0" u="none" strike="noStrike">
+                        <a:solidFill>
+                          <a:srgbClr val="000000"/>
+                        </a:solidFill>
+                        <a:effectLst/>
+                        <a:latin typeface="Calibri" panose="020F0502020204030204" pitchFamily="34" charset="0"/>
+                      </a:endParaRPr>
+                    </a:p>
+                  </a:txBody>
+                  <a:tcPr marL="8890" marR="8890" marT="8890" marB="0" anchor="b"/>
+                </a:tc>
+                <a:tc>
+                  <a:txBody>
+                    <a:bodyPr/>
+                    <a:lstStyle/>
+                    <a:p>
+                      <a:pPr algn="l" fontAlgn="b"/>
+                      <a:endParaRPr lang="en-US" sz="1000" b="0" i="0" u="none" strike="noStrike">
+                        <a:solidFill>
+                          <a:srgbClr val="000000"/>
+                        </a:solidFill>
+                        <a:effectLst/>
+                        <a:latin typeface="Calibri" panose="020F0502020204030204" pitchFamily="34" charset="0"/>
+                      </a:endParaRPr>
+                    </a:p>
+                  </a:txBody>
+                  <a:tcPr marL="8890" marR="8890" marT="8890" marB="0" anchor="b"/>
+                </a:tc>
+                <a:tc>
+                  <a:txBody>
+                    <a:bodyPr/>
+                    <a:lstStyle/>
+                    <a:p>
+                      <a:pPr algn="l" fontAlgn="b"/>
+                      <a:endParaRPr lang="en-US" sz="1000" b="0" i="0" u="none" strike="noStrike">
+                        <a:solidFill>
+                          <a:srgbClr val="000000"/>
+                        </a:solidFill>
+                        <a:effectLst/>
+                        <a:latin typeface="Calibri" panose="020F0502020204030204" pitchFamily="34" charset="0"/>
+                      </a:endParaRPr>
+                    </a:p>
+                  </a:txBody>
+                  <a:tcPr marL="8890" marR="8890" marT="8890" marB="0" anchor="b"/>
+                </a:tc>
+                <a:extLst>
+                  <a:ext uri="{0D108BD9-81ED-4DB2-BD59-A6C34878D82A}">
+                    <a16:rowId xmlns:a16="http://schemas.microsoft.com/office/drawing/2014/main" val="3070039316"/>
+                  </a:ext>
+                </a:extLst>
+              </a:tr>
+              <a:tr h="177797">
+                <a:tc>
+                  <a:txBody>
+                    <a:bodyPr/>
+                    <a:lstStyle/>
+                    <a:p>
+                      <a:pPr algn="l" fontAlgn="b"/>
+                      <a:r>
+                        <a:rPr lang="en-US" sz="1000" u="none" strike="noStrike">
+                          <a:effectLst/>
+                        </a:rPr>
+                        <a:t>Residual</a:t>
+                      </a:r>
+                      <a:endParaRPr lang="en-US" sz="1000" b="0" i="0" u="none" strike="noStrike">
+                        <a:solidFill>
+                          <a:srgbClr val="000000"/>
+                        </a:solidFill>
+                        <a:effectLst/>
+                        <a:latin typeface="Calibri" panose="020F0502020204030204" pitchFamily="34" charset="0"/>
+                      </a:endParaRPr>
+                    </a:p>
+                  </a:txBody>
+                  <a:tcPr marL="8890" marR="8890" marT="8890" marB="0" anchor="b"/>
+                </a:tc>
+                <a:tc>
+                  <a:txBody>
+                    <a:bodyPr/>
+                    <a:lstStyle/>
+                    <a:p>
+                      <a:pPr algn="r" fontAlgn="b"/>
+                      <a:r>
+                        <a:rPr lang="en-US" sz="1000" u="none" strike="noStrike">
+                          <a:effectLst/>
+                        </a:rPr>
+                        <a:t>498</a:t>
+                      </a:r>
+                      <a:endParaRPr lang="en-US" sz="1000" b="0" i="0" u="none" strike="noStrike">
+                        <a:solidFill>
+                          <a:srgbClr val="000000"/>
+                        </a:solidFill>
+                        <a:effectLst/>
+                        <a:latin typeface="Calibri" panose="020F0502020204030204" pitchFamily="34" charset="0"/>
+                      </a:endParaRPr>
+                    </a:p>
+                  </a:txBody>
+                  <a:tcPr marL="8890" marR="8890" marT="8890" marB="0" anchor="b"/>
+                </a:tc>
+                <a:tc>
+                  <a:txBody>
+                    <a:bodyPr/>
+                    <a:lstStyle/>
+                    <a:p>
+                      <a:pPr algn="r" fontAlgn="b"/>
+                      <a:r>
+                        <a:rPr lang="en-US" sz="1000" u="none" strike="noStrike">
+                          <a:effectLst/>
+                        </a:rPr>
+                        <a:t>1406804</a:t>
+                      </a:r>
+                      <a:endParaRPr lang="en-US" sz="1000" b="0" i="0" u="none" strike="noStrike">
+                        <a:solidFill>
+                          <a:srgbClr val="000000"/>
+                        </a:solidFill>
+                        <a:effectLst/>
+                        <a:latin typeface="Calibri" panose="020F0502020204030204" pitchFamily="34" charset="0"/>
+                      </a:endParaRPr>
+                    </a:p>
+                  </a:txBody>
+                  <a:tcPr marL="8890" marR="8890" marT="8890" marB="0" anchor="b"/>
+                </a:tc>
+                <a:tc>
+                  <a:txBody>
+                    <a:bodyPr/>
+                    <a:lstStyle/>
+                    <a:p>
+                      <a:pPr algn="r" fontAlgn="b"/>
+                      <a:r>
+                        <a:rPr lang="en-US" sz="1000" u="none" strike="noStrike">
+                          <a:effectLst/>
+                        </a:rPr>
+                        <a:t>2824.908</a:t>
+                      </a:r>
+                      <a:endParaRPr lang="en-US" sz="1000" b="0" i="0" u="none" strike="noStrike">
+                        <a:solidFill>
+                          <a:srgbClr val="000000"/>
+                        </a:solidFill>
+                        <a:effectLst/>
+                        <a:latin typeface="Calibri" panose="020F0502020204030204" pitchFamily="34" charset="0"/>
+                      </a:endParaRPr>
+                    </a:p>
+                  </a:txBody>
+                  <a:tcPr marL="8890" marR="8890" marT="8890" marB="0" anchor="b"/>
+                </a:tc>
+                <a:tc>
+                  <a:txBody>
+                    <a:bodyPr/>
+                    <a:lstStyle/>
+                    <a:p>
+                      <a:pPr algn="l" fontAlgn="b"/>
+                      <a:endParaRPr lang="en-US" sz="1000" b="0" i="0" u="none" strike="noStrike">
+                        <a:solidFill>
+                          <a:srgbClr val="000000"/>
+                        </a:solidFill>
+                        <a:effectLst/>
+                        <a:latin typeface="Calibri" panose="020F0502020204030204" pitchFamily="34" charset="0"/>
+                      </a:endParaRPr>
+                    </a:p>
+                  </a:txBody>
+                  <a:tcPr marL="8890" marR="8890" marT="8890" marB="0" anchor="b"/>
+                </a:tc>
+                <a:tc>
+                  <a:txBody>
+                    <a:bodyPr/>
+                    <a:lstStyle/>
+                    <a:p>
+                      <a:pPr algn="l" fontAlgn="b"/>
+                      <a:endParaRPr lang="en-US" sz="1000" b="0" i="0" u="none" strike="noStrike">
+                        <a:solidFill>
+                          <a:srgbClr val="000000"/>
+                        </a:solidFill>
+                        <a:effectLst/>
+                        <a:latin typeface="Calibri" panose="020F0502020204030204" pitchFamily="34" charset="0"/>
+                      </a:endParaRPr>
+                    </a:p>
+                  </a:txBody>
+                  <a:tcPr marL="8890" marR="8890" marT="8890" marB="0" anchor="b"/>
+                </a:tc>
+                <a:tc>
+                  <a:txBody>
+                    <a:bodyPr/>
+                    <a:lstStyle/>
+                    <a:p>
+                      <a:pPr algn="l" fontAlgn="b"/>
+                      <a:endParaRPr lang="en-US" sz="1000" b="0" i="0" u="none" strike="noStrike">
+                        <a:solidFill>
+                          <a:srgbClr val="000000"/>
+                        </a:solidFill>
+                        <a:effectLst/>
+                        <a:latin typeface="Calibri" panose="020F0502020204030204" pitchFamily="34" charset="0"/>
+                      </a:endParaRPr>
+                    </a:p>
+                  </a:txBody>
+                  <a:tcPr marL="8890" marR="8890" marT="8890" marB="0" anchor="b"/>
+                </a:tc>
+                <a:tc>
+                  <a:txBody>
+                    <a:bodyPr/>
+                    <a:lstStyle/>
+                    <a:p>
+                      <a:pPr algn="l" fontAlgn="b"/>
+                      <a:endParaRPr lang="en-US" sz="1000" b="0" i="0" u="none" strike="noStrike">
+                        <a:solidFill>
+                          <a:srgbClr val="000000"/>
+                        </a:solidFill>
+                        <a:effectLst/>
+                        <a:latin typeface="Calibri" panose="020F0502020204030204" pitchFamily="34" charset="0"/>
+                      </a:endParaRPr>
+                    </a:p>
+                  </a:txBody>
+                  <a:tcPr marL="8890" marR="8890" marT="8890" marB="0" anchor="b"/>
+                </a:tc>
+                <a:tc>
+                  <a:txBody>
+                    <a:bodyPr/>
+                    <a:lstStyle/>
+                    <a:p>
+                      <a:pPr algn="l" fontAlgn="b"/>
+                      <a:endParaRPr lang="en-US" sz="1000" b="0" i="0" u="none" strike="noStrike">
+                        <a:solidFill>
+                          <a:srgbClr val="000000"/>
+                        </a:solidFill>
+                        <a:effectLst/>
+                        <a:latin typeface="Calibri" panose="020F0502020204030204" pitchFamily="34" charset="0"/>
+                      </a:endParaRPr>
+                    </a:p>
+                  </a:txBody>
+                  <a:tcPr marL="8890" marR="8890" marT="8890" marB="0" anchor="b"/>
+                </a:tc>
+                <a:extLst>
+                  <a:ext uri="{0D108BD9-81ED-4DB2-BD59-A6C34878D82A}">
+                    <a16:rowId xmlns:a16="http://schemas.microsoft.com/office/drawing/2014/main" val="3706486595"/>
+                  </a:ext>
+                </a:extLst>
+              </a:tr>
+              <a:tr h="186687">
+                <a:tc>
+                  <a:txBody>
+                    <a:bodyPr/>
+                    <a:lstStyle/>
+                    <a:p>
+                      <a:pPr algn="l" fontAlgn="b"/>
+                      <a:r>
+                        <a:rPr lang="en-US" sz="1000" u="none" strike="noStrike">
+                          <a:effectLst/>
+                        </a:rPr>
+                        <a:t>Total</a:t>
+                      </a:r>
+                      <a:endParaRPr lang="en-US" sz="1000" b="0" i="0" u="none" strike="noStrike">
+                        <a:solidFill>
+                          <a:srgbClr val="000000"/>
+                        </a:solidFill>
+                        <a:effectLst/>
+                        <a:latin typeface="Calibri" panose="020F0502020204030204" pitchFamily="34" charset="0"/>
+                      </a:endParaRPr>
+                    </a:p>
+                  </a:txBody>
+                  <a:tcPr marL="8890" marR="8890" marT="8890" marB="0" anchor="b"/>
+                </a:tc>
+                <a:tc>
+                  <a:txBody>
+                    <a:bodyPr/>
+                    <a:lstStyle/>
+                    <a:p>
+                      <a:pPr algn="r" fontAlgn="b"/>
+                      <a:r>
+                        <a:rPr lang="en-US" sz="1000" u="none" strike="noStrike">
+                          <a:effectLst/>
+                        </a:rPr>
+                        <a:t>499</a:t>
+                      </a:r>
+                      <a:endParaRPr lang="en-US" sz="1000" b="0" i="0" u="none" strike="noStrike">
+                        <a:solidFill>
+                          <a:srgbClr val="000000"/>
+                        </a:solidFill>
+                        <a:effectLst/>
+                        <a:latin typeface="Calibri" panose="020F0502020204030204" pitchFamily="34" charset="0"/>
+                      </a:endParaRPr>
+                    </a:p>
+                  </a:txBody>
+                  <a:tcPr marL="8890" marR="8890" marT="8890" marB="0" anchor="b"/>
+                </a:tc>
+                <a:tc>
+                  <a:txBody>
+                    <a:bodyPr/>
+                    <a:lstStyle/>
+                    <a:p>
+                      <a:pPr algn="r" fontAlgn="b"/>
+                      <a:r>
+                        <a:rPr lang="en-US" sz="1000" u="none" strike="noStrike">
+                          <a:effectLst/>
+                        </a:rPr>
+                        <a:t>10431307</a:t>
+                      </a:r>
+                      <a:endParaRPr lang="en-US" sz="1000" b="0" i="0" u="none" strike="noStrike">
+                        <a:solidFill>
+                          <a:srgbClr val="000000"/>
+                        </a:solidFill>
+                        <a:effectLst/>
+                        <a:latin typeface="Calibri" panose="020F0502020204030204" pitchFamily="34" charset="0"/>
+                      </a:endParaRPr>
+                    </a:p>
+                  </a:txBody>
+                  <a:tcPr marL="8890" marR="8890" marT="8890" marB="0" anchor="b"/>
+                </a:tc>
+                <a:tc>
+                  <a:txBody>
+                    <a:bodyPr/>
+                    <a:lstStyle/>
+                    <a:p>
+                      <a:pPr algn="l" fontAlgn="b"/>
+                      <a:r>
+                        <a:rPr lang="en-US" sz="1000" u="none" strike="noStrike">
+                          <a:effectLst/>
+                        </a:rPr>
+                        <a:t> </a:t>
+                      </a:r>
+                      <a:endParaRPr lang="en-US" sz="1000" b="0" i="0" u="none" strike="noStrike">
+                        <a:solidFill>
+                          <a:srgbClr val="000000"/>
+                        </a:solidFill>
+                        <a:effectLst/>
+                        <a:latin typeface="Calibri" panose="020F0502020204030204" pitchFamily="34" charset="0"/>
+                      </a:endParaRPr>
+                    </a:p>
+                  </a:txBody>
+                  <a:tcPr marL="8890" marR="8890" marT="8890" marB="0" anchor="b"/>
+                </a:tc>
+                <a:tc>
+                  <a:txBody>
+                    <a:bodyPr/>
+                    <a:lstStyle/>
+                    <a:p>
+                      <a:pPr algn="l" fontAlgn="b"/>
+                      <a:r>
+                        <a:rPr lang="en-US" sz="1000" u="none" strike="noStrike">
+                          <a:effectLst/>
+                        </a:rPr>
+                        <a:t> </a:t>
+                      </a:r>
+                      <a:endParaRPr lang="en-US" sz="1000" b="0" i="0" u="none" strike="noStrike">
+                        <a:solidFill>
+                          <a:srgbClr val="000000"/>
+                        </a:solidFill>
+                        <a:effectLst/>
+                        <a:latin typeface="Calibri" panose="020F0502020204030204" pitchFamily="34" charset="0"/>
+                      </a:endParaRPr>
+                    </a:p>
+                  </a:txBody>
+                  <a:tcPr marL="8890" marR="8890" marT="8890" marB="0" anchor="b"/>
+                </a:tc>
+                <a:tc>
+                  <a:txBody>
+                    <a:bodyPr/>
+                    <a:lstStyle/>
+                    <a:p>
+                      <a:pPr algn="l" fontAlgn="b"/>
+                      <a:r>
+                        <a:rPr lang="en-US" sz="1000" u="none" strike="noStrike">
+                          <a:effectLst/>
+                        </a:rPr>
+                        <a:t> </a:t>
+                      </a:r>
+                      <a:endParaRPr lang="en-US" sz="1000" b="0" i="0" u="none" strike="noStrike">
+                        <a:solidFill>
+                          <a:srgbClr val="000000"/>
+                        </a:solidFill>
+                        <a:effectLst/>
+                        <a:latin typeface="Calibri" panose="020F0502020204030204" pitchFamily="34" charset="0"/>
+                      </a:endParaRPr>
+                    </a:p>
+                  </a:txBody>
+                  <a:tcPr marL="8890" marR="8890" marT="8890" marB="0" anchor="b"/>
+                </a:tc>
+                <a:tc>
+                  <a:txBody>
+                    <a:bodyPr/>
+                    <a:lstStyle/>
+                    <a:p>
+                      <a:pPr algn="l" fontAlgn="b"/>
+                      <a:endParaRPr lang="en-US" sz="1000" b="0" i="0" u="none" strike="noStrike">
+                        <a:solidFill>
+                          <a:srgbClr val="000000"/>
+                        </a:solidFill>
+                        <a:effectLst/>
+                        <a:latin typeface="Calibri" panose="020F0502020204030204" pitchFamily="34" charset="0"/>
+                      </a:endParaRPr>
+                    </a:p>
+                  </a:txBody>
+                  <a:tcPr marL="8890" marR="8890" marT="8890" marB="0" anchor="b"/>
+                </a:tc>
+                <a:tc>
+                  <a:txBody>
+                    <a:bodyPr/>
+                    <a:lstStyle/>
+                    <a:p>
+                      <a:pPr algn="l" fontAlgn="b"/>
+                      <a:endParaRPr lang="en-US" sz="1000" b="0" i="0" u="none" strike="noStrike">
+                        <a:solidFill>
+                          <a:srgbClr val="000000"/>
+                        </a:solidFill>
+                        <a:effectLst/>
+                        <a:latin typeface="Calibri" panose="020F0502020204030204" pitchFamily="34" charset="0"/>
+                      </a:endParaRPr>
+                    </a:p>
+                  </a:txBody>
+                  <a:tcPr marL="8890" marR="8890" marT="8890" marB="0" anchor="b"/>
+                </a:tc>
+                <a:tc>
+                  <a:txBody>
+                    <a:bodyPr/>
+                    <a:lstStyle/>
+                    <a:p>
+                      <a:pPr algn="l" fontAlgn="b"/>
+                      <a:endParaRPr lang="en-US" sz="1000" b="0" i="0" u="none" strike="noStrike">
+                        <a:solidFill>
+                          <a:srgbClr val="000000"/>
+                        </a:solidFill>
+                        <a:effectLst/>
+                        <a:latin typeface="Calibri" panose="020F0502020204030204" pitchFamily="34" charset="0"/>
+                      </a:endParaRPr>
+                    </a:p>
+                  </a:txBody>
+                  <a:tcPr marL="8890" marR="8890" marT="8890" marB="0" anchor="b"/>
+                </a:tc>
+                <a:extLst>
+                  <a:ext uri="{0D108BD9-81ED-4DB2-BD59-A6C34878D82A}">
+                    <a16:rowId xmlns:a16="http://schemas.microsoft.com/office/drawing/2014/main" val="3188491872"/>
+                  </a:ext>
+                </a:extLst>
+              </a:tr>
+              <a:tr h="186687">
+                <a:tc>
+                  <a:txBody>
+                    <a:bodyPr/>
+                    <a:lstStyle/>
+                    <a:p>
+                      <a:pPr algn="l" fontAlgn="b"/>
+                      <a:endParaRPr lang="en-US" sz="1000" b="0" i="0" u="none" strike="noStrike">
+                        <a:solidFill>
+                          <a:srgbClr val="000000"/>
+                        </a:solidFill>
+                        <a:effectLst/>
+                        <a:latin typeface="Calibri" panose="020F0502020204030204" pitchFamily="34" charset="0"/>
+                      </a:endParaRPr>
+                    </a:p>
+                  </a:txBody>
+                  <a:tcPr marL="8890" marR="8890" marT="8890" marB="0" anchor="b"/>
+                </a:tc>
+                <a:tc>
+                  <a:txBody>
+                    <a:bodyPr/>
+                    <a:lstStyle/>
+                    <a:p>
+                      <a:pPr algn="l" fontAlgn="b"/>
+                      <a:endParaRPr lang="en-US" sz="1000" b="0" i="0" u="none" strike="noStrike">
+                        <a:solidFill>
+                          <a:srgbClr val="000000"/>
+                        </a:solidFill>
+                        <a:effectLst/>
+                        <a:latin typeface="Calibri" panose="020F0502020204030204" pitchFamily="34" charset="0"/>
+                      </a:endParaRPr>
+                    </a:p>
+                  </a:txBody>
+                  <a:tcPr marL="8890" marR="8890" marT="8890" marB="0" anchor="b"/>
+                </a:tc>
+                <a:tc>
+                  <a:txBody>
+                    <a:bodyPr/>
+                    <a:lstStyle/>
+                    <a:p>
+                      <a:pPr algn="l" fontAlgn="b"/>
+                      <a:endParaRPr lang="en-US" sz="1000" b="0" i="0" u="none" strike="noStrike">
+                        <a:solidFill>
+                          <a:srgbClr val="000000"/>
+                        </a:solidFill>
+                        <a:effectLst/>
+                        <a:latin typeface="Calibri" panose="020F0502020204030204" pitchFamily="34" charset="0"/>
+                      </a:endParaRPr>
+                    </a:p>
+                  </a:txBody>
+                  <a:tcPr marL="8890" marR="8890" marT="8890" marB="0" anchor="b"/>
+                </a:tc>
+                <a:tc>
+                  <a:txBody>
+                    <a:bodyPr/>
+                    <a:lstStyle/>
+                    <a:p>
+                      <a:pPr algn="l" fontAlgn="b"/>
+                      <a:endParaRPr lang="en-US" sz="1000" b="0" i="0" u="none" strike="noStrike">
+                        <a:solidFill>
+                          <a:srgbClr val="000000"/>
+                        </a:solidFill>
+                        <a:effectLst/>
+                        <a:latin typeface="Calibri" panose="020F0502020204030204" pitchFamily="34" charset="0"/>
+                      </a:endParaRPr>
+                    </a:p>
+                  </a:txBody>
+                  <a:tcPr marL="8890" marR="8890" marT="8890" marB="0" anchor="b"/>
+                </a:tc>
+                <a:tc>
+                  <a:txBody>
+                    <a:bodyPr/>
+                    <a:lstStyle/>
+                    <a:p>
+                      <a:pPr algn="l" fontAlgn="b"/>
+                      <a:endParaRPr lang="en-US" sz="1000" b="0" i="0" u="none" strike="noStrike">
+                        <a:solidFill>
+                          <a:srgbClr val="000000"/>
+                        </a:solidFill>
+                        <a:effectLst/>
+                        <a:latin typeface="Calibri" panose="020F0502020204030204" pitchFamily="34" charset="0"/>
+                      </a:endParaRPr>
+                    </a:p>
+                  </a:txBody>
+                  <a:tcPr marL="8890" marR="8890" marT="8890" marB="0" anchor="b"/>
+                </a:tc>
+                <a:tc>
+                  <a:txBody>
+                    <a:bodyPr/>
+                    <a:lstStyle/>
+                    <a:p>
+                      <a:pPr algn="l" fontAlgn="b"/>
+                      <a:endParaRPr lang="en-US" sz="1000" b="0" i="0" u="none" strike="noStrike">
+                        <a:solidFill>
+                          <a:srgbClr val="000000"/>
+                        </a:solidFill>
+                        <a:effectLst/>
+                        <a:latin typeface="Calibri" panose="020F0502020204030204" pitchFamily="34" charset="0"/>
+                      </a:endParaRPr>
+                    </a:p>
+                  </a:txBody>
+                  <a:tcPr marL="8890" marR="8890" marT="8890" marB="0" anchor="b"/>
+                </a:tc>
+                <a:tc>
+                  <a:txBody>
+                    <a:bodyPr/>
+                    <a:lstStyle/>
+                    <a:p>
+                      <a:pPr algn="l" fontAlgn="b"/>
+                      <a:endParaRPr lang="en-US" sz="1000" b="0" i="0" u="none" strike="noStrike">
+                        <a:solidFill>
+                          <a:srgbClr val="000000"/>
+                        </a:solidFill>
+                        <a:effectLst/>
+                        <a:latin typeface="Calibri" panose="020F0502020204030204" pitchFamily="34" charset="0"/>
+                      </a:endParaRPr>
+                    </a:p>
+                  </a:txBody>
+                  <a:tcPr marL="8890" marR="8890" marT="8890" marB="0" anchor="b"/>
+                </a:tc>
+                <a:tc>
+                  <a:txBody>
+                    <a:bodyPr/>
+                    <a:lstStyle/>
+                    <a:p>
+                      <a:pPr algn="l" fontAlgn="b"/>
+                      <a:endParaRPr lang="en-US" sz="1000" b="0" i="0" u="none" strike="noStrike">
+                        <a:solidFill>
+                          <a:srgbClr val="000000"/>
+                        </a:solidFill>
+                        <a:effectLst/>
+                        <a:latin typeface="Calibri" panose="020F0502020204030204" pitchFamily="34" charset="0"/>
+                      </a:endParaRPr>
+                    </a:p>
+                  </a:txBody>
+                  <a:tcPr marL="8890" marR="8890" marT="8890" marB="0" anchor="b"/>
+                </a:tc>
+                <a:tc>
+                  <a:txBody>
+                    <a:bodyPr/>
+                    <a:lstStyle/>
+                    <a:p>
+                      <a:pPr algn="l" fontAlgn="b"/>
+                      <a:endParaRPr lang="en-US" sz="1000" b="0" i="0" u="none" strike="noStrike">
+                        <a:solidFill>
+                          <a:srgbClr val="000000"/>
+                        </a:solidFill>
+                        <a:effectLst/>
+                        <a:latin typeface="Calibri" panose="020F0502020204030204" pitchFamily="34" charset="0"/>
+                      </a:endParaRPr>
+                    </a:p>
+                  </a:txBody>
+                  <a:tcPr marL="8890" marR="8890" marT="8890" marB="0" anchor="b"/>
+                </a:tc>
+                <a:extLst>
+                  <a:ext uri="{0D108BD9-81ED-4DB2-BD59-A6C34878D82A}">
+                    <a16:rowId xmlns:a16="http://schemas.microsoft.com/office/drawing/2014/main" val="4104313115"/>
+                  </a:ext>
+                </a:extLst>
+              </a:tr>
+              <a:tr h="321812">
+                <a:tc>
+                  <a:txBody>
+                    <a:bodyPr/>
+                    <a:lstStyle/>
+                    <a:p>
+                      <a:pPr algn="ctr" fontAlgn="b"/>
+                      <a:r>
+                        <a:rPr lang="en-US" sz="1000" u="none" strike="noStrike">
+                          <a:effectLst/>
+                        </a:rPr>
+                        <a:t> </a:t>
+                      </a:r>
+                      <a:endParaRPr lang="en-US" sz="1000" b="0" i="1" u="none" strike="noStrike">
+                        <a:solidFill>
+                          <a:srgbClr val="000000"/>
+                        </a:solidFill>
+                        <a:effectLst/>
+                        <a:latin typeface="Calibri" panose="020F0502020204030204" pitchFamily="34" charset="0"/>
+                      </a:endParaRPr>
+                    </a:p>
+                  </a:txBody>
+                  <a:tcPr marL="8890" marR="8890" marT="8890" marB="0" anchor="b"/>
+                </a:tc>
+                <a:tc>
+                  <a:txBody>
+                    <a:bodyPr/>
+                    <a:lstStyle/>
+                    <a:p>
+                      <a:pPr algn="ctr" fontAlgn="b"/>
+                      <a:r>
+                        <a:rPr lang="en-US" sz="1000" u="none" strike="noStrike">
+                          <a:effectLst/>
+                        </a:rPr>
+                        <a:t>Coefficients</a:t>
+                      </a:r>
+                      <a:endParaRPr lang="en-US" sz="1000" b="0" i="1" u="none" strike="noStrike">
+                        <a:solidFill>
+                          <a:srgbClr val="000000"/>
+                        </a:solidFill>
+                        <a:effectLst/>
+                        <a:latin typeface="Calibri" panose="020F0502020204030204" pitchFamily="34" charset="0"/>
+                      </a:endParaRPr>
+                    </a:p>
+                  </a:txBody>
+                  <a:tcPr marL="8890" marR="8890" marT="8890" marB="0" anchor="b"/>
+                </a:tc>
+                <a:tc>
+                  <a:txBody>
+                    <a:bodyPr/>
+                    <a:lstStyle/>
+                    <a:p>
+                      <a:pPr algn="ctr" fontAlgn="b"/>
+                      <a:r>
+                        <a:rPr lang="en-US" sz="1000" u="none" strike="noStrike">
+                          <a:effectLst/>
+                        </a:rPr>
+                        <a:t>Standard Error</a:t>
+                      </a:r>
+                      <a:endParaRPr lang="en-US" sz="1000" b="0" i="1" u="none" strike="noStrike">
+                        <a:solidFill>
+                          <a:srgbClr val="000000"/>
+                        </a:solidFill>
+                        <a:effectLst/>
+                        <a:latin typeface="Calibri" panose="020F0502020204030204" pitchFamily="34" charset="0"/>
+                      </a:endParaRPr>
+                    </a:p>
+                  </a:txBody>
+                  <a:tcPr marL="8890" marR="8890" marT="8890" marB="0" anchor="b"/>
+                </a:tc>
+                <a:tc>
+                  <a:txBody>
+                    <a:bodyPr/>
+                    <a:lstStyle/>
+                    <a:p>
+                      <a:pPr algn="ctr" fontAlgn="b"/>
+                      <a:r>
+                        <a:rPr lang="en-US" sz="1000" u="none" strike="noStrike">
+                          <a:effectLst/>
+                        </a:rPr>
+                        <a:t>t Stat</a:t>
+                      </a:r>
+                      <a:endParaRPr lang="en-US" sz="1000" b="0" i="1" u="none" strike="noStrike">
+                        <a:solidFill>
+                          <a:srgbClr val="000000"/>
+                        </a:solidFill>
+                        <a:effectLst/>
+                        <a:latin typeface="Calibri" panose="020F0502020204030204" pitchFamily="34" charset="0"/>
+                      </a:endParaRPr>
+                    </a:p>
+                  </a:txBody>
+                  <a:tcPr marL="8890" marR="8890" marT="8890" marB="0" anchor="b"/>
+                </a:tc>
+                <a:tc>
+                  <a:txBody>
+                    <a:bodyPr/>
+                    <a:lstStyle/>
+                    <a:p>
+                      <a:pPr algn="ctr" fontAlgn="b"/>
+                      <a:r>
+                        <a:rPr lang="en-US" sz="1000" u="none" strike="noStrike">
+                          <a:effectLst/>
+                        </a:rPr>
+                        <a:t>P-value</a:t>
+                      </a:r>
+                      <a:endParaRPr lang="en-US" sz="1000" b="0" i="1" u="none" strike="noStrike">
+                        <a:solidFill>
+                          <a:srgbClr val="000000"/>
+                        </a:solidFill>
+                        <a:effectLst/>
+                        <a:latin typeface="Calibri" panose="020F0502020204030204" pitchFamily="34" charset="0"/>
+                      </a:endParaRPr>
+                    </a:p>
+                  </a:txBody>
+                  <a:tcPr marL="8890" marR="8890" marT="8890" marB="0" anchor="b"/>
+                </a:tc>
+                <a:tc>
+                  <a:txBody>
+                    <a:bodyPr/>
+                    <a:lstStyle/>
+                    <a:p>
+                      <a:pPr algn="ctr" fontAlgn="b"/>
+                      <a:r>
+                        <a:rPr lang="en-US" sz="1000" u="none" strike="noStrike">
+                          <a:effectLst/>
+                        </a:rPr>
+                        <a:t>Lower 95%</a:t>
+                      </a:r>
+                      <a:endParaRPr lang="en-US" sz="1000" b="0" i="1" u="none" strike="noStrike">
+                        <a:solidFill>
+                          <a:srgbClr val="000000"/>
+                        </a:solidFill>
+                        <a:effectLst/>
+                        <a:latin typeface="Calibri" panose="020F0502020204030204" pitchFamily="34" charset="0"/>
+                      </a:endParaRPr>
+                    </a:p>
+                  </a:txBody>
+                  <a:tcPr marL="8890" marR="8890" marT="8890" marB="0" anchor="b"/>
+                </a:tc>
+                <a:tc>
+                  <a:txBody>
+                    <a:bodyPr/>
+                    <a:lstStyle/>
+                    <a:p>
+                      <a:pPr algn="ctr" fontAlgn="b"/>
+                      <a:r>
+                        <a:rPr lang="en-US" sz="1000" u="none" strike="noStrike">
+                          <a:effectLst/>
+                        </a:rPr>
+                        <a:t>Upper 95%</a:t>
+                      </a:r>
+                      <a:endParaRPr lang="en-US" sz="1000" b="0" i="1" u="none" strike="noStrike">
+                        <a:solidFill>
+                          <a:srgbClr val="000000"/>
+                        </a:solidFill>
+                        <a:effectLst/>
+                        <a:latin typeface="Calibri" panose="020F0502020204030204" pitchFamily="34" charset="0"/>
+                      </a:endParaRPr>
+                    </a:p>
+                  </a:txBody>
+                  <a:tcPr marL="8890" marR="8890" marT="8890" marB="0" anchor="b"/>
+                </a:tc>
+                <a:tc>
+                  <a:txBody>
+                    <a:bodyPr/>
+                    <a:lstStyle/>
+                    <a:p>
+                      <a:pPr algn="ctr" fontAlgn="b"/>
+                      <a:r>
+                        <a:rPr lang="en-US" sz="1000" u="none" strike="noStrike">
+                          <a:effectLst/>
+                        </a:rPr>
+                        <a:t>Lower 99.0%</a:t>
+                      </a:r>
+                      <a:endParaRPr lang="en-US" sz="1000" b="0" i="1" u="none" strike="noStrike">
+                        <a:solidFill>
+                          <a:srgbClr val="000000"/>
+                        </a:solidFill>
+                        <a:effectLst/>
+                        <a:latin typeface="Calibri" panose="020F0502020204030204" pitchFamily="34" charset="0"/>
+                      </a:endParaRPr>
+                    </a:p>
+                  </a:txBody>
+                  <a:tcPr marL="8890" marR="8890" marT="8890" marB="0" anchor="b"/>
+                </a:tc>
+                <a:tc>
+                  <a:txBody>
+                    <a:bodyPr/>
+                    <a:lstStyle/>
+                    <a:p>
+                      <a:pPr algn="ctr" fontAlgn="b"/>
+                      <a:r>
+                        <a:rPr lang="en-US" sz="1000" u="none" strike="noStrike">
+                          <a:effectLst/>
+                        </a:rPr>
+                        <a:t>Upper 99.0%</a:t>
+                      </a:r>
+                      <a:endParaRPr lang="en-US" sz="1000" b="0" i="1" u="none" strike="noStrike">
+                        <a:solidFill>
+                          <a:srgbClr val="000000"/>
+                        </a:solidFill>
+                        <a:effectLst/>
+                        <a:latin typeface="Calibri" panose="020F0502020204030204" pitchFamily="34" charset="0"/>
+                      </a:endParaRPr>
+                    </a:p>
+                  </a:txBody>
+                  <a:tcPr marL="8890" marR="8890" marT="8890" marB="0" anchor="b"/>
+                </a:tc>
+                <a:extLst>
+                  <a:ext uri="{0D108BD9-81ED-4DB2-BD59-A6C34878D82A}">
+                    <a16:rowId xmlns:a16="http://schemas.microsoft.com/office/drawing/2014/main" val="1495408363"/>
+                  </a:ext>
+                </a:extLst>
+              </a:tr>
+              <a:tr h="177797">
+                <a:tc>
+                  <a:txBody>
+                    <a:bodyPr/>
+                    <a:lstStyle/>
+                    <a:p>
+                      <a:pPr algn="l" fontAlgn="b"/>
+                      <a:r>
+                        <a:rPr lang="en-US" sz="1000" u="none" strike="noStrike">
+                          <a:effectLst/>
+                        </a:rPr>
+                        <a:t>Intercept</a:t>
+                      </a:r>
+                      <a:endParaRPr lang="en-US" sz="1000" b="0" i="0" u="none" strike="noStrike">
+                        <a:solidFill>
+                          <a:srgbClr val="000000"/>
+                        </a:solidFill>
+                        <a:effectLst/>
+                        <a:latin typeface="Calibri" panose="020F0502020204030204" pitchFamily="34" charset="0"/>
+                      </a:endParaRPr>
+                    </a:p>
+                  </a:txBody>
+                  <a:tcPr marL="8890" marR="8890" marT="8890" marB="0" anchor="b"/>
+                </a:tc>
+                <a:tc>
+                  <a:txBody>
+                    <a:bodyPr/>
+                    <a:lstStyle/>
+                    <a:p>
+                      <a:pPr algn="r" fontAlgn="b"/>
+                      <a:r>
+                        <a:rPr lang="en-US" sz="1000" u="none" strike="noStrike">
+                          <a:effectLst/>
+                        </a:rPr>
+                        <a:t>-6.7114</a:t>
+                      </a:r>
+                      <a:endParaRPr lang="en-US" sz="1000" b="0" i="0" u="none" strike="noStrike">
+                        <a:solidFill>
+                          <a:srgbClr val="000000"/>
+                        </a:solidFill>
+                        <a:effectLst/>
+                        <a:latin typeface="Calibri" panose="020F0502020204030204" pitchFamily="34" charset="0"/>
+                      </a:endParaRPr>
+                    </a:p>
+                  </a:txBody>
+                  <a:tcPr marL="8890" marR="8890" marT="8890" marB="0" anchor="b"/>
+                </a:tc>
+                <a:tc>
+                  <a:txBody>
+                    <a:bodyPr/>
+                    <a:lstStyle/>
+                    <a:p>
+                      <a:pPr algn="r" fontAlgn="b"/>
+                      <a:r>
+                        <a:rPr lang="en-US" sz="1000" u="none" strike="noStrike">
+                          <a:effectLst/>
+                        </a:rPr>
+                        <a:t>2.461892</a:t>
+                      </a:r>
+                      <a:endParaRPr lang="en-US" sz="1000" b="0" i="0" u="none" strike="noStrike">
+                        <a:solidFill>
+                          <a:srgbClr val="000000"/>
+                        </a:solidFill>
+                        <a:effectLst/>
+                        <a:latin typeface="Calibri" panose="020F0502020204030204" pitchFamily="34" charset="0"/>
+                      </a:endParaRPr>
+                    </a:p>
+                  </a:txBody>
+                  <a:tcPr marL="8890" marR="8890" marT="8890" marB="0" anchor="b"/>
+                </a:tc>
+                <a:tc>
+                  <a:txBody>
+                    <a:bodyPr/>
+                    <a:lstStyle/>
+                    <a:p>
+                      <a:pPr algn="r" fontAlgn="b"/>
+                      <a:r>
+                        <a:rPr lang="en-US" sz="1000" u="none" strike="noStrike">
+                          <a:effectLst/>
+                        </a:rPr>
+                        <a:t>-2.72612</a:t>
+                      </a:r>
+                      <a:endParaRPr lang="en-US" sz="1000" b="0" i="0" u="none" strike="noStrike">
+                        <a:solidFill>
+                          <a:srgbClr val="000000"/>
+                        </a:solidFill>
+                        <a:effectLst/>
+                        <a:latin typeface="Calibri" panose="020F0502020204030204" pitchFamily="34" charset="0"/>
+                      </a:endParaRPr>
+                    </a:p>
+                  </a:txBody>
+                  <a:tcPr marL="8890" marR="8890" marT="8890" marB="0" anchor="b"/>
+                </a:tc>
+                <a:tc>
+                  <a:txBody>
+                    <a:bodyPr/>
+                    <a:lstStyle/>
+                    <a:p>
+                      <a:pPr algn="r" fontAlgn="b"/>
+                      <a:r>
+                        <a:rPr lang="en-US" sz="1000" u="none" strike="noStrike">
+                          <a:effectLst/>
+                        </a:rPr>
+                        <a:t>0.006634</a:t>
+                      </a:r>
+                      <a:endParaRPr lang="en-US" sz="1000" b="0" i="0" u="none" strike="noStrike">
+                        <a:solidFill>
+                          <a:srgbClr val="000000"/>
+                        </a:solidFill>
+                        <a:effectLst/>
+                        <a:latin typeface="Calibri" panose="020F0502020204030204" pitchFamily="34" charset="0"/>
+                      </a:endParaRPr>
+                    </a:p>
+                  </a:txBody>
+                  <a:tcPr marL="8890" marR="8890" marT="8890" marB="0" anchor="b"/>
+                </a:tc>
+                <a:tc>
+                  <a:txBody>
+                    <a:bodyPr/>
+                    <a:lstStyle/>
+                    <a:p>
+                      <a:pPr algn="r" fontAlgn="b"/>
+                      <a:r>
+                        <a:rPr lang="en-US" sz="1000" u="none" strike="noStrike">
+                          <a:effectLst/>
+                        </a:rPr>
+                        <a:t>-11.5484</a:t>
+                      </a:r>
+                      <a:endParaRPr lang="en-US" sz="1000" b="0" i="0" u="none" strike="noStrike">
+                        <a:solidFill>
+                          <a:srgbClr val="000000"/>
+                        </a:solidFill>
+                        <a:effectLst/>
+                        <a:latin typeface="Calibri" panose="020F0502020204030204" pitchFamily="34" charset="0"/>
+                      </a:endParaRPr>
+                    </a:p>
+                  </a:txBody>
+                  <a:tcPr marL="8890" marR="8890" marT="8890" marB="0" anchor="b"/>
+                </a:tc>
+                <a:tc>
+                  <a:txBody>
+                    <a:bodyPr/>
+                    <a:lstStyle/>
+                    <a:p>
+                      <a:pPr algn="r" fontAlgn="b"/>
+                      <a:r>
+                        <a:rPr lang="en-US" sz="1000" u="none" strike="noStrike">
+                          <a:effectLst/>
+                        </a:rPr>
+                        <a:t>-1.87443</a:t>
+                      </a:r>
+                      <a:endParaRPr lang="en-US" sz="1000" b="0" i="0" u="none" strike="noStrike">
+                        <a:solidFill>
+                          <a:srgbClr val="000000"/>
+                        </a:solidFill>
+                        <a:effectLst/>
+                        <a:latin typeface="Calibri" panose="020F0502020204030204" pitchFamily="34" charset="0"/>
+                      </a:endParaRPr>
+                    </a:p>
+                  </a:txBody>
+                  <a:tcPr marL="8890" marR="8890" marT="8890" marB="0" anchor="b"/>
+                </a:tc>
+                <a:tc>
+                  <a:txBody>
+                    <a:bodyPr/>
+                    <a:lstStyle/>
+                    <a:p>
+                      <a:pPr algn="r" fontAlgn="b"/>
+                      <a:r>
+                        <a:rPr lang="en-US" sz="1000" u="none" strike="noStrike">
+                          <a:effectLst/>
+                        </a:rPr>
+                        <a:t>-13.0772</a:t>
+                      </a:r>
+                      <a:endParaRPr lang="en-US" sz="1000" b="0" i="0" u="none" strike="noStrike">
+                        <a:solidFill>
+                          <a:srgbClr val="000000"/>
+                        </a:solidFill>
+                        <a:effectLst/>
+                        <a:latin typeface="Calibri" panose="020F0502020204030204" pitchFamily="34" charset="0"/>
+                      </a:endParaRPr>
+                    </a:p>
+                  </a:txBody>
+                  <a:tcPr marL="8890" marR="8890" marT="8890" marB="0" anchor="b"/>
+                </a:tc>
+                <a:tc>
+                  <a:txBody>
+                    <a:bodyPr/>
+                    <a:lstStyle/>
+                    <a:p>
+                      <a:pPr algn="r" fontAlgn="b"/>
+                      <a:r>
+                        <a:rPr lang="en-US" sz="1000" u="none" strike="noStrike">
+                          <a:effectLst/>
+                        </a:rPr>
+                        <a:t>-0.3456</a:t>
+                      </a:r>
+                      <a:endParaRPr lang="en-US" sz="1000" b="0" i="0" u="none" strike="noStrike">
+                        <a:solidFill>
+                          <a:srgbClr val="000000"/>
+                        </a:solidFill>
+                        <a:effectLst/>
+                        <a:latin typeface="Calibri" panose="020F0502020204030204" pitchFamily="34" charset="0"/>
+                      </a:endParaRPr>
+                    </a:p>
+                  </a:txBody>
+                  <a:tcPr marL="8890" marR="8890" marT="8890" marB="0" anchor="b"/>
+                </a:tc>
+                <a:extLst>
+                  <a:ext uri="{0D108BD9-81ED-4DB2-BD59-A6C34878D82A}">
+                    <a16:rowId xmlns:a16="http://schemas.microsoft.com/office/drawing/2014/main" val="2732195198"/>
+                  </a:ext>
+                </a:extLst>
+              </a:tr>
+              <a:tr h="186687">
+                <a:tc>
+                  <a:txBody>
+                    <a:bodyPr/>
+                    <a:lstStyle/>
+                    <a:p>
+                      <a:pPr algn="l" fontAlgn="b"/>
+                      <a:r>
+                        <a:rPr lang="en-US" sz="1000" u="none" strike="noStrike">
+                          <a:effectLst/>
+                        </a:rPr>
+                        <a:t>favorite_count</a:t>
+                      </a:r>
+                      <a:endParaRPr lang="en-US" sz="1000" b="0" i="0" u="none" strike="noStrike">
+                        <a:solidFill>
+                          <a:srgbClr val="000000"/>
+                        </a:solidFill>
+                        <a:effectLst/>
+                        <a:latin typeface="Calibri" panose="020F0502020204030204" pitchFamily="34" charset="0"/>
+                      </a:endParaRPr>
+                    </a:p>
+                  </a:txBody>
+                  <a:tcPr marL="8890" marR="8890" marT="8890" marB="0" anchor="b"/>
+                </a:tc>
+                <a:tc>
+                  <a:txBody>
+                    <a:bodyPr/>
+                    <a:lstStyle/>
+                    <a:p>
+                      <a:pPr algn="r" fontAlgn="b"/>
+                      <a:r>
+                        <a:rPr lang="en-US" sz="1000" u="none" strike="noStrike">
+                          <a:effectLst/>
+                        </a:rPr>
+                        <a:t>4.179862</a:t>
+                      </a:r>
+                      <a:endParaRPr lang="en-US" sz="1000" b="0" i="0" u="none" strike="noStrike">
+                        <a:solidFill>
+                          <a:srgbClr val="000000"/>
+                        </a:solidFill>
+                        <a:effectLst/>
+                        <a:latin typeface="Calibri" panose="020F0502020204030204" pitchFamily="34" charset="0"/>
+                      </a:endParaRPr>
+                    </a:p>
+                  </a:txBody>
+                  <a:tcPr marL="8890" marR="8890" marT="8890" marB="0" anchor="b"/>
+                </a:tc>
+                <a:tc>
+                  <a:txBody>
+                    <a:bodyPr/>
+                    <a:lstStyle/>
+                    <a:p>
+                      <a:pPr algn="r" fontAlgn="b"/>
+                      <a:r>
+                        <a:rPr lang="en-US" sz="1000" u="none" strike="noStrike">
+                          <a:effectLst/>
+                        </a:rPr>
+                        <a:t>0.073952</a:t>
+                      </a:r>
+                      <a:endParaRPr lang="en-US" sz="1000" b="0" i="0" u="none" strike="noStrike">
+                        <a:solidFill>
+                          <a:srgbClr val="000000"/>
+                        </a:solidFill>
+                        <a:effectLst/>
+                        <a:latin typeface="Calibri" panose="020F0502020204030204" pitchFamily="34" charset="0"/>
+                      </a:endParaRPr>
+                    </a:p>
+                  </a:txBody>
+                  <a:tcPr marL="8890" marR="8890" marT="8890" marB="0" anchor="b"/>
+                </a:tc>
+                <a:tc>
+                  <a:txBody>
+                    <a:bodyPr/>
+                    <a:lstStyle/>
+                    <a:p>
+                      <a:pPr algn="r" fontAlgn="b"/>
+                      <a:r>
+                        <a:rPr lang="en-US" sz="1000" u="none" strike="noStrike">
+                          <a:effectLst/>
+                        </a:rPr>
+                        <a:t>56.52095</a:t>
+                      </a:r>
+                      <a:endParaRPr lang="en-US" sz="1000" b="0" i="0" u="none" strike="noStrike">
+                        <a:solidFill>
+                          <a:srgbClr val="000000"/>
+                        </a:solidFill>
+                        <a:effectLst/>
+                        <a:latin typeface="Calibri" panose="020F0502020204030204" pitchFamily="34" charset="0"/>
+                      </a:endParaRPr>
+                    </a:p>
+                  </a:txBody>
+                  <a:tcPr marL="8890" marR="8890" marT="8890" marB="0" anchor="b"/>
+                </a:tc>
+                <a:tc>
+                  <a:txBody>
+                    <a:bodyPr/>
+                    <a:lstStyle/>
+                    <a:p>
+                      <a:pPr algn="r" fontAlgn="b"/>
+                      <a:r>
+                        <a:rPr lang="en-US" sz="1000" u="none" strike="noStrike">
+                          <a:effectLst/>
+                        </a:rPr>
+                        <a:t>8.5E-219</a:t>
+                      </a:r>
+                      <a:endParaRPr lang="en-US" sz="1000" b="0" i="0" u="none" strike="noStrike">
+                        <a:solidFill>
+                          <a:srgbClr val="000000"/>
+                        </a:solidFill>
+                        <a:effectLst/>
+                        <a:latin typeface="Calibri" panose="020F0502020204030204" pitchFamily="34" charset="0"/>
+                      </a:endParaRPr>
+                    </a:p>
+                  </a:txBody>
+                  <a:tcPr marL="8890" marR="8890" marT="8890" marB="0" anchor="b"/>
+                </a:tc>
+                <a:tc>
+                  <a:txBody>
+                    <a:bodyPr/>
+                    <a:lstStyle/>
+                    <a:p>
+                      <a:pPr algn="r" fontAlgn="b"/>
+                      <a:r>
+                        <a:rPr lang="en-US" sz="1000" u="none" strike="noStrike">
+                          <a:effectLst/>
+                        </a:rPr>
+                        <a:t>4.034565</a:t>
+                      </a:r>
+                      <a:endParaRPr lang="en-US" sz="1000" b="0" i="0" u="none" strike="noStrike">
+                        <a:solidFill>
+                          <a:srgbClr val="000000"/>
+                        </a:solidFill>
+                        <a:effectLst/>
+                        <a:latin typeface="Calibri" panose="020F0502020204030204" pitchFamily="34" charset="0"/>
+                      </a:endParaRPr>
+                    </a:p>
+                  </a:txBody>
+                  <a:tcPr marL="8890" marR="8890" marT="8890" marB="0" anchor="b"/>
+                </a:tc>
+                <a:tc>
+                  <a:txBody>
+                    <a:bodyPr/>
+                    <a:lstStyle/>
+                    <a:p>
+                      <a:pPr algn="r" fontAlgn="b"/>
+                      <a:r>
+                        <a:rPr lang="en-US" sz="1000" u="none" strike="noStrike">
+                          <a:effectLst/>
+                        </a:rPr>
+                        <a:t>4.325159</a:t>
+                      </a:r>
+                      <a:endParaRPr lang="en-US" sz="1000" b="0" i="0" u="none" strike="noStrike">
+                        <a:solidFill>
+                          <a:srgbClr val="000000"/>
+                        </a:solidFill>
+                        <a:effectLst/>
+                        <a:latin typeface="Calibri" panose="020F0502020204030204" pitchFamily="34" charset="0"/>
+                      </a:endParaRPr>
+                    </a:p>
+                  </a:txBody>
+                  <a:tcPr marL="8890" marR="8890" marT="8890" marB="0" anchor="b"/>
+                </a:tc>
+                <a:tc>
+                  <a:txBody>
+                    <a:bodyPr/>
+                    <a:lstStyle/>
+                    <a:p>
+                      <a:pPr algn="r" fontAlgn="b"/>
+                      <a:r>
+                        <a:rPr lang="en-US" sz="1000" u="none" strike="noStrike">
+                          <a:effectLst/>
+                        </a:rPr>
+                        <a:t>3.98864</a:t>
+                      </a:r>
+                      <a:endParaRPr lang="en-US" sz="1000" b="0" i="0" u="none" strike="noStrike">
+                        <a:solidFill>
+                          <a:srgbClr val="000000"/>
+                        </a:solidFill>
+                        <a:effectLst/>
+                        <a:latin typeface="Calibri" panose="020F0502020204030204" pitchFamily="34" charset="0"/>
+                      </a:endParaRPr>
+                    </a:p>
+                  </a:txBody>
+                  <a:tcPr marL="8890" marR="8890" marT="8890" marB="0" anchor="b"/>
+                </a:tc>
+                <a:tc>
+                  <a:txBody>
+                    <a:bodyPr/>
+                    <a:lstStyle/>
+                    <a:p>
+                      <a:pPr algn="r" fontAlgn="b"/>
+                      <a:r>
+                        <a:rPr lang="en-US" sz="1000" u="none" strike="noStrike" dirty="0">
+                          <a:effectLst/>
+                        </a:rPr>
+                        <a:t>4.371084</a:t>
+                      </a:r>
+                      <a:endParaRPr lang="en-US" sz="1000" b="0" i="0" u="none" strike="noStrike" dirty="0">
+                        <a:solidFill>
+                          <a:srgbClr val="000000"/>
+                        </a:solidFill>
+                        <a:effectLst/>
+                        <a:latin typeface="Calibri" panose="020F0502020204030204" pitchFamily="34" charset="0"/>
+                      </a:endParaRPr>
+                    </a:p>
+                  </a:txBody>
+                  <a:tcPr marL="8890" marR="8890" marT="8890" marB="0" anchor="b"/>
+                </a:tc>
+                <a:extLst>
+                  <a:ext uri="{0D108BD9-81ED-4DB2-BD59-A6C34878D82A}">
+                    <a16:rowId xmlns:a16="http://schemas.microsoft.com/office/drawing/2014/main" val="1490982593"/>
+                  </a:ext>
+                </a:extLst>
+              </a:tr>
+            </a:tbl>
+          </a:graphicData>
+        </a:graphic>
+      </p:graphicFrame>
+    </p:spTree>
+    <p:extLst>
+      <p:ext uri="{BB962C8B-B14F-4D97-AF65-F5344CB8AC3E}">
+        <p14:creationId xmlns:p14="http://schemas.microsoft.com/office/powerpoint/2010/main" val="979866679"/>
+      </p:ext>
+    </p:extLst>
+  </p:cSld>
+  <p:clrMapOvr>
+    <a:masterClrMapping/>
+  </p:clrMapOvr>
+</p:sld>
+</file>
+
+<file path=ppt/slides/slide13.xml><?xml version="1.0" encoding="utf-8"?>
+<p:sld xmlns:a="http://schemas.openxmlformats.org/drawingml/2006/main" xmlns:r="http://schemas.openxmlformats.org/officeDocument/2006/relationships" xmlns:p="http://schemas.openxmlformats.org/presentationml/2006/main">
+  <p:cSld>
+    <p:spTree>
+      <p:nvGrpSpPr>
+        <p:cNvPr id="1" name=""/>
+        <p:cNvGrpSpPr/>
+        <p:nvPr/>
+      </p:nvGrpSpPr>
+      <p:grpSpPr>
+        <a:xfrm>
+          <a:off x="0" y="0"/>
+          <a:ext cx="0" cy="0"/>
+          <a:chOff x="0" y="0"/>
+          <a:chExt cx="0" cy="0"/>
+        </a:xfrm>
+      </p:grpSpPr>
+      <p:sp>
+        <p:nvSpPr>
+          <p:cNvPr id="9" name="TextBox 8">
+            <a:extLst>
+              <a:ext uri="{FF2B5EF4-FFF2-40B4-BE49-F238E27FC236}">
+                <a16:creationId xmlns:a16="http://schemas.microsoft.com/office/drawing/2014/main" id="{FAAC2C86-314D-C84A-A3BF-C8810037B47E}"/>
+              </a:ext>
+            </a:extLst>
+          </p:cNvPr>
+          <p:cNvSpPr txBox="1"/>
+          <p:nvPr/>
+        </p:nvSpPr>
+        <p:spPr>
+          <a:xfrm>
+            <a:off x="1173892" y="420130"/>
+            <a:ext cx="10157254" cy="769441"/>
+          </a:xfrm>
+          <a:prstGeom prst="rect">
+            <a:avLst/>
+          </a:prstGeom>
+          <a:noFill/>
+        </p:spPr>
+        <p:txBody>
+          <a:bodyPr wrap="square" rtlCol="0">
+            <a:spAutoFit/>
+          </a:bodyPr>
+          <a:lstStyle/>
+          <a:p>
+            <a:pPr fontAlgn="ctr"/>
+            <a:r>
+              <a:rPr lang="en-US" sz="4400" dirty="0"/>
+              <a:t>Multiple Linear Regression(IP#5)</a:t>
+            </a:r>
+          </a:p>
+        </p:txBody>
+      </p:sp>
+      <p:sp>
+        <p:nvSpPr>
+          <p:cNvPr id="6" name="TextBox 5">
+            <a:extLst>
+              <a:ext uri="{FF2B5EF4-FFF2-40B4-BE49-F238E27FC236}">
+                <a16:creationId xmlns:a16="http://schemas.microsoft.com/office/drawing/2014/main" id="{CE7BF1D4-5981-DE45-A564-E16ED6CC1451}"/>
+              </a:ext>
+            </a:extLst>
+          </p:cNvPr>
+          <p:cNvSpPr txBox="1"/>
+          <p:nvPr/>
+        </p:nvSpPr>
+        <p:spPr>
+          <a:xfrm>
+            <a:off x="1173892" y="1189571"/>
+            <a:ext cx="10095471" cy="2000548"/>
+          </a:xfrm>
+          <a:prstGeom prst="rect">
+            <a:avLst/>
+          </a:prstGeom>
+          <a:noFill/>
+        </p:spPr>
+        <p:txBody>
+          <a:bodyPr wrap="square" rtlCol="0">
+            <a:spAutoFit/>
+          </a:bodyPr>
+          <a:lstStyle/>
+          <a:p>
+            <a:pPr marL="342900" indent="-342900" defTabSz="914400" eaLnBrk="0" fontAlgn="base" hangingPunct="0">
+              <a:spcBef>
+                <a:spcPct val="0"/>
+              </a:spcBef>
+              <a:spcAft>
+                <a:spcPct val="0"/>
+              </a:spcAft>
+              <a:buFont typeface="Arial" panose="020B0604020202020204" pitchFamily="34" charset="0"/>
+              <a:buChar char="•"/>
+            </a:pPr>
+            <a:r>
+              <a:rPr lang="en-US" altLang="en-US" sz="2400" dirty="0"/>
+              <a:t>By using forward selection, rule out </a:t>
+            </a:r>
+            <a:r>
+              <a:rPr lang="en-US" altLang="en-US" sz="2400" dirty="0" err="1"/>
+              <a:t>comment_count</a:t>
+            </a:r>
+            <a:r>
+              <a:rPr lang="en-US" altLang="en-US" sz="2400" dirty="0"/>
+              <a:t> and view count</a:t>
+            </a:r>
+          </a:p>
+          <a:p>
+            <a:pPr marL="342900" indent="-342900" defTabSz="914400" eaLnBrk="0" fontAlgn="base" hangingPunct="0">
+              <a:spcBef>
+                <a:spcPct val="0"/>
+              </a:spcBef>
+              <a:spcAft>
+                <a:spcPct val="0"/>
+              </a:spcAft>
+              <a:buFont typeface="Arial" panose="020B0604020202020204" pitchFamily="34" charset="0"/>
+              <a:buChar char="•"/>
+            </a:pPr>
+            <a:r>
+              <a:rPr lang="en-US" altLang="en-US" sz="2400" dirty="0"/>
+              <a:t>As relevance analysis, most effective independent variable is favorite count</a:t>
+            </a:r>
+          </a:p>
+          <a:p>
+            <a:pPr marL="800100" lvl="1" indent="-342900" defTabSz="914400" eaLnBrk="0" fontAlgn="base" hangingPunct="0">
+              <a:spcBef>
+                <a:spcPct val="0"/>
+              </a:spcBef>
+              <a:spcAft>
+                <a:spcPct val="0"/>
+              </a:spcAft>
+              <a:buFont typeface="Arial" panose="020B0604020202020204" pitchFamily="34" charset="0"/>
+              <a:buChar char="•"/>
+            </a:pPr>
+            <a:r>
+              <a:rPr lang="en-US" altLang="en-US" sz="2000" dirty="0"/>
+              <a:t>R Square is 87.90%</a:t>
+            </a:r>
+          </a:p>
+          <a:p>
+            <a:pPr marL="800100" lvl="1" indent="-342900" defTabSz="914400" eaLnBrk="0" fontAlgn="base" hangingPunct="0">
+              <a:spcBef>
+                <a:spcPct val="0"/>
+              </a:spcBef>
+              <a:spcAft>
+                <a:spcPct val="0"/>
+              </a:spcAft>
+              <a:buFont typeface="Arial" panose="020B0604020202020204" pitchFamily="34" charset="0"/>
+              <a:buChar char="•"/>
+            </a:pPr>
+            <a:r>
+              <a:rPr lang="en-US" altLang="en-US" sz="2000" dirty="0"/>
+              <a:t>All P-values are smaller than 0.5</a:t>
+            </a:r>
+          </a:p>
+          <a:p>
+            <a:pPr lvl="0" defTabSz="914400" eaLnBrk="0" fontAlgn="base" hangingPunct="0">
+              <a:spcBef>
+                <a:spcPct val="0"/>
+              </a:spcBef>
+              <a:spcAft>
+                <a:spcPct val="0"/>
+              </a:spcAft>
+            </a:pPr>
+            <a:endParaRPr lang="en-US" altLang="en-US" sz="3600" dirty="0"/>
+          </a:p>
+        </p:txBody>
+      </p:sp>
+      <p:graphicFrame>
+        <p:nvGraphicFramePr>
+          <p:cNvPr id="4" name="Table 3">
+            <a:extLst>
+              <a:ext uri="{FF2B5EF4-FFF2-40B4-BE49-F238E27FC236}">
+                <a16:creationId xmlns:a16="http://schemas.microsoft.com/office/drawing/2014/main" id="{A750A599-F0DE-426C-89AC-6DDAD1AE6C9D}"/>
+              </a:ext>
+            </a:extLst>
+          </p:cNvPr>
+          <p:cNvGraphicFramePr>
+            <a:graphicFrameLocks noGrp="1"/>
+          </p:cNvGraphicFramePr>
+          <p:nvPr>
+            <p:extLst>
+              <p:ext uri="{D42A27DB-BD31-4B8C-83A1-F6EECF244321}">
+                <p14:modId xmlns:p14="http://schemas.microsoft.com/office/powerpoint/2010/main" val="607102858"/>
+              </p:ext>
+            </p:extLst>
+          </p:nvPr>
+        </p:nvGraphicFramePr>
+        <p:xfrm>
+          <a:off x="1173891" y="3193819"/>
+          <a:ext cx="9681215" cy="3541706"/>
+        </p:xfrm>
+        <a:graphic>
+          <a:graphicData uri="http://schemas.openxmlformats.org/drawingml/2006/table">
+            <a:tbl>
+              <a:tblPr>
+                <a:tableStyleId>{5C22544A-7EE6-4342-B048-85BDC9FD1C3A}</a:tableStyleId>
+              </a:tblPr>
+              <a:tblGrid>
+                <a:gridCol w="1846819">
+                  <a:extLst>
+                    <a:ext uri="{9D8B030D-6E8A-4147-A177-3AD203B41FA5}">
+                      <a16:colId xmlns:a16="http://schemas.microsoft.com/office/drawing/2014/main" val="2074396775"/>
+                    </a:ext>
+                  </a:extLst>
+                </a:gridCol>
+                <a:gridCol w="1302493">
+                  <a:extLst>
+                    <a:ext uri="{9D8B030D-6E8A-4147-A177-3AD203B41FA5}">
+                      <a16:colId xmlns:a16="http://schemas.microsoft.com/office/drawing/2014/main" val="3766095220"/>
+                    </a:ext>
+                  </a:extLst>
+                </a:gridCol>
+                <a:gridCol w="933129">
+                  <a:extLst>
+                    <a:ext uri="{9D8B030D-6E8A-4147-A177-3AD203B41FA5}">
+                      <a16:colId xmlns:a16="http://schemas.microsoft.com/office/drawing/2014/main" val="549854592"/>
+                    </a:ext>
+                  </a:extLst>
+                </a:gridCol>
+                <a:gridCol w="933129">
+                  <a:extLst>
+                    <a:ext uri="{9D8B030D-6E8A-4147-A177-3AD203B41FA5}">
+                      <a16:colId xmlns:a16="http://schemas.microsoft.com/office/drawing/2014/main" val="339920154"/>
+                    </a:ext>
+                  </a:extLst>
+                </a:gridCol>
+                <a:gridCol w="933129">
+                  <a:extLst>
+                    <a:ext uri="{9D8B030D-6E8A-4147-A177-3AD203B41FA5}">
+                      <a16:colId xmlns:a16="http://schemas.microsoft.com/office/drawing/2014/main" val="3054162276"/>
+                    </a:ext>
+                  </a:extLst>
+                </a:gridCol>
+                <a:gridCol w="933129">
+                  <a:extLst>
+                    <a:ext uri="{9D8B030D-6E8A-4147-A177-3AD203B41FA5}">
+                      <a16:colId xmlns:a16="http://schemas.microsoft.com/office/drawing/2014/main" val="1610377546"/>
+                    </a:ext>
+                  </a:extLst>
+                </a:gridCol>
+                <a:gridCol w="933129">
+                  <a:extLst>
+                    <a:ext uri="{9D8B030D-6E8A-4147-A177-3AD203B41FA5}">
+                      <a16:colId xmlns:a16="http://schemas.microsoft.com/office/drawing/2014/main" val="1348641140"/>
+                    </a:ext>
+                  </a:extLst>
+                </a:gridCol>
+                <a:gridCol w="933129">
+                  <a:extLst>
+                    <a:ext uri="{9D8B030D-6E8A-4147-A177-3AD203B41FA5}">
+                      <a16:colId xmlns:a16="http://schemas.microsoft.com/office/drawing/2014/main" val="558196076"/>
+                    </a:ext>
+                  </a:extLst>
+                </a:gridCol>
+                <a:gridCol w="933129">
+                  <a:extLst>
+                    <a:ext uri="{9D8B030D-6E8A-4147-A177-3AD203B41FA5}">
+                      <a16:colId xmlns:a16="http://schemas.microsoft.com/office/drawing/2014/main" val="819926193"/>
+                    </a:ext>
+                  </a:extLst>
+                </a:gridCol>
+              </a:tblGrid>
+              <a:tr h="161574">
+                <a:tc>
+                  <a:txBody>
+                    <a:bodyPr/>
+                    <a:lstStyle/>
+                    <a:p>
+                      <a:pPr algn="l" fontAlgn="b"/>
+                      <a:r>
+                        <a:rPr lang="en-US" sz="900" u="none" strike="noStrike">
+                          <a:effectLst/>
+                        </a:rPr>
+                        <a:t>SUMMARY OUTPUT</a:t>
+                      </a:r>
+                      <a:endParaRPr lang="en-US" sz="900" b="0" i="0" u="none" strike="noStrike">
+                        <a:solidFill>
+                          <a:srgbClr val="000000"/>
+                        </a:solidFill>
+                        <a:effectLst/>
+                        <a:latin typeface="Calibri" panose="020F0502020204030204" pitchFamily="34" charset="0"/>
+                      </a:endParaRPr>
+                    </a:p>
+                  </a:txBody>
+                  <a:tcPr marL="8079" marR="8079" marT="8079" marB="0" anchor="b"/>
+                </a:tc>
+                <a:tc>
+                  <a:txBody>
+                    <a:bodyPr/>
+                    <a:lstStyle/>
+                    <a:p>
+                      <a:pPr algn="l" fontAlgn="b"/>
+                      <a:endParaRPr lang="en-US" sz="900" b="0" i="0" u="none" strike="noStrike">
+                        <a:solidFill>
+                          <a:srgbClr val="000000"/>
+                        </a:solidFill>
+                        <a:effectLst/>
+                        <a:latin typeface="Calibri" panose="020F0502020204030204" pitchFamily="34" charset="0"/>
+                      </a:endParaRPr>
+                    </a:p>
+                  </a:txBody>
+                  <a:tcPr marL="8079" marR="8079" marT="8079" marB="0" anchor="b"/>
+                </a:tc>
+                <a:tc>
+                  <a:txBody>
+                    <a:bodyPr/>
+                    <a:lstStyle/>
+                    <a:p>
+                      <a:pPr algn="l" fontAlgn="b"/>
+                      <a:endParaRPr lang="en-US" sz="900" b="0" i="0" u="none" strike="noStrike">
+                        <a:solidFill>
+                          <a:srgbClr val="000000"/>
+                        </a:solidFill>
+                        <a:effectLst/>
+                        <a:latin typeface="Calibri" panose="020F0502020204030204" pitchFamily="34" charset="0"/>
+                      </a:endParaRPr>
+                    </a:p>
+                  </a:txBody>
+                  <a:tcPr marL="8079" marR="8079" marT="8079" marB="0" anchor="b"/>
+                </a:tc>
+                <a:tc>
+                  <a:txBody>
+                    <a:bodyPr/>
+                    <a:lstStyle/>
+                    <a:p>
+                      <a:pPr algn="l" fontAlgn="b"/>
+                      <a:endParaRPr lang="en-US" sz="900" b="0" i="0" u="none" strike="noStrike">
+                        <a:solidFill>
+                          <a:srgbClr val="000000"/>
+                        </a:solidFill>
+                        <a:effectLst/>
+                        <a:latin typeface="Calibri" panose="020F0502020204030204" pitchFamily="34" charset="0"/>
+                      </a:endParaRPr>
+                    </a:p>
+                  </a:txBody>
+                  <a:tcPr marL="8079" marR="8079" marT="8079" marB="0" anchor="b"/>
+                </a:tc>
+                <a:tc>
+                  <a:txBody>
+                    <a:bodyPr/>
+                    <a:lstStyle/>
+                    <a:p>
+                      <a:pPr algn="l" fontAlgn="b"/>
+                      <a:endParaRPr lang="en-US" sz="900" b="0" i="0" u="none" strike="noStrike">
+                        <a:solidFill>
+                          <a:srgbClr val="000000"/>
+                        </a:solidFill>
+                        <a:effectLst/>
+                        <a:latin typeface="Calibri" panose="020F0502020204030204" pitchFamily="34" charset="0"/>
+                      </a:endParaRPr>
+                    </a:p>
+                  </a:txBody>
+                  <a:tcPr marL="8079" marR="8079" marT="8079" marB="0" anchor="b"/>
+                </a:tc>
+                <a:tc>
+                  <a:txBody>
+                    <a:bodyPr/>
+                    <a:lstStyle/>
+                    <a:p>
+                      <a:pPr algn="l" fontAlgn="b"/>
+                      <a:endParaRPr lang="en-US" sz="900" b="0" i="0" u="none" strike="noStrike">
+                        <a:solidFill>
+                          <a:srgbClr val="000000"/>
+                        </a:solidFill>
+                        <a:effectLst/>
+                        <a:latin typeface="Calibri" panose="020F0502020204030204" pitchFamily="34" charset="0"/>
+                      </a:endParaRPr>
+                    </a:p>
+                  </a:txBody>
+                  <a:tcPr marL="8079" marR="8079" marT="8079" marB="0" anchor="b"/>
+                </a:tc>
+                <a:tc>
+                  <a:txBody>
+                    <a:bodyPr/>
+                    <a:lstStyle/>
+                    <a:p>
+                      <a:pPr algn="l" fontAlgn="b"/>
+                      <a:endParaRPr lang="en-US" sz="900" b="0" i="0" u="none" strike="noStrike">
+                        <a:solidFill>
+                          <a:srgbClr val="000000"/>
+                        </a:solidFill>
+                        <a:effectLst/>
+                        <a:latin typeface="Calibri" panose="020F0502020204030204" pitchFamily="34" charset="0"/>
+                      </a:endParaRPr>
+                    </a:p>
+                  </a:txBody>
+                  <a:tcPr marL="8079" marR="8079" marT="8079" marB="0" anchor="b"/>
+                </a:tc>
+                <a:tc>
+                  <a:txBody>
+                    <a:bodyPr/>
+                    <a:lstStyle/>
+                    <a:p>
+                      <a:pPr algn="l" fontAlgn="b"/>
+                      <a:endParaRPr lang="en-US" sz="900" b="0" i="0" u="none" strike="noStrike">
+                        <a:solidFill>
+                          <a:srgbClr val="000000"/>
+                        </a:solidFill>
+                        <a:effectLst/>
+                        <a:latin typeface="Calibri" panose="020F0502020204030204" pitchFamily="34" charset="0"/>
+                      </a:endParaRPr>
+                    </a:p>
+                  </a:txBody>
+                  <a:tcPr marL="8079" marR="8079" marT="8079" marB="0" anchor="b"/>
+                </a:tc>
+                <a:tc>
+                  <a:txBody>
+                    <a:bodyPr/>
+                    <a:lstStyle/>
+                    <a:p>
+                      <a:pPr algn="l" fontAlgn="b"/>
+                      <a:endParaRPr lang="en-US" sz="900" b="0" i="0" u="none" strike="noStrike">
+                        <a:solidFill>
+                          <a:srgbClr val="000000"/>
+                        </a:solidFill>
+                        <a:effectLst/>
+                        <a:latin typeface="Calibri" panose="020F0502020204030204" pitchFamily="34" charset="0"/>
+                      </a:endParaRPr>
+                    </a:p>
+                  </a:txBody>
+                  <a:tcPr marL="8079" marR="8079" marT="8079" marB="0" anchor="b"/>
+                </a:tc>
+                <a:extLst>
+                  <a:ext uri="{0D108BD9-81ED-4DB2-BD59-A6C34878D82A}">
+                    <a16:rowId xmlns:a16="http://schemas.microsoft.com/office/drawing/2014/main" val="3417564878"/>
+                  </a:ext>
+                </a:extLst>
+              </a:tr>
+              <a:tr h="169653">
+                <a:tc>
+                  <a:txBody>
+                    <a:bodyPr/>
+                    <a:lstStyle/>
+                    <a:p>
+                      <a:pPr algn="l" fontAlgn="b"/>
+                      <a:endParaRPr lang="en-US" sz="900" b="0" i="0" u="none" strike="noStrike">
+                        <a:solidFill>
+                          <a:srgbClr val="000000"/>
+                        </a:solidFill>
+                        <a:effectLst/>
+                        <a:latin typeface="Calibri" panose="020F0502020204030204" pitchFamily="34" charset="0"/>
+                      </a:endParaRPr>
+                    </a:p>
+                  </a:txBody>
+                  <a:tcPr marL="8079" marR="8079" marT="8079" marB="0" anchor="b"/>
+                </a:tc>
+                <a:tc>
+                  <a:txBody>
+                    <a:bodyPr/>
+                    <a:lstStyle/>
+                    <a:p>
+                      <a:pPr algn="l" fontAlgn="b"/>
+                      <a:endParaRPr lang="en-US" sz="900" b="0" i="0" u="none" strike="noStrike">
+                        <a:solidFill>
+                          <a:srgbClr val="000000"/>
+                        </a:solidFill>
+                        <a:effectLst/>
+                        <a:latin typeface="Calibri" panose="020F0502020204030204" pitchFamily="34" charset="0"/>
+                      </a:endParaRPr>
+                    </a:p>
+                  </a:txBody>
+                  <a:tcPr marL="8079" marR="8079" marT="8079" marB="0" anchor="b"/>
+                </a:tc>
+                <a:tc>
+                  <a:txBody>
+                    <a:bodyPr/>
+                    <a:lstStyle/>
+                    <a:p>
+                      <a:pPr algn="l" fontAlgn="b"/>
+                      <a:endParaRPr lang="en-US" sz="900" b="0" i="0" u="none" strike="noStrike">
+                        <a:solidFill>
+                          <a:srgbClr val="000000"/>
+                        </a:solidFill>
+                        <a:effectLst/>
+                        <a:latin typeface="Calibri" panose="020F0502020204030204" pitchFamily="34" charset="0"/>
+                      </a:endParaRPr>
+                    </a:p>
+                  </a:txBody>
+                  <a:tcPr marL="8079" marR="8079" marT="8079" marB="0" anchor="b"/>
+                </a:tc>
+                <a:tc>
+                  <a:txBody>
+                    <a:bodyPr/>
+                    <a:lstStyle/>
+                    <a:p>
+                      <a:pPr algn="l" fontAlgn="b"/>
+                      <a:endParaRPr lang="en-US" sz="900" b="0" i="0" u="none" strike="noStrike">
+                        <a:solidFill>
+                          <a:srgbClr val="000000"/>
+                        </a:solidFill>
+                        <a:effectLst/>
+                        <a:latin typeface="Calibri" panose="020F0502020204030204" pitchFamily="34" charset="0"/>
+                      </a:endParaRPr>
+                    </a:p>
+                  </a:txBody>
+                  <a:tcPr marL="8079" marR="8079" marT="8079" marB="0" anchor="b"/>
+                </a:tc>
+                <a:tc>
+                  <a:txBody>
+                    <a:bodyPr/>
+                    <a:lstStyle/>
+                    <a:p>
+                      <a:pPr algn="l" fontAlgn="b"/>
+                      <a:endParaRPr lang="en-US" sz="900" b="0" i="0" u="none" strike="noStrike">
+                        <a:solidFill>
+                          <a:srgbClr val="000000"/>
+                        </a:solidFill>
+                        <a:effectLst/>
+                        <a:latin typeface="Calibri" panose="020F0502020204030204" pitchFamily="34" charset="0"/>
+                      </a:endParaRPr>
+                    </a:p>
+                  </a:txBody>
+                  <a:tcPr marL="8079" marR="8079" marT="8079" marB="0" anchor="b"/>
+                </a:tc>
+                <a:tc>
+                  <a:txBody>
+                    <a:bodyPr/>
+                    <a:lstStyle/>
+                    <a:p>
+                      <a:pPr algn="l" fontAlgn="b"/>
+                      <a:endParaRPr lang="en-US" sz="900" b="0" i="0" u="none" strike="noStrike">
+                        <a:solidFill>
+                          <a:srgbClr val="000000"/>
+                        </a:solidFill>
+                        <a:effectLst/>
+                        <a:latin typeface="Calibri" panose="020F0502020204030204" pitchFamily="34" charset="0"/>
+                      </a:endParaRPr>
+                    </a:p>
+                  </a:txBody>
+                  <a:tcPr marL="8079" marR="8079" marT="8079" marB="0" anchor="b"/>
+                </a:tc>
+                <a:tc>
+                  <a:txBody>
+                    <a:bodyPr/>
+                    <a:lstStyle/>
+                    <a:p>
+                      <a:pPr algn="l" fontAlgn="b"/>
+                      <a:endParaRPr lang="en-US" sz="900" b="0" i="0" u="none" strike="noStrike">
+                        <a:solidFill>
+                          <a:srgbClr val="000000"/>
+                        </a:solidFill>
+                        <a:effectLst/>
+                        <a:latin typeface="Calibri" panose="020F0502020204030204" pitchFamily="34" charset="0"/>
+                      </a:endParaRPr>
+                    </a:p>
+                  </a:txBody>
+                  <a:tcPr marL="8079" marR="8079" marT="8079" marB="0" anchor="b"/>
+                </a:tc>
+                <a:tc>
+                  <a:txBody>
+                    <a:bodyPr/>
+                    <a:lstStyle/>
+                    <a:p>
+                      <a:pPr algn="l" fontAlgn="b"/>
+                      <a:endParaRPr lang="en-US" sz="900" b="0" i="0" u="none" strike="noStrike">
+                        <a:solidFill>
+                          <a:srgbClr val="000000"/>
+                        </a:solidFill>
+                        <a:effectLst/>
+                        <a:latin typeface="Calibri" panose="020F0502020204030204" pitchFamily="34" charset="0"/>
+                      </a:endParaRPr>
+                    </a:p>
+                  </a:txBody>
+                  <a:tcPr marL="8079" marR="8079" marT="8079" marB="0" anchor="b"/>
+                </a:tc>
+                <a:tc>
+                  <a:txBody>
+                    <a:bodyPr/>
+                    <a:lstStyle/>
+                    <a:p>
+                      <a:pPr algn="l" fontAlgn="b"/>
+                      <a:endParaRPr lang="en-US" sz="900" b="0" i="0" u="none" strike="noStrike">
+                        <a:solidFill>
+                          <a:srgbClr val="000000"/>
+                        </a:solidFill>
+                        <a:effectLst/>
+                        <a:latin typeface="Calibri" panose="020F0502020204030204" pitchFamily="34" charset="0"/>
+                      </a:endParaRPr>
+                    </a:p>
+                  </a:txBody>
+                  <a:tcPr marL="8079" marR="8079" marT="8079" marB="0" anchor="b"/>
+                </a:tc>
+                <a:extLst>
+                  <a:ext uri="{0D108BD9-81ED-4DB2-BD59-A6C34878D82A}">
+                    <a16:rowId xmlns:a16="http://schemas.microsoft.com/office/drawing/2014/main" val="2324889548"/>
+                  </a:ext>
+                </a:extLst>
+              </a:tr>
+              <a:tr h="161574">
+                <a:tc gridSpan="2">
+                  <a:txBody>
+                    <a:bodyPr/>
+                    <a:lstStyle/>
+                    <a:p>
+                      <a:pPr algn="ctr" fontAlgn="b"/>
+                      <a:r>
+                        <a:rPr lang="en-US" sz="900" u="none" strike="noStrike">
+                          <a:effectLst/>
+                        </a:rPr>
+                        <a:t>Regression Statistics</a:t>
+                      </a:r>
+                      <a:endParaRPr lang="en-US" sz="900" b="0" i="1" u="none" strike="noStrike">
+                        <a:solidFill>
+                          <a:srgbClr val="000000"/>
+                        </a:solidFill>
+                        <a:effectLst/>
+                        <a:latin typeface="Calibri" panose="020F0502020204030204" pitchFamily="34" charset="0"/>
+                      </a:endParaRPr>
+                    </a:p>
+                  </a:txBody>
+                  <a:tcPr marL="8079" marR="8079" marT="8079" marB="0" anchor="b"/>
+                </a:tc>
+                <a:tc hMerge="1">
+                  <a:txBody>
+                    <a:bodyPr/>
+                    <a:lstStyle/>
+                    <a:p>
+                      <a:endParaRPr lang="en-US"/>
+                    </a:p>
+                  </a:txBody>
+                  <a:tcPr/>
+                </a:tc>
+                <a:tc>
+                  <a:txBody>
+                    <a:bodyPr/>
+                    <a:lstStyle/>
+                    <a:p>
+                      <a:pPr algn="l" fontAlgn="b"/>
+                      <a:endParaRPr lang="en-US" sz="900" b="0" i="0" u="none" strike="noStrike">
+                        <a:solidFill>
+                          <a:srgbClr val="000000"/>
+                        </a:solidFill>
+                        <a:effectLst/>
+                        <a:latin typeface="Calibri" panose="020F0502020204030204" pitchFamily="34" charset="0"/>
+                      </a:endParaRPr>
+                    </a:p>
+                  </a:txBody>
+                  <a:tcPr marL="8079" marR="8079" marT="8079" marB="0" anchor="b"/>
+                </a:tc>
+                <a:tc>
+                  <a:txBody>
+                    <a:bodyPr/>
+                    <a:lstStyle/>
+                    <a:p>
+                      <a:pPr algn="l" fontAlgn="b"/>
+                      <a:endParaRPr lang="en-US" sz="900" b="0" i="0" u="none" strike="noStrike">
+                        <a:solidFill>
+                          <a:srgbClr val="000000"/>
+                        </a:solidFill>
+                        <a:effectLst/>
+                        <a:latin typeface="Calibri" panose="020F0502020204030204" pitchFamily="34" charset="0"/>
+                      </a:endParaRPr>
+                    </a:p>
+                  </a:txBody>
+                  <a:tcPr marL="8079" marR="8079" marT="8079" marB="0" anchor="b"/>
+                </a:tc>
+                <a:tc>
+                  <a:txBody>
+                    <a:bodyPr/>
+                    <a:lstStyle/>
+                    <a:p>
+                      <a:pPr algn="l" fontAlgn="b"/>
+                      <a:endParaRPr lang="en-US" sz="900" b="0" i="0" u="none" strike="noStrike">
+                        <a:solidFill>
+                          <a:srgbClr val="000000"/>
+                        </a:solidFill>
+                        <a:effectLst/>
+                        <a:latin typeface="Calibri" panose="020F0502020204030204" pitchFamily="34" charset="0"/>
+                      </a:endParaRPr>
+                    </a:p>
+                  </a:txBody>
+                  <a:tcPr marL="8079" marR="8079" marT="8079" marB="0" anchor="b"/>
+                </a:tc>
+                <a:tc>
+                  <a:txBody>
+                    <a:bodyPr/>
+                    <a:lstStyle/>
+                    <a:p>
+                      <a:pPr algn="l" fontAlgn="b"/>
+                      <a:endParaRPr lang="en-US" sz="900" b="0" i="0" u="none" strike="noStrike">
+                        <a:solidFill>
+                          <a:srgbClr val="000000"/>
+                        </a:solidFill>
+                        <a:effectLst/>
+                        <a:latin typeface="Calibri" panose="020F0502020204030204" pitchFamily="34" charset="0"/>
+                      </a:endParaRPr>
+                    </a:p>
+                  </a:txBody>
+                  <a:tcPr marL="8079" marR="8079" marT="8079" marB="0" anchor="b"/>
+                </a:tc>
+                <a:tc>
+                  <a:txBody>
+                    <a:bodyPr/>
+                    <a:lstStyle/>
+                    <a:p>
+                      <a:pPr algn="l" fontAlgn="b"/>
+                      <a:endParaRPr lang="en-US" sz="900" b="0" i="0" u="none" strike="noStrike">
+                        <a:solidFill>
+                          <a:srgbClr val="000000"/>
+                        </a:solidFill>
+                        <a:effectLst/>
+                        <a:latin typeface="Calibri" panose="020F0502020204030204" pitchFamily="34" charset="0"/>
+                      </a:endParaRPr>
+                    </a:p>
+                  </a:txBody>
+                  <a:tcPr marL="8079" marR="8079" marT="8079" marB="0" anchor="b"/>
+                </a:tc>
+                <a:tc>
+                  <a:txBody>
+                    <a:bodyPr/>
+                    <a:lstStyle/>
+                    <a:p>
+                      <a:pPr algn="l" fontAlgn="b"/>
+                      <a:endParaRPr lang="en-US" sz="900" b="0" i="0" u="none" strike="noStrike">
+                        <a:solidFill>
+                          <a:srgbClr val="000000"/>
+                        </a:solidFill>
+                        <a:effectLst/>
+                        <a:latin typeface="Calibri" panose="020F0502020204030204" pitchFamily="34" charset="0"/>
+                      </a:endParaRPr>
+                    </a:p>
+                  </a:txBody>
+                  <a:tcPr marL="8079" marR="8079" marT="8079" marB="0" anchor="b"/>
+                </a:tc>
+                <a:tc>
+                  <a:txBody>
+                    <a:bodyPr/>
+                    <a:lstStyle/>
+                    <a:p>
+                      <a:pPr algn="l" fontAlgn="b"/>
+                      <a:endParaRPr lang="en-US" sz="900" b="0" i="0" u="none" strike="noStrike">
+                        <a:solidFill>
+                          <a:srgbClr val="000000"/>
+                        </a:solidFill>
+                        <a:effectLst/>
+                        <a:latin typeface="Calibri" panose="020F0502020204030204" pitchFamily="34" charset="0"/>
+                      </a:endParaRPr>
+                    </a:p>
+                  </a:txBody>
+                  <a:tcPr marL="8079" marR="8079" marT="8079" marB="0" anchor="b"/>
+                </a:tc>
+                <a:extLst>
+                  <a:ext uri="{0D108BD9-81ED-4DB2-BD59-A6C34878D82A}">
+                    <a16:rowId xmlns:a16="http://schemas.microsoft.com/office/drawing/2014/main" val="1281189200"/>
+                  </a:ext>
+                </a:extLst>
+              </a:tr>
+              <a:tr h="161574">
+                <a:tc>
+                  <a:txBody>
+                    <a:bodyPr/>
+                    <a:lstStyle/>
+                    <a:p>
+                      <a:pPr algn="l" fontAlgn="b"/>
+                      <a:r>
+                        <a:rPr lang="en-US" sz="900" u="none" strike="noStrike">
+                          <a:effectLst/>
+                        </a:rPr>
+                        <a:t>Multiple R</a:t>
+                      </a:r>
+                      <a:endParaRPr lang="en-US" sz="900" b="0" i="0" u="none" strike="noStrike">
+                        <a:solidFill>
+                          <a:srgbClr val="000000"/>
+                        </a:solidFill>
+                        <a:effectLst/>
+                        <a:latin typeface="Calibri" panose="020F0502020204030204" pitchFamily="34" charset="0"/>
+                      </a:endParaRPr>
+                    </a:p>
+                  </a:txBody>
+                  <a:tcPr marL="8079" marR="8079" marT="8079" marB="0" anchor="b"/>
+                </a:tc>
+                <a:tc>
+                  <a:txBody>
+                    <a:bodyPr/>
+                    <a:lstStyle/>
+                    <a:p>
+                      <a:pPr algn="r" fontAlgn="b"/>
+                      <a:r>
+                        <a:rPr lang="en-US" sz="900" u="none" strike="noStrike">
+                          <a:effectLst/>
+                        </a:rPr>
+                        <a:t>0.937565364</a:t>
+                      </a:r>
+                      <a:endParaRPr lang="en-US" sz="900" b="0" i="0" u="none" strike="noStrike">
+                        <a:solidFill>
+                          <a:srgbClr val="000000"/>
+                        </a:solidFill>
+                        <a:effectLst/>
+                        <a:latin typeface="Calibri" panose="020F0502020204030204" pitchFamily="34" charset="0"/>
+                      </a:endParaRPr>
+                    </a:p>
+                  </a:txBody>
+                  <a:tcPr marL="8079" marR="8079" marT="8079" marB="0" anchor="b"/>
+                </a:tc>
+                <a:tc>
+                  <a:txBody>
+                    <a:bodyPr/>
+                    <a:lstStyle/>
+                    <a:p>
+                      <a:pPr algn="l" fontAlgn="b"/>
+                      <a:endParaRPr lang="en-US" sz="900" b="0" i="0" u="none" strike="noStrike">
+                        <a:solidFill>
+                          <a:srgbClr val="000000"/>
+                        </a:solidFill>
+                        <a:effectLst/>
+                        <a:latin typeface="Calibri" panose="020F0502020204030204" pitchFamily="34" charset="0"/>
+                      </a:endParaRPr>
+                    </a:p>
+                  </a:txBody>
+                  <a:tcPr marL="8079" marR="8079" marT="8079" marB="0" anchor="b"/>
+                </a:tc>
+                <a:tc>
+                  <a:txBody>
+                    <a:bodyPr/>
+                    <a:lstStyle/>
+                    <a:p>
+                      <a:pPr algn="l" fontAlgn="b"/>
+                      <a:endParaRPr lang="en-US" sz="900" b="0" i="0" u="none" strike="noStrike">
+                        <a:solidFill>
+                          <a:srgbClr val="000000"/>
+                        </a:solidFill>
+                        <a:effectLst/>
+                        <a:latin typeface="Calibri" panose="020F0502020204030204" pitchFamily="34" charset="0"/>
+                      </a:endParaRPr>
+                    </a:p>
+                  </a:txBody>
+                  <a:tcPr marL="8079" marR="8079" marT="8079" marB="0" anchor="b"/>
+                </a:tc>
+                <a:tc>
+                  <a:txBody>
+                    <a:bodyPr/>
+                    <a:lstStyle/>
+                    <a:p>
+                      <a:pPr algn="l" fontAlgn="b"/>
+                      <a:endParaRPr lang="en-US" sz="900" b="0" i="0" u="none" strike="noStrike">
+                        <a:solidFill>
+                          <a:srgbClr val="000000"/>
+                        </a:solidFill>
+                        <a:effectLst/>
+                        <a:latin typeface="Calibri" panose="020F0502020204030204" pitchFamily="34" charset="0"/>
+                      </a:endParaRPr>
+                    </a:p>
+                  </a:txBody>
+                  <a:tcPr marL="8079" marR="8079" marT="8079" marB="0" anchor="b"/>
+                </a:tc>
+                <a:tc>
+                  <a:txBody>
+                    <a:bodyPr/>
+                    <a:lstStyle/>
+                    <a:p>
+                      <a:pPr algn="l" fontAlgn="b"/>
+                      <a:endParaRPr lang="en-US" sz="900" b="0" i="0" u="none" strike="noStrike">
+                        <a:solidFill>
+                          <a:srgbClr val="000000"/>
+                        </a:solidFill>
+                        <a:effectLst/>
+                        <a:latin typeface="Calibri" panose="020F0502020204030204" pitchFamily="34" charset="0"/>
+                      </a:endParaRPr>
+                    </a:p>
+                  </a:txBody>
+                  <a:tcPr marL="8079" marR="8079" marT="8079" marB="0" anchor="b"/>
+                </a:tc>
+                <a:tc>
+                  <a:txBody>
+                    <a:bodyPr/>
+                    <a:lstStyle/>
+                    <a:p>
+                      <a:pPr algn="l" fontAlgn="b"/>
+                      <a:endParaRPr lang="en-US" sz="900" b="0" i="0" u="none" strike="noStrike">
+                        <a:solidFill>
+                          <a:srgbClr val="000000"/>
+                        </a:solidFill>
+                        <a:effectLst/>
+                        <a:latin typeface="Calibri" panose="020F0502020204030204" pitchFamily="34" charset="0"/>
+                      </a:endParaRPr>
+                    </a:p>
+                  </a:txBody>
+                  <a:tcPr marL="8079" marR="8079" marT="8079" marB="0" anchor="b"/>
+                </a:tc>
+                <a:tc>
+                  <a:txBody>
+                    <a:bodyPr/>
+                    <a:lstStyle/>
+                    <a:p>
+                      <a:pPr algn="l" fontAlgn="b"/>
+                      <a:endParaRPr lang="en-US" sz="900" b="0" i="0" u="none" strike="noStrike">
+                        <a:solidFill>
+                          <a:srgbClr val="000000"/>
+                        </a:solidFill>
+                        <a:effectLst/>
+                        <a:latin typeface="Calibri" panose="020F0502020204030204" pitchFamily="34" charset="0"/>
+                      </a:endParaRPr>
+                    </a:p>
+                  </a:txBody>
+                  <a:tcPr marL="8079" marR="8079" marT="8079" marB="0" anchor="b"/>
+                </a:tc>
+                <a:tc>
+                  <a:txBody>
+                    <a:bodyPr/>
+                    <a:lstStyle/>
+                    <a:p>
+                      <a:pPr algn="l" fontAlgn="b"/>
+                      <a:endParaRPr lang="en-US" sz="900" b="0" i="0" u="none" strike="noStrike">
+                        <a:solidFill>
+                          <a:srgbClr val="000000"/>
+                        </a:solidFill>
+                        <a:effectLst/>
+                        <a:latin typeface="Calibri" panose="020F0502020204030204" pitchFamily="34" charset="0"/>
+                      </a:endParaRPr>
+                    </a:p>
+                  </a:txBody>
+                  <a:tcPr marL="8079" marR="8079" marT="8079" marB="0" anchor="b"/>
+                </a:tc>
+                <a:extLst>
+                  <a:ext uri="{0D108BD9-81ED-4DB2-BD59-A6C34878D82A}">
+                    <a16:rowId xmlns:a16="http://schemas.microsoft.com/office/drawing/2014/main" val="342158581"/>
+                  </a:ext>
+                </a:extLst>
+              </a:tr>
+              <a:tr h="161574">
+                <a:tc>
+                  <a:txBody>
+                    <a:bodyPr/>
+                    <a:lstStyle/>
+                    <a:p>
+                      <a:pPr algn="l" fontAlgn="b"/>
+                      <a:r>
+                        <a:rPr lang="en-US" sz="900" u="none" strike="noStrike">
+                          <a:effectLst/>
+                        </a:rPr>
+                        <a:t>R Square</a:t>
+                      </a:r>
+                      <a:endParaRPr lang="en-US" sz="900" b="0" i="0" u="none" strike="noStrike">
+                        <a:solidFill>
+                          <a:srgbClr val="000000"/>
+                        </a:solidFill>
+                        <a:effectLst/>
+                        <a:latin typeface="Calibri" panose="020F0502020204030204" pitchFamily="34" charset="0"/>
+                      </a:endParaRPr>
+                    </a:p>
+                  </a:txBody>
+                  <a:tcPr marL="8079" marR="8079" marT="8079" marB="0" anchor="b"/>
+                </a:tc>
+                <a:tc>
+                  <a:txBody>
+                    <a:bodyPr/>
+                    <a:lstStyle/>
+                    <a:p>
+                      <a:pPr algn="r" fontAlgn="b"/>
+                      <a:r>
+                        <a:rPr lang="en-US" sz="900" u="none" strike="noStrike">
+                          <a:effectLst/>
+                        </a:rPr>
+                        <a:t>0.879028812</a:t>
+                      </a:r>
+                      <a:endParaRPr lang="en-US" sz="900" b="0" i="0" u="none" strike="noStrike">
+                        <a:solidFill>
+                          <a:srgbClr val="000000"/>
+                        </a:solidFill>
+                        <a:effectLst/>
+                        <a:latin typeface="Calibri" panose="020F0502020204030204" pitchFamily="34" charset="0"/>
+                      </a:endParaRPr>
+                    </a:p>
+                  </a:txBody>
+                  <a:tcPr marL="8079" marR="8079" marT="8079" marB="0" anchor="b"/>
+                </a:tc>
+                <a:tc>
+                  <a:txBody>
+                    <a:bodyPr/>
+                    <a:lstStyle/>
+                    <a:p>
+                      <a:pPr algn="l" fontAlgn="b"/>
+                      <a:endParaRPr lang="en-US" sz="900" b="0" i="0" u="none" strike="noStrike">
+                        <a:solidFill>
+                          <a:srgbClr val="000000"/>
+                        </a:solidFill>
+                        <a:effectLst/>
+                        <a:latin typeface="Calibri" panose="020F0502020204030204" pitchFamily="34" charset="0"/>
+                      </a:endParaRPr>
+                    </a:p>
+                  </a:txBody>
+                  <a:tcPr marL="8079" marR="8079" marT="8079" marB="0" anchor="b"/>
+                </a:tc>
+                <a:tc>
+                  <a:txBody>
+                    <a:bodyPr/>
+                    <a:lstStyle/>
+                    <a:p>
+                      <a:pPr algn="l" fontAlgn="b"/>
+                      <a:endParaRPr lang="en-US" sz="900" b="0" i="0" u="none" strike="noStrike">
+                        <a:solidFill>
+                          <a:srgbClr val="000000"/>
+                        </a:solidFill>
+                        <a:effectLst/>
+                        <a:latin typeface="Calibri" panose="020F0502020204030204" pitchFamily="34" charset="0"/>
+                      </a:endParaRPr>
+                    </a:p>
+                  </a:txBody>
+                  <a:tcPr marL="8079" marR="8079" marT="8079" marB="0" anchor="b"/>
+                </a:tc>
+                <a:tc>
+                  <a:txBody>
+                    <a:bodyPr/>
+                    <a:lstStyle/>
+                    <a:p>
+                      <a:pPr algn="l" fontAlgn="b"/>
+                      <a:endParaRPr lang="en-US" sz="900" b="0" i="0" u="none" strike="noStrike">
+                        <a:solidFill>
+                          <a:srgbClr val="000000"/>
+                        </a:solidFill>
+                        <a:effectLst/>
+                        <a:latin typeface="Calibri" panose="020F0502020204030204" pitchFamily="34" charset="0"/>
+                      </a:endParaRPr>
+                    </a:p>
+                  </a:txBody>
+                  <a:tcPr marL="8079" marR="8079" marT="8079" marB="0" anchor="b"/>
+                </a:tc>
+                <a:tc>
+                  <a:txBody>
+                    <a:bodyPr/>
+                    <a:lstStyle/>
+                    <a:p>
+                      <a:pPr algn="l" fontAlgn="b"/>
+                      <a:endParaRPr lang="en-US" sz="900" b="0" i="0" u="none" strike="noStrike">
+                        <a:solidFill>
+                          <a:srgbClr val="000000"/>
+                        </a:solidFill>
+                        <a:effectLst/>
+                        <a:latin typeface="Calibri" panose="020F0502020204030204" pitchFamily="34" charset="0"/>
+                      </a:endParaRPr>
+                    </a:p>
+                  </a:txBody>
+                  <a:tcPr marL="8079" marR="8079" marT="8079" marB="0" anchor="b"/>
+                </a:tc>
+                <a:tc>
+                  <a:txBody>
+                    <a:bodyPr/>
+                    <a:lstStyle/>
+                    <a:p>
+                      <a:pPr algn="l" fontAlgn="b"/>
+                      <a:endParaRPr lang="en-US" sz="900" b="0" i="0" u="none" strike="noStrike">
+                        <a:solidFill>
+                          <a:srgbClr val="000000"/>
+                        </a:solidFill>
+                        <a:effectLst/>
+                        <a:latin typeface="Calibri" panose="020F0502020204030204" pitchFamily="34" charset="0"/>
+                      </a:endParaRPr>
+                    </a:p>
+                  </a:txBody>
+                  <a:tcPr marL="8079" marR="8079" marT="8079" marB="0" anchor="b"/>
+                </a:tc>
+                <a:tc>
+                  <a:txBody>
+                    <a:bodyPr/>
+                    <a:lstStyle/>
+                    <a:p>
+                      <a:pPr algn="l" fontAlgn="b"/>
+                      <a:endParaRPr lang="en-US" sz="900" b="0" i="0" u="none" strike="noStrike">
+                        <a:solidFill>
+                          <a:srgbClr val="000000"/>
+                        </a:solidFill>
+                        <a:effectLst/>
+                        <a:latin typeface="Calibri" panose="020F0502020204030204" pitchFamily="34" charset="0"/>
+                      </a:endParaRPr>
+                    </a:p>
+                  </a:txBody>
+                  <a:tcPr marL="8079" marR="8079" marT="8079" marB="0" anchor="b"/>
+                </a:tc>
+                <a:tc>
+                  <a:txBody>
+                    <a:bodyPr/>
+                    <a:lstStyle/>
+                    <a:p>
+                      <a:pPr algn="l" fontAlgn="b"/>
+                      <a:endParaRPr lang="en-US" sz="900" b="0" i="0" u="none" strike="noStrike">
+                        <a:solidFill>
+                          <a:srgbClr val="000000"/>
+                        </a:solidFill>
+                        <a:effectLst/>
+                        <a:latin typeface="Calibri" panose="020F0502020204030204" pitchFamily="34" charset="0"/>
+                      </a:endParaRPr>
+                    </a:p>
+                  </a:txBody>
+                  <a:tcPr marL="8079" marR="8079" marT="8079" marB="0" anchor="b"/>
+                </a:tc>
+                <a:extLst>
+                  <a:ext uri="{0D108BD9-81ED-4DB2-BD59-A6C34878D82A}">
+                    <a16:rowId xmlns:a16="http://schemas.microsoft.com/office/drawing/2014/main" val="2191454742"/>
+                  </a:ext>
+                </a:extLst>
+              </a:tr>
+              <a:tr h="161574">
+                <a:tc>
+                  <a:txBody>
+                    <a:bodyPr/>
+                    <a:lstStyle/>
+                    <a:p>
+                      <a:pPr algn="l" fontAlgn="b"/>
+                      <a:r>
+                        <a:rPr lang="en-US" sz="900" u="none" strike="noStrike">
+                          <a:effectLst/>
+                        </a:rPr>
+                        <a:t>Adjusted R Square</a:t>
+                      </a:r>
+                      <a:endParaRPr lang="en-US" sz="900" b="0" i="0" u="none" strike="noStrike">
+                        <a:solidFill>
+                          <a:srgbClr val="000000"/>
+                        </a:solidFill>
+                        <a:effectLst/>
+                        <a:latin typeface="Calibri" panose="020F0502020204030204" pitchFamily="34" charset="0"/>
+                      </a:endParaRPr>
+                    </a:p>
+                  </a:txBody>
+                  <a:tcPr marL="8079" marR="8079" marT="8079" marB="0" anchor="b"/>
+                </a:tc>
+                <a:tc>
+                  <a:txBody>
+                    <a:bodyPr/>
+                    <a:lstStyle/>
+                    <a:p>
+                      <a:pPr algn="r" fontAlgn="b"/>
+                      <a:r>
+                        <a:rPr lang="en-US" sz="900" u="none" strike="noStrike">
+                          <a:effectLst/>
+                        </a:rPr>
+                        <a:t>0.878297132</a:t>
+                      </a:r>
+                      <a:endParaRPr lang="en-US" sz="900" b="0" i="0" u="none" strike="noStrike">
+                        <a:solidFill>
+                          <a:srgbClr val="000000"/>
+                        </a:solidFill>
+                        <a:effectLst/>
+                        <a:latin typeface="Calibri" panose="020F0502020204030204" pitchFamily="34" charset="0"/>
+                      </a:endParaRPr>
+                    </a:p>
+                  </a:txBody>
+                  <a:tcPr marL="8079" marR="8079" marT="8079" marB="0" anchor="b"/>
+                </a:tc>
+                <a:tc>
+                  <a:txBody>
+                    <a:bodyPr/>
+                    <a:lstStyle/>
+                    <a:p>
+                      <a:pPr algn="l" fontAlgn="b"/>
+                      <a:endParaRPr lang="en-US" sz="900" b="0" i="0" u="none" strike="noStrike">
+                        <a:solidFill>
+                          <a:srgbClr val="000000"/>
+                        </a:solidFill>
+                        <a:effectLst/>
+                        <a:latin typeface="Calibri" panose="020F0502020204030204" pitchFamily="34" charset="0"/>
+                      </a:endParaRPr>
+                    </a:p>
+                  </a:txBody>
+                  <a:tcPr marL="8079" marR="8079" marT="8079" marB="0" anchor="b"/>
+                </a:tc>
+                <a:tc>
+                  <a:txBody>
+                    <a:bodyPr/>
+                    <a:lstStyle/>
+                    <a:p>
+                      <a:pPr algn="l" fontAlgn="b"/>
+                      <a:endParaRPr lang="en-US" sz="900" b="0" i="0" u="none" strike="noStrike">
+                        <a:solidFill>
+                          <a:srgbClr val="000000"/>
+                        </a:solidFill>
+                        <a:effectLst/>
+                        <a:latin typeface="Calibri" panose="020F0502020204030204" pitchFamily="34" charset="0"/>
+                      </a:endParaRPr>
+                    </a:p>
+                  </a:txBody>
+                  <a:tcPr marL="8079" marR="8079" marT="8079" marB="0" anchor="b"/>
+                </a:tc>
+                <a:tc>
+                  <a:txBody>
+                    <a:bodyPr/>
+                    <a:lstStyle/>
+                    <a:p>
+                      <a:pPr algn="l" fontAlgn="b"/>
+                      <a:endParaRPr lang="en-US" sz="900" b="0" i="0" u="none" strike="noStrike">
+                        <a:solidFill>
+                          <a:srgbClr val="000000"/>
+                        </a:solidFill>
+                        <a:effectLst/>
+                        <a:latin typeface="Calibri" panose="020F0502020204030204" pitchFamily="34" charset="0"/>
+                      </a:endParaRPr>
+                    </a:p>
+                  </a:txBody>
+                  <a:tcPr marL="8079" marR="8079" marT="8079" marB="0" anchor="b"/>
+                </a:tc>
+                <a:tc>
+                  <a:txBody>
+                    <a:bodyPr/>
+                    <a:lstStyle/>
+                    <a:p>
+                      <a:pPr algn="l" fontAlgn="b"/>
+                      <a:endParaRPr lang="en-US" sz="900" b="0" i="0" u="none" strike="noStrike">
+                        <a:solidFill>
+                          <a:srgbClr val="000000"/>
+                        </a:solidFill>
+                        <a:effectLst/>
+                        <a:latin typeface="Calibri" panose="020F0502020204030204" pitchFamily="34" charset="0"/>
+                      </a:endParaRPr>
+                    </a:p>
+                  </a:txBody>
+                  <a:tcPr marL="8079" marR="8079" marT="8079" marB="0" anchor="b"/>
+                </a:tc>
+                <a:tc>
+                  <a:txBody>
+                    <a:bodyPr/>
+                    <a:lstStyle/>
+                    <a:p>
+                      <a:pPr algn="l" fontAlgn="b"/>
+                      <a:endParaRPr lang="en-US" sz="900" b="0" i="0" u="none" strike="noStrike">
+                        <a:solidFill>
+                          <a:srgbClr val="000000"/>
+                        </a:solidFill>
+                        <a:effectLst/>
+                        <a:latin typeface="Calibri" panose="020F0502020204030204" pitchFamily="34" charset="0"/>
+                      </a:endParaRPr>
+                    </a:p>
+                  </a:txBody>
+                  <a:tcPr marL="8079" marR="8079" marT="8079" marB="0" anchor="b"/>
+                </a:tc>
+                <a:tc>
+                  <a:txBody>
+                    <a:bodyPr/>
+                    <a:lstStyle/>
+                    <a:p>
+                      <a:pPr algn="l" fontAlgn="b"/>
+                      <a:endParaRPr lang="en-US" sz="900" b="0" i="0" u="none" strike="noStrike">
+                        <a:solidFill>
+                          <a:srgbClr val="000000"/>
+                        </a:solidFill>
+                        <a:effectLst/>
+                        <a:latin typeface="Calibri" panose="020F0502020204030204" pitchFamily="34" charset="0"/>
+                      </a:endParaRPr>
+                    </a:p>
+                  </a:txBody>
+                  <a:tcPr marL="8079" marR="8079" marT="8079" marB="0" anchor="b"/>
+                </a:tc>
+                <a:tc>
+                  <a:txBody>
+                    <a:bodyPr/>
+                    <a:lstStyle/>
+                    <a:p>
+                      <a:pPr algn="l" fontAlgn="b"/>
+                      <a:endParaRPr lang="en-US" sz="900" b="0" i="0" u="none" strike="noStrike">
+                        <a:solidFill>
+                          <a:srgbClr val="000000"/>
+                        </a:solidFill>
+                        <a:effectLst/>
+                        <a:latin typeface="Calibri" panose="020F0502020204030204" pitchFamily="34" charset="0"/>
+                      </a:endParaRPr>
+                    </a:p>
+                  </a:txBody>
+                  <a:tcPr marL="8079" marR="8079" marT="8079" marB="0" anchor="b"/>
+                </a:tc>
+                <a:extLst>
+                  <a:ext uri="{0D108BD9-81ED-4DB2-BD59-A6C34878D82A}">
+                    <a16:rowId xmlns:a16="http://schemas.microsoft.com/office/drawing/2014/main" val="350839327"/>
+                  </a:ext>
+                </a:extLst>
+              </a:tr>
+              <a:tr h="161574">
+                <a:tc>
+                  <a:txBody>
+                    <a:bodyPr/>
+                    <a:lstStyle/>
+                    <a:p>
+                      <a:pPr algn="l" fontAlgn="b"/>
+                      <a:r>
+                        <a:rPr lang="en-US" sz="900" u="none" strike="noStrike">
+                          <a:effectLst/>
+                        </a:rPr>
+                        <a:t>Standard Error</a:t>
+                      </a:r>
+                      <a:endParaRPr lang="en-US" sz="900" b="0" i="0" u="none" strike="noStrike">
+                        <a:solidFill>
+                          <a:srgbClr val="000000"/>
+                        </a:solidFill>
+                        <a:effectLst/>
+                        <a:latin typeface="Calibri" panose="020F0502020204030204" pitchFamily="34" charset="0"/>
+                      </a:endParaRPr>
+                    </a:p>
+                  </a:txBody>
+                  <a:tcPr marL="8079" marR="8079" marT="8079" marB="0" anchor="b"/>
+                </a:tc>
+                <a:tc>
+                  <a:txBody>
+                    <a:bodyPr/>
+                    <a:lstStyle/>
+                    <a:p>
+                      <a:pPr algn="r" fontAlgn="b"/>
+                      <a:r>
+                        <a:rPr lang="en-US" sz="900" u="none" strike="noStrike">
+                          <a:effectLst/>
+                        </a:rPr>
+                        <a:t>50.43935098</a:t>
+                      </a:r>
+                      <a:endParaRPr lang="en-US" sz="900" b="0" i="0" u="none" strike="noStrike">
+                        <a:solidFill>
+                          <a:srgbClr val="000000"/>
+                        </a:solidFill>
+                        <a:effectLst/>
+                        <a:latin typeface="Calibri" panose="020F0502020204030204" pitchFamily="34" charset="0"/>
+                      </a:endParaRPr>
+                    </a:p>
+                  </a:txBody>
+                  <a:tcPr marL="8079" marR="8079" marT="8079" marB="0" anchor="b"/>
+                </a:tc>
+                <a:tc>
+                  <a:txBody>
+                    <a:bodyPr/>
+                    <a:lstStyle/>
+                    <a:p>
+                      <a:pPr algn="l" fontAlgn="b"/>
+                      <a:endParaRPr lang="en-US" sz="900" b="0" i="0" u="none" strike="noStrike">
+                        <a:solidFill>
+                          <a:srgbClr val="000000"/>
+                        </a:solidFill>
+                        <a:effectLst/>
+                        <a:latin typeface="Calibri" panose="020F0502020204030204" pitchFamily="34" charset="0"/>
+                      </a:endParaRPr>
+                    </a:p>
+                  </a:txBody>
+                  <a:tcPr marL="8079" marR="8079" marT="8079" marB="0" anchor="b"/>
+                </a:tc>
+                <a:tc>
+                  <a:txBody>
+                    <a:bodyPr/>
+                    <a:lstStyle/>
+                    <a:p>
+                      <a:pPr algn="l" fontAlgn="b"/>
+                      <a:endParaRPr lang="en-US" sz="900" b="0" i="0" u="none" strike="noStrike">
+                        <a:solidFill>
+                          <a:srgbClr val="000000"/>
+                        </a:solidFill>
+                        <a:effectLst/>
+                        <a:latin typeface="Calibri" panose="020F0502020204030204" pitchFamily="34" charset="0"/>
+                      </a:endParaRPr>
+                    </a:p>
+                  </a:txBody>
+                  <a:tcPr marL="8079" marR="8079" marT="8079" marB="0" anchor="b"/>
+                </a:tc>
+                <a:tc>
+                  <a:txBody>
+                    <a:bodyPr/>
+                    <a:lstStyle/>
+                    <a:p>
+                      <a:pPr algn="l" fontAlgn="b"/>
+                      <a:endParaRPr lang="en-US" sz="900" b="0" i="0" u="none" strike="noStrike">
+                        <a:solidFill>
+                          <a:srgbClr val="000000"/>
+                        </a:solidFill>
+                        <a:effectLst/>
+                        <a:latin typeface="Calibri" panose="020F0502020204030204" pitchFamily="34" charset="0"/>
+                      </a:endParaRPr>
+                    </a:p>
+                  </a:txBody>
+                  <a:tcPr marL="8079" marR="8079" marT="8079" marB="0" anchor="b"/>
+                </a:tc>
+                <a:tc>
+                  <a:txBody>
+                    <a:bodyPr/>
+                    <a:lstStyle/>
+                    <a:p>
+                      <a:pPr algn="l" fontAlgn="b"/>
+                      <a:endParaRPr lang="en-US" sz="900" b="0" i="0" u="none" strike="noStrike">
+                        <a:solidFill>
+                          <a:srgbClr val="000000"/>
+                        </a:solidFill>
+                        <a:effectLst/>
+                        <a:latin typeface="Calibri" panose="020F0502020204030204" pitchFamily="34" charset="0"/>
+                      </a:endParaRPr>
+                    </a:p>
+                  </a:txBody>
+                  <a:tcPr marL="8079" marR="8079" marT="8079" marB="0" anchor="b"/>
+                </a:tc>
+                <a:tc>
+                  <a:txBody>
+                    <a:bodyPr/>
+                    <a:lstStyle/>
+                    <a:p>
+                      <a:pPr algn="l" fontAlgn="b"/>
+                      <a:endParaRPr lang="en-US" sz="900" b="0" i="0" u="none" strike="noStrike">
+                        <a:solidFill>
+                          <a:srgbClr val="000000"/>
+                        </a:solidFill>
+                        <a:effectLst/>
+                        <a:latin typeface="Calibri" panose="020F0502020204030204" pitchFamily="34" charset="0"/>
+                      </a:endParaRPr>
+                    </a:p>
+                  </a:txBody>
+                  <a:tcPr marL="8079" marR="8079" marT="8079" marB="0" anchor="b"/>
+                </a:tc>
+                <a:tc>
+                  <a:txBody>
+                    <a:bodyPr/>
+                    <a:lstStyle/>
+                    <a:p>
+                      <a:pPr algn="l" fontAlgn="b"/>
+                      <a:endParaRPr lang="en-US" sz="900" b="0" i="0" u="none" strike="noStrike">
+                        <a:solidFill>
+                          <a:srgbClr val="000000"/>
+                        </a:solidFill>
+                        <a:effectLst/>
+                        <a:latin typeface="Calibri" panose="020F0502020204030204" pitchFamily="34" charset="0"/>
+                      </a:endParaRPr>
+                    </a:p>
+                  </a:txBody>
+                  <a:tcPr marL="8079" marR="8079" marT="8079" marB="0" anchor="b"/>
+                </a:tc>
+                <a:tc>
+                  <a:txBody>
+                    <a:bodyPr/>
+                    <a:lstStyle/>
+                    <a:p>
+                      <a:pPr algn="l" fontAlgn="b"/>
+                      <a:endParaRPr lang="en-US" sz="900" b="0" i="0" u="none" strike="noStrike">
+                        <a:solidFill>
+                          <a:srgbClr val="000000"/>
+                        </a:solidFill>
+                        <a:effectLst/>
+                        <a:latin typeface="Calibri" panose="020F0502020204030204" pitchFamily="34" charset="0"/>
+                      </a:endParaRPr>
+                    </a:p>
+                  </a:txBody>
+                  <a:tcPr marL="8079" marR="8079" marT="8079" marB="0" anchor="b"/>
+                </a:tc>
+                <a:extLst>
+                  <a:ext uri="{0D108BD9-81ED-4DB2-BD59-A6C34878D82A}">
+                    <a16:rowId xmlns:a16="http://schemas.microsoft.com/office/drawing/2014/main" val="2544958159"/>
+                  </a:ext>
+                </a:extLst>
+              </a:tr>
+              <a:tr h="169653">
+                <a:tc>
+                  <a:txBody>
+                    <a:bodyPr/>
+                    <a:lstStyle/>
+                    <a:p>
+                      <a:pPr algn="l" fontAlgn="b"/>
+                      <a:r>
+                        <a:rPr lang="en-US" sz="900" u="none" strike="noStrike">
+                          <a:effectLst/>
+                        </a:rPr>
+                        <a:t>Observations</a:t>
+                      </a:r>
+                      <a:endParaRPr lang="en-US" sz="900" b="0" i="0" u="none" strike="noStrike">
+                        <a:solidFill>
+                          <a:srgbClr val="000000"/>
+                        </a:solidFill>
+                        <a:effectLst/>
+                        <a:latin typeface="Calibri" panose="020F0502020204030204" pitchFamily="34" charset="0"/>
+                      </a:endParaRPr>
+                    </a:p>
+                  </a:txBody>
+                  <a:tcPr marL="8079" marR="8079" marT="8079" marB="0" anchor="b"/>
+                </a:tc>
+                <a:tc>
+                  <a:txBody>
+                    <a:bodyPr/>
+                    <a:lstStyle/>
+                    <a:p>
+                      <a:pPr algn="r" fontAlgn="b"/>
+                      <a:r>
+                        <a:rPr lang="en-US" sz="900" u="none" strike="noStrike">
+                          <a:effectLst/>
+                        </a:rPr>
+                        <a:t>500</a:t>
+                      </a:r>
+                      <a:endParaRPr lang="en-US" sz="900" b="0" i="0" u="none" strike="noStrike">
+                        <a:solidFill>
+                          <a:srgbClr val="000000"/>
+                        </a:solidFill>
+                        <a:effectLst/>
+                        <a:latin typeface="Calibri" panose="020F0502020204030204" pitchFamily="34" charset="0"/>
+                      </a:endParaRPr>
+                    </a:p>
+                  </a:txBody>
+                  <a:tcPr marL="8079" marR="8079" marT="8079" marB="0" anchor="b"/>
+                </a:tc>
+                <a:tc>
+                  <a:txBody>
+                    <a:bodyPr/>
+                    <a:lstStyle/>
+                    <a:p>
+                      <a:pPr algn="l" fontAlgn="b"/>
+                      <a:endParaRPr lang="en-US" sz="900" b="0" i="0" u="none" strike="noStrike">
+                        <a:solidFill>
+                          <a:srgbClr val="000000"/>
+                        </a:solidFill>
+                        <a:effectLst/>
+                        <a:latin typeface="Calibri" panose="020F0502020204030204" pitchFamily="34" charset="0"/>
+                      </a:endParaRPr>
+                    </a:p>
+                  </a:txBody>
+                  <a:tcPr marL="8079" marR="8079" marT="8079" marB="0" anchor="b"/>
+                </a:tc>
+                <a:tc>
+                  <a:txBody>
+                    <a:bodyPr/>
+                    <a:lstStyle/>
+                    <a:p>
+                      <a:pPr algn="l" fontAlgn="b"/>
+                      <a:endParaRPr lang="en-US" sz="900" b="0" i="0" u="none" strike="noStrike">
+                        <a:solidFill>
+                          <a:srgbClr val="000000"/>
+                        </a:solidFill>
+                        <a:effectLst/>
+                        <a:latin typeface="Calibri" panose="020F0502020204030204" pitchFamily="34" charset="0"/>
+                      </a:endParaRPr>
+                    </a:p>
+                  </a:txBody>
+                  <a:tcPr marL="8079" marR="8079" marT="8079" marB="0" anchor="b"/>
+                </a:tc>
+                <a:tc>
+                  <a:txBody>
+                    <a:bodyPr/>
+                    <a:lstStyle/>
+                    <a:p>
+                      <a:pPr algn="l" fontAlgn="b"/>
+                      <a:endParaRPr lang="en-US" sz="900" b="0" i="0" u="none" strike="noStrike">
+                        <a:solidFill>
+                          <a:srgbClr val="000000"/>
+                        </a:solidFill>
+                        <a:effectLst/>
+                        <a:latin typeface="Calibri" panose="020F0502020204030204" pitchFamily="34" charset="0"/>
+                      </a:endParaRPr>
+                    </a:p>
+                  </a:txBody>
+                  <a:tcPr marL="8079" marR="8079" marT="8079" marB="0" anchor="b"/>
+                </a:tc>
+                <a:tc>
+                  <a:txBody>
+                    <a:bodyPr/>
+                    <a:lstStyle/>
+                    <a:p>
+                      <a:pPr algn="l" fontAlgn="b"/>
+                      <a:endParaRPr lang="en-US" sz="900" b="0" i="0" u="none" strike="noStrike">
+                        <a:solidFill>
+                          <a:srgbClr val="000000"/>
+                        </a:solidFill>
+                        <a:effectLst/>
+                        <a:latin typeface="Calibri" panose="020F0502020204030204" pitchFamily="34" charset="0"/>
+                      </a:endParaRPr>
+                    </a:p>
+                  </a:txBody>
+                  <a:tcPr marL="8079" marR="8079" marT="8079" marB="0" anchor="b"/>
+                </a:tc>
+                <a:tc>
+                  <a:txBody>
+                    <a:bodyPr/>
+                    <a:lstStyle/>
+                    <a:p>
+                      <a:pPr algn="l" fontAlgn="b"/>
+                      <a:endParaRPr lang="en-US" sz="900" b="0" i="0" u="none" strike="noStrike">
+                        <a:solidFill>
+                          <a:srgbClr val="000000"/>
+                        </a:solidFill>
+                        <a:effectLst/>
+                        <a:latin typeface="Calibri" panose="020F0502020204030204" pitchFamily="34" charset="0"/>
+                      </a:endParaRPr>
+                    </a:p>
+                  </a:txBody>
+                  <a:tcPr marL="8079" marR="8079" marT="8079" marB="0" anchor="b"/>
+                </a:tc>
+                <a:tc>
+                  <a:txBody>
+                    <a:bodyPr/>
+                    <a:lstStyle/>
+                    <a:p>
+                      <a:pPr algn="l" fontAlgn="b"/>
+                      <a:endParaRPr lang="en-US" sz="900" b="0" i="0" u="none" strike="noStrike">
+                        <a:solidFill>
+                          <a:srgbClr val="000000"/>
+                        </a:solidFill>
+                        <a:effectLst/>
+                        <a:latin typeface="Calibri" panose="020F0502020204030204" pitchFamily="34" charset="0"/>
+                      </a:endParaRPr>
+                    </a:p>
+                  </a:txBody>
+                  <a:tcPr marL="8079" marR="8079" marT="8079" marB="0" anchor="b"/>
+                </a:tc>
+                <a:tc>
+                  <a:txBody>
+                    <a:bodyPr/>
+                    <a:lstStyle/>
+                    <a:p>
+                      <a:pPr algn="l" fontAlgn="b"/>
+                      <a:endParaRPr lang="en-US" sz="900" b="0" i="0" u="none" strike="noStrike">
+                        <a:solidFill>
+                          <a:srgbClr val="000000"/>
+                        </a:solidFill>
+                        <a:effectLst/>
+                        <a:latin typeface="Calibri" panose="020F0502020204030204" pitchFamily="34" charset="0"/>
+                      </a:endParaRPr>
+                    </a:p>
+                  </a:txBody>
+                  <a:tcPr marL="8079" marR="8079" marT="8079" marB="0" anchor="b"/>
+                </a:tc>
+                <a:extLst>
+                  <a:ext uri="{0D108BD9-81ED-4DB2-BD59-A6C34878D82A}">
+                    <a16:rowId xmlns:a16="http://schemas.microsoft.com/office/drawing/2014/main" val="3924739541"/>
+                  </a:ext>
+                </a:extLst>
+              </a:tr>
+              <a:tr h="161574">
+                <a:tc>
+                  <a:txBody>
+                    <a:bodyPr/>
+                    <a:lstStyle/>
+                    <a:p>
+                      <a:pPr algn="l" fontAlgn="b"/>
+                      <a:endParaRPr lang="en-US" sz="900" b="0" i="0" u="none" strike="noStrike">
+                        <a:solidFill>
+                          <a:srgbClr val="000000"/>
+                        </a:solidFill>
+                        <a:effectLst/>
+                        <a:latin typeface="Calibri" panose="020F0502020204030204" pitchFamily="34" charset="0"/>
+                      </a:endParaRPr>
+                    </a:p>
+                  </a:txBody>
+                  <a:tcPr marL="8079" marR="8079" marT="8079" marB="0" anchor="b"/>
+                </a:tc>
+                <a:tc>
+                  <a:txBody>
+                    <a:bodyPr/>
+                    <a:lstStyle/>
+                    <a:p>
+                      <a:pPr algn="l" fontAlgn="b"/>
+                      <a:endParaRPr lang="en-US" sz="900" b="0" i="0" u="none" strike="noStrike">
+                        <a:solidFill>
+                          <a:srgbClr val="000000"/>
+                        </a:solidFill>
+                        <a:effectLst/>
+                        <a:latin typeface="Calibri" panose="020F0502020204030204" pitchFamily="34" charset="0"/>
+                      </a:endParaRPr>
+                    </a:p>
+                  </a:txBody>
+                  <a:tcPr marL="8079" marR="8079" marT="8079" marB="0" anchor="b"/>
+                </a:tc>
+                <a:tc>
+                  <a:txBody>
+                    <a:bodyPr/>
+                    <a:lstStyle/>
+                    <a:p>
+                      <a:pPr algn="l" fontAlgn="b"/>
+                      <a:endParaRPr lang="en-US" sz="900" b="0" i="0" u="none" strike="noStrike">
+                        <a:solidFill>
+                          <a:srgbClr val="000000"/>
+                        </a:solidFill>
+                        <a:effectLst/>
+                        <a:latin typeface="Calibri" panose="020F0502020204030204" pitchFamily="34" charset="0"/>
+                      </a:endParaRPr>
+                    </a:p>
+                  </a:txBody>
+                  <a:tcPr marL="8079" marR="8079" marT="8079" marB="0" anchor="b"/>
+                </a:tc>
+                <a:tc>
+                  <a:txBody>
+                    <a:bodyPr/>
+                    <a:lstStyle/>
+                    <a:p>
+                      <a:pPr algn="l" fontAlgn="b"/>
+                      <a:endParaRPr lang="en-US" sz="900" b="0" i="0" u="none" strike="noStrike">
+                        <a:solidFill>
+                          <a:srgbClr val="000000"/>
+                        </a:solidFill>
+                        <a:effectLst/>
+                        <a:latin typeface="Calibri" panose="020F0502020204030204" pitchFamily="34" charset="0"/>
+                      </a:endParaRPr>
+                    </a:p>
+                  </a:txBody>
+                  <a:tcPr marL="8079" marR="8079" marT="8079" marB="0" anchor="b"/>
+                </a:tc>
+                <a:tc>
+                  <a:txBody>
+                    <a:bodyPr/>
+                    <a:lstStyle/>
+                    <a:p>
+                      <a:pPr algn="l" fontAlgn="b"/>
+                      <a:endParaRPr lang="en-US" sz="900" b="0" i="0" u="none" strike="noStrike">
+                        <a:solidFill>
+                          <a:srgbClr val="000000"/>
+                        </a:solidFill>
+                        <a:effectLst/>
+                        <a:latin typeface="Calibri" panose="020F0502020204030204" pitchFamily="34" charset="0"/>
+                      </a:endParaRPr>
+                    </a:p>
+                  </a:txBody>
+                  <a:tcPr marL="8079" marR="8079" marT="8079" marB="0" anchor="b"/>
+                </a:tc>
+                <a:tc>
+                  <a:txBody>
+                    <a:bodyPr/>
+                    <a:lstStyle/>
+                    <a:p>
+                      <a:pPr algn="l" fontAlgn="b"/>
+                      <a:endParaRPr lang="en-US" sz="900" b="0" i="0" u="none" strike="noStrike">
+                        <a:solidFill>
+                          <a:srgbClr val="000000"/>
+                        </a:solidFill>
+                        <a:effectLst/>
+                        <a:latin typeface="Calibri" panose="020F0502020204030204" pitchFamily="34" charset="0"/>
+                      </a:endParaRPr>
+                    </a:p>
+                  </a:txBody>
+                  <a:tcPr marL="8079" marR="8079" marT="8079" marB="0" anchor="b"/>
+                </a:tc>
+                <a:tc>
+                  <a:txBody>
+                    <a:bodyPr/>
+                    <a:lstStyle/>
+                    <a:p>
+                      <a:pPr algn="l" fontAlgn="b"/>
+                      <a:endParaRPr lang="en-US" sz="900" b="0" i="0" u="none" strike="noStrike">
+                        <a:solidFill>
+                          <a:srgbClr val="000000"/>
+                        </a:solidFill>
+                        <a:effectLst/>
+                        <a:latin typeface="Calibri" panose="020F0502020204030204" pitchFamily="34" charset="0"/>
+                      </a:endParaRPr>
+                    </a:p>
+                  </a:txBody>
+                  <a:tcPr marL="8079" marR="8079" marT="8079" marB="0" anchor="b"/>
+                </a:tc>
+                <a:tc>
+                  <a:txBody>
+                    <a:bodyPr/>
+                    <a:lstStyle/>
+                    <a:p>
+                      <a:pPr algn="l" fontAlgn="b"/>
+                      <a:endParaRPr lang="en-US" sz="900" b="0" i="0" u="none" strike="noStrike">
+                        <a:solidFill>
+                          <a:srgbClr val="000000"/>
+                        </a:solidFill>
+                        <a:effectLst/>
+                        <a:latin typeface="Calibri" panose="020F0502020204030204" pitchFamily="34" charset="0"/>
+                      </a:endParaRPr>
+                    </a:p>
+                  </a:txBody>
+                  <a:tcPr marL="8079" marR="8079" marT="8079" marB="0" anchor="b"/>
+                </a:tc>
+                <a:tc>
+                  <a:txBody>
+                    <a:bodyPr/>
+                    <a:lstStyle/>
+                    <a:p>
+                      <a:pPr algn="l" fontAlgn="b"/>
+                      <a:endParaRPr lang="en-US" sz="900" b="0" i="0" u="none" strike="noStrike">
+                        <a:solidFill>
+                          <a:srgbClr val="000000"/>
+                        </a:solidFill>
+                        <a:effectLst/>
+                        <a:latin typeface="Calibri" panose="020F0502020204030204" pitchFamily="34" charset="0"/>
+                      </a:endParaRPr>
+                    </a:p>
+                  </a:txBody>
+                  <a:tcPr marL="8079" marR="8079" marT="8079" marB="0" anchor="b"/>
+                </a:tc>
+                <a:extLst>
+                  <a:ext uri="{0D108BD9-81ED-4DB2-BD59-A6C34878D82A}">
+                    <a16:rowId xmlns:a16="http://schemas.microsoft.com/office/drawing/2014/main" val="223165239"/>
+                  </a:ext>
+                </a:extLst>
+              </a:tr>
+              <a:tr h="169653">
+                <a:tc>
+                  <a:txBody>
+                    <a:bodyPr/>
+                    <a:lstStyle/>
+                    <a:p>
+                      <a:pPr algn="l" fontAlgn="b"/>
+                      <a:r>
+                        <a:rPr lang="en-US" sz="900" u="none" strike="noStrike">
+                          <a:effectLst/>
+                        </a:rPr>
+                        <a:t>ANOVA</a:t>
+                      </a:r>
+                      <a:endParaRPr lang="en-US" sz="900" b="0" i="0" u="none" strike="noStrike">
+                        <a:solidFill>
+                          <a:srgbClr val="000000"/>
+                        </a:solidFill>
+                        <a:effectLst/>
+                        <a:latin typeface="Calibri" panose="020F0502020204030204" pitchFamily="34" charset="0"/>
+                      </a:endParaRPr>
+                    </a:p>
+                  </a:txBody>
+                  <a:tcPr marL="8079" marR="8079" marT="8079" marB="0" anchor="b"/>
+                </a:tc>
+                <a:tc>
+                  <a:txBody>
+                    <a:bodyPr/>
+                    <a:lstStyle/>
+                    <a:p>
+                      <a:pPr algn="l" fontAlgn="b"/>
+                      <a:endParaRPr lang="en-US" sz="900" b="0" i="0" u="none" strike="noStrike">
+                        <a:solidFill>
+                          <a:srgbClr val="000000"/>
+                        </a:solidFill>
+                        <a:effectLst/>
+                        <a:latin typeface="Calibri" panose="020F0502020204030204" pitchFamily="34" charset="0"/>
+                      </a:endParaRPr>
+                    </a:p>
+                  </a:txBody>
+                  <a:tcPr marL="8079" marR="8079" marT="8079" marB="0" anchor="b"/>
+                </a:tc>
+                <a:tc>
+                  <a:txBody>
+                    <a:bodyPr/>
+                    <a:lstStyle/>
+                    <a:p>
+                      <a:pPr algn="l" fontAlgn="b"/>
+                      <a:endParaRPr lang="en-US" sz="900" b="0" i="0" u="none" strike="noStrike">
+                        <a:solidFill>
+                          <a:srgbClr val="000000"/>
+                        </a:solidFill>
+                        <a:effectLst/>
+                        <a:latin typeface="Calibri" panose="020F0502020204030204" pitchFamily="34" charset="0"/>
+                      </a:endParaRPr>
+                    </a:p>
+                  </a:txBody>
+                  <a:tcPr marL="8079" marR="8079" marT="8079" marB="0" anchor="b"/>
+                </a:tc>
+                <a:tc>
+                  <a:txBody>
+                    <a:bodyPr/>
+                    <a:lstStyle/>
+                    <a:p>
+                      <a:pPr algn="l" fontAlgn="b"/>
+                      <a:endParaRPr lang="en-US" sz="900" b="0" i="0" u="none" strike="noStrike">
+                        <a:solidFill>
+                          <a:srgbClr val="000000"/>
+                        </a:solidFill>
+                        <a:effectLst/>
+                        <a:latin typeface="Calibri" panose="020F0502020204030204" pitchFamily="34" charset="0"/>
+                      </a:endParaRPr>
+                    </a:p>
+                  </a:txBody>
+                  <a:tcPr marL="8079" marR="8079" marT="8079" marB="0" anchor="b"/>
+                </a:tc>
+                <a:tc>
+                  <a:txBody>
+                    <a:bodyPr/>
+                    <a:lstStyle/>
+                    <a:p>
+                      <a:pPr algn="l" fontAlgn="b"/>
+                      <a:endParaRPr lang="en-US" sz="900" b="0" i="0" u="none" strike="noStrike">
+                        <a:solidFill>
+                          <a:srgbClr val="000000"/>
+                        </a:solidFill>
+                        <a:effectLst/>
+                        <a:latin typeface="Calibri" panose="020F0502020204030204" pitchFamily="34" charset="0"/>
+                      </a:endParaRPr>
+                    </a:p>
+                  </a:txBody>
+                  <a:tcPr marL="8079" marR="8079" marT="8079" marB="0" anchor="b"/>
+                </a:tc>
+                <a:tc>
+                  <a:txBody>
+                    <a:bodyPr/>
+                    <a:lstStyle/>
+                    <a:p>
+                      <a:pPr algn="l" fontAlgn="b"/>
+                      <a:endParaRPr lang="en-US" sz="900" b="0" i="0" u="none" strike="noStrike">
+                        <a:solidFill>
+                          <a:srgbClr val="000000"/>
+                        </a:solidFill>
+                        <a:effectLst/>
+                        <a:latin typeface="Calibri" panose="020F0502020204030204" pitchFamily="34" charset="0"/>
+                      </a:endParaRPr>
+                    </a:p>
+                  </a:txBody>
+                  <a:tcPr marL="8079" marR="8079" marT="8079" marB="0" anchor="b"/>
+                </a:tc>
+                <a:tc>
+                  <a:txBody>
+                    <a:bodyPr/>
+                    <a:lstStyle/>
+                    <a:p>
+                      <a:pPr algn="l" fontAlgn="b"/>
+                      <a:endParaRPr lang="en-US" sz="900" b="0" i="0" u="none" strike="noStrike">
+                        <a:solidFill>
+                          <a:srgbClr val="000000"/>
+                        </a:solidFill>
+                        <a:effectLst/>
+                        <a:latin typeface="Calibri" panose="020F0502020204030204" pitchFamily="34" charset="0"/>
+                      </a:endParaRPr>
+                    </a:p>
+                  </a:txBody>
+                  <a:tcPr marL="8079" marR="8079" marT="8079" marB="0" anchor="b"/>
+                </a:tc>
+                <a:tc>
+                  <a:txBody>
+                    <a:bodyPr/>
+                    <a:lstStyle/>
+                    <a:p>
+                      <a:pPr algn="l" fontAlgn="b"/>
+                      <a:endParaRPr lang="en-US" sz="900" b="0" i="0" u="none" strike="noStrike">
+                        <a:solidFill>
+                          <a:srgbClr val="000000"/>
+                        </a:solidFill>
+                        <a:effectLst/>
+                        <a:latin typeface="Calibri" panose="020F0502020204030204" pitchFamily="34" charset="0"/>
+                      </a:endParaRPr>
+                    </a:p>
+                  </a:txBody>
+                  <a:tcPr marL="8079" marR="8079" marT="8079" marB="0" anchor="b"/>
+                </a:tc>
+                <a:tc>
+                  <a:txBody>
+                    <a:bodyPr/>
+                    <a:lstStyle/>
+                    <a:p>
+                      <a:pPr algn="l" fontAlgn="b"/>
+                      <a:endParaRPr lang="en-US" sz="900" b="0" i="0" u="none" strike="noStrike">
+                        <a:solidFill>
+                          <a:srgbClr val="000000"/>
+                        </a:solidFill>
+                        <a:effectLst/>
+                        <a:latin typeface="Calibri" panose="020F0502020204030204" pitchFamily="34" charset="0"/>
+                      </a:endParaRPr>
+                    </a:p>
+                  </a:txBody>
+                  <a:tcPr marL="8079" marR="8079" marT="8079" marB="0" anchor="b"/>
+                </a:tc>
+                <a:extLst>
+                  <a:ext uri="{0D108BD9-81ED-4DB2-BD59-A6C34878D82A}">
+                    <a16:rowId xmlns:a16="http://schemas.microsoft.com/office/drawing/2014/main" val="2140927731"/>
+                  </a:ext>
+                </a:extLst>
+              </a:tr>
+              <a:tr h="292450">
+                <a:tc>
+                  <a:txBody>
+                    <a:bodyPr/>
+                    <a:lstStyle/>
+                    <a:p>
+                      <a:pPr algn="ctr" fontAlgn="b"/>
+                      <a:r>
+                        <a:rPr lang="en-US" sz="900" u="none" strike="noStrike">
+                          <a:effectLst/>
+                        </a:rPr>
+                        <a:t> </a:t>
+                      </a:r>
+                      <a:endParaRPr lang="en-US" sz="900" b="0" i="1" u="none" strike="noStrike">
+                        <a:solidFill>
+                          <a:srgbClr val="000000"/>
+                        </a:solidFill>
+                        <a:effectLst/>
+                        <a:latin typeface="Calibri" panose="020F0502020204030204" pitchFamily="34" charset="0"/>
+                      </a:endParaRPr>
+                    </a:p>
+                  </a:txBody>
+                  <a:tcPr marL="8079" marR="8079" marT="8079" marB="0" anchor="b"/>
+                </a:tc>
+                <a:tc>
+                  <a:txBody>
+                    <a:bodyPr/>
+                    <a:lstStyle/>
+                    <a:p>
+                      <a:pPr algn="ctr" fontAlgn="b"/>
+                      <a:r>
+                        <a:rPr lang="en-US" sz="900" u="none" strike="noStrike">
+                          <a:effectLst/>
+                        </a:rPr>
+                        <a:t>df</a:t>
+                      </a:r>
+                      <a:endParaRPr lang="en-US" sz="900" b="0" i="1" u="none" strike="noStrike">
+                        <a:solidFill>
+                          <a:srgbClr val="000000"/>
+                        </a:solidFill>
+                        <a:effectLst/>
+                        <a:latin typeface="Calibri" panose="020F0502020204030204" pitchFamily="34" charset="0"/>
+                      </a:endParaRPr>
+                    </a:p>
+                  </a:txBody>
+                  <a:tcPr marL="8079" marR="8079" marT="8079" marB="0" anchor="b"/>
+                </a:tc>
+                <a:tc>
+                  <a:txBody>
+                    <a:bodyPr/>
+                    <a:lstStyle/>
+                    <a:p>
+                      <a:pPr algn="ctr" fontAlgn="b"/>
+                      <a:r>
+                        <a:rPr lang="en-US" sz="900" u="none" strike="noStrike">
+                          <a:effectLst/>
+                        </a:rPr>
+                        <a:t>SS</a:t>
+                      </a:r>
+                      <a:endParaRPr lang="en-US" sz="900" b="0" i="1" u="none" strike="noStrike">
+                        <a:solidFill>
+                          <a:srgbClr val="000000"/>
+                        </a:solidFill>
+                        <a:effectLst/>
+                        <a:latin typeface="Calibri" panose="020F0502020204030204" pitchFamily="34" charset="0"/>
+                      </a:endParaRPr>
+                    </a:p>
+                  </a:txBody>
+                  <a:tcPr marL="8079" marR="8079" marT="8079" marB="0" anchor="b"/>
+                </a:tc>
+                <a:tc>
+                  <a:txBody>
+                    <a:bodyPr/>
+                    <a:lstStyle/>
+                    <a:p>
+                      <a:pPr algn="ctr" fontAlgn="b"/>
+                      <a:r>
+                        <a:rPr lang="en-US" sz="900" u="none" strike="noStrike">
+                          <a:effectLst/>
+                        </a:rPr>
+                        <a:t>MS</a:t>
+                      </a:r>
+                      <a:endParaRPr lang="en-US" sz="900" b="0" i="1" u="none" strike="noStrike">
+                        <a:solidFill>
+                          <a:srgbClr val="000000"/>
+                        </a:solidFill>
+                        <a:effectLst/>
+                        <a:latin typeface="Calibri" panose="020F0502020204030204" pitchFamily="34" charset="0"/>
+                      </a:endParaRPr>
+                    </a:p>
+                  </a:txBody>
+                  <a:tcPr marL="8079" marR="8079" marT="8079" marB="0" anchor="b"/>
+                </a:tc>
+                <a:tc>
+                  <a:txBody>
+                    <a:bodyPr/>
+                    <a:lstStyle/>
+                    <a:p>
+                      <a:pPr algn="ctr" fontAlgn="b"/>
+                      <a:r>
+                        <a:rPr lang="en-US" sz="900" u="none" strike="noStrike">
+                          <a:effectLst/>
+                        </a:rPr>
+                        <a:t>F</a:t>
+                      </a:r>
+                      <a:endParaRPr lang="en-US" sz="900" b="0" i="1" u="none" strike="noStrike">
+                        <a:solidFill>
+                          <a:srgbClr val="000000"/>
+                        </a:solidFill>
+                        <a:effectLst/>
+                        <a:latin typeface="Calibri" panose="020F0502020204030204" pitchFamily="34" charset="0"/>
+                      </a:endParaRPr>
+                    </a:p>
+                  </a:txBody>
+                  <a:tcPr marL="8079" marR="8079" marT="8079" marB="0" anchor="b"/>
+                </a:tc>
+                <a:tc>
+                  <a:txBody>
+                    <a:bodyPr/>
+                    <a:lstStyle/>
+                    <a:p>
+                      <a:pPr algn="ctr" fontAlgn="b"/>
+                      <a:r>
+                        <a:rPr lang="en-US" sz="900" u="none" strike="noStrike">
+                          <a:effectLst/>
+                        </a:rPr>
+                        <a:t>Significance F</a:t>
+                      </a:r>
+                      <a:endParaRPr lang="en-US" sz="900" b="0" i="1" u="none" strike="noStrike">
+                        <a:solidFill>
+                          <a:srgbClr val="000000"/>
+                        </a:solidFill>
+                        <a:effectLst/>
+                        <a:latin typeface="Calibri" panose="020F0502020204030204" pitchFamily="34" charset="0"/>
+                      </a:endParaRPr>
+                    </a:p>
+                  </a:txBody>
+                  <a:tcPr marL="8079" marR="8079" marT="8079" marB="0" anchor="b"/>
+                </a:tc>
+                <a:tc>
+                  <a:txBody>
+                    <a:bodyPr/>
+                    <a:lstStyle/>
+                    <a:p>
+                      <a:pPr algn="l" fontAlgn="b"/>
+                      <a:endParaRPr lang="en-US" sz="900" b="0" i="0" u="none" strike="noStrike">
+                        <a:solidFill>
+                          <a:srgbClr val="000000"/>
+                        </a:solidFill>
+                        <a:effectLst/>
+                        <a:latin typeface="Calibri" panose="020F0502020204030204" pitchFamily="34" charset="0"/>
+                      </a:endParaRPr>
+                    </a:p>
+                  </a:txBody>
+                  <a:tcPr marL="8079" marR="8079" marT="8079" marB="0" anchor="b"/>
+                </a:tc>
+                <a:tc>
+                  <a:txBody>
+                    <a:bodyPr/>
+                    <a:lstStyle/>
+                    <a:p>
+                      <a:pPr algn="l" fontAlgn="b"/>
+                      <a:endParaRPr lang="en-US" sz="900" b="0" i="0" u="none" strike="noStrike">
+                        <a:solidFill>
+                          <a:srgbClr val="000000"/>
+                        </a:solidFill>
+                        <a:effectLst/>
+                        <a:latin typeface="Calibri" panose="020F0502020204030204" pitchFamily="34" charset="0"/>
+                      </a:endParaRPr>
+                    </a:p>
+                  </a:txBody>
+                  <a:tcPr marL="8079" marR="8079" marT="8079" marB="0" anchor="b"/>
+                </a:tc>
+                <a:tc>
+                  <a:txBody>
+                    <a:bodyPr/>
+                    <a:lstStyle/>
+                    <a:p>
+                      <a:pPr algn="l" fontAlgn="b"/>
+                      <a:endParaRPr lang="en-US" sz="900" b="0" i="0" u="none" strike="noStrike">
+                        <a:solidFill>
+                          <a:srgbClr val="000000"/>
+                        </a:solidFill>
+                        <a:effectLst/>
+                        <a:latin typeface="Calibri" panose="020F0502020204030204" pitchFamily="34" charset="0"/>
+                      </a:endParaRPr>
+                    </a:p>
+                  </a:txBody>
+                  <a:tcPr marL="8079" marR="8079" marT="8079" marB="0" anchor="b"/>
+                </a:tc>
+                <a:extLst>
+                  <a:ext uri="{0D108BD9-81ED-4DB2-BD59-A6C34878D82A}">
+                    <a16:rowId xmlns:a16="http://schemas.microsoft.com/office/drawing/2014/main" val="3194136677"/>
+                  </a:ext>
+                </a:extLst>
+              </a:tr>
+              <a:tr h="161574">
+                <a:tc>
+                  <a:txBody>
+                    <a:bodyPr/>
+                    <a:lstStyle/>
+                    <a:p>
+                      <a:pPr algn="l" fontAlgn="b"/>
+                      <a:r>
+                        <a:rPr lang="en-US" sz="900" u="none" strike="noStrike">
+                          <a:effectLst/>
+                        </a:rPr>
+                        <a:t>Regression</a:t>
+                      </a:r>
+                      <a:endParaRPr lang="en-US" sz="900" b="0" i="0" u="none" strike="noStrike">
+                        <a:solidFill>
+                          <a:srgbClr val="000000"/>
+                        </a:solidFill>
+                        <a:effectLst/>
+                        <a:latin typeface="Calibri" panose="020F0502020204030204" pitchFamily="34" charset="0"/>
+                      </a:endParaRPr>
+                    </a:p>
+                  </a:txBody>
+                  <a:tcPr marL="8079" marR="8079" marT="8079" marB="0" anchor="b"/>
+                </a:tc>
+                <a:tc>
+                  <a:txBody>
+                    <a:bodyPr/>
+                    <a:lstStyle/>
+                    <a:p>
+                      <a:pPr algn="r" fontAlgn="b"/>
+                      <a:r>
+                        <a:rPr lang="en-US" sz="900" u="none" strike="noStrike">
+                          <a:effectLst/>
+                        </a:rPr>
+                        <a:t>3</a:t>
+                      </a:r>
+                      <a:endParaRPr lang="en-US" sz="900" b="0" i="0" u="none" strike="noStrike">
+                        <a:solidFill>
+                          <a:srgbClr val="000000"/>
+                        </a:solidFill>
+                        <a:effectLst/>
+                        <a:latin typeface="Calibri" panose="020F0502020204030204" pitchFamily="34" charset="0"/>
+                      </a:endParaRPr>
+                    </a:p>
+                  </a:txBody>
+                  <a:tcPr marL="8079" marR="8079" marT="8079" marB="0" anchor="b"/>
+                </a:tc>
+                <a:tc>
+                  <a:txBody>
+                    <a:bodyPr/>
+                    <a:lstStyle/>
+                    <a:p>
+                      <a:pPr algn="r" fontAlgn="b"/>
+                      <a:r>
+                        <a:rPr lang="en-US" sz="900" u="none" strike="noStrike">
+                          <a:effectLst/>
+                        </a:rPr>
+                        <a:t>9169419</a:t>
+                      </a:r>
+                      <a:endParaRPr lang="en-US" sz="900" b="0" i="0" u="none" strike="noStrike">
+                        <a:solidFill>
+                          <a:srgbClr val="000000"/>
+                        </a:solidFill>
+                        <a:effectLst/>
+                        <a:latin typeface="Calibri" panose="020F0502020204030204" pitchFamily="34" charset="0"/>
+                      </a:endParaRPr>
+                    </a:p>
+                  </a:txBody>
+                  <a:tcPr marL="8079" marR="8079" marT="8079" marB="0" anchor="b"/>
+                </a:tc>
+                <a:tc>
+                  <a:txBody>
+                    <a:bodyPr/>
+                    <a:lstStyle/>
+                    <a:p>
+                      <a:pPr algn="r" fontAlgn="b"/>
+                      <a:r>
+                        <a:rPr lang="en-US" sz="900" u="none" strike="noStrike">
+                          <a:effectLst/>
+                        </a:rPr>
+                        <a:t>3056473</a:t>
+                      </a:r>
+                      <a:endParaRPr lang="en-US" sz="900" b="0" i="0" u="none" strike="noStrike">
+                        <a:solidFill>
+                          <a:srgbClr val="000000"/>
+                        </a:solidFill>
+                        <a:effectLst/>
+                        <a:latin typeface="Calibri" panose="020F0502020204030204" pitchFamily="34" charset="0"/>
+                      </a:endParaRPr>
+                    </a:p>
+                  </a:txBody>
+                  <a:tcPr marL="8079" marR="8079" marT="8079" marB="0" anchor="b"/>
+                </a:tc>
+                <a:tc>
+                  <a:txBody>
+                    <a:bodyPr/>
+                    <a:lstStyle/>
+                    <a:p>
+                      <a:pPr algn="r" fontAlgn="b"/>
+                      <a:r>
+                        <a:rPr lang="en-US" sz="900" u="none" strike="noStrike">
+                          <a:effectLst/>
+                        </a:rPr>
+                        <a:t>1201.383</a:t>
+                      </a:r>
+                      <a:endParaRPr lang="en-US" sz="900" b="0" i="0" u="none" strike="noStrike">
+                        <a:solidFill>
+                          <a:srgbClr val="000000"/>
+                        </a:solidFill>
+                        <a:effectLst/>
+                        <a:latin typeface="Calibri" panose="020F0502020204030204" pitchFamily="34" charset="0"/>
+                      </a:endParaRPr>
+                    </a:p>
+                  </a:txBody>
+                  <a:tcPr marL="8079" marR="8079" marT="8079" marB="0" anchor="b"/>
+                </a:tc>
+                <a:tc>
+                  <a:txBody>
+                    <a:bodyPr/>
+                    <a:lstStyle/>
+                    <a:p>
+                      <a:pPr algn="r" fontAlgn="b"/>
+                      <a:r>
+                        <a:rPr lang="en-US" sz="900" u="none" strike="noStrike">
+                          <a:effectLst/>
+                        </a:rPr>
+                        <a:t>5.3E-227</a:t>
+                      </a:r>
+                      <a:endParaRPr lang="en-US" sz="900" b="0" i="0" u="none" strike="noStrike">
+                        <a:solidFill>
+                          <a:srgbClr val="000000"/>
+                        </a:solidFill>
+                        <a:effectLst/>
+                        <a:latin typeface="Calibri" panose="020F0502020204030204" pitchFamily="34" charset="0"/>
+                      </a:endParaRPr>
+                    </a:p>
+                  </a:txBody>
+                  <a:tcPr marL="8079" marR="8079" marT="8079" marB="0" anchor="b"/>
+                </a:tc>
+                <a:tc>
+                  <a:txBody>
+                    <a:bodyPr/>
+                    <a:lstStyle/>
+                    <a:p>
+                      <a:pPr algn="l" fontAlgn="b"/>
+                      <a:endParaRPr lang="en-US" sz="900" b="0" i="0" u="none" strike="noStrike">
+                        <a:solidFill>
+                          <a:srgbClr val="000000"/>
+                        </a:solidFill>
+                        <a:effectLst/>
+                        <a:latin typeface="Calibri" panose="020F0502020204030204" pitchFamily="34" charset="0"/>
+                      </a:endParaRPr>
+                    </a:p>
+                  </a:txBody>
+                  <a:tcPr marL="8079" marR="8079" marT="8079" marB="0" anchor="b"/>
+                </a:tc>
+                <a:tc>
+                  <a:txBody>
+                    <a:bodyPr/>
+                    <a:lstStyle/>
+                    <a:p>
+                      <a:pPr algn="l" fontAlgn="b"/>
+                      <a:endParaRPr lang="en-US" sz="900" b="0" i="0" u="none" strike="noStrike">
+                        <a:solidFill>
+                          <a:srgbClr val="000000"/>
+                        </a:solidFill>
+                        <a:effectLst/>
+                        <a:latin typeface="Calibri" panose="020F0502020204030204" pitchFamily="34" charset="0"/>
+                      </a:endParaRPr>
+                    </a:p>
+                  </a:txBody>
+                  <a:tcPr marL="8079" marR="8079" marT="8079" marB="0" anchor="b"/>
+                </a:tc>
+                <a:tc>
+                  <a:txBody>
+                    <a:bodyPr/>
+                    <a:lstStyle/>
+                    <a:p>
+                      <a:pPr algn="l" fontAlgn="b"/>
+                      <a:endParaRPr lang="en-US" sz="900" b="0" i="0" u="none" strike="noStrike">
+                        <a:solidFill>
+                          <a:srgbClr val="000000"/>
+                        </a:solidFill>
+                        <a:effectLst/>
+                        <a:latin typeface="Calibri" panose="020F0502020204030204" pitchFamily="34" charset="0"/>
+                      </a:endParaRPr>
+                    </a:p>
+                  </a:txBody>
+                  <a:tcPr marL="8079" marR="8079" marT="8079" marB="0" anchor="b"/>
+                </a:tc>
+                <a:extLst>
+                  <a:ext uri="{0D108BD9-81ED-4DB2-BD59-A6C34878D82A}">
+                    <a16:rowId xmlns:a16="http://schemas.microsoft.com/office/drawing/2014/main" val="1335595290"/>
+                  </a:ext>
+                </a:extLst>
+              </a:tr>
+              <a:tr h="161574">
+                <a:tc>
+                  <a:txBody>
+                    <a:bodyPr/>
+                    <a:lstStyle/>
+                    <a:p>
+                      <a:pPr algn="l" fontAlgn="b"/>
+                      <a:r>
+                        <a:rPr lang="en-US" sz="900" u="none" strike="noStrike">
+                          <a:effectLst/>
+                        </a:rPr>
+                        <a:t>Residual</a:t>
+                      </a:r>
+                      <a:endParaRPr lang="en-US" sz="900" b="0" i="0" u="none" strike="noStrike">
+                        <a:solidFill>
+                          <a:srgbClr val="000000"/>
+                        </a:solidFill>
+                        <a:effectLst/>
+                        <a:latin typeface="Calibri" panose="020F0502020204030204" pitchFamily="34" charset="0"/>
+                      </a:endParaRPr>
+                    </a:p>
+                  </a:txBody>
+                  <a:tcPr marL="8079" marR="8079" marT="8079" marB="0" anchor="b"/>
+                </a:tc>
+                <a:tc>
+                  <a:txBody>
+                    <a:bodyPr/>
+                    <a:lstStyle/>
+                    <a:p>
+                      <a:pPr algn="r" fontAlgn="b"/>
+                      <a:r>
+                        <a:rPr lang="en-US" sz="900" u="none" strike="noStrike">
+                          <a:effectLst/>
+                        </a:rPr>
+                        <a:t>496</a:t>
+                      </a:r>
+                      <a:endParaRPr lang="en-US" sz="900" b="0" i="0" u="none" strike="noStrike">
+                        <a:solidFill>
+                          <a:srgbClr val="000000"/>
+                        </a:solidFill>
+                        <a:effectLst/>
+                        <a:latin typeface="Calibri" panose="020F0502020204030204" pitchFamily="34" charset="0"/>
+                      </a:endParaRPr>
+                    </a:p>
+                  </a:txBody>
+                  <a:tcPr marL="8079" marR="8079" marT="8079" marB="0" anchor="b"/>
+                </a:tc>
+                <a:tc>
+                  <a:txBody>
+                    <a:bodyPr/>
+                    <a:lstStyle/>
+                    <a:p>
+                      <a:pPr algn="r" fontAlgn="b"/>
+                      <a:r>
+                        <a:rPr lang="en-US" sz="900" u="none" strike="noStrike">
+                          <a:effectLst/>
+                        </a:rPr>
+                        <a:t>1261888</a:t>
+                      </a:r>
+                      <a:endParaRPr lang="en-US" sz="900" b="0" i="0" u="none" strike="noStrike">
+                        <a:solidFill>
+                          <a:srgbClr val="000000"/>
+                        </a:solidFill>
+                        <a:effectLst/>
+                        <a:latin typeface="Calibri" panose="020F0502020204030204" pitchFamily="34" charset="0"/>
+                      </a:endParaRPr>
+                    </a:p>
+                  </a:txBody>
+                  <a:tcPr marL="8079" marR="8079" marT="8079" marB="0" anchor="b"/>
+                </a:tc>
+                <a:tc>
+                  <a:txBody>
+                    <a:bodyPr/>
+                    <a:lstStyle/>
+                    <a:p>
+                      <a:pPr algn="r" fontAlgn="b"/>
+                      <a:r>
+                        <a:rPr lang="en-US" sz="900" u="none" strike="noStrike">
+                          <a:effectLst/>
+                        </a:rPr>
+                        <a:t>2544.128</a:t>
+                      </a:r>
+                      <a:endParaRPr lang="en-US" sz="900" b="0" i="0" u="none" strike="noStrike">
+                        <a:solidFill>
+                          <a:srgbClr val="000000"/>
+                        </a:solidFill>
+                        <a:effectLst/>
+                        <a:latin typeface="Calibri" panose="020F0502020204030204" pitchFamily="34" charset="0"/>
+                      </a:endParaRPr>
+                    </a:p>
+                  </a:txBody>
+                  <a:tcPr marL="8079" marR="8079" marT="8079" marB="0" anchor="b"/>
+                </a:tc>
+                <a:tc>
+                  <a:txBody>
+                    <a:bodyPr/>
+                    <a:lstStyle/>
+                    <a:p>
+                      <a:pPr algn="l" fontAlgn="b"/>
+                      <a:endParaRPr lang="en-US" sz="900" b="0" i="0" u="none" strike="noStrike">
+                        <a:solidFill>
+                          <a:srgbClr val="000000"/>
+                        </a:solidFill>
+                        <a:effectLst/>
+                        <a:latin typeface="Calibri" panose="020F0502020204030204" pitchFamily="34" charset="0"/>
+                      </a:endParaRPr>
+                    </a:p>
+                  </a:txBody>
+                  <a:tcPr marL="8079" marR="8079" marT="8079" marB="0" anchor="b"/>
+                </a:tc>
+                <a:tc>
+                  <a:txBody>
+                    <a:bodyPr/>
+                    <a:lstStyle/>
+                    <a:p>
+                      <a:pPr algn="l" fontAlgn="b"/>
+                      <a:endParaRPr lang="en-US" sz="900" b="0" i="0" u="none" strike="noStrike">
+                        <a:solidFill>
+                          <a:srgbClr val="000000"/>
+                        </a:solidFill>
+                        <a:effectLst/>
+                        <a:latin typeface="Calibri" panose="020F0502020204030204" pitchFamily="34" charset="0"/>
+                      </a:endParaRPr>
+                    </a:p>
+                  </a:txBody>
+                  <a:tcPr marL="8079" marR="8079" marT="8079" marB="0" anchor="b"/>
+                </a:tc>
+                <a:tc>
+                  <a:txBody>
+                    <a:bodyPr/>
+                    <a:lstStyle/>
+                    <a:p>
+                      <a:pPr algn="l" fontAlgn="b"/>
+                      <a:endParaRPr lang="en-US" sz="900" b="0" i="0" u="none" strike="noStrike">
+                        <a:solidFill>
+                          <a:srgbClr val="000000"/>
+                        </a:solidFill>
+                        <a:effectLst/>
+                        <a:latin typeface="Calibri" panose="020F0502020204030204" pitchFamily="34" charset="0"/>
+                      </a:endParaRPr>
+                    </a:p>
+                  </a:txBody>
+                  <a:tcPr marL="8079" marR="8079" marT="8079" marB="0" anchor="b"/>
+                </a:tc>
+                <a:tc>
+                  <a:txBody>
+                    <a:bodyPr/>
+                    <a:lstStyle/>
+                    <a:p>
+                      <a:pPr algn="l" fontAlgn="b"/>
+                      <a:endParaRPr lang="en-US" sz="900" b="0" i="0" u="none" strike="noStrike">
+                        <a:solidFill>
+                          <a:srgbClr val="000000"/>
+                        </a:solidFill>
+                        <a:effectLst/>
+                        <a:latin typeface="Calibri" panose="020F0502020204030204" pitchFamily="34" charset="0"/>
+                      </a:endParaRPr>
+                    </a:p>
+                  </a:txBody>
+                  <a:tcPr marL="8079" marR="8079" marT="8079" marB="0" anchor="b"/>
+                </a:tc>
+                <a:tc>
+                  <a:txBody>
+                    <a:bodyPr/>
+                    <a:lstStyle/>
+                    <a:p>
+                      <a:pPr algn="l" fontAlgn="b"/>
+                      <a:endParaRPr lang="en-US" sz="900" b="0" i="0" u="none" strike="noStrike">
+                        <a:solidFill>
+                          <a:srgbClr val="000000"/>
+                        </a:solidFill>
+                        <a:effectLst/>
+                        <a:latin typeface="Calibri" panose="020F0502020204030204" pitchFamily="34" charset="0"/>
+                      </a:endParaRPr>
+                    </a:p>
+                  </a:txBody>
+                  <a:tcPr marL="8079" marR="8079" marT="8079" marB="0" anchor="b"/>
+                </a:tc>
+                <a:extLst>
+                  <a:ext uri="{0D108BD9-81ED-4DB2-BD59-A6C34878D82A}">
+                    <a16:rowId xmlns:a16="http://schemas.microsoft.com/office/drawing/2014/main" val="4102864042"/>
+                  </a:ext>
+                </a:extLst>
+              </a:tr>
+              <a:tr h="169653">
+                <a:tc>
+                  <a:txBody>
+                    <a:bodyPr/>
+                    <a:lstStyle/>
+                    <a:p>
+                      <a:pPr algn="l" fontAlgn="b"/>
+                      <a:r>
+                        <a:rPr lang="en-US" sz="900" u="none" strike="noStrike">
+                          <a:effectLst/>
+                        </a:rPr>
+                        <a:t>Total</a:t>
+                      </a:r>
+                      <a:endParaRPr lang="en-US" sz="900" b="0" i="0" u="none" strike="noStrike">
+                        <a:solidFill>
+                          <a:srgbClr val="000000"/>
+                        </a:solidFill>
+                        <a:effectLst/>
+                        <a:latin typeface="Calibri" panose="020F0502020204030204" pitchFamily="34" charset="0"/>
+                      </a:endParaRPr>
+                    </a:p>
+                  </a:txBody>
+                  <a:tcPr marL="8079" marR="8079" marT="8079" marB="0" anchor="b"/>
+                </a:tc>
+                <a:tc>
+                  <a:txBody>
+                    <a:bodyPr/>
+                    <a:lstStyle/>
+                    <a:p>
+                      <a:pPr algn="r" fontAlgn="b"/>
+                      <a:r>
+                        <a:rPr lang="en-US" sz="900" u="none" strike="noStrike">
+                          <a:effectLst/>
+                        </a:rPr>
+                        <a:t>499</a:t>
+                      </a:r>
+                      <a:endParaRPr lang="en-US" sz="900" b="0" i="0" u="none" strike="noStrike">
+                        <a:solidFill>
+                          <a:srgbClr val="000000"/>
+                        </a:solidFill>
+                        <a:effectLst/>
+                        <a:latin typeface="Calibri" panose="020F0502020204030204" pitchFamily="34" charset="0"/>
+                      </a:endParaRPr>
+                    </a:p>
+                  </a:txBody>
+                  <a:tcPr marL="8079" marR="8079" marT="8079" marB="0" anchor="b"/>
+                </a:tc>
+                <a:tc>
+                  <a:txBody>
+                    <a:bodyPr/>
+                    <a:lstStyle/>
+                    <a:p>
+                      <a:pPr algn="r" fontAlgn="b"/>
+                      <a:r>
+                        <a:rPr lang="en-US" sz="900" u="none" strike="noStrike">
+                          <a:effectLst/>
+                        </a:rPr>
+                        <a:t>10431307</a:t>
+                      </a:r>
+                      <a:endParaRPr lang="en-US" sz="900" b="0" i="0" u="none" strike="noStrike">
+                        <a:solidFill>
+                          <a:srgbClr val="000000"/>
+                        </a:solidFill>
+                        <a:effectLst/>
+                        <a:latin typeface="Calibri" panose="020F0502020204030204" pitchFamily="34" charset="0"/>
+                      </a:endParaRPr>
+                    </a:p>
+                  </a:txBody>
+                  <a:tcPr marL="8079" marR="8079" marT="8079" marB="0" anchor="b"/>
+                </a:tc>
+                <a:tc>
+                  <a:txBody>
+                    <a:bodyPr/>
+                    <a:lstStyle/>
+                    <a:p>
+                      <a:pPr algn="l" fontAlgn="b"/>
+                      <a:r>
+                        <a:rPr lang="en-US" sz="900" u="none" strike="noStrike">
+                          <a:effectLst/>
+                        </a:rPr>
+                        <a:t> </a:t>
+                      </a:r>
+                      <a:endParaRPr lang="en-US" sz="900" b="0" i="0" u="none" strike="noStrike">
+                        <a:solidFill>
+                          <a:srgbClr val="000000"/>
+                        </a:solidFill>
+                        <a:effectLst/>
+                        <a:latin typeface="Calibri" panose="020F0502020204030204" pitchFamily="34" charset="0"/>
+                      </a:endParaRPr>
+                    </a:p>
+                  </a:txBody>
+                  <a:tcPr marL="8079" marR="8079" marT="8079" marB="0" anchor="b"/>
+                </a:tc>
+                <a:tc>
+                  <a:txBody>
+                    <a:bodyPr/>
+                    <a:lstStyle/>
+                    <a:p>
+                      <a:pPr algn="l" fontAlgn="b"/>
+                      <a:r>
+                        <a:rPr lang="en-US" sz="900" u="none" strike="noStrike">
+                          <a:effectLst/>
+                        </a:rPr>
+                        <a:t> </a:t>
+                      </a:r>
+                      <a:endParaRPr lang="en-US" sz="900" b="0" i="0" u="none" strike="noStrike">
+                        <a:solidFill>
+                          <a:srgbClr val="000000"/>
+                        </a:solidFill>
+                        <a:effectLst/>
+                        <a:latin typeface="Calibri" panose="020F0502020204030204" pitchFamily="34" charset="0"/>
+                      </a:endParaRPr>
+                    </a:p>
+                  </a:txBody>
+                  <a:tcPr marL="8079" marR="8079" marT="8079" marB="0" anchor="b"/>
+                </a:tc>
+                <a:tc>
+                  <a:txBody>
+                    <a:bodyPr/>
+                    <a:lstStyle/>
+                    <a:p>
+                      <a:pPr algn="l" fontAlgn="b"/>
+                      <a:r>
+                        <a:rPr lang="en-US" sz="900" u="none" strike="noStrike">
+                          <a:effectLst/>
+                        </a:rPr>
+                        <a:t> </a:t>
+                      </a:r>
+                      <a:endParaRPr lang="en-US" sz="900" b="0" i="0" u="none" strike="noStrike">
+                        <a:solidFill>
+                          <a:srgbClr val="000000"/>
+                        </a:solidFill>
+                        <a:effectLst/>
+                        <a:latin typeface="Calibri" panose="020F0502020204030204" pitchFamily="34" charset="0"/>
+                      </a:endParaRPr>
+                    </a:p>
+                  </a:txBody>
+                  <a:tcPr marL="8079" marR="8079" marT="8079" marB="0" anchor="b"/>
+                </a:tc>
+                <a:tc>
+                  <a:txBody>
+                    <a:bodyPr/>
+                    <a:lstStyle/>
+                    <a:p>
+                      <a:pPr algn="l" fontAlgn="b"/>
+                      <a:endParaRPr lang="en-US" sz="900" b="0" i="0" u="none" strike="noStrike">
+                        <a:solidFill>
+                          <a:srgbClr val="000000"/>
+                        </a:solidFill>
+                        <a:effectLst/>
+                        <a:latin typeface="Calibri" panose="020F0502020204030204" pitchFamily="34" charset="0"/>
+                      </a:endParaRPr>
+                    </a:p>
+                  </a:txBody>
+                  <a:tcPr marL="8079" marR="8079" marT="8079" marB="0" anchor="b"/>
+                </a:tc>
+                <a:tc>
+                  <a:txBody>
+                    <a:bodyPr/>
+                    <a:lstStyle/>
+                    <a:p>
+                      <a:pPr algn="l" fontAlgn="b"/>
+                      <a:endParaRPr lang="en-US" sz="900" b="0" i="0" u="none" strike="noStrike">
+                        <a:solidFill>
+                          <a:srgbClr val="000000"/>
+                        </a:solidFill>
+                        <a:effectLst/>
+                        <a:latin typeface="Calibri" panose="020F0502020204030204" pitchFamily="34" charset="0"/>
+                      </a:endParaRPr>
+                    </a:p>
+                  </a:txBody>
+                  <a:tcPr marL="8079" marR="8079" marT="8079" marB="0" anchor="b"/>
+                </a:tc>
+                <a:tc>
+                  <a:txBody>
+                    <a:bodyPr/>
+                    <a:lstStyle/>
+                    <a:p>
+                      <a:pPr algn="l" fontAlgn="b"/>
+                      <a:endParaRPr lang="en-US" sz="900" b="0" i="0" u="none" strike="noStrike">
+                        <a:solidFill>
+                          <a:srgbClr val="000000"/>
+                        </a:solidFill>
+                        <a:effectLst/>
+                        <a:latin typeface="Calibri" panose="020F0502020204030204" pitchFamily="34" charset="0"/>
+                      </a:endParaRPr>
+                    </a:p>
+                  </a:txBody>
+                  <a:tcPr marL="8079" marR="8079" marT="8079" marB="0" anchor="b"/>
+                </a:tc>
+                <a:extLst>
+                  <a:ext uri="{0D108BD9-81ED-4DB2-BD59-A6C34878D82A}">
+                    <a16:rowId xmlns:a16="http://schemas.microsoft.com/office/drawing/2014/main" val="463015384"/>
+                  </a:ext>
+                </a:extLst>
+              </a:tr>
+              <a:tr h="169653">
+                <a:tc>
+                  <a:txBody>
+                    <a:bodyPr/>
+                    <a:lstStyle/>
+                    <a:p>
+                      <a:pPr algn="l" fontAlgn="b"/>
+                      <a:endParaRPr lang="en-US" sz="900" b="0" i="0" u="none" strike="noStrike">
+                        <a:solidFill>
+                          <a:srgbClr val="000000"/>
+                        </a:solidFill>
+                        <a:effectLst/>
+                        <a:latin typeface="Calibri" panose="020F0502020204030204" pitchFamily="34" charset="0"/>
+                      </a:endParaRPr>
+                    </a:p>
+                  </a:txBody>
+                  <a:tcPr marL="8079" marR="8079" marT="8079" marB="0" anchor="b"/>
+                </a:tc>
+                <a:tc>
+                  <a:txBody>
+                    <a:bodyPr/>
+                    <a:lstStyle/>
+                    <a:p>
+                      <a:pPr algn="l" fontAlgn="b"/>
+                      <a:endParaRPr lang="en-US" sz="900" b="0" i="0" u="none" strike="noStrike">
+                        <a:solidFill>
+                          <a:srgbClr val="000000"/>
+                        </a:solidFill>
+                        <a:effectLst/>
+                        <a:latin typeface="Calibri" panose="020F0502020204030204" pitchFamily="34" charset="0"/>
+                      </a:endParaRPr>
+                    </a:p>
+                  </a:txBody>
+                  <a:tcPr marL="8079" marR="8079" marT="8079" marB="0" anchor="b"/>
+                </a:tc>
+                <a:tc>
+                  <a:txBody>
+                    <a:bodyPr/>
+                    <a:lstStyle/>
+                    <a:p>
+                      <a:pPr algn="l" fontAlgn="b"/>
+                      <a:endParaRPr lang="en-US" sz="900" b="0" i="0" u="none" strike="noStrike">
+                        <a:solidFill>
+                          <a:srgbClr val="000000"/>
+                        </a:solidFill>
+                        <a:effectLst/>
+                        <a:latin typeface="Calibri" panose="020F0502020204030204" pitchFamily="34" charset="0"/>
+                      </a:endParaRPr>
+                    </a:p>
+                  </a:txBody>
+                  <a:tcPr marL="8079" marR="8079" marT="8079" marB="0" anchor="b"/>
+                </a:tc>
+                <a:tc>
+                  <a:txBody>
+                    <a:bodyPr/>
+                    <a:lstStyle/>
+                    <a:p>
+                      <a:pPr algn="l" fontAlgn="b"/>
+                      <a:endParaRPr lang="en-US" sz="900" b="0" i="0" u="none" strike="noStrike">
+                        <a:solidFill>
+                          <a:srgbClr val="000000"/>
+                        </a:solidFill>
+                        <a:effectLst/>
+                        <a:latin typeface="Calibri" panose="020F0502020204030204" pitchFamily="34" charset="0"/>
+                      </a:endParaRPr>
+                    </a:p>
+                  </a:txBody>
+                  <a:tcPr marL="8079" marR="8079" marT="8079" marB="0" anchor="b"/>
+                </a:tc>
+                <a:tc>
+                  <a:txBody>
+                    <a:bodyPr/>
+                    <a:lstStyle/>
+                    <a:p>
+                      <a:pPr algn="l" fontAlgn="b"/>
+                      <a:endParaRPr lang="en-US" sz="900" b="0" i="0" u="none" strike="noStrike">
+                        <a:solidFill>
+                          <a:srgbClr val="000000"/>
+                        </a:solidFill>
+                        <a:effectLst/>
+                        <a:latin typeface="Calibri" panose="020F0502020204030204" pitchFamily="34" charset="0"/>
+                      </a:endParaRPr>
+                    </a:p>
+                  </a:txBody>
+                  <a:tcPr marL="8079" marR="8079" marT="8079" marB="0" anchor="b"/>
+                </a:tc>
+                <a:tc>
+                  <a:txBody>
+                    <a:bodyPr/>
+                    <a:lstStyle/>
+                    <a:p>
+                      <a:pPr algn="l" fontAlgn="b"/>
+                      <a:endParaRPr lang="en-US" sz="900" b="0" i="0" u="none" strike="noStrike">
+                        <a:solidFill>
+                          <a:srgbClr val="000000"/>
+                        </a:solidFill>
+                        <a:effectLst/>
+                        <a:latin typeface="Calibri" panose="020F0502020204030204" pitchFamily="34" charset="0"/>
+                      </a:endParaRPr>
+                    </a:p>
+                  </a:txBody>
+                  <a:tcPr marL="8079" marR="8079" marT="8079" marB="0" anchor="b"/>
+                </a:tc>
+                <a:tc>
+                  <a:txBody>
+                    <a:bodyPr/>
+                    <a:lstStyle/>
+                    <a:p>
+                      <a:pPr algn="l" fontAlgn="b"/>
+                      <a:endParaRPr lang="en-US" sz="900" b="0" i="0" u="none" strike="noStrike">
+                        <a:solidFill>
+                          <a:srgbClr val="000000"/>
+                        </a:solidFill>
+                        <a:effectLst/>
+                        <a:latin typeface="Calibri" panose="020F0502020204030204" pitchFamily="34" charset="0"/>
+                      </a:endParaRPr>
+                    </a:p>
+                  </a:txBody>
+                  <a:tcPr marL="8079" marR="8079" marT="8079" marB="0" anchor="b"/>
+                </a:tc>
+                <a:tc>
+                  <a:txBody>
+                    <a:bodyPr/>
+                    <a:lstStyle/>
+                    <a:p>
+                      <a:pPr algn="l" fontAlgn="b"/>
+                      <a:endParaRPr lang="en-US" sz="900" b="0" i="0" u="none" strike="noStrike">
+                        <a:solidFill>
+                          <a:srgbClr val="000000"/>
+                        </a:solidFill>
+                        <a:effectLst/>
+                        <a:latin typeface="Calibri" panose="020F0502020204030204" pitchFamily="34" charset="0"/>
+                      </a:endParaRPr>
+                    </a:p>
+                  </a:txBody>
+                  <a:tcPr marL="8079" marR="8079" marT="8079" marB="0" anchor="b"/>
+                </a:tc>
+                <a:tc>
+                  <a:txBody>
+                    <a:bodyPr/>
+                    <a:lstStyle/>
+                    <a:p>
+                      <a:pPr algn="l" fontAlgn="b"/>
+                      <a:endParaRPr lang="en-US" sz="900" b="0" i="0" u="none" strike="noStrike">
+                        <a:solidFill>
+                          <a:srgbClr val="000000"/>
+                        </a:solidFill>
+                        <a:effectLst/>
+                        <a:latin typeface="Calibri" panose="020F0502020204030204" pitchFamily="34" charset="0"/>
+                      </a:endParaRPr>
+                    </a:p>
+                  </a:txBody>
+                  <a:tcPr marL="8079" marR="8079" marT="8079" marB="0" anchor="b"/>
+                </a:tc>
+                <a:extLst>
+                  <a:ext uri="{0D108BD9-81ED-4DB2-BD59-A6C34878D82A}">
+                    <a16:rowId xmlns:a16="http://schemas.microsoft.com/office/drawing/2014/main" val="1444240647"/>
+                  </a:ext>
+                </a:extLst>
+              </a:tr>
+              <a:tr h="292450">
+                <a:tc>
+                  <a:txBody>
+                    <a:bodyPr/>
+                    <a:lstStyle/>
+                    <a:p>
+                      <a:pPr algn="ctr" fontAlgn="b"/>
+                      <a:r>
+                        <a:rPr lang="en-US" sz="900" u="none" strike="noStrike">
+                          <a:effectLst/>
+                        </a:rPr>
+                        <a:t> </a:t>
+                      </a:r>
+                      <a:endParaRPr lang="en-US" sz="900" b="0" i="1" u="none" strike="noStrike">
+                        <a:solidFill>
+                          <a:srgbClr val="000000"/>
+                        </a:solidFill>
+                        <a:effectLst/>
+                        <a:latin typeface="Calibri" panose="020F0502020204030204" pitchFamily="34" charset="0"/>
+                      </a:endParaRPr>
+                    </a:p>
+                  </a:txBody>
+                  <a:tcPr marL="8079" marR="8079" marT="8079" marB="0" anchor="b"/>
+                </a:tc>
+                <a:tc>
+                  <a:txBody>
+                    <a:bodyPr/>
+                    <a:lstStyle/>
+                    <a:p>
+                      <a:pPr algn="ctr" fontAlgn="b"/>
+                      <a:r>
+                        <a:rPr lang="en-US" sz="900" u="none" strike="noStrike">
+                          <a:effectLst/>
+                        </a:rPr>
+                        <a:t>Coefficients</a:t>
+                      </a:r>
+                      <a:endParaRPr lang="en-US" sz="900" b="0" i="1" u="none" strike="noStrike">
+                        <a:solidFill>
+                          <a:srgbClr val="000000"/>
+                        </a:solidFill>
+                        <a:effectLst/>
+                        <a:latin typeface="Calibri" panose="020F0502020204030204" pitchFamily="34" charset="0"/>
+                      </a:endParaRPr>
+                    </a:p>
+                  </a:txBody>
+                  <a:tcPr marL="8079" marR="8079" marT="8079" marB="0" anchor="b"/>
+                </a:tc>
+                <a:tc>
+                  <a:txBody>
+                    <a:bodyPr/>
+                    <a:lstStyle/>
+                    <a:p>
+                      <a:pPr algn="ctr" fontAlgn="b"/>
+                      <a:r>
+                        <a:rPr lang="en-US" sz="900" u="none" strike="noStrike">
+                          <a:effectLst/>
+                        </a:rPr>
+                        <a:t>Standard Error</a:t>
+                      </a:r>
+                      <a:endParaRPr lang="en-US" sz="900" b="0" i="1" u="none" strike="noStrike">
+                        <a:solidFill>
+                          <a:srgbClr val="000000"/>
+                        </a:solidFill>
+                        <a:effectLst/>
+                        <a:latin typeface="Calibri" panose="020F0502020204030204" pitchFamily="34" charset="0"/>
+                      </a:endParaRPr>
+                    </a:p>
+                  </a:txBody>
+                  <a:tcPr marL="8079" marR="8079" marT="8079" marB="0" anchor="b"/>
+                </a:tc>
+                <a:tc>
+                  <a:txBody>
+                    <a:bodyPr/>
+                    <a:lstStyle/>
+                    <a:p>
+                      <a:pPr algn="ctr" fontAlgn="b"/>
+                      <a:r>
+                        <a:rPr lang="en-US" sz="900" u="none" strike="noStrike">
+                          <a:effectLst/>
+                        </a:rPr>
+                        <a:t>t Stat</a:t>
+                      </a:r>
+                      <a:endParaRPr lang="en-US" sz="900" b="0" i="1" u="none" strike="noStrike">
+                        <a:solidFill>
+                          <a:srgbClr val="000000"/>
+                        </a:solidFill>
+                        <a:effectLst/>
+                        <a:latin typeface="Calibri" panose="020F0502020204030204" pitchFamily="34" charset="0"/>
+                      </a:endParaRPr>
+                    </a:p>
+                  </a:txBody>
+                  <a:tcPr marL="8079" marR="8079" marT="8079" marB="0" anchor="b"/>
+                </a:tc>
+                <a:tc>
+                  <a:txBody>
+                    <a:bodyPr/>
+                    <a:lstStyle/>
+                    <a:p>
+                      <a:pPr algn="ctr" fontAlgn="b"/>
+                      <a:r>
+                        <a:rPr lang="en-US" sz="900" u="none" strike="noStrike">
+                          <a:effectLst/>
+                        </a:rPr>
+                        <a:t>P-value</a:t>
+                      </a:r>
+                      <a:endParaRPr lang="en-US" sz="900" b="0" i="1" u="none" strike="noStrike">
+                        <a:solidFill>
+                          <a:srgbClr val="000000"/>
+                        </a:solidFill>
+                        <a:effectLst/>
+                        <a:latin typeface="Calibri" panose="020F0502020204030204" pitchFamily="34" charset="0"/>
+                      </a:endParaRPr>
+                    </a:p>
+                  </a:txBody>
+                  <a:tcPr marL="8079" marR="8079" marT="8079" marB="0" anchor="b"/>
+                </a:tc>
+                <a:tc>
+                  <a:txBody>
+                    <a:bodyPr/>
+                    <a:lstStyle/>
+                    <a:p>
+                      <a:pPr algn="ctr" fontAlgn="b"/>
+                      <a:r>
+                        <a:rPr lang="en-US" sz="900" u="none" strike="noStrike">
+                          <a:effectLst/>
+                        </a:rPr>
+                        <a:t>Lower 95%</a:t>
+                      </a:r>
+                      <a:endParaRPr lang="en-US" sz="900" b="0" i="1" u="none" strike="noStrike">
+                        <a:solidFill>
+                          <a:srgbClr val="000000"/>
+                        </a:solidFill>
+                        <a:effectLst/>
+                        <a:latin typeface="Calibri" panose="020F0502020204030204" pitchFamily="34" charset="0"/>
+                      </a:endParaRPr>
+                    </a:p>
+                  </a:txBody>
+                  <a:tcPr marL="8079" marR="8079" marT="8079" marB="0" anchor="b"/>
+                </a:tc>
+                <a:tc>
+                  <a:txBody>
+                    <a:bodyPr/>
+                    <a:lstStyle/>
+                    <a:p>
+                      <a:pPr algn="ctr" fontAlgn="b"/>
+                      <a:r>
+                        <a:rPr lang="en-US" sz="900" u="none" strike="noStrike">
+                          <a:effectLst/>
+                        </a:rPr>
+                        <a:t>Upper 95%</a:t>
+                      </a:r>
+                      <a:endParaRPr lang="en-US" sz="900" b="0" i="1" u="none" strike="noStrike">
+                        <a:solidFill>
+                          <a:srgbClr val="000000"/>
+                        </a:solidFill>
+                        <a:effectLst/>
+                        <a:latin typeface="Calibri" panose="020F0502020204030204" pitchFamily="34" charset="0"/>
+                      </a:endParaRPr>
+                    </a:p>
+                  </a:txBody>
+                  <a:tcPr marL="8079" marR="8079" marT="8079" marB="0" anchor="b"/>
+                </a:tc>
+                <a:tc>
+                  <a:txBody>
+                    <a:bodyPr/>
+                    <a:lstStyle/>
+                    <a:p>
+                      <a:pPr algn="ctr" fontAlgn="b"/>
+                      <a:r>
+                        <a:rPr lang="en-US" sz="900" u="none" strike="noStrike">
+                          <a:effectLst/>
+                        </a:rPr>
+                        <a:t>Lower 99.0%</a:t>
+                      </a:r>
+                      <a:endParaRPr lang="en-US" sz="900" b="0" i="1" u="none" strike="noStrike">
+                        <a:solidFill>
+                          <a:srgbClr val="000000"/>
+                        </a:solidFill>
+                        <a:effectLst/>
+                        <a:latin typeface="Calibri" panose="020F0502020204030204" pitchFamily="34" charset="0"/>
+                      </a:endParaRPr>
+                    </a:p>
+                  </a:txBody>
+                  <a:tcPr marL="8079" marR="8079" marT="8079" marB="0" anchor="b"/>
+                </a:tc>
+                <a:tc>
+                  <a:txBody>
+                    <a:bodyPr/>
+                    <a:lstStyle/>
+                    <a:p>
+                      <a:pPr algn="ctr" fontAlgn="b"/>
+                      <a:r>
+                        <a:rPr lang="en-US" sz="900" u="none" strike="noStrike">
+                          <a:effectLst/>
+                        </a:rPr>
+                        <a:t>Upper 99.0%</a:t>
+                      </a:r>
+                      <a:endParaRPr lang="en-US" sz="900" b="0" i="1" u="none" strike="noStrike">
+                        <a:solidFill>
+                          <a:srgbClr val="000000"/>
+                        </a:solidFill>
+                        <a:effectLst/>
+                        <a:latin typeface="Calibri" panose="020F0502020204030204" pitchFamily="34" charset="0"/>
+                      </a:endParaRPr>
+                    </a:p>
+                  </a:txBody>
+                  <a:tcPr marL="8079" marR="8079" marT="8079" marB="0" anchor="b"/>
+                </a:tc>
+                <a:extLst>
+                  <a:ext uri="{0D108BD9-81ED-4DB2-BD59-A6C34878D82A}">
+                    <a16:rowId xmlns:a16="http://schemas.microsoft.com/office/drawing/2014/main" val="3075510793"/>
+                  </a:ext>
+                </a:extLst>
+              </a:tr>
+              <a:tr h="161574">
+                <a:tc>
+                  <a:txBody>
+                    <a:bodyPr/>
+                    <a:lstStyle/>
+                    <a:p>
+                      <a:pPr algn="l" fontAlgn="b"/>
+                      <a:r>
+                        <a:rPr lang="en-US" sz="900" u="none" strike="noStrike">
+                          <a:effectLst/>
+                        </a:rPr>
+                        <a:t>Intercept</a:t>
+                      </a:r>
+                      <a:endParaRPr lang="en-US" sz="900" b="0" i="0" u="none" strike="noStrike">
+                        <a:solidFill>
+                          <a:srgbClr val="000000"/>
+                        </a:solidFill>
+                        <a:effectLst/>
+                        <a:latin typeface="Calibri" panose="020F0502020204030204" pitchFamily="34" charset="0"/>
+                      </a:endParaRPr>
+                    </a:p>
+                  </a:txBody>
+                  <a:tcPr marL="8079" marR="8079" marT="8079" marB="0" anchor="b"/>
+                </a:tc>
+                <a:tc>
+                  <a:txBody>
+                    <a:bodyPr/>
+                    <a:lstStyle/>
+                    <a:p>
+                      <a:pPr algn="r" fontAlgn="b"/>
+                      <a:r>
+                        <a:rPr lang="en-US" sz="900" u="none" strike="noStrike">
+                          <a:effectLst/>
+                        </a:rPr>
+                        <a:t>14.07820065</a:t>
+                      </a:r>
+                      <a:endParaRPr lang="en-US" sz="900" b="0" i="0" u="none" strike="noStrike">
+                        <a:solidFill>
+                          <a:srgbClr val="000000"/>
+                        </a:solidFill>
+                        <a:effectLst/>
+                        <a:latin typeface="Calibri" panose="020F0502020204030204" pitchFamily="34" charset="0"/>
+                      </a:endParaRPr>
+                    </a:p>
+                  </a:txBody>
+                  <a:tcPr marL="8079" marR="8079" marT="8079" marB="0" anchor="b"/>
+                </a:tc>
+                <a:tc>
+                  <a:txBody>
+                    <a:bodyPr/>
+                    <a:lstStyle/>
+                    <a:p>
+                      <a:pPr algn="r" fontAlgn="b"/>
+                      <a:r>
+                        <a:rPr lang="en-US" sz="900" u="none" strike="noStrike">
+                          <a:effectLst/>
+                        </a:rPr>
+                        <a:t>3.865983</a:t>
+                      </a:r>
+                      <a:endParaRPr lang="en-US" sz="900" b="0" i="0" u="none" strike="noStrike">
+                        <a:solidFill>
+                          <a:srgbClr val="000000"/>
+                        </a:solidFill>
+                        <a:effectLst/>
+                        <a:latin typeface="Calibri" panose="020F0502020204030204" pitchFamily="34" charset="0"/>
+                      </a:endParaRPr>
+                    </a:p>
+                  </a:txBody>
+                  <a:tcPr marL="8079" marR="8079" marT="8079" marB="0" anchor="b"/>
+                </a:tc>
+                <a:tc>
+                  <a:txBody>
+                    <a:bodyPr/>
+                    <a:lstStyle/>
+                    <a:p>
+                      <a:pPr algn="r" fontAlgn="b"/>
+                      <a:r>
+                        <a:rPr lang="en-US" sz="900" u="none" strike="noStrike">
+                          <a:effectLst/>
+                        </a:rPr>
+                        <a:t>3.641558</a:t>
+                      </a:r>
+                      <a:endParaRPr lang="en-US" sz="900" b="0" i="0" u="none" strike="noStrike">
+                        <a:solidFill>
+                          <a:srgbClr val="000000"/>
+                        </a:solidFill>
+                        <a:effectLst/>
+                        <a:latin typeface="Calibri" panose="020F0502020204030204" pitchFamily="34" charset="0"/>
+                      </a:endParaRPr>
+                    </a:p>
+                  </a:txBody>
+                  <a:tcPr marL="8079" marR="8079" marT="8079" marB="0" anchor="b"/>
+                </a:tc>
+                <a:tc>
+                  <a:txBody>
+                    <a:bodyPr/>
+                    <a:lstStyle/>
+                    <a:p>
+                      <a:pPr algn="r" fontAlgn="b"/>
+                      <a:r>
+                        <a:rPr lang="en-US" sz="900" u="none" strike="noStrike">
+                          <a:effectLst/>
+                        </a:rPr>
+                        <a:t>0.000299</a:t>
+                      </a:r>
+                      <a:endParaRPr lang="en-US" sz="900" b="0" i="0" u="none" strike="noStrike">
+                        <a:solidFill>
+                          <a:srgbClr val="000000"/>
+                        </a:solidFill>
+                        <a:effectLst/>
+                        <a:latin typeface="Calibri" panose="020F0502020204030204" pitchFamily="34" charset="0"/>
+                      </a:endParaRPr>
+                    </a:p>
+                  </a:txBody>
+                  <a:tcPr marL="8079" marR="8079" marT="8079" marB="0" anchor="b"/>
+                </a:tc>
+                <a:tc>
+                  <a:txBody>
+                    <a:bodyPr/>
+                    <a:lstStyle/>
+                    <a:p>
+                      <a:pPr algn="r" fontAlgn="b"/>
+                      <a:r>
+                        <a:rPr lang="en-US" sz="900" u="none" strike="noStrike">
+                          <a:effectLst/>
+                        </a:rPr>
+                        <a:t>6.482479</a:t>
+                      </a:r>
+                      <a:endParaRPr lang="en-US" sz="900" b="0" i="0" u="none" strike="noStrike">
+                        <a:solidFill>
+                          <a:srgbClr val="000000"/>
+                        </a:solidFill>
+                        <a:effectLst/>
+                        <a:latin typeface="Calibri" panose="020F0502020204030204" pitchFamily="34" charset="0"/>
+                      </a:endParaRPr>
+                    </a:p>
+                  </a:txBody>
+                  <a:tcPr marL="8079" marR="8079" marT="8079" marB="0" anchor="b"/>
+                </a:tc>
+                <a:tc>
+                  <a:txBody>
+                    <a:bodyPr/>
+                    <a:lstStyle/>
+                    <a:p>
+                      <a:pPr algn="r" fontAlgn="b"/>
+                      <a:r>
+                        <a:rPr lang="en-US" sz="900" u="none" strike="noStrike">
+                          <a:effectLst/>
+                        </a:rPr>
+                        <a:t>21.67392</a:t>
+                      </a:r>
+                      <a:endParaRPr lang="en-US" sz="900" b="0" i="0" u="none" strike="noStrike">
+                        <a:solidFill>
+                          <a:srgbClr val="000000"/>
+                        </a:solidFill>
+                        <a:effectLst/>
+                        <a:latin typeface="Calibri" panose="020F0502020204030204" pitchFamily="34" charset="0"/>
+                      </a:endParaRPr>
+                    </a:p>
+                  </a:txBody>
+                  <a:tcPr marL="8079" marR="8079" marT="8079" marB="0" anchor="b"/>
+                </a:tc>
+                <a:tc>
+                  <a:txBody>
+                    <a:bodyPr/>
+                    <a:lstStyle/>
+                    <a:p>
+                      <a:pPr algn="r" fontAlgn="b"/>
+                      <a:r>
+                        <a:rPr lang="en-US" sz="900" u="none" strike="noStrike">
+                          <a:effectLst/>
+                        </a:rPr>
+                        <a:t>4.081629</a:t>
+                      </a:r>
+                      <a:endParaRPr lang="en-US" sz="900" b="0" i="0" u="none" strike="noStrike">
+                        <a:solidFill>
+                          <a:srgbClr val="000000"/>
+                        </a:solidFill>
+                        <a:effectLst/>
+                        <a:latin typeface="Calibri" panose="020F0502020204030204" pitchFamily="34" charset="0"/>
+                      </a:endParaRPr>
+                    </a:p>
+                  </a:txBody>
+                  <a:tcPr marL="8079" marR="8079" marT="8079" marB="0" anchor="b"/>
+                </a:tc>
+                <a:tc>
+                  <a:txBody>
+                    <a:bodyPr/>
+                    <a:lstStyle/>
+                    <a:p>
+                      <a:pPr algn="r" fontAlgn="b"/>
+                      <a:r>
+                        <a:rPr lang="en-US" sz="900" u="none" strike="noStrike">
+                          <a:effectLst/>
+                        </a:rPr>
+                        <a:t>24.07477</a:t>
+                      </a:r>
+                      <a:endParaRPr lang="en-US" sz="900" b="0" i="0" u="none" strike="noStrike">
+                        <a:solidFill>
+                          <a:srgbClr val="000000"/>
+                        </a:solidFill>
+                        <a:effectLst/>
+                        <a:latin typeface="Calibri" panose="020F0502020204030204" pitchFamily="34" charset="0"/>
+                      </a:endParaRPr>
+                    </a:p>
+                  </a:txBody>
+                  <a:tcPr marL="8079" marR="8079" marT="8079" marB="0" anchor="b"/>
+                </a:tc>
+                <a:extLst>
+                  <a:ext uri="{0D108BD9-81ED-4DB2-BD59-A6C34878D82A}">
+                    <a16:rowId xmlns:a16="http://schemas.microsoft.com/office/drawing/2014/main" val="4198558037"/>
+                  </a:ext>
+                </a:extLst>
+              </a:tr>
+              <a:tr h="161574">
+                <a:tc>
+                  <a:txBody>
+                    <a:bodyPr/>
+                    <a:lstStyle/>
+                    <a:p>
+                      <a:pPr algn="l" fontAlgn="b"/>
+                      <a:r>
+                        <a:rPr lang="en-US" sz="900" u="none" strike="noStrike">
+                          <a:effectLst/>
+                        </a:rPr>
+                        <a:t>DAYS</a:t>
+                      </a:r>
+                      <a:endParaRPr lang="en-US" sz="900" b="0" i="0" u="none" strike="noStrike">
+                        <a:solidFill>
+                          <a:srgbClr val="000000"/>
+                        </a:solidFill>
+                        <a:effectLst/>
+                        <a:latin typeface="Calibri" panose="020F0502020204030204" pitchFamily="34" charset="0"/>
+                      </a:endParaRPr>
+                    </a:p>
+                  </a:txBody>
+                  <a:tcPr marL="8079" marR="8079" marT="8079" marB="0" anchor="b"/>
+                </a:tc>
+                <a:tc>
+                  <a:txBody>
+                    <a:bodyPr/>
+                    <a:lstStyle/>
+                    <a:p>
+                      <a:pPr algn="r" fontAlgn="b"/>
+                      <a:r>
+                        <a:rPr lang="en-US" sz="900" u="none" strike="noStrike">
+                          <a:effectLst/>
+                        </a:rPr>
+                        <a:t>-0.001950801</a:t>
+                      </a:r>
+                      <a:endParaRPr lang="en-US" sz="900" b="0" i="0" u="none" strike="noStrike">
+                        <a:solidFill>
+                          <a:srgbClr val="000000"/>
+                        </a:solidFill>
+                        <a:effectLst/>
+                        <a:latin typeface="Calibri" panose="020F0502020204030204" pitchFamily="34" charset="0"/>
+                      </a:endParaRPr>
+                    </a:p>
+                  </a:txBody>
+                  <a:tcPr marL="8079" marR="8079" marT="8079" marB="0" anchor="b"/>
+                </a:tc>
+                <a:tc>
+                  <a:txBody>
+                    <a:bodyPr/>
+                    <a:lstStyle/>
+                    <a:p>
+                      <a:pPr algn="r" fontAlgn="b"/>
+                      <a:r>
+                        <a:rPr lang="en-US" sz="900" u="none" strike="noStrike">
+                          <a:effectLst/>
+                        </a:rPr>
+                        <a:t>0.002573</a:t>
+                      </a:r>
+                      <a:endParaRPr lang="en-US" sz="900" b="0" i="0" u="none" strike="noStrike">
+                        <a:solidFill>
+                          <a:srgbClr val="000000"/>
+                        </a:solidFill>
+                        <a:effectLst/>
+                        <a:latin typeface="Calibri" panose="020F0502020204030204" pitchFamily="34" charset="0"/>
+                      </a:endParaRPr>
+                    </a:p>
+                  </a:txBody>
+                  <a:tcPr marL="8079" marR="8079" marT="8079" marB="0" anchor="b"/>
+                </a:tc>
+                <a:tc>
+                  <a:txBody>
+                    <a:bodyPr/>
+                    <a:lstStyle/>
+                    <a:p>
+                      <a:pPr algn="r" fontAlgn="b"/>
+                      <a:r>
+                        <a:rPr lang="en-US" sz="900" u="none" strike="noStrike">
+                          <a:effectLst/>
+                        </a:rPr>
+                        <a:t>-0.75804</a:t>
+                      </a:r>
+                      <a:endParaRPr lang="en-US" sz="900" b="0" i="0" u="none" strike="noStrike">
+                        <a:solidFill>
+                          <a:srgbClr val="000000"/>
+                        </a:solidFill>
+                        <a:effectLst/>
+                        <a:latin typeface="Calibri" panose="020F0502020204030204" pitchFamily="34" charset="0"/>
+                      </a:endParaRPr>
+                    </a:p>
+                  </a:txBody>
+                  <a:tcPr marL="8079" marR="8079" marT="8079" marB="0" anchor="b"/>
+                </a:tc>
+                <a:tc>
+                  <a:txBody>
+                    <a:bodyPr/>
+                    <a:lstStyle/>
+                    <a:p>
+                      <a:pPr algn="r" fontAlgn="b"/>
+                      <a:r>
+                        <a:rPr lang="en-US" sz="900" u="none" strike="noStrike">
+                          <a:effectLst/>
+                        </a:rPr>
+                        <a:t>0.448788</a:t>
+                      </a:r>
+                      <a:endParaRPr lang="en-US" sz="900" b="0" i="0" u="none" strike="noStrike">
+                        <a:solidFill>
+                          <a:srgbClr val="000000"/>
+                        </a:solidFill>
+                        <a:effectLst/>
+                        <a:latin typeface="Calibri" panose="020F0502020204030204" pitchFamily="34" charset="0"/>
+                      </a:endParaRPr>
+                    </a:p>
+                  </a:txBody>
+                  <a:tcPr marL="8079" marR="8079" marT="8079" marB="0" anchor="b"/>
+                </a:tc>
+                <a:tc>
+                  <a:txBody>
+                    <a:bodyPr/>
+                    <a:lstStyle/>
+                    <a:p>
+                      <a:pPr algn="r" fontAlgn="b"/>
+                      <a:r>
+                        <a:rPr lang="en-US" sz="900" u="none" strike="noStrike">
+                          <a:effectLst/>
+                        </a:rPr>
+                        <a:t>-0.00701</a:t>
+                      </a:r>
+                      <a:endParaRPr lang="en-US" sz="900" b="0" i="0" u="none" strike="noStrike">
+                        <a:solidFill>
+                          <a:srgbClr val="000000"/>
+                        </a:solidFill>
+                        <a:effectLst/>
+                        <a:latin typeface="Calibri" panose="020F0502020204030204" pitchFamily="34" charset="0"/>
+                      </a:endParaRPr>
+                    </a:p>
+                  </a:txBody>
+                  <a:tcPr marL="8079" marR="8079" marT="8079" marB="0" anchor="b"/>
+                </a:tc>
+                <a:tc>
+                  <a:txBody>
+                    <a:bodyPr/>
+                    <a:lstStyle/>
+                    <a:p>
+                      <a:pPr algn="r" fontAlgn="b"/>
+                      <a:r>
+                        <a:rPr lang="en-US" sz="900" u="none" strike="noStrike">
+                          <a:effectLst/>
+                        </a:rPr>
+                        <a:t>0.003105</a:t>
+                      </a:r>
+                      <a:endParaRPr lang="en-US" sz="900" b="0" i="0" u="none" strike="noStrike">
+                        <a:solidFill>
+                          <a:srgbClr val="000000"/>
+                        </a:solidFill>
+                        <a:effectLst/>
+                        <a:latin typeface="Calibri" panose="020F0502020204030204" pitchFamily="34" charset="0"/>
+                      </a:endParaRPr>
+                    </a:p>
+                  </a:txBody>
+                  <a:tcPr marL="8079" marR="8079" marT="8079" marB="0" anchor="b"/>
+                </a:tc>
+                <a:tc>
+                  <a:txBody>
+                    <a:bodyPr/>
+                    <a:lstStyle/>
+                    <a:p>
+                      <a:pPr algn="r" fontAlgn="b"/>
+                      <a:r>
+                        <a:rPr lang="en-US" sz="900" u="none" strike="noStrike">
+                          <a:effectLst/>
+                        </a:rPr>
+                        <a:t>-0.00861</a:t>
+                      </a:r>
+                      <a:endParaRPr lang="en-US" sz="900" b="0" i="0" u="none" strike="noStrike">
+                        <a:solidFill>
+                          <a:srgbClr val="000000"/>
+                        </a:solidFill>
+                        <a:effectLst/>
+                        <a:latin typeface="Calibri" panose="020F0502020204030204" pitchFamily="34" charset="0"/>
+                      </a:endParaRPr>
+                    </a:p>
+                  </a:txBody>
+                  <a:tcPr marL="8079" marR="8079" marT="8079" marB="0" anchor="b"/>
+                </a:tc>
+                <a:tc>
+                  <a:txBody>
+                    <a:bodyPr/>
+                    <a:lstStyle/>
+                    <a:p>
+                      <a:pPr algn="r" fontAlgn="b"/>
+                      <a:r>
+                        <a:rPr lang="en-US" sz="900" u="none" strike="noStrike">
+                          <a:effectLst/>
+                        </a:rPr>
+                        <a:t>0.004704</a:t>
+                      </a:r>
+                      <a:endParaRPr lang="en-US" sz="900" b="0" i="0" u="none" strike="noStrike">
+                        <a:solidFill>
+                          <a:srgbClr val="000000"/>
+                        </a:solidFill>
+                        <a:effectLst/>
+                        <a:latin typeface="Calibri" panose="020F0502020204030204" pitchFamily="34" charset="0"/>
+                      </a:endParaRPr>
+                    </a:p>
+                  </a:txBody>
+                  <a:tcPr marL="8079" marR="8079" marT="8079" marB="0" anchor="b"/>
+                </a:tc>
+                <a:extLst>
+                  <a:ext uri="{0D108BD9-81ED-4DB2-BD59-A6C34878D82A}">
+                    <a16:rowId xmlns:a16="http://schemas.microsoft.com/office/drawing/2014/main" val="623618711"/>
+                  </a:ext>
+                </a:extLst>
+              </a:tr>
+              <a:tr h="161574">
+                <a:tc>
+                  <a:txBody>
+                    <a:bodyPr/>
+                    <a:lstStyle/>
+                    <a:p>
+                      <a:pPr algn="l" fontAlgn="b"/>
+                      <a:r>
+                        <a:rPr lang="en-US" sz="900" u="none" strike="noStrike">
+                          <a:effectLst/>
+                        </a:rPr>
+                        <a:t>answer_count</a:t>
+                      </a:r>
+                      <a:endParaRPr lang="en-US" sz="900" b="0" i="0" u="none" strike="noStrike">
+                        <a:solidFill>
+                          <a:srgbClr val="000000"/>
+                        </a:solidFill>
+                        <a:effectLst/>
+                        <a:latin typeface="Calibri" panose="020F0502020204030204" pitchFamily="34" charset="0"/>
+                      </a:endParaRPr>
+                    </a:p>
+                  </a:txBody>
+                  <a:tcPr marL="8079" marR="8079" marT="8079" marB="0" anchor="b"/>
+                </a:tc>
+                <a:tc>
+                  <a:txBody>
+                    <a:bodyPr/>
+                    <a:lstStyle/>
+                    <a:p>
+                      <a:pPr algn="r" fontAlgn="b"/>
+                      <a:r>
+                        <a:rPr lang="en-US" sz="900" u="none" strike="noStrike">
+                          <a:effectLst/>
+                        </a:rPr>
+                        <a:t>-5.8742352</a:t>
+                      </a:r>
+                      <a:endParaRPr lang="en-US" sz="900" b="0" i="0" u="none" strike="noStrike">
+                        <a:solidFill>
+                          <a:srgbClr val="000000"/>
+                        </a:solidFill>
+                        <a:effectLst/>
+                        <a:latin typeface="Calibri" panose="020F0502020204030204" pitchFamily="34" charset="0"/>
+                      </a:endParaRPr>
+                    </a:p>
+                  </a:txBody>
+                  <a:tcPr marL="8079" marR="8079" marT="8079" marB="0" anchor="b"/>
+                </a:tc>
+                <a:tc>
+                  <a:txBody>
+                    <a:bodyPr/>
+                    <a:lstStyle/>
+                    <a:p>
+                      <a:pPr algn="r" fontAlgn="b"/>
+                      <a:r>
+                        <a:rPr lang="en-US" sz="900" u="none" strike="noStrike">
+                          <a:effectLst/>
+                        </a:rPr>
+                        <a:t>0.853153</a:t>
+                      </a:r>
+                      <a:endParaRPr lang="en-US" sz="900" b="0" i="0" u="none" strike="noStrike">
+                        <a:solidFill>
+                          <a:srgbClr val="000000"/>
+                        </a:solidFill>
+                        <a:effectLst/>
+                        <a:latin typeface="Calibri" panose="020F0502020204030204" pitchFamily="34" charset="0"/>
+                      </a:endParaRPr>
+                    </a:p>
+                  </a:txBody>
+                  <a:tcPr marL="8079" marR="8079" marT="8079" marB="0" anchor="b"/>
+                </a:tc>
+                <a:tc>
+                  <a:txBody>
+                    <a:bodyPr/>
+                    <a:lstStyle/>
+                    <a:p>
+                      <a:pPr algn="r" fontAlgn="b"/>
+                      <a:r>
+                        <a:rPr lang="en-US" sz="900" u="none" strike="noStrike">
+                          <a:effectLst/>
+                        </a:rPr>
+                        <a:t>-6.88533</a:t>
+                      </a:r>
+                      <a:endParaRPr lang="en-US" sz="900" b="0" i="0" u="none" strike="noStrike">
+                        <a:solidFill>
+                          <a:srgbClr val="000000"/>
+                        </a:solidFill>
+                        <a:effectLst/>
+                        <a:latin typeface="Calibri" panose="020F0502020204030204" pitchFamily="34" charset="0"/>
+                      </a:endParaRPr>
+                    </a:p>
+                  </a:txBody>
+                  <a:tcPr marL="8079" marR="8079" marT="8079" marB="0" anchor="b"/>
+                </a:tc>
+                <a:tc>
+                  <a:txBody>
+                    <a:bodyPr/>
+                    <a:lstStyle/>
+                    <a:p>
+                      <a:pPr algn="r" fontAlgn="b"/>
+                      <a:r>
+                        <a:rPr lang="en-US" sz="900" u="none" strike="noStrike">
+                          <a:effectLst/>
+                        </a:rPr>
+                        <a:t>1.75E-11</a:t>
+                      </a:r>
+                      <a:endParaRPr lang="en-US" sz="900" b="0" i="0" u="none" strike="noStrike">
+                        <a:solidFill>
+                          <a:srgbClr val="000000"/>
+                        </a:solidFill>
+                        <a:effectLst/>
+                        <a:latin typeface="Calibri" panose="020F0502020204030204" pitchFamily="34" charset="0"/>
+                      </a:endParaRPr>
+                    </a:p>
+                  </a:txBody>
+                  <a:tcPr marL="8079" marR="8079" marT="8079" marB="0" anchor="b"/>
+                </a:tc>
+                <a:tc>
+                  <a:txBody>
+                    <a:bodyPr/>
+                    <a:lstStyle/>
+                    <a:p>
+                      <a:pPr algn="r" fontAlgn="b"/>
+                      <a:r>
+                        <a:rPr lang="en-US" sz="900" u="none" strike="noStrike">
+                          <a:effectLst/>
+                        </a:rPr>
+                        <a:t>-7.55047</a:t>
+                      </a:r>
+                      <a:endParaRPr lang="en-US" sz="900" b="0" i="0" u="none" strike="noStrike">
+                        <a:solidFill>
+                          <a:srgbClr val="000000"/>
+                        </a:solidFill>
+                        <a:effectLst/>
+                        <a:latin typeface="Calibri" panose="020F0502020204030204" pitchFamily="34" charset="0"/>
+                      </a:endParaRPr>
+                    </a:p>
+                  </a:txBody>
+                  <a:tcPr marL="8079" marR="8079" marT="8079" marB="0" anchor="b"/>
+                </a:tc>
+                <a:tc>
+                  <a:txBody>
+                    <a:bodyPr/>
+                    <a:lstStyle/>
+                    <a:p>
+                      <a:pPr algn="r" fontAlgn="b"/>
+                      <a:r>
+                        <a:rPr lang="en-US" sz="900" u="none" strike="noStrike">
+                          <a:effectLst/>
+                        </a:rPr>
+                        <a:t>-4.198</a:t>
+                      </a:r>
+                      <a:endParaRPr lang="en-US" sz="900" b="0" i="0" u="none" strike="noStrike">
+                        <a:solidFill>
+                          <a:srgbClr val="000000"/>
+                        </a:solidFill>
+                        <a:effectLst/>
+                        <a:latin typeface="Calibri" panose="020F0502020204030204" pitchFamily="34" charset="0"/>
+                      </a:endParaRPr>
+                    </a:p>
+                  </a:txBody>
+                  <a:tcPr marL="8079" marR="8079" marT="8079" marB="0" anchor="b"/>
+                </a:tc>
+                <a:tc>
+                  <a:txBody>
+                    <a:bodyPr/>
+                    <a:lstStyle/>
+                    <a:p>
+                      <a:pPr algn="r" fontAlgn="b"/>
+                      <a:r>
+                        <a:rPr lang="en-US" sz="900" u="none" strike="noStrike">
+                          <a:effectLst/>
+                        </a:rPr>
+                        <a:t>-8.0803</a:t>
+                      </a:r>
+                      <a:endParaRPr lang="en-US" sz="900" b="0" i="0" u="none" strike="noStrike">
+                        <a:solidFill>
+                          <a:srgbClr val="000000"/>
+                        </a:solidFill>
+                        <a:effectLst/>
+                        <a:latin typeface="Calibri" panose="020F0502020204030204" pitchFamily="34" charset="0"/>
+                      </a:endParaRPr>
+                    </a:p>
+                  </a:txBody>
+                  <a:tcPr marL="8079" marR="8079" marT="8079" marB="0" anchor="b"/>
+                </a:tc>
+                <a:tc>
+                  <a:txBody>
+                    <a:bodyPr/>
+                    <a:lstStyle/>
+                    <a:p>
+                      <a:pPr algn="r" fontAlgn="b"/>
+                      <a:r>
+                        <a:rPr lang="en-US" sz="900" u="none" strike="noStrike">
+                          <a:effectLst/>
+                        </a:rPr>
+                        <a:t>-3.66817</a:t>
+                      </a:r>
+                      <a:endParaRPr lang="en-US" sz="900" b="0" i="0" u="none" strike="noStrike">
+                        <a:solidFill>
+                          <a:srgbClr val="000000"/>
+                        </a:solidFill>
+                        <a:effectLst/>
+                        <a:latin typeface="Calibri" panose="020F0502020204030204" pitchFamily="34" charset="0"/>
+                      </a:endParaRPr>
+                    </a:p>
+                  </a:txBody>
+                  <a:tcPr marL="8079" marR="8079" marT="8079" marB="0" anchor="b"/>
+                </a:tc>
+                <a:extLst>
+                  <a:ext uri="{0D108BD9-81ED-4DB2-BD59-A6C34878D82A}">
+                    <a16:rowId xmlns:a16="http://schemas.microsoft.com/office/drawing/2014/main" val="292685509"/>
+                  </a:ext>
+                </a:extLst>
+              </a:tr>
+              <a:tr h="169653">
+                <a:tc>
+                  <a:txBody>
+                    <a:bodyPr/>
+                    <a:lstStyle/>
+                    <a:p>
+                      <a:pPr algn="l" fontAlgn="b"/>
+                      <a:r>
+                        <a:rPr lang="en-US" sz="900" u="none" strike="noStrike">
+                          <a:effectLst/>
+                        </a:rPr>
+                        <a:t>favorite_count</a:t>
+                      </a:r>
+                      <a:endParaRPr lang="en-US" sz="900" b="0" i="0" u="none" strike="noStrike">
+                        <a:solidFill>
+                          <a:srgbClr val="000000"/>
+                        </a:solidFill>
+                        <a:effectLst/>
+                        <a:latin typeface="Calibri" panose="020F0502020204030204" pitchFamily="34" charset="0"/>
+                      </a:endParaRPr>
+                    </a:p>
+                  </a:txBody>
+                  <a:tcPr marL="8079" marR="8079" marT="8079" marB="0" anchor="b"/>
+                </a:tc>
+                <a:tc>
+                  <a:txBody>
+                    <a:bodyPr/>
+                    <a:lstStyle/>
+                    <a:p>
+                      <a:pPr algn="r" fontAlgn="b"/>
+                      <a:r>
+                        <a:rPr lang="en-US" sz="900" u="none" strike="noStrike">
+                          <a:effectLst/>
+                        </a:rPr>
+                        <a:t>4.607011309</a:t>
+                      </a:r>
+                      <a:endParaRPr lang="en-US" sz="900" b="0" i="0" u="none" strike="noStrike">
+                        <a:solidFill>
+                          <a:srgbClr val="000000"/>
+                        </a:solidFill>
+                        <a:effectLst/>
+                        <a:latin typeface="Calibri" panose="020F0502020204030204" pitchFamily="34" charset="0"/>
+                      </a:endParaRPr>
+                    </a:p>
+                  </a:txBody>
+                  <a:tcPr marL="8079" marR="8079" marT="8079" marB="0" anchor="b"/>
+                </a:tc>
+                <a:tc>
+                  <a:txBody>
+                    <a:bodyPr/>
+                    <a:lstStyle/>
+                    <a:p>
+                      <a:pPr algn="r" fontAlgn="b"/>
+                      <a:r>
+                        <a:rPr lang="en-US" sz="900" u="none" strike="noStrike">
+                          <a:effectLst/>
+                        </a:rPr>
+                        <a:t>0.090243</a:t>
+                      </a:r>
+                      <a:endParaRPr lang="en-US" sz="900" b="0" i="0" u="none" strike="noStrike">
+                        <a:solidFill>
+                          <a:srgbClr val="000000"/>
+                        </a:solidFill>
+                        <a:effectLst/>
+                        <a:latin typeface="Calibri" panose="020F0502020204030204" pitchFamily="34" charset="0"/>
+                      </a:endParaRPr>
+                    </a:p>
+                  </a:txBody>
+                  <a:tcPr marL="8079" marR="8079" marT="8079" marB="0" anchor="b"/>
+                </a:tc>
+                <a:tc>
+                  <a:txBody>
+                    <a:bodyPr/>
+                    <a:lstStyle/>
+                    <a:p>
+                      <a:pPr algn="r" fontAlgn="b"/>
+                      <a:r>
+                        <a:rPr lang="en-US" sz="900" u="none" strike="noStrike">
+                          <a:effectLst/>
+                        </a:rPr>
+                        <a:t>51.051</a:t>
+                      </a:r>
+                      <a:endParaRPr lang="en-US" sz="900" b="0" i="0" u="none" strike="noStrike">
+                        <a:solidFill>
+                          <a:srgbClr val="000000"/>
+                        </a:solidFill>
+                        <a:effectLst/>
+                        <a:latin typeface="Calibri" panose="020F0502020204030204" pitchFamily="34" charset="0"/>
+                      </a:endParaRPr>
+                    </a:p>
+                  </a:txBody>
+                  <a:tcPr marL="8079" marR="8079" marT="8079" marB="0" anchor="b"/>
+                </a:tc>
+                <a:tc>
+                  <a:txBody>
+                    <a:bodyPr/>
+                    <a:lstStyle/>
+                    <a:p>
+                      <a:pPr algn="r" fontAlgn="b"/>
+                      <a:r>
+                        <a:rPr lang="en-US" sz="900" u="none" strike="noStrike">
+                          <a:effectLst/>
+                        </a:rPr>
+                        <a:t>1.4E-199</a:t>
+                      </a:r>
+                      <a:endParaRPr lang="en-US" sz="900" b="0" i="0" u="none" strike="noStrike">
+                        <a:solidFill>
+                          <a:srgbClr val="000000"/>
+                        </a:solidFill>
+                        <a:effectLst/>
+                        <a:latin typeface="Calibri" panose="020F0502020204030204" pitchFamily="34" charset="0"/>
+                      </a:endParaRPr>
+                    </a:p>
+                  </a:txBody>
+                  <a:tcPr marL="8079" marR="8079" marT="8079" marB="0" anchor="b"/>
+                </a:tc>
+                <a:tc>
+                  <a:txBody>
+                    <a:bodyPr/>
+                    <a:lstStyle/>
+                    <a:p>
+                      <a:pPr algn="r" fontAlgn="b"/>
+                      <a:r>
+                        <a:rPr lang="en-US" sz="900" u="none" strike="noStrike">
+                          <a:effectLst/>
+                        </a:rPr>
+                        <a:t>4.429705</a:t>
+                      </a:r>
+                      <a:endParaRPr lang="en-US" sz="900" b="0" i="0" u="none" strike="noStrike">
+                        <a:solidFill>
+                          <a:srgbClr val="000000"/>
+                        </a:solidFill>
+                        <a:effectLst/>
+                        <a:latin typeface="Calibri" panose="020F0502020204030204" pitchFamily="34" charset="0"/>
+                      </a:endParaRPr>
+                    </a:p>
+                  </a:txBody>
+                  <a:tcPr marL="8079" marR="8079" marT="8079" marB="0" anchor="b"/>
+                </a:tc>
+                <a:tc>
+                  <a:txBody>
+                    <a:bodyPr/>
+                    <a:lstStyle/>
+                    <a:p>
+                      <a:pPr algn="r" fontAlgn="b"/>
+                      <a:r>
+                        <a:rPr lang="en-US" sz="900" u="none" strike="noStrike">
+                          <a:effectLst/>
+                        </a:rPr>
+                        <a:t>4.784318</a:t>
+                      </a:r>
+                      <a:endParaRPr lang="en-US" sz="900" b="0" i="0" u="none" strike="noStrike">
+                        <a:solidFill>
+                          <a:srgbClr val="000000"/>
+                        </a:solidFill>
+                        <a:effectLst/>
+                        <a:latin typeface="Calibri" panose="020F0502020204030204" pitchFamily="34" charset="0"/>
+                      </a:endParaRPr>
+                    </a:p>
+                  </a:txBody>
+                  <a:tcPr marL="8079" marR="8079" marT="8079" marB="0" anchor="b"/>
+                </a:tc>
+                <a:tc>
+                  <a:txBody>
+                    <a:bodyPr/>
+                    <a:lstStyle/>
+                    <a:p>
+                      <a:pPr algn="r" fontAlgn="b"/>
+                      <a:r>
+                        <a:rPr lang="en-US" sz="900" u="none" strike="noStrike">
+                          <a:effectLst/>
+                        </a:rPr>
+                        <a:t>4.373662</a:t>
+                      </a:r>
+                      <a:endParaRPr lang="en-US" sz="900" b="0" i="0" u="none" strike="noStrike">
+                        <a:solidFill>
+                          <a:srgbClr val="000000"/>
+                        </a:solidFill>
+                        <a:effectLst/>
+                        <a:latin typeface="Calibri" panose="020F0502020204030204" pitchFamily="34" charset="0"/>
+                      </a:endParaRPr>
+                    </a:p>
+                  </a:txBody>
+                  <a:tcPr marL="8079" marR="8079" marT="8079" marB="0" anchor="b"/>
+                </a:tc>
+                <a:tc>
+                  <a:txBody>
+                    <a:bodyPr/>
+                    <a:lstStyle/>
+                    <a:p>
+                      <a:pPr algn="r" fontAlgn="b"/>
+                      <a:r>
+                        <a:rPr lang="en-US" sz="900" u="none" strike="noStrike" dirty="0">
+                          <a:effectLst/>
+                        </a:rPr>
+                        <a:t>4.84036</a:t>
+                      </a:r>
+                      <a:endParaRPr lang="en-US" sz="900" b="0" i="0" u="none" strike="noStrike" dirty="0">
+                        <a:solidFill>
+                          <a:srgbClr val="000000"/>
+                        </a:solidFill>
+                        <a:effectLst/>
+                        <a:latin typeface="Calibri" panose="020F0502020204030204" pitchFamily="34" charset="0"/>
+                      </a:endParaRPr>
+                    </a:p>
+                  </a:txBody>
+                  <a:tcPr marL="8079" marR="8079" marT="8079" marB="0" anchor="b"/>
+                </a:tc>
+                <a:extLst>
+                  <a:ext uri="{0D108BD9-81ED-4DB2-BD59-A6C34878D82A}">
+                    <a16:rowId xmlns:a16="http://schemas.microsoft.com/office/drawing/2014/main" val="3439696106"/>
+                  </a:ext>
+                </a:extLst>
+              </a:tr>
+            </a:tbl>
+          </a:graphicData>
+        </a:graphic>
+      </p:graphicFrame>
+    </p:spTree>
+    <p:extLst>
+      <p:ext uri="{BB962C8B-B14F-4D97-AF65-F5344CB8AC3E}">
+        <p14:creationId xmlns:p14="http://schemas.microsoft.com/office/powerpoint/2010/main" val="1251188603"/>
+      </p:ext>
+    </p:extLst>
+  </p:cSld>
+  <p:clrMapOvr>
+    <a:masterClrMapping/>
+  </p:clrMapOvr>
+</p:sld>
+</file>
+
+<file path=ppt/slides/slide14.xml><?xml version="1.0" encoding="utf-8"?>
+<p:sld xmlns:a="http://schemas.openxmlformats.org/drawingml/2006/main" xmlns:r="http://schemas.openxmlformats.org/officeDocument/2006/relationships" xmlns:p="http://schemas.openxmlformats.org/presentationml/2006/main">
+  <p:cSld>
+    <p:spTree>
+      <p:nvGrpSpPr>
+        <p:cNvPr id="1" name=""/>
+        <p:cNvGrpSpPr/>
+        <p:nvPr/>
+      </p:nvGrpSpPr>
+      <p:grpSpPr>
+        <a:xfrm>
+          <a:off x="0" y="0"/>
+          <a:ext cx="0" cy="0"/>
+          <a:chOff x="0" y="0"/>
+          <a:chExt cx="0" cy="0"/>
+        </a:xfrm>
+      </p:grpSpPr>
+      <p:sp>
+        <p:nvSpPr>
+          <p:cNvPr id="9" name="TextBox 8">
+            <a:extLst>
+              <a:ext uri="{FF2B5EF4-FFF2-40B4-BE49-F238E27FC236}">
+                <a16:creationId xmlns:a16="http://schemas.microsoft.com/office/drawing/2014/main" id="{FAAC2C86-314D-C84A-A3BF-C8810037B47E}"/>
+              </a:ext>
+            </a:extLst>
+          </p:cNvPr>
+          <p:cNvSpPr txBox="1"/>
+          <p:nvPr/>
+        </p:nvSpPr>
+        <p:spPr>
+          <a:xfrm>
+            <a:off x="1173892" y="420130"/>
+            <a:ext cx="10157254" cy="769441"/>
+          </a:xfrm>
+          <a:prstGeom prst="rect">
+            <a:avLst/>
+          </a:prstGeom>
+          <a:noFill/>
+        </p:spPr>
+        <p:txBody>
+          <a:bodyPr wrap="square" rtlCol="0">
+            <a:spAutoFit/>
+          </a:bodyPr>
+          <a:lstStyle/>
+          <a:p>
+            <a:pPr fontAlgn="ctr"/>
+            <a:r>
+              <a:rPr lang="en-US" sz="4400" dirty="0"/>
+              <a:t>Linear Regression - multicollinearity (IP#5)</a:t>
+            </a:r>
+          </a:p>
+        </p:txBody>
+      </p:sp>
+    </p:spTree>
+    <p:extLst>
+      <p:ext uri="{BB962C8B-B14F-4D97-AF65-F5344CB8AC3E}">
+        <p14:creationId xmlns:p14="http://schemas.microsoft.com/office/powerpoint/2010/main" val="3929703766"/>
+      </p:ext>
+    </p:extLst>
+  </p:cSld>
+  <p:clrMapOvr>
+    <a:masterClrMapping/>
+  </p:clrMapOvr>
+</p:sld>
+</file>
+
+<file path=ppt/slides/slide15.xml><?xml version="1.0" encoding="utf-8"?>
+<p:sld xmlns:a="http://schemas.openxmlformats.org/drawingml/2006/main" xmlns:r="http://schemas.openxmlformats.org/officeDocument/2006/relationships" xmlns:p="http://schemas.openxmlformats.org/presentationml/2006/main">
+  <p:cSld>
+    <p:spTree>
+      <p:nvGrpSpPr>
+        <p:cNvPr id="1" name=""/>
+        <p:cNvGrpSpPr/>
+        <p:nvPr/>
+      </p:nvGrpSpPr>
+      <p:grpSpPr>
+        <a:xfrm>
+          <a:off x="0" y="0"/>
+          <a:ext cx="0" cy="0"/>
+          <a:chOff x="0" y="0"/>
+          <a:chExt cx="0" cy="0"/>
+        </a:xfrm>
+      </p:grpSpPr>
+      <p:sp>
+        <p:nvSpPr>
+          <p:cNvPr id="9" name="TextBox 8">
+            <a:extLst>
+              <a:ext uri="{FF2B5EF4-FFF2-40B4-BE49-F238E27FC236}">
+                <a16:creationId xmlns:a16="http://schemas.microsoft.com/office/drawing/2014/main" id="{FAAC2C86-314D-C84A-A3BF-C8810037B47E}"/>
+              </a:ext>
+            </a:extLst>
+          </p:cNvPr>
+          <p:cNvSpPr txBox="1"/>
+          <p:nvPr/>
+        </p:nvSpPr>
+        <p:spPr>
+          <a:xfrm>
+            <a:off x="1173892" y="420130"/>
+            <a:ext cx="10157254" cy="769441"/>
+          </a:xfrm>
+          <a:prstGeom prst="rect">
+            <a:avLst/>
+          </a:prstGeom>
+          <a:noFill/>
+        </p:spPr>
+        <p:txBody>
+          <a:bodyPr wrap="square" rtlCol="0">
+            <a:spAutoFit/>
+          </a:bodyPr>
+          <a:lstStyle/>
+          <a:p>
+            <a:pPr fontAlgn="ctr"/>
+            <a:r>
+              <a:rPr lang="en-US" sz="4400" dirty="0"/>
+              <a:t>Linear Regression - Conclusion(IP#5)</a:t>
+            </a:r>
+          </a:p>
+        </p:txBody>
+      </p:sp>
+      <p:sp>
+        <p:nvSpPr>
+          <p:cNvPr id="2" name="TextBox 1">
+            <a:extLst>
+              <a:ext uri="{FF2B5EF4-FFF2-40B4-BE49-F238E27FC236}">
+                <a16:creationId xmlns:a16="http://schemas.microsoft.com/office/drawing/2014/main" id="{7893E434-ED00-466E-BBDF-6643C0B83A39}"/>
+              </a:ext>
+            </a:extLst>
+          </p:cNvPr>
+          <p:cNvSpPr txBox="1"/>
+          <p:nvPr/>
+        </p:nvSpPr>
+        <p:spPr>
+          <a:xfrm>
+            <a:off x="814812" y="1259455"/>
+            <a:ext cx="10746463" cy="2954655"/>
+          </a:xfrm>
+          <a:prstGeom prst="rect">
+            <a:avLst/>
+          </a:prstGeom>
+          <a:noFill/>
+        </p:spPr>
+        <p:txBody>
+          <a:bodyPr wrap="square" rtlCol="0">
+            <a:spAutoFit/>
+          </a:bodyPr>
+          <a:lstStyle/>
+          <a:p>
+            <a:pPr marL="457200" indent="-457200">
+              <a:buFont typeface="Arial" panose="020B0604020202020204" pitchFamily="34" charset="0"/>
+              <a:buChar char="•"/>
+            </a:pPr>
+            <a:r>
+              <a:rPr lang="en-US" sz="3200" dirty="0" err="1"/>
+              <a:t>favorite_count</a:t>
+            </a:r>
+            <a:r>
+              <a:rPr lang="en-US" sz="3200" dirty="0"/>
+              <a:t> is most effective independent variable</a:t>
+            </a:r>
+          </a:p>
+          <a:p>
+            <a:pPr marL="457200" indent="-457200">
+              <a:buFont typeface="Arial" panose="020B0604020202020204" pitchFamily="34" charset="0"/>
+              <a:buChar char="•"/>
+            </a:pPr>
+            <a:r>
+              <a:rPr lang="en-US" sz="3200" dirty="0"/>
+              <a:t>By adding </a:t>
+            </a:r>
+            <a:r>
+              <a:rPr lang="en-US" sz="3200" dirty="0" err="1"/>
+              <a:t>answer_count</a:t>
+            </a:r>
+            <a:r>
+              <a:rPr lang="en-US" sz="3200" dirty="0"/>
+              <a:t> to model, can improve accuracy, but not too much </a:t>
+            </a:r>
+          </a:p>
+          <a:p>
+            <a:endParaRPr lang="en-US" dirty="0"/>
+          </a:p>
+          <a:p>
+            <a:endParaRPr lang="en-US" dirty="0"/>
+          </a:p>
+          <a:p>
+            <a:endParaRPr lang="en-US" dirty="0"/>
+          </a:p>
+          <a:p>
+            <a:endParaRPr lang="en-US" dirty="0"/>
+          </a:p>
+          <a:p>
+            <a:endParaRPr lang="en-US" dirty="0"/>
+          </a:p>
+        </p:txBody>
+      </p:sp>
+    </p:spTree>
+    <p:extLst>
+      <p:ext uri="{BB962C8B-B14F-4D97-AF65-F5344CB8AC3E}">
+        <p14:creationId xmlns:p14="http://schemas.microsoft.com/office/powerpoint/2010/main" val="4152411061"/>
+      </p:ext>
+    </p:extLst>
+  </p:cSld>
+  <p:clrMapOvr>
+    <a:masterClrMapping/>
+  </p:clrMapOvr>
+</p:sld>
+</file>
+
+<file path=ppt/slides/slide16.xml><?xml version="1.0" encoding="utf-8"?>
+<p:sld xmlns:a="http://schemas.openxmlformats.org/drawingml/2006/main" xmlns:r="http://schemas.openxmlformats.org/officeDocument/2006/relationships" xmlns:p="http://schemas.openxmlformats.org/presentationml/2006/main">
+  <p:cSld>
+    <p:spTree>
+      <p:nvGrpSpPr>
+        <p:cNvPr id="1" name=""/>
+        <p:cNvGrpSpPr/>
+        <p:nvPr/>
+      </p:nvGrpSpPr>
+      <p:grpSpPr>
+        <a:xfrm>
+          <a:off x="0" y="0"/>
+          <a:ext cx="0" cy="0"/>
+          <a:chOff x="0" y="0"/>
+          <a:chExt cx="0" cy="0"/>
+        </a:xfrm>
+      </p:grpSpPr>
+      <p:sp>
+        <p:nvSpPr>
+          <p:cNvPr id="9" name="TextBox 8">
+            <a:extLst>
+              <a:ext uri="{FF2B5EF4-FFF2-40B4-BE49-F238E27FC236}">
+                <a16:creationId xmlns:a16="http://schemas.microsoft.com/office/drawing/2014/main" id="{FAAC2C86-314D-C84A-A3BF-C8810037B47E}"/>
+              </a:ext>
+            </a:extLst>
+          </p:cNvPr>
+          <p:cNvSpPr txBox="1"/>
+          <p:nvPr/>
+        </p:nvSpPr>
+        <p:spPr>
+          <a:xfrm>
+            <a:off x="1173892" y="420130"/>
+            <a:ext cx="10157254" cy="769441"/>
+          </a:xfrm>
+          <a:prstGeom prst="rect">
+            <a:avLst/>
+          </a:prstGeom>
+          <a:noFill/>
+        </p:spPr>
+        <p:txBody>
+          <a:bodyPr wrap="square" rtlCol="0">
+            <a:spAutoFit/>
+          </a:bodyPr>
+          <a:lstStyle/>
+          <a:p>
+            <a:pPr fontAlgn="ctr"/>
+            <a:r>
+              <a:rPr lang="en-US" sz="4400" dirty="0"/>
               <a:t>Links</a:t>
             </a:r>
           </a:p>
@@ -14325,7 +22353,7 @@
             </a:pPr>
             <a:r>
               <a:rPr lang="en-US" altLang="en-US" sz="3200" dirty="0"/>
-              <a:t>Question defined</a:t>
+              <a:t>Question Defined</a:t>
             </a:r>
           </a:p>
           <a:p>
@@ -14353,7 +22381,7 @@
             </a:pPr>
             <a:r>
               <a:rPr lang="en-US" altLang="en-US" sz="3200" dirty="0"/>
-              <a:t>User table</a:t>
+              <a:t>User Table</a:t>
             </a:r>
           </a:p>
           <a:p>
@@ -14501,13 +22529,8 @@
             </a:pPr>
             <a:r>
               <a:rPr lang="en-US" altLang="en-US" sz="2000" dirty="0"/>
-              <a:t>K-Means is adopted to the dataset, normalized column since range of 4 columns </a:t>
-            </a:r>
-            <a:r>
-              <a:rPr lang="en-US" altLang="en-US" sz="2000"/>
-              <a:t>are huge</a:t>
-            </a:r>
-            <a:endParaRPr lang="en-US" altLang="en-US" sz="2000" dirty="0"/>
+              <a:t>K-Means is adopted to the dataset, normalized column since range of 4 columns are huge</a:t>
+            </a:r>
           </a:p>
           <a:p>
             <a:pPr lvl="1" defTabSz="914400" eaLnBrk="0" fontAlgn="base" hangingPunct="0">

--- a/Data Analytics and Information Virtualization Project.pptx
+++ b/Data Analytics and Information Virtualization Project.pptx
@@ -177,7 +177,7 @@
           <a:noFill/>
           <a:extLst>
             <a:ext uri="{909E8E84-426E-40dd-AFC4-6F175D3DCCD1}">
-              <a14:hiddenFill xmlns:a14="http://schemas.microsoft.com/office/drawing/2010/main" xmlns="">
+              <a14:hiddenFill xmlns="" xmlns:a14="http://schemas.microsoft.com/office/drawing/2010/main">
                 <a:solidFill>
                   <a:srgbClr val="FFFFFF"/>
                 </a:solidFill>
@@ -237,7 +237,7 @@
             </a:ln>
             <a:extLst>
               <a:ext uri="{91240B29-F687-4f45-9708-019B960494DF}">
-                <a14:hiddenLine xmlns:a14="http://schemas.microsoft.com/office/drawing/2010/main" xmlns="" w="9525">
+                <a14:hiddenLine xmlns="" xmlns:a14="http://schemas.microsoft.com/office/drawing/2010/main" w="9525">
                   <a:solidFill>
                     <a:srgbClr val="000000"/>
                   </a:solidFill>
@@ -327,7 +327,7 @@
             </a:ln>
             <a:extLst>
               <a:ext uri="{91240B29-F687-4f45-9708-019B960494DF}">
-                <a14:hiddenLine xmlns:a14="http://schemas.microsoft.com/office/drawing/2010/main" xmlns="" w="9525">
+                <a14:hiddenLine xmlns="" xmlns:a14="http://schemas.microsoft.com/office/drawing/2010/main" w="9525">
                   <a:solidFill>
                     <a:srgbClr val="000000"/>
                   </a:solidFill>
@@ -417,7 +417,7 @@
             </a:ln>
             <a:extLst>
               <a:ext uri="{91240B29-F687-4f45-9708-019B960494DF}">
-                <a14:hiddenLine xmlns:a14="http://schemas.microsoft.com/office/drawing/2010/main" xmlns="" w="9525">
+                <a14:hiddenLine xmlns="" xmlns:a14="http://schemas.microsoft.com/office/drawing/2010/main" w="9525">
                   <a:solidFill>
                     <a:srgbClr val="000000"/>
                   </a:solidFill>
@@ -451,7 +451,7 @@
             </a:ln>
             <a:extLst>
               <a:ext uri="{91240B29-F687-4f45-9708-019B960494DF}">
-                <a14:hiddenLine xmlns:a14="http://schemas.microsoft.com/office/drawing/2010/main" xmlns="" w="9525">
+                <a14:hiddenLine xmlns="" xmlns:a14="http://schemas.microsoft.com/office/drawing/2010/main" w="9525">
                   <a:solidFill>
                     <a:srgbClr val="000000"/>
                   </a:solidFill>
@@ -541,7 +541,7 @@
             </a:ln>
             <a:extLst>
               <a:ext uri="{91240B29-F687-4f45-9708-019B960494DF}">
-                <a14:hiddenLine xmlns:a14="http://schemas.microsoft.com/office/drawing/2010/main" xmlns="" w="9525">
+                <a14:hiddenLine xmlns="" xmlns:a14="http://schemas.microsoft.com/office/drawing/2010/main" w="9525">
                   <a:solidFill>
                     <a:srgbClr val="000000"/>
                   </a:solidFill>
@@ -603,7 +603,7 @@
             </a:ln>
             <a:extLst>
               <a:ext uri="{91240B29-F687-4f45-9708-019B960494DF}">
-                <a14:hiddenLine xmlns:a14="http://schemas.microsoft.com/office/drawing/2010/main" xmlns="" w="9525">
+                <a14:hiddenLine xmlns="" xmlns:a14="http://schemas.microsoft.com/office/drawing/2010/main" w="9525">
                   <a:solidFill>
                     <a:srgbClr val="000000"/>
                   </a:solidFill>
@@ -665,7 +665,7 @@
             </a:ln>
             <a:extLst>
               <a:ext uri="{91240B29-F687-4f45-9708-019B960494DF}">
-                <a14:hiddenLine xmlns:a14="http://schemas.microsoft.com/office/drawing/2010/main" xmlns="" w="9525">
+                <a14:hiddenLine xmlns="" xmlns:a14="http://schemas.microsoft.com/office/drawing/2010/main" w="9525">
                   <a:solidFill>
                     <a:srgbClr val="000000"/>
                   </a:solidFill>
@@ -755,7 +755,7 @@
             </a:ln>
             <a:extLst>
               <a:ext uri="{91240B29-F687-4f45-9708-019B960494DF}">
-                <a14:hiddenLine xmlns:a14="http://schemas.microsoft.com/office/drawing/2010/main" xmlns="" w="9525">
+                <a14:hiddenLine xmlns="" xmlns:a14="http://schemas.microsoft.com/office/drawing/2010/main" w="9525">
                   <a:solidFill>
                     <a:srgbClr val="000000"/>
                   </a:solidFill>
@@ -817,7 +817,7 @@
             </a:ln>
             <a:extLst>
               <a:ext uri="{91240B29-F687-4f45-9708-019B960494DF}">
-                <a14:hiddenLine xmlns:a14="http://schemas.microsoft.com/office/drawing/2010/main" xmlns="" w="9525">
+                <a14:hiddenLine xmlns="" xmlns:a14="http://schemas.microsoft.com/office/drawing/2010/main" w="9525">
                   <a:solidFill>
                     <a:srgbClr val="000000"/>
                   </a:solidFill>
@@ -879,7 +879,7 @@
             </a:ln>
             <a:extLst>
               <a:ext uri="{91240B29-F687-4f45-9708-019B960494DF}">
-                <a14:hiddenLine xmlns:a14="http://schemas.microsoft.com/office/drawing/2010/main" xmlns="" w="9525">
+                <a14:hiddenLine xmlns="" xmlns:a14="http://schemas.microsoft.com/office/drawing/2010/main" w="9525">
                   <a:solidFill>
                     <a:srgbClr val="000000"/>
                   </a:solidFill>
@@ -969,7 +969,7 @@
             </a:ln>
             <a:extLst>
               <a:ext uri="{91240B29-F687-4f45-9708-019B960494DF}">
-                <a14:hiddenLine xmlns:a14="http://schemas.microsoft.com/office/drawing/2010/main" xmlns="" w="9525">
+                <a14:hiddenLine xmlns="" xmlns:a14="http://schemas.microsoft.com/office/drawing/2010/main" w="9525">
                   <a:solidFill>
                     <a:srgbClr val="000000"/>
                   </a:solidFill>
@@ -1059,7 +1059,7 @@
             </a:ln>
             <a:extLst>
               <a:ext uri="{91240B29-F687-4f45-9708-019B960494DF}">
-                <a14:hiddenLine xmlns:a14="http://schemas.microsoft.com/office/drawing/2010/main" xmlns="" w="9525">
+                <a14:hiddenLine xmlns="" xmlns:a14="http://schemas.microsoft.com/office/drawing/2010/main" w="9525">
                   <a:solidFill>
                     <a:srgbClr val="000000"/>
                   </a:solidFill>
@@ -1121,7 +1121,7 @@
             </a:ln>
             <a:extLst>
               <a:ext uri="{91240B29-F687-4f45-9708-019B960494DF}">
-                <a14:hiddenLine xmlns:a14="http://schemas.microsoft.com/office/drawing/2010/main" xmlns="" w="9525">
+                <a14:hiddenLine xmlns="" xmlns:a14="http://schemas.microsoft.com/office/drawing/2010/main" w="9525">
                   <a:solidFill>
                     <a:srgbClr val="000000"/>
                   </a:solidFill>
@@ -1231,7 +1231,7 @@
             </a:ln>
             <a:extLst>
               <a:ext uri="{91240B29-F687-4f45-9708-019B960494DF}">
-                <a14:hiddenLine xmlns:a14="http://schemas.microsoft.com/office/drawing/2010/main" xmlns="" w="9525">
+                <a14:hiddenLine xmlns="" xmlns:a14="http://schemas.microsoft.com/office/drawing/2010/main" w="9525">
                   <a:solidFill>
                     <a:srgbClr val="000000"/>
                   </a:solidFill>
@@ -1293,7 +1293,7 @@
             </a:ln>
             <a:extLst>
               <a:ext uri="{91240B29-F687-4f45-9708-019B960494DF}">
-                <a14:hiddenLine xmlns:a14="http://schemas.microsoft.com/office/drawing/2010/main" xmlns="" w="9525">
+                <a14:hiddenLine xmlns="" xmlns:a14="http://schemas.microsoft.com/office/drawing/2010/main" w="9525">
                   <a:solidFill>
                     <a:srgbClr val="000000"/>
                   </a:solidFill>
@@ -1383,7 +1383,7 @@
             </a:ln>
             <a:extLst>
               <a:ext uri="{91240B29-F687-4f45-9708-019B960494DF}">
-                <a14:hiddenLine xmlns:a14="http://schemas.microsoft.com/office/drawing/2010/main" xmlns="" w="9525">
+                <a14:hiddenLine xmlns="" xmlns:a14="http://schemas.microsoft.com/office/drawing/2010/main" w="9525">
                   <a:solidFill>
                     <a:srgbClr val="000000"/>
                   </a:solidFill>
@@ -1473,7 +1473,7 @@
             </a:ln>
             <a:extLst>
               <a:ext uri="{91240B29-F687-4f45-9708-019B960494DF}">
-                <a14:hiddenLine xmlns:a14="http://schemas.microsoft.com/office/drawing/2010/main" xmlns="" w="9525">
+                <a14:hiddenLine xmlns="" xmlns:a14="http://schemas.microsoft.com/office/drawing/2010/main" w="9525">
                   <a:solidFill>
                     <a:srgbClr val="000000"/>
                   </a:solidFill>
@@ -1535,7 +1535,7 @@
             </a:ln>
             <a:extLst>
               <a:ext uri="{91240B29-F687-4f45-9708-019B960494DF}">
-                <a14:hiddenLine xmlns:a14="http://schemas.microsoft.com/office/drawing/2010/main" xmlns="" w="9525">
+                <a14:hiddenLine xmlns="" xmlns:a14="http://schemas.microsoft.com/office/drawing/2010/main" w="9525">
                   <a:solidFill>
                     <a:srgbClr val="000000"/>
                   </a:solidFill>
@@ -1625,7 +1625,7 @@
             </a:ln>
             <a:extLst>
               <a:ext uri="{91240B29-F687-4f45-9708-019B960494DF}">
-                <a14:hiddenLine xmlns:a14="http://schemas.microsoft.com/office/drawing/2010/main" xmlns="" w="9525">
+                <a14:hiddenLine xmlns="" xmlns:a14="http://schemas.microsoft.com/office/drawing/2010/main" w="9525">
                   <a:solidFill>
                     <a:srgbClr val="000000"/>
                   </a:solidFill>
@@ -1715,7 +1715,7 @@
             </a:ln>
             <a:extLst>
               <a:ext uri="{91240B29-F687-4f45-9708-019B960494DF}">
-                <a14:hiddenLine xmlns:a14="http://schemas.microsoft.com/office/drawing/2010/main" xmlns="" w="9525">
+                <a14:hiddenLine xmlns="" xmlns:a14="http://schemas.microsoft.com/office/drawing/2010/main" w="9525">
                   <a:solidFill>
                     <a:srgbClr val="000000"/>
                   </a:solidFill>
@@ -1771,7 +1771,7 @@
             </a:ln>
             <a:extLst>
               <a:ext uri="{91240B29-F687-4f45-9708-019B960494DF}">
-                <a14:hiddenLine xmlns:a14="http://schemas.microsoft.com/office/drawing/2010/main" xmlns="" w="9525">
+                <a14:hiddenLine xmlns="" xmlns:a14="http://schemas.microsoft.com/office/drawing/2010/main" w="9525">
                   <a:solidFill>
                     <a:srgbClr val="000000"/>
                   </a:solidFill>
@@ -1861,7 +1861,7 @@
             </a:ln>
             <a:extLst>
               <a:ext uri="{91240B29-F687-4f45-9708-019B960494DF}">
-                <a14:hiddenLine xmlns:a14="http://schemas.microsoft.com/office/drawing/2010/main" xmlns="" w="9525">
+                <a14:hiddenLine xmlns="" xmlns:a14="http://schemas.microsoft.com/office/drawing/2010/main" w="9525">
                   <a:solidFill>
                     <a:srgbClr val="000000"/>
                   </a:solidFill>
@@ -1917,7 +1917,7 @@
             </a:ln>
             <a:extLst>
               <a:ext uri="{91240B29-F687-4f45-9708-019B960494DF}">
-                <a14:hiddenLine xmlns:a14="http://schemas.microsoft.com/office/drawing/2010/main" xmlns="" w="9525">
+                <a14:hiddenLine xmlns="" xmlns:a14="http://schemas.microsoft.com/office/drawing/2010/main" w="9525">
                   <a:solidFill>
                     <a:srgbClr val="000000"/>
                   </a:solidFill>
@@ -2007,7 +2007,7 @@
             </a:ln>
             <a:extLst>
               <a:ext uri="{91240B29-F687-4f45-9708-019B960494DF}">
-                <a14:hiddenLine xmlns:a14="http://schemas.microsoft.com/office/drawing/2010/main" xmlns="" w="9525">
+                <a14:hiddenLine xmlns="" xmlns:a14="http://schemas.microsoft.com/office/drawing/2010/main" w="9525">
                   <a:solidFill>
                     <a:srgbClr val="000000"/>
                   </a:solidFill>
@@ -2075,7 +2075,7 @@
             </a:ln>
             <a:extLst>
               <a:ext uri="{91240B29-F687-4f45-9708-019B960494DF}">
-                <a14:hiddenLine xmlns:a14="http://schemas.microsoft.com/office/drawing/2010/main" xmlns="" w="9525">
+                <a14:hiddenLine xmlns="" xmlns:a14="http://schemas.microsoft.com/office/drawing/2010/main" w="9525">
                   <a:solidFill>
                     <a:srgbClr val="000000"/>
                   </a:solidFill>
@@ -2165,7 +2165,7 @@
             </a:ln>
             <a:extLst>
               <a:ext uri="{91240B29-F687-4f45-9708-019B960494DF}">
-                <a14:hiddenLine xmlns:a14="http://schemas.microsoft.com/office/drawing/2010/main" xmlns="" w="9525">
+                <a14:hiddenLine xmlns="" xmlns:a14="http://schemas.microsoft.com/office/drawing/2010/main" w="9525">
                   <a:solidFill>
                     <a:srgbClr val="000000"/>
                   </a:solidFill>
@@ -2233,7 +2233,7 @@
             </a:ln>
             <a:extLst>
               <a:ext uri="{91240B29-F687-4f45-9708-019B960494DF}">
-                <a14:hiddenLine xmlns:a14="http://schemas.microsoft.com/office/drawing/2010/main" xmlns="" w="9525">
+                <a14:hiddenLine xmlns="" xmlns:a14="http://schemas.microsoft.com/office/drawing/2010/main" w="9525">
                   <a:solidFill>
                     <a:srgbClr val="000000"/>
                   </a:solidFill>
@@ -2323,7 +2323,7 @@
             </a:ln>
             <a:extLst>
               <a:ext uri="{91240B29-F687-4f45-9708-019B960494DF}">
-                <a14:hiddenLine xmlns:a14="http://schemas.microsoft.com/office/drawing/2010/main" xmlns="" w="9525">
+                <a14:hiddenLine xmlns="" xmlns:a14="http://schemas.microsoft.com/office/drawing/2010/main" w="9525">
                   <a:solidFill>
                     <a:srgbClr val="000000"/>
                   </a:solidFill>
@@ -2357,7 +2357,7 @@
             </a:ln>
             <a:extLst>
               <a:ext uri="{91240B29-F687-4f45-9708-019B960494DF}">
-                <a14:hiddenLine xmlns:a14="http://schemas.microsoft.com/office/drawing/2010/main" xmlns="" w="9525">
+                <a14:hiddenLine xmlns="" xmlns:a14="http://schemas.microsoft.com/office/drawing/2010/main" w="9525">
                   <a:solidFill>
                     <a:srgbClr val="000000"/>
                   </a:solidFill>
@@ -2447,7 +2447,7 @@
             </a:ln>
             <a:extLst>
               <a:ext uri="{91240B29-F687-4f45-9708-019B960494DF}">
-                <a14:hiddenLine xmlns:a14="http://schemas.microsoft.com/office/drawing/2010/main" xmlns="" w="9525">
+                <a14:hiddenLine xmlns="" xmlns:a14="http://schemas.microsoft.com/office/drawing/2010/main" w="9525">
                   <a:solidFill>
                     <a:srgbClr val="000000"/>
                   </a:solidFill>
@@ -2509,7 +2509,7 @@
             </a:ln>
             <a:extLst>
               <a:ext uri="{91240B29-F687-4f45-9708-019B960494DF}">
-                <a14:hiddenLine xmlns:a14="http://schemas.microsoft.com/office/drawing/2010/main" xmlns="" w="9525">
+                <a14:hiddenLine xmlns="" xmlns:a14="http://schemas.microsoft.com/office/drawing/2010/main" w="9525">
                   <a:solidFill>
                     <a:srgbClr val="000000"/>
                   </a:solidFill>
@@ -2571,7 +2571,7 @@
             </a:ln>
             <a:extLst>
               <a:ext uri="{91240B29-F687-4f45-9708-019B960494DF}">
-                <a14:hiddenLine xmlns:a14="http://schemas.microsoft.com/office/drawing/2010/main" xmlns="" w="9525">
+                <a14:hiddenLine xmlns="" xmlns:a14="http://schemas.microsoft.com/office/drawing/2010/main" w="9525">
                   <a:solidFill>
                     <a:srgbClr val="000000"/>
                   </a:solidFill>
@@ -2661,7 +2661,7 @@
             </a:ln>
             <a:extLst>
               <a:ext uri="{91240B29-F687-4f45-9708-019B960494DF}">
-                <a14:hiddenLine xmlns:a14="http://schemas.microsoft.com/office/drawing/2010/main" xmlns="" w="9525">
+                <a14:hiddenLine xmlns="" xmlns:a14="http://schemas.microsoft.com/office/drawing/2010/main" w="9525">
                   <a:solidFill>
                     <a:srgbClr val="000000"/>
                   </a:solidFill>
@@ -2729,7 +2729,7 @@
             </a:ln>
             <a:extLst>
               <a:ext uri="{91240B29-F687-4f45-9708-019B960494DF}">
-                <a14:hiddenLine xmlns:a14="http://schemas.microsoft.com/office/drawing/2010/main" xmlns="" w="9525">
+                <a14:hiddenLine xmlns="" xmlns:a14="http://schemas.microsoft.com/office/drawing/2010/main" w="9525">
                   <a:solidFill>
                     <a:srgbClr val="000000"/>
                   </a:solidFill>
@@ -2791,7 +2791,7 @@
             </a:ln>
             <a:extLst>
               <a:ext uri="{91240B29-F687-4f45-9708-019B960494DF}">
-                <a14:hiddenLine xmlns:a14="http://schemas.microsoft.com/office/drawing/2010/main" xmlns="" w="9525">
+                <a14:hiddenLine xmlns="" xmlns:a14="http://schemas.microsoft.com/office/drawing/2010/main" w="9525">
                   <a:solidFill>
                     <a:srgbClr val="000000"/>
                   </a:solidFill>
@@ -2881,7 +2881,7 @@
             </a:ln>
             <a:extLst>
               <a:ext uri="{91240B29-F687-4f45-9708-019B960494DF}">
-                <a14:hiddenLine xmlns:a14="http://schemas.microsoft.com/office/drawing/2010/main" xmlns="" w="9525">
+                <a14:hiddenLine xmlns="" xmlns:a14="http://schemas.microsoft.com/office/drawing/2010/main" w="9525">
                   <a:solidFill>
                     <a:srgbClr val="000000"/>
                   </a:solidFill>
@@ -2943,7 +2943,7 @@
             </a:ln>
             <a:extLst>
               <a:ext uri="{91240B29-F687-4f45-9708-019B960494DF}">
-                <a14:hiddenLine xmlns:a14="http://schemas.microsoft.com/office/drawing/2010/main" xmlns="" w="9525">
+                <a14:hiddenLine xmlns="" xmlns:a14="http://schemas.microsoft.com/office/drawing/2010/main" w="9525">
                   <a:solidFill>
                     <a:srgbClr val="000000"/>
                   </a:solidFill>
@@ -3033,7 +3033,7 @@
             </a:ln>
             <a:extLst>
               <a:ext uri="{91240B29-F687-4f45-9708-019B960494DF}">
-                <a14:hiddenLine xmlns:a14="http://schemas.microsoft.com/office/drawing/2010/main" xmlns="" w="9525">
+                <a14:hiddenLine xmlns="" xmlns:a14="http://schemas.microsoft.com/office/drawing/2010/main" w="9525">
                   <a:solidFill>
                     <a:srgbClr val="000000"/>
                   </a:solidFill>
@@ -3095,7 +3095,7 @@
             </a:ln>
             <a:extLst>
               <a:ext uri="{91240B29-F687-4f45-9708-019B960494DF}">
-                <a14:hiddenLine xmlns:a14="http://schemas.microsoft.com/office/drawing/2010/main" xmlns="" w="9525">
+                <a14:hiddenLine xmlns="" xmlns:a14="http://schemas.microsoft.com/office/drawing/2010/main" w="9525">
                   <a:solidFill>
                     <a:srgbClr val="000000"/>
                   </a:solidFill>
@@ -3185,7 +3185,7 @@
             </a:ln>
             <a:extLst>
               <a:ext uri="{91240B29-F687-4f45-9708-019B960494DF}">
-                <a14:hiddenLine xmlns:a14="http://schemas.microsoft.com/office/drawing/2010/main" xmlns="" w="9525">
+                <a14:hiddenLine xmlns="" xmlns:a14="http://schemas.microsoft.com/office/drawing/2010/main" w="9525">
                   <a:solidFill>
                     <a:srgbClr val="000000"/>
                   </a:solidFill>
@@ -3219,7 +3219,7 @@
             </a:ln>
             <a:extLst>
               <a:ext uri="{91240B29-F687-4f45-9708-019B960494DF}">
-                <a14:hiddenLine xmlns:a14="http://schemas.microsoft.com/office/drawing/2010/main" xmlns="" w="9525">
+                <a14:hiddenLine xmlns="" xmlns:a14="http://schemas.microsoft.com/office/drawing/2010/main" w="9525">
                   <a:solidFill>
                     <a:srgbClr val="000000"/>
                   </a:solidFill>
@@ -3284,7 +3284,7 @@
             </a:ln>
             <a:extLst>
               <a:ext uri="{91240B29-F687-4f45-9708-019B960494DF}">
-                <a14:hiddenLine xmlns:a14="http://schemas.microsoft.com/office/drawing/2010/main" xmlns="" w="9525">
+                <a14:hiddenLine xmlns="" xmlns:a14="http://schemas.microsoft.com/office/drawing/2010/main" w="9525">
                   <a:solidFill>
                     <a:srgbClr val="000000"/>
                   </a:solidFill>
@@ -3374,7 +3374,7 @@
             </a:ln>
             <a:extLst>
               <a:ext uri="{91240B29-F687-4f45-9708-019B960494DF}">
-                <a14:hiddenLine xmlns:a14="http://schemas.microsoft.com/office/drawing/2010/main" xmlns="" w="9525">
+                <a14:hiddenLine xmlns="" xmlns:a14="http://schemas.microsoft.com/office/drawing/2010/main" w="9525">
                   <a:solidFill>
                     <a:srgbClr val="000000"/>
                   </a:solidFill>
@@ -3436,7 +3436,7 @@
             </a:ln>
             <a:extLst>
               <a:ext uri="{91240B29-F687-4f45-9708-019B960494DF}">
-                <a14:hiddenLine xmlns:a14="http://schemas.microsoft.com/office/drawing/2010/main" xmlns="" w="9525">
+                <a14:hiddenLine xmlns="" xmlns:a14="http://schemas.microsoft.com/office/drawing/2010/main" w="9525">
                   <a:solidFill>
                     <a:srgbClr val="000000"/>
                   </a:solidFill>
@@ -3526,7 +3526,7 @@
             </a:ln>
             <a:extLst>
               <a:ext uri="{91240B29-F687-4f45-9708-019B960494DF}">
-                <a14:hiddenLine xmlns:a14="http://schemas.microsoft.com/office/drawing/2010/main" xmlns="" w="9525">
+                <a14:hiddenLine xmlns="" xmlns:a14="http://schemas.microsoft.com/office/drawing/2010/main" w="9525">
                   <a:solidFill>
                     <a:srgbClr val="000000"/>
                   </a:solidFill>
@@ -3616,7 +3616,7 @@
             </a:ln>
             <a:extLst>
               <a:ext uri="{91240B29-F687-4f45-9708-019B960494DF}">
-                <a14:hiddenLine xmlns:a14="http://schemas.microsoft.com/office/drawing/2010/main" xmlns="" w="9525">
+                <a14:hiddenLine xmlns="" xmlns:a14="http://schemas.microsoft.com/office/drawing/2010/main" w="9525">
                   <a:solidFill>
                     <a:srgbClr val="000000"/>
                   </a:solidFill>
@@ -3681,7 +3681,7 @@
             </a:ln>
             <a:extLst>
               <a:ext uri="{91240B29-F687-4f45-9708-019B960494DF}">
-                <a14:hiddenLine xmlns:a14="http://schemas.microsoft.com/office/drawing/2010/main" xmlns="" w="9525">
+                <a14:hiddenLine xmlns="" xmlns:a14="http://schemas.microsoft.com/office/drawing/2010/main" w="9525">
                   <a:solidFill>
                     <a:srgbClr val="000000"/>
                   </a:solidFill>
@@ -3743,7 +3743,7 @@
             </a:ln>
             <a:extLst>
               <a:ext uri="{91240B29-F687-4f45-9708-019B960494DF}">
-                <a14:hiddenLine xmlns:a14="http://schemas.microsoft.com/office/drawing/2010/main" xmlns="" w="9525">
+                <a14:hiddenLine xmlns="" xmlns:a14="http://schemas.microsoft.com/office/drawing/2010/main" w="9525">
                   <a:solidFill>
                     <a:srgbClr val="000000"/>
                   </a:solidFill>
@@ -3833,7 +3833,7 @@
             </a:ln>
             <a:extLst>
               <a:ext uri="{91240B29-F687-4f45-9708-019B960494DF}">
-                <a14:hiddenLine xmlns:a14="http://schemas.microsoft.com/office/drawing/2010/main" xmlns="" w="9525">
+                <a14:hiddenLine xmlns="" xmlns:a14="http://schemas.microsoft.com/office/drawing/2010/main" w="9525">
                   <a:solidFill>
                     <a:srgbClr val="000000"/>
                   </a:solidFill>
@@ -3923,7 +3923,7 @@
             </a:ln>
             <a:extLst>
               <a:ext uri="{91240B29-F687-4f45-9708-019B960494DF}">
-                <a14:hiddenLine xmlns:a14="http://schemas.microsoft.com/office/drawing/2010/main" xmlns="" w="9525">
+                <a14:hiddenLine xmlns="" xmlns:a14="http://schemas.microsoft.com/office/drawing/2010/main" w="9525">
                   <a:solidFill>
                     <a:srgbClr val="000000"/>
                   </a:solidFill>
@@ -3985,7 +3985,7 @@
             </a:ln>
             <a:extLst>
               <a:ext uri="{91240B29-F687-4f45-9708-019B960494DF}">
-                <a14:hiddenLine xmlns:a14="http://schemas.microsoft.com/office/drawing/2010/main" xmlns="" w="9525">
+                <a14:hiddenLine xmlns="" xmlns:a14="http://schemas.microsoft.com/office/drawing/2010/main" w="9525">
                   <a:solidFill>
                     <a:srgbClr val="000000"/>
                   </a:solidFill>
@@ -4105,7 +4105,7 @@
             </a:ln>
             <a:extLst>
               <a:ext uri="{91240B29-F687-4f45-9708-019B960494DF}">
-                <a14:hiddenLine xmlns:a14="http://schemas.microsoft.com/office/drawing/2010/main" xmlns="" w="9525">
+                <a14:hiddenLine xmlns="" xmlns:a14="http://schemas.microsoft.com/office/drawing/2010/main" w="9525">
                   <a:solidFill>
                     <a:srgbClr val="000000"/>
                   </a:solidFill>
@@ -4173,7 +4173,7 @@
             </a:ln>
             <a:extLst>
               <a:ext uri="{91240B29-F687-4f45-9708-019B960494DF}">
-                <a14:hiddenLine xmlns:a14="http://schemas.microsoft.com/office/drawing/2010/main" xmlns="" w="9525">
+                <a14:hiddenLine xmlns="" xmlns:a14="http://schemas.microsoft.com/office/drawing/2010/main" w="9525">
                   <a:solidFill>
                     <a:srgbClr val="000000"/>
                   </a:solidFill>
@@ -4263,7 +4263,7 @@
             </a:ln>
             <a:extLst>
               <a:ext uri="{91240B29-F687-4f45-9708-019B960494DF}">
-                <a14:hiddenLine xmlns:a14="http://schemas.microsoft.com/office/drawing/2010/main" xmlns="" w="9525">
+                <a14:hiddenLine xmlns="" xmlns:a14="http://schemas.microsoft.com/office/drawing/2010/main" w="9525">
                   <a:solidFill>
                     <a:srgbClr val="000000"/>
                   </a:solidFill>
@@ -8985,7 +8985,7 @@
           <a:noFill/>
           <a:extLst>
             <a:ext uri="{909E8E84-426E-40dd-AFC4-6F175D3DCCD1}">
-              <a14:hiddenFill xmlns:a14="http://schemas.microsoft.com/office/drawing/2010/main" xmlns="">
+              <a14:hiddenFill xmlns="" xmlns:a14="http://schemas.microsoft.com/office/drawing/2010/main">
                 <a:solidFill>
                   <a:srgbClr val="FFFFFF"/>
                 </a:solidFill>
@@ -9059,7 +9059,7 @@
               </a:ln>
               <a:extLst>
                 <a:ext uri="{91240B29-F687-4f45-9708-019B960494DF}">
-                  <a14:hiddenLine xmlns:a14="http://schemas.microsoft.com/office/drawing/2010/main" xmlns="" w="9525">
+                  <a14:hiddenLine xmlns="" xmlns:a14="http://schemas.microsoft.com/office/drawing/2010/main" w="9525">
                     <a:solidFill>
                       <a:srgbClr val="000000"/>
                     </a:solidFill>
@@ -9149,7 +9149,7 @@
               </a:ln>
               <a:extLst>
                 <a:ext uri="{91240B29-F687-4f45-9708-019B960494DF}">
-                  <a14:hiddenLine xmlns:a14="http://schemas.microsoft.com/office/drawing/2010/main" xmlns="" w="9525">
+                  <a14:hiddenLine xmlns="" xmlns:a14="http://schemas.microsoft.com/office/drawing/2010/main" w="9525">
                     <a:solidFill>
                       <a:srgbClr val="000000"/>
                     </a:solidFill>
@@ -9239,7 +9239,7 @@
               </a:ln>
               <a:extLst>
                 <a:ext uri="{91240B29-F687-4f45-9708-019B960494DF}">
-                  <a14:hiddenLine xmlns:a14="http://schemas.microsoft.com/office/drawing/2010/main" xmlns="" w="9525">
+                  <a14:hiddenLine xmlns="" xmlns:a14="http://schemas.microsoft.com/office/drawing/2010/main" w="9525">
                     <a:solidFill>
                       <a:srgbClr val="000000"/>
                     </a:solidFill>
@@ -9301,7 +9301,7 @@
               </a:ln>
               <a:extLst>
                 <a:ext uri="{91240B29-F687-4f45-9708-019B960494DF}">
-                  <a14:hiddenLine xmlns:a14="http://schemas.microsoft.com/office/drawing/2010/main" xmlns="" w="9525">
+                  <a14:hiddenLine xmlns="" xmlns:a14="http://schemas.microsoft.com/office/drawing/2010/main" w="9525">
                     <a:solidFill>
                       <a:srgbClr val="000000"/>
                     </a:solidFill>
@@ -9391,7 +9391,7 @@
               </a:ln>
               <a:extLst>
                 <a:ext uri="{91240B29-F687-4f45-9708-019B960494DF}">
-                  <a14:hiddenLine xmlns:a14="http://schemas.microsoft.com/office/drawing/2010/main" xmlns="" w="9525">
+                  <a14:hiddenLine xmlns="" xmlns:a14="http://schemas.microsoft.com/office/drawing/2010/main" w="9525">
                     <a:solidFill>
                       <a:srgbClr val="000000"/>
                     </a:solidFill>
@@ -9453,7 +9453,7 @@
               </a:ln>
               <a:extLst>
                 <a:ext uri="{91240B29-F687-4f45-9708-019B960494DF}">
-                  <a14:hiddenLine xmlns:a14="http://schemas.microsoft.com/office/drawing/2010/main" xmlns="" w="9525">
+                  <a14:hiddenLine xmlns="" xmlns:a14="http://schemas.microsoft.com/office/drawing/2010/main" w="9525">
                     <a:solidFill>
                       <a:srgbClr val="000000"/>
                     </a:solidFill>
@@ -9515,7 +9515,7 @@
               </a:ln>
               <a:extLst>
                 <a:ext uri="{91240B29-F687-4f45-9708-019B960494DF}">
-                  <a14:hiddenLine xmlns:a14="http://schemas.microsoft.com/office/drawing/2010/main" xmlns="" w="9525">
+                  <a14:hiddenLine xmlns="" xmlns:a14="http://schemas.microsoft.com/office/drawing/2010/main" w="9525">
                     <a:solidFill>
                       <a:srgbClr val="000000"/>
                     </a:solidFill>
@@ -9605,7 +9605,7 @@
               </a:ln>
               <a:extLst>
                 <a:ext uri="{91240B29-F687-4f45-9708-019B960494DF}">
-                  <a14:hiddenLine xmlns:a14="http://schemas.microsoft.com/office/drawing/2010/main" xmlns="" w="9525">
+                  <a14:hiddenLine xmlns="" xmlns:a14="http://schemas.microsoft.com/office/drawing/2010/main" w="9525">
                     <a:solidFill>
                       <a:srgbClr val="000000"/>
                     </a:solidFill>
@@ -9695,7 +9695,7 @@
               </a:ln>
               <a:extLst>
                 <a:ext uri="{91240B29-F687-4f45-9708-019B960494DF}">
-                  <a14:hiddenLine xmlns:a14="http://schemas.microsoft.com/office/drawing/2010/main" xmlns="" w="9525">
+                  <a14:hiddenLine xmlns="" xmlns:a14="http://schemas.microsoft.com/office/drawing/2010/main" w="9525">
                     <a:solidFill>
                       <a:srgbClr val="000000"/>
                     </a:solidFill>
@@ -9757,7 +9757,7 @@
               </a:ln>
               <a:extLst>
                 <a:ext uri="{91240B29-F687-4f45-9708-019B960494DF}">
-                  <a14:hiddenLine xmlns:a14="http://schemas.microsoft.com/office/drawing/2010/main" xmlns="" w="9525">
+                  <a14:hiddenLine xmlns="" xmlns:a14="http://schemas.microsoft.com/office/drawing/2010/main" w="9525">
                     <a:solidFill>
                       <a:srgbClr val="000000"/>
                     </a:solidFill>
@@ -9867,7 +9867,7 @@
               </a:ln>
               <a:extLst>
                 <a:ext uri="{91240B29-F687-4f45-9708-019B960494DF}">
-                  <a14:hiddenLine xmlns:a14="http://schemas.microsoft.com/office/drawing/2010/main" xmlns="" w="9525">
+                  <a14:hiddenLine xmlns="" xmlns:a14="http://schemas.microsoft.com/office/drawing/2010/main" w="9525">
                     <a:solidFill>
                       <a:srgbClr val="000000"/>
                     </a:solidFill>
@@ -9951,7 +9951,7 @@
               </a:ln>
               <a:extLst>
                 <a:ext uri="{91240B29-F687-4f45-9708-019B960494DF}">
-                  <a14:hiddenLine xmlns:a14="http://schemas.microsoft.com/office/drawing/2010/main" xmlns="" w="9525">
+                  <a14:hiddenLine xmlns="" xmlns:a14="http://schemas.microsoft.com/office/drawing/2010/main" w="9525">
                     <a:solidFill>
                       <a:srgbClr val="000000"/>
                     </a:solidFill>
@@ -10013,7 +10013,7 @@
               </a:ln>
               <a:extLst>
                 <a:ext uri="{91240B29-F687-4f45-9708-019B960494DF}">
-                  <a14:hiddenLine xmlns:a14="http://schemas.microsoft.com/office/drawing/2010/main" xmlns="" w="9525">
+                  <a14:hiddenLine xmlns="" xmlns:a14="http://schemas.microsoft.com/office/drawing/2010/main" w="9525">
                     <a:solidFill>
                       <a:srgbClr val="000000"/>
                     </a:solidFill>
@@ -10075,7 +10075,7 @@
               </a:ln>
               <a:extLst>
                 <a:ext uri="{91240B29-F687-4f45-9708-019B960494DF}">
-                  <a14:hiddenLine xmlns:a14="http://schemas.microsoft.com/office/drawing/2010/main" xmlns="" w="9525">
+                  <a14:hiddenLine xmlns="" xmlns:a14="http://schemas.microsoft.com/office/drawing/2010/main" w="9525">
                     <a:solidFill>
                       <a:srgbClr val="000000"/>
                     </a:solidFill>
@@ -10165,7 +10165,7 @@
               </a:ln>
               <a:extLst>
                 <a:ext uri="{91240B29-F687-4f45-9708-019B960494DF}">
-                  <a14:hiddenLine xmlns:a14="http://schemas.microsoft.com/office/drawing/2010/main" xmlns="" w="9525">
+                  <a14:hiddenLine xmlns="" xmlns:a14="http://schemas.microsoft.com/office/drawing/2010/main" w="9525">
                     <a:solidFill>
                       <a:srgbClr val="000000"/>
                     </a:solidFill>
@@ -10199,7 +10199,7 @@
               </a:ln>
               <a:extLst>
                 <a:ext uri="{91240B29-F687-4f45-9708-019B960494DF}">
-                  <a14:hiddenLine xmlns:a14="http://schemas.microsoft.com/office/drawing/2010/main" xmlns="" w="9525">
+                  <a14:hiddenLine xmlns="" xmlns:a14="http://schemas.microsoft.com/office/drawing/2010/main" w="9525">
                     <a:solidFill>
                       <a:srgbClr val="000000"/>
                     </a:solidFill>
@@ -10264,7 +10264,7 @@
               </a:ln>
               <a:extLst>
                 <a:ext uri="{91240B29-F687-4f45-9708-019B960494DF}">
-                  <a14:hiddenLine xmlns:a14="http://schemas.microsoft.com/office/drawing/2010/main" xmlns="" w="9525">
+                  <a14:hiddenLine xmlns="" xmlns:a14="http://schemas.microsoft.com/office/drawing/2010/main" w="9525">
                     <a:solidFill>
                       <a:srgbClr val="000000"/>
                     </a:solidFill>
@@ -10354,7 +10354,7 @@
               </a:ln>
               <a:extLst>
                 <a:ext uri="{91240B29-F687-4f45-9708-019B960494DF}">
-                  <a14:hiddenLine xmlns:a14="http://schemas.microsoft.com/office/drawing/2010/main" xmlns="" w="9525">
+                  <a14:hiddenLine xmlns="" xmlns:a14="http://schemas.microsoft.com/office/drawing/2010/main" w="9525">
                     <a:solidFill>
                       <a:srgbClr val="000000"/>
                     </a:solidFill>
@@ -10416,7 +10416,7 @@
               </a:ln>
               <a:extLst>
                 <a:ext uri="{91240B29-F687-4f45-9708-019B960494DF}">
-                  <a14:hiddenLine xmlns:a14="http://schemas.microsoft.com/office/drawing/2010/main" xmlns="" w="9525">
+                  <a14:hiddenLine xmlns="" xmlns:a14="http://schemas.microsoft.com/office/drawing/2010/main" w="9525">
                     <a:solidFill>
                       <a:srgbClr val="000000"/>
                     </a:solidFill>
@@ -10506,7 +10506,7 @@
               </a:ln>
               <a:extLst>
                 <a:ext uri="{91240B29-F687-4f45-9708-019B960494DF}">
-                  <a14:hiddenLine xmlns:a14="http://schemas.microsoft.com/office/drawing/2010/main" xmlns="" w="9525">
+                  <a14:hiddenLine xmlns="" xmlns:a14="http://schemas.microsoft.com/office/drawing/2010/main" w="9525">
                     <a:solidFill>
                       <a:srgbClr val="000000"/>
                     </a:solidFill>
@@ -10571,7 +10571,7 @@
               </a:ln>
               <a:extLst>
                 <a:ext uri="{91240B29-F687-4f45-9708-019B960494DF}">
-                  <a14:hiddenLine xmlns:a14="http://schemas.microsoft.com/office/drawing/2010/main" xmlns="" w="9525">
+                  <a14:hiddenLine xmlns="" xmlns:a14="http://schemas.microsoft.com/office/drawing/2010/main" w="9525">
                     <a:solidFill>
                       <a:srgbClr val="000000"/>
                     </a:solidFill>
@@ -10633,7 +10633,7 @@
               </a:ln>
               <a:extLst>
                 <a:ext uri="{91240B29-F687-4f45-9708-019B960494DF}">
-                  <a14:hiddenLine xmlns:a14="http://schemas.microsoft.com/office/drawing/2010/main" xmlns="" w="9525">
+                  <a14:hiddenLine xmlns="" xmlns:a14="http://schemas.microsoft.com/office/drawing/2010/main" w="9525">
                     <a:solidFill>
                       <a:srgbClr val="000000"/>
                     </a:solidFill>
@@ -10723,7 +10723,7 @@
               </a:ln>
               <a:extLst>
                 <a:ext uri="{91240B29-F687-4f45-9708-019B960494DF}">
-                  <a14:hiddenLine xmlns:a14="http://schemas.microsoft.com/office/drawing/2010/main" xmlns="" w="9525">
+                  <a14:hiddenLine xmlns="" xmlns:a14="http://schemas.microsoft.com/office/drawing/2010/main" w="9525">
                     <a:solidFill>
                       <a:srgbClr val="000000"/>
                     </a:solidFill>
@@ -10813,7 +10813,7 @@
               </a:ln>
               <a:extLst>
                 <a:ext uri="{91240B29-F687-4f45-9708-019B960494DF}">
-                  <a14:hiddenLine xmlns:a14="http://schemas.microsoft.com/office/drawing/2010/main" xmlns="" w="9525">
+                  <a14:hiddenLine xmlns="" xmlns:a14="http://schemas.microsoft.com/office/drawing/2010/main" w="9525">
                     <a:solidFill>
                       <a:srgbClr val="000000"/>
                     </a:solidFill>
@@ -10878,7 +10878,7 @@
               </a:ln>
               <a:extLst>
                 <a:ext uri="{91240B29-F687-4f45-9708-019B960494DF}">
-                  <a14:hiddenLine xmlns:a14="http://schemas.microsoft.com/office/drawing/2010/main" xmlns="" w="9525">
+                  <a14:hiddenLine xmlns="" xmlns:a14="http://schemas.microsoft.com/office/drawing/2010/main" w="9525">
                     <a:solidFill>
                       <a:srgbClr val="000000"/>
                     </a:solidFill>
@@ -10998,7 +10998,7 @@
               </a:ln>
               <a:extLst>
                 <a:ext uri="{91240B29-F687-4f45-9708-019B960494DF}">
-                  <a14:hiddenLine xmlns:a14="http://schemas.microsoft.com/office/drawing/2010/main" xmlns="" w="9525">
+                  <a14:hiddenLine xmlns="" xmlns:a14="http://schemas.microsoft.com/office/drawing/2010/main" w="9525">
                     <a:solidFill>
                       <a:srgbClr val="000000"/>
                     </a:solidFill>
@@ -11096,7 +11096,7 @@
               </a:ln>
               <a:extLst>
                 <a:ext uri="{91240B29-F687-4f45-9708-019B960494DF}">
-                  <a14:hiddenLine xmlns:a14="http://schemas.microsoft.com/office/drawing/2010/main" xmlns="" w="9525">
+                  <a14:hiddenLine xmlns="" xmlns:a14="http://schemas.microsoft.com/office/drawing/2010/main" w="9525">
                     <a:solidFill>
                       <a:srgbClr val="000000"/>
                     </a:solidFill>
@@ -11211,7 +11211,7 @@
               </a:ln>
               <a:extLst>
                 <a:ext uri="{91240B29-F687-4f45-9708-019B960494DF}">
-                  <a14:hiddenLine xmlns:a14="http://schemas.microsoft.com/office/drawing/2010/main" xmlns="" w="9525">
+                  <a14:hiddenLine xmlns="" xmlns:a14="http://schemas.microsoft.com/office/drawing/2010/main" w="9525">
                     <a:solidFill>
                       <a:srgbClr val="000000"/>
                     </a:solidFill>
@@ -11301,7 +11301,7 @@
               </a:ln>
               <a:extLst>
                 <a:ext uri="{91240B29-F687-4f45-9708-019B960494DF}">
-                  <a14:hiddenLine xmlns:a14="http://schemas.microsoft.com/office/drawing/2010/main" xmlns="" w="9525">
+                  <a14:hiddenLine xmlns="" xmlns:a14="http://schemas.microsoft.com/office/drawing/2010/main" w="9525">
                     <a:solidFill>
                       <a:srgbClr val="000000"/>
                     </a:solidFill>
@@ -11366,7 +11366,7 @@
               </a:ln>
               <a:extLst>
                 <a:ext uri="{91240B29-F687-4f45-9708-019B960494DF}">
-                  <a14:hiddenLine xmlns:a14="http://schemas.microsoft.com/office/drawing/2010/main" xmlns="" w="9525">
+                  <a14:hiddenLine xmlns="" xmlns:a14="http://schemas.microsoft.com/office/drawing/2010/main" w="9525">
                     <a:solidFill>
                       <a:srgbClr val="000000"/>
                     </a:solidFill>
@@ -11456,7 +11456,7 @@
               </a:ln>
               <a:extLst>
                 <a:ext uri="{91240B29-F687-4f45-9708-019B960494DF}">
-                  <a14:hiddenLine xmlns:a14="http://schemas.microsoft.com/office/drawing/2010/main" xmlns="" w="9525">
+                  <a14:hiddenLine xmlns="" xmlns:a14="http://schemas.microsoft.com/office/drawing/2010/main" w="9525">
                     <a:solidFill>
                       <a:srgbClr val="000000"/>
                     </a:solidFill>
@@ -11524,7 +11524,7 @@
               </a:ln>
               <a:extLst>
                 <a:ext uri="{91240B29-F687-4f45-9708-019B960494DF}">
-                  <a14:hiddenLine xmlns:a14="http://schemas.microsoft.com/office/drawing/2010/main" xmlns="" w="9525">
+                  <a14:hiddenLine xmlns="" xmlns:a14="http://schemas.microsoft.com/office/drawing/2010/main" w="9525">
                     <a:solidFill>
                       <a:srgbClr val="000000"/>
                     </a:solidFill>
@@ -11614,7 +11614,7 @@
               </a:ln>
               <a:extLst>
                 <a:ext uri="{91240B29-F687-4f45-9708-019B960494DF}">
-                  <a14:hiddenLine xmlns:a14="http://schemas.microsoft.com/office/drawing/2010/main" xmlns="" w="9525">
+                  <a14:hiddenLine xmlns="" xmlns:a14="http://schemas.microsoft.com/office/drawing/2010/main" w="9525">
                     <a:solidFill>
                       <a:srgbClr val="000000"/>
                     </a:solidFill>
@@ -11682,7 +11682,7 @@
               </a:ln>
               <a:extLst>
                 <a:ext uri="{91240B29-F687-4f45-9708-019B960494DF}">
-                  <a14:hiddenLine xmlns:a14="http://schemas.microsoft.com/office/drawing/2010/main" xmlns="" w="9525">
+                  <a14:hiddenLine xmlns="" xmlns:a14="http://schemas.microsoft.com/office/drawing/2010/main" w="9525">
                     <a:solidFill>
                       <a:srgbClr val="000000"/>
                     </a:solidFill>
@@ -11772,7 +11772,7 @@
               </a:ln>
               <a:extLst>
                 <a:ext uri="{91240B29-F687-4f45-9708-019B960494DF}">
-                  <a14:hiddenLine xmlns:a14="http://schemas.microsoft.com/office/drawing/2010/main" xmlns="" w="9525">
+                  <a14:hiddenLine xmlns="" xmlns:a14="http://schemas.microsoft.com/office/drawing/2010/main" w="9525">
                     <a:solidFill>
                       <a:srgbClr val="000000"/>
                     </a:solidFill>
@@ -11806,7 +11806,7 @@
               </a:ln>
               <a:extLst>
                 <a:ext uri="{91240B29-F687-4f45-9708-019B960494DF}">
-                  <a14:hiddenLine xmlns:a14="http://schemas.microsoft.com/office/drawing/2010/main" xmlns="" w="9525">
+                  <a14:hiddenLine xmlns="" xmlns:a14="http://schemas.microsoft.com/office/drawing/2010/main" w="9525">
                     <a:solidFill>
                       <a:srgbClr val="000000"/>
                     </a:solidFill>
@@ -20652,7 +20652,7 @@
         <p:spPr>
           <a:xfrm>
             <a:off x="814812" y="1259455"/>
-            <a:ext cx="10746463" cy="2954655"/>
+            <a:ext cx="10746463" cy="4431983"/>
           </a:xfrm>
           <a:prstGeom prst="rect">
             <a:avLst/>
@@ -20664,6 +20664,28 @@
             <a:spAutoFit/>
           </a:bodyPr>
           <a:lstStyle/>
+          <a:p>
+            <a:r>
+              <a:rPr lang="en-US" sz="3200" dirty="0"/>
+              <a:t>Result</a:t>
+            </a:r>
+          </a:p>
+          <a:p>
+            <a:pPr lvl="1"/>
+            <a:r>
+              <a:rPr lang="en-US" sz="3200" dirty="0">
+                <a:hlinkClick r:id="rId2"/>
+              </a:rPr>
+              <a:t>questions_score.xlsx</a:t>
+            </a:r>
+            <a:endParaRPr lang="en-US" sz="3200" dirty="0"/>
+          </a:p>
+          <a:p>
+            <a:r>
+              <a:rPr lang="en-US" sz="3200" dirty="0"/>
+              <a:t>Analysis</a:t>
+            </a:r>
+          </a:p>
           <a:p>
             <a:pPr marL="457200" indent="-457200">
               <a:buFont typeface="Arial" panose="020B0604020202020204" pitchFamily="34" charset="0"/>

--- a/Data Analytics and Information Virtualization Project.pptx
+++ b/Data Analytics and Information Virtualization Project.pptx
@@ -177,7 +177,7 @@
           <a:noFill/>
           <a:extLst>
             <a:ext uri="{909E8E84-426E-40dd-AFC4-6F175D3DCCD1}">
-              <a14:hiddenFill xmlns="" xmlns:a14="http://schemas.microsoft.com/office/drawing/2010/main">
+              <a14:hiddenFill xmlns:a14="http://schemas.microsoft.com/office/drawing/2010/main" xmlns="">
                 <a:solidFill>
                   <a:srgbClr val="FFFFFF"/>
                 </a:solidFill>
@@ -237,7 +237,7 @@
             </a:ln>
             <a:extLst>
               <a:ext uri="{91240B29-F687-4f45-9708-019B960494DF}">
-                <a14:hiddenLine xmlns="" xmlns:a14="http://schemas.microsoft.com/office/drawing/2010/main" w="9525">
+                <a14:hiddenLine xmlns:a14="http://schemas.microsoft.com/office/drawing/2010/main" xmlns="" w="9525">
                   <a:solidFill>
                     <a:srgbClr val="000000"/>
                   </a:solidFill>
@@ -327,7 +327,7 @@
             </a:ln>
             <a:extLst>
               <a:ext uri="{91240B29-F687-4f45-9708-019B960494DF}">
-                <a14:hiddenLine xmlns="" xmlns:a14="http://schemas.microsoft.com/office/drawing/2010/main" w="9525">
+                <a14:hiddenLine xmlns:a14="http://schemas.microsoft.com/office/drawing/2010/main" xmlns="" w="9525">
                   <a:solidFill>
                     <a:srgbClr val="000000"/>
                   </a:solidFill>
@@ -417,7 +417,7 @@
             </a:ln>
             <a:extLst>
               <a:ext uri="{91240B29-F687-4f45-9708-019B960494DF}">
-                <a14:hiddenLine xmlns="" xmlns:a14="http://schemas.microsoft.com/office/drawing/2010/main" w="9525">
+                <a14:hiddenLine xmlns:a14="http://schemas.microsoft.com/office/drawing/2010/main" xmlns="" w="9525">
                   <a:solidFill>
                     <a:srgbClr val="000000"/>
                   </a:solidFill>
@@ -451,7 +451,7 @@
             </a:ln>
             <a:extLst>
               <a:ext uri="{91240B29-F687-4f45-9708-019B960494DF}">
-                <a14:hiddenLine xmlns="" xmlns:a14="http://schemas.microsoft.com/office/drawing/2010/main" w="9525">
+                <a14:hiddenLine xmlns:a14="http://schemas.microsoft.com/office/drawing/2010/main" xmlns="" w="9525">
                   <a:solidFill>
                     <a:srgbClr val="000000"/>
                   </a:solidFill>
@@ -541,7 +541,7 @@
             </a:ln>
             <a:extLst>
               <a:ext uri="{91240B29-F687-4f45-9708-019B960494DF}">
-                <a14:hiddenLine xmlns="" xmlns:a14="http://schemas.microsoft.com/office/drawing/2010/main" w="9525">
+                <a14:hiddenLine xmlns:a14="http://schemas.microsoft.com/office/drawing/2010/main" xmlns="" w="9525">
                   <a:solidFill>
                     <a:srgbClr val="000000"/>
                   </a:solidFill>
@@ -603,7 +603,7 @@
             </a:ln>
             <a:extLst>
               <a:ext uri="{91240B29-F687-4f45-9708-019B960494DF}">
-                <a14:hiddenLine xmlns="" xmlns:a14="http://schemas.microsoft.com/office/drawing/2010/main" w="9525">
+                <a14:hiddenLine xmlns:a14="http://schemas.microsoft.com/office/drawing/2010/main" xmlns="" w="9525">
                   <a:solidFill>
                     <a:srgbClr val="000000"/>
                   </a:solidFill>
@@ -665,7 +665,7 @@
             </a:ln>
             <a:extLst>
               <a:ext uri="{91240B29-F687-4f45-9708-019B960494DF}">
-                <a14:hiddenLine xmlns="" xmlns:a14="http://schemas.microsoft.com/office/drawing/2010/main" w="9525">
+                <a14:hiddenLine xmlns:a14="http://schemas.microsoft.com/office/drawing/2010/main" xmlns="" w="9525">
                   <a:solidFill>
                     <a:srgbClr val="000000"/>
                   </a:solidFill>
@@ -755,7 +755,7 @@
             </a:ln>
             <a:extLst>
               <a:ext uri="{91240B29-F687-4f45-9708-019B960494DF}">
-                <a14:hiddenLine xmlns="" xmlns:a14="http://schemas.microsoft.com/office/drawing/2010/main" w="9525">
+                <a14:hiddenLine xmlns:a14="http://schemas.microsoft.com/office/drawing/2010/main" xmlns="" w="9525">
                   <a:solidFill>
                     <a:srgbClr val="000000"/>
                   </a:solidFill>
@@ -817,7 +817,7 @@
             </a:ln>
             <a:extLst>
               <a:ext uri="{91240B29-F687-4f45-9708-019B960494DF}">
-                <a14:hiddenLine xmlns="" xmlns:a14="http://schemas.microsoft.com/office/drawing/2010/main" w="9525">
+                <a14:hiddenLine xmlns:a14="http://schemas.microsoft.com/office/drawing/2010/main" xmlns="" w="9525">
                   <a:solidFill>
                     <a:srgbClr val="000000"/>
                   </a:solidFill>
@@ -879,7 +879,7 @@
             </a:ln>
             <a:extLst>
               <a:ext uri="{91240B29-F687-4f45-9708-019B960494DF}">
-                <a14:hiddenLine xmlns="" xmlns:a14="http://schemas.microsoft.com/office/drawing/2010/main" w="9525">
+                <a14:hiddenLine xmlns:a14="http://schemas.microsoft.com/office/drawing/2010/main" xmlns="" w="9525">
                   <a:solidFill>
                     <a:srgbClr val="000000"/>
                   </a:solidFill>
@@ -969,7 +969,7 @@
             </a:ln>
             <a:extLst>
               <a:ext uri="{91240B29-F687-4f45-9708-019B960494DF}">
-                <a14:hiddenLine xmlns="" xmlns:a14="http://schemas.microsoft.com/office/drawing/2010/main" w="9525">
+                <a14:hiddenLine xmlns:a14="http://schemas.microsoft.com/office/drawing/2010/main" xmlns="" w="9525">
                   <a:solidFill>
                     <a:srgbClr val="000000"/>
                   </a:solidFill>
@@ -1059,7 +1059,7 @@
             </a:ln>
             <a:extLst>
               <a:ext uri="{91240B29-F687-4f45-9708-019B960494DF}">
-                <a14:hiddenLine xmlns="" xmlns:a14="http://schemas.microsoft.com/office/drawing/2010/main" w="9525">
+                <a14:hiddenLine xmlns:a14="http://schemas.microsoft.com/office/drawing/2010/main" xmlns="" w="9525">
                   <a:solidFill>
                     <a:srgbClr val="000000"/>
                   </a:solidFill>
@@ -1121,7 +1121,7 @@
             </a:ln>
             <a:extLst>
               <a:ext uri="{91240B29-F687-4f45-9708-019B960494DF}">
-                <a14:hiddenLine xmlns="" xmlns:a14="http://schemas.microsoft.com/office/drawing/2010/main" w="9525">
+                <a14:hiddenLine xmlns:a14="http://schemas.microsoft.com/office/drawing/2010/main" xmlns="" w="9525">
                   <a:solidFill>
                     <a:srgbClr val="000000"/>
                   </a:solidFill>
@@ -1231,7 +1231,7 @@
             </a:ln>
             <a:extLst>
               <a:ext uri="{91240B29-F687-4f45-9708-019B960494DF}">
-                <a14:hiddenLine xmlns="" xmlns:a14="http://schemas.microsoft.com/office/drawing/2010/main" w="9525">
+                <a14:hiddenLine xmlns:a14="http://schemas.microsoft.com/office/drawing/2010/main" xmlns="" w="9525">
                   <a:solidFill>
                     <a:srgbClr val="000000"/>
                   </a:solidFill>
@@ -1293,7 +1293,7 @@
             </a:ln>
             <a:extLst>
               <a:ext uri="{91240B29-F687-4f45-9708-019B960494DF}">
-                <a14:hiddenLine xmlns="" xmlns:a14="http://schemas.microsoft.com/office/drawing/2010/main" w="9525">
+                <a14:hiddenLine xmlns:a14="http://schemas.microsoft.com/office/drawing/2010/main" xmlns="" w="9525">
                   <a:solidFill>
                     <a:srgbClr val="000000"/>
                   </a:solidFill>
@@ -1383,7 +1383,7 @@
             </a:ln>
             <a:extLst>
               <a:ext uri="{91240B29-F687-4f45-9708-019B960494DF}">
-                <a14:hiddenLine xmlns="" xmlns:a14="http://schemas.microsoft.com/office/drawing/2010/main" w="9525">
+                <a14:hiddenLine xmlns:a14="http://schemas.microsoft.com/office/drawing/2010/main" xmlns="" w="9525">
                   <a:solidFill>
                     <a:srgbClr val="000000"/>
                   </a:solidFill>
@@ -1473,7 +1473,7 @@
             </a:ln>
             <a:extLst>
               <a:ext uri="{91240B29-F687-4f45-9708-019B960494DF}">
-                <a14:hiddenLine xmlns="" xmlns:a14="http://schemas.microsoft.com/office/drawing/2010/main" w="9525">
+                <a14:hiddenLine xmlns:a14="http://schemas.microsoft.com/office/drawing/2010/main" xmlns="" w="9525">
                   <a:solidFill>
                     <a:srgbClr val="000000"/>
                   </a:solidFill>
@@ -1535,7 +1535,7 @@
             </a:ln>
             <a:extLst>
               <a:ext uri="{91240B29-F687-4f45-9708-019B960494DF}">
-                <a14:hiddenLine xmlns="" xmlns:a14="http://schemas.microsoft.com/office/drawing/2010/main" w="9525">
+                <a14:hiddenLine xmlns:a14="http://schemas.microsoft.com/office/drawing/2010/main" xmlns="" w="9525">
                   <a:solidFill>
                     <a:srgbClr val="000000"/>
                   </a:solidFill>
@@ -1625,7 +1625,7 @@
             </a:ln>
             <a:extLst>
               <a:ext uri="{91240B29-F687-4f45-9708-019B960494DF}">
-                <a14:hiddenLine xmlns="" xmlns:a14="http://schemas.microsoft.com/office/drawing/2010/main" w="9525">
+                <a14:hiddenLine xmlns:a14="http://schemas.microsoft.com/office/drawing/2010/main" xmlns="" w="9525">
                   <a:solidFill>
                     <a:srgbClr val="000000"/>
                   </a:solidFill>
@@ -1715,7 +1715,7 @@
             </a:ln>
             <a:extLst>
               <a:ext uri="{91240B29-F687-4f45-9708-019B960494DF}">
-                <a14:hiddenLine xmlns="" xmlns:a14="http://schemas.microsoft.com/office/drawing/2010/main" w="9525">
+                <a14:hiddenLine xmlns:a14="http://schemas.microsoft.com/office/drawing/2010/main" xmlns="" w="9525">
                   <a:solidFill>
                     <a:srgbClr val="000000"/>
                   </a:solidFill>
@@ -1771,7 +1771,7 @@
             </a:ln>
             <a:extLst>
               <a:ext uri="{91240B29-F687-4f45-9708-019B960494DF}">
-                <a14:hiddenLine xmlns="" xmlns:a14="http://schemas.microsoft.com/office/drawing/2010/main" w="9525">
+                <a14:hiddenLine xmlns:a14="http://schemas.microsoft.com/office/drawing/2010/main" xmlns="" w="9525">
                   <a:solidFill>
                     <a:srgbClr val="000000"/>
                   </a:solidFill>
@@ -1861,7 +1861,7 @@
             </a:ln>
             <a:extLst>
               <a:ext uri="{91240B29-F687-4f45-9708-019B960494DF}">
-                <a14:hiddenLine xmlns="" xmlns:a14="http://schemas.microsoft.com/office/drawing/2010/main" w="9525">
+                <a14:hiddenLine xmlns:a14="http://schemas.microsoft.com/office/drawing/2010/main" xmlns="" w="9525">
                   <a:solidFill>
                     <a:srgbClr val="000000"/>
                   </a:solidFill>
@@ -1917,7 +1917,7 @@
             </a:ln>
             <a:extLst>
               <a:ext uri="{91240B29-F687-4f45-9708-019B960494DF}">
-                <a14:hiddenLine xmlns="" xmlns:a14="http://schemas.microsoft.com/office/drawing/2010/main" w="9525">
+                <a14:hiddenLine xmlns:a14="http://schemas.microsoft.com/office/drawing/2010/main" xmlns="" w="9525">
                   <a:solidFill>
                     <a:srgbClr val="000000"/>
                   </a:solidFill>
@@ -2007,7 +2007,7 @@
             </a:ln>
             <a:extLst>
               <a:ext uri="{91240B29-F687-4f45-9708-019B960494DF}">
-                <a14:hiddenLine xmlns="" xmlns:a14="http://schemas.microsoft.com/office/drawing/2010/main" w="9525">
+                <a14:hiddenLine xmlns:a14="http://schemas.microsoft.com/office/drawing/2010/main" xmlns="" w="9525">
                   <a:solidFill>
                     <a:srgbClr val="000000"/>
                   </a:solidFill>
@@ -2075,7 +2075,7 @@
             </a:ln>
             <a:extLst>
               <a:ext uri="{91240B29-F687-4f45-9708-019B960494DF}">
-                <a14:hiddenLine xmlns="" xmlns:a14="http://schemas.microsoft.com/office/drawing/2010/main" w="9525">
+                <a14:hiddenLine xmlns:a14="http://schemas.microsoft.com/office/drawing/2010/main" xmlns="" w="9525">
                   <a:solidFill>
                     <a:srgbClr val="000000"/>
                   </a:solidFill>
@@ -2165,7 +2165,7 @@
             </a:ln>
             <a:extLst>
               <a:ext uri="{91240B29-F687-4f45-9708-019B960494DF}">
-                <a14:hiddenLine xmlns="" xmlns:a14="http://schemas.microsoft.com/office/drawing/2010/main" w="9525">
+                <a14:hiddenLine xmlns:a14="http://schemas.microsoft.com/office/drawing/2010/main" xmlns="" w="9525">
                   <a:solidFill>
                     <a:srgbClr val="000000"/>
                   </a:solidFill>
@@ -2233,7 +2233,7 @@
             </a:ln>
             <a:extLst>
               <a:ext uri="{91240B29-F687-4f45-9708-019B960494DF}">
-                <a14:hiddenLine xmlns="" xmlns:a14="http://schemas.microsoft.com/office/drawing/2010/main" w="9525">
+                <a14:hiddenLine xmlns:a14="http://schemas.microsoft.com/office/drawing/2010/main" xmlns="" w="9525">
                   <a:solidFill>
                     <a:srgbClr val="000000"/>
                   </a:solidFill>
@@ -2323,7 +2323,7 @@
             </a:ln>
             <a:extLst>
               <a:ext uri="{91240B29-F687-4f45-9708-019B960494DF}">
-                <a14:hiddenLine xmlns="" xmlns:a14="http://schemas.microsoft.com/office/drawing/2010/main" w="9525">
+                <a14:hiddenLine xmlns:a14="http://schemas.microsoft.com/office/drawing/2010/main" xmlns="" w="9525">
                   <a:solidFill>
                     <a:srgbClr val="000000"/>
                   </a:solidFill>
@@ -2357,7 +2357,7 @@
             </a:ln>
             <a:extLst>
               <a:ext uri="{91240B29-F687-4f45-9708-019B960494DF}">
-                <a14:hiddenLine xmlns="" xmlns:a14="http://schemas.microsoft.com/office/drawing/2010/main" w="9525">
+                <a14:hiddenLine xmlns:a14="http://schemas.microsoft.com/office/drawing/2010/main" xmlns="" w="9525">
                   <a:solidFill>
                     <a:srgbClr val="000000"/>
                   </a:solidFill>
@@ -2447,7 +2447,7 @@
             </a:ln>
             <a:extLst>
               <a:ext uri="{91240B29-F687-4f45-9708-019B960494DF}">
-                <a14:hiddenLine xmlns="" xmlns:a14="http://schemas.microsoft.com/office/drawing/2010/main" w="9525">
+                <a14:hiddenLine xmlns:a14="http://schemas.microsoft.com/office/drawing/2010/main" xmlns="" w="9525">
                   <a:solidFill>
                     <a:srgbClr val="000000"/>
                   </a:solidFill>
@@ -2509,7 +2509,7 @@
             </a:ln>
             <a:extLst>
               <a:ext uri="{91240B29-F687-4f45-9708-019B960494DF}">
-                <a14:hiddenLine xmlns="" xmlns:a14="http://schemas.microsoft.com/office/drawing/2010/main" w="9525">
+                <a14:hiddenLine xmlns:a14="http://schemas.microsoft.com/office/drawing/2010/main" xmlns="" w="9525">
                   <a:solidFill>
                     <a:srgbClr val="000000"/>
                   </a:solidFill>
@@ -2571,7 +2571,7 @@
             </a:ln>
             <a:extLst>
               <a:ext uri="{91240B29-F687-4f45-9708-019B960494DF}">
-                <a14:hiddenLine xmlns="" xmlns:a14="http://schemas.microsoft.com/office/drawing/2010/main" w="9525">
+                <a14:hiddenLine xmlns:a14="http://schemas.microsoft.com/office/drawing/2010/main" xmlns="" w="9525">
                   <a:solidFill>
                     <a:srgbClr val="000000"/>
                   </a:solidFill>
@@ -2661,7 +2661,7 @@
             </a:ln>
             <a:extLst>
               <a:ext uri="{91240B29-F687-4f45-9708-019B960494DF}">
-                <a14:hiddenLine xmlns="" xmlns:a14="http://schemas.microsoft.com/office/drawing/2010/main" w="9525">
+                <a14:hiddenLine xmlns:a14="http://schemas.microsoft.com/office/drawing/2010/main" xmlns="" w="9525">
                   <a:solidFill>
                     <a:srgbClr val="000000"/>
                   </a:solidFill>
@@ -2729,7 +2729,7 @@
             </a:ln>
             <a:extLst>
               <a:ext uri="{91240B29-F687-4f45-9708-019B960494DF}">
-                <a14:hiddenLine xmlns="" xmlns:a14="http://schemas.microsoft.com/office/drawing/2010/main" w="9525">
+                <a14:hiddenLine xmlns:a14="http://schemas.microsoft.com/office/drawing/2010/main" xmlns="" w="9525">
                   <a:solidFill>
                     <a:srgbClr val="000000"/>
                   </a:solidFill>
@@ -2791,7 +2791,7 @@
             </a:ln>
             <a:extLst>
               <a:ext uri="{91240B29-F687-4f45-9708-019B960494DF}">
-                <a14:hiddenLine xmlns="" xmlns:a14="http://schemas.microsoft.com/office/drawing/2010/main" w="9525">
+                <a14:hiddenLine xmlns:a14="http://schemas.microsoft.com/office/drawing/2010/main" xmlns="" w="9525">
                   <a:solidFill>
                     <a:srgbClr val="000000"/>
                   </a:solidFill>
@@ -2881,7 +2881,7 @@
             </a:ln>
             <a:extLst>
               <a:ext uri="{91240B29-F687-4f45-9708-019B960494DF}">
-                <a14:hiddenLine xmlns="" xmlns:a14="http://schemas.microsoft.com/office/drawing/2010/main" w="9525">
+                <a14:hiddenLine xmlns:a14="http://schemas.microsoft.com/office/drawing/2010/main" xmlns="" w="9525">
                   <a:solidFill>
                     <a:srgbClr val="000000"/>
                   </a:solidFill>
@@ -2943,7 +2943,7 @@
             </a:ln>
             <a:extLst>
               <a:ext uri="{91240B29-F687-4f45-9708-019B960494DF}">
-                <a14:hiddenLine xmlns="" xmlns:a14="http://schemas.microsoft.com/office/drawing/2010/main" w="9525">
+                <a14:hiddenLine xmlns:a14="http://schemas.microsoft.com/office/drawing/2010/main" xmlns="" w="9525">
                   <a:solidFill>
                     <a:srgbClr val="000000"/>
                   </a:solidFill>
@@ -3033,7 +3033,7 @@
             </a:ln>
             <a:extLst>
               <a:ext uri="{91240B29-F687-4f45-9708-019B960494DF}">
-                <a14:hiddenLine xmlns="" xmlns:a14="http://schemas.microsoft.com/office/drawing/2010/main" w="9525">
+                <a14:hiddenLine xmlns:a14="http://schemas.microsoft.com/office/drawing/2010/main" xmlns="" w="9525">
                   <a:solidFill>
                     <a:srgbClr val="000000"/>
                   </a:solidFill>
@@ -3095,7 +3095,7 @@
             </a:ln>
             <a:extLst>
               <a:ext uri="{91240B29-F687-4f45-9708-019B960494DF}">
-                <a14:hiddenLine xmlns="" xmlns:a14="http://schemas.microsoft.com/office/drawing/2010/main" w="9525">
+                <a14:hiddenLine xmlns:a14="http://schemas.microsoft.com/office/drawing/2010/main" xmlns="" w="9525">
                   <a:solidFill>
                     <a:srgbClr val="000000"/>
                   </a:solidFill>
@@ -3185,7 +3185,7 @@
             </a:ln>
             <a:extLst>
               <a:ext uri="{91240B29-F687-4f45-9708-019B960494DF}">
-                <a14:hiddenLine xmlns="" xmlns:a14="http://schemas.microsoft.com/office/drawing/2010/main" w="9525">
+                <a14:hiddenLine xmlns:a14="http://schemas.microsoft.com/office/drawing/2010/main" xmlns="" w="9525">
                   <a:solidFill>
                     <a:srgbClr val="000000"/>
                   </a:solidFill>
@@ -3219,7 +3219,7 @@
             </a:ln>
             <a:extLst>
               <a:ext uri="{91240B29-F687-4f45-9708-019B960494DF}">
-                <a14:hiddenLine xmlns="" xmlns:a14="http://schemas.microsoft.com/office/drawing/2010/main" w="9525">
+                <a14:hiddenLine xmlns:a14="http://schemas.microsoft.com/office/drawing/2010/main" xmlns="" w="9525">
                   <a:solidFill>
                     <a:srgbClr val="000000"/>
                   </a:solidFill>
@@ -3284,7 +3284,7 @@
             </a:ln>
             <a:extLst>
               <a:ext uri="{91240B29-F687-4f45-9708-019B960494DF}">
-                <a14:hiddenLine xmlns="" xmlns:a14="http://schemas.microsoft.com/office/drawing/2010/main" w="9525">
+                <a14:hiddenLine xmlns:a14="http://schemas.microsoft.com/office/drawing/2010/main" xmlns="" w="9525">
                   <a:solidFill>
                     <a:srgbClr val="000000"/>
                   </a:solidFill>
@@ -3374,7 +3374,7 @@
             </a:ln>
             <a:extLst>
               <a:ext uri="{91240B29-F687-4f45-9708-019B960494DF}">
-                <a14:hiddenLine xmlns="" xmlns:a14="http://schemas.microsoft.com/office/drawing/2010/main" w="9525">
+                <a14:hiddenLine xmlns:a14="http://schemas.microsoft.com/office/drawing/2010/main" xmlns="" w="9525">
                   <a:solidFill>
                     <a:srgbClr val="000000"/>
                   </a:solidFill>
@@ -3436,7 +3436,7 @@
             </a:ln>
             <a:extLst>
               <a:ext uri="{91240B29-F687-4f45-9708-019B960494DF}">
-                <a14:hiddenLine xmlns="" xmlns:a14="http://schemas.microsoft.com/office/drawing/2010/main" w="9525">
+                <a14:hiddenLine xmlns:a14="http://schemas.microsoft.com/office/drawing/2010/main" xmlns="" w="9525">
                   <a:solidFill>
                     <a:srgbClr val="000000"/>
                   </a:solidFill>
@@ -3526,7 +3526,7 @@
             </a:ln>
             <a:extLst>
               <a:ext uri="{91240B29-F687-4f45-9708-019B960494DF}">
-                <a14:hiddenLine xmlns="" xmlns:a14="http://schemas.microsoft.com/office/drawing/2010/main" w="9525">
+                <a14:hiddenLine xmlns:a14="http://schemas.microsoft.com/office/drawing/2010/main" xmlns="" w="9525">
                   <a:solidFill>
                     <a:srgbClr val="000000"/>
                   </a:solidFill>
@@ -3616,7 +3616,7 @@
             </a:ln>
             <a:extLst>
               <a:ext uri="{91240B29-F687-4f45-9708-019B960494DF}">
-                <a14:hiddenLine xmlns="" xmlns:a14="http://schemas.microsoft.com/office/drawing/2010/main" w="9525">
+                <a14:hiddenLine xmlns:a14="http://schemas.microsoft.com/office/drawing/2010/main" xmlns="" w="9525">
                   <a:solidFill>
                     <a:srgbClr val="000000"/>
                   </a:solidFill>
@@ -3681,7 +3681,7 @@
             </a:ln>
             <a:extLst>
               <a:ext uri="{91240B29-F687-4f45-9708-019B960494DF}">
-                <a14:hiddenLine xmlns="" xmlns:a14="http://schemas.microsoft.com/office/drawing/2010/main" w="9525">
+                <a14:hiddenLine xmlns:a14="http://schemas.microsoft.com/office/drawing/2010/main" xmlns="" w="9525">
                   <a:solidFill>
                     <a:srgbClr val="000000"/>
                   </a:solidFill>
@@ -3743,7 +3743,7 @@
             </a:ln>
             <a:extLst>
               <a:ext uri="{91240B29-F687-4f45-9708-019B960494DF}">
-                <a14:hiddenLine xmlns="" xmlns:a14="http://schemas.microsoft.com/office/drawing/2010/main" w="9525">
+                <a14:hiddenLine xmlns:a14="http://schemas.microsoft.com/office/drawing/2010/main" xmlns="" w="9525">
                   <a:solidFill>
                     <a:srgbClr val="000000"/>
                   </a:solidFill>
@@ -3833,7 +3833,7 @@
             </a:ln>
             <a:extLst>
               <a:ext uri="{91240B29-F687-4f45-9708-019B960494DF}">
-                <a14:hiddenLine xmlns="" xmlns:a14="http://schemas.microsoft.com/office/drawing/2010/main" w="9525">
+                <a14:hiddenLine xmlns:a14="http://schemas.microsoft.com/office/drawing/2010/main" xmlns="" w="9525">
                   <a:solidFill>
                     <a:srgbClr val="000000"/>
                   </a:solidFill>
@@ -3923,7 +3923,7 @@
             </a:ln>
             <a:extLst>
               <a:ext uri="{91240B29-F687-4f45-9708-019B960494DF}">
-                <a14:hiddenLine xmlns="" xmlns:a14="http://schemas.microsoft.com/office/drawing/2010/main" w="9525">
+                <a14:hiddenLine xmlns:a14="http://schemas.microsoft.com/office/drawing/2010/main" xmlns="" w="9525">
                   <a:solidFill>
                     <a:srgbClr val="000000"/>
                   </a:solidFill>
@@ -3985,7 +3985,7 @@
             </a:ln>
             <a:extLst>
               <a:ext uri="{91240B29-F687-4f45-9708-019B960494DF}">
-                <a14:hiddenLine xmlns="" xmlns:a14="http://schemas.microsoft.com/office/drawing/2010/main" w="9525">
+                <a14:hiddenLine xmlns:a14="http://schemas.microsoft.com/office/drawing/2010/main" xmlns="" w="9525">
                   <a:solidFill>
                     <a:srgbClr val="000000"/>
                   </a:solidFill>
@@ -4105,7 +4105,7 @@
             </a:ln>
             <a:extLst>
               <a:ext uri="{91240B29-F687-4f45-9708-019B960494DF}">
-                <a14:hiddenLine xmlns="" xmlns:a14="http://schemas.microsoft.com/office/drawing/2010/main" w="9525">
+                <a14:hiddenLine xmlns:a14="http://schemas.microsoft.com/office/drawing/2010/main" xmlns="" w="9525">
                   <a:solidFill>
                     <a:srgbClr val="000000"/>
                   </a:solidFill>
@@ -4173,7 +4173,7 @@
             </a:ln>
             <a:extLst>
               <a:ext uri="{91240B29-F687-4f45-9708-019B960494DF}">
-                <a14:hiddenLine xmlns="" xmlns:a14="http://schemas.microsoft.com/office/drawing/2010/main" w="9525">
+                <a14:hiddenLine xmlns:a14="http://schemas.microsoft.com/office/drawing/2010/main" xmlns="" w="9525">
                   <a:solidFill>
                     <a:srgbClr val="000000"/>
                   </a:solidFill>
@@ -4263,7 +4263,7 @@
             </a:ln>
             <a:extLst>
               <a:ext uri="{91240B29-F687-4f45-9708-019B960494DF}">
-                <a14:hiddenLine xmlns="" xmlns:a14="http://schemas.microsoft.com/office/drawing/2010/main" w="9525">
+                <a14:hiddenLine xmlns:a14="http://schemas.microsoft.com/office/drawing/2010/main" xmlns="" w="9525">
                   <a:solidFill>
                     <a:srgbClr val="000000"/>
                   </a:solidFill>
@@ -4403,7 +4403,7 @@
           <a:p>
             <a:fld id="{48A87A34-81AB-432B-8DAE-1953F412C126}" type="datetimeFigureOut">
               <a:rPr lang="en-US" dirty="0"/>
-              <a:t>2/25/2019</a:t>
+              <a:t>2/26/2019</a:t>
             </a:fld>
             <a:endParaRPr lang="en-US" dirty="0"/>
           </a:p>
@@ -4665,7 +4665,7 @@
           <a:p>
             <a:fld id="{48A87A34-81AB-432B-8DAE-1953F412C126}" type="datetimeFigureOut">
               <a:rPr lang="en-US" dirty="0"/>
-              <a:t>2/25/2019</a:t>
+              <a:t>2/26/2019</a:t>
             </a:fld>
             <a:endParaRPr lang="en-US" dirty="0"/>
           </a:p>
@@ -4856,7 +4856,7 @@
           <a:p>
             <a:fld id="{48A87A34-81AB-432B-8DAE-1953F412C126}" type="datetimeFigureOut">
               <a:rPr lang="en-US" dirty="0"/>
-              <a:t>2/25/2019</a:t>
+              <a:t>2/26/2019</a:t>
             </a:fld>
             <a:endParaRPr lang="en-US" dirty="0"/>
           </a:p>
@@ -5114,7 +5114,7 @@
           <a:p>
             <a:fld id="{48A87A34-81AB-432B-8DAE-1953F412C126}" type="datetimeFigureOut">
               <a:rPr lang="en-US" dirty="0"/>
-              <a:t>2/25/2019</a:t>
+              <a:t>2/26/2019</a:t>
             </a:fld>
             <a:endParaRPr lang="en-US" dirty="0"/>
           </a:p>
@@ -5543,7 +5543,7 @@
           <a:p>
             <a:fld id="{48A87A34-81AB-432B-8DAE-1953F412C126}" type="datetimeFigureOut">
               <a:rPr lang="en-US" dirty="0"/>
-              <a:t>2/25/2019</a:t>
+              <a:t>2/26/2019</a:t>
             </a:fld>
             <a:endParaRPr lang="en-US" dirty="0"/>
           </a:p>
@@ -6084,7 +6084,7 @@
           <a:p>
             <a:fld id="{48A87A34-81AB-432B-8DAE-1953F412C126}" type="datetimeFigureOut">
               <a:rPr lang="en-US" dirty="0"/>
-              <a:t>2/25/2019</a:t>
+              <a:t>2/26/2019</a:t>
             </a:fld>
             <a:endParaRPr lang="en-US" dirty="0"/>
           </a:p>
@@ -6799,7 +6799,7 @@
           <a:p>
             <a:fld id="{48A87A34-81AB-432B-8DAE-1953F412C126}" type="datetimeFigureOut">
               <a:rPr lang="en-US" dirty="0"/>
-              <a:t>2/25/2019</a:t>
+              <a:t>2/26/2019</a:t>
             </a:fld>
             <a:endParaRPr lang="en-US" dirty="0"/>
           </a:p>
@@ -6964,7 +6964,7 @@
           <a:p>
             <a:fld id="{48A87A34-81AB-432B-8DAE-1953F412C126}" type="datetimeFigureOut">
               <a:rPr lang="en-US" dirty="0"/>
-              <a:t>2/25/2019</a:t>
+              <a:t>2/26/2019</a:t>
             </a:fld>
             <a:endParaRPr lang="en-US" dirty="0"/>
           </a:p>
@@ -7139,7 +7139,7 @@
           <a:p>
             <a:fld id="{48A87A34-81AB-432B-8DAE-1953F412C126}" type="datetimeFigureOut">
               <a:rPr lang="en-US" dirty="0"/>
-              <a:t>2/25/2019</a:t>
+              <a:t>2/26/2019</a:t>
             </a:fld>
             <a:endParaRPr lang="en-US" dirty="0"/>
           </a:p>
@@ -7304,7 +7304,7 @@
           <a:p>
             <a:fld id="{48A87A34-81AB-432B-8DAE-1953F412C126}" type="datetimeFigureOut">
               <a:rPr lang="en-US" dirty="0"/>
-              <a:t>2/25/2019</a:t>
+              <a:t>2/26/2019</a:t>
             </a:fld>
             <a:endParaRPr lang="en-US" dirty="0"/>
           </a:p>
@@ -7549,7 +7549,7 @@
           <a:p>
             <a:fld id="{48A87A34-81AB-432B-8DAE-1953F412C126}" type="datetimeFigureOut">
               <a:rPr lang="en-US" dirty="0"/>
-              <a:t>2/25/2019</a:t>
+              <a:t>2/26/2019</a:t>
             </a:fld>
             <a:endParaRPr lang="en-US" dirty="0"/>
           </a:p>
@@ -7776,7 +7776,7 @@
           <a:p>
             <a:fld id="{48A87A34-81AB-432B-8DAE-1953F412C126}" type="datetimeFigureOut">
               <a:rPr lang="en-US" dirty="0"/>
-              <a:t>2/25/2019</a:t>
+              <a:t>2/26/2019</a:t>
             </a:fld>
             <a:endParaRPr lang="en-US" dirty="0"/>
           </a:p>
@@ -8152,7 +8152,7 @@
           <a:p>
             <a:fld id="{48A87A34-81AB-432B-8DAE-1953F412C126}" type="datetimeFigureOut">
               <a:rPr lang="en-US" dirty="0"/>
-              <a:t>2/25/2019</a:t>
+              <a:t>2/26/2019</a:t>
             </a:fld>
             <a:endParaRPr lang="en-US" dirty="0"/>
           </a:p>
@@ -8265,7 +8265,7 @@
           <a:p>
             <a:fld id="{48A87A34-81AB-432B-8DAE-1953F412C126}" type="datetimeFigureOut">
               <a:rPr lang="en-US" dirty="0"/>
-              <a:t>2/25/2019</a:t>
+              <a:t>2/26/2019</a:t>
             </a:fld>
             <a:endParaRPr lang="en-US" dirty="0"/>
           </a:p>
@@ -8355,7 +8355,7 @@
           <a:p>
             <a:fld id="{48A87A34-81AB-432B-8DAE-1953F412C126}" type="datetimeFigureOut">
               <a:rPr lang="en-US" dirty="0"/>
-              <a:t>2/25/2019</a:t>
+              <a:t>2/26/2019</a:t>
             </a:fld>
             <a:endParaRPr lang="en-US" dirty="0"/>
           </a:p>
@@ -8599,7 +8599,7 @@
           <a:p>
             <a:fld id="{48A87A34-81AB-432B-8DAE-1953F412C126}" type="datetimeFigureOut">
               <a:rPr lang="en-US" dirty="0"/>
-              <a:t>2/25/2019</a:t>
+              <a:t>2/26/2019</a:t>
             </a:fld>
             <a:endParaRPr lang="en-US" dirty="0"/>
           </a:p>
@@ -8874,7 +8874,7 @@
           <a:p>
             <a:fld id="{48A87A34-81AB-432B-8DAE-1953F412C126}" type="datetimeFigureOut">
               <a:rPr lang="en-US" dirty="0"/>
-              <a:t>2/25/2019</a:t>
+              <a:t>2/26/2019</a:t>
             </a:fld>
             <a:endParaRPr lang="en-US" dirty="0"/>
           </a:p>
@@ -8985,7 +8985,7 @@
           <a:noFill/>
           <a:extLst>
             <a:ext uri="{909E8E84-426E-40dd-AFC4-6F175D3DCCD1}">
-              <a14:hiddenFill xmlns="" xmlns:a14="http://schemas.microsoft.com/office/drawing/2010/main">
+              <a14:hiddenFill xmlns:a14="http://schemas.microsoft.com/office/drawing/2010/main" xmlns="">
                 <a:solidFill>
                   <a:srgbClr val="FFFFFF"/>
                 </a:solidFill>
@@ -9059,7 +9059,7 @@
               </a:ln>
               <a:extLst>
                 <a:ext uri="{91240B29-F687-4f45-9708-019B960494DF}">
-                  <a14:hiddenLine xmlns="" xmlns:a14="http://schemas.microsoft.com/office/drawing/2010/main" w="9525">
+                  <a14:hiddenLine xmlns:a14="http://schemas.microsoft.com/office/drawing/2010/main" xmlns="" w="9525">
                     <a:solidFill>
                       <a:srgbClr val="000000"/>
                     </a:solidFill>
@@ -9149,7 +9149,7 @@
               </a:ln>
               <a:extLst>
                 <a:ext uri="{91240B29-F687-4f45-9708-019B960494DF}">
-                  <a14:hiddenLine xmlns="" xmlns:a14="http://schemas.microsoft.com/office/drawing/2010/main" w="9525">
+                  <a14:hiddenLine xmlns:a14="http://schemas.microsoft.com/office/drawing/2010/main" xmlns="" w="9525">
                     <a:solidFill>
                       <a:srgbClr val="000000"/>
                     </a:solidFill>
@@ -9239,7 +9239,7 @@
               </a:ln>
               <a:extLst>
                 <a:ext uri="{91240B29-F687-4f45-9708-019B960494DF}">
-                  <a14:hiddenLine xmlns="" xmlns:a14="http://schemas.microsoft.com/office/drawing/2010/main" w="9525">
+                  <a14:hiddenLine xmlns:a14="http://schemas.microsoft.com/office/drawing/2010/main" xmlns="" w="9525">
                     <a:solidFill>
                       <a:srgbClr val="000000"/>
                     </a:solidFill>
@@ -9301,7 +9301,7 @@
               </a:ln>
               <a:extLst>
                 <a:ext uri="{91240B29-F687-4f45-9708-019B960494DF}">
-                  <a14:hiddenLine xmlns="" xmlns:a14="http://schemas.microsoft.com/office/drawing/2010/main" w="9525">
+                  <a14:hiddenLine xmlns:a14="http://schemas.microsoft.com/office/drawing/2010/main" xmlns="" w="9525">
                     <a:solidFill>
                       <a:srgbClr val="000000"/>
                     </a:solidFill>
@@ -9391,7 +9391,7 @@
               </a:ln>
               <a:extLst>
                 <a:ext uri="{91240B29-F687-4f45-9708-019B960494DF}">
-                  <a14:hiddenLine xmlns="" xmlns:a14="http://schemas.microsoft.com/office/drawing/2010/main" w="9525">
+                  <a14:hiddenLine xmlns:a14="http://schemas.microsoft.com/office/drawing/2010/main" xmlns="" w="9525">
                     <a:solidFill>
                       <a:srgbClr val="000000"/>
                     </a:solidFill>
@@ -9453,7 +9453,7 @@
               </a:ln>
               <a:extLst>
                 <a:ext uri="{91240B29-F687-4f45-9708-019B960494DF}">
-                  <a14:hiddenLine xmlns="" xmlns:a14="http://schemas.microsoft.com/office/drawing/2010/main" w="9525">
+                  <a14:hiddenLine xmlns:a14="http://schemas.microsoft.com/office/drawing/2010/main" xmlns="" w="9525">
                     <a:solidFill>
                       <a:srgbClr val="000000"/>
                     </a:solidFill>
@@ -9515,7 +9515,7 @@
               </a:ln>
               <a:extLst>
                 <a:ext uri="{91240B29-F687-4f45-9708-019B960494DF}">
-                  <a14:hiddenLine xmlns="" xmlns:a14="http://schemas.microsoft.com/office/drawing/2010/main" w="9525">
+                  <a14:hiddenLine xmlns:a14="http://schemas.microsoft.com/office/drawing/2010/main" xmlns="" w="9525">
                     <a:solidFill>
                       <a:srgbClr val="000000"/>
                     </a:solidFill>
@@ -9605,7 +9605,7 @@
               </a:ln>
               <a:extLst>
                 <a:ext uri="{91240B29-F687-4f45-9708-019B960494DF}">
-                  <a14:hiddenLine xmlns="" xmlns:a14="http://schemas.microsoft.com/office/drawing/2010/main" w="9525">
+                  <a14:hiddenLine xmlns:a14="http://schemas.microsoft.com/office/drawing/2010/main" xmlns="" w="9525">
                     <a:solidFill>
                       <a:srgbClr val="000000"/>
                     </a:solidFill>
@@ -9695,7 +9695,7 @@
               </a:ln>
               <a:extLst>
                 <a:ext uri="{91240B29-F687-4f45-9708-019B960494DF}">
-                  <a14:hiddenLine xmlns="" xmlns:a14="http://schemas.microsoft.com/office/drawing/2010/main" w="9525">
+                  <a14:hiddenLine xmlns:a14="http://schemas.microsoft.com/office/drawing/2010/main" xmlns="" w="9525">
                     <a:solidFill>
                       <a:srgbClr val="000000"/>
                     </a:solidFill>
@@ -9757,7 +9757,7 @@
               </a:ln>
               <a:extLst>
                 <a:ext uri="{91240B29-F687-4f45-9708-019B960494DF}">
-                  <a14:hiddenLine xmlns="" xmlns:a14="http://schemas.microsoft.com/office/drawing/2010/main" w="9525">
+                  <a14:hiddenLine xmlns:a14="http://schemas.microsoft.com/office/drawing/2010/main" xmlns="" w="9525">
                     <a:solidFill>
                       <a:srgbClr val="000000"/>
                     </a:solidFill>
@@ -9867,7 +9867,7 @@
               </a:ln>
               <a:extLst>
                 <a:ext uri="{91240B29-F687-4f45-9708-019B960494DF}">
-                  <a14:hiddenLine xmlns="" xmlns:a14="http://schemas.microsoft.com/office/drawing/2010/main" w="9525">
+                  <a14:hiddenLine xmlns:a14="http://schemas.microsoft.com/office/drawing/2010/main" xmlns="" w="9525">
                     <a:solidFill>
                       <a:srgbClr val="000000"/>
                     </a:solidFill>
@@ -9951,7 +9951,7 @@
               </a:ln>
               <a:extLst>
                 <a:ext uri="{91240B29-F687-4f45-9708-019B960494DF}">
-                  <a14:hiddenLine xmlns="" xmlns:a14="http://schemas.microsoft.com/office/drawing/2010/main" w="9525">
+                  <a14:hiddenLine xmlns:a14="http://schemas.microsoft.com/office/drawing/2010/main" xmlns="" w="9525">
                     <a:solidFill>
                       <a:srgbClr val="000000"/>
                     </a:solidFill>
@@ -10013,7 +10013,7 @@
               </a:ln>
               <a:extLst>
                 <a:ext uri="{91240B29-F687-4f45-9708-019B960494DF}">
-                  <a14:hiddenLine xmlns="" xmlns:a14="http://schemas.microsoft.com/office/drawing/2010/main" w="9525">
+                  <a14:hiddenLine xmlns:a14="http://schemas.microsoft.com/office/drawing/2010/main" xmlns="" w="9525">
                     <a:solidFill>
                       <a:srgbClr val="000000"/>
                     </a:solidFill>
@@ -10075,7 +10075,7 @@
               </a:ln>
               <a:extLst>
                 <a:ext uri="{91240B29-F687-4f45-9708-019B960494DF}">
-                  <a14:hiddenLine xmlns="" xmlns:a14="http://schemas.microsoft.com/office/drawing/2010/main" w="9525">
+                  <a14:hiddenLine xmlns:a14="http://schemas.microsoft.com/office/drawing/2010/main" xmlns="" w="9525">
                     <a:solidFill>
                       <a:srgbClr val="000000"/>
                     </a:solidFill>
@@ -10165,7 +10165,7 @@
               </a:ln>
               <a:extLst>
                 <a:ext uri="{91240B29-F687-4f45-9708-019B960494DF}">
-                  <a14:hiddenLine xmlns="" xmlns:a14="http://schemas.microsoft.com/office/drawing/2010/main" w="9525">
+                  <a14:hiddenLine xmlns:a14="http://schemas.microsoft.com/office/drawing/2010/main" xmlns="" w="9525">
                     <a:solidFill>
                       <a:srgbClr val="000000"/>
                     </a:solidFill>
@@ -10199,7 +10199,7 @@
               </a:ln>
               <a:extLst>
                 <a:ext uri="{91240B29-F687-4f45-9708-019B960494DF}">
-                  <a14:hiddenLine xmlns="" xmlns:a14="http://schemas.microsoft.com/office/drawing/2010/main" w="9525">
+                  <a14:hiddenLine xmlns:a14="http://schemas.microsoft.com/office/drawing/2010/main" xmlns="" w="9525">
                     <a:solidFill>
                       <a:srgbClr val="000000"/>
                     </a:solidFill>
@@ -10264,7 +10264,7 @@
               </a:ln>
               <a:extLst>
                 <a:ext uri="{91240B29-F687-4f45-9708-019B960494DF}">
-                  <a14:hiddenLine xmlns="" xmlns:a14="http://schemas.microsoft.com/office/drawing/2010/main" w="9525">
+                  <a14:hiddenLine xmlns:a14="http://schemas.microsoft.com/office/drawing/2010/main" xmlns="" w="9525">
                     <a:solidFill>
                       <a:srgbClr val="000000"/>
                     </a:solidFill>
@@ -10354,7 +10354,7 @@
               </a:ln>
               <a:extLst>
                 <a:ext uri="{91240B29-F687-4f45-9708-019B960494DF}">
-                  <a14:hiddenLine xmlns="" xmlns:a14="http://schemas.microsoft.com/office/drawing/2010/main" w="9525">
+                  <a14:hiddenLine xmlns:a14="http://schemas.microsoft.com/office/drawing/2010/main" xmlns="" w="9525">
                     <a:solidFill>
                       <a:srgbClr val="000000"/>
                     </a:solidFill>
@@ -10416,7 +10416,7 @@
               </a:ln>
               <a:extLst>
                 <a:ext uri="{91240B29-F687-4f45-9708-019B960494DF}">
-                  <a14:hiddenLine xmlns="" xmlns:a14="http://schemas.microsoft.com/office/drawing/2010/main" w="9525">
+                  <a14:hiddenLine xmlns:a14="http://schemas.microsoft.com/office/drawing/2010/main" xmlns="" w="9525">
                     <a:solidFill>
                       <a:srgbClr val="000000"/>
                     </a:solidFill>
@@ -10506,7 +10506,7 @@
               </a:ln>
               <a:extLst>
                 <a:ext uri="{91240B29-F687-4f45-9708-019B960494DF}">
-                  <a14:hiddenLine xmlns="" xmlns:a14="http://schemas.microsoft.com/office/drawing/2010/main" w="9525">
+                  <a14:hiddenLine xmlns:a14="http://schemas.microsoft.com/office/drawing/2010/main" xmlns="" w="9525">
                     <a:solidFill>
                       <a:srgbClr val="000000"/>
                     </a:solidFill>
@@ -10571,7 +10571,7 @@
               </a:ln>
               <a:extLst>
                 <a:ext uri="{91240B29-F687-4f45-9708-019B960494DF}">
-                  <a14:hiddenLine xmlns="" xmlns:a14="http://schemas.microsoft.com/office/drawing/2010/main" w="9525">
+                  <a14:hiddenLine xmlns:a14="http://schemas.microsoft.com/office/drawing/2010/main" xmlns="" w="9525">
                     <a:solidFill>
                       <a:srgbClr val="000000"/>
                     </a:solidFill>
@@ -10633,7 +10633,7 @@
               </a:ln>
               <a:extLst>
                 <a:ext uri="{91240B29-F687-4f45-9708-019B960494DF}">
-                  <a14:hiddenLine xmlns="" xmlns:a14="http://schemas.microsoft.com/office/drawing/2010/main" w="9525">
+                  <a14:hiddenLine xmlns:a14="http://schemas.microsoft.com/office/drawing/2010/main" xmlns="" w="9525">
                     <a:solidFill>
                       <a:srgbClr val="000000"/>
                     </a:solidFill>
@@ -10723,7 +10723,7 @@
               </a:ln>
               <a:extLst>
                 <a:ext uri="{91240B29-F687-4f45-9708-019B960494DF}">
-                  <a14:hiddenLine xmlns="" xmlns:a14="http://schemas.microsoft.com/office/drawing/2010/main" w="9525">
+                  <a14:hiddenLine xmlns:a14="http://schemas.microsoft.com/office/drawing/2010/main" xmlns="" w="9525">
                     <a:solidFill>
                       <a:srgbClr val="000000"/>
                     </a:solidFill>
@@ -10813,7 +10813,7 @@
               </a:ln>
               <a:extLst>
                 <a:ext uri="{91240B29-F687-4f45-9708-019B960494DF}">
-                  <a14:hiddenLine xmlns="" xmlns:a14="http://schemas.microsoft.com/office/drawing/2010/main" w="9525">
+                  <a14:hiddenLine xmlns:a14="http://schemas.microsoft.com/office/drawing/2010/main" xmlns="" w="9525">
                     <a:solidFill>
                       <a:srgbClr val="000000"/>
                     </a:solidFill>
@@ -10878,7 +10878,7 @@
               </a:ln>
               <a:extLst>
                 <a:ext uri="{91240B29-F687-4f45-9708-019B960494DF}">
-                  <a14:hiddenLine xmlns="" xmlns:a14="http://schemas.microsoft.com/office/drawing/2010/main" w="9525">
+                  <a14:hiddenLine xmlns:a14="http://schemas.microsoft.com/office/drawing/2010/main" xmlns="" w="9525">
                     <a:solidFill>
                       <a:srgbClr val="000000"/>
                     </a:solidFill>
@@ -10998,7 +10998,7 @@
               </a:ln>
               <a:extLst>
                 <a:ext uri="{91240B29-F687-4f45-9708-019B960494DF}">
-                  <a14:hiddenLine xmlns="" xmlns:a14="http://schemas.microsoft.com/office/drawing/2010/main" w="9525">
+                  <a14:hiddenLine xmlns:a14="http://schemas.microsoft.com/office/drawing/2010/main" xmlns="" w="9525">
                     <a:solidFill>
                       <a:srgbClr val="000000"/>
                     </a:solidFill>
@@ -11096,7 +11096,7 @@
               </a:ln>
               <a:extLst>
                 <a:ext uri="{91240B29-F687-4f45-9708-019B960494DF}">
-                  <a14:hiddenLine xmlns="" xmlns:a14="http://schemas.microsoft.com/office/drawing/2010/main" w="9525">
+                  <a14:hiddenLine xmlns:a14="http://schemas.microsoft.com/office/drawing/2010/main" xmlns="" w="9525">
                     <a:solidFill>
                       <a:srgbClr val="000000"/>
                     </a:solidFill>
@@ -11211,7 +11211,7 @@
               </a:ln>
               <a:extLst>
                 <a:ext uri="{91240B29-F687-4f45-9708-019B960494DF}">
-                  <a14:hiddenLine xmlns="" xmlns:a14="http://schemas.microsoft.com/office/drawing/2010/main" w="9525">
+                  <a14:hiddenLine xmlns:a14="http://schemas.microsoft.com/office/drawing/2010/main" xmlns="" w="9525">
                     <a:solidFill>
                       <a:srgbClr val="000000"/>
                     </a:solidFill>
@@ -11301,7 +11301,7 @@
               </a:ln>
               <a:extLst>
                 <a:ext uri="{91240B29-F687-4f45-9708-019B960494DF}">
-                  <a14:hiddenLine xmlns="" xmlns:a14="http://schemas.microsoft.com/office/drawing/2010/main" w="9525">
+                  <a14:hiddenLine xmlns:a14="http://schemas.microsoft.com/office/drawing/2010/main" xmlns="" w="9525">
                     <a:solidFill>
                       <a:srgbClr val="000000"/>
                     </a:solidFill>
@@ -11366,7 +11366,7 @@
               </a:ln>
               <a:extLst>
                 <a:ext uri="{91240B29-F687-4f45-9708-019B960494DF}">
-                  <a14:hiddenLine xmlns="" xmlns:a14="http://schemas.microsoft.com/office/drawing/2010/main" w="9525">
+                  <a14:hiddenLine xmlns:a14="http://schemas.microsoft.com/office/drawing/2010/main" xmlns="" w="9525">
                     <a:solidFill>
                       <a:srgbClr val="000000"/>
                     </a:solidFill>
@@ -11456,7 +11456,7 @@
               </a:ln>
               <a:extLst>
                 <a:ext uri="{91240B29-F687-4f45-9708-019B960494DF}">
-                  <a14:hiddenLine xmlns="" xmlns:a14="http://schemas.microsoft.com/office/drawing/2010/main" w="9525">
+                  <a14:hiddenLine xmlns:a14="http://schemas.microsoft.com/office/drawing/2010/main" xmlns="" w="9525">
                     <a:solidFill>
                       <a:srgbClr val="000000"/>
                     </a:solidFill>
@@ -11524,7 +11524,7 @@
               </a:ln>
               <a:extLst>
                 <a:ext uri="{91240B29-F687-4f45-9708-019B960494DF}">
-                  <a14:hiddenLine xmlns="" xmlns:a14="http://schemas.microsoft.com/office/drawing/2010/main" w="9525">
+                  <a14:hiddenLine xmlns:a14="http://schemas.microsoft.com/office/drawing/2010/main" xmlns="" w="9525">
                     <a:solidFill>
                       <a:srgbClr val="000000"/>
                     </a:solidFill>
@@ -11614,7 +11614,7 @@
               </a:ln>
               <a:extLst>
                 <a:ext uri="{91240B29-F687-4f45-9708-019B960494DF}">
-                  <a14:hiddenLine xmlns="" xmlns:a14="http://schemas.microsoft.com/office/drawing/2010/main" w="9525">
+                  <a14:hiddenLine xmlns:a14="http://schemas.microsoft.com/office/drawing/2010/main" xmlns="" w="9525">
                     <a:solidFill>
                       <a:srgbClr val="000000"/>
                     </a:solidFill>
@@ -11682,7 +11682,7 @@
               </a:ln>
               <a:extLst>
                 <a:ext uri="{91240B29-F687-4f45-9708-019B960494DF}">
-                  <a14:hiddenLine xmlns="" xmlns:a14="http://schemas.microsoft.com/office/drawing/2010/main" w="9525">
+                  <a14:hiddenLine xmlns:a14="http://schemas.microsoft.com/office/drawing/2010/main" xmlns="" w="9525">
                     <a:solidFill>
                       <a:srgbClr val="000000"/>
                     </a:solidFill>
@@ -11772,7 +11772,7 @@
               </a:ln>
               <a:extLst>
                 <a:ext uri="{91240B29-F687-4f45-9708-019B960494DF}">
-                  <a14:hiddenLine xmlns="" xmlns:a14="http://schemas.microsoft.com/office/drawing/2010/main" w="9525">
+                  <a14:hiddenLine xmlns:a14="http://schemas.microsoft.com/office/drawing/2010/main" xmlns="" w="9525">
                     <a:solidFill>
                       <a:srgbClr val="000000"/>
                     </a:solidFill>
@@ -11806,7 +11806,7 @@
               </a:ln>
               <a:extLst>
                 <a:ext uri="{91240B29-F687-4f45-9708-019B960494DF}">
-                  <a14:hiddenLine xmlns="" xmlns:a14="http://schemas.microsoft.com/office/drawing/2010/main" w="9525">
+                  <a14:hiddenLine xmlns:a14="http://schemas.microsoft.com/office/drawing/2010/main" xmlns="" w="9525">
                     <a:solidFill>
                       <a:srgbClr val="000000"/>
                     </a:solidFill>
@@ -11947,7 +11947,7 @@
             <a:fld id="{48A87A34-81AB-432B-8DAE-1953F412C126}" type="datetimeFigureOut">
               <a:rPr lang="en-US" dirty="0"/>
               <a:pPr/>
-              <a:t>2/25/2019</a:t>
+              <a:t>2/26/2019</a:t>
             </a:fld>
             <a:endParaRPr lang="en-US" dirty="0"/>
           </a:p>
@@ -20571,6 +20571,4033 @@
           </a:p>
         </p:txBody>
       </p:sp>
+      <p:graphicFrame>
+        <p:nvGraphicFramePr>
+          <p:cNvPr id="2" name="Table 1">
+            <a:extLst>
+              <a:ext uri="{FF2B5EF4-FFF2-40B4-BE49-F238E27FC236}">
+                <a16:creationId xmlns:a16="http://schemas.microsoft.com/office/drawing/2014/main" id="{E9138582-915F-4A66-A105-8B7FCB72CBBD}"/>
+              </a:ext>
+            </a:extLst>
+          </p:cNvPr>
+          <p:cNvGraphicFramePr>
+            <a:graphicFrameLocks noGrp="1"/>
+          </p:cNvGraphicFramePr>
+          <p:nvPr>
+            <p:extLst>
+              <p:ext uri="{D42A27DB-BD31-4B8C-83A1-F6EECF244321}">
+                <p14:modId xmlns:p14="http://schemas.microsoft.com/office/powerpoint/2010/main" val="2517243846"/>
+              </p:ext>
+            </p:extLst>
+          </p:nvPr>
+        </p:nvGraphicFramePr>
+        <p:xfrm>
+          <a:off x="1270711" y="3295147"/>
+          <a:ext cx="9917245" cy="3541711"/>
+        </p:xfrm>
+        <a:graphic>
+          <a:graphicData uri="http://schemas.openxmlformats.org/drawingml/2006/table">
+            <a:tbl>
+              <a:tblPr>
+                <a:tableStyleId>{5C22544A-7EE6-4342-B048-85BDC9FD1C3A}</a:tableStyleId>
+              </a:tblPr>
+              <a:tblGrid>
+                <a:gridCol w="1907162">
+                  <a:extLst>
+                    <a:ext uri="{9D8B030D-6E8A-4147-A177-3AD203B41FA5}">
+                      <a16:colId xmlns:a16="http://schemas.microsoft.com/office/drawing/2014/main" val="2372180285"/>
+                    </a:ext>
+                  </a:extLst>
+                </a:gridCol>
+                <a:gridCol w="1264750">
+                  <a:extLst>
+                    <a:ext uri="{9D8B030D-6E8A-4147-A177-3AD203B41FA5}">
+                      <a16:colId xmlns:a16="http://schemas.microsoft.com/office/drawing/2014/main" val="1829415985"/>
+                    </a:ext>
+                  </a:extLst>
+                </a:gridCol>
+                <a:gridCol w="963619">
+                  <a:extLst>
+                    <a:ext uri="{9D8B030D-6E8A-4147-A177-3AD203B41FA5}">
+                      <a16:colId xmlns:a16="http://schemas.microsoft.com/office/drawing/2014/main" val="3119517152"/>
+                    </a:ext>
+                  </a:extLst>
+                </a:gridCol>
+                <a:gridCol w="963619">
+                  <a:extLst>
+                    <a:ext uri="{9D8B030D-6E8A-4147-A177-3AD203B41FA5}">
+                      <a16:colId xmlns:a16="http://schemas.microsoft.com/office/drawing/2014/main" val="3377107947"/>
+                    </a:ext>
+                  </a:extLst>
+                </a:gridCol>
+                <a:gridCol w="963619">
+                  <a:extLst>
+                    <a:ext uri="{9D8B030D-6E8A-4147-A177-3AD203B41FA5}">
+                      <a16:colId xmlns:a16="http://schemas.microsoft.com/office/drawing/2014/main" val="2858758225"/>
+                    </a:ext>
+                  </a:extLst>
+                </a:gridCol>
+                <a:gridCol w="963619">
+                  <a:extLst>
+                    <a:ext uri="{9D8B030D-6E8A-4147-A177-3AD203B41FA5}">
+                      <a16:colId xmlns:a16="http://schemas.microsoft.com/office/drawing/2014/main" val="3906817870"/>
+                    </a:ext>
+                  </a:extLst>
+                </a:gridCol>
+                <a:gridCol w="963619">
+                  <a:extLst>
+                    <a:ext uri="{9D8B030D-6E8A-4147-A177-3AD203B41FA5}">
+                      <a16:colId xmlns:a16="http://schemas.microsoft.com/office/drawing/2014/main" val="1000801763"/>
+                    </a:ext>
+                  </a:extLst>
+                </a:gridCol>
+                <a:gridCol w="963619">
+                  <a:extLst>
+                    <a:ext uri="{9D8B030D-6E8A-4147-A177-3AD203B41FA5}">
+                      <a16:colId xmlns:a16="http://schemas.microsoft.com/office/drawing/2014/main" val="1192029336"/>
+                    </a:ext>
+                  </a:extLst>
+                </a:gridCol>
+                <a:gridCol w="963619">
+                  <a:extLst>
+                    <a:ext uri="{9D8B030D-6E8A-4147-A177-3AD203B41FA5}">
+                      <a16:colId xmlns:a16="http://schemas.microsoft.com/office/drawing/2014/main" val="2033321985"/>
+                    </a:ext>
+                  </a:extLst>
+                </a:gridCol>
+              </a:tblGrid>
+              <a:tr h="154525">
+                <a:tc>
+                  <a:txBody>
+                    <a:bodyPr/>
+                    <a:lstStyle/>
+                    <a:p>
+                      <a:pPr algn="l" fontAlgn="b"/>
+                      <a:r>
+                        <a:rPr lang="en-US" sz="900" u="none" strike="noStrike">
+                          <a:effectLst/>
+                        </a:rPr>
+                        <a:t>SUMMARY OUTPUT</a:t>
+                      </a:r>
+                      <a:endParaRPr lang="en-US" sz="900" b="0" i="0" u="none" strike="noStrike">
+                        <a:solidFill>
+                          <a:srgbClr val="000000"/>
+                        </a:solidFill>
+                        <a:effectLst/>
+                        <a:latin typeface="Calibri" panose="020F0502020204030204" pitchFamily="34" charset="0"/>
+                      </a:endParaRPr>
+                    </a:p>
+                  </a:txBody>
+                  <a:tcPr marL="7726" marR="7726" marT="7726" marB="0" anchor="b"/>
+                </a:tc>
+                <a:tc>
+                  <a:txBody>
+                    <a:bodyPr/>
+                    <a:lstStyle/>
+                    <a:p>
+                      <a:pPr algn="l" fontAlgn="b"/>
+                      <a:endParaRPr lang="en-US" sz="900" b="0" i="0" u="none" strike="noStrike">
+                        <a:solidFill>
+                          <a:srgbClr val="000000"/>
+                        </a:solidFill>
+                        <a:effectLst/>
+                        <a:latin typeface="Calibri" panose="020F0502020204030204" pitchFamily="34" charset="0"/>
+                      </a:endParaRPr>
+                    </a:p>
+                  </a:txBody>
+                  <a:tcPr marL="7726" marR="7726" marT="7726" marB="0" anchor="b"/>
+                </a:tc>
+                <a:tc>
+                  <a:txBody>
+                    <a:bodyPr/>
+                    <a:lstStyle/>
+                    <a:p>
+                      <a:pPr algn="l" fontAlgn="b"/>
+                      <a:endParaRPr lang="en-US" sz="900" b="0" i="0" u="none" strike="noStrike">
+                        <a:solidFill>
+                          <a:srgbClr val="000000"/>
+                        </a:solidFill>
+                        <a:effectLst/>
+                        <a:latin typeface="Calibri" panose="020F0502020204030204" pitchFamily="34" charset="0"/>
+                      </a:endParaRPr>
+                    </a:p>
+                  </a:txBody>
+                  <a:tcPr marL="7726" marR="7726" marT="7726" marB="0" anchor="b"/>
+                </a:tc>
+                <a:tc>
+                  <a:txBody>
+                    <a:bodyPr/>
+                    <a:lstStyle/>
+                    <a:p>
+                      <a:pPr algn="l" fontAlgn="b"/>
+                      <a:endParaRPr lang="en-US" sz="900" b="0" i="0" u="none" strike="noStrike">
+                        <a:solidFill>
+                          <a:srgbClr val="000000"/>
+                        </a:solidFill>
+                        <a:effectLst/>
+                        <a:latin typeface="Calibri" panose="020F0502020204030204" pitchFamily="34" charset="0"/>
+                      </a:endParaRPr>
+                    </a:p>
+                  </a:txBody>
+                  <a:tcPr marL="7726" marR="7726" marT="7726" marB="0" anchor="b"/>
+                </a:tc>
+                <a:tc>
+                  <a:txBody>
+                    <a:bodyPr/>
+                    <a:lstStyle/>
+                    <a:p>
+                      <a:pPr algn="l" fontAlgn="b"/>
+                      <a:endParaRPr lang="en-US" sz="900" b="0" i="0" u="none" strike="noStrike">
+                        <a:solidFill>
+                          <a:srgbClr val="000000"/>
+                        </a:solidFill>
+                        <a:effectLst/>
+                        <a:latin typeface="Calibri" panose="020F0502020204030204" pitchFamily="34" charset="0"/>
+                      </a:endParaRPr>
+                    </a:p>
+                  </a:txBody>
+                  <a:tcPr marL="7726" marR="7726" marT="7726" marB="0" anchor="b"/>
+                </a:tc>
+                <a:tc>
+                  <a:txBody>
+                    <a:bodyPr/>
+                    <a:lstStyle/>
+                    <a:p>
+                      <a:pPr algn="l" fontAlgn="b"/>
+                      <a:endParaRPr lang="en-US" sz="900" b="0" i="0" u="none" strike="noStrike">
+                        <a:solidFill>
+                          <a:srgbClr val="000000"/>
+                        </a:solidFill>
+                        <a:effectLst/>
+                        <a:latin typeface="Calibri" panose="020F0502020204030204" pitchFamily="34" charset="0"/>
+                      </a:endParaRPr>
+                    </a:p>
+                  </a:txBody>
+                  <a:tcPr marL="7726" marR="7726" marT="7726" marB="0" anchor="b"/>
+                </a:tc>
+                <a:tc>
+                  <a:txBody>
+                    <a:bodyPr/>
+                    <a:lstStyle/>
+                    <a:p>
+                      <a:pPr algn="l" fontAlgn="b"/>
+                      <a:endParaRPr lang="en-US" sz="900" b="0" i="0" u="none" strike="noStrike">
+                        <a:solidFill>
+                          <a:srgbClr val="000000"/>
+                        </a:solidFill>
+                        <a:effectLst/>
+                        <a:latin typeface="Calibri" panose="020F0502020204030204" pitchFamily="34" charset="0"/>
+                      </a:endParaRPr>
+                    </a:p>
+                  </a:txBody>
+                  <a:tcPr marL="7726" marR="7726" marT="7726" marB="0" anchor="b"/>
+                </a:tc>
+                <a:tc>
+                  <a:txBody>
+                    <a:bodyPr/>
+                    <a:lstStyle/>
+                    <a:p>
+                      <a:pPr algn="l" fontAlgn="b"/>
+                      <a:endParaRPr lang="en-US" sz="900" b="0" i="0" u="none" strike="noStrike">
+                        <a:solidFill>
+                          <a:srgbClr val="000000"/>
+                        </a:solidFill>
+                        <a:effectLst/>
+                        <a:latin typeface="Calibri" panose="020F0502020204030204" pitchFamily="34" charset="0"/>
+                      </a:endParaRPr>
+                    </a:p>
+                  </a:txBody>
+                  <a:tcPr marL="7726" marR="7726" marT="7726" marB="0" anchor="b"/>
+                </a:tc>
+                <a:tc>
+                  <a:txBody>
+                    <a:bodyPr/>
+                    <a:lstStyle/>
+                    <a:p>
+                      <a:pPr algn="l" fontAlgn="b"/>
+                      <a:endParaRPr lang="en-US" sz="900" b="0" i="0" u="none" strike="noStrike">
+                        <a:solidFill>
+                          <a:srgbClr val="000000"/>
+                        </a:solidFill>
+                        <a:effectLst/>
+                        <a:latin typeface="Calibri" panose="020F0502020204030204" pitchFamily="34" charset="0"/>
+                      </a:endParaRPr>
+                    </a:p>
+                  </a:txBody>
+                  <a:tcPr marL="7726" marR="7726" marT="7726" marB="0" anchor="b"/>
+                </a:tc>
+                <a:extLst>
+                  <a:ext uri="{0D108BD9-81ED-4DB2-BD59-A6C34878D82A}">
+                    <a16:rowId xmlns:a16="http://schemas.microsoft.com/office/drawing/2014/main" val="3685475112"/>
+                  </a:ext>
+                </a:extLst>
+              </a:tr>
+              <a:tr h="162251">
+                <a:tc>
+                  <a:txBody>
+                    <a:bodyPr/>
+                    <a:lstStyle/>
+                    <a:p>
+                      <a:pPr algn="l" fontAlgn="b"/>
+                      <a:endParaRPr lang="en-US" sz="900" b="0" i="0" u="none" strike="noStrike">
+                        <a:solidFill>
+                          <a:srgbClr val="000000"/>
+                        </a:solidFill>
+                        <a:effectLst/>
+                        <a:latin typeface="Calibri" panose="020F0502020204030204" pitchFamily="34" charset="0"/>
+                      </a:endParaRPr>
+                    </a:p>
+                  </a:txBody>
+                  <a:tcPr marL="7726" marR="7726" marT="7726" marB="0" anchor="b"/>
+                </a:tc>
+                <a:tc>
+                  <a:txBody>
+                    <a:bodyPr/>
+                    <a:lstStyle/>
+                    <a:p>
+                      <a:pPr algn="l" fontAlgn="b"/>
+                      <a:endParaRPr lang="en-US" sz="900" b="0" i="0" u="none" strike="noStrike">
+                        <a:solidFill>
+                          <a:srgbClr val="000000"/>
+                        </a:solidFill>
+                        <a:effectLst/>
+                        <a:latin typeface="Calibri" panose="020F0502020204030204" pitchFamily="34" charset="0"/>
+                      </a:endParaRPr>
+                    </a:p>
+                  </a:txBody>
+                  <a:tcPr marL="7726" marR="7726" marT="7726" marB="0" anchor="b"/>
+                </a:tc>
+                <a:tc>
+                  <a:txBody>
+                    <a:bodyPr/>
+                    <a:lstStyle/>
+                    <a:p>
+                      <a:pPr algn="l" fontAlgn="b"/>
+                      <a:endParaRPr lang="en-US" sz="900" b="0" i="0" u="none" strike="noStrike">
+                        <a:solidFill>
+                          <a:srgbClr val="000000"/>
+                        </a:solidFill>
+                        <a:effectLst/>
+                        <a:latin typeface="Calibri" panose="020F0502020204030204" pitchFamily="34" charset="0"/>
+                      </a:endParaRPr>
+                    </a:p>
+                  </a:txBody>
+                  <a:tcPr marL="7726" marR="7726" marT="7726" marB="0" anchor="b"/>
+                </a:tc>
+                <a:tc>
+                  <a:txBody>
+                    <a:bodyPr/>
+                    <a:lstStyle/>
+                    <a:p>
+                      <a:pPr algn="l" fontAlgn="b"/>
+                      <a:endParaRPr lang="en-US" sz="900" b="0" i="0" u="none" strike="noStrike">
+                        <a:solidFill>
+                          <a:srgbClr val="000000"/>
+                        </a:solidFill>
+                        <a:effectLst/>
+                        <a:latin typeface="Calibri" panose="020F0502020204030204" pitchFamily="34" charset="0"/>
+                      </a:endParaRPr>
+                    </a:p>
+                  </a:txBody>
+                  <a:tcPr marL="7726" marR="7726" marT="7726" marB="0" anchor="b"/>
+                </a:tc>
+                <a:tc>
+                  <a:txBody>
+                    <a:bodyPr/>
+                    <a:lstStyle/>
+                    <a:p>
+                      <a:pPr algn="l" fontAlgn="b"/>
+                      <a:endParaRPr lang="en-US" sz="900" b="0" i="0" u="none" strike="noStrike">
+                        <a:solidFill>
+                          <a:srgbClr val="000000"/>
+                        </a:solidFill>
+                        <a:effectLst/>
+                        <a:latin typeface="Calibri" panose="020F0502020204030204" pitchFamily="34" charset="0"/>
+                      </a:endParaRPr>
+                    </a:p>
+                  </a:txBody>
+                  <a:tcPr marL="7726" marR="7726" marT="7726" marB="0" anchor="b"/>
+                </a:tc>
+                <a:tc>
+                  <a:txBody>
+                    <a:bodyPr/>
+                    <a:lstStyle/>
+                    <a:p>
+                      <a:pPr algn="l" fontAlgn="b"/>
+                      <a:endParaRPr lang="en-US" sz="900" b="0" i="0" u="none" strike="noStrike">
+                        <a:solidFill>
+                          <a:srgbClr val="000000"/>
+                        </a:solidFill>
+                        <a:effectLst/>
+                        <a:latin typeface="Calibri" panose="020F0502020204030204" pitchFamily="34" charset="0"/>
+                      </a:endParaRPr>
+                    </a:p>
+                  </a:txBody>
+                  <a:tcPr marL="7726" marR="7726" marT="7726" marB="0" anchor="b"/>
+                </a:tc>
+                <a:tc>
+                  <a:txBody>
+                    <a:bodyPr/>
+                    <a:lstStyle/>
+                    <a:p>
+                      <a:pPr algn="l" fontAlgn="b"/>
+                      <a:endParaRPr lang="en-US" sz="900" b="0" i="0" u="none" strike="noStrike">
+                        <a:solidFill>
+                          <a:srgbClr val="000000"/>
+                        </a:solidFill>
+                        <a:effectLst/>
+                        <a:latin typeface="Calibri" panose="020F0502020204030204" pitchFamily="34" charset="0"/>
+                      </a:endParaRPr>
+                    </a:p>
+                  </a:txBody>
+                  <a:tcPr marL="7726" marR="7726" marT="7726" marB="0" anchor="b"/>
+                </a:tc>
+                <a:tc>
+                  <a:txBody>
+                    <a:bodyPr/>
+                    <a:lstStyle/>
+                    <a:p>
+                      <a:pPr algn="l" fontAlgn="b"/>
+                      <a:endParaRPr lang="en-US" sz="900" b="0" i="0" u="none" strike="noStrike">
+                        <a:solidFill>
+                          <a:srgbClr val="000000"/>
+                        </a:solidFill>
+                        <a:effectLst/>
+                        <a:latin typeface="Calibri" panose="020F0502020204030204" pitchFamily="34" charset="0"/>
+                      </a:endParaRPr>
+                    </a:p>
+                  </a:txBody>
+                  <a:tcPr marL="7726" marR="7726" marT="7726" marB="0" anchor="b"/>
+                </a:tc>
+                <a:tc>
+                  <a:txBody>
+                    <a:bodyPr/>
+                    <a:lstStyle/>
+                    <a:p>
+                      <a:pPr algn="l" fontAlgn="b"/>
+                      <a:endParaRPr lang="en-US" sz="900" b="0" i="0" u="none" strike="noStrike">
+                        <a:solidFill>
+                          <a:srgbClr val="000000"/>
+                        </a:solidFill>
+                        <a:effectLst/>
+                        <a:latin typeface="Calibri" panose="020F0502020204030204" pitchFamily="34" charset="0"/>
+                      </a:endParaRPr>
+                    </a:p>
+                  </a:txBody>
+                  <a:tcPr marL="7726" marR="7726" marT="7726" marB="0" anchor="b"/>
+                </a:tc>
+                <a:extLst>
+                  <a:ext uri="{0D108BD9-81ED-4DB2-BD59-A6C34878D82A}">
+                    <a16:rowId xmlns:a16="http://schemas.microsoft.com/office/drawing/2014/main" val="3859071307"/>
+                  </a:ext>
+                </a:extLst>
+              </a:tr>
+              <a:tr h="154525">
+                <a:tc gridSpan="2">
+                  <a:txBody>
+                    <a:bodyPr/>
+                    <a:lstStyle/>
+                    <a:p>
+                      <a:pPr algn="ctr" fontAlgn="b"/>
+                      <a:r>
+                        <a:rPr lang="en-US" sz="900" u="none" strike="noStrike">
+                          <a:effectLst/>
+                        </a:rPr>
+                        <a:t>Regression Statistics</a:t>
+                      </a:r>
+                      <a:endParaRPr lang="en-US" sz="900" b="0" i="1" u="none" strike="noStrike">
+                        <a:solidFill>
+                          <a:srgbClr val="000000"/>
+                        </a:solidFill>
+                        <a:effectLst/>
+                        <a:latin typeface="Calibri" panose="020F0502020204030204" pitchFamily="34" charset="0"/>
+                      </a:endParaRPr>
+                    </a:p>
+                  </a:txBody>
+                  <a:tcPr marL="7726" marR="7726" marT="7726" marB="0" anchor="b"/>
+                </a:tc>
+                <a:tc hMerge="1">
+                  <a:txBody>
+                    <a:bodyPr/>
+                    <a:lstStyle/>
+                    <a:p>
+                      <a:endParaRPr lang="en-US"/>
+                    </a:p>
+                  </a:txBody>
+                  <a:tcPr/>
+                </a:tc>
+                <a:tc>
+                  <a:txBody>
+                    <a:bodyPr/>
+                    <a:lstStyle/>
+                    <a:p>
+                      <a:pPr algn="l" fontAlgn="b"/>
+                      <a:endParaRPr lang="en-US" sz="900" b="0" i="0" u="none" strike="noStrike">
+                        <a:solidFill>
+                          <a:srgbClr val="000000"/>
+                        </a:solidFill>
+                        <a:effectLst/>
+                        <a:latin typeface="Calibri" panose="020F0502020204030204" pitchFamily="34" charset="0"/>
+                      </a:endParaRPr>
+                    </a:p>
+                  </a:txBody>
+                  <a:tcPr marL="7726" marR="7726" marT="7726" marB="0" anchor="b"/>
+                </a:tc>
+                <a:tc>
+                  <a:txBody>
+                    <a:bodyPr/>
+                    <a:lstStyle/>
+                    <a:p>
+                      <a:pPr algn="l" fontAlgn="b"/>
+                      <a:endParaRPr lang="en-US" sz="900" b="0" i="0" u="none" strike="noStrike">
+                        <a:solidFill>
+                          <a:srgbClr val="000000"/>
+                        </a:solidFill>
+                        <a:effectLst/>
+                        <a:latin typeface="Calibri" panose="020F0502020204030204" pitchFamily="34" charset="0"/>
+                      </a:endParaRPr>
+                    </a:p>
+                  </a:txBody>
+                  <a:tcPr marL="7726" marR="7726" marT="7726" marB="0" anchor="b"/>
+                </a:tc>
+                <a:tc>
+                  <a:txBody>
+                    <a:bodyPr/>
+                    <a:lstStyle/>
+                    <a:p>
+                      <a:pPr algn="l" fontAlgn="b"/>
+                      <a:endParaRPr lang="en-US" sz="900" b="0" i="0" u="none" strike="noStrike">
+                        <a:solidFill>
+                          <a:srgbClr val="000000"/>
+                        </a:solidFill>
+                        <a:effectLst/>
+                        <a:latin typeface="Calibri" panose="020F0502020204030204" pitchFamily="34" charset="0"/>
+                      </a:endParaRPr>
+                    </a:p>
+                  </a:txBody>
+                  <a:tcPr marL="7726" marR="7726" marT="7726" marB="0" anchor="b"/>
+                </a:tc>
+                <a:tc>
+                  <a:txBody>
+                    <a:bodyPr/>
+                    <a:lstStyle/>
+                    <a:p>
+                      <a:pPr algn="l" fontAlgn="b"/>
+                      <a:endParaRPr lang="en-US" sz="900" b="0" i="0" u="none" strike="noStrike">
+                        <a:solidFill>
+                          <a:srgbClr val="000000"/>
+                        </a:solidFill>
+                        <a:effectLst/>
+                        <a:latin typeface="Calibri" panose="020F0502020204030204" pitchFamily="34" charset="0"/>
+                      </a:endParaRPr>
+                    </a:p>
+                  </a:txBody>
+                  <a:tcPr marL="7726" marR="7726" marT="7726" marB="0" anchor="b"/>
+                </a:tc>
+                <a:tc>
+                  <a:txBody>
+                    <a:bodyPr/>
+                    <a:lstStyle/>
+                    <a:p>
+                      <a:pPr algn="l" fontAlgn="b"/>
+                      <a:endParaRPr lang="en-US" sz="900" b="0" i="0" u="none" strike="noStrike">
+                        <a:solidFill>
+                          <a:srgbClr val="000000"/>
+                        </a:solidFill>
+                        <a:effectLst/>
+                        <a:latin typeface="Calibri" panose="020F0502020204030204" pitchFamily="34" charset="0"/>
+                      </a:endParaRPr>
+                    </a:p>
+                  </a:txBody>
+                  <a:tcPr marL="7726" marR="7726" marT="7726" marB="0" anchor="b"/>
+                </a:tc>
+                <a:tc>
+                  <a:txBody>
+                    <a:bodyPr/>
+                    <a:lstStyle/>
+                    <a:p>
+                      <a:pPr algn="l" fontAlgn="b"/>
+                      <a:endParaRPr lang="en-US" sz="900" b="0" i="0" u="none" strike="noStrike">
+                        <a:solidFill>
+                          <a:srgbClr val="000000"/>
+                        </a:solidFill>
+                        <a:effectLst/>
+                        <a:latin typeface="Calibri" panose="020F0502020204030204" pitchFamily="34" charset="0"/>
+                      </a:endParaRPr>
+                    </a:p>
+                  </a:txBody>
+                  <a:tcPr marL="7726" marR="7726" marT="7726" marB="0" anchor="b"/>
+                </a:tc>
+                <a:tc>
+                  <a:txBody>
+                    <a:bodyPr/>
+                    <a:lstStyle/>
+                    <a:p>
+                      <a:pPr algn="l" fontAlgn="b"/>
+                      <a:endParaRPr lang="en-US" sz="900" b="0" i="0" u="none" strike="noStrike">
+                        <a:solidFill>
+                          <a:srgbClr val="000000"/>
+                        </a:solidFill>
+                        <a:effectLst/>
+                        <a:latin typeface="Calibri" panose="020F0502020204030204" pitchFamily="34" charset="0"/>
+                      </a:endParaRPr>
+                    </a:p>
+                  </a:txBody>
+                  <a:tcPr marL="7726" marR="7726" marT="7726" marB="0" anchor="b"/>
+                </a:tc>
+                <a:extLst>
+                  <a:ext uri="{0D108BD9-81ED-4DB2-BD59-A6C34878D82A}">
+                    <a16:rowId xmlns:a16="http://schemas.microsoft.com/office/drawing/2014/main" val="1958943696"/>
+                  </a:ext>
+                </a:extLst>
+              </a:tr>
+              <a:tr h="154525">
+                <a:tc>
+                  <a:txBody>
+                    <a:bodyPr/>
+                    <a:lstStyle/>
+                    <a:p>
+                      <a:pPr algn="l" fontAlgn="b"/>
+                      <a:r>
+                        <a:rPr lang="en-US" sz="900" u="none" strike="noStrike">
+                          <a:effectLst/>
+                        </a:rPr>
+                        <a:t>Multiple R</a:t>
+                      </a:r>
+                      <a:endParaRPr lang="en-US" sz="900" b="0" i="0" u="none" strike="noStrike">
+                        <a:solidFill>
+                          <a:srgbClr val="000000"/>
+                        </a:solidFill>
+                        <a:effectLst/>
+                        <a:latin typeface="Calibri" panose="020F0502020204030204" pitchFamily="34" charset="0"/>
+                      </a:endParaRPr>
+                    </a:p>
+                  </a:txBody>
+                  <a:tcPr marL="7726" marR="7726" marT="7726" marB="0" anchor="b"/>
+                </a:tc>
+                <a:tc>
+                  <a:txBody>
+                    <a:bodyPr/>
+                    <a:lstStyle/>
+                    <a:p>
+                      <a:pPr algn="r" fontAlgn="b"/>
+                      <a:r>
+                        <a:rPr lang="en-US" sz="900" u="none" strike="noStrike">
+                          <a:effectLst/>
+                        </a:rPr>
+                        <a:t>0.989360117</a:t>
+                      </a:r>
+                      <a:endParaRPr lang="en-US" sz="900" b="0" i="0" u="none" strike="noStrike">
+                        <a:solidFill>
+                          <a:srgbClr val="000000"/>
+                        </a:solidFill>
+                        <a:effectLst/>
+                        <a:latin typeface="Calibri" panose="020F0502020204030204" pitchFamily="34" charset="0"/>
+                      </a:endParaRPr>
+                    </a:p>
+                  </a:txBody>
+                  <a:tcPr marL="7726" marR="7726" marT="7726" marB="0" anchor="b"/>
+                </a:tc>
+                <a:tc>
+                  <a:txBody>
+                    <a:bodyPr/>
+                    <a:lstStyle/>
+                    <a:p>
+                      <a:pPr algn="l" fontAlgn="b"/>
+                      <a:endParaRPr lang="en-US" sz="900" b="0" i="0" u="none" strike="noStrike">
+                        <a:solidFill>
+                          <a:srgbClr val="000000"/>
+                        </a:solidFill>
+                        <a:effectLst/>
+                        <a:latin typeface="Calibri" panose="020F0502020204030204" pitchFamily="34" charset="0"/>
+                      </a:endParaRPr>
+                    </a:p>
+                  </a:txBody>
+                  <a:tcPr marL="7726" marR="7726" marT="7726" marB="0" anchor="b"/>
+                </a:tc>
+                <a:tc>
+                  <a:txBody>
+                    <a:bodyPr/>
+                    <a:lstStyle/>
+                    <a:p>
+                      <a:pPr algn="l" fontAlgn="b"/>
+                      <a:endParaRPr lang="en-US" sz="900" b="0" i="0" u="none" strike="noStrike">
+                        <a:solidFill>
+                          <a:srgbClr val="000000"/>
+                        </a:solidFill>
+                        <a:effectLst/>
+                        <a:latin typeface="Calibri" panose="020F0502020204030204" pitchFamily="34" charset="0"/>
+                      </a:endParaRPr>
+                    </a:p>
+                  </a:txBody>
+                  <a:tcPr marL="7726" marR="7726" marT="7726" marB="0" anchor="b"/>
+                </a:tc>
+                <a:tc>
+                  <a:txBody>
+                    <a:bodyPr/>
+                    <a:lstStyle/>
+                    <a:p>
+                      <a:pPr algn="l" fontAlgn="b"/>
+                      <a:endParaRPr lang="en-US" sz="900" b="0" i="0" u="none" strike="noStrike">
+                        <a:solidFill>
+                          <a:srgbClr val="000000"/>
+                        </a:solidFill>
+                        <a:effectLst/>
+                        <a:latin typeface="Calibri" panose="020F0502020204030204" pitchFamily="34" charset="0"/>
+                      </a:endParaRPr>
+                    </a:p>
+                  </a:txBody>
+                  <a:tcPr marL="7726" marR="7726" marT="7726" marB="0" anchor="b"/>
+                </a:tc>
+                <a:tc>
+                  <a:txBody>
+                    <a:bodyPr/>
+                    <a:lstStyle/>
+                    <a:p>
+                      <a:pPr algn="l" fontAlgn="b"/>
+                      <a:endParaRPr lang="en-US" sz="900" b="0" i="0" u="none" strike="noStrike">
+                        <a:solidFill>
+                          <a:srgbClr val="000000"/>
+                        </a:solidFill>
+                        <a:effectLst/>
+                        <a:latin typeface="Calibri" panose="020F0502020204030204" pitchFamily="34" charset="0"/>
+                      </a:endParaRPr>
+                    </a:p>
+                  </a:txBody>
+                  <a:tcPr marL="7726" marR="7726" marT="7726" marB="0" anchor="b"/>
+                </a:tc>
+                <a:tc>
+                  <a:txBody>
+                    <a:bodyPr/>
+                    <a:lstStyle/>
+                    <a:p>
+                      <a:pPr algn="l" fontAlgn="b"/>
+                      <a:endParaRPr lang="en-US" sz="900" b="0" i="0" u="none" strike="noStrike">
+                        <a:solidFill>
+                          <a:srgbClr val="000000"/>
+                        </a:solidFill>
+                        <a:effectLst/>
+                        <a:latin typeface="Calibri" panose="020F0502020204030204" pitchFamily="34" charset="0"/>
+                      </a:endParaRPr>
+                    </a:p>
+                  </a:txBody>
+                  <a:tcPr marL="7726" marR="7726" marT="7726" marB="0" anchor="b"/>
+                </a:tc>
+                <a:tc>
+                  <a:txBody>
+                    <a:bodyPr/>
+                    <a:lstStyle/>
+                    <a:p>
+                      <a:pPr algn="l" fontAlgn="b"/>
+                      <a:endParaRPr lang="en-US" sz="900" b="0" i="0" u="none" strike="noStrike">
+                        <a:solidFill>
+                          <a:srgbClr val="000000"/>
+                        </a:solidFill>
+                        <a:effectLst/>
+                        <a:latin typeface="Calibri" panose="020F0502020204030204" pitchFamily="34" charset="0"/>
+                      </a:endParaRPr>
+                    </a:p>
+                  </a:txBody>
+                  <a:tcPr marL="7726" marR="7726" marT="7726" marB="0" anchor="b"/>
+                </a:tc>
+                <a:tc>
+                  <a:txBody>
+                    <a:bodyPr/>
+                    <a:lstStyle/>
+                    <a:p>
+                      <a:pPr algn="l" fontAlgn="b"/>
+                      <a:endParaRPr lang="en-US" sz="900" b="0" i="0" u="none" strike="noStrike">
+                        <a:solidFill>
+                          <a:srgbClr val="000000"/>
+                        </a:solidFill>
+                        <a:effectLst/>
+                        <a:latin typeface="Calibri" panose="020F0502020204030204" pitchFamily="34" charset="0"/>
+                      </a:endParaRPr>
+                    </a:p>
+                  </a:txBody>
+                  <a:tcPr marL="7726" marR="7726" marT="7726" marB="0" anchor="b"/>
+                </a:tc>
+                <a:extLst>
+                  <a:ext uri="{0D108BD9-81ED-4DB2-BD59-A6C34878D82A}">
+                    <a16:rowId xmlns:a16="http://schemas.microsoft.com/office/drawing/2014/main" val="299705530"/>
+                  </a:ext>
+                </a:extLst>
+              </a:tr>
+              <a:tr h="154525">
+                <a:tc>
+                  <a:txBody>
+                    <a:bodyPr/>
+                    <a:lstStyle/>
+                    <a:p>
+                      <a:pPr algn="l" fontAlgn="b"/>
+                      <a:r>
+                        <a:rPr lang="en-US" sz="900" u="none" strike="noStrike">
+                          <a:effectLst/>
+                        </a:rPr>
+                        <a:t>R Square</a:t>
+                      </a:r>
+                      <a:endParaRPr lang="en-US" sz="900" b="0" i="0" u="none" strike="noStrike">
+                        <a:solidFill>
+                          <a:srgbClr val="000000"/>
+                        </a:solidFill>
+                        <a:effectLst/>
+                        <a:latin typeface="Calibri" panose="020F0502020204030204" pitchFamily="34" charset="0"/>
+                      </a:endParaRPr>
+                    </a:p>
+                  </a:txBody>
+                  <a:tcPr marL="7726" marR="7726" marT="7726" marB="0" anchor="b"/>
+                </a:tc>
+                <a:tc>
+                  <a:txBody>
+                    <a:bodyPr/>
+                    <a:lstStyle/>
+                    <a:p>
+                      <a:pPr algn="r" fontAlgn="b"/>
+                      <a:r>
+                        <a:rPr lang="en-US" sz="900" u="none" strike="noStrike">
+                          <a:effectLst/>
+                        </a:rPr>
+                        <a:t>0.978833441</a:t>
+                      </a:r>
+                      <a:endParaRPr lang="en-US" sz="900" b="0" i="0" u="none" strike="noStrike">
+                        <a:solidFill>
+                          <a:srgbClr val="000000"/>
+                        </a:solidFill>
+                        <a:effectLst/>
+                        <a:latin typeface="Calibri" panose="020F0502020204030204" pitchFamily="34" charset="0"/>
+                      </a:endParaRPr>
+                    </a:p>
+                  </a:txBody>
+                  <a:tcPr marL="7726" marR="7726" marT="7726" marB="0" anchor="b"/>
+                </a:tc>
+                <a:tc>
+                  <a:txBody>
+                    <a:bodyPr/>
+                    <a:lstStyle/>
+                    <a:p>
+                      <a:pPr algn="l" fontAlgn="b"/>
+                      <a:endParaRPr lang="en-US" sz="900" b="0" i="0" u="none" strike="noStrike">
+                        <a:solidFill>
+                          <a:srgbClr val="000000"/>
+                        </a:solidFill>
+                        <a:effectLst/>
+                        <a:latin typeface="Calibri" panose="020F0502020204030204" pitchFamily="34" charset="0"/>
+                      </a:endParaRPr>
+                    </a:p>
+                  </a:txBody>
+                  <a:tcPr marL="7726" marR="7726" marT="7726" marB="0" anchor="b"/>
+                </a:tc>
+                <a:tc>
+                  <a:txBody>
+                    <a:bodyPr/>
+                    <a:lstStyle/>
+                    <a:p>
+                      <a:pPr algn="l" fontAlgn="b"/>
+                      <a:endParaRPr lang="en-US" sz="900" b="0" i="0" u="none" strike="noStrike">
+                        <a:solidFill>
+                          <a:srgbClr val="000000"/>
+                        </a:solidFill>
+                        <a:effectLst/>
+                        <a:latin typeface="Calibri" panose="020F0502020204030204" pitchFamily="34" charset="0"/>
+                      </a:endParaRPr>
+                    </a:p>
+                  </a:txBody>
+                  <a:tcPr marL="7726" marR="7726" marT="7726" marB="0" anchor="b"/>
+                </a:tc>
+                <a:tc>
+                  <a:txBody>
+                    <a:bodyPr/>
+                    <a:lstStyle/>
+                    <a:p>
+                      <a:pPr algn="l" fontAlgn="b"/>
+                      <a:endParaRPr lang="en-US" sz="900" b="0" i="0" u="none" strike="noStrike">
+                        <a:solidFill>
+                          <a:srgbClr val="000000"/>
+                        </a:solidFill>
+                        <a:effectLst/>
+                        <a:latin typeface="Calibri" panose="020F0502020204030204" pitchFamily="34" charset="0"/>
+                      </a:endParaRPr>
+                    </a:p>
+                  </a:txBody>
+                  <a:tcPr marL="7726" marR="7726" marT="7726" marB="0" anchor="b"/>
+                </a:tc>
+                <a:tc>
+                  <a:txBody>
+                    <a:bodyPr/>
+                    <a:lstStyle/>
+                    <a:p>
+                      <a:pPr algn="l" fontAlgn="b"/>
+                      <a:endParaRPr lang="en-US" sz="900" b="0" i="0" u="none" strike="noStrike">
+                        <a:solidFill>
+                          <a:srgbClr val="000000"/>
+                        </a:solidFill>
+                        <a:effectLst/>
+                        <a:latin typeface="Calibri" panose="020F0502020204030204" pitchFamily="34" charset="0"/>
+                      </a:endParaRPr>
+                    </a:p>
+                  </a:txBody>
+                  <a:tcPr marL="7726" marR="7726" marT="7726" marB="0" anchor="b"/>
+                </a:tc>
+                <a:tc>
+                  <a:txBody>
+                    <a:bodyPr/>
+                    <a:lstStyle/>
+                    <a:p>
+                      <a:pPr algn="l" fontAlgn="b"/>
+                      <a:endParaRPr lang="en-US" sz="900" b="0" i="0" u="none" strike="noStrike">
+                        <a:solidFill>
+                          <a:srgbClr val="000000"/>
+                        </a:solidFill>
+                        <a:effectLst/>
+                        <a:latin typeface="Calibri" panose="020F0502020204030204" pitchFamily="34" charset="0"/>
+                      </a:endParaRPr>
+                    </a:p>
+                  </a:txBody>
+                  <a:tcPr marL="7726" marR="7726" marT="7726" marB="0" anchor="b"/>
+                </a:tc>
+                <a:tc>
+                  <a:txBody>
+                    <a:bodyPr/>
+                    <a:lstStyle/>
+                    <a:p>
+                      <a:pPr algn="l" fontAlgn="b"/>
+                      <a:endParaRPr lang="en-US" sz="900" b="0" i="0" u="none" strike="noStrike">
+                        <a:solidFill>
+                          <a:srgbClr val="000000"/>
+                        </a:solidFill>
+                        <a:effectLst/>
+                        <a:latin typeface="Calibri" panose="020F0502020204030204" pitchFamily="34" charset="0"/>
+                      </a:endParaRPr>
+                    </a:p>
+                  </a:txBody>
+                  <a:tcPr marL="7726" marR="7726" marT="7726" marB="0" anchor="b"/>
+                </a:tc>
+                <a:tc>
+                  <a:txBody>
+                    <a:bodyPr/>
+                    <a:lstStyle/>
+                    <a:p>
+                      <a:pPr algn="l" fontAlgn="b"/>
+                      <a:endParaRPr lang="en-US" sz="900" b="0" i="0" u="none" strike="noStrike">
+                        <a:solidFill>
+                          <a:srgbClr val="000000"/>
+                        </a:solidFill>
+                        <a:effectLst/>
+                        <a:latin typeface="Calibri" panose="020F0502020204030204" pitchFamily="34" charset="0"/>
+                      </a:endParaRPr>
+                    </a:p>
+                  </a:txBody>
+                  <a:tcPr marL="7726" marR="7726" marT="7726" marB="0" anchor="b"/>
+                </a:tc>
+                <a:extLst>
+                  <a:ext uri="{0D108BD9-81ED-4DB2-BD59-A6C34878D82A}">
+                    <a16:rowId xmlns:a16="http://schemas.microsoft.com/office/drawing/2014/main" val="4210384645"/>
+                  </a:ext>
+                </a:extLst>
+              </a:tr>
+              <a:tr h="154525">
+                <a:tc>
+                  <a:txBody>
+                    <a:bodyPr/>
+                    <a:lstStyle/>
+                    <a:p>
+                      <a:pPr algn="l" fontAlgn="b"/>
+                      <a:r>
+                        <a:rPr lang="en-US" sz="900" u="none" strike="noStrike">
+                          <a:effectLst/>
+                        </a:rPr>
+                        <a:t>Adjusted R Square</a:t>
+                      </a:r>
+                      <a:endParaRPr lang="en-US" sz="900" b="0" i="0" u="none" strike="noStrike">
+                        <a:solidFill>
+                          <a:srgbClr val="000000"/>
+                        </a:solidFill>
+                        <a:effectLst/>
+                        <a:latin typeface="Calibri" panose="020F0502020204030204" pitchFamily="34" charset="0"/>
+                      </a:endParaRPr>
+                    </a:p>
+                  </a:txBody>
+                  <a:tcPr marL="7726" marR="7726" marT="7726" marB="0" anchor="b"/>
+                </a:tc>
+                <a:tc>
+                  <a:txBody>
+                    <a:bodyPr/>
+                    <a:lstStyle/>
+                    <a:p>
+                      <a:pPr algn="r" fontAlgn="b"/>
+                      <a:r>
+                        <a:rPr lang="en-US" sz="900" u="none" strike="noStrike">
+                          <a:effectLst/>
+                        </a:rPr>
+                        <a:t>0.978662398</a:t>
+                      </a:r>
+                      <a:endParaRPr lang="en-US" sz="900" b="0" i="0" u="none" strike="noStrike">
+                        <a:solidFill>
+                          <a:srgbClr val="000000"/>
+                        </a:solidFill>
+                        <a:effectLst/>
+                        <a:latin typeface="Calibri" panose="020F0502020204030204" pitchFamily="34" charset="0"/>
+                      </a:endParaRPr>
+                    </a:p>
+                  </a:txBody>
+                  <a:tcPr marL="7726" marR="7726" marT="7726" marB="0" anchor="b"/>
+                </a:tc>
+                <a:tc>
+                  <a:txBody>
+                    <a:bodyPr/>
+                    <a:lstStyle/>
+                    <a:p>
+                      <a:pPr algn="l" fontAlgn="b"/>
+                      <a:endParaRPr lang="en-US" sz="900" b="0" i="0" u="none" strike="noStrike">
+                        <a:solidFill>
+                          <a:srgbClr val="000000"/>
+                        </a:solidFill>
+                        <a:effectLst/>
+                        <a:latin typeface="Calibri" panose="020F0502020204030204" pitchFamily="34" charset="0"/>
+                      </a:endParaRPr>
+                    </a:p>
+                  </a:txBody>
+                  <a:tcPr marL="7726" marR="7726" marT="7726" marB="0" anchor="b"/>
+                </a:tc>
+                <a:tc>
+                  <a:txBody>
+                    <a:bodyPr/>
+                    <a:lstStyle/>
+                    <a:p>
+                      <a:pPr algn="l" fontAlgn="b"/>
+                      <a:endParaRPr lang="en-US" sz="900" b="0" i="0" u="none" strike="noStrike">
+                        <a:solidFill>
+                          <a:srgbClr val="000000"/>
+                        </a:solidFill>
+                        <a:effectLst/>
+                        <a:latin typeface="Calibri" panose="020F0502020204030204" pitchFamily="34" charset="0"/>
+                      </a:endParaRPr>
+                    </a:p>
+                  </a:txBody>
+                  <a:tcPr marL="7726" marR="7726" marT="7726" marB="0" anchor="b"/>
+                </a:tc>
+                <a:tc>
+                  <a:txBody>
+                    <a:bodyPr/>
+                    <a:lstStyle/>
+                    <a:p>
+                      <a:pPr algn="l" fontAlgn="b"/>
+                      <a:endParaRPr lang="en-US" sz="900" b="0" i="0" u="none" strike="noStrike">
+                        <a:solidFill>
+                          <a:srgbClr val="000000"/>
+                        </a:solidFill>
+                        <a:effectLst/>
+                        <a:latin typeface="Calibri" panose="020F0502020204030204" pitchFamily="34" charset="0"/>
+                      </a:endParaRPr>
+                    </a:p>
+                  </a:txBody>
+                  <a:tcPr marL="7726" marR="7726" marT="7726" marB="0" anchor="b"/>
+                </a:tc>
+                <a:tc>
+                  <a:txBody>
+                    <a:bodyPr/>
+                    <a:lstStyle/>
+                    <a:p>
+                      <a:pPr algn="l" fontAlgn="b"/>
+                      <a:endParaRPr lang="en-US" sz="900" b="0" i="0" u="none" strike="noStrike">
+                        <a:solidFill>
+                          <a:srgbClr val="000000"/>
+                        </a:solidFill>
+                        <a:effectLst/>
+                        <a:latin typeface="Calibri" panose="020F0502020204030204" pitchFamily="34" charset="0"/>
+                      </a:endParaRPr>
+                    </a:p>
+                  </a:txBody>
+                  <a:tcPr marL="7726" marR="7726" marT="7726" marB="0" anchor="b"/>
+                </a:tc>
+                <a:tc>
+                  <a:txBody>
+                    <a:bodyPr/>
+                    <a:lstStyle/>
+                    <a:p>
+                      <a:pPr algn="l" fontAlgn="b"/>
+                      <a:endParaRPr lang="en-US" sz="900" b="0" i="0" u="none" strike="noStrike">
+                        <a:solidFill>
+                          <a:srgbClr val="000000"/>
+                        </a:solidFill>
+                        <a:effectLst/>
+                        <a:latin typeface="Calibri" panose="020F0502020204030204" pitchFamily="34" charset="0"/>
+                      </a:endParaRPr>
+                    </a:p>
+                  </a:txBody>
+                  <a:tcPr marL="7726" marR="7726" marT="7726" marB="0" anchor="b"/>
+                </a:tc>
+                <a:tc>
+                  <a:txBody>
+                    <a:bodyPr/>
+                    <a:lstStyle/>
+                    <a:p>
+                      <a:pPr algn="l" fontAlgn="b"/>
+                      <a:endParaRPr lang="en-US" sz="900" b="0" i="0" u="none" strike="noStrike">
+                        <a:solidFill>
+                          <a:srgbClr val="000000"/>
+                        </a:solidFill>
+                        <a:effectLst/>
+                        <a:latin typeface="Calibri" panose="020F0502020204030204" pitchFamily="34" charset="0"/>
+                      </a:endParaRPr>
+                    </a:p>
+                  </a:txBody>
+                  <a:tcPr marL="7726" marR="7726" marT="7726" marB="0" anchor="b"/>
+                </a:tc>
+                <a:tc>
+                  <a:txBody>
+                    <a:bodyPr/>
+                    <a:lstStyle/>
+                    <a:p>
+                      <a:pPr algn="l" fontAlgn="b"/>
+                      <a:endParaRPr lang="en-US" sz="900" b="0" i="0" u="none" strike="noStrike">
+                        <a:solidFill>
+                          <a:srgbClr val="000000"/>
+                        </a:solidFill>
+                        <a:effectLst/>
+                        <a:latin typeface="Calibri" panose="020F0502020204030204" pitchFamily="34" charset="0"/>
+                      </a:endParaRPr>
+                    </a:p>
+                  </a:txBody>
+                  <a:tcPr marL="7726" marR="7726" marT="7726" marB="0" anchor="b"/>
+                </a:tc>
+                <a:extLst>
+                  <a:ext uri="{0D108BD9-81ED-4DB2-BD59-A6C34878D82A}">
+                    <a16:rowId xmlns:a16="http://schemas.microsoft.com/office/drawing/2014/main" val="2889906889"/>
+                  </a:ext>
+                </a:extLst>
+              </a:tr>
+              <a:tr h="154525">
+                <a:tc>
+                  <a:txBody>
+                    <a:bodyPr/>
+                    <a:lstStyle/>
+                    <a:p>
+                      <a:pPr algn="l" fontAlgn="b"/>
+                      <a:r>
+                        <a:rPr lang="en-US" sz="900" u="none" strike="noStrike">
+                          <a:effectLst/>
+                        </a:rPr>
+                        <a:t>Standard Error</a:t>
+                      </a:r>
+                      <a:endParaRPr lang="en-US" sz="900" b="0" i="0" u="none" strike="noStrike">
+                        <a:solidFill>
+                          <a:srgbClr val="000000"/>
+                        </a:solidFill>
+                        <a:effectLst/>
+                        <a:latin typeface="Calibri" panose="020F0502020204030204" pitchFamily="34" charset="0"/>
+                      </a:endParaRPr>
+                    </a:p>
+                  </a:txBody>
+                  <a:tcPr marL="7726" marR="7726" marT="7726" marB="0" anchor="b"/>
+                </a:tc>
+                <a:tc>
+                  <a:txBody>
+                    <a:bodyPr/>
+                    <a:lstStyle/>
+                    <a:p>
+                      <a:pPr algn="r" fontAlgn="b"/>
+                      <a:r>
+                        <a:rPr lang="en-US" sz="900" u="none" strike="noStrike">
+                          <a:effectLst/>
+                        </a:rPr>
+                        <a:t>21.11990126</a:t>
+                      </a:r>
+                      <a:endParaRPr lang="en-US" sz="900" b="0" i="0" u="none" strike="noStrike">
+                        <a:solidFill>
+                          <a:srgbClr val="000000"/>
+                        </a:solidFill>
+                        <a:effectLst/>
+                        <a:latin typeface="Calibri" panose="020F0502020204030204" pitchFamily="34" charset="0"/>
+                      </a:endParaRPr>
+                    </a:p>
+                  </a:txBody>
+                  <a:tcPr marL="7726" marR="7726" marT="7726" marB="0" anchor="b"/>
+                </a:tc>
+                <a:tc>
+                  <a:txBody>
+                    <a:bodyPr/>
+                    <a:lstStyle/>
+                    <a:p>
+                      <a:pPr algn="l" fontAlgn="b"/>
+                      <a:endParaRPr lang="en-US" sz="900" b="0" i="0" u="none" strike="noStrike">
+                        <a:solidFill>
+                          <a:srgbClr val="000000"/>
+                        </a:solidFill>
+                        <a:effectLst/>
+                        <a:latin typeface="Calibri" panose="020F0502020204030204" pitchFamily="34" charset="0"/>
+                      </a:endParaRPr>
+                    </a:p>
+                  </a:txBody>
+                  <a:tcPr marL="7726" marR="7726" marT="7726" marB="0" anchor="b"/>
+                </a:tc>
+                <a:tc>
+                  <a:txBody>
+                    <a:bodyPr/>
+                    <a:lstStyle/>
+                    <a:p>
+                      <a:pPr algn="l" fontAlgn="b"/>
+                      <a:endParaRPr lang="en-US" sz="900" b="0" i="0" u="none" strike="noStrike">
+                        <a:solidFill>
+                          <a:srgbClr val="000000"/>
+                        </a:solidFill>
+                        <a:effectLst/>
+                        <a:latin typeface="Calibri" panose="020F0502020204030204" pitchFamily="34" charset="0"/>
+                      </a:endParaRPr>
+                    </a:p>
+                  </a:txBody>
+                  <a:tcPr marL="7726" marR="7726" marT="7726" marB="0" anchor="b"/>
+                </a:tc>
+                <a:tc>
+                  <a:txBody>
+                    <a:bodyPr/>
+                    <a:lstStyle/>
+                    <a:p>
+                      <a:pPr algn="l" fontAlgn="b"/>
+                      <a:endParaRPr lang="en-US" sz="900" b="0" i="0" u="none" strike="noStrike">
+                        <a:solidFill>
+                          <a:srgbClr val="000000"/>
+                        </a:solidFill>
+                        <a:effectLst/>
+                        <a:latin typeface="Calibri" panose="020F0502020204030204" pitchFamily="34" charset="0"/>
+                      </a:endParaRPr>
+                    </a:p>
+                  </a:txBody>
+                  <a:tcPr marL="7726" marR="7726" marT="7726" marB="0" anchor="b"/>
+                </a:tc>
+                <a:tc>
+                  <a:txBody>
+                    <a:bodyPr/>
+                    <a:lstStyle/>
+                    <a:p>
+                      <a:pPr algn="l" fontAlgn="b"/>
+                      <a:endParaRPr lang="en-US" sz="900" b="0" i="0" u="none" strike="noStrike">
+                        <a:solidFill>
+                          <a:srgbClr val="000000"/>
+                        </a:solidFill>
+                        <a:effectLst/>
+                        <a:latin typeface="Calibri" panose="020F0502020204030204" pitchFamily="34" charset="0"/>
+                      </a:endParaRPr>
+                    </a:p>
+                  </a:txBody>
+                  <a:tcPr marL="7726" marR="7726" marT="7726" marB="0" anchor="b"/>
+                </a:tc>
+                <a:tc>
+                  <a:txBody>
+                    <a:bodyPr/>
+                    <a:lstStyle/>
+                    <a:p>
+                      <a:pPr algn="l" fontAlgn="b"/>
+                      <a:endParaRPr lang="en-US" sz="900" b="0" i="0" u="none" strike="noStrike">
+                        <a:solidFill>
+                          <a:srgbClr val="000000"/>
+                        </a:solidFill>
+                        <a:effectLst/>
+                        <a:latin typeface="Calibri" panose="020F0502020204030204" pitchFamily="34" charset="0"/>
+                      </a:endParaRPr>
+                    </a:p>
+                  </a:txBody>
+                  <a:tcPr marL="7726" marR="7726" marT="7726" marB="0" anchor="b"/>
+                </a:tc>
+                <a:tc>
+                  <a:txBody>
+                    <a:bodyPr/>
+                    <a:lstStyle/>
+                    <a:p>
+                      <a:pPr algn="l" fontAlgn="b"/>
+                      <a:endParaRPr lang="en-US" sz="900" b="0" i="0" u="none" strike="noStrike">
+                        <a:solidFill>
+                          <a:srgbClr val="000000"/>
+                        </a:solidFill>
+                        <a:effectLst/>
+                        <a:latin typeface="Calibri" panose="020F0502020204030204" pitchFamily="34" charset="0"/>
+                      </a:endParaRPr>
+                    </a:p>
+                  </a:txBody>
+                  <a:tcPr marL="7726" marR="7726" marT="7726" marB="0" anchor="b"/>
+                </a:tc>
+                <a:tc>
+                  <a:txBody>
+                    <a:bodyPr/>
+                    <a:lstStyle/>
+                    <a:p>
+                      <a:pPr algn="l" fontAlgn="b"/>
+                      <a:endParaRPr lang="en-US" sz="900" b="0" i="0" u="none" strike="noStrike">
+                        <a:solidFill>
+                          <a:srgbClr val="000000"/>
+                        </a:solidFill>
+                        <a:effectLst/>
+                        <a:latin typeface="Calibri" panose="020F0502020204030204" pitchFamily="34" charset="0"/>
+                      </a:endParaRPr>
+                    </a:p>
+                  </a:txBody>
+                  <a:tcPr marL="7726" marR="7726" marT="7726" marB="0" anchor="b"/>
+                </a:tc>
+                <a:extLst>
+                  <a:ext uri="{0D108BD9-81ED-4DB2-BD59-A6C34878D82A}">
+                    <a16:rowId xmlns:a16="http://schemas.microsoft.com/office/drawing/2014/main" val="2681866457"/>
+                  </a:ext>
+                </a:extLst>
+              </a:tr>
+              <a:tr h="162251">
+                <a:tc>
+                  <a:txBody>
+                    <a:bodyPr/>
+                    <a:lstStyle/>
+                    <a:p>
+                      <a:pPr algn="l" fontAlgn="b"/>
+                      <a:r>
+                        <a:rPr lang="en-US" sz="900" u="none" strike="noStrike">
+                          <a:effectLst/>
+                        </a:rPr>
+                        <a:t>Observations</a:t>
+                      </a:r>
+                      <a:endParaRPr lang="en-US" sz="900" b="0" i="0" u="none" strike="noStrike">
+                        <a:solidFill>
+                          <a:srgbClr val="000000"/>
+                        </a:solidFill>
+                        <a:effectLst/>
+                        <a:latin typeface="Calibri" panose="020F0502020204030204" pitchFamily="34" charset="0"/>
+                      </a:endParaRPr>
+                    </a:p>
+                  </a:txBody>
+                  <a:tcPr marL="7726" marR="7726" marT="7726" marB="0" anchor="b"/>
+                </a:tc>
+                <a:tc>
+                  <a:txBody>
+                    <a:bodyPr/>
+                    <a:lstStyle/>
+                    <a:p>
+                      <a:pPr algn="r" fontAlgn="b"/>
+                      <a:r>
+                        <a:rPr lang="en-US" sz="900" u="none" strike="noStrike">
+                          <a:effectLst/>
+                        </a:rPr>
+                        <a:t>500</a:t>
+                      </a:r>
+                      <a:endParaRPr lang="en-US" sz="900" b="0" i="0" u="none" strike="noStrike">
+                        <a:solidFill>
+                          <a:srgbClr val="000000"/>
+                        </a:solidFill>
+                        <a:effectLst/>
+                        <a:latin typeface="Calibri" panose="020F0502020204030204" pitchFamily="34" charset="0"/>
+                      </a:endParaRPr>
+                    </a:p>
+                  </a:txBody>
+                  <a:tcPr marL="7726" marR="7726" marT="7726" marB="0" anchor="b"/>
+                </a:tc>
+                <a:tc>
+                  <a:txBody>
+                    <a:bodyPr/>
+                    <a:lstStyle/>
+                    <a:p>
+                      <a:pPr algn="l" fontAlgn="b"/>
+                      <a:endParaRPr lang="en-US" sz="900" b="0" i="0" u="none" strike="noStrike">
+                        <a:solidFill>
+                          <a:srgbClr val="000000"/>
+                        </a:solidFill>
+                        <a:effectLst/>
+                        <a:latin typeface="Calibri" panose="020F0502020204030204" pitchFamily="34" charset="0"/>
+                      </a:endParaRPr>
+                    </a:p>
+                  </a:txBody>
+                  <a:tcPr marL="7726" marR="7726" marT="7726" marB="0" anchor="b"/>
+                </a:tc>
+                <a:tc>
+                  <a:txBody>
+                    <a:bodyPr/>
+                    <a:lstStyle/>
+                    <a:p>
+                      <a:pPr algn="l" fontAlgn="b"/>
+                      <a:endParaRPr lang="en-US" sz="900" b="0" i="0" u="none" strike="noStrike">
+                        <a:solidFill>
+                          <a:srgbClr val="000000"/>
+                        </a:solidFill>
+                        <a:effectLst/>
+                        <a:latin typeface="Calibri" panose="020F0502020204030204" pitchFamily="34" charset="0"/>
+                      </a:endParaRPr>
+                    </a:p>
+                  </a:txBody>
+                  <a:tcPr marL="7726" marR="7726" marT="7726" marB="0" anchor="b"/>
+                </a:tc>
+                <a:tc>
+                  <a:txBody>
+                    <a:bodyPr/>
+                    <a:lstStyle/>
+                    <a:p>
+                      <a:pPr algn="l" fontAlgn="b"/>
+                      <a:endParaRPr lang="en-US" sz="900" b="0" i="0" u="none" strike="noStrike">
+                        <a:solidFill>
+                          <a:srgbClr val="000000"/>
+                        </a:solidFill>
+                        <a:effectLst/>
+                        <a:latin typeface="Calibri" panose="020F0502020204030204" pitchFamily="34" charset="0"/>
+                      </a:endParaRPr>
+                    </a:p>
+                  </a:txBody>
+                  <a:tcPr marL="7726" marR="7726" marT="7726" marB="0" anchor="b"/>
+                </a:tc>
+                <a:tc>
+                  <a:txBody>
+                    <a:bodyPr/>
+                    <a:lstStyle/>
+                    <a:p>
+                      <a:pPr algn="l" fontAlgn="b"/>
+                      <a:endParaRPr lang="en-US" sz="900" b="0" i="0" u="none" strike="noStrike">
+                        <a:solidFill>
+                          <a:srgbClr val="000000"/>
+                        </a:solidFill>
+                        <a:effectLst/>
+                        <a:latin typeface="Calibri" panose="020F0502020204030204" pitchFamily="34" charset="0"/>
+                      </a:endParaRPr>
+                    </a:p>
+                  </a:txBody>
+                  <a:tcPr marL="7726" marR="7726" marT="7726" marB="0" anchor="b"/>
+                </a:tc>
+                <a:tc>
+                  <a:txBody>
+                    <a:bodyPr/>
+                    <a:lstStyle/>
+                    <a:p>
+                      <a:pPr algn="l" fontAlgn="b"/>
+                      <a:endParaRPr lang="en-US" sz="900" b="0" i="0" u="none" strike="noStrike">
+                        <a:solidFill>
+                          <a:srgbClr val="000000"/>
+                        </a:solidFill>
+                        <a:effectLst/>
+                        <a:latin typeface="Calibri" panose="020F0502020204030204" pitchFamily="34" charset="0"/>
+                      </a:endParaRPr>
+                    </a:p>
+                  </a:txBody>
+                  <a:tcPr marL="7726" marR="7726" marT="7726" marB="0" anchor="b"/>
+                </a:tc>
+                <a:tc>
+                  <a:txBody>
+                    <a:bodyPr/>
+                    <a:lstStyle/>
+                    <a:p>
+                      <a:pPr algn="l" fontAlgn="b"/>
+                      <a:endParaRPr lang="en-US" sz="900" b="0" i="0" u="none" strike="noStrike">
+                        <a:solidFill>
+                          <a:srgbClr val="000000"/>
+                        </a:solidFill>
+                        <a:effectLst/>
+                        <a:latin typeface="Calibri" panose="020F0502020204030204" pitchFamily="34" charset="0"/>
+                      </a:endParaRPr>
+                    </a:p>
+                  </a:txBody>
+                  <a:tcPr marL="7726" marR="7726" marT="7726" marB="0" anchor="b"/>
+                </a:tc>
+                <a:tc>
+                  <a:txBody>
+                    <a:bodyPr/>
+                    <a:lstStyle/>
+                    <a:p>
+                      <a:pPr algn="l" fontAlgn="b"/>
+                      <a:endParaRPr lang="en-US" sz="900" b="0" i="0" u="none" strike="noStrike">
+                        <a:solidFill>
+                          <a:srgbClr val="000000"/>
+                        </a:solidFill>
+                        <a:effectLst/>
+                        <a:latin typeface="Calibri" panose="020F0502020204030204" pitchFamily="34" charset="0"/>
+                      </a:endParaRPr>
+                    </a:p>
+                  </a:txBody>
+                  <a:tcPr marL="7726" marR="7726" marT="7726" marB="0" anchor="b"/>
+                </a:tc>
+                <a:extLst>
+                  <a:ext uri="{0D108BD9-81ED-4DB2-BD59-A6C34878D82A}">
+                    <a16:rowId xmlns:a16="http://schemas.microsoft.com/office/drawing/2014/main" val="1213925307"/>
+                  </a:ext>
+                </a:extLst>
+              </a:tr>
+              <a:tr h="154525">
+                <a:tc>
+                  <a:txBody>
+                    <a:bodyPr/>
+                    <a:lstStyle/>
+                    <a:p>
+                      <a:pPr algn="l" fontAlgn="b"/>
+                      <a:endParaRPr lang="en-US" sz="900" b="0" i="0" u="none" strike="noStrike">
+                        <a:solidFill>
+                          <a:srgbClr val="000000"/>
+                        </a:solidFill>
+                        <a:effectLst/>
+                        <a:latin typeface="Calibri" panose="020F0502020204030204" pitchFamily="34" charset="0"/>
+                      </a:endParaRPr>
+                    </a:p>
+                  </a:txBody>
+                  <a:tcPr marL="7726" marR="7726" marT="7726" marB="0" anchor="b"/>
+                </a:tc>
+                <a:tc>
+                  <a:txBody>
+                    <a:bodyPr/>
+                    <a:lstStyle/>
+                    <a:p>
+                      <a:pPr algn="l" fontAlgn="b"/>
+                      <a:endParaRPr lang="en-US" sz="900" b="0" i="0" u="none" strike="noStrike">
+                        <a:solidFill>
+                          <a:srgbClr val="000000"/>
+                        </a:solidFill>
+                        <a:effectLst/>
+                        <a:latin typeface="Calibri" panose="020F0502020204030204" pitchFamily="34" charset="0"/>
+                      </a:endParaRPr>
+                    </a:p>
+                  </a:txBody>
+                  <a:tcPr marL="7726" marR="7726" marT="7726" marB="0" anchor="b"/>
+                </a:tc>
+                <a:tc>
+                  <a:txBody>
+                    <a:bodyPr/>
+                    <a:lstStyle/>
+                    <a:p>
+                      <a:pPr algn="l" fontAlgn="b"/>
+                      <a:endParaRPr lang="en-US" sz="900" b="0" i="0" u="none" strike="noStrike">
+                        <a:solidFill>
+                          <a:srgbClr val="000000"/>
+                        </a:solidFill>
+                        <a:effectLst/>
+                        <a:latin typeface="Calibri" panose="020F0502020204030204" pitchFamily="34" charset="0"/>
+                      </a:endParaRPr>
+                    </a:p>
+                  </a:txBody>
+                  <a:tcPr marL="7726" marR="7726" marT="7726" marB="0" anchor="b"/>
+                </a:tc>
+                <a:tc>
+                  <a:txBody>
+                    <a:bodyPr/>
+                    <a:lstStyle/>
+                    <a:p>
+                      <a:pPr algn="l" fontAlgn="b"/>
+                      <a:endParaRPr lang="en-US" sz="900" b="0" i="0" u="none" strike="noStrike">
+                        <a:solidFill>
+                          <a:srgbClr val="000000"/>
+                        </a:solidFill>
+                        <a:effectLst/>
+                        <a:latin typeface="Calibri" panose="020F0502020204030204" pitchFamily="34" charset="0"/>
+                      </a:endParaRPr>
+                    </a:p>
+                  </a:txBody>
+                  <a:tcPr marL="7726" marR="7726" marT="7726" marB="0" anchor="b"/>
+                </a:tc>
+                <a:tc>
+                  <a:txBody>
+                    <a:bodyPr/>
+                    <a:lstStyle/>
+                    <a:p>
+                      <a:pPr algn="l" fontAlgn="b"/>
+                      <a:endParaRPr lang="en-US" sz="900" b="0" i="0" u="none" strike="noStrike">
+                        <a:solidFill>
+                          <a:srgbClr val="000000"/>
+                        </a:solidFill>
+                        <a:effectLst/>
+                        <a:latin typeface="Calibri" panose="020F0502020204030204" pitchFamily="34" charset="0"/>
+                      </a:endParaRPr>
+                    </a:p>
+                  </a:txBody>
+                  <a:tcPr marL="7726" marR="7726" marT="7726" marB="0" anchor="b"/>
+                </a:tc>
+                <a:tc>
+                  <a:txBody>
+                    <a:bodyPr/>
+                    <a:lstStyle/>
+                    <a:p>
+                      <a:pPr algn="l" fontAlgn="b"/>
+                      <a:endParaRPr lang="en-US" sz="900" b="0" i="0" u="none" strike="noStrike">
+                        <a:solidFill>
+                          <a:srgbClr val="000000"/>
+                        </a:solidFill>
+                        <a:effectLst/>
+                        <a:latin typeface="Calibri" panose="020F0502020204030204" pitchFamily="34" charset="0"/>
+                      </a:endParaRPr>
+                    </a:p>
+                  </a:txBody>
+                  <a:tcPr marL="7726" marR="7726" marT="7726" marB="0" anchor="b"/>
+                </a:tc>
+                <a:tc>
+                  <a:txBody>
+                    <a:bodyPr/>
+                    <a:lstStyle/>
+                    <a:p>
+                      <a:pPr algn="l" fontAlgn="b"/>
+                      <a:endParaRPr lang="en-US" sz="900" b="0" i="0" u="none" strike="noStrike">
+                        <a:solidFill>
+                          <a:srgbClr val="000000"/>
+                        </a:solidFill>
+                        <a:effectLst/>
+                        <a:latin typeface="Calibri" panose="020F0502020204030204" pitchFamily="34" charset="0"/>
+                      </a:endParaRPr>
+                    </a:p>
+                  </a:txBody>
+                  <a:tcPr marL="7726" marR="7726" marT="7726" marB="0" anchor="b"/>
+                </a:tc>
+                <a:tc>
+                  <a:txBody>
+                    <a:bodyPr/>
+                    <a:lstStyle/>
+                    <a:p>
+                      <a:pPr algn="l" fontAlgn="b"/>
+                      <a:endParaRPr lang="en-US" sz="900" b="0" i="0" u="none" strike="noStrike">
+                        <a:solidFill>
+                          <a:srgbClr val="000000"/>
+                        </a:solidFill>
+                        <a:effectLst/>
+                        <a:latin typeface="Calibri" panose="020F0502020204030204" pitchFamily="34" charset="0"/>
+                      </a:endParaRPr>
+                    </a:p>
+                  </a:txBody>
+                  <a:tcPr marL="7726" marR="7726" marT="7726" marB="0" anchor="b"/>
+                </a:tc>
+                <a:tc>
+                  <a:txBody>
+                    <a:bodyPr/>
+                    <a:lstStyle/>
+                    <a:p>
+                      <a:pPr algn="l" fontAlgn="b"/>
+                      <a:endParaRPr lang="en-US" sz="900" b="0" i="0" u="none" strike="noStrike">
+                        <a:solidFill>
+                          <a:srgbClr val="000000"/>
+                        </a:solidFill>
+                        <a:effectLst/>
+                        <a:latin typeface="Calibri" panose="020F0502020204030204" pitchFamily="34" charset="0"/>
+                      </a:endParaRPr>
+                    </a:p>
+                  </a:txBody>
+                  <a:tcPr marL="7726" marR="7726" marT="7726" marB="0" anchor="b"/>
+                </a:tc>
+                <a:extLst>
+                  <a:ext uri="{0D108BD9-81ED-4DB2-BD59-A6C34878D82A}">
+                    <a16:rowId xmlns:a16="http://schemas.microsoft.com/office/drawing/2014/main" val="1288456665"/>
+                  </a:ext>
+                </a:extLst>
+              </a:tr>
+              <a:tr h="162251">
+                <a:tc>
+                  <a:txBody>
+                    <a:bodyPr/>
+                    <a:lstStyle/>
+                    <a:p>
+                      <a:pPr algn="l" fontAlgn="b"/>
+                      <a:r>
+                        <a:rPr lang="en-US" sz="900" u="none" strike="noStrike">
+                          <a:effectLst/>
+                        </a:rPr>
+                        <a:t>ANOVA</a:t>
+                      </a:r>
+                      <a:endParaRPr lang="en-US" sz="900" b="0" i="0" u="none" strike="noStrike">
+                        <a:solidFill>
+                          <a:srgbClr val="000000"/>
+                        </a:solidFill>
+                        <a:effectLst/>
+                        <a:latin typeface="Calibri" panose="020F0502020204030204" pitchFamily="34" charset="0"/>
+                      </a:endParaRPr>
+                    </a:p>
+                  </a:txBody>
+                  <a:tcPr marL="7726" marR="7726" marT="7726" marB="0" anchor="b"/>
+                </a:tc>
+                <a:tc>
+                  <a:txBody>
+                    <a:bodyPr/>
+                    <a:lstStyle/>
+                    <a:p>
+                      <a:pPr algn="l" fontAlgn="b"/>
+                      <a:endParaRPr lang="en-US" sz="900" b="0" i="0" u="none" strike="noStrike">
+                        <a:solidFill>
+                          <a:srgbClr val="000000"/>
+                        </a:solidFill>
+                        <a:effectLst/>
+                        <a:latin typeface="Calibri" panose="020F0502020204030204" pitchFamily="34" charset="0"/>
+                      </a:endParaRPr>
+                    </a:p>
+                  </a:txBody>
+                  <a:tcPr marL="7726" marR="7726" marT="7726" marB="0" anchor="b"/>
+                </a:tc>
+                <a:tc>
+                  <a:txBody>
+                    <a:bodyPr/>
+                    <a:lstStyle/>
+                    <a:p>
+                      <a:pPr algn="l" fontAlgn="b"/>
+                      <a:endParaRPr lang="en-US" sz="900" b="0" i="0" u="none" strike="noStrike">
+                        <a:solidFill>
+                          <a:srgbClr val="000000"/>
+                        </a:solidFill>
+                        <a:effectLst/>
+                        <a:latin typeface="Calibri" panose="020F0502020204030204" pitchFamily="34" charset="0"/>
+                      </a:endParaRPr>
+                    </a:p>
+                  </a:txBody>
+                  <a:tcPr marL="7726" marR="7726" marT="7726" marB="0" anchor="b"/>
+                </a:tc>
+                <a:tc>
+                  <a:txBody>
+                    <a:bodyPr/>
+                    <a:lstStyle/>
+                    <a:p>
+                      <a:pPr algn="l" fontAlgn="b"/>
+                      <a:endParaRPr lang="en-US" sz="900" b="0" i="0" u="none" strike="noStrike">
+                        <a:solidFill>
+                          <a:srgbClr val="000000"/>
+                        </a:solidFill>
+                        <a:effectLst/>
+                        <a:latin typeface="Calibri" panose="020F0502020204030204" pitchFamily="34" charset="0"/>
+                      </a:endParaRPr>
+                    </a:p>
+                  </a:txBody>
+                  <a:tcPr marL="7726" marR="7726" marT="7726" marB="0" anchor="b"/>
+                </a:tc>
+                <a:tc>
+                  <a:txBody>
+                    <a:bodyPr/>
+                    <a:lstStyle/>
+                    <a:p>
+                      <a:pPr algn="l" fontAlgn="b"/>
+                      <a:endParaRPr lang="en-US" sz="900" b="0" i="0" u="none" strike="noStrike">
+                        <a:solidFill>
+                          <a:srgbClr val="000000"/>
+                        </a:solidFill>
+                        <a:effectLst/>
+                        <a:latin typeface="Calibri" panose="020F0502020204030204" pitchFamily="34" charset="0"/>
+                      </a:endParaRPr>
+                    </a:p>
+                  </a:txBody>
+                  <a:tcPr marL="7726" marR="7726" marT="7726" marB="0" anchor="b"/>
+                </a:tc>
+                <a:tc>
+                  <a:txBody>
+                    <a:bodyPr/>
+                    <a:lstStyle/>
+                    <a:p>
+                      <a:pPr algn="l" fontAlgn="b"/>
+                      <a:endParaRPr lang="en-US" sz="900" b="0" i="0" u="none" strike="noStrike">
+                        <a:solidFill>
+                          <a:srgbClr val="000000"/>
+                        </a:solidFill>
+                        <a:effectLst/>
+                        <a:latin typeface="Calibri" panose="020F0502020204030204" pitchFamily="34" charset="0"/>
+                      </a:endParaRPr>
+                    </a:p>
+                  </a:txBody>
+                  <a:tcPr marL="7726" marR="7726" marT="7726" marB="0" anchor="b"/>
+                </a:tc>
+                <a:tc>
+                  <a:txBody>
+                    <a:bodyPr/>
+                    <a:lstStyle/>
+                    <a:p>
+                      <a:pPr algn="l" fontAlgn="b"/>
+                      <a:endParaRPr lang="en-US" sz="900" b="0" i="0" u="none" strike="noStrike">
+                        <a:solidFill>
+                          <a:srgbClr val="000000"/>
+                        </a:solidFill>
+                        <a:effectLst/>
+                        <a:latin typeface="Calibri" panose="020F0502020204030204" pitchFamily="34" charset="0"/>
+                      </a:endParaRPr>
+                    </a:p>
+                  </a:txBody>
+                  <a:tcPr marL="7726" marR="7726" marT="7726" marB="0" anchor="b"/>
+                </a:tc>
+                <a:tc>
+                  <a:txBody>
+                    <a:bodyPr/>
+                    <a:lstStyle/>
+                    <a:p>
+                      <a:pPr algn="l" fontAlgn="b"/>
+                      <a:endParaRPr lang="en-US" sz="900" b="0" i="0" u="none" strike="noStrike">
+                        <a:solidFill>
+                          <a:srgbClr val="000000"/>
+                        </a:solidFill>
+                        <a:effectLst/>
+                        <a:latin typeface="Calibri" panose="020F0502020204030204" pitchFamily="34" charset="0"/>
+                      </a:endParaRPr>
+                    </a:p>
+                  </a:txBody>
+                  <a:tcPr marL="7726" marR="7726" marT="7726" marB="0" anchor="b"/>
+                </a:tc>
+                <a:tc>
+                  <a:txBody>
+                    <a:bodyPr/>
+                    <a:lstStyle/>
+                    <a:p>
+                      <a:pPr algn="l" fontAlgn="b"/>
+                      <a:endParaRPr lang="en-US" sz="900" b="0" i="0" u="none" strike="noStrike">
+                        <a:solidFill>
+                          <a:srgbClr val="000000"/>
+                        </a:solidFill>
+                        <a:effectLst/>
+                        <a:latin typeface="Calibri" panose="020F0502020204030204" pitchFamily="34" charset="0"/>
+                      </a:endParaRPr>
+                    </a:p>
+                  </a:txBody>
+                  <a:tcPr marL="7726" marR="7726" marT="7726" marB="0" anchor="b"/>
+                </a:tc>
+                <a:extLst>
+                  <a:ext uri="{0D108BD9-81ED-4DB2-BD59-A6C34878D82A}">
+                    <a16:rowId xmlns:a16="http://schemas.microsoft.com/office/drawing/2014/main" val="340151274"/>
+                  </a:ext>
+                </a:extLst>
+              </a:tr>
+              <a:tr h="279690">
+                <a:tc>
+                  <a:txBody>
+                    <a:bodyPr/>
+                    <a:lstStyle/>
+                    <a:p>
+                      <a:pPr algn="ctr" fontAlgn="b"/>
+                      <a:r>
+                        <a:rPr lang="en-US" sz="900" u="none" strike="noStrike">
+                          <a:effectLst/>
+                        </a:rPr>
+                        <a:t> </a:t>
+                      </a:r>
+                      <a:endParaRPr lang="en-US" sz="900" b="0" i="1" u="none" strike="noStrike">
+                        <a:solidFill>
+                          <a:srgbClr val="000000"/>
+                        </a:solidFill>
+                        <a:effectLst/>
+                        <a:latin typeface="Calibri" panose="020F0502020204030204" pitchFamily="34" charset="0"/>
+                      </a:endParaRPr>
+                    </a:p>
+                  </a:txBody>
+                  <a:tcPr marL="7726" marR="7726" marT="7726" marB="0" anchor="b"/>
+                </a:tc>
+                <a:tc>
+                  <a:txBody>
+                    <a:bodyPr/>
+                    <a:lstStyle/>
+                    <a:p>
+                      <a:pPr algn="ctr" fontAlgn="b"/>
+                      <a:r>
+                        <a:rPr lang="en-US" sz="900" u="none" strike="noStrike">
+                          <a:effectLst/>
+                        </a:rPr>
+                        <a:t>df</a:t>
+                      </a:r>
+                      <a:endParaRPr lang="en-US" sz="900" b="0" i="1" u="none" strike="noStrike">
+                        <a:solidFill>
+                          <a:srgbClr val="000000"/>
+                        </a:solidFill>
+                        <a:effectLst/>
+                        <a:latin typeface="Calibri" panose="020F0502020204030204" pitchFamily="34" charset="0"/>
+                      </a:endParaRPr>
+                    </a:p>
+                  </a:txBody>
+                  <a:tcPr marL="7726" marR="7726" marT="7726" marB="0" anchor="b"/>
+                </a:tc>
+                <a:tc>
+                  <a:txBody>
+                    <a:bodyPr/>
+                    <a:lstStyle/>
+                    <a:p>
+                      <a:pPr algn="ctr" fontAlgn="b"/>
+                      <a:r>
+                        <a:rPr lang="en-US" sz="900" u="none" strike="noStrike">
+                          <a:effectLst/>
+                        </a:rPr>
+                        <a:t>SS</a:t>
+                      </a:r>
+                      <a:endParaRPr lang="en-US" sz="900" b="0" i="1" u="none" strike="noStrike">
+                        <a:solidFill>
+                          <a:srgbClr val="000000"/>
+                        </a:solidFill>
+                        <a:effectLst/>
+                        <a:latin typeface="Calibri" panose="020F0502020204030204" pitchFamily="34" charset="0"/>
+                      </a:endParaRPr>
+                    </a:p>
+                  </a:txBody>
+                  <a:tcPr marL="7726" marR="7726" marT="7726" marB="0" anchor="b"/>
+                </a:tc>
+                <a:tc>
+                  <a:txBody>
+                    <a:bodyPr/>
+                    <a:lstStyle/>
+                    <a:p>
+                      <a:pPr algn="ctr" fontAlgn="b"/>
+                      <a:r>
+                        <a:rPr lang="en-US" sz="900" u="none" strike="noStrike">
+                          <a:effectLst/>
+                        </a:rPr>
+                        <a:t>MS</a:t>
+                      </a:r>
+                      <a:endParaRPr lang="en-US" sz="900" b="0" i="1" u="none" strike="noStrike">
+                        <a:solidFill>
+                          <a:srgbClr val="000000"/>
+                        </a:solidFill>
+                        <a:effectLst/>
+                        <a:latin typeface="Calibri" panose="020F0502020204030204" pitchFamily="34" charset="0"/>
+                      </a:endParaRPr>
+                    </a:p>
+                  </a:txBody>
+                  <a:tcPr marL="7726" marR="7726" marT="7726" marB="0" anchor="b"/>
+                </a:tc>
+                <a:tc>
+                  <a:txBody>
+                    <a:bodyPr/>
+                    <a:lstStyle/>
+                    <a:p>
+                      <a:pPr algn="ctr" fontAlgn="b"/>
+                      <a:r>
+                        <a:rPr lang="en-US" sz="900" u="none" strike="noStrike">
+                          <a:effectLst/>
+                        </a:rPr>
+                        <a:t>F</a:t>
+                      </a:r>
+                      <a:endParaRPr lang="en-US" sz="900" b="0" i="1" u="none" strike="noStrike">
+                        <a:solidFill>
+                          <a:srgbClr val="000000"/>
+                        </a:solidFill>
+                        <a:effectLst/>
+                        <a:latin typeface="Calibri" panose="020F0502020204030204" pitchFamily="34" charset="0"/>
+                      </a:endParaRPr>
+                    </a:p>
+                  </a:txBody>
+                  <a:tcPr marL="7726" marR="7726" marT="7726" marB="0" anchor="b"/>
+                </a:tc>
+                <a:tc>
+                  <a:txBody>
+                    <a:bodyPr/>
+                    <a:lstStyle/>
+                    <a:p>
+                      <a:pPr algn="ctr" fontAlgn="b"/>
+                      <a:r>
+                        <a:rPr lang="en-US" sz="900" u="none" strike="noStrike">
+                          <a:effectLst/>
+                        </a:rPr>
+                        <a:t>Significance F</a:t>
+                      </a:r>
+                      <a:endParaRPr lang="en-US" sz="900" b="0" i="1" u="none" strike="noStrike">
+                        <a:solidFill>
+                          <a:srgbClr val="000000"/>
+                        </a:solidFill>
+                        <a:effectLst/>
+                        <a:latin typeface="Calibri" panose="020F0502020204030204" pitchFamily="34" charset="0"/>
+                      </a:endParaRPr>
+                    </a:p>
+                  </a:txBody>
+                  <a:tcPr marL="7726" marR="7726" marT="7726" marB="0" anchor="b"/>
+                </a:tc>
+                <a:tc>
+                  <a:txBody>
+                    <a:bodyPr/>
+                    <a:lstStyle/>
+                    <a:p>
+                      <a:pPr algn="l" fontAlgn="b"/>
+                      <a:endParaRPr lang="en-US" sz="900" b="0" i="0" u="none" strike="noStrike">
+                        <a:solidFill>
+                          <a:srgbClr val="000000"/>
+                        </a:solidFill>
+                        <a:effectLst/>
+                        <a:latin typeface="Calibri" panose="020F0502020204030204" pitchFamily="34" charset="0"/>
+                      </a:endParaRPr>
+                    </a:p>
+                  </a:txBody>
+                  <a:tcPr marL="7726" marR="7726" marT="7726" marB="0" anchor="b"/>
+                </a:tc>
+                <a:tc>
+                  <a:txBody>
+                    <a:bodyPr/>
+                    <a:lstStyle/>
+                    <a:p>
+                      <a:pPr algn="l" fontAlgn="b"/>
+                      <a:endParaRPr lang="en-US" sz="900" b="0" i="0" u="none" strike="noStrike">
+                        <a:solidFill>
+                          <a:srgbClr val="000000"/>
+                        </a:solidFill>
+                        <a:effectLst/>
+                        <a:latin typeface="Calibri" panose="020F0502020204030204" pitchFamily="34" charset="0"/>
+                      </a:endParaRPr>
+                    </a:p>
+                  </a:txBody>
+                  <a:tcPr marL="7726" marR="7726" marT="7726" marB="0" anchor="b"/>
+                </a:tc>
+                <a:tc>
+                  <a:txBody>
+                    <a:bodyPr/>
+                    <a:lstStyle/>
+                    <a:p>
+                      <a:pPr algn="l" fontAlgn="b"/>
+                      <a:endParaRPr lang="en-US" sz="900" b="0" i="0" u="none" strike="noStrike">
+                        <a:solidFill>
+                          <a:srgbClr val="000000"/>
+                        </a:solidFill>
+                        <a:effectLst/>
+                        <a:latin typeface="Calibri" panose="020F0502020204030204" pitchFamily="34" charset="0"/>
+                      </a:endParaRPr>
+                    </a:p>
+                  </a:txBody>
+                  <a:tcPr marL="7726" marR="7726" marT="7726" marB="0" anchor="b"/>
+                </a:tc>
+                <a:extLst>
+                  <a:ext uri="{0D108BD9-81ED-4DB2-BD59-A6C34878D82A}">
+                    <a16:rowId xmlns:a16="http://schemas.microsoft.com/office/drawing/2014/main" val="1353447915"/>
+                  </a:ext>
+                </a:extLst>
+              </a:tr>
+              <a:tr h="154525">
+                <a:tc>
+                  <a:txBody>
+                    <a:bodyPr/>
+                    <a:lstStyle/>
+                    <a:p>
+                      <a:pPr algn="l" fontAlgn="b"/>
+                      <a:r>
+                        <a:rPr lang="en-US" sz="900" u="none" strike="noStrike">
+                          <a:effectLst/>
+                        </a:rPr>
+                        <a:t>Regression</a:t>
+                      </a:r>
+                      <a:endParaRPr lang="en-US" sz="900" b="0" i="0" u="none" strike="noStrike">
+                        <a:solidFill>
+                          <a:srgbClr val="000000"/>
+                        </a:solidFill>
+                        <a:effectLst/>
+                        <a:latin typeface="Calibri" panose="020F0502020204030204" pitchFamily="34" charset="0"/>
+                      </a:endParaRPr>
+                    </a:p>
+                  </a:txBody>
+                  <a:tcPr marL="7726" marR="7726" marT="7726" marB="0" anchor="b"/>
+                </a:tc>
+                <a:tc>
+                  <a:txBody>
+                    <a:bodyPr/>
+                    <a:lstStyle/>
+                    <a:p>
+                      <a:pPr algn="r" fontAlgn="b"/>
+                      <a:r>
+                        <a:rPr lang="en-US" sz="900" u="none" strike="noStrike">
+                          <a:effectLst/>
+                        </a:rPr>
+                        <a:t>4</a:t>
+                      </a:r>
+                      <a:endParaRPr lang="en-US" sz="900" b="0" i="0" u="none" strike="noStrike">
+                        <a:solidFill>
+                          <a:srgbClr val="000000"/>
+                        </a:solidFill>
+                        <a:effectLst/>
+                        <a:latin typeface="Calibri" panose="020F0502020204030204" pitchFamily="34" charset="0"/>
+                      </a:endParaRPr>
+                    </a:p>
+                  </a:txBody>
+                  <a:tcPr marL="7726" marR="7726" marT="7726" marB="0" anchor="b"/>
+                </a:tc>
+                <a:tc>
+                  <a:txBody>
+                    <a:bodyPr/>
+                    <a:lstStyle/>
+                    <a:p>
+                      <a:pPr algn="r" fontAlgn="b"/>
+                      <a:r>
+                        <a:rPr lang="en-US" sz="900" u="none" strike="noStrike">
+                          <a:effectLst/>
+                        </a:rPr>
+                        <a:t>10210512</a:t>
+                      </a:r>
+                      <a:endParaRPr lang="en-US" sz="900" b="0" i="0" u="none" strike="noStrike">
+                        <a:solidFill>
+                          <a:srgbClr val="000000"/>
+                        </a:solidFill>
+                        <a:effectLst/>
+                        <a:latin typeface="Calibri" panose="020F0502020204030204" pitchFamily="34" charset="0"/>
+                      </a:endParaRPr>
+                    </a:p>
+                  </a:txBody>
+                  <a:tcPr marL="7726" marR="7726" marT="7726" marB="0" anchor="b"/>
+                </a:tc>
+                <a:tc>
+                  <a:txBody>
+                    <a:bodyPr/>
+                    <a:lstStyle/>
+                    <a:p>
+                      <a:pPr algn="r" fontAlgn="b"/>
+                      <a:r>
+                        <a:rPr lang="en-US" sz="900" u="none" strike="noStrike">
+                          <a:effectLst/>
+                        </a:rPr>
+                        <a:t>2552628</a:t>
+                      </a:r>
+                      <a:endParaRPr lang="en-US" sz="900" b="0" i="0" u="none" strike="noStrike">
+                        <a:solidFill>
+                          <a:srgbClr val="000000"/>
+                        </a:solidFill>
+                        <a:effectLst/>
+                        <a:latin typeface="Calibri" panose="020F0502020204030204" pitchFamily="34" charset="0"/>
+                      </a:endParaRPr>
+                    </a:p>
+                  </a:txBody>
+                  <a:tcPr marL="7726" marR="7726" marT="7726" marB="0" anchor="b"/>
+                </a:tc>
+                <a:tc>
+                  <a:txBody>
+                    <a:bodyPr/>
+                    <a:lstStyle/>
+                    <a:p>
+                      <a:pPr algn="r" fontAlgn="b"/>
+                      <a:r>
+                        <a:rPr lang="en-US" sz="900" u="none" strike="noStrike">
+                          <a:effectLst/>
+                        </a:rPr>
+                        <a:t>5722.737</a:t>
+                      </a:r>
+                      <a:endParaRPr lang="en-US" sz="900" b="0" i="0" u="none" strike="noStrike">
+                        <a:solidFill>
+                          <a:srgbClr val="000000"/>
+                        </a:solidFill>
+                        <a:effectLst/>
+                        <a:latin typeface="Calibri" panose="020F0502020204030204" pitchFamily="34" charset="0"/>
+                      </a:endParaRPr>
+                    </a:p>
+                  </a:txBody>
+                  <a:tcPr marL="7726" marR="7726" marT="7726" marB="0" anchor="b"/>
+                </a:tc>
+                <a:tc>
+                  <a:txBody>
+                    <a:bodyPr/>
+                    <a:lstStyle/>
+                    <a:p>
+                      <a:pPr algn="r" fontAlgn="b"/>
+                      <a:r>
+                        <a:rPr lang="en-US" sz="900" u="none" strike="noStrike">
+                          <a:effectLst/>
+                        </a:rPr>
+                        <a:t>0</a:t>
+                      </a:r>
+                      <a:endParaRPr lang="en-US" sz="900" b="0" i="0" u="none" strike="noStrike">
+                        <a:solidFill>
+                          <a:srgbClr val="000000"/>
+                        </a:solidFill>
+                        <a:effectLst/>
+                        <a:latin typeface="Calibri" panose="020F0502020204030204" pitchFamily="34" charset="0"/>
+                      </a:endParaRPr>
+                    </a:p>
+                  </a:txBody>
+                  <a:tcPr marL="7726" marR="7726" marT="7726" marB="0" anchor="b"/>
+                </a:tc>
+                <a:tc>
+                  <a:txBody>
+                    <a:bodyPr/>
+                    <a:lstStyle/>
+                    <a:p>
+                      <a:pPr algn="l" fontAlgn="b"/>
+                      <a:endParaRPr lang="en-US" sz="900" b="0" i="0" u="none" strike="noStrike">
+                        <a:solidFill>
+                          <a:srgbClr val="000000"/>
+                        </a:solidFill>
+                        <a:effectLst/>
+                        <a:latin typeface="Calibri" panose="020F0502020204030204" pitchFamily="34" charset="0"/>
+                      </a:endParaRPr>
+                    </a:p>
+                  </a:txBody>
+                  <a:tcPr marL="7726" marR="7726" marT="7726" marB="0" anchor="b"/>
+                </a:tc>
+                <a:tc>
+                  <a:txBody>
+                    <a:bodyPr/>
+                    <a:lstStyle/>
+                    <a:p>
+                      <a:pPr algn="l" fontAlgn="b"/>
+                      <a:endParaRPr lang="en-US" sz="900" b="0" i="0" u="none" strike="noStrike">
+                        <a:solidFill>
+                          <a:srgbClr val="000000"/>
+                        </a:solidFill>
+                        <a:effectLst/>
+                        <a:latin typeface="Calibri" panose="020F0502020204030204" pitchFamily="34" charset="0"/>
+                      </a:endParaRPr>
+                    </a:p>
+                  </a:txBody>
+                  <a:tcPr marL="7726" marR="7726" marT="7726" marB="0" anchor="b"/>
+                </a:tc>
+                <a:tc>
+                  <a:txBody>
+                    <a:bodyPr/>
+                    <a:lstStyle/>
+                    <a:p>
+                      <a:pPr algn="l" fontAlgn="b"/>
+                      <a:endParaRPr lang="en-US" sz="900" b="0" i="0" u="none" strike="noStrike">
+                        <a:solidFill>
+                          <a:srgbClr val="000000"/>
+                        </a:solidFill>
+                        <a:effectLst/>
+                        <a:latin typeface="Calibri" panose="020F0502020204030204" pitchFamily="34" charset="0"/>
+                      </a:endParaRPr>
+                    </a:p>
+                  </a:txBody>
+                  <a:tcPr marL="7726" marR="7726" marT="7726" marB="0" anchor="b"/>
+                </a:tc>
+                <a:extLst>
+                  <a:ext uri="{0D108BD9-81ED-4DB2-BD59-A6C34878D82A}">
+                    <a16:rowId xmlns:a16="http://schemas.microsoft.com/office/drawing/2014/main" val="1782846307"/>
+                  </a:ext>
+                </a:extLst>
+              </a:tr>
+              <a:tr h="154525">
+                <a:tc>
+                  <a:txBody>
+                    <a:bodyPr/>
+                    <a:lstStyle/>
+                    <a:p>
+                      <a:pPr algn="l" fontAlgn="b"/>
+                      <a:r>
+                        <a:rPr lang="en-US" sz="900" u="none" strike="noStrike">
+                          <a:effectLst/>
+                        </a:rPr>
+                        <a:t>Residual</a:t>
+                      </a:r>
+                      <a:endParaRPr lang="en-US" sz="900" b="0" i="0" u="none" strike="noStrike">
+                        <a:solidFill>
+                          <a:srgbClr val="000000"/>
+                        </a:solidFill>
+                        <a:effectLst/>
+                        <a:latin typeface="Calibri" panose="020F0502020204030204" pitchFamily="34" charset="0"/>
+                      </a:endParaRPr>
+                    </a:p>
+                  </a:txBody>
+                  <a:tcPr marL="7726" marR="7726" marT="7726" marB="0" anchor="b"/>
+                </a:tc>
+                <a:tc>
+                  <a:txBody>
+                    <a:bodyPr/>
+                    <a:lstStyle/>
+                    <a:p>
+                      <a:pPr algn="r" fontAlgn="b"/>
+                      <a:r>
+                        <a:rPr lang="en-US" sz="900" u="none" strike="noStrike">
+                          <a:effectLst/>
+                        </a:rPr>
+                        <a:t>495</a:t>
+                      </a:r>
+                      <a:endParaRPr lang="en-US" sz="900" b="0" i="0" u="none" strike="noStrike">
+                        <a:solidFill>
+                          <a:srgbClr val="000000"/>
+                        </a:solidFill>
+                        <a:effectLst/>
+                        <a:latin typeface="Calibri" panose="020F0502020204030204" pitchFamily="34" charset="0"/>
+                      </a:endParaRPr>
+                    </a:p>
+                  </a:txBody>
+                  <a:tcPr marL="7726" marR="7726" marT="7726" marB="0" anchor="b"/>
+                </a:tc>
+                <a:tc>
+                  <a:txBody>
+                    <a:bodyPr/>
+                    <a:lstStyle/>
+                    <a:p>
+                      <a:pPr algn="r" fontAlgn="b"/>
+                      <a:r>
+                        <a:rPr lang="en-US" sz="900" u="none" strike="noStrike">
+                          <a:effectLst/>
+                        </a:rPr>
+                        <a:t>220794.9</a:t>
+                      </a:r>
+                      <a:endParaRPr lang="en-US" sz="900" b="0" i="0" u="none" strike="noStrike">
+                        <a:solidFill>
+                          <a:srgbClr val="000000"/>
+                        </a:solidFill>
+                        <a:effectLst/>
+                        <a:latin typeface="Calibri" panose="020F0502020204030204" pitchFamily="34" charset="0"/>
+                      </a:endParaRPr>
+                    </a:p>
+                  </a:txBody>
+                  <a:tcPr marL="7726" marR="7726" marT="7726" marB="0" anchor="b"/>
+                </a:tc>
+                <a:tc>
+                  <a:txBody>
+                    <a:bodyPr/>
+                    <a:lstStyle/>
+                    <a:p>
+                      <a:pPr algn="r" fontAlgn="b"/>
+                      <a:r>
+                        <a:rPr lang="en-US" sz="900" u="none" strike="noStrike">
+                          <a:effectLst/>
+                        </a:rPr>
+                        <a:t>446.0502</a:t>
+                      </a:r>
+                      <a:endParaRPr lang="en-US" sz="900" b="0" i="0" u="none" strike="noStrike">
+                        <a:solidFill>
+                          <a:srgbClr val="000000"/>
+                        </a:solidFill>
+                        <a:effectLst/>
+                        <a:latin typeface="Calibri" panose="020F0502020204030204" pitchFamily="34" charset="0"/>
+                      </a:endParaRPr>
+                    </a:p>
+                  </a:txBody>
+                  <a:tcPr marL="7726" marR="7726" marT="7726" marB="0" anchor="b"/>
+                </a:tc>
+                <a:tc>
+                  <a:txBody>
+                    <a:bodyPr/>
+                    <a:lstStyle/>
+                    <a:p>
+                      <a:pPr algn="l" fontAlgn="b"/>
+                      <a:endParaRPr lang="en-US" sz="900" b="0" i="0" u="none" strike="noStrike">
+                        <a:solidFill>
+                          <a:srgbClr val="000000"/>
+                        </a:solidFill>
+                        <a:effectLst/>
+                        <a:latin typeface="Calibri" panose="020F0502020204030204" pitchFamily="34" charset="0"/>
+                      </a:endParaRPr>
+                    </a:p>
+                  </a:txBody>
+                  <a:tcPr marL="7726" marR="7726" marT="7726" marB="0" anchor="b"/>
+                </a:tc>
+                <a:tc>
+                  <a:txBody>
+                    <a:bodyPr/>
+                    <a:lstStyle/>
+                    <a:p>
+                      <a:pPr algn="l" fontAlgn="b"/>
+                      <a:endParaRPr lang="en-US" sz="900" b="0" i="0" u="none" strike="noStrike">
+                        <a:solidFill>
+                          <a:srgbClr val="000000"/>
+                        </a:solidFill>
+                        <a:effectLst/>
+                        <a:latin typeface="Calibri" panose="020F0502020204030204" pitchFamily="34" charset="0"/>
+                      </a:endParaRPr>
+                    </a:p>
+                  </a:txBody>
+                  <a:tcPr marL="7726" marR="7726" marT="7726" marB="0" anchor="b"/>
+                </a:tc>
+                <a:tc>
+                  <a:txBody>
+                    <a:bodyPr/>
+                    <a:lstStyle/>
+                    <a:p>
+                      <a:pPr algn="l" fontAlgn="b"/>
+                      <a:endParaRPr lang="en-US" sz="900" b="0" i="0" u="none" strike="noStrike">
+                        <a:solidFill>
+                          <a:srgbClr val="000000"/>
+                        </a:solidFill>
+                        <a:effectLst/>
+                        <a:latin typeface="Calibri" panose="020F0502020204030204" pitchFamily="34" charset="0"/>
+                      </a:endParaRPr>
+                    </a:p>
+                  </a:txBody>
+                  <a:tcPr marL="7726" marR="7726" marT="7726" marB="0" anchor="b"/>
+                </a:tc>
+                <a:tc>
+                  <a:txBody>
+                    <a:bodyPr/>
+                    <a:lstStyle/>
+                    <a:p>
+                      <a:pPr algn="l" fontAlgn="b"/>
+                      <a:endParaRPr lang="en-US" sz="900" b="0" i="0" u="none" strike="noStrike">
+                        <a:solidFill>
+                          <a:srgbClr val="000000"/>
+                        </a:solidFill>
+                        <a:effectLst/>
+                        <a:latin typeface="Calibri" panose="020F0502020204030204" pitchFamily="34" charset="0"/>
+                      </a:endParaRPr>
+                    </a:p>
+                  </a:txBody>
+                  <a:tcPr marL="7726" marR="7726" marT="7726" marB="0" anchor="b"/>
+                </a:tc>
+                <a:tc>
+                  <a:txBody>
+                    <a:bodyPr/>
+                    <a:lstStyle/>
+                    <a:p>
+                      <a:pPr algn="l" fontAlgn="b"/>
+                      <a:endParaRPr lang="en-US" sz="900" b="0" i="0" u="none" strike="noStrike">
+                        <a:solidFill>
+                          <a:srgbClr val="000000"/>
+                        </a:solidFill>
+                        <a:effectLst/>
+                        <a:latin typeface="Calibri" panose="020F0502020204030204" pitchFamily="34" charset="0"/>
+                      </a:endParaRPr>
+                    </a:p>
+                  </a:txBody>
+                  <a:tcPr marL="7726" marR="7726" marT="7726" marB="0" anchor="b"/>
+                </a:tc>
+                <a:extLst>
+                  <a:ext uri="{0D108BD9-81ED-4DB2-BD59-A6C34878D82A}">
+                    <a16:rowId xmlns:a16="http://schemas.microsoft.com/office/drawing/2014/main" val="338671037"/>
+                  </a:ext>
+                </a:extLst>
+              </a:tr>
+              <a:tr h="162251">
+                <a:tc>
+                  <a:txBody>
+                    <a:bodyPr/>
+                    <a:lstStyle/>
+                    <a:p>
+                      <a:pPr algn="l" fontAlgn="b"/>
+                      <a:r>
+                        <a:rPr lang="en-US" sz="900" u="none" strike="noStrike">
+                          <a:effectLst/>
+                        </a:rPr>
+                        <a:t>Total</a:t>
+                      </a:r>
+                      <a:endParaRPr lang="en-US" sz="900" b="0" i="0" u="none" strike="noStrike">
+                        <a:solidFill>
+                          <a:srgbClr val="000000"/>
+                        </a:solidFill>
+                        <a:effectLst/>
+                        <a:latin typeface="Calibri" panose="020F0502020204030204" pitchFamily="34" charset="0"/>
+                      </a:endParaRPr>
+                    </a:p>
+                  </a:txBody>
+                  <a:tcPr marL="7726" marR="7726" marT="7726" marB="0" anchor="b"/>
+                </a:tc>
+                <a:tc>
+                  <a:txBody>
+                    <a:bodyPr/>
+                    <a:lstStyle/>
+                    <a:p>
+                      <a:pPr algn="r" fontAlgn="b"/>
+                      <a:r>
+                        <a:rPr lang="en-US" sz="900" u="none" strike="noStrike">
+                          <a:effectLst/>
+                        </a:rPr>
+                        <a:t>499</a:t>
+                      </a:r>
+                      <a:endParaRPr lang="en-US" sz="900" b="0" i="0" u="none" strike="noStrike">
+                        <a:solidFill>
+                          <a:srgbClr val="000000"/>
+                        </a:solidFill>
+                        <a:effectLst/>
+                        <a:latin typeface="Calibri" panose="020F0502020204030204" pitchFamily="34" charset="0"/>
+                      </a:endParaRPr>
+                    </a:p>
+                  </a:txBody>
+                  <a:tcPr marL="7726" marR="7726" marT="7726" marB="0" anchor="b"/>
+                </a:tc>
+                <a:tc>
+                  <a:txBody>
+                    <a:bodyPr/>
+                    <a:lstStyle/>
+                    <a:p>
+                      <a:pPr algn="r" fontAlgn="b"/>
+                      <a:r>
+                        <a:rPr lang="en-US" sz="900" u="none" strike="noStrike">
+                          <a:effectLst/>
+                        </a:rPr>
+                        <a:t>10431307</a:t>
+                      </a:r>
+                      <a:endParaRPr lang="en-US" sz="900" b="0" i="0" u="none" strike="noStrike">
+                        <a:solidFill>
+                          <a:srgbClr val="000000"/>
+                        </a:solidFill>
+                        <a:effectLst/>
+                        <a:latin typeface="Calibri" panose="020F0502020204030204" pitchFamily="34" charset="0"/>
+                      </a:endParaRPr>
+                    </a:p>
+                  </a:txBody>
+                  <a:tcPr marL="7726" marR="7726" marT="7726" marB="0" anchor="b"/>
+                </a:tc>
+                <a:tc>
+                  <a:txBody>
+                    <a:bodyPr/>
+                    <a:lstStyle/>
+                    <a:p>
+                      <a:pPr algn="l" fontAlgn="b"/>
+                      <a:r>
+                        <a:rPr lang="en-US" sz="900" u="none" strike="noStrike">
+                          <a:effectLst/>
+                        </a:rPr>
+                        <a:t> </a:t>
+                      </a:r>
+                      <a:endParaRPr lang="en-US" sz="900" b="0" i="0" u="none" strike="noStrike">
+                        <a:solidFill>
+                          <a:srgbClr val="000000"/>
+                        </a:solidFill>
+                        <a:effectLst/>
+                        <a:latin typeface="Calibri" panose="020F0502020204030204" pitchFamily="34" charset="0"/>
+                      </a:endParaRPr>
+                    </a:p>
+                  </a:txBody>
+                  <a:tcPr marL="7726" marR="7726" marT="7726" marB="0" anchor="b"/>
+                </a:tc>
+                <a:tc>
+                  <a:txBody>
+                    <a:bodyPr/>
+                    <a:lstStyle/>
+                    <a:p>
+                      <a:pPr algn="l" fontAlgn="b"/>
+                      <a:r>
+                        <a:rPr lang="en-US" sz="900" u="none" strike="noStrike">
+                          <a:effectLst/>
+                        </a:rPr>
+                        <a:t> </a:t>
+                      </a:r>
+                      <a:endParaRPr lang="en-US" sz="900" b="0" i="0" u="none" strike="noStrike">
+                        <a:solidFill>
+                          <a:srgbClr val="000000"/>
+                        </a:solidFill>
+                        <a:effectLst/>
+                        <a:latin typeface="Calibri" panose="020F0502020204030204" pitchFamily="34" charset="0"/>
+                      </a:endParaRPr>
+                    </a:p>
+                  </a:txBody>
+                  <a:tcPr marL="7726" marR="7726" marT="7726" marB="0" anchor="b"/>
+                </a:tc>
+                <a:tc>
+                  <a:txBody>
+                    <a:bodyPr/>
+                    <a:lstStyle/>
+                    <a:p>
+                      <a:pPr algn="l" fontAlgn="b"/>
+                      <a:r>
+                        <a:rPr lang="en-US" sz="900" u="none" strike="noStrike">
+                          <a:effectLst/>
+                        </a:rPr>
+                        <a:t> </a:t>
+                      </a:r>
+                      <a:endParaRPr lang="en-US" sz="900" b="0" i="0" u="none" strike="noStrike">
+                        <a:solidFill>
+                          <a:srgbClr val="000000"/>
+                        </a:solidFill>
+                        <a:effectLst/>
+                        <a:latin typeface="Calibri" panose="020F0502020204030204" pitchFamily="34" charset="0"/>
+                      </a:endParaRPr>
+                    </a:p>
+                  </a:txBody>
+                  <a:tcPr marL="7726" marR="7726" marT="7726" marB="0" anchor="b"/>
+                </a:tc>
+                <a:tc>
+                  <a:txBody>
+                    <a:bodyPr/>
+                    <a:lstStyle/>
+                    <a:p>
+                      <a:pPr algn="l" fontAlgn="b"/>
+                      <a:endParaRPr lang="en-US" sz="900" b="0" i="0" u="none" strike="noStrike">
+                        <a:solidFill>
+                          <a:srgbClr val="000000"/>
+                        </a:solidFill>
+                        <a:effectLst/>
+                        <a:latin typeface="Calibri" panose="020F0502020204030204" pitchFamily="34" charset="0"/>
+                      </a:endParaRPr>
+                    </a:p>
+                  </a:txBody>
+                  <a:tcPr marL="7726" marR="7726" marT="7726" marB="0" anchor="b"/>
+                </a:tc>
+                <a:tc>
+                  <a:txBody>
+                    <a:bodyPr/>
+                    <a:lstStyle/>
+                    <a:p>
+                      <a:pPr algn="l" fontAlgn="b"/>
+                      <a:endParaRPr lang="en-US" sz="900" b="0" i="0" u="none" strike="noStrike">
+                        <a:solidFill>
+                          <a:srgbClr val="000000"/>
+                        </a:solidFill>
+                        <a:effectLst/>
+                        <a:latin typeface="Calibri" panose="020F0502020204030204" pitchFamily="34" charset="0"/>
+                      </a:endParaRPr>
+                    </a:p>
+                  </a:txBody>
+                  <a:tcPr marL="7726" marR="7726" marT="7726" marB="0" anchor="b"/>
+                </a:tc>
+                <a:tc>
+                  <a:txBody>
+                    <a:bodyPr/>
+                    <a:lstStyle/>
+                    <a:p>
+                      <a:pPr algn="l" fontAlgn="b"/>
+                      <a:endParaRPr lang="en-US" sz="900" b="0" i="0" u="none" strike="noStrike">
+                        <a:solidFill>
+                          <a:srgbClr val="000000"/>
+                        </a:solidFill>
+                        <a:effectLst/>
+                        <a:latin typeface="Calibri" panose="020F0502020204030204" pitchFamily="34" charset="0"/>
+                      </a:endParaRPr>
+                    </a:p>
+                  </a:txBody>
+                  <a:tcPr marL="7726" marR="7726" marT="7726" marB="0" anchor="b"/>
+                </a:tc>
+                <a:extLst>
+                  <a:ext uri="{0D108BD9-81ED-4DB2-BD59-A6C34878D82A}">
+                    <a16:rowId xmlns:a16="http://schemas.microsoft.com/office/drawing/2014/main" val="2688822992"/>
+                  </a:ext>
+                </a:extLst>
+              </a:tr>
+              <a:tr h="162251">
+                <a:tc>
+                  <a:txBody>
+                    <a:bodyPr/>
+                    <a:lstStyle/>
+                    <a:p>
+                      <a:pPr algn="l" fontAlgn="b"/>
+                      <a:endParaRPr lang="en-US" sz="900" b="0" i="0" u="none" strike="noStrike">
+                        <a:solidFill>
+                          <a:srgbClr val="000000"/>
+                        </a:solidFill>
+                        <a:effectLst/>
+                        <a:latin typeface="Calibri" panose="020F0502020204030204" pitchFamily="34" charset="0"/>
+                      </a:endParaRPr>
+                    </a:p>
+                  </a:txBody>
+                  <a:tcPr marL="7726" marR="7726" marT="7726" marB="0" anchor="b"/>
+                </a:tc>
+                <a:tc>
+                  <a:txBody>
+                    <a:bodyPr/>
+                    <a:lstStyle/>
+                    <a:p>
+                      <a:pPr algn="l" fontAlgn="b"/>
+                      <a:endParaRPr lang="en-US" sz="900" b="0" i="0" u="none" strike="noStrike">
+                        <a:solidFill>
+                          <a:srgbClr val="000000"/>
+                        </a:solidFill>
+                        <a:effectLst/>
+                        <a:latin typeface="Calibri" panose="020F0502020204030204" pitchFamily="34" charset="0"/>
+                      </a:endParaRPr>
+                    </a:p>
+                  </a:txBody>
+                  <a:tcPr marL="7726" marR="7726" marT="7726" marB="0" anchor="b"/>
+                </a:tc>
+                <a:tc>
+                  <a:txBody>
+                    <a:bodyPr/>
+                    <a:lstStyle/>
+                    <a:p>
+                      <a:pPr algn="l" fontAlgn="b"/>
+                      <a:endParaRPr lang="en-US" sz="900" b="0" i="0" u="none" strike="noStrike">
+                        <a:solidFill>
+                          <a:srgbClr val="000000"/>
+                        </a:solidFill>
+                        <a:effectLst/>
+                        <a:latin typeface="Calibri" panose="020F0502020204030204" pitchFamily="34" charset="0"/>
+                      </a:endParaRPr>
+                    </a:p>
+                  </a:txBody>
+                  <a:tcPr marL="7726" marR="7726" marT="7726" marB="0" anchor="b"/>
+                </a:tc>
+                <a:tc>
+                  <a:txBody>
+                    <a:bodyPr/>
+                    <a:lstStyle/>
+                    <a:p>
+                      <a:pPr algn="l" fontAlgn="b"/>
+                      <a:endParaRPr lang="en-US" sz="900" b="0" i="0" u="none" strike="noStrike">
+                        <a:solidFill>
+                          <a:srgbClr val="000000"/>
+                        </a:solidFill>
+                        <a:effectLst/>
+                        <a:latin typeface="Calibri" panose="020F0502020204030204" pitchFamily="34" charset="0"/>
+                      </a:endParaRPr>
+                    </a:p>
+                  </a:txBody>
+                  <a:tcPr marL="7726" marR="7726" marT="7726" marB="0" anchor="b"/>
+                </a:tc>
+                <a:tc>
+                  <a:txBody>
+                    <a:bodyPr/>
+                    <a:lstStyle/>
+                    <a:p>
+                      <a:pPr algn="l" fontAlgn="b"/>
+                      <a:endParaRPr lang="en-US" sz="900" b="0" i="0" u="none" strike="noStrike">
+                        <a:solidFill>
+                          <a:srgbClr val="000000"/>
+                        </a:solidFill>
+                        <a:effectLst/>
+                        <a:latin typeface="Calibri" panose="020F0502020204030204" pitchFamily="34" charset="0"/>
+                      </a:endParaRPr>
+                    </a:p>
+                  </a:txBody>
+                  <a:tcPr marL="7726" marR="7726" marT="7726" marB="0" anchor="b"/>
+                </a:tc>
+                <a:tc>
+                  <a:txBody>
+                    <a:bodyPr/>
+                    <a:lstStyle/>
+                    <a:p>
+                      <a:pPr algn="l" fontAlgn="b"/>
+                      <a:endParaRPr lang="en-US" sz="900" b="0" i="0" u="none" strike="noStrike">
+                        <a:solidFill>
+                          <a:srgbClr val="000000"/>
+                        </a:solidFill>
+                        <a:effectLst/>
+                        <a:latin typeface="Calibri" panose="020F0502020204030204" pitchFamily="34" charset="0"/>
+                      </a:endParaRPr>
+                    </a:p>
+                  </a:txBody>
+                  <a:tcPr marL="7726" marR="7726" marT="7726" marB="0" anchor="b"/>
+                </a:tc>
+                <a:tc>
+                  <a:txBody>
+                    <a:bodyPr/>
+                    <a:lstStyle/>
+                    <a:p>
+                      <a:pPr algn="l" fontAlgn="b"/>
+                      <a:endParaRPr lang="en-US" sz="900" b="0" i="0" u="none" strike="noStrike">
+                        <a:solidFill>
+                          <a:srgbClr val="000000"/>
+                        </a:solidFill>
+                        <a:effectLst/>
+                        <a:latin typeface="Calibri" panose="020F0502020204030204" pitchFamily="34" charset="0"/>
+                      </a:endParaRPr>
+                    </a:p>
+                  </a:txBody>
+                  <a:tcPr marL="7726" marR="7726" marT="7726" marB="0" anchor="b"/>
+                </a:tc>
+                <a:tc>
+                  <a:txBody>
+                    <a:bodyPr/>
+                    <a:lstStyle/>
+                    <a:p>
+                      <a:pPr algn="l" fontAlgn="b"/>
+                      <a:endParaRPr lang="en-US" sz="900" b="0" i="0" u="none" strike="noStrike">
+                        <a:solidFill>
+                          <a:srgbClr val="000000"/>
+                        </a:solidFill>
+                        <a:effectLst/>
+                        <a:latin typeface="Calibri" panose="020F0502020204030204" pitchFamily="34" charset="0"/>
+                      </a:endParaRPr>
+                    </a:p>
+                  </a:txBody>
+                  <a:tcPr marL="7726" marR="7726" marT="7726" marB="0" anchor="b"/>
+                </a:tc>
+                <a:tc>
+                  <a:txBody>
+                    <a:bodyPr/>
+                    <a:lstStyle/>
+                    <a:p>
+                      <a:pPr algn="l" fontAlgn="b"/>
+                      <a:endParaRPr lang="en-US" sz="900" b="0" i="0" u="none" strike="noStrike">
+                        <a:solidFill>
+                          <a:srgbClr val="000000"/>
+                        </a:solidFill>
+                        <a:effectLst/>
+                        <a:latin typeface="Calibri" panose="020F0502020204030204" pitchFamily="34" charset="0"/>
+                      </a:endParaRPr>
+                    </a:p>
+                  </a:txBody>
+                  <a:tcPr marL="7726" marR="7726" marT="7726" marB="0" anchor="b"/>
+                </a:tc>
+                <a:extLst>
+                  <a:ext uri="{0D108BD9-81ED-4DB2-BD59-A6C34878D82A}">
+                    <a16:rowId xmlns:a16="http://schemas.microsoft.com/office/drawing/2014/main" val="3456715888"/>
+                  </a:ext>
+                </a:extLst>
+              </a:tr>
+              <a:tr h="279690">
+                <a:tc>
+                  <a:txBody>
+                    <a:bodyPr/>
+                    <a:lstStyle/>
+                    <a:p>
+                      <a:pPr algn="ctr" fontAlgn="b"/>
+                      <a:r>
+                        <a:rPr lang="en-US" sz="900" u="none" strike="noStrike">
+                          <a:effectLst/>
+                        </a:rPr>
+                        <a:t> </a:t>
+                      </a:r>
+                      <a:endParaRPr lang="en-US" sz="900" b="0" i="1" u="none" strike="noStrike">
+                        <a:solidFill>
+                          <a:srgbClr val="000000"/>
+                        </a:solidFill>
+                        <a:effectLst/>
+                        <a:latin typeface="Calibri" panose="020F0502020204030204" pitchFamily="34" charset="0"/>
+                      </a:endParaRPr>
+                    </a:p>
+                  </a:txBody>
+                  <a:tcPr marL="7726" marR="7726" marT="7726" marB="0" anchor="b"/>
+                </a:tc>
+                <a:tc>
+                  <a:txBody>
+                    <a:bodyPr/>
+                    <a:lstStyle/>
+                    <a:p>
+                      <a:pPr algn="ctr" fontAlgn="b"/>
+                      <a:r>
+                        <a:rPr lang="en-US" sz="900" u="none" strike="noStrike">
+                          <a:effectLst/>
+                        </a:rPr>
+                        <a:t>Coefficients</a:t>
+                      </a:r>
+                      <a:endParaRPr lang="en-US" sz="900" b="0" i="1" u="none" strike="noStrike">
+                        <a:solidFill>
+                          <a:srgbClr val="000000"/>
+                        </a:solidFill>
+                        <a:effectLst/>
+                        <a:latin typeface="Calibri" panose="020F0502020204030204" pitchFamily="34" charset="0"/>
+                      </a:endParaRPr>
+                    </a:p>
+                  </a:txBody>
+                  <a:tcPr marL="7726" marR="7726" marT="7726" marB="0" anchor="b"/>
+                </a:tc>
+                <a:tc>
+                  <a:txBody>
+                    <a:bodyPr/>
+                    <a:lstStyle/>
+                    <a:p>
+                      <a:pPr algn="ctr" fontAlgn="b"/>
+                      <a:r>
+                        <a:rPr lang="en-US" sz="900" u="none" strike="noStrike">
+                          <a:effectLst/>
+                        </a:rPr>
+                        <a:t>Standard Error</a:t>
+                      </a:r>
+                      <a:endParaRPr lang="en-US" sz="900" b="0" i="1" u="none" strike="noStrike">
+                        <a:solidFill>
+                          <a:srgbClr val="000000"/>
+                        </a:solidFill>
+                        <a:effectLst/>
+                        <a:latin typeface="Calibri" panose="020F0502020204030204" pitchFamily="34" charset="0"/>
+                      </a:endParaRPr>
+                    </a:p>
+                  </a:txBody>
+                  <a:tcPr marL="7726" marR="7726" marT="7726" marB="0" anchor="b"/>
+                </a:tc>
+                <a:tc>
+                  <a:txBody>
+                    <a:bodyPr/>
+                    <a:lstStyle/>
+                    <a:p>
+                      <a:pPr algn="ctr" fontAlgn="b"/>
+                      <a:r>
+                        <a:rPr lang="en-US" sz="900" u="none" strike="noStrike">
+                          <a:effectLst/>
+                        </a:rPr>
+                        <a:t>t Stat</a:t>
+                      </a:r>
+                      <a:endParaRPr lang="en-US" sz="900" b="0" i="1" u="none" strike="noStrike">
+                        <a:solidFill>
+                          <a:srgbClr val="000000"/>
+                        </a:solidFill>
+                        <a:effectLst/>
+                        <a:latin typeface="Calibri" panose="020F0502020204030204" pitchFamily="34" charset="0"/>
+                      </a:endParaRPr>
+                    </a:p>
+                  </a:txBody>
+                  <a:tcPr marL="7726" marR="7726" marT="7726" marB="0" anchor="b"/>
+                </a:tc>
+                <a:tc>
+                  <a:txBody>
+                    <a:bodyPr/>
+                    <a:lstStyle/>
+                    <a:p>
+                      <a:pPr algn="ctr" fontAlgn="b"/>
+                      <a:r>
+                        <a:rPr lang="en-US" sz="900" u="none" strike="noStrike">
+                          <a:effectLst/>
+                        </a:rPr>
+                        <a:t>P-value</a:t>
+                      </a:r>
+                      <a:endParaRPr lang="en-US" sz="900" b="0" i="1" u="none" strike="noStrike">
+                        <a:solidFill>
+                          <a:srgbClr val="000000"/>
+                        </a:solidFill>
+                        <a:effectLst/>
+                        <a:latin typeface="Calibri" panose="020F0502020204030204" pitchFamily="34" charset="0"/>
+                      </a:endParaRPr>
+                    </a:p>
+                  </a:txBody>
+                  <a:tcPr marL="7726" marR="7726" marT="7726" marB="0" anchor="b"/>
+                </a:tc>
+                <a:tc>
+                  <a:txBody>
+                    <a:bodyPr/>
+                    <a:lstStyle/>
+                    <a:p>
+                      <a:pPr algn="ctr" fontAlgn="b"/>
+                      <a:r>
+                        <a:rPr lang="en-US" sz="900" u="none" strike="noStrike">
+                          <a:effectLst/>
+                        </a:rPr>
+                        <a:t>Lower 95%</a:t>
+                      </a:r>
+                      <a:endParaRPr lang="en-US" sz="900" b="0" i="1" u="none" strike="noStrike">
+                        <a:solidFill>
+                          <a:srgbClr val="000000"/>
+                        </a:solidFill>
+                        <a:effectLst/>
+                        <a:latin typeface="Calibri" panose="020F0502020204030204" pitchFamily="34" charset="0"/>
+                      </a:endParaRPr>
+                    </a:p>
+                  </a:txBody>
+                  <a:tcPr marL="7726" marR="7726" marT="7726" marB="0" anchor="b"/>
+                </a:tc>
+                <a:tc>
+                  <a:txBody>
+                    <a:bodyPr/>
+                    <a:lstStyle/>
+                    <a:p>
+                      <a:pPr algn="ctr" fontAlgn="b"/>
+                      <a:r>
+                        <a:rPr lang="en-US" sz="900" u="none" strike="noStrike">
+                          <a:effectLst/>
+                        </a:rPr>
+                        <a:t>Upper 95%</a:t>
+                      </a:r>
+                      <a:endParaRPr lang="en-US" sz="900" b="0" i="1" u="none" strike="noStrike">
+                        <a:solidFill>
+                          <a:srgbClr val="000000"/>
+                        </a:solidFill>
+                        <a:effectLst/>
+                        <a:latin typeface="Calibri" panose="020F0502020204030204" pitchFamily="34" charset="0"/>
+                      </a:endParaRPr>
+                    </a:p>
+                  </a:txBody>
+                  <a:tcPr marL="7726" marR="7726" marT="7726" marB="0" anchor="b"/>
+                </a:tc>
+                <a:tc>
+                  <a:txBody>
+                    <a:bodyPr/>
+                    <a:lstStyle/>
+                    <a:p>
+                      <a:pPr algn="ctr" fontAlgn="b"/>
+                      <a:r>
+                        <a:rPr lang="en-US" sz="900" u="none" strike="noStrike">
+                          <a:effectLst/>
+                        </a:rPr>
+                        <a:t>Lower 99.0%</a:t>
+                      </a:r>
+                      <a:endParaRPr lang="en-US" sz="900" b="0" i="1" u="none" strike="noStrike">
+                        <a:solidFill>
+                          <a:srgbClr val="000000"/>
+                        </a:solidFill>
+                        <a:effectLst/>
+                        <a:latin typeface="Calibri" panose="020F0502020204030204" pitchFamily="34" charset="0"/>
+                      </a:endParaRPr>
+                    </a:p>
+                  </a:txBody>
+                  <a:tcPr marL="7726" marR="7726" marT="7726" marB="0" anchor="b"/>
+                </a:tc>
+                <a:tc>
+                  <a:txBody>
+                    <a:bodyPr/>
+                    <a:lstStyle/>
+                    <a:p>
+                      <a:pPr algn="ctr" fontAlgn="b"/>
+                      <a:r>
+                        <a:rPr lang="en-US" sz="900" u="none" strike="noStrike">
+                          <a:effectLst/>
+                        </a:rPr>
+                        <a:t>Upper 99.0%</a:t>
+                      </a:r>
+                      <a:endParaRPr lang="en-US" sz="900" b="0" i="1" u="none" strike="noStrike">
+                        <a:solidFill>
+                          <a:srgbClr val="000000"/>
+                        </a:solidFill>
+                        <a:effectLst/>
+                        <a:latin typeface="Calibri" panose="020F0502020204030204" pitchFamily="34" charset="0"/>
+                      </a:endParaRPr>
+                    </a:p>
+                  </a:txBody>
+                  <a:tcPr marL="7726" marR="7726" marT="7726" marB="0" anchor="b"/>
+                </a:tc>
+                <a:extLst>
+                  <a:ext uri="{0D108BD9-81ED-4DB2-BD59-A6C34878D82A}">
+                    <a16:rowId xmlns:a16="http://schemas.microsoft.com/office/drawing/2014/main" val="1351382649"/>
+                  </a:ext>
+                </a:extLst>
+              </a:tr>
+              <a:tr h="154525">
+                <a:tc>
+                  <a:txBody>
+                    <a:bodyPr/>
+                    <a:lstStyle/>
+                    <a:p>
+                      <a:pPr algn="l" fontAlgn="b"/>
+                      <a:r>
+                        <a:rPr lang="en-US" sz="900" u="none" strike="noStrike">
+                          <a:effectLst/>
+                        </a:rPr>
+                        <a:t>Intercept</a:t>
+                      </a:r>
+                      <a:endParaRPr lang="en-US" sz="900" b="0" i="0" u="none" strike="noStrike">
+                        <a:solidFill>
+                          <a:srgbClr val="000000"/>
+                        </a:solidFill>
+                        <a:effectLst/>
+                        <a:latin typeface="Calibri" panose="020F0502020204030204" pitchFamily="34" charset="0"/>
+                      </a:endParaRPr>
+                    </a:p>
+                  </a:txBody>
+                  <a:tcPr marL="7726" marR="7726" marT="7726" marB="0" anchor="b"/>
+                </a:tc>
+                <a:tc>
+                  <a:txBody>
+                    <a:bodyPr/>
+                    <a:lstStyle/>
+                    <a:p>
+                      <a:pPr algn="r" fontAlgn="b"/>
+                      <a:r>
+                        <a:rPr lang="en-US" sz="900" u="none" strike="noStrike">
+                          <a:effectLst/>
+                        </a:rPr>
+                        <a:t>8.830625282</a:t>
+                      </a:r>
+                      <a:endParaRPr lang="en-US" sz="900" b="0" i="0" u="none" strike="noStrike">
+                        <a:solidFill>
+                          <a:srgbClr val="000000"/>
+                        </a:solidFill>
+                        <a:effectLst/>
+                        <a:latin typeface="Calibri" panose="020F0502020204030204" pitchFamily="34" charset="0"/>
+                      </a:endParaRPr>
+                    </a:p>
+                  </a:txBody>
+                  <a:tcPr marL="7726" marR="7726" marT="7726" marB="0" anchor="b"/>
+                </a:tc>
+                <a:tc>
+                  <a:txBody>
+                    <a:bodyPr/>
+                    <a:lstStyle/>
+                    <a:p>
+                      <a:pPr algn="r" fontAlgn="b"/>
+                      <a:r>
+                        <a:rPr lang="en-US" sz="900" u="none" strike="noStrike">
+                          <a:effectLst/>
+                        </a:rPr>
+                        <a:t>1.622399</a:t>
+                      </a:r>
+                      <a:endParaRPr lang="en-US" sz="900" b="0" i="0" u="none" strike="noStrike">
+                        <a:solidFill>
+                          <a:srgbClr val="000000"/>
+                        </a:solidFill>
+                        <a:effectLst/>
+                        <a:latin typeface="Calibri" panose="020F0502020204030204" pitchFamily="34" charset="0"/>
+                      </a:endParaRPr>
+                    </a:p>
+                  </a:txBody>
+                  <a:tcPr marL="7726" marR="7726" marT="7726" marB="0" anchor="b"/>
+                </a:tc>
+                <a:tc>
+                  <a:txBody>
+                    <a:bodyPr/>
+                    <a:lstStyle/>
+                    <a:p>
+                      <a:pPr algn="r" fontAlgn="b"/>
+                      <a:r>
+                        <a:rPr lang="en-US" sz="900" u="none" strike="noStrike">
+                          <a:effectLst/>
+                        </a:rPr>
+                        <a:t>5.442942</a:t>
+                      </a:r>
+                      <a:endParaRPr lang="en-US" sz="900" b="0" i="0" u="none" strike="noStrike">
+                        <a:solidFill>
+                          <a:srgbClr val="000000"/>
+                        </a:solidFill>
+                        <a:effectLst/>
+                        <a:latin typeface="Calibri" panose="020F0502020204030204" pitchFamily="34" charset="0"/>
+                      </a:endParaRPr>
+                    </a:p>
+                  </a:txBody>
+                  <a:tcPr marL="7726" marR="7726" marT="7726" marB="0" anchor="b"/>
+                </a:tc>
+                <a:tc>
+                  <a:txBody>
+                    <a:bodyPr/>
+                    <a:lstStyle/>
+                    <a:p>
+                      <a:pPr algn="r" fontAlgn="b"/>
+                      <a:r>
+                        <a:rPr lang="en-US" sz="900" u="none" strike="noStrike">
+                          <a:effectLst/>
+                        </a:rPr>
+                        <a:t>8.26E-08</a:t>
+                      </a:r>
+                      <a:endParaRPr lang="en-US" sz="900" b="0" i="0" u="none" strike="noStrike">
+                        <a:solidFill>
+                          <a:srgbClr val="000000"/>
+                        </a:solidFill>
+                        <a:effectLst/>
+                        <a:latin typeface="Calibri" panose="020F0502020204030204" pitchFamily="34" charset="0"/>
+                      </a:endParaRPr>
+                    </a:p>
+                  </a:txBody>
+                  <a:tcPr marL="7726" marR="7726" marT="7726" marB="0" anchor="b"/>
+                </a:tc>
+                <a:tc>
+                  <a:txBody>
+                    <a:bodyPr/>
+                    <a:lstStyle/>
+                    <a:p>
+                      <a:pPr algn="r" fontAlgn="b"/>
+                      <a:r>
+                        <a:rPr lang="en-US" sz="900" u="none" strike="noStrike">
+                          <a:effectLst/>
+                        </a:rPr>
+                        <a:t>5.642987</a:t>
+                      </a:r>
+                      <a:endParaRPr lang="en-US" sz="900" b="0" i="0" u="none" strike="noStrike">
+                        <a:solidFill>
+                          <a:srgbClr val="000000"/>
+                        </a:solidFill>
+                        <a:effectLst/>
+                        <a:latin typeface="Calibri" panose="020F0502020204030204" pitchFamily="34" charset="0"/>
+                      </a:endParaRPr>
+                    </a:p>
+                  </a:txBody>
+                  <a:tcPr marL="7726" marR="7726" marT="7726" marB="0" anchor="b"/>
+                </a:tc>
+                <a:tc>
+                  <a:txBody>
+                    <a:bodyPr/>
+                    <a:lstStyle/>
+                    <a:p>
+                      <a:pPr algn="r" fontAlgn="b"/>
+                      <a:r>
+                        <a:rPr lang="en-US" sz="900" u="none" strike="noStrike">
+                          <a:effectLst/>
+                        </a:rPr>
+                        <a:t>12.01826</a:t>
+                      </a:r>
+                      <a:endParaRPr lang="en-US" sz="900" b="0" i="0" u="none" strike="noStrike">
+                        <a:solidFill>
+                          <a:srgbClr val="000000"/>
+                        </a:solidFill>
+                        <a:effectLst/>
+                        <a:latin typeface="Calibri" panose="020F0502020204030204" pitchFamily="34" charset="0"/>
+                      </a:endParaRPr>
+                    </a:p>
+                  </a:txBody>
+                  <a:tcPr marL="7726" marR="7726" marT="7726" marB="0" anchor="b"/>
+                </a:tc>
+                <a:tc>
+                  <a:txBody>
+                    <a:bodyPr/>
+                    <a:lstStyle/>
+                    <a:p>
+                      <a:pPr algn="r" fontAlgn="b"/>
+                      <a:r>
+                        <a:rPr lang="en-US" sz="900" u="none" strike="noStrike">
+                          <a:effectLst/>
+                        </a:rPr>
+                        <a:t>4.635428</a:t>
+                      </a:r>
+                      <a:endParaRPr lang="en-US" sz="900" b="0" i="0" u="none" strike="noStrike">
+                        <a:solidFill>
+                          <a:srgbClr val="000000"/>
+                        </a:solidFill>
+                        <a:effectLst/>
+                        <a:latin typeface="Calibri" panose="020F0502020204030204" pitchFamily="34" charset="0"/>
+                      </a:endParaRPr>
+                    </a:p>
+                  </a:txBody>
+                  <a:tcPr marL="7726" marR="7726" marT="7726" marB="0" anchor="b"/>
+                </a:tc>
+                <a:tc>
+                  <a:txBody>
+                    <a:bodyPr/>
+                    <a:lstStyle/>
+                    <a:p>
+                      <a:pPr algn="r" fontAlgn="b"/>
+                      <a:r>
+                        <a:rPr lang="en-US" sz="900" u="none" strike="noStrike">
+                          <a:effectLst/>
+                        </a:rPr>
+                        <a:t>13.02582</a:t>
+                      </a:r>
+                      <a:endParaRPr lang="en-US" sz="900" b="0" i="0" u="none" strike="noStrike">
+                        <a:solidFill>
+                          <a:srgbClr val="000000"/>
+                        </a:solidFill>
+                        <a:effectLst/>
+                        <a:latin typeface="Calibri" panose="020F0502020204030204" pitchFamily="34" charset="0"/>
+                      </a:endParaRPr>
+                    </a:p>
+                  </a:txBody>
+                  <a:tcPr marL="7726" marR="7726" marT="7726" marB="0" anchor="b"/>
+                </a:tc>
+                <a:extLst>
+                  <a:ext uri="{0D108BD9-81ED-4DB2-BD59-A6C34878D82A}">
+                    <a16:rowId xmlns:a16="http://schemas.microsoft.com/office/drawing/2014/main" val="493429953"/>
+                  </a:ext>
+                </a:extLst>
+              </a:tr>
+              <a:tr h="154525">
+                <a:tc>
+                  <a:txBody>
+                    <a:bodyPr/>
+                    <a:lstStyle/>
+                    <a:p>
+                      <a:pPr algn="l" fontAlgn="b"/>
+                      <a:r>
+                        <a:rPr lang="en-US" sz="900" u="none" strike="noStrike">
+                          <a:effectLst/>
+                        </a:rPr>
+                        <a:t>DAYS</a:t>
+                      </a:r>
+                      <a:endParaRPr lang="en-US" sz="900" b="0" i="0" u="none" strike="noStrike">
+                        <a:solidFill>
+                          <a:srgbClr val="000000"/>
+                        </a:solidFill>
+                        <a:effectLst/>
+                        <a:latin typeface="Calibri" panose="020F0502020204030204" pitchFamily="34" charset="0"/>
+                      </a:endParaRPr>
+                    </a:p>
+                  </a:txBody>
+                  <a:tcPr marL="7726" marR="7726" marT="7726" marB="0" anchor="b"/>
+                </a:tc>
+                <a:tc>
+                  <a:txBody>
+                    <a:bodyPr/>
+                    <a:lstStyle/>
+                    <a:p>
+                      <a:pPr algn="r" fontAlgn="b"/>
+                      <a:r>
+                        <a:rPr lang="en-US" sz="900" u="none" strike="noStrike">
+                          <a:effectLst/>
+                        </a:rPr>
+                        <a:t>0.005736056</a:t>
+                      </a:r>
+                      <a:endParaRPr lang="en-US" sz="900" b="0" i="0" u="none" strike="noStrike">
+                        <a:solidFill>
+                          <a:srgbClr val="000000"/>
+                        </a:solidFill>
+                        <a:effectLst/>
+                        <a:latin typeface="Calibri" panose="020F0502020204030204" pitchFamily="34" charset="0"/>
+                      </a:endParaRPr>
+                    </a:p>
+                  </a:txBody>
+                  <a:tcPr marL="7726" marR="7726" marT="7726" marB="0" anchor="b"/>
+                </a:tc>
+                <a:tc>
+                  <a:txBody>
+                    <a:bodyPr/>
+                    <a:lstStyle/>
+                    <a:p>
+                      <a:pPr algn="r" fontAlgn="b"/>
+                      <a:r>
+                        <a:rPr lang="en-US" sz="900" u="none" strike="noStrike">
+                          <a:effectLst/>
+                        </a:rPr>
+                        <a:t>0.001089</a:t>
+                      </a:r>
+                      <a:endParaRPr lang="en-US" sz="900" b="0" i="0" u="none" strike="noStrike">
+                        <a:solidFill>
+                          <a:srgbClr val="000000"/>
+                        </a:solidFill>
+                        <a:effectLst/>
+                        <a:latin typeface="Calibri" panose="020F0502020204030204" pitchFamily="34" charset="0"/>
+                      </a:endParaRPr>
+                    </a:p>
+                  </a:txBody>
+                  <a:tcPr marL="7726" marR="7726" marT="7726" marB="0" anchor="b"/>
+                </a:tc>
+                <a:tc>
+                  <a:txBody>
+                    <a:bodyPr/>
+                    <a:lstStyle/>
+                    <a:p>
+                      <a:pPr algn="r" fontAlgn="b"/>
+                      <a:r>
+                        <a:rPr lang="en-US" sz="900" u="none" strike="noStrike">
+                          <a:effectLst/>
+                        </a:rPr>
+                        <a:t>5.266059</a:t>
+                      </a:r>
+                      <a:endParaRPr lang="en-US" sz="900" b="0" i="0" u="none" strike="noStrike">
+                        <a:solidFill>
+                          <a:srgbClr val="000000"/>
+                        </a:solidFill>
+                        <a:effectLst/>
+                        <a:latin typeface="Calibri" panose="020F0502020204030204" pitchFamily="34" charset="0"/>
+                      </a:endParaRPr>
+                    </a:p>
+                  </a:txBody>
+                  <a:tcPr marL="7726" marR="7726" marT="7726" marB="0" anchor="b"/>
+                </a:tc>
+                <a:tc>
+                  <a:txBody>
+                    <a:bodyPr/>
+                    <a:lstStyle/>
+                    <a:p>
+                      <a:pPr algn="r" fontAlgn="b"/>
+                      <a:r>
+                        <a:rPr lang="en-US" sz="900" u="none" strike="noStrike">
+                          <a:effectLst/>
+                        </a:rPr>
+                        <a:t>2.08E-07</a:t>
+                      </a:r>
+                      <a:endParaRPr lang="en-US" sz="900" b="0" i="0" u="none" strike="noStrike">
+                        <a:solidFill>
+                          <a:srgbClr val="000000"/>
+                        </a:solidFill>
+                        <a:effectLst/>
+                        <a:latin typeface="Calibri" panose="020F0502020204030204" pitchFamily="34" charset="0"/>
+                      </a:endParaRPr>
+                    </a:p>
+                  </a:txBody>
+                  <a:tcPr marL="7726" marR="7726" marT="7726" marB="0" anchor="b"/>
+                </a:tc>
+                <a:tc>
+                  <a:txBody>
+                    <a:bodyPr/>
+                    <a:lstStyle/>
+                    <a:p>
+                      <a:pPr algn="r" fontAlgn="b"/>
+                      <a:r>
+                        <a:rPr lang="en-US" sz="900" u="none" strike="noStrike">
+                          <a:effectLst/>
+                        </a:rPr>
+                        <a:t>0.003596</a:t>
+                      </a:r>
+                      <a:endParaRPr lang="en-US" sz="900" b="0" i="0" u="none" strike="noStrike">
+                        <a:solidFill>
+                          <a:srgbClr val="000000"/>
+                        </a:solidFill>
+                        <a:effectLst/>
+                        <a:latin typeface="Calibri" panose="020F0502020204030204" pitchFamily="34" charset="0"/>
+                      </a:endParaRPr>
+                    </a:p>
+                  </a:txBody>
+                  <a:tcPr marL="7726" marR="7726" marT="7726" marB="0" anchor="b"/>
+                </a:tc>
+                <a:tc>
+                  <a:txBody>
+                    <a:bodyPr/>
+                    <a:lstStyle/>
+                    <a:p>
+                      <a:pPr algn="r" fontAlgn="b"/>
+                      <a:r>
+                        <a:rPr lang="en-US" sz="900" u="none" strike="noStrike">
+                          <a:effectLst/>
+                        </a:rPr>
+                        <a:t>0.007876</a:t>
+                      </a:r>
+                      <a:endParaRPr lang="en-US" sz="900" b="0" i="0" u="none" strike="noStrike">
+                        <a:solidFill>
+                          <a:srgbClr val="000000"/>
+                        </a:solidFill>
+                        <a:effectLst/>
+                        <a:latin typeface="Calibri" panose="020F0502020204030204" pitchFamily="34" charset="0"/>
+                      </a:endParaRPr>
+                    </a:p>
+                  </a:txBody>
+                  <a:tcPr marL="7726" marR="7726" marT="7726" marB="0" anchor="b"/>
+                </a:tc>
+                <a:tc>
+                  <a:txBody>
+                    <a:bodyPr/>
+                    <a:lstStyle/>
+                    <a:p>
+                      <a:pPr algn="r" fontAlgn="b"/>
+                      <a:r>
+                        <a:rPr lang="en-US" sz="900" u="none" strike="noStrike">
+                          <a:effectLst/>
+                        </a:rPr>
+                        <a:t>0.002919</a:t>
+                      </a:r>
+                      <a:endParaRPr lang="en-US" sz="900" b="0" i="0" u="none" strike="noStrike">
+                        <a:solidFill>
+                          <a:srgbClr val="000000"/>
+                        </a:solidFill>
+                        <a:effectLst/>
+                        <a:latin typeface="Calibri" panose="020F0502020204030204" pitchFamily="34" charset="0"/>
+                      </a:endParaRPr>
+                    </a:p>
+                  </a:txBody>
+                  <a:tcPr marL="7726" marR="7726" marT="7726" marB="0" anchor="b"/>
+                </a:tc>
+                <a:tc>
+                  <a:txBody>
+                    <a:bodyPr/>
+                    <a:lstStyle/>
+                    <a:p>
+                      <a:pPr algn="r" fontAlgn="b"/>
+                      <a:r>
+                        <a:rPr lang="en-US" sz="900" u="none" strike="noStrike">
+                          <a:effectLst/>
+                        </a:rPr>
+                        <a:t>0.008553</a:t>
+                      </a:r>
+                      <a:endParaRPr lang="en-US" sz="900" b="0" i="0" u="none" strike="noStrike">
+                        <a:solidFill>
+                          <a:srgbClr val="000000"/>
+                        </a:solidFill>
+                        <a:effectLst/>
+                        <a:latin typeface="Calibri" panose="020F0502020204030204" pitchFamily="34" charset="0"/>
+                      </a:endParaRPr>
+                    </a:p>
+                  </a:txBody>
+                  <a:tcPr marL="7726" marR="7726" marT="7726" marB="0" anchor="b"/>
+                </a:tc>
+                <a:extLst>
+                  <a:ext uri="{0D108BD9-81ED-4DB2-BD59-A6C34878D82A}">
+                    <a16:rowId xmlns:a16="http://schemas.microsoft.com/office/drawing/2014/main" val="373301902"/>
+                  </a:ext>
+                </a:extLst>
+              </a:tr>
+              <a:tr h="154525">
+                <a:tc>
+                  <a:txBody>
+                    <a:bodyPr/>
+                    <a:lstStyle/>
+                    <a:p>
+                      <a:pPr algn="l" fontAlgn="b"/>
+                      <a:r>
+                        <a:rPr lang="en-US" sz="900" u="none" strike="noStrike">
+                          <a:effectLst/>
+                        </a:rPr>
+                        <a:t>answer_count</a:t>
+                      </a:r>
+                      <a:endParaRPr lang="en-US" sz="900" b="0" i="0" u="none" strike="noStrike">
+                        <a:solidFill>
+                          <a:srgbClr val="000000"/>
+                        </a:solidFill>
+                        <a:effectLst/>
+                        <a:latin typeface="Calibri" panose="020F0502020204030204" pitchFamily="34" charset="0"/>
+                      </a:endParaRPr>
+                    </a:p>
+                  </a:txBody>
+                  <a:tcPr marL="7726" marR="7726" marT="7726" marB="0" anchor="b"/>
+                </a:tc>
+                <a:tc>
+                  <a:txBody>
+                    <a:bodyPr/>
+                    <a:lstStyle/>
+                    <a:p>
+                      <a:pPr algn="r" fontAlgn="b"/>
+                      <a:r>
+                        <a:rPr lang="en-US" sz="900" u="none" strike="noStrike">
+                          <a:effectLst/>
+                        </a:rPr>
+                        <a:t>0.314223121</a:t>
+                      </a:r>
+                      <a:endParaRPr lang="en-US" sz="900" b="0" i="0" u="none" strike="noStrike">
+                        <a:solidFill>
+                          <a:srgbClr val="000000"/>
+                        </a:solidFill>
+                        <a:effectLst/>
+                        <a:latin typeface="Calibri" panose="020F0502020204030204" pitchFamily="34" charset="0"/>
+                      </a:endParaRPr>
+                    </a:p>
+                  </a:txBody>
+                  <a:tcPr marL="7726" marR="7726" marT="7726" marB="0" anchor="b"/>
+                </a:tc>
+                <a:tc>
+                  <a:txBody>
+                    <a:bodyPr/>
+                    <a:lstStyle/>
+                    <a:p>
+                      <a:pPr algn="r" fontAlgn="b"/>
+                      <a:r>
+                        <a:rPr lang="en-US" sz="900" u="none" strike="noStrike">
+                          <a:effectLst/>
+                        </a:rPr>
+                        <a:t>0.379502</a:t>
+                      </a:r>
+                      <a:endParaRPr lang="en-US" sz="900" b="0" i="0" u="none" strike="noStrike">
+                        <a:solidFill>
+                          <a:srgbClr val="000000"/>
+                        </a:solidFill>
+                        <a:effectLst/>
+                        <a:latin typeface="Calibri" panose="020F0502020204030204" pitchFamily="34" charset="0"/>
+                      </a:endParaRPr>
+                    </a:p>
+                  </a:txBody>
+                  <a:tcPr marL="7726" marR="7726" marT="7726" marB="0" anchor="b"/>
+                </a:tc>
+                <a:tc>
+                  <a:txBody>
+                    <a:bodyPr/>
+                    <a:lstStyle/>
+                    <a:p>
+                      <a:pPr algn="r" fontAlgn="b"/>
+                      <a:r>
+                        <a:rPr lang="en-US" sz="900" u="none" strike="noStrike">
+                          <a:effectLst/>
+                        </a:rPr>
+                        <a:t>0.827987</a:t>
+                      </a:r>
+                      <a:endParaRPr lang="en-US" sz="900" b="0" i="0" u="none" strike="noStrike">
+                        <a:solidFill>
+                          <a:srgbClr val="000000"/>
+                        </a:solidFill>
+                        <a:effectLst/>
+                        <a:latin typeface="Calibri" panose="020F0502020204030204" pitchFamily="34" charset="0"/>
+                      </a:endParaRPr>
+                    </a:p>
+                  </a:txBody>
+                  <a:tcPr marL="7726" marR="7726" marT="7726" marB="0" anchor="b"/>
+                </a:tc>
+                <a:tc>
+                  <a:txBody>
+                    <a:bodyPr/>
+                    <a:lstStyle/>
+                    <a:p>
+                      <a:pPr algn="r" fontAlgn="b"/>
+                      <a:r>
+                        <a:rPr lang="en-US" sz="900" u="none" strike="noStrike">
+                          <a:effectLst/>
+                        </a:rPr>
+                        <a:t>0.408077</a:t>
+                      </a:r>
+                      <a:endParaRPr lang="en-US" sz="900" b="0" i="0" u="none" strike="noStrike">
+                        <a:solidFill>
+                          <a:srgbClr val="000000"/>
+                        </a:solidFill>
+                        <a:effectLst/>
+                        <a:latin typeface="Calibri" panose="020F0502020204030204" pitchFamily="34" charset="0"/>
+                      </a:endParaRPr>
+                    </a:p>
+                  </a:txBody>
+                  <a:tcPr marL="7726" marR="7726" marT="7726" marB="0" anchor="b"/>
+                </a:tc>
+                <a:tc>
+                  <a:txBody>
+                    <a:bodyPr/>
+                    <a:lstStyle/>
+                    <a:p>
+                      <a:pPr algn="r" fontAlgn="b"/>
+                      <a:r>
+                        <a:rPr lang="en-US" sz="900" u="none" strike="noStrike">
+                          <a:effectLst/>
+                        </a:rPr>
+                        <a:t>-0.43141</a:t>
+                      </a:r>
+                      <a:endParaRPr lang="en-US" sz="900" b="0" i="0" u="none" strike="noStrike">
+                        <a:solidFill>
+                          <a:srgbClr val="000000"/>
+                        </a:solidFill>
+                        <a:effectLst/>
+                        <a:latin typeface="Calibri" panose="020F0502020204030204" pitchFamily="34" charset="0"/>
+                      </a:endParaRPr>
+                    </a:p>
+                  </a:txBody>
+                  <a:tcPr marL="7726" marR="7726" marT="7726" marB="0" anchor="b"/>
+                </a:tc>
+                <a:tc>
+                  <a:txBody>
+                    <a:bodyPr/>
+                    <a:lstStyle/>
+                    <a:p>
+                      <a:pPr algn="r" fontAlgn="b"/>
+                      <a:r>
+                        <a:rPr lang="en-US" sz="900" u="none" strike="noStrike">
+                          <a:effectLst/>
+                        </a:rPr>
+                        <a:t>1.059857</a:t>
+                      </a:r>
+                      <a:endParaRPr lang="en-US" sz="900" b="0" i="0" u="none" strike="noStrike">
+                        <a:solidFill>
+                          <a:srgbClr val="000000"/>
+                        </a:solidFill>
+                        <a:effectLst/>
+                        <a:latin typeface="Calibri" panose="020F0502020204030204" pitchFamily="34" charset="0"/>
+                      </a:endParaRPr>
+                    </a:p>
+                  </a:txBody>
+                  <a:tcPr marL="7726" marR="7726" marT="7726" marB="0" anchor="b"/>
+                </a:tc>
+                <a:tc>
+                  <a:txBody>
+                    <a:bodyPr/>
+                    <a:lstStyle/>
+                    <a:p>
+                      <a:pPr algn="r" fontAlgn="b"/>
+                      <a:r>
+                        <a:rPr lang="en-US" sz="900" u="none" strike="noStrike">
+                          <a:effectLst/>
+                        </a:rPr>
+                        <a:t>-0.66709</a:t>
+                      </a:r>
+                      <a:endParaRPr lang="en-US" sz="900" b="0" i="0" u="none" strike="noStrike">
+                        <a:solidFill>
+                          <a:srgbClr val="000000"/>
+                        </a:solidFill>
+                        <a:effectLst/>
+                        <a:latin typeface="Calibri" panose="020F0502020204030204" pitchFamily="34" charset="0"/>
+                      </a:endParaRPr>
+                    </a:p>
+                  </a:txBody>
+                  <a:tcPr marL="7726" marR="7726" marT="7726" marB="0" anchor="b"/>
+                </a:tc>
+                <a:tc>
+                  <a:txBody>
+                    <a:bodyPr/>
+                    <a:lstStyle/>
+                    <a:p>
+                      <a:pPr algn="r" fontAlgn="b"/>
+                      <a:r>
+                        <a:rPr lang="en-US" sz="900" u="none" strike="noStrike">
+                          <a:effectLst/>
+                        </a:rPr>
+                        <a:t>1.29554</a:t>
+                      </a:r>
+                      <a:endParaRPr lang="en-US" sz="900" b="0" i="0" u="none" strike="noStrike">
+                        <a:solidFill>
+                          <a:srgbClr val="000000"/>
+                        </a:solidFill>
+                        <a:effectLst/>
+                        <a:latin typeface="Calibri" panose="020F0502020204030204" pitchFamily="34" charset="0"/>
+                      </a:endParaRPr>
+                    </a:p>
+                  </a:txBody>
+                  <a:tcPr marL="7726" marR="7726" marT="7726" marB="0" anchor="b"/>
+                </a:tc>
+                <a:extLst>
+                  <a:ext uri="{0D108BD9-81ED-4DB2-BD59-A6C34878D82A}">
+                    <a16:rowId xmlns:a16="http://schemas.microsoft.com/office/drawing/2014/main" val="2151597707"/>
+                  </a:ext>
+                </a:extLst>
+              </a:tr>
+              <a:tr h="154525">
+                <a:tc>
+                  <a:txBody>
+                    <a:bodyPr/>
+                    <a:lstStyle/>
+                    <a:p>
+                      <a:pPr algn="l" fontAlgn="b"/>
+                      <a:r>
+                        <a:rPr lang="en-US" sz="900" u="none" strike="noStrike">
+                          <a:effectLst/>
+                        </a:rPr>
+                        <a:t>favorite_count</a:t>
+                      </a:r>
+                      <a:endParaRPr lang="en-US" sz="900" b="0" i="0" u="none" strike="noStrike">
+                        <a:solidFill>
+                          <a:srgbClr val="000000"/>
+                        </a:solidFill>
+                        <a:effectLst/>
+                        <a:latin typeface="Calibri" panose="020F0502020204030204" pitchFamily="34" charset="0"/>
+                      </a:endParaRPr>
+                    </a:p>
+                  </a:txBody>
+                  <a:tcPr marL="7726" marR="7726" marT="7726" marB="0" anchor="b"/>
+                </a:tc>
+                <a:tc>
+                  <a:txBody>
+                    <a:bodyPr/>
+                    <a:lstStyle/>
+                    <a:p>
+                      <a:pPr algn="r" fontAlgn="b"/>
+                      <a:r>
+                        <a:rPr lang="en-US" sz="900" u="none" strike="noStrike">
+                          <a:effectLst/>
+                        </a:rPr>
+                        <a:t>0.640664946</a:t>
+                      </a:r>
+                      <a:endParaRPr lang="en-US" sz="900" b="0" i="0" u="none" strike="noStrike">
+                        <a:solidFill>
+                          <a:srgbClr val="000000"/>
+                        </a:solidFill>
+                        <a:effectLst/>
+                        <a:latin typeface="Calibri" panose="020F0502020204030204" pitchFamily="34" charset="0"/>
+                      </a:endParaRPr>
+                    </a:p>
+                  </a:txBody>
+                  <a:tcPr marL="7726" marR="7726" marT="7726" marB="0" anchor="b"/>
+                </a:tc>
+                <a:tc>
+                  <a:txBody>
+                    <a:bodyPr/>
+                    <a:lstStyle/>
+                    <a:p>
+                      <a:pPr algn="r" fontAlgn="b"/>
+                      <a:r>
+                        <a:rPr lang="en-US" sz="900" u="none" strike="noStrike">
+                          <a:effectLst/>
+                        </a:rPr>
+                        <a:t>0.090377</a:t>
+                      </a:r>
+                      <a:endParaRPr lang="en-US" sz="900" b="0" i="0" u="none" strike="noStrike">
+                        <a:solidFill>
+                          <a:srgbClr val="000000"/>
+                        </a:solidFill>
+                        <a:effectLst/>
+                        <a:latin typeface="Calibri" panose="020F0502020204030204" pitchFamily="34" charset="0"/>
+                      </a:endParaRPr>
+                    </a:p>
+                  </a:txBody>
+                  <a:tcPr marL="7726" marR="7726" marT="7726" marB="0" anchor="b"/>
+                </a:tc>
+                <a:tc>
+                  <a:txBody>
+                    <a:bodyPr/>
+                    <a:lstStyle/>
+                    <a:p>
+                      <a:pPr algn="r" fontAlgn="b"/>
+                      <a:r>
+                        <a:rPr lang="en-US" sz="900" u="none" strike="noStrike">
+                          <a:effectLst/>
+                        </a:rPr>
+                        <a:t>7.088776</a:t>
+                      </a:r>
+                      <a:endParaRPr lang="en-US" sz="900" b="0" i="0" u="none" strike="noStrike">
+                        <a:solidFill>
+                          <a:srgbClr val="000000"/>
+                        </a:solidFill>
+                        <a:effectLst/>
+                        <a:latin typeface="Calibri" panose="020F0502020204030204" pitchFamily="34" charset="0"/>
+                      </a:endParaRPr>
+                    </a:p>
+                  </a:txBody>
+                  <a:tcPr marL="7726" marR="7726" marT="7726" marB="0" anchor="b"/>
+                </a:tc>
+                <a:tc>
+                  <a:txBody>
+                    <a:bodyPr/>
+                    <a:lstStyle/>
+                    <a:p>
+                      <a:pPr algn="r" fontAlgn="b"/>
+                      <a:r>
+                        <a:rPr lang="en-US" sz="900" u="none" strike="noStrike">
+                          <a:effectLst/>
+                        </a:rPr>
+                        <a:t>4.69E-12</a:t>
+                      </a:r>
+                      <a:endParaRPr lang="en-US" sz="900" b="0" i="0" u="none" strike="noStrike">
+                        <a:solidFill>
+                          <a:srgbClr val="000000"/>
+                        </a:solidFill>
+                        <a:effectLst/>
+                        <a:latin typeface="Calibri" panose="020F0502020204030204" pitchFamily="34" charset="0"/>
+                      </a:endParaRPr>
+                    </a:p>
+                  </a:txBody>
+                  <a:tcPr marL="7726" marR="7726" marT="7726" marB="0" anchor="b"/>
+                </a:tc>
+                <a:tc>
+                  <a:txBody>
+                    <a:bodyPr/>
+                    <a:lstStyle/>
+                    <a:p>
+                      <a:pPr algn="r" fontAlgn="b"/>
+                      <a:r>
+                        <a:rPr lang="en-US" sz="900" u="none" strike="noStrike">
+                          <a:effectLst/>
+                        </a:rPr>
+                        <a:t>0.463094</a:t>
+                      </a:r>
+                      <a:endParaRPr lang="en-US" sz="900" b="0" i="0" u="none" strike="noStrike">
+                        <a:solidFill>
+                          <a:srgbClr val="000000"/>
+                        </a:solidFill>
+                        <a:effectLst/>
+                        <a:latin typeface="Calibri" panose="020F0502020204030204" pitchFamily="34" charset="0"/>
+                      </a:endParaRPr>
+                    </a:p>
+                  </a:txBody>
+                  <a:tcPr marL="7726" marR="7726" marT="7726" marB="0" anchor="b"/>
+                </a:tc>
+                <a:tc>
+                  <a:txBody>
+                    <a:bodyPr/>
+                    <a:lstStyle/>
+                    <a:p>
+                      <a:pPr algn="r" fontAlgn="b"/>
+                      <a:r>
+                        <a:rPr lang="en-US" sz="900" u="none" strike="noStrike">
+                          <a:effectLst/>
+                        </a:rPr>
+                        <a:t>0.818236</a:t>
+                      </a:r>
+                      <a:endParaRPr lang="en-US" sz="900" b="0" i="0" u="none" strike="noStrike">
+                        <a:solidFill>
+                          <a:srgbClr val="000000"/>
+                        </a:solidFill>
+                        <a:effectLst/>
+                        <a:latin typeface="Calibri" panose="020F0502020204030204" pitchFamily="34" charset="0"/>
+                      </a:endParaRPr>
+                    </a:p>
+                  </a:txBody>
+                  <a:tcPr marL="7726" marR="7726" marT="7726" marB="0" anchor="b"/>
+                </a:tc>
+                <a:tc>
+                  <a:txBody>
+                    <a:bodyPr/>
+                    <a:lstStyle/>
+                    <a:p>
+                      <a:pPr algn="r" fontAlgn="b"/>
+                      <a:r>
+                        <a:rPr lang="en-US" sz="900" u="none" strike="noStrike">
+                          <a:effectLst/>
+                        </a:rPr>
+                        <a:t>0.406967</a:t>
+                      </a:r>
+                      <a:endParaRPr lang="en-US" sz="900" b="0" i="0" u="none" strike="noStrike">
+                        <a:solidFill>
+                          <a:srgbClr val="000000"/>
+                        </a:solidFill>
+                        <a:effectLst/>
+                        <a:latin typeface="Calibri" panose="020F0502020204030204" pitchFamily="34" charset="0"/>
+                      </a:endParaRPr>
+                    </a:p>
+                  </a:txBody>
+                  <a:tcPr marL="7726" marR="7726" marT="7726" marB="0" anchor="b"/>
+                </a:tc>
+                <a:tc>
+                  <a:txBody>
+                    <a:bodyPr/>
+                    <a:lstStyle/>
+                    <a:p>
+                      <a:pPr algn="r" fontAlgn="b"/>
+                      <a:r>
+                        <a:rPr lang="en-US" sz="900" u="none" strike="noStrike">
+                          <a:effectLst/>
+                        </a:rPr>
+                        <a:t>0.874363</a:t>
+                      </a:r>
+                      <a:endParaRPr lang="en-US" sz="900" b="0" i="0" u="none" strike="noStrike">
+                        <a:solidFill>
+                          <a:srgbClr val="000000"/>
+                        </a:solidFill>
+                        <a:effectLst/>
+                        <a:latin typeface="Calibri" panose="020F0502020204030204" pitchFamily="34" charset="0"/>
+                      </a:endParaRPr>
+                    </a:p>
+                  </a:txBody>
+                  <a:tcPr marL="7726" marR="7726" marT="7726" marB="0" anchor="b"/>
+                </a:tc>
+                <a:extLst>
+                  <a:ext uri="{0D108BD9-81ED-4DB2-BD59-A6C34878D82A}">
+                    <a16:rowId xmlns:a16="http://schemas.microsoft.com/office/drawing/2014/main" val="4150534031"/>
+                  </a:ext>
+                </a:extLst>
+              </a:tr>
+              <a:tr h="162251">
+                <a:tc>
+                  <a:txBody>
+                    <a:bodyPr/>
+                    <a:lstStyle/>
+                    <a:p>
+                      <a:pPr algn="l" fontAlgn="b"/>
+                      <a:r>
+                        <a:rPr lang="en-US" sz="900" u="none" strike="noStrike">
+                          <a:effectLst/>
+                        </a:rPr>
+                        <a:t>favorite_count sq</a:t>
+                      </a:r>
+                      <a:endParaRPr lang="en-US" sz="900" b="0" i="0" u="none" strike="noStrike">
+                        <a:solidFill>
+                          <a:srgbClr val="000000"/>
+                        </a:solidFill>
+                        <a:effectLst/>
+                        <a:latin typeface="Calibri" panose="020F0502020204030204" pitchFamily="34" charset="0"/>
+                      </a:endParaRPr>
+                    </a:p>
+                  </a:txBody>
+                  <a:tcPr marL="7726" marR="7726" marT="7726" marB="0" anchor="b"/>
+                </a:tc>
+                <a:tc>
+                  <a:txBody>
+                    <a:bodyPr/>
+                    <a:lstStyle/>
+                    <a:p>
+                      <a:pPr algn="r" fontAlgn="b"/>
+                      <a:r>
+                        <a:rPr lang="en-US" sz="900" u="none" strike="noStrike">
+                          <a:effectLst/>
+                        </a:rPr>
+                        <a:t>0.00716329</a:t>
+                      </a:r>
+                      <a:endParaRPr lang="en-US" sz="900" b="0" i="0" u="none" strike="noStrike">
+                        <a:solidFill>
+                          <a:srgbClr val="000000"/>
+                        </a:solidFill>
+                        <a:effectLst/>
+                        <a:latin typeface="Calibri" panose="020F0502020204030204" pitchFamily="34" charset="0"/>
+                      </a:endParaRPr>
+                    </a:p>
+                  </a:txBody>
+                  <a:tcPr marL="7726" marR="7726" marT="7726" marB="0" anchor="b"/>
+                </a:tc>
+                <a:tc>
+                  <a:txBody>
+                    <a:bodyPr/>
+                    <a:lstStyle/>
+                    <a:p>
+                      <a:pPr algn="r" fontAlgn="b"/>
+                      <a:r>
+                        <a:rPr lang="en-US" sz="900" u="none" strike="noStrike">
+                          <a:effectLst/>
+                        </a:rPr>
+                        <a:t>0.000148</a:t>
+                      </a:r>
+                      <a:endParaRPr lang="en-US" sz="900" b="0" i="0" u="none" strike="noStrike">
+                        <a:solidFill>
+                          <a:srgbClr val="000000"/>
+                        </a:solidFill>
+                        <a:effectLst/>
+                        <a:latin typeface="Calibri" panose="020F0502020204030204" pitchFamily="34" charset="0"/>
+                      </a:endParaRPr>
+                    </a:p>
+                  </a:txBody>
+                  <a:tcPr marL="7726" marR="7726" marT="7726" marB="0" anchor="b"/>
+                </a:tc>
+                <a:tc>
+                  <a:txBody>
+                    <a:bodyPr/>
+                    <a:lstStyle/>
+                    <a:p>
+                      <a:pPr algn="r" fontAlgn="b"/>
+                      <a:r>
+                        <a:rPr lang="en-US" sz="900" u="none" strike="noStrike">
+                          <a:effectLst/>
+                        </a:rPr>
+                        <a:t>48.31176</a:t>
+                      </a:r>
+                      <a:endParaRPr lang="en-US" sz="900" b="0" i="0" u="none" strike="noStrike">
+                        <a:solidFill>
+                          <a:srgbClr val="000000"/>
+                        </a:solidFill>
+                        <a:effectLst/>
+                        <a:latin typeface="Calibri" panose="020F0502020204030204" pitchFamily="34" charset="0"/>
+                      </a:endParaRPr>
+                    </a:p>
+                  </a:txBody>
+                  <a:tcPr marL="7726" marR="7726" marT="7726" marB="0" anchor="b"/>
+                </a:tc>
+                <a:tc>
+                  <a:txBody>
+                    <a:bodyPr/>
+                    <a:lstStyle/>
+                    <a:p>
+                      <a:pPr algn="r" fontAlgn="b"/>
+                      <a:r>
+                        <a:rPr lang="en-US" sz="900" u="none" strike="noStrike">
+                          <a:effectLst/>
+                        </a:rPr>
+                        <a:t>1.7E-189</a:t>
+                      </a:r>
+                      <a:endParaRPr lang="en-US" sz="900" b="0" i="0" u="none" strike="noStrike">
+                        <a:solidFill>
+                          <a:srgbClr val="000000"/>
+                        </a:solidFill>
+                        <a:effectLst/>
+                        <a:latin typeface="Calibri" panose="020F0502020204030204" pitchFamily="34" charset="0"/>
+                      </a:endParaRPr>
+                    </a:p>
+                  </a:txBody>
+                  <a:tcPr marL="7726" marR="7726" marT="7726" marB="0" anchor="b"/>
+                </a:tc>
+                <a:tc>
+                  <a:txBody>
+                    <a:bodyPr/>
+                    <a:lstStyle/>
+                    <a:p>
+                      <a:pPr algn="r" fontAlgn="b"/>
+                      <a:r>
+                        <a:rPr lang="en-US" sz="900" u="none" strike="noStrike">
+                          <a:effectLst/>
+                        </a:rPr>
+                        <a:t>0.006872</a:t>
+                      </a:r>
+                      <a:endParaRPr lang="en-US" sz="900" b="0" i="0" u="none" strike="noStrike">
+                        <a:solidFill>
+                          <a:srgbClr val="000000"/>
+                        </a:solidFill>
+                        <a:effectLst/>
+                        <a:latin typeface="Calibri" panose="020F0502020204030204" pitchFamily="34" charset="0"/>
+                      </a:endParaRPr>
+                    </a:p>
+                  </a:txBody>
+                  <a:tcPr marL="7726" marR="7726" marT="7726" marB="0" anchor="b"/>
+                </a:tc>
+                <a:tc>
+                  <a:txBody>
+                    <a:bodyPr/>
+                    <a:lstStyle/>
+                    <a:p>
+                      <a:pPr algn="r" fontAlgn="b"/>
+                      <a:r>
+                        <a:rPr lang="en-US" sz="900" u="none" strike="noStrike">
+                          <a:effectLst/>
+                        </a:rPr>
+                        <a:t>0.007455</a:t>
+                      </a:r>
+                      <a:endParaRPr lang="en-US" sz="900" b="0" i="0" u="none" strike="noStrike">
+                        <a:solidFill>
+                          <a:srgbClr val="000000"/>
+                        </a:solidFill>
+                        <a:effectLst/>
+                        <a:latin typeface="Calibri" panose="020F0502020204030204" pitchFamily="34" charset="0"/>
+                      </a:endParaRPr>
+                    </a:p>
+                  </a:txBody>
+                  <a:tcPr marL="7726" marR="7726" marT="7726" marB="0" anchor="b"/>
+                </a:tc>
+                <a:tc>
+                  <a:txBody>
+                    <a:bodyPr/>
+                    <a:lstStyle/>
+                    <a:p>
+                      <a:pPr algn="r" fontAlgn="b"/>
+                      <a:r>
+                        <a:rPr lang="en-US" sz="900" u="none" strike="noStrike">
+                          <a:effectLst/>
+                        </a:rPr>
+                        <a:t>0.00678</a:t>
+                      </a:r>
+                      <a:endParaRPr lang="en-US" sz="900" b="0" i="0" u="none" strike="noStrike">
+                        <a:solidFill>
+                          <a:srgbClr val="000000"/>
+                        </a:solidFill>
+                        <a:effectLst/>
+                        <a:latin typeface="Calibri" panose="020F0502020204030204" pitchFamily="34" charset="0"/>
+                      </a:endParaRPr>
+                    </a:p>
+                  </a:txBody>
+                  <a:tcPr marL="7726" marR="7726" marT="7726" marB="0" anchor="b"/>
+                </a:tc>
+                <a:tc>
+                  <a:txBody>
+                    <a:bodyPr/>
+                    <a:lstStyle/>
+                    <a:p>
+                      <a:pPr algn="r" fontAlgn="b"/>
+                      <a:r>
+                        <a:rPr lang="en-US" sz="900" u="none" strike="noStrike" dirty="0">
+                          <a:effectLst/>
+                        </a:rPr>
+                        <a:t>0.007547</a:t>
+                      </a:r>
+                      <a:endParaRPr lang="en-US" sz="900" b="0" i="0" u="none" strike="noStrike" dirty="0">
+                        <a:solidFill>
+                          <a:srgbClr val="000000"/>
+                        </a:solidFill>
+                        <a:effectLst/>
+                        <a:latin typeface="Calibri" panose="020F0502020204030204" pitchFamily="34" charset="0"/>
+                      </a:endParaRPr>
+                    </a:p>
+                  </a:txBody>
+                  <a:tcPr marL="7726" marR="7726" marT="7726" marB="0" anchor="b"/>
+                </a:tc>
+                <a:extLst>
+                  <a:ext uri="{0D108BD9-81ED-4DB2-BD59-A6C34878D82A}">
+                    <a16:rowId xmlns:a16="http://schemas.microsoft.com/office/drawing/2014/main" val="2124804718"/>
+                  </a:ext>
+                </a:extLst>
+              </a:tr>
+            </a:tbl>
+          </a:graphicData>
+        </a:graphic>
+      </p:graphicFrame>
+      <p:sp>
+        <p:nvSpPr>
+          <p:cNvPr id="3" name="TextBox 2">
+            <a:extLst>
+              <a:ext uri="{FF2B5EF4-FFF2-40B4-BE49-F238E27FC236}">
+                <a16:creationId xmlns:a16="http://schemas.microsoft.com/office/drawing/2014/main" id="{B123B595-9B3C-41B2-97FF-C4625B57656C}"/>
+              </a:ext>
+            </a:extLst>
+          </p:cNvPr>
+          <p:cNvSpPr txBox="1"/>
+          <p:nvPr/>
+        </p:nvSpPr>
+        <p:spPr>
+          <a:xfrm>
+            <a:off x="1270711" y="1269402"/>
+            <a:ext cx="9917245" cy="1569660"/>
+          </a:xfrm>
+          <a:prstGeom prst="rect">
+            <a:avLst/>
+          </a:prstGeom>
+          <a:noFill/>
+        </p:spPr>
+        <p:txBody>
+          <a:bodyPr wrap="square" rtlCol="0">
+            <a:spAutoFit/>
+          </a:bodyPr>
+          <a:lstStyle/>
+          <a:p>
+            <a:r>
+              <a:rPr lang="en-US" sz="3200" dirty="0"/>
+              <a:t>By using Quadratic Regression Models R square can be improved to 97.88%</a:t>
+            </a:r>
+          </a:p>
+          <a:p>
+            <a:r>
+              <a:rPr lang="en-US" sz="3200" dirty="0"/>
+              <a:t>By validation by other data, this model is not overfitting </a:t>
+            </a:r>
+          </a:p>
+        </p:txBody>
+      </p:sp>
     </p:spTree>
     <p:extLst>
       <p:ext uri="{BB962C8B-B14F-4D97-AF65-F5344CB8AC3E}">

--- a/Data Analytics and Information Virtualization Project.pptx
+++ b/Data Analytics and Information Virtualization Project.pptx
@@ -20,7 +20,12 @@
     <p:sldId id="270" r:id="rId14"/>
     <p:sldId id="271" r:id="rId15"/>
     <p:sldId id="272" r:id="rId16"/>
-    <p:sldId id="266" r:id="rId17"/>
+    <p:sldId id="273" r:id="rId17"/>
+    <p:sldId id="275" r:id="rId18"/>
+    <p:sldId id="276" r:id="rId19"/>
+    <p:sldId id="274" r:id="rId20"/>
+    <p:sldId id="277" r:id="rId21"/>
+    <p:sldId id="266" r:id="rId22"/>
   </p:sldIdLst>
   <p:sldSz cx="12192000" cy="6858000"/>
   <p:notesSz cx="6858000" cy="9144000"/>
@@ -177,7 +182,7 @@
           <a:noFill/>
           <a:extLst>
             <a:ext uri="{909E8E84-426E-40dd-AFC4-6F175D3DCCD1}">
-              <a14:hiddenFill xmlns:a14="http://schemas.microsoft.com/office/drawing/2010/main" xmlns="">
+              <a14:hiddenFill xmlns="" xmlns:a14="http://schemas.microsoft.com/office/drawing/2010/main">
                 <a:solidFill>
                   <a:srgbClr val="FFFFFF"/>
                 </a:solidFill>
@@ -237,7 +242,7 @@
             </a:ln>
             <a:extLst>
               <a:ext uri="{91240B29-F687-4f45-9708-019B960494DF}">
-                <a14:hiddenLine xmlns:a14="http://schemas.microsoft.com/office/drawing/2010/main" xmlns="" w="9525">
+                <a14:hiddenLine xmlns="" xmlns:a14="http://schemas.microsoft.com/office/drawing/2010/main" w="9525">
                   <a:solidFill>
                     <a:srgbClr val="000000"/>
                   </a:solidFill>
@@ -327,7 +332,7 @@
             </a:ln>
             <a:extLst>
               <a:ext uri="{91240B29-F687-4f45-9708-019B960494DF}">
-                <a14:hiddenLine xmlns:a14="http://schemas.microsoft.com/office/drawing/2010/main" xmlns="" w="9525">
+                <a14:hiddenLine xmlns="" xmlns:a14="http://schemas.microsoft.com/office/drawing/2010/main" w="9525">
                   <a:solidFill>
                     <a:srgbClr val="000000"/>
                   </a:solidFill>
@@ -417,7 +422,7 @@
             </a:ln>
             <a:extLst>
               <a:ext uri="{91240B29-F687-4f45-9708-019B960494DF}">
-                <a14:hiddenLine xmlns:a14="http://schemas.microsoft.com/office/drawing/2010/main" xmlns="" w="9525">
+                <a14:hiddenLine xmlns="" xmlns:a14="http://schemas.microsoft.com/office/drawing/2010/main" w="9525">
                   <a:solidFill>
                     <a:srgbClr val="000000"/>
                   </a:solidFill>
@@ -451,7 +456,7 @@
             </a:ln>
             <a:extLst>
               <a:ext uri="{91240B29-F687-4f45-9708-019B960494DF}">
-                <a14:hiddenLine xmlns:a14="http://schemas.microsoft.com/office/drawing/2010/main" xmlns="" w="9525">
+                <a14:hiddenLine xmlns="" xmlns:a14="http://schemas.microsoft.com/office/drawing/2010/main" w="9525">
                   <a:solidFill>
                     <a:srgbClr val="000000"/>
                   </a:solidFill>
@@ -541,7 +546,7 @@
             </a:ln>
             <a:extLst>
               <a:ext uri="{91240B29-F687-4f45-9708-019B960494DF}">
-                <a14:hiddenLine xmlns:a14="http://schemas.microsoft.com/office/drawing/2010/main" xmlns="" w="9525">
+                <a14:hiddenLine xmlns="" xmlns:a14="http://schemas.microsoft.com/office/drawing/2010/main" w="9525">
                   <a:solidFill>
                     <a:srgbClr val="000000"/>
                   </a:solidFill>
@@ -603,7 +608,7 @@
             </a:ln>
             <a:extLst>
               <a:ext uri="{91240B29-F687-4f45-9708-019B960494DF}">
-                <a14:hiddenLine xmlns:a14="http://schemas.microsoft.com/office/drawing/2010/main" xmlns="" w="9525">
+                <a14:hiddenLine xmlns="" xmlns:a14="http://schemas.microsoft.com/office/drawing/2010/main" w="9525">
                   <a:solidFill>
                     <a:srgbClr val="000000"/>
                   </a:solidFill>
@@ -665,7 +670,7 @@
             </a:ln>
             <a:extLst>
               <a:ext uri="{91240B29-F687-4f45-9708-019B960494DF}">
-                <a14:hiddenLine xmlns:a14="http://schemas.microsoft.com/office/drawing/2010/main" xmlns="" w="9525">
+                <a14:hiddenLine xmlns="" xmlns:a14="http://schemas.microsoft.com/office/drawing/2010/main" w="9525">
                   <a:solidFill>
                     <a:srgbClr val="000000"/>
                   </a:solidFill>
@@ -755,7 +760,7 @@
             </a:ln>
             <a:extLst>
               <a:ext uri="{91240B29-F687-4f45-9708-019B960494DF}">
-                <a14:hiddenLine xmlns:a14="http://schemas.microsoft.com/office/drawing/2010/main" xmlns="" w="9525">
+                <a14:hiddenLine xmlns="" xmlns:a14="http://schemas.microsoft.com/office/drawing/2010/main" w="9525">
                   <a:solidFill>
                     <a:srgbClr val="000000"/>
                   </a:solidFill>
@@ -817,7 +822,7 @@
             </a:ln>
             <a:extLst>
               <a:ext uri="{91240B29-F687-4f45-9708-019B960494DF}">
-                <a14:hiddenLine xmlns:a14="http://schemas.microsoft.com/office/drawing/2010/main" xmlns="" w="9525">
+                <a14:hiddenLine xmlns="" xmlns:a14="http://schemas.microsoft.com/office/drawing/2010/main" w="9525">
                   <a:solidFill>
                     <a:srgbClr val="000000"/>
                   </a:solidFill>
@@ -879,7 +884,7 @@
             </a:ln>
             <a:extLst>
               <a:ext uri="{91240B29-F687-4f45-9708-019B960494DF}">
-                <a14:hiddenLine xmlns:a14="http://schemas.microsoft.com/office/drawing/2010/main" xmlns="" w="9525">
+                <a14:hiddenLine xmlns="" xmlns:a14="http://schemas.microsoft.com/office/drawing/2010/main" w="9525">
                   <a:solidFill>
                     <a:srgbClr val="000000"/>
                   </a:solidFill>
@@ -969,7 +974,7 @@
             </a:ln>
             <a:extLst>
               <a:ext uri="{91240B29-F687-4f45-9708-019B960494DF}">
-                <a14:hiddenLine xmlns:a14="http://schemas.microsoft.com/office/drawing/2010/main" xmlns="" w="9525">
+                <a14:hiddenLine xmlns="" xmlns:a14="http://schemas.microsoft.com/office/drawing/2010/main" w="9525">
                   <a:solidFill>
                     <a:srgbClr val="000000"/>
                   </a:solidFill>
@@ -1059,7 +1064,7 @@
             </a:ln>
             <a:extLst>
               <a:ext uri="{91240B29-F687-4f45-9708-019B960494DF}">
-                <a14:hiddenLine xmlns:a14="http://schemas.microsoft.com/office/drawing/2010/main" xmlns="" w="9525">
+                <a14:hiddenLine xmlns="" xmlns:a14="http://schemas.microsoft.com/office/drawing/2010/main" w="9525">
                   <a:solidFill>
                     <a:srgbClr val="000000"/>
                   </a:solidFill>
@@ -1121,7 +1126,7 @@
             </a:ln>
             <a:extLst>
               <a:ext uri="{91240B29-F687-4f45-9708-019B960494DF}">
-                <a14:hiddenLine xmlns:a14="http://schemas.microsoft.com/office/drawing/2010/main" xmlns="" w="9525">
+                <a14:hiddenLine xmlns="" xmlns:a14="http://schemas.microsoft.com/office/drawing/2010/main" w="9525">
                   <a:solidFill>
                     <a:srgbClr val="000000"/>
                   </a:solidFill>
@@ -1231,7 +1236,7 @@
             </a:ln>
             <a:extLst>
               <a:ext uri="{91240B29-F687-4f45-9708-019B960494DF}">
-                <a14:hiddenLine xmlns:a14="http://schemas.microsoft.com/office/drawing/2010/main" xmlns="" w="9525">
+                <a14:hiddenLine xmlns="" xmlns:a14="http://schemas.microsoft.com/office/drawing/2010/main" w="9525">
                   <a:solidFill>
                     <a:srgbClr val="000000"/>
                   </a:solidFill>
@@ -1293,7 +1298,7 @@
             </a:ln>
             <a:extLst>
               <a:ext uri="{91240B29-F687-4f45-9708-019B960494DF}">
-                <a14:hiddenLine xmlns:a14="http://schemas.microsoft.com/office/drawing/2010/main" xmlns="" w="9525">
+                <a14:hiddenLine xmlns="" xmlns:a14="http://schemas.microsoft.com/office/drawing/2010/main" w="9525">
                   <a:solidFill>
                     <a:srgbClr val="000000"/>
                   </a:solidFill>
@@ -1383,7 +1388,7 @@
             </a:ln>
             <a:extLst>
               <a:ext uri="{91240B29-F687-4f45-9708-019B960494DF}">
-                <a14:hiddenLine xmlns:a14="http://schemas.microsoft.com/office/drawing/2010/main" xmlns="" w="9525">
+                <a14:hiddenLine xmlns="" xmlns:a14="http://schemas.microsoft.com/office/drawing/2010/main" w="9525">
                   <a:solidFill>
                     <a:srgbClr val="000000"/>
                   </a:solidFill>
@@ -1473,7 +1478,7 @@
             </a:ln>
             <a:extLst>
               <a:ext uri="{91240B29-F687-4f45-9708-019B960494DF}">
-                <a14:hiddenLine xmlns:a14="http://schemas.microsoft.com/office/drawing/2010/main" xmlns="" w="9525">
+                <a14:hiddenLine xmlns="" xmlns:a14="http://schemas.microsoft.com/office/drawing/2010/main" w="9525">
                   <a:solidFill>
                     <a:srgbClr val="000000"/>
                   </a:solidFill>
@@ -1535,7 +1540,7 @@
             </a:ln>
             <a:extLst>
               <a:ext uri="{91240B29-F687-4f45-9708-019B960494DF}">
-                <a14:hiddenLine xmlns:a14="http://schemas.microsoft.com/office/drawing/2010/main" xmlns="" w="9525">
+                <a14:hiddenLine xmlns="" xmlns:a14="http://schemas.microsoft.com/office/drawing/2010/main" w="9525">
                   <a:solidFill>
                     <a:srgbClr val="000000"/>
                   </a:solidFill>
@@ -1625,7 +1630,7 @@
             </a:ln>
             <a:extLst>
               <a:ext uri="{91240B29-F687-4f45-9708-019B960494DF}">
-                <a14:hiddenLine xmlns:a14="http://schemas.microsoft.com/office/drawing/2010/main" xmlns="" w="9525">
+                <a14:hiddenLine xmlns="" xmlns:a14="http://schemas.microsoft.com/office/drawing/2010/main" w="9525">
                   <a:solidFill>
                     <a:srgbClr val="000000"/>
                   </a:solidFill>
@@ -1715,7 +1720,7 @@
             </a:ln>
             <a:extLst>
               <a:ext uri="{91240B29-F687-4f45-9708-019B960494DF}">
-                <a14:hiddenLine xmlns:a14="http://schemas.microsoft.com/office/drawing/2010/main" xmlns="" w="9525">
+                <a14:hiddenLine xmlns="" xmlns:a14="http://schemas.microsoft.com/office/drawing/2010/main" w="9525">
                   <a:solidFill>
                     <a:srgbClr val="000000"/>
                   </a:solidFill>
@@ -1771,7 +1776,7 @@
             </a:ln>
             <a:extLst>
               <a:ext uri="{91240B29-F687-4f45-9708-019B960494DF}">
-                <a14:hiddenLine xmlns:a14="http://schemas.microsoft.com/office/drawing/2010/main" xmlns="" w="9525">
+                <a14:hiddenLine xmlns="" xmlns:a14="http://schemas.microsoft.com/office/drawing/2010/main" w="9525">
                   <a:solidFill>
                     <a:srgbClr val="000000"/>
                   </a:solidFill>
@@ -1861,7 +1866,7 @@
             </a:ln>
             <a:extLst>
               <a:ext uri="{91240B29-F687-4f45-9708-019B960494DF}">
-                <a14:hiddenLine xmlns:a14="http://schemas.microsoft.com/office/drawing/2010/main" xmlns="" w="9525">
+                <a14:hiddenLine xmlns="" xmlns:a14="http://schemas.microsoft.com/office/drawing/2010/main" w="9525">
                   <a:solidFill>
                     <a:srgbClr val="000000"/>
                   </a:solidFill>
@@ -1917,7 +1922,7 @@
             </a:ln>
             <a:extLst>
               <a:ext uri="{91240B29-F687-4f45-9708-019B960494DF}">
-                <a14:hiddenLine xmlns:a14="http://schemas.microsoft.com/office/drawing/2010/main" xmlns="" w="9525">
+                <a14:hiddenLine xmlns="" xmlns:a14="http://schemas.microsoft.com/office/drawing/2010/main" w="9525">
                   <a:solidFill>
                     <a:srgbClr val="000000"/>
                   </a:solidFill>
@@ -2007,7 +2012,7 @@
             </a:ln>
             <a:extLst>
               <a:ext uri="{91240B29-F687-4f45-9708-019B960494DF}">
-                <a14:hiddenLine xmlns:a14="http://schemas.microsoft.com/office/drawing/2010/main" xmlns="" w="9525">
+                <a14:hiddenLine xmlns="" xmlns:a14="http://schemas.microsoft.com/office/drawing/2010/main" w="9525">
                   <a:solidFill>
                     <a:srgbClr val="000000"/>
                   </a:solidFill>
@@ -2075,7 +2080,7 @@
             </a:ln>
             <a:extLst>
               <a:ext uri="{91240B29-F687-4f45-9708-019B960494DF}">
-                <a14:hiddenLine xmlns:a14="http://schemas.microsoft.com/office/drawing/2010/main" xmlns="" w="9525">
+                <a14:hiddenLine xmlns="" xmlns:a14="http://schemas.microsoft.com/office/drawing/2010/main" w="9525">
                   <a:solidFill>
                     <a:srgbClr val="000000"/>
                   </a:solidFill>
@@ -2165,7 +2170,7 @@
             </a:ln>
             <a:extLst>
               <a:ext uri="{91240B29-F687-4f45-9708-019B960494DF}">
-                <a14:hiddenLine xmlns:a14="http://schemas.microsoft.com/office/drawing/2010/main" xmlns="" w="9525">
+                <a14:hiddenLine xmlns="" xmlns:a14="http://schemas.microsoft.com/office/drawing/2010/main" w="9525">
                   <a:solidFill>
                     <a:srgbClr val="000000"/>
                   </a:solidFill>
@@ -2233,7 +2238,7 @@
             </a:ln>
             <a:extLst>
               <a:ext uri="{91240B29-F687-4f45-9708-019B960494DF}">
-                <a14:hiddenLine xmlns:a14="http://schemas.microsoft.com/office/drawing/2010/main" xmlns="" w="9525">
+                <a14:hiddenLine xmlns="" xmlns:a14="http://schemas.microsoft.com/office/drawing/2010/main" w="9525">
                   <a:solidFill>
                     <a:srgbClr val="000000"/>
                   </a:solidFill>
@@ -2323,7 +2328,7 @@
             </a:ln>
             <a:extLst>
               <a:ext uri="{91240B29-F687-4f45-9708-019B960494DF}">
-                <a14:hiddenLine xmlns:a14="http://schemas.microsoft.com/office/drawing/2010/main" xmlns="" w="9525">
+                <a14:hiddenLine xmlns="" xmlns:a14="http://schemas.microsoft.com/office/drawing/2010/main" w="9525">
                   <a:solidFill>
                     <a:srgbClr val="000000"/>
                   </a:solidFill>
@@ -2357,7 +2362,7 @@
             </a:ln>
             <a:extLst>
               <a:ext uri="{91240B29-F687-4f45-9708-019B960494DF}">
-                <a14:hiddenLine xmlns:a14="http://schemas.microsoft.com/office/drawing/2010/main" xmlns="" w="9525">
+                <a14:hiddenLine xmlns="" xmlns:a14="http://schemas.microsoft.com/office/drawing/2010/main" w="9525">
                   <a:solidFill>
                     <a:srgbClr val="000000"/>
                   </a:solidFill>
@@ -2447,7 +2452,7 @@
             </a:ln>
             <a:extLst>
               <a:ext uri="{91240B29-F687-4f45-9708-019B960494DF}">
-                <a14:hiddenLine xmlns:a14="http://schemas.microsoft.com/office/drawing/2010/main" xmlns="" w="9525">
+                <a14:hiddenLine xmlns="" xmlns:a14="http://schemas.microsoft.com/office/drawing/2010/main" w="9525">
                   <a:solidFill>
                     <a:srgbClr val="000000"/>
                   </a:solidFill>
@@ -2509,7 +2514,7 @@
             </a:ln>
             <a:extLst>
               <a:ext uri="{91240B29-F687-4f45-9708-019B960494DF}">
-                <a14:hiddenLine xmlns:a14="http://schemas.microsoft.com/office/drawing/2010/main" xmlns="" w="9525">
+                <a14:hiddenLine xmlns="" xmlns:a14="http://schemas.microsoft.com/office/drawing/2010/main" w="9525">
                   <a:solidFill>
                     <a:srgbClr val="000000"/>
                   </a:solidFill>
@@ -2571,7 +2576,7 @@
             </a:ln>
             <a:extLst>
               <a:ext uri="{91240B29-F687-4f45-9708-019B960494DF}">
-                <a14:hiddenLine xmlns:a14="http://schemas.microsoft.com/office/drawing/2010/main" xmlns="" w="9525">
+                <a14:hiddenLine xmlns="" xmlns:a14="http://schemas.microsoft.com/office/drawing/2010/main" w="9525">
                   <a:solidFill>
                     <a:srgbClr val="000000"/>
                   </a:solidFill>
@@ -2661,7 +2666,7 @@
             </a:ln>
             <a:extLst>
               <a:ext uri="{91240B29-F687-4f45-9708-019B960494DF}">
-                <a14:hiddenLine xmlns:a14="http://schemas.microsoft.com/office/drawing/2010/main" xmlns="" w="9525">
+                <a14:hiddenLine xmlns="" xmlns:a14="http://schemas.microsoft.com/office/drawing/2010/main" w="9525">
                   <a:solidFill>
                     <a:srgbClr val="000000"/>
                   </a:solidFill>
@@ -2729,7 +2734,7 @@
             </a:ln>
             <a:extLst>
               <a:ext uri="{91240B29-F687-4f45-9708-019B960494DF}">
-                <a14:hiddenLine xmlns:a14="http://schemas.microsoft.com/office/drawing/2010/main" xmlns="" w="9525">
+                <a14:hiddenLine xmlns="" xmlns:a14="http://schemas.microsoft.com/office/drawing/2010/main" w="9525">
                   <a:solidFill>
                     <a:srgbClr val="000000"/>
                   </a:solidFill>
@@ -2791,7 +2796,7 @@
             </a:ln>
             <a:extLst>
               <a:ext uri="{91240B29-F687-4f45-9708-019B960494DF}">
-                <a14:hiddenLine xmlns:a14="http://schemas.microsoft.com/office/drawing/2010/main" xmlns="" w="9525">
+                <a14:hiddenLine xmlns="" xmlns:a14="http://schemas.microsoft.com/office/drawing/2010/main" w="9525">
                   <a:solidFill>
                     <a:srgbClr val="000000"/>
                   </a:solidFill>
@@ -2881,7 +2886,7 @@
             </a:ln>
             <a:extLst>
               <a:ext uri="{91240B29-F687-4f45-9708-019B960494DF}">
-                <a14:hiddenLine xmlns:a14="http://schemas.microsoft.com/office/drawing/2010/main" xmlns="" w="9525">
+                <a14:hiddenLine xmlns="" xmlns:a14="http://schemas.microsoft.com/office/drawing/2010/main" w="9525">
                   <a:solidFill>
                     <a:srgbClr val="000000"/>
                   </a:solidFill>
@@ -2943,7 +2948,7 @@
             </a:ln>
             <a:extLst>
               <a:ext uri="{91240B29-F687-4f45-9708-019B960494DF}">
-                <a14:hiddenLine xmlns:a14="http://schemas.microsoft.com/office/drawing/2010/main" xmlns="" w="9525">
+                <a14:hiddenLine xmlns="" xmlns:a14="http://schemas.microsoft.com/office/drawing/2010/main" w="9525">
                   <a:solidFill>
                     <a:srgbClr val="000000"/>
                   </a:solidFill>
@@ -3033,7 +3038,7 @@
             </a:ln>
             <a:extLst>
               <a:ext uri="{91240B29-F687-4f45-9708-019B960494DF}">
-                <a14:hiddenLine xmlns:a14="http://schemas.microsoft.com/office/drawing/2010/main" xmlns="" w="9525">
+                <a14:hiddenLine xmlns="" xmlns:a14="http://schemas.microsoft.com/office/drawing/2010/main" w="9525">
                   <a:solidFill>
                     <a:srgbClr val="000000"/>
                   </a:solidFill>
@@ -3095,7 +3100,7 @@
             </a:ln>
             <a:extLst>
               <a:ext uri="{91240B29-F687-4f45-9708-019B960494DF}">
-                <a14:hiddenLine xmlns:a14="http://schemas.microsoft.com/office/drawing/2010/main" xmlns="" w="9525">
+                <a14:hiddenLine xmlns="" xmlns:a14="http://schemas.microsoft.com/office/drawing/2010/main" w="9525">
                   <a:solidFill>
                     <a:srgbClr val="000000"/>
                   </a:solidFill>
@@ -3185,7 +3190,7 @@
             </a:ln>
             <a:extLst>
               <a:ext uri="{91240B29-F687-4f45-9708-019B960494DF}">
-                <a14:hiddenLine xmlns:a14="http://schemas.microsoft.com/office/drawing/2010/main" xmlns="" w="9525">
+                <a14:hiddenLine xmlns="" xmlns:a14="http://schemas.microsoft.com/office/drawing/2010/main" w="9525">
                   <a:solidFill>
                     <a:srgbClr val="000000"/>
                   </a:solidFill>
@@ -3219,7 +3224,7 @@
             </a:ln>
             <a:extLst>
               <a:ext uri="{91240B29-F687-4f45-9708-019B960494DF}">
-                <a14:hiddenLine xmlns:a14="http://schemas.microsoft.com/office/drawing/2010/main" xmlns="" w="9525">
+                <a14:hiddenLine xmlns="" xmlns:a14="http://schemas.microsoft.com/office/drawing/2010/main" w="9525">
                   <a:solidFill>
                     <a:srgbClr val="000000"/>
                   </a:solidFill>
@@ -3284,7 +3289,7 @@
             </a:ln>
             <a:extLst>
               <a:ext uri="{91240B29-F687-4f45-9708-019B960494DF}">
-                <a14:hiddenLine xmlns:a14="http://schemas.microsoft.com/office/drawing/2010/main" xmlns="" w="9525">
+                <a14:hiddenLine xmlns="" xmlns:a14="http://schemas.microsoft.com/office/drawing/2010/main" w="9525">
                   <a:solidFill>
                     <a:srgbClr val="000000"/>
                   </a:solidFill>
@@ -3374,7 +3379,7 @@
             </a:ln>
             <a:extLst>
               <a:ext uri="{91240B29-F687-4f45-9708-019B960494DF}">
-                <a14:hiddenLine xmlns:a14="http://schemas.microsoft.com/office/drawing/2010/main" xmlns="" w="9525">
+                <a14:hiddenLine xmlns="" xmlns:a14="http://schemas.microsoft.com/office/drawing/2010/main" w="9525">
                   <a:solidFill>
                     <a:srgbClr val="000000"/>
                   </a:solidFill>
@@ -3436,7 +3441,7 @@
             </a:ln>
             <a:extLst>
               <a:ext uri="{91240B29-F687-4f45-9708-019B960494DF}">
-                <a14:hiddenLine xmlns:a14="http://schemas.microsoft.com/office/drawing/2010/main" xmlns="" w="9525">
+                <a14:hiddenLine xmlns="" xmlns:a14="http://schemas.microsoft.com/office/drawing/2010/main" w="9525">
                   <a:solidFill>
                     <a:srgbClr val="000000"/>
                   </a:solidFill>
@@ -3526,7 +3531,7 @@
             </a:ln>
             <a:extLst>
               <a:ext uri="{91240B29-F687-4f45-9708-019B960494DF}">
-                <a14:hiddenLine xmlns:a14="http://schemas.microsoft.com/office/drawing/2010/main" xmlns="" w="9525">
+                <a14:hiddenLine xmlns="" xmlns:a14="http://schemas.microsoft.com/office/drawing/2010/main" w="9525">
                   <a:solidFill>
                     <a:srgbClr val="000000"/>
                   </a:solidFill>
@@ -3616,7 +3621,7 @@
             </a:ln>
             <a:extLst>
               <a:ext uri="{91240B29-F687-4f45-9708-019B960494DF}">
-                <a14:hiddenLine xmlns:a14="http://schemas.microsoft.com/office/drawing/2010/main" xmlns="" w="9525">
+                <a14:hiddenLine xmlns="" xmlns:a14="http://schemas.microsoft.com/office/drawing/2010/main" w="9525">
                   <a:solidFill>
                     <a:srgbClr val="000000"/>
                   </a:solidFill>
@@ -3681,7 +3686,7 @@
             </a:ln>
             <a:extLst>
               <a:ext uri="{91240B29-F687-4f45-9708-019B960494DF}">
-                <a14:hiddenLine xmlns:a14="http://schemas.microsoft.com/office/drawing/2010/main" xmlns="" w="9525">
+                <a14:hiddenLine xmlns="" xmlns:a14="http://schemas.microsoft.com/office/drawing/2010/main" w="9525">
                   <a:solidFill>
                     <a:srgbClr val="000000"/>
                   </a:solidFill>
@@ -3743,7 +3748,7 @@
             </a:ln>
             <a:extLst>
               <a:ext uri="{91240B29-F687-4f45-9708-019B960494DF}">
-                <a14:hiddenLine xmlns:a14="http://schemas.microsoft.com/office/drawing/2010/main" xmlns="" w="9525">
+                <a14:hiddenLine xmlns="" xmlns:a14="http://schemas.microsoft.com/office/drawing/2010/main" w="9525">
                   <a:solidFill>
                     <a:srgbClr val="000000"/>
                   </a:solidFill>
@@ -3833,7 +3838,7 @@
             </a:ln>
             <a:extLst>
               <a:ext uri="{91240B29-F687-4f45-9708-019B960494DF}">
-                <a14:hiddenLine xmlns:a14="http://schemas.microsoft.com/office/drawing/2010/main" xmlns="" w="9525">
+                <a14:hiddenLine xmlns="" xmlns:a14="http://schemas.microsoft.com/office/drawing/2010/main" w="9525">
                   <a:solidFill>
                     <a:srgbClr val="000000"/>
                   </a:solidFill>
@@ -3923,7 +3928,7 @@
             </a:ln>
             <a:extLst>
               <a:ext uri="{91240B29-F687-4f45-9708-019B960494DF}">
-                <a14:hiddenLine xmlns:a14="http://schemas.microsoft.com/office/drawing/2010/main" xmlns="" w="9525">
+                <a14:hiddenLine xmlns="" xmlns:a14="http://schemas.microsoft.com/office/drawing/2010/main" w="9525">
                   <a:solidFill>
                     <a:srgbClr val="000000"/>
                   </a:solidFill>
@@ -3985,7 +3990,7 @@
             </a:ln>
             <a:extLst>
               <a:ext uri="{91240B29-F687-4f45-9708-019B960494DF}">
-                <a14:hiddenLine xmlns:a14="http://schemas.microsoft.com/office/drawing/2010/main" xmlns="" w="9525">
+                <a14:hiddenLine xmlns="" xmlns:a14="http://schemas.microsoft.com/office/drawing/2010/main" w="9525">
                   <a:solidFill>
                     <a:srgbClr val="000000"/>
                   </a:solidFill>
@@ -4105,7 +4110,7 @@
             </a:ln>
             <a:extLst>
               <a:ext uri="{91240B29-F687-4f45-9708-019B960494DF}">
-                <a14:hiddenLine xmlns:a14="http://schemas.microsoft.com/office/drawing/2010/main" xmlns="" w="9525">
+                <a14:hiddenLine xmlns="" xmlns:a14="http://schemas.microsoft.com/office/drawing/2010/main" w="9525">
                   <a:solidFill>
                     <a:srgbClr val="000000"/>
                   </a:solidFill>
@@ -4173,7 +4178,7 @@
             </a:ln>
             <a:extLst>
               <a:ext uri="{91240B29-F687-4f45-9708-019B960494DF}">
-                <a14:hiddenLine xmlns:a14="http://schemas.microsoft.com/office/drawing/2010/main" xmlns="" w="9525">
+                <a14:hiddenLine xmlns="" xmlns:a14="http://schemas.microsoft.com/office/drawing/2010/main" w="9525">
                   <a:solidFill>
                     <a:srgbClr val="000000"/>
                   </a:solidFill>
@@ -4263,7 +4268,7 @@
             </a:ln>
             <a:extLst>
               <a:ext uri="{91240B29-F687-4f45-9708-019B960494DF}">
-                <a14:hiddenLine xmlns:a14="http://schemas.microsoft.com/office/drawing/2010/main" xmlns="" w="9525">
+                <a14:hiddenLine xmlns="" xmlns:a14="http://schemas.microsoft.com/office/drawing/2010/main" w="9525">
                   <a:solidFill>
                     <a:srgbClr val="000000"/>
                   </a:solidFill>
@@ -4403,7 +4408,7 @@
           <a:p>
             <a:fld id="{48A87A34-81AB-432B-8DAE-1953F412C126}" type="datetimeFigureOut">
               <a:rPr lang="en-US" dirty="0"/>
-              <a:t>2/26/2019</a:t>
+              <a:t>3/5/2019</a:t>
             </a:fld>
             <a:endParaRPr lang="en-US" dirty="0"/>
           </a:p>
@@ -4665,7 +4670,7 @@
           <a:p>
             <a:fld id="{48A87A34-81AB-432B-8DAE-1953F412C126}" type="datetimeFigureOut">
               <a:rPr lang="en-US" dirty="0"/>
-              <a:t>2/26/2019</a:t>
+              <a:t>3/5/2019</a:t>
             </a:fld>
             <a:endParaRPr lang="en-US" dirty="0"/>
           </a:p>
@@ -4856,7 +4861,7 @@
           <a:p>
             <a:fld id="{48A87A34-81AB-432B-8DAE-1953F412C126}" type="datetimeFigureOut">
               <a:rPr lang="en-US" dirty="0"/>
-              <a:t>2/26/2019</a:t>
+              <a:t>3/5/2019</a:t>
             </a:fld>
             <a:endParaRPr lang="en-US" dirty="0"/>
           </a:p>
@@ -5114,7 +5119,7 @@
           <a:p>
             <a:fld id="{48A87A34-81AB-432B-8DAE-1953F412C126}" type="datetimeFigureOut">
               <a:rPr lang="en-US" dirty="0"/>
-              <a:t>2/26/2019</a:t>
+              <a:t>3/5/2019</a:t>
             </a:fld>
             <a:endParaRPr lang="en-US" dirty="0"/>
           </a:p>
@@ -5543,7 +5548,7 @@
           <a:p>
             <a:fld id="{48A87A34-81AB-432B-8DAE-1953F412C126}" type="datetimeFigureOut">
               <a:rPr lang="en-US" dirty="0"/>
-              <a:t>2/26/2019</a:t>
+              <a:t>3/5/2019</a:t>
             </a:fld>
             <a:endParaRPr lang="en-US" dirty="0"/>
           </a:p>
@@ -6084,7 +6089,7 @@
           <a:p>
             <a:fld id="{48A87A34-81AB-432B-8DAE-1953F412C126}" type="datetimeFigureOut">
               <a:rPr lang="en-US" dirty="0"/>
-              <a:t>2/26/2019</a:t>
+              <a:t>3/5/2019</a:t>
             </a:fld>
             <a:endParaRPr lang="en-US" dirty="0"/>
           </a:p>
@@ -6799,7 +6804,7 @@
           <a:p>
             <a:fld id="{48A87A34-81AB-432B-8DAE-1953F412C126}" type="datetimeFigureOut">
               <a:rPr lang="en-US" dirty="0"/>
-              <a:t>2/26/2019</a:t>
+              <a:t>3/5/2019</a:t>
             </a:fld>
             <a:endParaRPr lang="en-US" dirty="0"/>
           </a:p>
@@ -6964,7 +6969,7 @@
           <a:p>
             <a:fld id="{48A87A34-81AB-432B-8DAE-1953F412C126}" type="datetimeFigureOut">
               <a:rPr lang="en-US" dirty="0"/>
-              <a:t>2/26/2019</a:t>
+              <a:t>3/5/2019</a:t>
             </a:fld>
             <a:endParaRPr lang="en-US" dirty="0"/>
           </a:p>
@@ -7139,7 +7144,7 @@
           <a:p>
             <a:fld id="{48A87A34-81AB-432B-8DAE-1953F412C126}" type="datetimeFigureOut">
               <a:rPr lang="en-US" dirty="0"/>
-              <a:t>2/26/2019</a:t>
+              <a:t>3/5/2019</a:t>
             </a:fld>
             <a:endParaRPr lang="en-US" dirty="0"/>
           </a:p>
@@ -7304,7 +7309,7 @@
           <a:p>
             <a:fld id="{48A87A34-81AB-432B-8DAE-1953F412C126}" type="datetimeFigureOut">
               <a:rPr lang="en-US" dirty="0"/>
-              <a:t>2/26/2019</a:t>
+              <a:t>3/5/2019</a:t>
             </a:fld>
             <a:endParaRPr lang="en-US" dirty="0"/>
           </a:p>
@@ -7549,7 +7554,7 @@
           <a:p>
             <a:fld id="{48A87A34-81AB-432B-8DAE-1953F412C126}" type="datetimeFigureOut">
               <a:rPr lang="en-US" dirty="0"/>
-              <a:t>2/26/2019</a:t>
+              <a:t>3/5/2019</a:t>
             </a:fld>
             <a:endParaRPr lang="en-US" dirty="0"/>
           </a:p>
@@ -7776,7 +7781,7 @@
           <a:p>
             <a:fld id="{48A87A34-81AB-432B-8DAE-1953F412C126}" type="datetimeFigureOut">
               <a:rPr lang="en-US" dirty="0"/>
-              <a:t>2/26/2019</a:t>
+              <a:t>3/5/2019</a:t>
             </a:fld>
             <a:endParaRPr lang="en-US" dirty="0"/>
           </a:p>
@@ -8152,7 +8157,7 @@
           <a:p>
             <a:fld id="{48A87A34-81AB-432B-8DAE-1953F412C126}" type="datetimeFigureOut">
               <a:rPr lang="en-US" dirty="0"/>
-              <a:t>2/26/2019</a:t>
+              <a:t>3/5/2019</a:t>
             </a:fld>
             <a:endParaRPr lang="en-US" dirty="0"/>
           </a:p>
@@ -8265,7 +8270,7 @@
           <a:p>
             <a:fld id="{48A87A34-81AB-432B-8DAE-1953F412C126}" type="datetimeFigureOut">
               <a:rPr lang="en-US" dirty="0"/>
-              <a:t>2/26/2019</a:t>
+              <a:t>3/5/2019</a:t>
             </a:fld>
             <a:endParaRPr lang="en-US" dirty="0"/>
           </a:p>
@@ -8355,7 +8360,7 @@
           <a:p>
             <a:fld id="{48A87A34-81AB-432B-8DAE-1953F412C126}" type="datetimeFigureOut">
               <a:rPr lang="en-US" dirty="0"/>
-              <a:t>2/26/2019</a:t>
+              <a:t>3/5/2019</a:t>
             </a:fld>
             <a:endParaRPr lang="en-US" dirty="0"/>
           </a:p>
@@ -8599,7 +8604,7 @@
           <a:p>
             <a:fld id="{48A87A34-81AB-432B-8DAE-1953F412C126}" type="datetimeFigureOut">
               <a:rPr lang="en-US" dirty="0"/>
-              <a:t>2/26/2019</a:t>
+              <a:t>3/5/2019</a:t>
             </a:fld>
             <a:endParaRPr lang="en-US" dirty="0"/>
           </a:p>
@@ -8874,7 +8879,7 @@
           <a:p>
             <a:fld id="{48A87A34-81AB-432B-8DAE-1953F412C126}" type="datetimeFigureOut">
               <a:rPr lang="en-US" dirty="0"/>
-              <a:t>2/26/2019</a:t>
+              <a:t>3/5/2019</a:t>
             </a:fld>
             <a:endParaRPr lang="en-US" dirty="0"/>
           </a:p>
@@ -8985,7 +8990,7 @@
           <a:noFill/>
           <a:extLst>
             <a:ext uri="{909E8E84-426E-40dd-AFC4-6F175D3DCCD1}">
-              <a14:hiddenFill xmlns:a14="http://schemas.microsoft.com/office/drawing/2010/main" xmlns="">
+              <a14:hiddenFill xmlns="" xmlns:a14="http://schemas.microsoft.com/office/drawing/2010/main">
                 <a:solidFill>
                   <a:srgbClr val="FFFFFF"/>
                 </a:solidFill>
@@ -9059,7 +9064,7 @@
               </a:ln>
               <a:extLst>
                 <a:ext uri="{91240B29-F687-4f45-9708-019B960494DF}">
-                  <a14:hiddenLine xmlns:a14="http://schemas.microsoft.com/office/drawing/2010/main" xmlns="" w="9525">
+                  <a14:hiddenLine xmlns="" xmlns:a14="http://schemas.microsoft.com/office/drawing/2010/main" w="9525">
                     <a:solidFill>
                       <a:srgbClr val="000000"/>
                     </a:solidFill>
@@ -9149,7 +9154,7 @@
               </a:ln>
               <a:extLst>
                 <a:ext uri="{91240B29-F687-4f45-9708-019B960494DF}">
-                  <a14:hiddenLine xmlns:a14="http://schemas.microsoft.com/office/drawing/2010/main" xmlns="" w="9525">
+                  <a14:hiddenLine xmlns="" xmlns:a14="http://schemas.microsoft.com/office/drawing/2010/main" w="9525">
                     <a:solidFill>
                       <a:srgbClr val="000000"/>
                     </a:solidFill>
@@ -9239,7 +9244,7 @@
               </a:ln>
               <a:extLst>
                 <a:ext uri="{91240B29-F687-4f45-9708-019B960494DF}">
-                  <a14:hiddenLine xmlns:a14="http://schemas.microsoft.com/office/drawing/2010/main" xmlns="" w="9525">
+                  <a14:hiddenLine xmlns="" xmlns:a14="http://schemas.microsoft.com/office/drawing/2010/main" w="9525">
                     <a:solidFill>
                       <a:srgbClr val="000000"/>
                     </a:solidFill>
@@ -9301,7 +9306,7 @@
               </a:ln>
               <a:extLst>
                 <a:ext uri="{91240B29-F687-4f45-9708-019B960494DF}">
-                  <a14:hiddenLine xmlns:a14="http://schemas.microsoft.com/office/drawing/2010/main" xmlns="" w="9525">
+                  <a14:hiddenLine xmlns="" xmlns:a14="http://schemas.microsoft.com/office/drawing/2010/main" w="9525">
                     <a:solidFill>
                       <a:srgbClr val="000000"/>
                     </a:solidFill>
@@ -9391,7 +9396,7 @@
               </a:ln>
               <a:extLst>
                 <a:ext uri="{91240B29-F687-4f45-9708-019B960494DF}">
-                  <a14:hiddenLine xmlns:a14="http://schemas.microsoft.com/office/drawing/2010/main" xmlns="" w="9525">
+                  <a14:hiddenLine xmlns="" xmlns:a14="http://schemas.microsoft.com/office/drawing/2010/main" w="9525">
                     <a:solidFill>
                       <a:srgbClr val="000000"/>
                     </a:solidFill>
@@ -9453,7 +9458,7 @@
               </a:ln>
               <a:extLst>
                 <a:ext uri="{91240B29-F687-4f45-9708-019B960494DF}">
-                  <a14:hiddenLine xmlns:a14="http://schemas.microsoft.com/office/drawing/2010/main" xmlns="" w="9525">
+                  <a14:hiddenLine xmlns="" xmlns:a14="http://schemas.microsoft.com/office/drawing/2010/main" w="9525">
                     <a:solidFill>
                       <a:srgbClr val="000000"/>
                     </a:solidFill>
@@ -9515,7 +9520,7 @@
               </a:ln>
               <a:extLst>
                 <a:ext uri="{91240B29-F687-4f45-9708-019B960494DF}">
-                  <a14:hiddenLine xmlns:a14="http://schemas.microsoft.com/office/drawing/2010/main" xmlns="" w="9525">
+                  <a14:hiddenLine xmlns="" xmlns:a14="http://schemas.microsoft.com/office/drawing/2010/main" w="9525">
                     <a:solidFill>
                       <a:srgbClr val="000000"/>
                     </a:solidFill>
@@ -9605,7 +9610,7 @@
               </a:ln>
               <a:extLst>
                 <a:ext uri="{91240B29-F687-4f45-9708-019B960494DF}">
-                  <a14:hiddenLine xmlns:a14="http://schemas.microsoft.com/office/drawing/2010/main" xmlns="" w="9525">
+                  <a14:hiddenLine xmlns="" xmlns:a14="http://schemas.microsoft.com/office/drawing/2010/main" w="9525">
                     <a:solidFill>
                       <a:srgbClr val="000000"/>
                     </a:solidFill>
@@ -9695,7 +9700,7 @@
               </a:ln>
               <a:extLst>
                 <a:ext uri="{91240B29-F687-4f45-9708-019B960494DF}">
-                  <a14:hiddenLine xmlns:a14="http://schemas.microsoft.com/office/drawing/2010/main" xmlns="" w="9525">
+                  <a14:hiddenLine xmlns="" xmlns:a14="http://schemas.microsoft.com/office/drawing/2010/main" w="9525">
                     <a:solidFill>
                       <a:srgbClr val="000000"/>
                     </a:solidFill>
@@ -9757,7 +9762,7 @@
               </a:ln>
               <a:extLst>
                 <a:ext uri="{91240B29-F687-4f45-9708-019B960494DF}">
-                  <a14:hiddenLine xmlns:a14="http://schemas.microsoft.com/office/drawing/2010/main" xmlns="" w="9525">
+                  <a14:hiddenLine xmlns="" xmlns:a14="http://schemas.microsoft.com/office/drawing/2010/main" w="9525">
                     <a:solidFill>
                       <a:srgbClr val="000000"/>
                     </a:solidFill>
@@ -9867,7 +9872,7 @@
               </a:ln>
               <a:extLst>
                 <a:ext uri="{91240B29-F687-4f45-9708-019B960494DF}">
-                  <a14:hiddenLine xmlns:a14="http://schemas.microsoft.com/office/drawing/2010/main" xmlns="" w="9525">
+                  <a14:hiddenLine xmlns="" xmlns:a14="http://schemas.microsoft.com/office/drawing/2010/main" w="9525">
                     <a:solidFill>
                       <a:srgbClr val="000000"/>
                     </a:solidFill>
@@ -9951,7 +9956,7 @@
               </a:ln>
               <a:extLst>
                 <a:ext uri="{91240B29-F687-4f45-9708-019B960494DF}">
-                  <a14:hiddenLine xmlns:a14="http://schemas.microsoft.com/office/drawing/2010/main" xmlns="" w="9525">
+                  <a14:hiddenLine xmlns="" xmlns:a14="http://schemas.microsoft.com/office/drawing/2010/main" w="9525">
                     <a:solidFill>
                       <a:srgbClr val="000000"/>
                     </a:solidFill>
@@ -10013,7 +10018,7 @@
               </a:ln>
               <a:extLst>
                 <a:ext uri="{91240B29-F687-4f45-9708-019B960494DF}">
-                  <a14:hiddenLine xmlns:a14="http://schemas.microsoft.com/office/drawing/2010/main" xmlns="" w="9525">
+                  <a14:hiddenLine xmlns="" xmlns:a14="http://schemas.microsoft.com/office/drawing/2010/main" w="9525">
                     <a:solidFill>
                       <a:srgbClr val="000000"/>
                     </a:solidFill>
@@ -10075,7 +10080,7 @@
               </a:ln>
               <a:extLst>
                 <a:ext uri="{91240B29-F687-4f45-9708-019B960494DF}">
-                  <a14:hiddenLine xmlns:a14="http://schemas.microsoft.com/office/drawing/2010/main" xmlns="" w="9525">
+                  <a14:hiddenLine xmlns="" xmlns:a14="http://schemas.microsoft.com/office/drawing/2010/main" w="9525">
                     <a:solidFill>
                       <a:srgbClr val="000000"/>
                     </a:solidFill>
@@ -10165,7 +10170,7 @@
               </a:ln>
               <a:extLst>
                 <a:ext uri="{91240B29-F687-4f45-9708-019B960494DF}">
-                  <a14:hiddenLine xmlns:a14="http://schemas.microsoft.com/office/drawing/2010/main" xmlns="" w="9525">
+                  <a14:hiddenLine xmlns="" xmlns:a14="http://schemas.microsoft.com/office/drawing/2010/main" w="9525">
                     <a:solidFill>
                       <a:srgbClr val="000000"/>
                     </a:solidFill>
@@ -10199,7 +10204,7 @@
               </a:ln>
               <a:extLst>
                 <a:ext uri="{91240B29-F687-4f45-9708-019B960494DF}">
-                  <a14:hiddenLine xmlns:a14="http://schemas.microsoft.com/office/drawing/2010/main" xmlns="" w="9525">
+                  <a14:hiddenLine xmlns="" xmlns:a14="http://schemas.microsoft.com/office/drawing/2010/main" w="9525">
                     <a:solidFill>
                       <a:srgbClr val="000000"/>
                     </a:solidFill>
@@ -10264,7 +10269,7 @@
               </a:ln>
               <a:extLst>
                 <a:ext uri="{91240B29-F687-4f45-9708-019B960494DF}">
-                  <a14:hiddenLine xmlns:a14="http://schemas.microsoft.com/office/drawing/2010/main" xmlns="" w="9525">
+                  <a14:hiddenLine xmlns="" xmlns:a14="http://schemas.microsoft.com/office/drawing/2010/main" w="9525">
                     <a:solidFill>
                       <a:srgbClr val="000000"/>
                     </a:solidFill>
@@ -10354,7 +10359,7 @@
               </a:ln>
               <a:extLst>
                 <a:ext uri="{91240B29-F687-4f45-9708-019B960494DF}">
-                  <a14:hiddenLine xmlns:a14="http://schemas.microsoft.com/office/drawing/2010/main" xmlns="" w="9525">
+                  <a14:hiddenLine xmlns="" xmlns:a14="http://schemas.microsoft.com/office/drawing/2010/main" w="9525">
                     <a:solidFill>
                       <a:srgbClr val="000000"/>
                     </a:solidFill>
@@ -10416,7 +10421,7 @@
               </a:ln>
               <a:extLst>
                 <a:ext uri="{91240B29-F687-4f45-9708-019B960494DF}">
-                  <a14:hiddenLine xmlns:a14="http://schemas.microsoft.com/office/drawing/2010/main" xmlns="" w="9525">
+                  <a14:hiddenLine xmlns="" xmlns:a14="http://schemas.microsoft.com/office/drawing/2010/main" w="9525">
                     <a:solidFill>
                       <a:srgbClr val="000000"/>
                     </a:solidFill>
@@ -10506,7 +10511,7 @@
               </a:ln>
               <a:extLst>
                 <a:ext uri="{91240B29-F687-4f45-9708-019B960494DF}">
-                  <a14:hiddenLine xmlns:a14="http://schemas.microsoft.com/office/drawing/2010/main" xmlns="" w="9525">
+                  <a14:hiddenLine xmlns="" xmlns:a14="http://schemas.microsoft.com/office/drawing/2010/main" w="9525">
                     <a:solidFill>
                       <a:srgbClr val="000000"/>
                     </a:solidFill>
@@ -10571,7 +10576,7 @@
               </a:ln>
               <a:extLst>
                 <a:ext uri="{91240B29-F687-4f45-9708-019B960494DF}">
-                  <a14:hiddenLine xmlns:a14="http://schemas.microsoft.com/office/drawing/2010/main" xmlns="" w="9525">
+                  <a14:hiddenLine xmlns="" xmlns:a14="http://schemas.microsoft.com/office/drawing/2010/main" w="9525">
                     <a:solidFill>
                       <a:srgbClr val="000000"/>
                     </a:solidFill>
@@ -10633,7 +10638,7 @@
               </a:ln>
               <a:extLst>
                 <a:ext uri="{91240B29-F687-4f45-9708-019B960494DF}">
-                  <a14:hiddenLine xmlns:a14="http://schemas.microsoft.com/office/drawing/2010/main" xmlns="" w="9525">
+                  <a14:hiddenLine xmlns="" xmlns:a14="http://schemas.microsoft.com/office/drawing/2010/main" w="9525">
                     <a:solidFill>
                       <a:srgbClr val="000000"/>
                     </a:solidFill>
@@ -10723,7 +10728,7 @@
               </a:ln>
               <a:extLst>
                 <a:ext uri="{91240B29-F687-4f45-9708-019B960494DF}">
-                  <a14:hiddenLine xmlns:a14="http://schemas.microsoft.com/office/drawing/2010/main" xmlns="" w="9525">
+                  <a14:hiddenLine xmlns="" xmlns:a14="http://schemas.microsoft.com/office/drawing/2010/main" w="9525">
                     <a:solidFill>
                       <a:srgbClr val="000000"/>
                     </a:solidFill>
@@ -10813,7 +10818,7 @@
               </a:ln>
               <a:extLst>
                 <a:ext uri="{91240B29-F687-4f45-9708-019B960494DF}">
-                  <a14:hiddenLine xmlns:a14="http://schemas.microsoft.com/office/drawing/2010/main" xmlns="" w="9525">
+                  <a14:hiddenLine xmlns="" xmlns:a14="http://schemas.microsoft.com/office/drawing/2010/main" w="9525">
                     <a:solidFill>
                       <a:srgbClr val="000000"/>
                     </a:solidFill>
@@ -10878,7 +10883,7 @@
               </a:ln>
               <a:extLst>
                 <a:ext uri="{91240B29-F687-4f45-9708-019B960494DF}">
-                  <a14:hiddenLine xmlns:a14="http://schemas.microsoft.com/office/drawing/2010/main" xmlns="" w="9525">
+                  <a14:hiddenLine xmlns="" xmlns:a14="http://schemas.microsoft.com/office/drawing/2010/main" w="9525">
                     <a:solidFill>
                       <a:srgbClr val="000000"/>
                     </a:solidFill>
@@ -10998,7 +11003,7 @@
               </a:ln>
               <a:extLst>
                 <a:ext uri="{91240B29-F687-4f45-9708-019B960494DF}">
-                  <a14:hiddenLine xmlns:a14="http://schemas.microsoft.com/office/drawing/2010/main" xmlns="" w="9525">
+                  <a14:hiddenLine xmlns="" xmlns:a14="http://schemas.microsoft.com/office/drawing/2010/main" w="9525">
                     <a:solidFill>
                       <a:srgbClr val="000000"/>
                     </a:solidFill>
@@ -11096,7 +11101,7 @@
               </a:ln>
               <a:extLst>
                 <a:ext uri="{91240B29-F687-4f45-9708-019B960494DF}">
-                  <a14:hiddenLine xmlns:a14="http://schemas.microsoft.com/office/drawing/2010/main" xmlns="" w="9525">
+                  <a14:hiddenLine xmlns="" xmlns:a14="http://schemas.microsoft.com/office/drawing/2010/main" w="9525">
                     <a:solidFill>
                       <a:srgbClr val="000000"/>
                     </a:solidFill>
@@ -11211,7 +11216,7 @@
               </a:ln>
               <a:extLst>
                 <a:ext uri="{91240B29-F687-4f45-9708-019B960494DF}">
-                  <a14:hiddenLine xmlns:a14="http://schemas.microsoft.com/office/drawing/2010/main" xmlns="" w="9525">
+                  <a14:hiddenLine xmlns="" xmlns:a14="http://schemas.microsoft.com/office/drawing/2010/main" w="9525">
                     <a:solidFill>
                       <a:srgbClr val="000000"/>
                     </a:solidFill>
@@ -11301,7 +11306,7 @@
               </a:ln>
               <a:extLst>
                 <a:ext uri="{91240B29-F687-4f45-9708-019B960494DF}">
-                  <a14:hiddenLine xmlns:a14="http://schemas.microsoft.com/office/drawing/2010/main" xmlns="" w="9525">
+                  <a14:hiddenLine xmlns="" xmlns:a14="http://schemas.microsoft.com/office/drawing/2010/main" w="9525">
                     <a:solidFill>
                       <a:srgbClr val="000000"/>
                     </a:solidFill>
@@ -11366,7 +11371,7 @@
               </a:ln>
               <a:extLst>
                 <a:ext uri="{91240B29-F687-4f45-9708-019B960494DF}">
-                  <a14:hiddenLine xmlns:a14="http://schemas.microsoft.com/office/drawing/2010/main" xmlns="" w="9525">
+                  <a14:hiddenLine xmlns="" xmlns:a14="http://schemas.microsoft.com/office/drawing/2010/main" w="9525">
                     <a:solidFill>
                       <a:srgbClr val="000000"/>
                     </a:solidFill>
@@ -11456,7 +11461,7 @@
               </a:ln>
               <a:extLst>
                 <a:ext uri="{91240B29-F687-4f45-9708-019B960494DF}">
-                  <a14:hiddenLine xmlns:a14="http://schemas.microsoft.com/office/drawing/2010/main" xmlns="" w="9525">
+                  <a14:hiddenLine xmlns="" xmlns:a14="http://schemas.microsoft.com/office/drawing/2010/main" w="9525">
                     <a:solidFill>
                       <a:srgbClr val="000000"/>
                     </a:solidFill>
@@ -11524,7 +11529,7 @@
               </a:ln>
               <a:extLst>
                 <a:ext uri="{91240B29-F687-4f45-9708-019B960494DF}">
-                  <a14:hiddenLine xmlns:a14="http://schemas.microsoft.com/office/drawing/2010/main" xmlns="" w="9525">
+                  <a14:hiddenLine xmlns="" xmlns:a14="http://schemas.microsoft.com/office/drawing/2010/main" w="9525">
                     <a:solidFill>
                       <a:srgbClr val="000000"/>
                     </a:solidFill>
@@ -11614,7 +11619,7 @@
               </a:ln>
               <a:extLst>
                 <a:ext uri="{91240B29-F687-4f45-9708-019B960494DF}">
-                  <a14:hiddenLine xmlns:a14="http://schemas.microsoft.com/office/drawing/2010/main" xmlns="" w="9525">
+                  <a14:hiddenLine xmlns="" xmlns:a14="http://schemas.microsoft.com/office/drawing/2010/main" w="9525">
                     <a:solidFill>
                       <a:srgbClr val="000000"/>
                     </a:solidFill>
@@ -11682,7 +11687,7 @@
               </a:ln>
               <a:extLst>
                 <a:ext uri="{91240B29-F687-4f45-9708-019B960494DF}">
-                  <a14:hiddenLine xmlns:a14="http://schemas.microsoft.com/office/drawing/2010/main" xmlns="" w="9525">
+                  <a14:hiddenLine xmlns="" xmlns:a14="http://schemas.microsoft.com/office/drawing/2010/main" w="9525">
                     <a:solidFill>
                       <a:srgbClr val="000000"/>
                     </a:solidFill>
@@ -11772,7 +11777,7 @@
               </a:ln>
               <a:extLst>
                 <a:ext uri="{91240B29-F687-4f45-9708-019B960494DF}">
-                  <a14:hiddenLine xmlns:a14="http://schemas.microsoft.com/office/drawing/2010/main" xmlns="" w="9525">
+                  <a14:hiddenLine xmlns="" xmlns:a14="http://schemas.microsoft.com/office/drawing/2010/main" w="9525">
                     <a:solidFill>
                       <a:srgbClr val="000000"/>
                     </a:solidFill>
@@ -11806,7 +11811,7 @@
               </a:ln>
               <a:extLst>
                 <a:ext uri="{91240B29-F687-4f45-9708-019B960494DF}">
-                  <a14:hiddenLine xmlns:a14="http://schemas.microsoft.com/office/drawing/2010/main" xmlns="" w="9525">
+                  <a14:hiddenLine xmlns="" xmlns:a14="http://schemas.microsoft.com/office/drawing/2010/main" w="9525">
                     <a:solidFill>
                       <a:srgbClr val="000000"/>
                     </a:solidFill>
@@ -11947,7 +11952,7 @@
             <a:fld id="{48A87A34-81AB-432B-8DAE-1953F412C126}" type="datetimeFigureOut">
               <a:rPr lang="en-US" dirty="0"/>
               <a:pPr/>
-              <a:t>2/26/2019</a:t>
+              <a:t>3/5/2019</a:t>
             </a:fld>
             <a:endParaRPr lang="en-US" dirty="0"/>
           </a:p>
@@ -24823,17 +24828,17 @@
             <a:pPr fontAlgn="ctr"/>
             <a:r>
               <a:rPr lang="en-US" sz="4400" dirty="0"/>
-              <a:t>Links</a:t>
+              <a:t>Predictive Data Analytics(IP#6)</a:t>
             </a:r>
           </a:p>
         </p:txBody>
       </p:sp>
       <p:sp>
         <p:nvSpPr>
-          <p:cNvPr id="6" name="TextBox 5">
+          <p:cNvPr id="2" name="TextBox 1">
             <a:extLst>
               <a:ext uri="{FF2B5EF4-FFF2-40B4-BE49-F238E27FC236}">
-                <a16:creationId xmlns:a16="http://schemas.microsoft.com/office/drawing/2014/main" id="{CE7BF1D4-5981-DE45-A564-E16ED6CC1451}"/>
+                <a16:creationId xmlns:a16="http://schemas.microsoft.com/office/drawing/2014/main" id="{7893E434-ED00-466E-BBDF-6643C0B83A39}"/>
               </a:ext>
             </a:extLst>
           </p:cNvPr>
@@ -24842,8 +24847,8 @@
         </p:nvSpPr>
         <p:spPr>
           <a:xfrm>
-            <a:off x="1173892" y="1189571"/>
-            <a:ext cx="10095471" cy="2308324"/>
+            <a:off x="814812" y="1259455"/>
+            <a:ext cx="10746463" cy="5386090"/>
           </a:xfrm>
           <a:prstGeom prst="rect">
             <a:avLst/>
@@ -24856,7 +24861,206 @@
           </a:bodyPr>
           <a:lstStyle/>
           <a:p>
-            <a:pPr marL="571500" indent="-571500" defTabSz="914400" eaLnBrk="0" fontAlgn="base" hangingPunct="0">
+            <a:pPr defTabSz="914400" eaLnBrk="0" fontAlgn="base" hangingPunct="0">
+              <a:spcBef>
+                <a:spcPct val="0"/>
+              </a:spcBef>
+              <a:spcAft>
+                <a:spcPct val="0"/>
+              </a:spcAft>
+            </a:pPr>
+            <a:r>
+              <a:rPr lang="en-US" altLang="en-US" sz="3200" dirty="0"/>
+              <a:t>Question Defined</a:t>
+            </a:r>
+          </a:p>
+          <a:p>
+            <a:r>
+              <a:rPr lang="en-US" sz="3200" dirty="0"/>
+              <a:t>	</a:t>
+            </a:r>
+            <a:r>
+              <a:rPr lang="en-US" sz="2400" dirty="0"/>
+              <a:t>According to </a:t>
+            </a:r>
+            <a:r>
+              <a:rPr lang="en-US" sz="2400" dirty="0">
+                <a:hlinkClick r:id="rId2"/>
+              </a:rPr>
+              <a:t>tag.xsl</a:t>
+            </a:r>
+            <a:r>
+              <a:rPr lang="en-US" sz="2400" dirty="0"/>
+              <a:t>, we know most tagged topic is </a:t>
+            </a:r>
+            <a:r>
+              <a:rPr lang="en-US" sz="2400" dirty="0" err="1"/>
+              <a:t>javascript</a:t>
+            </a:r>
+            <a:r>
+              <a:rPr lang="en-US" sz="2400" dirty="0"/>
+              <a:t>, we’re going to analyze how accurate this tag</a:t>
+            </a:r>
+          </a:p>
+          <a:p>
+            <a:endParaRPr lang="en-US" sz="3200" dirty="0"/>
+          </a:p>
+          <a:p>
+            <a:r>
+              <a:rPr lang="en-US" sz="3200" dirty="0"/>
+              <a:t>Analysis</a:t>
+            </a:r>
+          </a:p>
+          <a:p>
+            <a:pPr marL="742950" lvl="1" indent="-285750">
+              <a:buFont typeface="Arial" panose="020B0604020202020204" pitchFamily="34" charset="0"/>
+              <a:buChar char="•"/>
+            </a:pPr>
+            <a:r>
+              <a:rPr lang="en-US" sz="2400" dirty="0"/>
+              <a:t>In IP#2, we know that </a:t>
+            </a:r>
+            <a:r>
+              <a:rPr lang="en-US" sz="2400" dirty="0" err="1"/>
+              <a:t>javascript</a:t>
+            </a:r>
+            <a:r>
+              <a:rPr lang="en-US" sz="2400" dirty="0"/>
+              <a:t> has been tagged as most mentioned word in all posts</a:t>
+            </a:r>
+          </a:p>
+          <a:p>
+            <a:pPr marL="742950" lvl="1" indent="-285750">
+              <a:buFont typeface="Arial" panose="020B0604020202020204" pitchFamily="34" charset="0"/>
+              <a:buChar char="•"/>
+            </a:pPr>
+            <a:r>
+              <a:rPr lang="en-US" sz="2400" dirty="0"/>
+              <a:t>For all the post, we only analysis the title by using either bag of word or word2vec get word vector, also the category will be 1 when tag contains </a:t>
+            </a:r>
+            <a:r>
+              <a:rPr lang="en-US" sz="2400" dirty="0" err="1"/>
+              <a:t>javascript</a:t>
+            </a:r>
+            <a:r>
+              <a:rPr lang="en-US" sz="2400" dirty="0"/>
+              <a:t> and 9 when it doesn’t contain </a:t>
+            </a:r>
+            <a:r>
+              <a:rPr lang="en-US" sz="2400" dirty="0" err="1"/>
+              <a:t>javascript</a:t>
+            </a:r>
+            <a:endParaRPr lang="en-US" sz="2400" dirty="0"/>
+          </a:p>
+          <a:p>
+            <a:endParaRPr lang="en-US" dirty="0"/>
+          </a:p>
+          <a:p>
+            <a:endParaRPr lang="en-US" dirty="0"/>
+          </a:p>
+          <a:p>
+            <a:endParaRPr lang="en-US" dirty="0"/>
+          </a:p>
+          <a:p>
+            <a:endParaRPr lang="en-US" dirty="0"/>
+          </a:p>
+        </p:txBody>
+      </p:sp>
+    </p:spTree>
+    <p:extLst>
+      <p:ext uri="{BB962C8B-B14F-4D97-AF65-F5344CB8AC3E}">
+        <p14:creationId xmlns:p14="http://schemas.microsoft.com/office/powerpoint/2010/main" val="219019549"/>
+      </p:ext>
+    </p:extLst>
+  </p:cSld>
+  <p:clrMapOvr>
+    <a:masterClrMapping/>
+  </p:clrMapOvr>
+</p:sld>
+</file>
+
+<file path=ppt/slides/slide17.xml><?xml version="1.0" encoding="utf-8"?>
+<p:sld xmlns:a="http://schemas.openxmlformats.org/drawingml/2006/main" xmlns:r="http://schemas.openxmlformats.org/officeDocument/2006/relationships" xmlns:p="http://schemas.openxmlformats.org/presentationml/2006/main">
+  <p:cSld>
+    <p:spTree>
+      <p:nvGrpSpPr>
+        <p:cNvPr id="1" name=""/>
+        <p:cNvGrpSpPr/>
+        <p:nvPr/>
+      </p:nvGrpSpPr>
+      <p:grpSpPr>
+        <a:xfrm>
+          <a:off x="0" y="0"/>
+          <a:ext cx="0" cy="0"/>
+          <a:chOff x="0" y="0"/>
+          <a:chExt cx="0" cy="0"/>
+        </a:xfrm>
+      </p:grpSpPr>
+      <p:sp>
+        <p:nvSpPr>
+          <p:cNvPr id="9" name="TextBox 8">
+            <a:extLst>
+              <a:ext uri="{FF2B5EF4-FFF2-40B4-BE49-F238E27FC236}">
+                <a16:creationId xmlns:a16="http://schemas.microsoft.com/office/drawing/2014/main" id="{FAAC2C86-314D-C84A-A3BF-C8810037B47E}"/>
+              </a:ext>
+            </a:extLst>
+          </p:cNvPr>
+          <p:cNvSpPr txBox="1"/>
+          <p:nvPr/>
+        </p:nvSpPr>
+        <p:spPr>
+          <a:xfrm>
+            <a:off x="1173892" y="420130"/>
+            <a:ext cx="10157254" cy="769441"/>
+          </a:xfrm>
+          <a:prstGeom prst="rect">
+            <a:avLst/>
+          </a:prstGeom>
+          <a:noFill/>
+        </p:spPr>
+        <p:txBody>
+          <a:bodyPr wrap="square" rtlCol="0">
+            <a:spAutoFit/>
+          </a:bodyPr>
+          <a:lstStyle/>
+          <a:p>
+            <a:pPr fontAlgn="ctr"/>
+            <a:r>
+              <a:rPr lang="en-US" sz="4400" dirty="0"/>
+              <a:t>Data Preparation(IP#6)</a:t>
+            </a:r>
+          </a:p>
+        </p:txBody>
+      </p:sp>
+      <p:sp>
+        <p:nvSpPr>
+          <p:cNvPr id="2" name="TextBox 1">
+            <a:extLst>
+              <a:ext uri="{FF2B5EF4-FFF2-40B4-BE49-F238E27FC236}">
+                <a16:creationId xmlns:a16="http://schemas.microsoft.com/office/drawing/2014/main" id="{7893E434-ED00-466E-BBDF-6643C0B83A39}"/>
+              </a:ext>
+            </a:extLst>
+          </p:cNvPr>
+          <p:cNvSpPr txBox="1"/>
+          <p:nvPr/>
+        </p:nvSpPr>
+        <p:spPr>
+          <a:xfrm>
+            <a:off x="814812" y="1259455"/>
+            <a:ext cx="10746463" cy="3662541"/>
+          </a:xfrm>
+          <a:prstGeom prst="rect">
+            <a:avLst/>
+          </a:prstGeom>
+          <a:noFill/>
+        </p:spPr>
+        <p:txBody>
+          <a:bodyPr wrap="square" rtlCol="0">
+            <a:spAutoFit/>
+          </a:bodyPr>
+          <a:lstStyle/>
+          <a:p>
+            <a:pPr marL="457200" indent="-457200" defTabSz="914400" eaLnBrk="0" fontAlgn="base" hangingPunct="0">
               <a:spcBef>
                 <a:spcPct val="0"/>
               </a:spcBef>
@@ -24867,28 +25071,12 @@
               <a:buChar char="•"/>
             </a:pPr>
             <a:r>
-              <a:rPr lang="en-US" altLang="en-US" sz="3200" dirty="0"/>
-              <a:t>Code: https://</a:t>
+              <a:rPr lang="en-US" sz="3200" dirty="0"/>
+              <a:t>The data we got from big query is sampling data.</a:t>
             </a:r>
-            <a:r>
-              <a:rPr lang="en-US" altLang="en-US" sz="3200" dirty="0" err="1"/>
-              <a:t>github.com</a:t>
-            </a:r>
-            <a:r>
-              <a:rPr lang="en-US" altLang="en-US" sz="3200" dirty="0"/>
-              <a:t>/</a:t>
-            </a:r>
-            <a:r>
-              <a:rPr lang="en-US" altLang="en-US" sz="3200" dirty="0" err="1"/>
-              <a:t>billyean</a:t>
-            </a:r>
-            <a:r>
-              <a:rPr lang="en-US" altLang="en-US" sz="3200" dirty="0"/>
-              <a:t>/anna</a:t>
-            </a:r>
-          </a:p>
-          <a:p>
-            <a:pPr marL="1028700" lvl="1" indent="-571500" defTabSz="914400" eaLnBrk="0" fontAlgn="base" hangingPunct="0">
+          </a:p>
+          <a:p>
+            <a:pPr marL="457200" indent="-457200" defTabSz="914400" eaLnBrk="0" fontAlgn="base" hangingPunct="0">
               <a:spcBef>
                 <a:spcPct val="0"/>
               </a:spcBef>
@@ -24898,10 +25086,13 @@
               <a:buFont typeface="Arial" panose="020B0604020202020204" pitchFamily="34" charset="0"/>
               <a:buChar char="•"/>
             </a:pPr>
-            <a:endParaRPr lang="en-US" altLang="en-US" sz="2000" dirty="0"/>
-          </a:p>
-          <a:p>
-            <a:pPr marL="571500" indent="-571500" defTabSz="914400" eaLnBrk="0" fontAlgn="base" hangingPunct="0">
+            <a:r>
+              <a:rPr lang="en-US" sz="3200" dirty="0"/>
+              <a:t>As the dataset we have is 10K data, we would use 60% as training set, 20% as validation set and 20% as test set.</a:t>
+            </a:r>
+          </a:p>
+          <a:p>
+            <a:pPr marL="457200" indent="-457200" defTabSz="914400" eaLnBrk="0" fontAlgn="base" hangingPunct="0">
               <a:spcBef>
                 <a:spcPct val="0"/>
               </a:spcBef>
@@ -24911,10 +25102,13 @@
               <a:buFont typeface="Arial" panose="020B0604020202020204" pitchFamily="34" charset="0"/>
               <a:buChar char="•"/>
             </a:pPr>
-            <a:endParaRPr lang="en-US" altLang="en-US" sz="3200" dirty="0"/>
-          </a:p>
-          <a:p>
-            <a:pPr marL="571500" indent="-571500" defTabSz="914400" eaLnBrk="0" fontAlgn="base" hangingPunct="0">
+            <a:r>
+              <a:rPr lang="en-US" sz="3200" dirty="0"/>
+              <a:t>The code for converting title to vector is here.</a:t>
+            </a:r>
+          </a:p>
+          <a:p>
+            <a:pPr marL="457200" indent="-457200" defTabSz="914400" eaLnBrk="0" fontAlgn="base" hangingPunct="0">
               <a:spcBef>
                 <a:spcPct val="0"/>
               </a:spcBef>
@@ -24924,25 +25118,261 @@
               <a:buFont typeface="Arial" panose="020B0604020202020204" pitchFamily="34" charset="0"/>
               <a:buChar char="•"/>
             </a:pPr>
-            <a:endParaRPr lang="en-US" altLang="en-US" sz="2400" dirty="0"/>
-          </a:p>
-          <a:p>
-            <a:pPr lvl="0" defTabSz="914400" eaLnBrk="0" fontAlgn="base" hangingPunct="0">
+            <a:r>
+              <a:rPr lang="en-US" sz="3200" dirty="0"/>
+              <a:t>  </a:t>
+            </a:r>
+            <a:endParaRPr lang="en-US" sz="2400" dirty="0"/>
+          </a:p>
+          <a:p>
+            <a:endParaRPr lang="en-US" dirty="0"/>
+          </a:p>
+          <a:p>
+            <a:endParaRPr lang="en-US" dirty="0"/>
+          </a:p>
+          <a:p>
+            <a:endParaRPr lang="en-US" dirty="0"/>
+          </a:p>
+          <a:p>
+            <a:endParaRPr lang="en-US" dirty="0"/>
+          </a:p>
+        </p:txBody>
+      </p:sp>
+    </p:spTree>
+    <p:extLst>
+      <p:ext uri="{BB962C8B-B14F-4D97-AF65-F5344CB8AC3E}">
+        <p14:creationId xmlns:p14="http://schemas.microsoft.com/office/powerpoint/2010/main" val="1718350551"/>
+      </p:ext>
+    </p:extLst>
+  </p:cSld>
+  <p:clrMapOvr>
+    <a:masterClrMapping/>
+  </p:clrMapOvr>
+</p:sld>
+</file>
+
+<file path=ppt/slides/slide18.xml><?xml version="1.0" encoding="utf-8"?>
+<p:sld xmlns:a="http://schemas.openxmlformats.org/drawingml/2006/main" xmlns:r="http://schemas.openxmlformats.org/officeDocument/2006/relationships" xmlns:p="http://schemas.openxmlformats.org/presentationml/2006/main">
+  <p:cSld>
+    <p:spTree>
+      <p:nvGrpSpPr>
+        <p:cNvPr id="1" name=""/>
+        <p:cNvGrpSpPr/>
+        <p:nvPr/>
+      </p:nvGrpSpPr>
+      <p:grpSpPr>
+        <a:xfrm>
+          <a:off x="0" y="0"/>
+          <a:ext cx="0" cy="0"/>
+          <a:chOff x="0" y="0"/>
+          <a:chExt cx="0" cy="0"/>
+        </a:xfrm>
+      </p:grpSpPr>
+      <p:sp>
+        <p:nvSpPr>
+          <p:cNvPr id="9" name="TextBox 8">
+            <a:extLst>
+              <a:ext uri="{FF2B5EF4-FFF2-40B4-BE49-F238E27FC236}">
+                <a16:creationId xmlns:a16="http://schemas.microsoft.com/office/drawing/2014/main" id="{FAAC2C86-314D-C84A-A3BF-C8810037B47E}"/>
+              </a:ext>
+            </a:extLst>
+          </p:cNvPr>
+          <p:cNvSpPr txBox="1"/>
+          <p:nvPr/>
+        </p:nvSpPr>
+        <p:spPr>
+          <a:xfrm>
+            <a:off x="1173892" y="420130"/>
+            <a:ext cx="10157254" cy="769441"/>
+          </a:xfrm>
+          <a:prstGeom prst="rect">
+            <a:avLst/>
+          </a:prstGeom>
+          <a:noFill/>
+        </p:spPr>
+        <p:txBody>
+          <a:bodyPr wrap="square" rtlCol="0">
+            <a:spAutoFit/>
+          </a:bodyPr>
+          <a:lstStyle/>
+          <a:p>
+            <a:pPr fontAlgn="ctr"/>
+            <a:r>
+              <a:rPr lang="en-US" sz="4400" dirty="0"/>
+              <a:t>Data Preparation(IP#6) – Logistic Regression</a:t>
+            </a:r>
+          </a:p>
+        </p:txBody>
+      </p:sp>
+      <p:sp>
+        <p:nvSpPr>
+          <p:cNvPr id="2" name="TextBox 1">
+            <a:extLst>
+              <a:ext uri="{FF2B5EF4-FFF2-40B4-BE49-F238E27FC236}">
+                <a16:creationId xmlns:a16="http://schemas.microsoft.com/office/drawing/2014/main" id="{7893E434-ED00-466E-BBDF-6643C0B83A39}"/>
+              </a:ext>
+            </a:extLst>
+          </p:cNvPr>
+          <p:cNvSpPr txBox="1"/>
+          <p:nvPr/>
+        </p:nvSpPr>
+        <p:spPr>
+          <a:xfrm>
+            <a:off x="814812" y="1259455"/>
+            <a:ext cx="10746463" cy="1692771"/>
+          </a:xfrm>
+          <a:prstGeom prst="rect">
+            <a:avLst/>
+          </a:prstGeom>
+          <a:noFill/>
+        </p:spPr>
+        <p:txBody>
+          <a:bodyPr wrap="square" rtlCol="0">
+            <a:spAutoFit/>
+          </a:bodyPr>
+          <a:lstStyle/>
+          <a:p>
+            <a:pPr marL="457200" indent="-457200" defTabSz="914400" eaLnBrk="0" fontAlgn="base" hangingPunct="0">
               <a:spcBef>
                 <a:spcPct val="0"/>
               </a:spcBef>
               <a:spcAft>
                 <a:spcPct val="0"/>
               </a:spcAft>
+              <a:buFont typeface="Arial" panose="020B0604020202020204" pitchFamily="34" charset="0"/>
+              <a:buChar char="•"/>
             </a:pPr>
-            <a:endParaRPr lang="en-US" altLang="en-US" sz="3600" dirty="0"/>
+            <a:r>
+              <a:rPr lang="en-US" sz="3200" dirty="0"/>
+              <a:t>  </a:t>
+            </a:r>
+            <a:endParaRPr lang="en-US" sz="2400" dirty="0"/>
+          </a:p>
+          <a:p>
+            <a:endParaRPr lang="en-US" dirty="0"/>
+          </a:p>
+          <a:p>
+            <a:endParaRPr lang="en-US" dirty="0"/>
+          </a:p>
+          <a:p>
+            <a:endParaRPr lang="en-US" dirty="0"/>
+          </a:p>
+          <a:p>
+            <a:endParaRPr lang="en-US" dirty="0"/>
           </a:p>
         </p:txBody>
       </p:sp>
     </p:spTree>
     <p:extLst>
       <p:ext uri="{BB962C8B-B14F-4D97-AF65-F5344CB8AC3E}">
-        <p14:creationId xmlns:p14="http://schemas.microsoft.com/office/powerpoint/2010/main" val="631803287"/>
+        <p14:creationId xmlns:p14="http://schemas.microsoft.com/office/powerpoint/2010/main" val="507629737"/>
+      </p:ext>
+    </p:extLst>
+  </p:cSld>
+  <p:clrMapOvr>
+    <a:masterClrMapping/>
+  </p:clrMapOvr>
+</p:sld>
+</file>
+
+<file path=ppt/slides/slide19.xml><?xml version="1.0" encoding="utf-8"?>
+<p:sld xmlns:a="http://schemas.openxmlformats.org/drawingml/2006/main" xmlns:r="http://schemas.openxmlformats.org/officeDocument/2006/relationships" xmlns:p="http://schemas.openxmlformats.org/presentationml/2006/main">
+  <p:cSld>
+    <p:spTree>
+      <p:nvGrpSpPr>
+        <p:cNvPr id="1" name=""/>
+        <p:cNvGrpSpPr/>
+        <p:nvPr/>
+      </p:nvGrpSpPr>
+      <p:grpSpPr>
+        <a:xfrm>
+          <a:off x="0" y="0"/>
+          <a:ext cx="0" cy="0"/>
+          <a:chOff x="0" y="0"/>
+          <a:chExt cx="0" cy="0"/>
+        </a:xfrm>
+      </p:grpSpPr>
+      <p:sp>
+        <p:nvSpPr>
+          <p:cNvPr id="9" name="TextBox 8">
+            <a:extLst>
+              <a:ext uri="{FF2B5EF4-FFF2-40B4-BE49-F238E27FC236}">
+                <a16:creationId xmlns:a16="http://schemas.microsoft.com/office/drawing/2014/main" id="{FAAC2C86-314D-C84A-A3BF-C8810037B47E}"/>
+              </a:ext>
+            </a:extLst>
+          </p:cNvPr>
+          <p:cNvSpPr txBox="1"/>
+          <p:nvPr/>
+        </p:nvSpPr>
+        <p:spPr>
+          <a:xfrm>
+            <a:off x="1173892" y="420130"/>
+            <a:ext cx="10157254" cy="769441"/>
+          </a:xfrm>
+          <a:prstGeom prst="rect">
+            <a:avLst/>
+          </a:prstGeom>
+          <a:noFill/>
+        </p:spPr>
+        <p:txBody>
+          <a:bodyPr wrap="square" rtlCol="0">
+            <a:spAutoFit/>
+          </a:bodyPr>
+          <a:lstStyle/>
+          <a:p>
+            <a:pPr fontAlgn="ctr"/>
+            <a:r>
+              <a:rPr lang="en-US" sz="4400" dirty="0"/>
+              <a:t>Predictive Data Analytics(IP#6) – KNN</a:t>
+            </a:r>
+          </a:p>
+        </p:txBody>
+      </p:sp>
+      <p:sp>
+        <p:nvSpPr>
+          <p:cNvPr id="2" name="TextBox 1">
+            <a:extLst>
+              <a:ext uri="{FF2B5EF4-FFF2-40B4-BE49-F238E27FC236}">
+                <a16:creationId xmlns:a16="http://schemas.microsoft.com/office/drawing/2014/main" id="{7893E434-ED00-466E-BBDF-6643C0B83A39}"/>
+              </a:ext>
+            </a:extLst>
+          </p:cNvPr>
+          <p:cNvSpPr txBox="1"/>
+          <p:nvPr/>
+        </p:nvSpPr>
+        <p:spPr>
+          <a:xfrm>
+            <a:off x="814812" y="1259455"/>
+            <a:ext cx="10746463" cy="1200329"/>
+          </a:xfrm>
+          <a:prstGeom prst="rect">
+            <a:avLst/>
+          </a:prstGeom>
+          <a:noFill/>
+        </p:spPr>
+        <p:txBody>
+          <a:bodyPr wrap="square" rtlCol="0">
+            <a:spAutoFit/>
+          </a:bodyPr>
+          <a:lstStyle/>
+          <a:p>
+            <a:endParaRPr lang="en-US" dirty="0"/>
+          </a:p>
+          <a:p>
+            <a:endParaRPr lang="en-US" dirty="0"/>
+          </a:p>
+          <a:p>
+            <a:endParaRPr lang="en-US" dirty="0"/>
+          </a:p>
+          <a:p>
+            <a:endParaRPr lang="en-US" dirty="0"/>
+          </a:p>
+        </p:txBody>
+      </p:sp>
+    </p:spTree>
+    <p:extLst>
+      <p:ext uri="{BB962C8B-B14F-4D97-AF65-F5344CB8AC3E}">
+        <p14:creationId xmlns:p14="http://schemas.microsoft.com/office/powerpoint/2010/main" val="1860435743"/>
       </p:ext>
     </p:extLst>
   </p:cSld>
@@ -25125,6 +25555,290 @@
     <p:extLst>
       <p:ext uri="{BB962C8B-B14F-4D97-AF65-F5344CB8AC3E}">
         <p14:creationId xmlns:p14="http://schemas.microsoft.com/office/powerpoint/2010/main" val="1020259238"/>
+      </p:ext>
+    </p:extLst>
+  </p:cSld>
+  <p:clrMapOvr>
+    <a:masterClrMapping/>
+  </p:clrMapOvr>
+</p:sld>
+</file>
+
+<file path=ppt/slides/slide20.xml><?xml version="1.0" encoding="utf-8"?>
+<p:sld xmlns:a="http://schemas.openxmlformats.org/drawingml/2006/main" xmlns:r="http://schemas.openxmlformats.org/officeDocument/2006/relationships" xmlns:p="http://schemas.openxmlformats.org/presentationml/2006/main">
+  <p:cSld>
+    <p:spTree>
+      <p:nvGrpSpPr>
+        <p:cNvPr id="1" name=""/>
+        <p:cNvGrpSpPr/>
+        <p:nvPr/>
+      </p:nvGrpSpPr>
+      <p:grpSpPr>
+        <a:xfrm>
+          <a:off x="0" y="0"/>
+          <a:ext cx="0" cy="0"/>
+          <a:chOff x="0" y="0"/>
+          <a:chExt cx="0" cy="0"/>
+        </a:xfrm>
+      </p:grpSpPr>
+      <p:sp>
+        <p:nvSpPr>
+          <p:cNvPr id="9" name="TextBox 8">
+            <a:extLst>
+              <a:ext uri="{FF2B5EF4-FFF2-40B4-BE49-F238E27FC236}">
+                <a16:creationId xmlns:a16="http://schemas.microsoft.com/office/drawing/2014/main" id="{FAAC2C86-314D-C84A-A3BF-C8810037B47E}"/>
+              </a:ext>
+            </a:extLst>
+          </p:cNvPr>
+          <p:cNvSpPr txBox="1"/>
+          <p:nvPr/>
+        </p:nvSpPr>
+        <p:spPr>
+          <a:xfrm>
+            <a:off x="1173892" y="420130"/>
+            <a:ext cx="10157254" cy="769441"/>
+          </a:xfrm>
+          <a:prstGeom prst="rect">
+            <a:avLst/>
+          </a:prstGeom>
+          <a:noFill/>
+        </p:spPr>
+        <p:txBody>
+          <a:bodyPr wrap="square" rtlCol="0">
+            <a:spAutoFit/>
+          </a:bodyPr>
+          <a:lstStyle/>
+          <a:p>
+            <a:pPr fontAlgn="ctr"/>
+            <a:r>
+              <a:rPr lang="en-US" sz="4400" dirty="0"/>
+              <a:t>Predictive Data Analytics(IP#6) – Conclusion</a:t>
+            </a:r>
+          </a:p>
+        </p:txBody>
+      </p:sp>
+      <p:sp>
+        <p:nvSpPr>
+          <p:cNvPr id="2" name="TextBox 1">
+            <a:extLst>
+              <a:ext uri="{FF2B5EF4-FFF2-40B4-BE49-F238E27FC236}">
+                <a16:creationId xmlns:a16="http://schemas.microsoft.com/office/drawing/2014/main" id="{7893E434-ED00-466E-BBDF-6643C0B83A39}"/>
+              </a:ext>
+            </a:extLst>
+          </p:cNvPr>
+          <p:cNvSpPr txBox="1"/>
+          <p:nvPr/>
+        </p:nvSpPr>
+        <p:spPr>
+          <a:xfrm>
+            <a:off x="814812" y="1259455"/>
+            <a:ext cx="10746463" cy="1200329"/>
+          </a:xfrm>
+          <a:prstGeom prst="rect">
+            <a:avLst/>
+          </a:prstGeom>
+          <a:noFill/>
+        </p:spPr>
+        <p:txBody>
+          <a:bodyPr wrap="square" rtlCol="0">
+            <a:spAutoFit/>
+          </a:bodyPr>
+          <a:lstStyle/>
+          <a:p>
+            <a:endParaRPr lang="en-US" dirty="0"/>
+          </a:p>
+          <a:p>
+            <a:endParaRPr lang="en-US" dirty="0"/>
+          </a:p>
+          <a:p>
+            <a:endParaRPr lang="en-US" dirty="0"/>
+          </a:p>
+          <a:p>
+            <a:endParaRPr lang="en-US" dirty="0"/>
+          </a:p>
+        </p:txBody>
+      </p:sp>
+    </p:spTree>
+    <p:extLst>
+      <p:ext uri="{BB962C8B-B14F-4D97-AF65-F5344CB8AC3E}">
+        <p14:creationId xmlns:p14="http://schemas.microsoft.com/office/powerpoint/2010/main" val="2467964634"/>
+      </p:ext>
+    </p:extLst>
+  </p:cSld>
+  <p:clrMapOvr>
+    <a:masterClrMapping/>
+  </p:clrMapOvr>
+</p:sld>
+</file>
+
+<file path=ppt/slides/slide21.xml><?xml version="1.0" encoding="utf-8"?>
+<p:sld xmlns:a="http://schemas.openxmlformats.org/drawingml/2006/main" xmlns:r="http://schemas.openxmlformats.org/officeDocument/2006/relationships" xmlns:p="http://schemas.openxmlformats.org/presentationml/2006/main">
+  <p:cSld>
+    <p:spTree>
+      <p:nvGrpSpPr>
+        <p:cNvPr id="1" name=""/>
+        <p:cNvGrpSpPr/>
+        <p:nvPr/>
+      </p:nvGrpSpPr>
+      <p:grpSpPr>
+        <a:xfrm>
+          <a:off x="0" y="0"/>
+          <a:ext cx="0" cy="0"/>
+          <a:chOff x="0" y="0"/>
+          <a:chExt cx="0" cy="0"/>
+        </a:xfrm>
+      </p:grpSpPr>
+      <p:sp>
+        <p:nvSpPr>
+          <p:cNvPr id="9" name="TextBox 8">
+            <a:extLst>
+              <a:ext uri="{FF2B5EF4-FFF2-40B4-BE49-F238E27FC236}">
+                <a16:creationId xmlns:a16="http://schemas.microsoft.com/office/drawing/2014/main" id="{FAAC2C86-314D-C84A-A3BF-C8810037B47E}"/>
+              </a:ext>
+            </a:extLst>
+          </p:cNvPr>
+          <p:cNvSpPr txBox="1"/>
+          <p:nvPr/>
+        </p:nvSpPr>
+        <p:spPr>
+          <a:xfrm>
+            <a:off x="1173892" y="420130"/>
+            <a:ext cx="10157254" cy="769441"/>
+          </a:xfrm>
+          <a:prstGeom prst="rect">
+            <a:avLst/>
+          </a:prstGeom>
+          <a:noFill/>
+        </p:spPr>
+        <p:txBody>
+          <a:bodyPr wrap="square" rtlCol="0">
+            <a:spAutoFit/>
+          </a:bodyPr>
+          <a:lstStyle/>
+          <a:p>
+            <a:pPr fontAlgn="ctr"/>
+            <a:r>
+              <a:rPr lang="en-US" sz="4400" dirty="0"/>
+              <a:t>Links</a:t>
+            </a:r>
+          </a:p>
+        </p:txBody>
+      </p:sp>
+      <p:sp>
+        <p:nvSpPr>
+          <p:cNvPr id="6" name="TextBox 5">
+            <a:extLst>
+              <a:ext uri="{FF2B5EF4-FFF2-40B4-BE49-F238E27FC236}">
+                <a16:creationId xmlns:a16="http://schemas.microsoft.com/office/drawing/2014/main" id="{CE7BF1D4-5981-DE45-A564-E16ED6CC1451}"/>
+              </a:ext>
+            </a:extLst>
+          </p:cNvPr>
+          <p:cNvSpPr txBox="1"/>
+          <p:nvPr/>
+        </p:nvSpPr>
+        <p:spPr>
+          <a:xfrm>
+            <a:off x="1173892" y="1189571"/>
+            <a:ext cx="10095471" cy="2308324"/>
+          </a:xfrm>
+          <a:prstGeom prst="rect">
+            <a:avLst/>
+          </a:prstGeom>
+          <a:noFill/>
+        </p:spPr>
+        <p:txBody>
+          <a:bodyPr wrap="square" rtlCol="0">
+            <a:spAutoFit/>
+          </a:bodyPr>
+          <a:lstStyle/>
+          <a:p>
+            <a:pPr marL="571500" indent="-571500" defTabSz="914400" eaLnBrk="0" fontAlgn="base" hangingPunct="0">
+              <a:spcBef>
+                <a:spcPct val="0"/>
+              </a:spcBef>
+              <a:spcAft>
+                <a:spcPct val="0"/>
+              </a:spcAft>
+              <a:buFont typeface="Arial" panose="020B0604020202020204" pitchFamily="34" charset="0"/>
+              <a:buChar char="•"/>
+            </a:pPr>
+            <a:r>
+              <a:rPr lang="en-US" altLang="en-US" sz="3200" dirty="0"/>
+              <a:t>Code: https://</a:t>
+            </a:r>
+            <a:r>
+              <a:rPr lang="en-US" altLang="en-US" sz="3200" dirty="0" err="1"/>
+              <a:t>github.com</a:t>
+            </a:r>
+            <a:r>
+              <a:rPr lang="en-US" altLang="en-US" sz="3200" dirty="0"/>
+              <a:t>/</a:t>
+            </a:r>
+            <a:r>
+              <a:rPr lang="en-US" altLang="en-US" sz="3200" dirty="0" err="1"/>
+              <a:t>billyean</a:t>
+            </a:r>
+            <a:r>
+              <a:rPr lang="en-US" altLang="en-US" sz="3200" dirty="0"/>
+              <a:t>/anna</a:t>
+            </a:r>
+          </a:p>
+          <a:p>
+            <a:pPr marL="1028700" lvl="1" indent="-571500" defTabSz="914400" eaLnBrk="0" fontAlgn="base" hangingPunct="0">
+              <a:spcBef>
+                <a:spcPct val="0"/>
+              </a:spcBef>
+              <a:spcAft>
+                <a:spcPct val="0"/>
+              </a:spcAft>
+              <a:buFont typeface="Arial" panose="020B0604020202020204" pitchFamily="34" charset="0"/>
+              <a:buChar char="•"/>
+            </a:pPr>
+            <a:endParaRPr lang="en-US" altLang="en-US" sz="2000" dirty="0"/>
+          </a:p>
+          <a:p>
+            <a:pPr marL="571500" indent="-571500" defTabSz="914400" eaLnBrk="0" fontAlgn="base" hangingPunct="0">
+              <a:spcBef>
+                <a:spcPct val="0"/>
+              </a:spcBef>
+              <a:spcAft>
+                <a:spcPct val="0"/>
+              </a:spcAft>
+              <a:buFont typeface="Arial" panose="020B0604020202020204" pitchFamily="34" charset="0"/>
+              <a:buChar char="•"/>
+            </a:pPr>
+            <a:endParaRPr lang="en-US" altLang="en-US" sz="3200" dirty="0"/>
+          </a:p>
+          <a:p>
+            <a:pPr marL="571500" indent="-571500" defTabSz="914400" eaLnBrk="0" fontAlgn="base" hangingPunct="0">
+              <a:spcBef>
+                <a:spcPct val="0"/>
+              </a:spcBef>
+              <a:spcAft>
+                <a:spcPct val="0"/>
+              </a:spcAft>
+              <a:buFont typeface="Arial" panose="020B0604020202020204" pitchFamily="34" charset="0"/>
+              <a:buChar char="•"/>
+            </a:pPr>
+            <a:endParaRPr lang="en-US" altLang="en-US" sz="2400" dirty="0"/>
+          </a:p>
+          <a:p>
+            <a:pPr lvl="0" defTabSz="914400" eaLnBrk="0" fontAlgn="base" hangingPunct="0">
+              <a:spcBef>
+                <a:spcPct val="0"/>
+              </a:spcBef>
+              <a:spcAft>
+                <a:spcPct val="0"/>
+              </a:spcAft>
+            </a:pPr>
+            <a:endParaRPr lang="en-US" altLang="en-US" sz="3600" dirty="0"/>
+          </a:p>
+        </p:txBody>
+      </p:sp>
+    </p:spTree>
+    <p:extLst>
+      <p:ext uri="{BB962C8B-B14F-4D97-AF65-F5344CB8AC3E}">
+        <p14:creationId xmlns:p14="http://schemas.microsoft.com/office/powerpoint/2010/main" val="631803287"/>
       </p:ext>
     </p:extLst>
   </p:cSld>

--- a/Data Analytics and Information Virtualization Project.pptx
+++ b/Data Analytics and Information Virtualization Project.pptx
@@ -182,7 +182,7 @@
           <a:noFill/>
           <a:extLst>
             <a:ext uri="{909E8E84-426E-40dd-AFC4-6F175D3DCCD1}">
-              <a14:hiddenFill xmlns="" xmlns:a14="http://schemas.microsoft.com/office/drawing/2010/main">
+              <a14:hiddenFill xmlns:a14="http://schemas.microsoft.com/office/drawing/2010/main" xmlns="">
                 <a:solidFill>
                   <a:srgbClr val="FFFFFF"/>
                 </a:solidFill>
@@ -242,7 +242,7 @@
             </a:ln>
             <a:extLst>
               <a:ext uri="{91240B29-F687-4f45-9708-019B960494DF}">
-                <a14:hiddenLine xmlns="" xmlns:a14="http://schemas.microsoft.com/office/drawing/2010/main" w="9525">
+                <a14:hiddenLine xmlns:a14="http://schemas.microsoft.com/office/drawing/2010/main" xmlns="" w="9525">
                   <a:solidFill>
                     <a:srgbClr val="000000"/>
                   </a:solidFill>
@@ -332,7 +332,7 @@
             </a:ln>
             <a:extLst>
               <a:ext uri="{91240B29-F687-4f45-9708-019B960494DF}">
-                <a14:hiddenLine xmlns="" xmlns:a14="http://schemas.microsoft.com/office/drawing/2010/main" w="9525">
+                <a14:hiddenLine xmlns:a14="http://schemas.microsoft.com/office/drawing/2010/main" xmlns="" w="9525">
                   <a:solidFill>
                     <a:srgbClr val="000000"/>
                   </a:solidFill>
@@ -422,7 +422,7 @@
             </a:ln>
             <a:extLst>
               <a:ext uri="{91240B29-F687-4f45-9708-019B960494DF}">
-                <a14:hiddenLine xmlns="" xmlns:a14="http://schemas.microsoft.com/office/drawing/2010/main" w="9525">
+                <a14:hiddenLine xmlns:a14="http://schemas.microsoft.com/office/drawing/2010/main" xmlns="" w="9525">
                   <a:solidFill>
                     <a:srgbClr val="000000"/>
                   </a:solidFill>
@@ -456,7 +456,7 @@
             </a:ln>
             <a:extLst>
               <a:ext uri="{91240B29-F687-4f45-9708-019B960494DF}">
-                <a14:hiddenLine xmlns="" xmlns:a14="http://schemas.microsoft.com/office/drawing/2010/main" w="9525">
+                <a14:hiddenLine xmlns:a14="http://schemas.microsoft.com/office/drawing/2010/main" xmlns="" w="9525">
                   <a:solidFill>
                     <a:srgbClr val="000000"/>
                   </a:solidFill>
@@ -546,7 +546,7 @@
             </a:ln>
             <a:extLst>
               <a:ext uri="{91240B29-F687-4f45-9708-019B960494DF}">
-                <a14:hiddenLine xmlns="" xmlns:a14="http://schemas.microsoft.com/office/drawing/2010/main" w="9525">
+                <a14:hiddenLine xmlns:a14="http://schemas.microsoft.com/office/drawing/2010/main" xmlns="" w="9525">
                   <a:solidFill>
                     <a:srgbClr val="000000"/>
                   </a:solidFill>
@@ -608,7 +608,7 @@
             </a:ln>
             <a:extLst>
               <a:ext uri="{91240B29-F687-4f45-9708-019B960494DF}">
-                <a14:hiddenLine xmlns="" xmlns:a14="http://schemas.microsoft.com/office/drawing/2010/main" w="9525">
+                <a14:hiddenLine xmlns:a14="http://schemas.microsoft.com/office/drawing/2010/main" xmlns="" w="9525">
                   <a:solidFill>
                     <a:srgbClr val="000000"/>
                   </a:solidFill>
@@ -670,7 +670,7 @@
             </a:ln>
             <a:extLst>
               <a:ext uri="{91240B29-F687-4f45-9708-019B960494DF}">
-                <a14:hiddenLine xmlns="" xmlns:a14="http://schemas.microsoft.com/office/drawing/2010/main" w="9525">
+                <a14:hiddenLine xmlns:a14="http://schemas.microsoft.com/office/drawing/2010/main" xmlns="" w="9525">
                   <a:solidFill>
                     <a:srgbClr val="000000"/>
                   </a:solidFill>
@@ -760,7 +760,7 @@
             </a:ln>
             <a:extLst>
               <a:ext uri="{91240B29-F687-4f45-9708-019B960494DF}">
-                <a14:hiddenLine xmlns="" xmlns:a14="http://schemas.microsoft.com/office/drawing/2010/main" w="9525">
+                <a14:hiddenLine xmlns:a14="http://schemas.microsoft.com/office/drawing/2010/main" xmlns="" w="9525">
                   <a:solidFill>
                     <a:srgbClr val="000000"/>
                   </a:solidFill>
@@ -822,7 +822,7 @@
             </a:ln>
             <a:extLst>
               <a:ext uri="{91240B29-F687-4f45-9708-019B960494DF}">
-                <a14:hiddenLine xmlns="" xmlns:a14="http://schemas.microsoft.com/office/drawing/2010/main" w="9525">
+                <a14:hiddenLine xmlns:a14="http://schemas.microsoft.com/office/drawing/2010/main" xmlns="" w="9525">
                   <a:solidFill>
                     <a:srgbClr val="000000"/>
                   </a:solidFill>
@@ -884,7 +884,7 @@
             </a:ln>
             <a:extLst>
               <a:ext uri="{91240B29-F687-4f45-9708-019B960494DF}">
-                <a14:hiddenLine xmlns="" xmlns:a14="http://schemas.microsoft.com/office/drawing/2010/main" w="9525">
+                <a14:hiddenLine xmlns:a14="http://schemas.microsoft.com/office/drawing/2010/main" xmlns="" w="9525">
                   <a:solidFill>
                     <a:srgbClr val="000000"/>
                   </a:solidFill>
@@ -974,7 +974,7 @@
             </a:ln>
             <a:extLst>
               <a:ext uri="{91240B29-F687-4f45-9708-019B960494DF}">
-                <a14:hiddenLine xmlns="" xmlns:a14="http://schemas.microsoft.com/office/drawing/2010/main" w="9525">
+                <a14:hiddenLine xmlns:a14="http://schemas.microsoft.com/office/drawing/2010/main" xmlns="" w="9525">
                   <a:solidFill>
                     <a:srgbClr val="000000"/>
                   </a:solidFill>
@@ -1064,7 +1064,7 @@
             </a:ln>
             <a:extLst>
               <a:ext uri="{91240B29-F687-4f45-9708-019B960494DF}">
-                <a14:hiddenLine xmlns="" xmlns:a14="http://schemas.microsoft.com/office/drawing/2010/main" w="9525">
+                <a14:hiddenLine xmlns:a14="http://schemas.microsoft.com/office/drawing/2010/main" xmlns="" w="9525">
                   <a:solidFill>
                     <a:srgbClr val="000000"/>
                   </a:solidFill>
@@ -1126,7 +1126,7 @@
             </a:ln>
             <a:extLst>
               <a:ext uri="{91240B29-F687-4f45-9708-019B960494DF}">
-                <a14:hiddenLine xmlns="" xmlns:a14="http://schemas.microsoft.com/office/drawing/2010/main" w="9525">
+                <a14:hiddenLine xmlns:a14="http://schemas.microsoft.com/office/drawing/2010/main" xmlns="" w="9525">
                   <a:solidFill>
                     <a:srgbClr val="000000"/>
                   </a:solidFill>
@@ -1236,7 +1236,7 @@
             </a:ln>
             <a:extLst>
               <a:ext uri="{91240B29-F687-4f45-9708-019B960494DF}">
-                <a14:hiddenLine xmlns="" xmlns:a14="http://schemas.microsoft.com/office/drawing/2010/main" w="9525">
+                <a14:hiddenLine xmlns:a14="http://schemas.microsoft.com/office/drawing/2010/main" xmlns="" w="9525">
                   <a:solidFill>
                     <a:srgbClr val="000000"/>
                   </a:solidFill>
@@ -1298,7 +1298,7 @@
             </a:ln>
             <a:extLst>
               <a:ext uri="{91240B29-F687-4f45-9708-019B960494DF}">
-                <a14:hiddenLine xmlns="" xmlns:a14="http://schemas.microsoft.com/office/drawing/2010/main" w="9525">
+                <a14:hiddenLine xmlns:a14="http://schemas.microsoft.com/office/drawing/2010/main" xmlns="" w="9525">
                   <a:solidFill>
                     <a:srgbClr val="000000"/>
                   </a:solidFill>
@@ -1388,7 +1388,7 @@
             </a:ln>
             <a:extLst>
               <a:ext uri="{91240B29-F687-4f45-9708-019B960494DF}">
-                <a14:hiddenLine xmlns="" xmlns:a14="http://schemas.microsoft.com/office/drawing/2010/main" w="9525">
+                <a14:hiddenLine xmlns:a14="http://schemas.microsoft.com/office/drawing/2010/main" xmlns="" w="9525">
                   <a:solidFill>
                     <a:srgbClr val="000000"/>
                   </a:solidFill>
@@ -1478,7 +1478,7 @@
             </a:ln>
             <a:extLst>
               <a:ext uri="{91240B29-F687-4f45-9708-019B960494DF}">
-                <a14:hiddenLine xmlns="" xmlns:a14="http://schemas.microsoft.com/office/drawing/2010/main" w="9525">
+                <a14:hiddenLine xmlns:a14="http://schemas.microsoft.com/office/drawing/2010/main" xmlns="" w="9525">
                   <a:solidFill>
                     <a:srgbClr val="000000"/>
                   </a:solidFill>
@@ -1540,7 +1540,7 @@
             </a:ln>
             <a:extLst>
               <a:ext uri="{91240B29-F687-4f45-9708-019B960494DF}">
-                <a14:hiddenLine xmlns="" xmlns:a14="http://schemas.microsoft.com/office/drawing/2010/main" w="9525">
+                <a14:hiddenLine xmlns:a14="http://schemas.microsoft.com/office/drawing/2010/main" xmlns="" w="9525">
                   <a:solidFill>
                     <a:srgbClr val="000000"/>
                   </a:solidFill>
@@ -1630,7 +1630,7 @@
             </a:ln>
             <a:extLst>
               <a:ext uri="{91240B29-F687-4f45-9708-019B960494DF}">
-                <a14:hiddenLine xmlns="" xmlns:a14="http://schemas.microsoft.com/office/drawing/2010/main" w="9525">
+                <a14:hiddenLine xmlns:a14="http://schemas.microsoft.com/office/drawing/2010/main" xmlns="" w="9525">
                   <a:solidFill>
                     <a:srgbClr val="000000"/>
                   </a:solidFill>
@@ -1720,7 +1720,7 @@
             </a:ln>
             <a:extLst>
               <a:ext uri="{91240B29-F687-4f45-9708-019B960494DF}">
-                <a14:hiddenLine xmlns="" xmlns:a14="http://schemas.microsoft.com/office/drawing/2010/main" w="9525">
+                <a14:hiddenLine xmlns:a14="http://schemas.microsoft.com/office/drawing/2010/main" xmlns="" w="9525">
                   <a:solidFill>
                     <a:srgbClr val="000000"/>
                   </a:solidFill>
@@ -1776,7 +1776,7 @@
             </a:ln>
             <a:extLst>
               <a:ext uri="{91240B29-F687-4f45-9708-019B960494DF}">
-                <a14:hiddenLine xmlns="" xmlns:a14="http://schemas.microsoft.com/office/drawing/2010/main" w="9525">
+                <a14:hiddenLine xmlns:a14="http://schemas.microsoft.com/office/drawing/2010/main" xmlns="" w="9525">
                   <a:solidFill>
                     <a:srgbClr val="000000"/>
                   </a:solidFill>
@@ -1866,7 +1866,7 @@
             </a:ln>
             <a:extLst>
               <a:ext uri="{91240B29-F687-4f45-9708-019B960494DF}">
-                <a14:hiddenLine xmlns="" xmlns:a14="http://schemas.microsoft.com/office/drawing/2010/main" w="9525">
+                <a14:hiddenLine xmlns:a14="http://schemas.microsoft.com/office/drawing/2010/main" xmlns="" w="9525">
                   <a:solidFill>
                     <a:srgbClr val="000000"/>
                   </a:solidFill>
@@ -1922,7 +1922,7 @@
             </a:ln>
             <a:extLst>
               <a:ext uri="{91240B29-F687-4f45-9708-019B960494DF}">
-                <a14:hiddenLine xmlns="" xmlns:a14="http://schemas.microsoft.com/office/drawing/2010/main" w="9525">
+                <a14:hiddenLine xmlns:a14="http://schemas.microsoft.com/office/drawing/2010/main" xmlns="" w="9525">
                   <a:solidFill>
                     <a:srgbClr val="000000"/>
                   </a:solidFill>
@@ -2012,7 +2012,7 @@
             </a:ln>
             <a:extLst>
               <a:ext uri="{91240B29-F687-4f45-9708-019B960494DF}">
-                <a14:hiddenLine xmlns="" xmlns:a14="http://schemas.microsoft.com/office/drawing/2010/main" w="9525">
+                <a14:hiddenLine xmlns:a14="http://schemas.microsoft.com/office/drawing/2010/main" xmlns="" w="9525">
                   <a:solidFill>
                     <a:srgbClr val="000000"/>
                   </a:solidFill>
@@ -2080,7 +2080,7 @@
             </a:ln>
             <a:extLst>
               <a:ext uri="{91240B29-F687-4f45-9708-019B960494DF}">
-                <a14:hiddenLine xmlns="" xmlns:a14="http://schemas.microsoft.com/office/drawing/2010/main" w="9525">
+                <a14:hiddenLine xmlns:a14="http://schemas.microsoft.com/office/drawing/2010/main" xmlns="" w="9525">
                   <a:solidFill>
                     <a:srgbClr val="000000"/>
                   </a:solidFill>
@@ -2170,7 +2170,7 @@
             </a:ln>
             <a:extLst>
               <a:ext uri="{91240B29-F687-4f45-9708-019B960494DF}">
-                <a14:hiddenLine xmlns="" xmlns:a14="http://schemas.microsoft.com/office/drawing/2010/main" w="9525">
+                <a14:hiddenLine xmlns:a14="http://schemas.microsoft.com/office/drawing/2010/main" xmlns="" w="9525">
                   <a:solidFill>
                     <a:srgbClr val="000000"/>
                   </a:solidFill>
@@ -2238,7 +2238,7 @@
             </a:ln>
             <a:extLst>
               <a:ext uri="{91240B29-F687-4f45-9708-019B960494DF}">
-                <a14:hiddenLine xmlns="" xmlns:a14="http://schemas.microsoft.com/office/drawing/2010/main" w="9525">
+                <a14:hiddenLine xmlns:a14="http://schemas.microsoft.com/office/drawing/2010/main" xmlns="" w="9525">
                   <a:solidFill>
                     <a:srgbClr val="000000"/>
                   </a:solidFill>
@@ -2328,7 +2328,7 @@
             </a:ln>
             <a:extLst>
               <a:ext uri="{91240B29-F687-4f45-9708-019B960494DF}">
-                <a14:hiddenLine xmlns="" xmlns:a14="http://schemas.microsoft.com/office/drawing/2010/main" w="9525">
+                <a14:hiddenLine xmlns:a14="http://schemas.microsoft.com/office/drawing/2010/main" xmlns="" w="9525">
                   <a:solidFill>
                     <a:srgbClr val="000000"/>
                   </a:solidFill>
@@ -2362,7 +2362,7 @@
             </a:ln>
             <a:extLst>
               <a:ext uri="{91240B29-F687-4f45-9708-019B960494DF}">
-                <a14:hiddenLine xmlns="" xmlns:a14="http://schemas.microsoft.com/office/drawing/2010/main" w="9525">
+                <a14:hiddenLine xmlns:a14="http://schemas.microsoft.com/office/drawing/2010/main" xmlns="" w="9525">
                   <a:solidFill>
                     <a:srgbClr val="000000"/>
                   </a:solidFill>
@@ -2452,7 +2452,7 @@
             </a:ln>
             <a:extLst>
               <a:ext uri="{91240B29-F687-4f45-9708-019B960494DF}">
-                <a14:hiddenLine xmlns="" xmlns:a14="http://schemas.microsoft.com/office/drawing/2010/main" w="9525">
+                <a14:hiddenLine xmlns:a14="http://schemas.microsoft.com/office/drawing/2010/main" xmlns="" w="9525">
                   <a:solidFill>
                     <a:srgbClr val="000000"/>
                   </a:solidFill>
@@ -2514,7 +2514,7 @@
             </a:ln>
             <a:extLst>
               <a:ext uri="{91240B29-F687-4f45-9708-019B960494DF}">
-                <a14:hiddenLine xmlns="" xmlns:a14="http://schemas.microsoft.com/office/drawing/2010/main" w="9525">
+                <a14:hiddenLine xmlns:a14="http://schemas.microsoft.com/office/drawing/2010/main" xmlns="" w="9525">
                   <a:solidFill>
                     <a:srgbClr val="000000"/>
                   </a:solidFill>
@@ -2576,7 +2576,7 @@
             </a:ln>
             <a:extLst>
               <a:ext uri="{91240B29-F687-4f45-9708-019B960494DF}">
-                <a14:hiddenLine xmlns="" xmlns:a14="http://schemas.microsoft.com/office/drawing/2010/main" w="9525">
+                <a14:hiddenLine xmlns:a14="http://schemas.microsoft.com/office/drawing/2010/main" xmlns="" w="9525">
                   <a:solidFill>
                     <a:srgbClr val="000000"/>
                   </a:solidFill>
@@ -2666,7 +2666,7 @@
             </a:ln>
             <a:extLst>
               <a:ext uri="{91240B29-F687-4f45-9708-019B960494DF}">
-                <a14:hiddenLine xmlns="" xmlns:a14="http://schemas.microsoft.com/office/drawing/2010/main" w="9525">
+                <a14:hiddenLine xmlns:a14="http://schemas.microsoft.com/office/drawing/2010/main" xmlns="" w="9525">
                   <a:solidFill>
                     <a:srgbClr val="000000"/>
                   </a:solidFill>
@@ -2734,7 +2734,7 @@
             </a:ln>
             <a:extLst>
               <a:ext uri="{91240B29-F687-4f45-9708-019B960494DF}">
-                <a14:hiddenLine xmlns="" xmlns:a14="http://schemas.microsoft.com/office/drawing/2010/main" w="9525">
+                <a14:hiddenLine xmlns:a14="http://schemas.microsoft.com/office/drawing/2010/main" xmlns="" w="9525">
                   <a:solidFill>
                     <a:srgbClr val="000000"/>
                   </a:solidFill>
@@ -2796,7 +2796,7 @@
             </a:ln>
             <a:extLst>
               <a:ext uri="{91240B29-F687-4f45-9708-019B960494DF}">
-                <a14:hiddenLine xmlns="" xmlns:a14="http://schemas.microsoft.com/office/drawing/2010/main" w="9525">
+                <a14:hiddenLine xmlns:a14="http://schemas.microsoft.com/office/drawing/2010/main" xmlns="" w="9525">
                   <a:solidFill>
                     <a:srgbClr val="000000"/>
                   </a:solidFill>
@@ -2886,7 +2886,7 @@
             </a:ln>
             <a:extLst>
               <a:ext uri="{91240B29-F687-4f45-9708-019B960494DF}">
-                <a14:hiddenLine xmlns="" xmlns:a14="http://schemas.microsoft.com/office/drawing/2010/main" w="9525">
+                <a14:hiddenLine xmlns:a14="http://schemas.microsoft.com/office/drawing/2010/main" xmlns="" w="9525">
                   <a:solidFill>
                     <a:srgbClr val="000000"/>
                   </a:solidFill>
@@ -2948,7 +2948,7 @@
             </a:ln>
             <a:extLst>
               <a:ext uri="{91240B29-F687-4f45-9708-019B960494DF}">
-                <a14:hiddenLine xmlns="" xmlns:a14="http://schemas.microsoft.com/office/drawing/2010/main" w="9525">
+                <a14:hiddenLine xmlns:a14="http://schemas.microsoft.com/office/drawing/2010/main" xmlns="" w="9525">
                   <a:solidFill>
                     <a:srgbClr val="000000"/>
                   </a:solidFill>
@@ -3038,7 +3038,7 @@
             </a:ln>
             <a:extLst>
               <a:ext uri="{91240B29-F687-4f45-9708-019B960494DF}">
-                <a14:hiddenLine xmlns="" xmlns:a14="http://schemas.microsoft.com/office/drawing/2010/main" w="9525">
+                <a14:hiddenLine xmlns:a14="http://schemas.microsoft.com/office/drawing/2010/main" xmlns="" w="9525">
                   <a:solidFill>
                     <a:srgbClr val="000000"/>
                   </a:solidFill>
@@ -3100,7 +3100,7 @@
             </a:ln>
             <a:extLst>
               <a:ext uri="{91240B29-F687-4f45-9708-019B960494DF}">
-                <a14:hiddenLine xmlns="" xmlns:a14="http://schemas.microsoft.com/office/drawing/2010/main" w="9525">
+                <a14:hiddenLine xmlns:a14="http://schemas.microsoft.com/office/drawing/2010/main" xmlns="" w="9525">
                   <a:solidFill>
                     <a:srgbClr val="000000"/>
                   </a:solidFill>
@@ -3190,7 +3190,7 @@
             </a:ln>
             <a:extLst>
               <a:ext uri="{91240B29-F687-4f45-9708-019B960494DF}">
-                <a14:hiddenLine xmlns="" xmlns:a14="http://schemas.microsoft.com/office/drawing/2010/main" w="9525">
+                <a14:hiddenLine xmlns:a14="http://schemas.microsoft.com/office/drawing/2010/main" xmlns="" w="9525">
                   <a:solidFill>
                     <a:srgbClr val="000000"/>
                   </a:solidFill>
@@ -3224,7 +3224,7 @@
             </a:ln>
             <a:extLst>
               <a:ext uri="{91240B29-F687-4f45-9708-019B960494DF}">
-                <a14:hiddenLine xmlns="" xmlns:a14="http://schemas.microsoft.com/office/drawing/2010/main" w="9525">
+                <a14:hiddenLine xmlns:a14="http://schemas.microsoft.com/office/drawing/2010/main" xmlns="" w="9525">
                   <a:solidFill>
                     <a:srgbClr val="000000"/>
                   </a:solidFill>
@@ -3289,7 +3289,7 @@
             </a:ln>
             <a:extLst>
               <a:ext uri="{91240B29-F687-4f45-9708-019B960494DF}">
-                <a14:hiddenLine xmlns="" xmlns:a14="http://schemas.microsoft.com/office/drawing/2010/main" w="9525">
+                <a14:hiddenLine xmlns:a14="http://schemas.microsoft.com/office/drawing/2010/main" xmlns="" w="9525">
                   <a:solidFill>
                     <a:srgbClr val="000000"/>
                   </a:solidFill>
@@ -3379,7 +3379,7 @@
             </a:ln>
             <a:extLst>
               <a:ext uri="{91240B29-F687-4f45-9708-019B960494DF}">
-                <a14:hiddenLine xmlns="" xmlns:a14="http://schemas.microsoft.com/office/drawing/2010/main" w="9525">
+                <a14:hiddenLine xmlns:a14="http://schemas.microsoft.com/office/drawing/2010/main" xmlns="" w="9525">
                   <a:solidFill>
                     <a:srgbClr val="000000"/>
                   </a:solidFill>
@@ -3441,7 +3441,7 @@
             </a:ln>
             <a:extLst>
               <a:ext uri="{91240B29-F687-4f45-9708-019B960494DF}">
-                <a14:hiddenLine xmlns="" xmlns:a14="http://schemas.microsoft.com/office/drawing/2010/main" w="9525">
+                <a14:hiddenLine xmlns:a14="http://schemas.microsoft.com/office/drawing/2010/main" xmlns="" w="9525">
                   <a:solidFill>
                     <a:srgbClr val="000000"/>
                   </a:solidFill>
@@ -3531,7 +3531,7 @@
             </a:ln>
             <a:extLst>
               <a:ext uri="{91240B29-F687-4f45-9708-019B960494DF}">
-                <a14:hiddenLine xmlns="" xmlns:a14="http://schemas.microsoft.com/office/drawing/2010/main" w="9525">
+                <a14:hiddenLine xmlns:a14="http://schemas.microsoft.com/office/drawing/2010/main" xmlns="" w="9525">
                   <a:solidFill>
                     <a:srgbClr val="000000"/>
                   </a:solidFill>
@@ -3621,7 +3621,7 @@
             </a:ln>
             <a:extLst>
               <a:ext uri="{91240B29-F687-4f45-9708-019B960494DF}">
-                <a14:hiddenLine xmlns="" xmlns:a14="http://schemas.microsoft.com/office/drawing/2010/main" w="9525">
+                <a14:hiddenLine xmlns:a14="http://schemas.microsoft.com/office/drawing/2010/main" xmlns="" w="9525">
                   <a:solidFill>
                     <a:srgbClr val="000000"/>
                   </a:solidFill>
@@ -3686,7 +3686,7 @@
             </a:ln>
             <a:extLst>
               <a:ext uri="{91240B29-F687-4f45-9708-019B960494DF}">
-                <a14:hiddenLine xmlns="" xmlns:a14="http://schemas.microsoft.com/office/drawing/2010/main" w="9525">
+                <a14:hiddenLine xmlns:a14="http://schemas.microsoft.com/office/drawing/2010/main" xmlns="" w="9525">
                   <a:solidFill>
                     <a:srgbClr val="000000"/>
                   </a:solidFill>
@@ -3748,7 +3748,7 @@
             </a:ln>
             <a:extLst>
               <a:ext uri="{91240B29-F687-4f45-9708-019B960494DF}">
-                <a14:hiddenLine xmlns="" xmlns:a14="http://schemas.microsoft.com/office/drawing/2010/main" w="9525">
+                <a14:hiddenLine xmlns:a14="http://schemas.microsoft.com/office/drawing/2010/main" xmlns="" w="9525">
                   <a:solidFill>
                     <a:srgbClr val="000000"/>
                   </a:solidFill>
@@ -3838,7 +3838,7 @@
             </a:ln>
             <a:extLst>
               <a:ext uri="{91240B29-F687-4f45-9708-019B960494DF}">
-                <a14:hiddenLine xmlns="" xmlns:a14="http://schemas.microsoft.com/office/drawing/2010/main" w="9525">
+                <a14:hiddenLine xmlns:a14="http://schemas.microsoft.com/office/drawing/2010/main" xmlns="" w="9525">
                   <a:solidFill>
                     <a:srgbClr val="000000"/>
                   </a:solidFill>
@@ -3928,7 +3928,7 @@
             </a:ln>
             <a:extLst>
               <a:ext uri="{91240B29-F687-4f45-9708-019B960494DF}">
-                <a14:hiddenLine xmlns="" xmlns:a14="http://schemas.microsoft.com/office/drawing/2010/main" w="9525">
+                <a14:hiddenLine xmlns:a14="http://schemas.microsoft.com/office/drawing/2010/main" xmlns="" w="9525">
                   <a:solidFill>
                     <a:srgbClr val="000000"/>
                   </a:solidFill>
@@ -3990,7 +3990,7 @@
             </a:ln>
             <a:extLst>
               <a:ext uri="{91240B29-F687-4f45-9708-019B960494DF}">
-                <a14:hiddenLine xmlns="" xmlns:a14="http://schemas.microsoft.com/office/drawing/2010/main" w="9525">
+                <a14:hiddenLine xmlns:a14="http://schemas.microsoft.com/office/drawing/2010/main" xmlns="" w="9525">
                   <a:solidFill>
                     <a:srgbClr val="000000"/>
                   </a:solidFill>
@@ -4110,7 +4110,7 @@
             </a:ln>
             <a:extLst>
               <a:ext uri="{91240B29-F687-4f45-9708-019B960494DF}">
-                <a14:hiddenLine xmlns="" xmlns:a14="http://schemas.microsoft.com/office/drawing/2010/main" w="9525">
+                <a14:hiddenLine xmlns:a14="http://schemas.microsoft.com/office/drawing/2010/main" xmlns="" w="9525">
                   <a:solidFill>
                     <a:srgbClr val="000000"/>
                   </a:solidFill>
@@ -4178,7 +4178,7 @@
             </a:ln>
             <a:extLst>
               <a:ext uri="{91240B29-F687-4f45-9708-019B960494DF}">
-                <a14:hiddenLine xmlns="" xmlns:a14="http://schemas.microsoft.com/office/drawing/2010/main" w="9525">
+                <a14:hiddenLine xmlns:a14="http://schemas.microsoft.com/office/drawing/2010/main" xmlns="" w="9525">
                   <a:solidFill>
                     <a:srgbClr val="000000"/>
                   </a:solidFill>
@@ -4268,7 +4268,7 @@
             </a:ln>
             <a:extLst>
               <a:ext uri="{91240B29-F687-4f45-9708-019B960494DF}">
-                <a14:hiddenLine xmlns="" xmlns:a14="http://schemas.microsoft.com/office/drawing/2010/main" w="9525">
+                <a14:hiddenLine xmlns:a14="http://schemas.microsoft.com/office/drawing/2010/main" xmlns="" w="9525">
                   <a:solidFill>
                     <a:srgbClr val="000000"/>
                   </a:solidFill>
@@ -4408,7 +4408,7 @@
           <a:p>
             <a:fld id="{48A87A34-81AB-432B-8DAE-1953F412C126}" type="datetimeFigureOut">
               <a:rPr lang="en-US" dirty="0"/>
-              <a:t>3/5/2019</a:t>
+              <a:t>3/6/2019</a:t>
             </a:fld>
             <a:endParaRPr lang="en-US" dirty="0"/>
           </a:p>
@@ -4670,7 +4670,7 @@
           <a:p>
             <a:fld id="{48A87A34-81AB-432B-8DAE-1953F412C126}" type="datetimeFigureOut">
               <a:rPr lang="en-US" dirty="0"/>
-              <a:t>3/5/2019</a:t>
+              <a:t>3/6/2019</a:t>
             </a:fld>
             <a:endParaRPr lang="en-US" dirty="0"/>
           </a:p>
@@ -4861,7 +4861,7 @@
           <a:p>
             <a:fld id="{48A87A34-81AB-432B-8DAE-1953F412C126}" type="datetimeFigureOut">
               <a:rPr lang="en-US" dirty="0"/>
-              <a:t>3/5/2019</a:t>
+              <a:t>3/6/2019</a:t>
             </a:fld>
             <a:endParaRPr lang="en-US" dirty="0"/>
           </a:p>
@@ -5119,7 +5119,7 @@
           <a:p>
             <a:fld id="{48A87A34-81AB-432B-8DAE-1953F412C126}" type="datetimeFigureOut">
               <a:rPr lang="en-US" dirty="0"/>
-              <a:t>3/5/2019</a:t>
+              <a:t>3/6/2019</a:t>
             </a:fld>
             <a:endParaRPr lang="en-US" dirty="0"/>
           </a:p>
@@ -5548,7 +5548,7 @@
           <a:p>
             <a:fld id="{48A87A34-81AB-432B-8DAE-1953F412C126}" type="datetimeFigureOut">
               <a:rPr lang="en-US" dirty="0"/>
-              <a:t>3/5/2019</a:t>
+              <a:t>3/6/2019</a:t>
             </a:fld>
             <a:endParaRPr lang="en-US" dirty="0"/>
           </a:p>
@@ -6089,7 +6089,7 @@
           <a:p>
             <a:fld id="{48A87A34-81AB-432B-8DAE-1953F412C126}" type="datetimeFigureOut">
               <a:rPr lang="en-US" dirty="0"/>
-              <a:t>3/5/2019</a:t>
+              <a:t>3/6/2019</a:t>
             </a:fld>
             <a:endParaRPr lang="en-US" dirty="0"/>
           </a:p>
@@ -6804,7 +6804,7 @@
           <a:p>
             <a:fld id="{48A87A34-81AB-432B-8DAE-1953F412C126}" type="datetimeFigureOut">
               <a:rPr lang="en-US" dirty="0"/>
-              <a:t>3/5/2019</a:t>
+              <a:t>3/6/2019</a:t>
             </a:fld>
             <a:endParaRPr lang="en-US" dirty="0"/>
           </a:p>
@@ -6969,7 +6969,7 @@
           <a:p>
             <a:fld id="{48A87A34-81AB-432B-8DAE-1953F412C126}" type="datetimeFigureOut">
               <a:rPr lang="en-US" dirty="0"/>
-              <a:t>3/5/2019</a:t>
+              <a:t>3/6/2019</a:t>
             </a:fld>
             <a:endParaRPr lang="en-US" dirty="0"/>
           </a:p>
@@ -7144,7 +7144,7 @@
           <a:p>
             <a:fld id="{48A87A34-81AB-432B-8DAE-1953F412C126}" type="datetimeFigureOut">
               <a:rPr lang="en-US" dirty="0"/>
-              <a:t>3/5/2019</a:t>
+              <a:t>3/6/2019</a:t>
             </a:fld>
             <a:endParaRPr lang="en-US" dirty="0"/>
           </a:p>
@@ -7309,7 +7309,7 @@
           <a:p>
             <a:fld id="{48A87A34-81AB-432B-8DAE-1953F412C126}" type="datetimeFigureOut">
               <a:rPr lang="en-US" dirty="0"/>
-              <a:t>3/5/2019</a:t>
+              <a:t>3/6/2019</a:t>
             </a:fld>
             <a:endParaRPr lang="en-US" dirty="0"/>
           </a:p>
@@ -7554,7 +7554,7 @@
           <a:p>
             <a:fld id="{48A87A34-81AB-432B-8DAE-1953F412C126}" type="datetimeFigureOut">
               <a:rPr lang="en-US" dirty="0"/>
-              <a:t>3/5/2019</a:t>
+              <a:t>3/6/2019</a:t>
             </a:fld>
             <a:endParaRPr lang="en-US" dirty="0"/>
           </a:p>
@@ -7781,7 +7781,7 @@
           <a:p>
             <a:fld id="{48A87A34-81AB-432B-8DAE-1953F412C126}" type="datetimeFigureOut">
               <a:rPr lang="en-US" dirty="0"/>
-              <a:t>3/5/2019</a:t>
+              <a:t>3/6/2019</a:t>
             </a:fld>
             <a:endParaRPr lang="en-US" dirty="0"/>
           </a:p>
@@ -8157,7 +8157,7 @@
           <a:p>
             <a:fld id="{48A87A34-81AB-432B-8DAE-1953F412C126}" type="datetimeFigureOut">
               <a:rPr lang="en-US" dirty="0"/>
-              <a:t>3/5/2019</a:t>
+              <a:t>3/6/2019</a:t>
             </a:fld>
             <a:endParaRPr lang="en-US" dirty="0"/>
           </a:p>
@@ -8270,7 +8270,7 @@
           <a:p>
             <a:fld id="{48A87A34-81AB-432B-8DAE-1953F412C126}" type="datetimeFigureOut">
               <a:rPr lang="en-US" dirty="0"/>
-              <a:t>3/5/2019</a:t>
+              <a:t>3/6/2019</a:t>
             </a:fld>
             <a:endParaRPr lang="en-US" dirty="0"/>
           </a:p>
@@ -8360,7 +8360,7 @@
           <a:p>
             <a:fld id="{48A87A34-81AB-432B-8DAE-1953F412C126}" type="datetimeFigureOut">
               <a:rPr lang="en-US" dirty="0"/>
-              <a:t>3/5/2019</a:t>
+              <a:t>3/6/2019</a:t>
             </a:fld>
             <a:endParaRPr lang="en-US" dirty="0"/>
           </a:p>
@@ -8604,7 +8604,7 @@
           <a:p>
             <a:fld id="{48A87A34-81AB-432B-8DAE-1953F412C126}" type="datetimeFigureOut">
               <a:rPr lang="en-US" dirty="0"/>
-              <a:t>3/5/2019</a:t>
+              <a:t>3/6/2019</a:t>
             </a:fld>
             <a:endParaRPr lang="en-US" dirty="0"/>
           </a:p>
@@ -8879,7 +8879,7 @@
           <a:p>
             <a:fld id="{48A87A34-81AB-432B-8DAE-1953F412C126}" type="datetimeFigureOut">
               <a:rPr lang="en-US" dirty="0"/>
-              <a:t>3/5/2019</a:t>
+              <a:t>3/6/2019</a:t>
             </a:fld>
             <a:endParaRPr lang="en-US" dirty="0"/>
           </a:p>
@@ -8990,7 +8990,7 @@
           <a:noFill/>
           <a:extLst>
             <a:ext uri="{909E8E84-426E-40dd-AFC4-6F175D3DCCD1}">
-              <a14:hiddenFill xmlns="" xmlns:a14="http://schemas.microsoft.com/office/drawing/2010/main">
+              <a14:hiddenFill xmlns:a14="http://schemas.microsoft.com/office/drawing/2010/main" xmlns="">
                 <a:solidFill>
                   <a:srgbClr val="FFFFFF"/>
                 </a:solidFill>
@@ -9064,7 +9064,7 @@
               </a:ln>
               <a:extLst>
                 <a:ext uri="{91240B29-F687-4f45-9708-019B960494DF}">
-                  <a14:hiddenLine xmlns="" xmlns:a14="http://schemas.microsoft.com/office/drawing/2010/main" w="9525">
+                  <a14:hiddenLine xmlns:a14="http://schemas.microsoft.com/office/drawing/2010/main" xmlns="" w="9525">
                     <a:solidFill>
                       <a:srgbClr val="000000"/>
                     </a:solidFill>
@@ -9154,7 +9154,7 @@
               </a:ln>
               <a:extLst>
                 <a:ext uri="{91240B29-F687-4f45-9708-019B960494DF}">
-                  <a14:hiddenLine xmlns="" xmlns:a14="http://schemas.microsoft.com/office/drawing/2010/main" w="9525">
+                  <a14:hiddenLine xmlns:a14="http://schemas.microsoft.com/office/drawing/2010/main" xmlns="" w="9525">
                     <a:solidFill>
                       <a:srgbClr val="000000"/>
                     </a:solidFill>
@@ -9244,7 +9244,7 @@
               </a:ln>
               <a:extLst>
                 <a:ext uri="{91240B29-F687-4f45-9708-019B960494DF}">
-                  <a14:hiddenLine xmlns="" xmlns:a14="http://schemas.microsoft.com/office/drawing/2010/main" w="9525">
+                  <a14:hiddenLine xmlns:a14="http://schemas.microsoft.com/office/drawing/2010/main" xmlns="" w="9525">
                     <a:solidFill>
                       <a:srgbClr val="000000"/>
                     </a:solidFill>
@@ -9306,7 +9306,7 @@
               </a:ln>
               <a:extLst>
                 <a:ext uri="{91240B29-F687-4f45-9708-019B960494DF}">
-                  <a14:hiddenLine xmlns="" xmlns:a14="http://schemas.microsoft.com/office/drawing/2010/main" w="9525">
+                  <a14:hiddenLine xmlns:a14="http://schemas.microsoft.com/office/drawing/2010/main" xmlns="" w="9525">
                     <a:solidFill>
                       <a:srgbClr val="000000"/>
                     </a:solidFill>
@@ -9396,7 +9396,7 @@
               </a:ln>
               <a:extLst>
                 <a:ext uri="{91240B29-F687-4f45-9708-019B960494DF}">
-                  <a14:hiddenLine xmlns="" xmlns:a14="http://schemas.microsoft.com/office/drawing/2010/main" w="9525">
+                  <a14:hiddenLine xmlns:a14="http://schemas.microsoft.com/office/drawing/2010/main" xmlns="" w="9525">
                     <a:solidFill>
                       <a:srgbClr val="000000"/>
                     </a:solidFill>
@@ -9458,7 +9458,7 @@
               </a:ln>
               <a:extLst>
                 <a:ext uri="{91240B29-F687-4f45-9708-019B960494DF}">
-                  <a14:hiddenLine xmlns="" xmlns:a14="http://schemas.microsoft.com/office/drawing/2010/main" w="9525">
+                  <a14:hiddenLine xmlns:a14="http://schemas.microsoft.com/office/drawing/2010/main" xmlns="" w="9525">
                     <a:solidFill>
                       <a:srgbClr val="000000"/>
                     </a:solidFill>
@@ -9520,7 +9520,7 @@
               </a:ln>
               <a:extLst>
                 <a:ext uri="{91240B29-F687-4f45-9708-019B960494DF}">
-                  <a14:hiddenLine xmlns="" xmlns:a14="http://schemas.microsoft.com/office/drawing/2010/main" w="9525">
+                  <a14:hiddenLine xmlns:a14="http://schemas.microsoft.com/office/drawing/2010/main" xmlns="" w="9525">
                     <a:solidFill>
                       <a:srgbClr val="000000"/>
                     </a:solidFill>
@@ -9610,7 +9610,7 @@
               </a:ln>
               <a:extLst>
                 <a:ext uri="{91240B29-F687-4f45-9708-019B960494DF}">
-                  <a14:hiddenLine xmlns="" xmlns:a14="http://schemas.microsoft.com/office/drawing/2010/main" w="9525">
+                  <a14:hiddenLine xmlns:a14="http://schemas.microsoft.com/office/drawing/2010/main" xmlns="" w="9525">
                     <a:solidFill>
                       <a:srgbClr val="000000"/>
                     </a:solidFill>
@@ -9700,7 +9700,7 @@
               </a:ln>
               <a:extLst>
                 <a:ext uri="{91240B29-F687-4f45-9708-019B960494DF}">
-                  <a14:hiddenLine xmlns="" xmlns:a14="http://schemas.microsoft.com/office/drawing/2010/main" w="9525">
+                  <a14:hiddenLine xmlns:a14="http://schemas.microsoft.com/office/drawing/2010/main" xmlns="" w="9525">
                     <a:solidFill>
                       <a:srgbClr val="000000"/>
                     </a:solidFill>
@@ -9762,7 +9762,7 @@
               </a:ln>
               <a:extLst>
                 <a:ext uri="{91240B29-F687-4f45-9708-019B960494DF}">
-                  <a14:hiddenLine xmlns="" xmlns:a14="http://schemas.microsoft.com/office/drawing/2010/main" w="9525">
+                  <a14:hiddenLine xmlns:a14="http://schemas.microsoft.com/office/drawing/2010/main" xmlns="" w="9525">
                     <a:solidFill>
                       <a:srgbClr val="000000"/>
                     </a:solidFill>
@@ -9872,7 +9872,7 @@
               </a:ln>
               <a:extLst>
                 <a:ext uri="{91240B29-F687-4f45-9708-019B960494DF}">
-                  <a14:hiddenLine xmlns="" xmlns:a14="http://schemas.microsoft.com/office/drawing/2010/main" w="9525">
+                  <a14:hiddenLine xmlns:a14="http://schemas.microsoft.com/office/drawing/2010/main" xmlns="" w="9525">
                     <a:solidFill>
                       <a:srgbClr val="000000"/>
                     </a:solidFill>
@@ -9956,7 +9956,7 @@
               </a:ln>
               <a:extLst>
                 <a:ext uri="{91240B29-F687-4f45-9708-019B960494DF}">
-                  <a14:hiddenLine xmlns="" xmlns:a14="http://schemas.microsoft.com/office/drawing/2010/main" w="9525">
+                  <a14:hiddenLine xmlns:a14="http://schemas.microsoft.com/office/drawing/2010/main" xmlns="" w="9525">
                     <a:solidFill>
                       <a:srgbClr val="000000"/>
                     </a:solidFill>
@@ -10018,7 +10018,7 @@
               </a:ln>
               <a:extLst>
                 <a:ext uri="{91240B29-F687-4f45-9708-019B960494DF}">
-                  <a14:hiddenLine xmlns="" xmlns:a14="http://schemas.microsoft.com/office/drawing/2010/main" w="9525">
+                  <a14:hiddenLine xmlns:a14="http://schemas.microsoft.com/office/drawing/2010/main" xmlns="" w="9525">
                     <a:solidFill>
                       <a:srgbClr val="000000"/>
                     </a:solidFill>
@@ -10080,7 +10080,7 @@
               </a:ln>
               <a:extLst>
                 <a:ext uri="{91240B29-F687-4f45-9708-019B960494DF}">
-                  <a14:hiddenLine xmlns="" xmlns:a14="http://schemas.microsoft.com/office/drawing/2010/main" w="9525">
+                  <a14:hiddenLine xmlns:a14="http://schemas.microsoft.com/office/drawing/2010/main" xmlns="" w="9525">
                     <a:solidFill>
                       <a:srgbClr val="000000"/>
                     </a:solidFill>
@@ -10170,7 +10170,7 @@
               </a:ln>
               <a:extLst>
                 <a:ext uri="{91240B29-F687-4f45-9708-019B960494DF}">
-                  <a14:hiddenLine xmlns="" xmlns:a14="http://schemas.microsoft.com/office/drawing/2010/main" w="9525">
+                  <a14:hiddenLine xmlns:a14="http://schemas.microsoft.com/office/drawing/2010/main" xmlns="" w="9525">
                     <a:solidFill>
                       <a:srgbClr val="000000"/>
                     </a:solidFill>
@@ -10204,7 +10204,7 @@
               </a:ln>
               <a:extLst>
                 <a:ext uri="{91240B29-F687-4f45-9708-019B960494DF}">
-                  <a14:hiddenLine xmlns="" xmlns:a14="http://schemas.microsoft.com/office/drawing/2010/main" w="9525">
+                  <a14:hiddenLine xmlns:a14="http://schemas.microsoft.com/office/drawing/2010/main" xmlns="" w="9525">
                     <a:solidFill>
                       <a:srgbClr val="000000"/>
                     </a:solidFill>
@@ -10269,7 +10269,7 @@
               </a:ln>
               <a:extLst>
                 <a:ext uri="{91240B29-F687-4f45-9708-019B960494DF}">
-                  <a14:hiddenLine xmlns="" xmlns:a14="http://schemas.microsoft.com/office/drawing/2010/main" w="9525">
+                  <a14:hiddenLine xmlns:a14="http://schemas.microsoft.com/office/drawing/2010/main" xmlns="" w="9525">
                     <a:solidFill>
                       <a:srgbClr val="000000"/>
                     </a:solidFill>
@@ -10359,7 +10359,7 @@
               </a:ln>
               <a:extLst>
                 <a:ext uri="{91240B29-F687-4f45-9708-019B960494DF}">
-                  <a14:hiddenLine xmlns="" xmlns:a14="http://schemas.microsoft.com/office/drawing/2010/main" w="9525">
+                  <a14:hiddenLine xmlns:a14="http://schemas.microsoft.com/office/drawing/2010/main" xmlns="" w="9525">
                     <a:solidFill>
                       <a:srgbClr val="000000"/>
                     </a:solidFill>
@@ -10421,7 +10421,7 @@
               </a:ln>
               <a:extLst>
                 <a:ext uri="{91240B29-F687-4f45-9708-019B960494DF}">
-                  <a14:hiddenLine xmlns="" xmlns:a14="http://schemas.microsoft.com/office/drawing/2010/main" w="9525">
+                  <a14:hiddenLine xmlns:a14="http://schemas.microsoft.com/office/drawing/2010/main" xmlns="" w="9525">
                     <a:solidFill>
                       <a:srgbClr val="000000"/>
                     </a:solidFill>
@@ -10511,7 +10511,7 @@
               </a:ln>
               <a:extLst>
                 <a:ext uri="{91240B29-F687-4f45-9708-019B960494DF}">
-                  <a14:hiddenLine xmlns="" xmlns:a14="http://schemas.microsoft.com/office/drawing/2010/main" w="9525">
+                  <a14:hiddenLine xmlns:a14="http://schemas.microsoft.com/office/drawing/2010/main" xmlns="" w="9525">
                     <a:solidFill>
                       <a:srgbClr val="000000"/>
                     </a:solidFill>
@@ -10576,7 +10576,7 @@
               </a:ln>
               <a:extLst>
                 <a:ext uri="{91240B29-F687-4f45-9708-019B960494DF}">
-                  <a14:hiddenLine xmlns="" xmlns:a14="http://schemas.microsoft.com/office/drawing/2010/main" w="9525">
+                  <a14:hiddenLine xmlns:a14="http://schemas.microsoft.com/office/drawing/2010/main" xmlns="" w="9525">
                     <a:solidFill>
                       <a:srgbClr val="000000"/>
                     </a:solidFill>
@@ -10638,7 +10638,7 @@
               </a:ln>
               <a:extLst>
                 <a:ext uri="{91240B29-F687-4f45-9708-019B960494DF}">
-                  <a14:hiddenLine xmlns="" xmlns:a14="http://schemas.microsoft.com/office/drawing/2010/main" w="9525">
+                  <a14:hiddenLine xmlns:a14="http://schemas.microsoft.com/office/drawing/2010/main" xmlns="" w="9525">
                     <a:solidFill>
                       <a:srgbClr val="000000"/>
                     </a:solidFill>
@@ -10728,7 +10728,7 @@
               </a:ln>
               <a:extLst>
                 <a:ext uri="{91240B29-F687-4f45-9708-019B960494DF}">
-                  <a14:hiddenLine xmlns="" xmlns:a14="http://schemas.microsoft.com/office/drawing/2010/main" w="9525">
+                  <a14:hiddenLine xmlns:a14="http://schemas.microsoft.com/office/drawing/2010/main" xmlns="" w="9525">
                     <a:solidFill>
                       <a:srgbClr val="000000"/>
                     </a:solidFill>
@@ -10818,7 +10818,7 @@
               </a:ln>
               <a:extLst>
                 <a:ext uri="{91240B29-F687-4f45-9708-019B960494DF}">
-                  <a14:hiddenLine xmlns="" xmlns:a14="http://schemas.microsoft.com/office/drawing/2010/main" w="9525">
+                  <a14:hiddenLine xmlns:a14="http://schemas.microsoft.com/office/drawing/2010/main" xmlns="" w="9525">
                     <a:solidFill>
                       <a:srgbClr val="000000"/>
                     </a:solidFill>
@@ -10883,7 +10883,7 @@
               </a:ln>
               <a:extLst>
                 <a:ext uri="{91240B29-F687-4f45-9708-019B960494DF}">
-                  <a14:hiddenLine xmlns="" xmlns:a14="http://schemas.microsoft.com/office/drawing/2010/main" w="9525">
+                  <a14:hiddenLine xmlns:a14="http://schemas.microsoft.com/office/drawing/2010/main" xmlns="" w="9525">
                     <a:solidFill>
                       <a:srgbClr val="000000"/>
                     </a:solidFill>
@@ -11003,7 +11003,7 @@
               </a:ln>
               <a:extLst>
                 <a:ext uri="{91240B29-F687-4f45-9708-019B960494DF}">
-                  <a14:hiddenLine xmlns="" xmlns:a14="http://schemas.microsoft.com/office/drawing/2010/main" w="9525">
+                  <a14:hiddenLine xmlns:a14="http://schemas.microsoft.com/office/drawing/2010/main" xmlns="" w="9525">
                     <a:solidFill>
                       <a:srgbClr val="000000"/>
                     </a:solidFill>
@@ -11101,7 +11101,7 @@
               </a:ln>
               <a:extLst>
                 <a:ext uri="{91240B29-F687-4f45-9708-019B960494DF}">
-                  <a14:hiddenLine xmlns="" xmlns:a14="http://schemas.microsoft.com/office/drawing/2010/main" w="9525">
+                  <a14:hiddenLine xmlns:a14="http://schemas.microsoft.com/office/drawing/2010/main" xmlns="" w="9525">
                     <a:solidFill>
                       <a:srgbClr val="000000"/>
                     </a:solidFill>
@@ -11216,7 +11216,7 @@
               </a:ln>
               <a:extLst>
                 <a:ext uri="{91240B29-F687-4f45-9708-019B960494DF}">
-                  <a14:hiddenLine xmlns="" xmlns:a14="http://schemas.microsoft.com/office/drawing/2010/main" w="9525">
+                  <a14:hiddenLine xmlns:a14="http://schemas.microsoft.com/office/drawing/2010/main" xmlns="" w="9525">
                     <a:solidFill>
                       <a:srgbClr val="000000"/>
                     </a:solidFill>
@@ -11306,7 +11306,7 @@
               </a:ln>
               <a:extLst>
                 <a:ext uri="{91240B29-F687-4f45-9708-019B960494DF}">
-                  <a14:hiddenLine xmlns="" xmlns:a14="http://schemas.microsoft.com/office/drawing/2010/main" w="9525">
+                  <a14:hiddenLine xmlns:a14="http://schemas.microsoft.com/office/drawing/2010/main" xmlns="" w="9525">
                     <a:solidFill>
                       <a:srgbClr val="000000"/>
                     </a:solidFill>
@@ -11371,7 +11371,7 @@
               </a:ln>
               <a:extLst>
                 <a:ext uri="{91240B29-F687-4f45-9708-019B960494DF}">
-                  <a14:hiddenLine xmlns="" xmlns:a14="http://schemas.microsoft.com/office/drawing/2010/main" w="9525">
+                  <a14:hiddenLine xmlns:a14="http://schemas.microsoft.com/office/drawing/2010/main" xmlns="" w="9525">
                     <a:solidFill>
                       <a:srgbClr val="000000"/>
                     </a:solidFill>
@@ -11461,7 +11461,7 @@
               </a:ln>
               <a:extLst>
                 <a:ext uri="{91240B29-F687-4f45-9708-019B960494DF}">
-                  <a14:hiddenLine xmlns="" xmlns:a14="http://schemas.microsoft.com/office/drawing/2010/main" w="9525">
+                  <a14:hiddenLine xmlns:a14="http://schemas.microsoft.com/office/drawing/2010/main" xmlns="" w="9525">
                     <a:solidFill>
                       <a:srgbClr val="000000"/>
                     </a:solidFill>
@@ -11529,7 +11529,7 @@
               </a:ln>
               <a:extLst>
                 <a:ext uri="{91240B29-F687-4f45-9708-019B960494DF}">
-                  <a14:hiddenLine xmlns="" xmlns:a14="http://schemas.microsoft.com/office/drawing/2010/main" w="9525">
+                  <a14:hiddenLine xmlns:a14="http://schemas.microsoft.com/office/drawing/2010/main" xmlns="" w="9525">
                     <a:solidFill>
                       <a:srgbClr val="000000"/>
                     </a:solidFill>
@@ -11619,7 +11619,7 @@
               </a:ln>
               <a:extLst>
                 <a:ext uri="{91240B29-F687-4f45-9708-019B960494DF}">
-                  <a14:hiddenLine xmlns="" xmlns:a14="http://schemas.microsoft.com/office/drawing/2010/main" w="9525">
+                  <a14:hiddenLine xmlns:a14="http://schemas.microsoft.com/office/drawing/2010/main" xmlns="" w="9525">
                     <a:solidFill>
                       <a:srgbClr val="000000"/>
                     </a:solidFill>
@@ -11687,7 +11687,7 @@
               </a:ln>
               <a:extLst>
                 <a:ext uri="{91240B29-F687-4f45-9708-019B960494DF}">
-                  <a14:hiddenLine xmlns="" xmlns:a14="http://schemas.microsoft.com/office/drawing/2010/main" w="9525">
+                  <a14:hiddenLine xmlns:a14="http://schemas.microsoft.com/office/drawing/2010/main" xmlns="" w="9525">
                     <a:solidFill>
                       <a:srgbClr val="000000"/>
                     </a:solidFill>
@@ -11777,7 +11777,7 @@
               </a:ln>
               <a:extLst>
                 <a:ext uri="{91240B29-F687-4f45-9708-019B960494DF}">
-                  <a14:hiddenLine xmlns="" xmlns:a14="http://schemas.microsoft.com/office/drawing/2010/main" w="9525">
+                  <a14:hiddenLine xmlns:a14="http://schemas.microsoft.com/office/drawing/2010/main" xmlns="" w="9525">
                     <a:solidFill>
                       <a:srgbClr val="000000"/>
                     </a:solidFill>
@@ -11811,7 +11811,7 @@
               </a:ln>
               <a:extLst>
                 <a:ext uri="{91240B29-F687-4f45-9708-019B960494DF}">
-                  <a14:hiddenLine xmlns="" xmlns:a14="http://schemas.microsoft.com/office/drawing/2010/main" w="9525">
+                  <a14:hiddenLine xmlns:a14="http://schemas.microsoft.com/office/drawing/2010/main" xmlns="" w="9525">
                     <a:solidFill>
                       <a:srgbClr val="000000"/>
                     </a:solidFill>
@@ -11952,7 +11952,7 @@
             <a:fld id="{48A87A34-81AB-432B-8DAE-1953F412C126}" type="datetimeFigureOut">
               <a:rPr lang="en-US" dirty="0"/>
               <a:pPr/>
-              <a:t>3/5/2019</a:t>
+              <a:t>3/6/2019</a:t>
             </a:fld>
             <a:endParaRPr lang="en-US" dirty="0"/>
           </a:p>
@@ -25047,7 +25047,7 @@
         <p:spPr>
           <a:xfrm>
             <a:off x="814812" y="1259455"/>
-            <a:ext cx="10746463" cy="3662541"/>
+            <a:ext cx="10746463" cy="4770537"/>
           </a:xfrm>
           <a:prstGeom prst="rect">
             <a:avLst/>
@@ -25104,7 +25104,73 @@
             </a:pPr>
             <a:r>
               <a:rPr lang="en-US" sz="3200" dirty="0"/>
-              <a:t>The code for converting title to vector is here.</a:t>
+              <a:t>The code for converting title to vector is </a:t>
+            </a:r>
+            <a:r>
+              <a:rPr lang="en-US" sz="3200" dirty="0">
+                <a:hlinkClick r:id="rId2"/>
+              </a:rPr>
+              <a:t>here</a:t>
+            </a:r>
+            <a:r>
+              <a:rPr lang="en-US" sz="3200" dirty="0"/>
+              <a:t>.</a:t>
+            </a:r>
+          </a:p>
+          <a:p>
+            <a:pPr marL="914400" lvl="1" indent="-457200" defTabSz="914400" eaLnBrk="0" fontAlgn="base" hangingPunct="0">
+              <a:spcBef>
+                <a:spcPct val="0"/>
+              </a:spcBef>
+              <a:spcAft>
+                <a:spcPct val="0"/>
+              </a:spcAft>
+              <a:buFont typeface="Arial" panose="020B0604020202020204" pitchFamily="34" charset="0"/>
+              <a:buChar char="•"/>
+            </a:pPr>
+            <a:r>
+              <a:rPr lang="en-US" sz="2400" dirty="0"/>
+              <a:t>For simplicity, here only use </a:t>
+            </a:r>
+            <a:r>
+              <a:rPr lang="en-US" sz="2400" dirty="0" err="1"/>
+              <a:t>scikit</a:t>
+            </a:r>
+            <a:r>
+              <a:rPr lang="en-US" sz="2400" dirty="0"/>
+              <a:t>-lean’s bag of words(specific </a:t>
+            </a:r>
+            <a:r>
+              <a:rPr lang="en-US" sz="2400" dirty="0" err="1"/>
+              <a:t>HashingVectorizer</a:t>
+            </a:r>
+            <a:r>
+              <a:rPr lang="en-US" sz="2400" dirty="0"/>
+              <a:t>) because we have very big corpus also the title is free style.</a:t>
+            </a:r>
+          </a:p>
+          <a:p>
+            <a:pPr marL="914400" lvl="1" indent="-457200" defTabSz="914400" eaLnBrk="0" fontAlgn="base" hangingPunct="0">
+              <a:spcBef>
+                <a:spcPct val="0"/>
+              </a:spcBef>
+              <a:spcAft>
+                <a:spcPct val="0"/>
+              </a:spcAft>
+              <a:buFont typeface="Arial" panose="020B0604020202020204" pitchFamily="34" charset="0"/>
+              <a:buChar char="•"/>
+            </a:pPr>
+            <a:r>
+              <a:rPr lang="en-US" sz="2400" dirty="0"/>
+              <a:t>There are other choice like one-hot or </a:t>
+            </a:r>
+            <a:r>
+              <a:rPr lang="en-US" sz="2400" dirty="0" err="1"/>
+              <a:t>tfidi</a:t>
+            </a:r>
+            <a:r>
+              <a:rPr lang="en-US" sz="2400" dirty="0"/>
+              <a:t>. This is just a example.</a:t>
             </a:r>
           </a:p>
           <a:p>
@@ -25244,7 +25310,7 @@
             </a:pPr>
             <a:r>
               <a:rPr lang="en-US" sz="3200" dirty="0"/>
-              <a:t>  </a:t>
+              <a:t>  Result</a:t>
             </a:r>
             <a:endParaRPr lang="en-US" sz="2400" dirty="0"/>
           </a:p>
@@ -25739,7 +25805,7 @@
         <p:spPr>
           <a:xfrm>
             <a:off x="1173892" y="1189571"/>
-            <a:ext cx="10095471" cy="2308324"/>
+            <a:ext cx="10095471" cy="3293209"/>
           </a:xfrm>
           <a:prstGeom prst="rect">
             <a:avLst/>
@@ -25764,24 +25830,34 @@
             </a:pPr>
             <a:r>
               <a:rPr lang="en-US" altLang="en-US" sz="3200" dirty="0"/>
-              <a:t>Code: https://</a:t>
+              <a:t>Code: </a:t>
             </a:r>
             <a:r>
-              <a:rPr lang="en-US" altLang="en-US" sz="3200" dirty="0" err="1"/>
-              <a:t>github.com</a:t>
+              <a:rPr lang="en-US" altLang="en-US" sz="3200" dirty="0">
+                <a:hlinkClick r:id="rId2"/>
+              </a:rPr>
+              <a:t>https://github.com/billyean/anna</a:t>
             </a:r>
+            <a:endParaRPr lang="en-US" altLang="en-US" sz="3200" dirty="0"/>
+          </a:p>
+          <a:p>
+            <a:pPr marL="571500" indent="-571500" defTabSz="914400" eaLnBrk="0" fontAlgn="base" hangingPunct="0">
+              <a:spcBef>
+                <a:spcPct val="0"/>
+              </a:spcBef>
+              <a:spcAft>
+                <a:spcPct val="0"/>
+              </a:spcAft>
+              <a:buFont typeface="Arial" panose="020B0604020202020204" pitchFamily="34" charset="0"/>
+              <a:buChar char="•"/>
+            </a:pPr>
             <a:r>
-              <a:rPr lang="en-US" altLang="en-US" sz="3200" dirty="0"/>
-              <a:t>/</a:t>
+              <a:rPr lang="en-US" altLang="en-US" sz="3200" dirty="0">
+                <a:hlinkClick r:id="rId3"/>
+              </a:rPr>
+              <a:t>https://learning.oreilly.com/library/view/applied-text-analysis/9781491963036/ch04.html</a:t>
             </a:r>
-            <a:r>
-              <a:rPr lang="en-US" altLang="en-US" sz="3200" dirty="0" err="1"/>
-              <a:t>billyean</a:t>
-            </a:r>
-            <a:r>
-              <a:rPr lang="en-US" altLang="en-US" sz="3200" dirty="0"/>
-              <a:t>/anna</a:t>
-            </a:r>
+            <a:endParaRPr lang="en-US" altLang="en-US" sz="3200" dirty="0"/>
           </a:p>
           <a:p>
             <a:pPr marL="1028700" lvl="1" indent="-571500" defTabSz="914400" eaLnBrk="0" fontAlgn="base" hangingPunct="0">
